--- a/presentation/layout(2).pptx
+++ b/presentation/layout(2).pptx
@@ -10,15 +10,16 @@
     <p:sldId id="258" r:id="rId4"/>
     <p:sldId id="260" r:id="rId5"/>
     <p:sldId id="259" r:id="rId6"/>
-    <p:sldId id="264" r:id="rId7"/>
-    <p:sldId id="265" r:id="rId8"/>
-    <p:sldId id="261" r:id="rId9"/>
-    <p:sldId id="263" r:id="rId10"/>
-    <p:sldId id="262" r:id="rId11"/>
-    <p:sldId id="266" r:id="rId12"/>
-    <p:sldId id="267" r:id="rId13"/>
-    <p:sldId id="268" r:id="rId14"/>
-    <p:sldId id="269" r:id="rId15"/>
+    <p:sldId id="265" r:id="rId7"/>
+    <p:sldId id="270" r:id="rId8"/>
+    <p:sldId id="264" r:id="rId9"/>
+    <p:sldId id="261" r:id="rId10"/>
+    <p:sldId id="263" r:id="rId11"/>
+    <p:sldId id="262" r:id="rId12"/>
+    <p:sldId id="266" r:id="rId13"/>
+    <p:sldId id="267" r:id="rId14"/>
+    <p:sldId id="268" r:id="rId15"/>
+    <p:sldId id="269" r:id="rId16"/>
   </p:sldIdLst>
   <p:sldSz cx="12192000" cy="6858000"/>
   <p:notesSz cx="6858000" cy="9144000"/>
@@ -126,15 +127,15 @@
 </file>
 
 <file path=ppt/diagrams/colors1.xml><?xml version="1.0" encoding="utf-8"?>
-<dgm:colorsDef xmlns:dgm="http://schemas.openxmlformats.org/drawingml/2006/diagram" xmlns:a="http://schemas.openxmlformats.org/drawingml/2006/main" uniqueId="urn:microsoft.com/office/officeart/2005/8/colors/accent6_2">
+<dgm:colorsDef xmlns:dgm="http://schemas.openxmlformats.org/drawingml/2006/diagram" xmlns:a="http://schemas.openxmlformats.org/drawingml/2006/main" uniqueId="urn:microsoft.com/office/officeart/2005/8/colors/accent1_2">
   <dgm:title val=""/>
   <dgm:desc val=""/>
   <dgm:catLst>
-    <dgm:cat type="accent6" pri="11200"/>
+    <dgm:cat type="accent1" pri="11200"/>
   </dgm:catLst>
   <dgm:styleLbl name="node0">
     <dgm:fillClrLst meth="repeat">
-      <a:schemeClr val="accent6"/>
+      <a:schemeClr val="accent1"/>
     </dgm:fillClrLst>
     <dgm:linClrLst meth="repeat">
       <a:schemeClr val="lt1"/>
@@ -144,9 +145,21 @@
     <dgm:txFillClrLst/>
     <dgm:txEffectClrLst/>
   </dgm:styleLbl>
+  <dgm:styleLbl name="alignNode1">
+    <dgm:fillClrLst meth="repeat">
+      <a:schemeClr val="accent1"/>
+    </dgm:fillClrLst>
+    <dgm:linClrLst meth="repeat">
+      <a:schemeClr val="accent1"/>
+    </dgm:linClrLst>
+    <dgm:effectClrLst/>
+    <dgm:txLinClrLst/>
+    <dgm:txFillClrLst/>
+    <dgm:txEffectClrLst/>
+  </dgm:styleLbl>
   <dgm:styleLbl name="node1">
     <dgm:fillClrLst meth="repeat">
-      <a:schemeClr val="accent6"/>
+      <a:schemeClr val="accent1"/>
     </dgm:fillClrLst>
     <dgm:linClrLst meth="repeat">
       <a:schemeClr val="lt1"/>
@@ -156,21 +169,9 @@
     <dgm:txFillClrLst/>
     <dgm:txEffectClrLst/>
   </dgm:styleLbl>
-  <dgm:styleLbl name="alignNode1">
-    <dgm:fillClrLst meth="repeat">
-      <a:schemeClr val="accent6"/>
-    </dgm:fillClrLst>
-    <dgm:linClrLst meth="repeat">
-      <a:schemeClr val="accent6"/>
-    </dgm:linClrLst>
-    <dgm:effectClrLst/>
-    <dgm:txLinClrLst/>
-    <dgm:txFillClrLst/>
-    <dgm:txEffectClrLst/>
-  </dgm:styleLbl>
   <dgm:styleLbl name="lnNode1">
     <dgm:fillClrLst meth="repeat">
-      <a:schemeClr val="accent6"/>
+      <a:schemeClr val="accent1"/>
     </dgm:fillClrLst>
     <dgm:linClrLst meth="repeat">
       <a:schemeClr val="lt1"/>
@@ -182,7 +183,7 @@
   </dgm:styleLbl>
   <dgm:styleLbl name="vennNode1">
     <dgm:fillClrLst meth="repeat">
-      <a:schemeClr val="accent6">
+      <a:schemeClr val="accent1">
         <a:alpha val="50000"/>
       </a:schemeClr>
     </dgm:fillClrLst>
@@ -196,7 +197,7 @@
   </dgm:styleLbl>
   <dgm:styleLbl name="node2">
     <dgm:fillClrLst meth="repeat">
-      <a:schemeClr val="accent6"/>
+      <a:schemeClr val="accent1"/>
     </dgm:fillClrLst>
     <dgm:linClrLst meth="repeat">
       <a:schemeClr val="lt1"/>
@@ -208,7 +209,7 @@
   </dgm:styleLbl>
   <dgm:styleLbl name="node3">
     <dgm:fillClrLst meth="repeat">
-      <a:schemeClr val="accent6"/>
+      <a:schemeClr val="accent1"/>
     </dgm:fillClrLst>
     <dgm:linClrLst meth="repeat">
       <a:schemeClr val="lt1"/>
@@ -220,7 +221,7 @@
   </dgm:styleLbl>
   <dgm:styleLbl name="node4">
     <dgm:fillClrLst meth="repeat">
-      <a:schemeClr val="accent6"/>
+      <a:schemeClr val="accent1"/>
     </dgm:fillClrLst>
     <dgm:linClrLst meth="repeat">
       <a:schemeClr val="lt1"/>
@@ -232,7 +233,7 @@
   </dgm:styleLbl>
   <dgm:styleLbl name="fgImgPlace1">
     <dgm:fillClrLst meth="repeat">
-      <a:schemeClr val="accent6">
+      <a:schemeClr val="accent1">
         <a:tint val="50000"/>
       </a:schemeClr>
     </dgm:fillClrLst>
@@ -248,7 +249,7 @@
   </dgm:styleLbl>
   <dgm:styleLbl name="alignImgPlace1">
     <dgm:fillClrLst meth="repeat">
-      <a:schemeClr val="accent6">
+      <a:schemeClr val="accent1">
         <a:tint val="50000"/>
       </a:schemeClr>
     </dgm:fillClrLst>
@@ -264,7 +265,7 @@
   </dgm:styleLbl>
   <dgm:styleLbl name="bgImgPlace1">
     <dgm:fillClrLst meth="repeat">
-      <a:schemeClr val="accent6">
+      <a:schemeClr val="accent1">
         <a:tint val="50000"/>
       </a:schemeClr>
     </dgm:fillClrLst>
@@ -280,12 +281,12 @@
   </dgm:styleLbl>
   <dgm:styleLbl name="sibTrans2D1">
     <dgm:fillClrLst meth="repeat">
-      <a:schemeClr val="accent6">
+      <a:schemeClr val="accent1">
         <a:tint val="60000"/>
       </a:schemeClr>
     </dgm:fillClrLst>
     <dgm:linClrLst meth="repeat">
-      <a:schemeClr val="accent6">
+      <a:schemeClr val="accent1">
         <a:tint val="60000"/>
       </a:schemeClr>
     </dgm:linClrLst>
@@ -296,12 +297,12 @@
   </dgm:styleLbl>
   <dgm:styleLbl name="fgSibTrans2D1">
     <dgm:fillClrLst meth="repeat">
-      <a:schemeClr val="accent6">
+      <a:schemeClr val="accent1">
         <a:tint val="60000"/>
       </a:schemeClr>
     </dgm:fillClrLst>
     <dgm:linClrLst meth="repeat">
-      <a:schemeClr val="accent6">
+      <a:schemeClr val="accent1">
         <a:tint val="60000"/>
       </a:schemeClr>
     </dgm:linClrLst>
@@ -312,12 +313,12 @@
   </dgm:styleLbl>
   <dgm:styleLbl name="bgSibTrans2D1">
     <dgm:fillClrLst meth="repeat">
-      <a:schemeClr val="accent6">
+      <a:schemeClr val="accent1">
         <a:tint val="60000"/>
       </a:schemeClr>
     </dgm:fillClrLst>
     <dgm:linClrLst meth="repeat">
-      <a:schemeClr val="accent6">
+      <a:schemeClr val="accent1">
         <a:tint val="60000"/>
       </a:schemeClr>
     </dgm:linClrLst>
@@ -328,10 +329,10 @@
   </dgm:styleLbl>
   <dgm:styleLbl name="sibTrans1D1">
     <dgm:fillClrLst meth="repeat">
-      <a:schemeClr val="accent6"/>
+      <a:schemeClr val="accent1"/>
     </dgm:fillClrLst>
     <dgm:linClrLst meth="repeat">
-      <a:schemeClr val="accent6"/>
+      <a:schemeClr val="accent1"/>
     </dgm:linClrLst>
     <dgm:effectClrLst/>
     <dgm:txLinClrLst/>
@@ -342,10 +343,10 @@
   </dgm:styleLbl>
   <dgm:styleLbl name="callout">
     <dgm:fillClrLst meth="repeat">
-      <a:schemeClr val="accent6"/>
+      <a:schemeClr val="accent1"/>
     </dgm:fillClrLst>
     <dgm:linClrLst meth="repeat">
-      <a:schemeClr val="accent6">
+      <a:schemeClr val="accent1">
         <a:tint val="50000"/>
       </a:schemeClr>
     </dgm:linClrLst>
@@ -358,7 +359,7 @@
   </dgm:styleLbl>
   <dgm:styleLbl name="asst0">
     <dgm:fillClrLst meth="repeat">
-      <a:schemeClr val="accent6"/>
+      <a:schemeClr val="accent1"/>
     </dgm:fillClrLst>
     <dgm:linClrLst meth="repeat">
       <a:schemeClr val="lt1"/>
@@ -370,7 +371,7 @@
   </dgm:styleLbl>
   <dgm:styleLbl name="asst1">
     <dgm:fillClrLst meth="repeat">
-      <a:schemeClr val="accent6"/>
+      <a:schemeClr val="accent1"/>
     </dgm:fillClrLst>
     <dgm:linClrLst meth="repeat">
       <a:schemeClr val="lt1"/>
@@ -382,7 +383,7 @@
   </dgm:styleLbl>
   <dgm:styleLbl name="asst2">
     <dgm:fillClrLst meth="repeat">
-      <a:schemeClr val="accent6"/>
+      <a:schemeClr val="accent1"/>
     </dgm:fillClrLst>
     <dgm:linClrLst meth="repeat">
       <a:schemeClr val="lt1"/>
@@ -394,7 +395,7 @@
   </dgm:styleLbl>
   <dgm:styleLbl name="asst3">
     <dgm:fillClrLst meth="repeat">
-      <a:schemeClr val="accent6"/>
+      <a:schemeClr val="accent1"/>
     </dgm:fillClrLst>
     <dgm:linClrLst meth="repeat">
       <a:schemeClr val="lt1"/>
@@ -406,7 +407,7 @@
   </dgm:styleLbl>
   <dgm:styleLbl name="asst4">
     <dgm:fillClrLst meth="repeat">
-      <a:schemeClr val="accent6"/>
+      <a:schemeClr val="accent1"/>
     </dgm:fillClrLst>
     <dgm:linClrLst meth="repeat">
       <a:schemeClr val="lt1"/>
@@ -418,12 +419,12 @@
   </dgm:styleLbl>
   <dgm:styleLbl name="parChTrans2D1">
     <dgm:fillClrLst meth="repeat">
-      <a:schemeClr val="accent6">
+      <a:schemeClr val="accent1">
         <a:tint val="60000"/>
       </a:schemeClr>
     </dgm:fillClrLst>
     <dgm:linClrLst meth="repeat">
-      <a:schemeClr val="accent6">
+      <a:schemeClr val="accent1">
         <a:tint val="60000"/>
       </a:schemeClr>
     </dgm:linClrLst>
@@ -436,10 +437,10 @@
   </dgm:styleLbl>
   <dgm:styleLbl name="parChTrans2D2">
     <dgm:fillClrLst meth="repeat">
-      <a:schemeClr val="accent6"/>
+      <a:schemeClr val="accent1"/>
     </dgm:fillClrLst>
     <dgm:linClrLst meth="repeat">
-      <a:schemeClr val="accent6"/>
+      <a:schemeClr val="accent1"/>
     </dgm:linClrLst>
     <dgm:effectClrLst/>
     <dgm:txLinClrLst/>
@@ -450,10 +451,10 @@
   </dgm:styleLbl>
   <dgm:styleLbl name="parChTrans2D3">
     <dgm:fillClrLst meth="repeat">
-      <a:schemeClr val="accent6"/>
+      <a:schemeClr val="accent1"/>
     </dgm:fillClrLst>
     <dgm:linClrLst meth="repeat">
-      <a:schemeClr val="accent6"/>
+      <a:schemeClr val="accent1"/>
     </dgm:linClrLst>
     <dgm:effectClrLst/>
     <dgm:txLinClrLst/>
@@ -464,10 +465,10 @@
   </dgm:styleLbl>
   <dgm:styleLbl name="parChTrans2D4">
     <dgm:fillClrLst meth="repeat">
-      <a:schemeClr val="accent6"/>
+      <a:schemeClr val="accent1"/>
     </dgm:fillClrLst>
     <dgm:linClrLst meth="repeat">
-      <a:schemeClr val="accent6"/>
+      <a:schemeClr val="accent1"/>
     </dgm:linClrLst>
     <dgm:effectClrLst/>
     <dgm:txLinClrLst/>
@@ -478,10 +479,10 @@
   </dgm:styleLbl>
   <dgm:styleLbl name="parChTrans1D1">
     <dgm:fillClrLst meth="repeat">
-      <a:schemeClr val="accent6"/>
+      <a:schemeClr val="accent1"/>
     </dgm:fillClrLst>
     <dgm:linClrLst meth="repeat">
-      <a:schemeClr val="accent6">
+      <a:schemeClr val="accent1">
         <a:shade val="60000"/>
       </a:schemeClr>
     </dgm:linClrLst>
@@ -494,10 +495,10 @@
   </dgm:styleLbl>
   <dgm:styleLbl name="parChTrans1D2">
     <dgm:fillClrLst meth="repeat">
-      <a:schemeClr val="accent6"/>
+      <a:schemeClr val="accent1"/>
     </dgm:fillClrLst>
     <dgm:linClrLst meth="repeat">
-      <a:schemeClr val="accent6">
+      <a:schemeClr val="accent1">
         <a:shade val="60000"/>
       </a:schemeClr>
     </dgm:linClrLst>
@@ -510,10 +511,10 @@
   </dgm:styleLbl>
   <dgm:styleLbl name="parChTrans1D3">
     <dgm:fillClrLst meth="repeat">
-      <a:schemeClr val="accent6"/>
+      <a:schemeClr val="accent1"/>
     </dgm:fillClrLst>
     <dgm:linClrLst meth="repeat">
-      <a:schemeClr val="accent6">
+      <a:schemeClr val="accent1">
         <a:shade val="80000"/>
       </a:schemeClr>
     </dgm:linClrLst>
@@ -526,10 +527,10 @@
   </dgm:styleLbl>
   <dgm:styleLbl name="parChTrans1D4">
     <dgm:fillClrLst meth="repeat">
-      <a:schemeClr val="accent6"/>
+      <a:schemeClr val="accent1"/>
     </dgm:fillClrLst>
     <dgm:linClrLst meth="repeat">
-      <a:schemeClr val="accent6">
+      <a:schemeClr val="accent1">
         <a:shade val="80000"/>
       </a:schemeClr>
     </dgm:linClrLst>
@@ -547,7 +548,7 @@
       </a:schemeClr>
     </dgm:fillClrLst>
     <dgm:linClrLst meth="repeat">
-      <a:schemeClr val="accent6"/>
+      <a:schemeClr val="accent1"/>
     </dgm:linClrLst>
     <dgm:effectClrLst/>
     <dgm:txLinClrLst/>
@@ -563,7 +564,7 @@
       </a:schemeClr>
     </dgm:fillClrLst>
     <dgm:linClrLst meth="repeat">
-      <a:schemeClr val="accent6"/>
+      <a:schemeClr val="accent1"/>
     </dgm:linClrLst>
     <dgm:effectClrLst/>
     <dgm:txLinClrLst/>
@@ -579,7 +580,7 @@
       </a:schemeClr>
     </dgm:fillClrLst>
     <dgm:linClrLst meth="repeat">
-      <a:schemeClr val="accent6"/>
+      <a:schemeClr val="accent1"/>
     </dgm:linClrLst>
     <dgm:effectClrLst/>
     <dgm:txLinClrLst/>
@@ -595,7 +596,7 @@
       </a:schemeClr>
     </dgm:fillClrLst>
     <dgm:linClrLst meth="repeat">
-      <a:schemeClr val="accent6"/>
+      <a:schemeClr val="accent1"/>
     </dgm:linClrLst>
     <dgm:effectClrLst/>
     <dgm:txLinClrLst/>
@@ -611,7 +612,7 @@
       </a:schemeClr>
     </dgm:fillClrLst>
     <dgm:linClrLst meth="repeat">
-      <a:schemeClr val="accent6"/>
+      <a:schemeClr val="accent1"/>
     </dgm:linClrLst>
     <dgm:effectClrLst/>
     <dgm:txLinClrLst/>
@@ -625,7 +626,7 @@
       <a:schemeClr val="lt1"/>
     </dgm:fillClrLst>
     <dgm:linClrLst meth="repeat">
-      <a:schemeClr val="accent6"/>
+      <a:schemeClr val="accent1"/>
     </dgm:linClrLst>
     <dgm:effectClrLst/>
     <dgm:txLinClrLst/>
@@ -639,7 +640,7 @@
       <a:schemeClr val="lt1"/>
     </dgm:fillClrLst>
     <dgm:linClrLst meth="repeat">
-      <a:schemeClr val="accent6"/>
+      <a:schemeClr val="accent1"/>
     </dgm:linClrLst>
     <dgm:effectClrLst/>
     <dgm:txLinClrLst/>
@@ -653,7 +654,7 @@
       <a:schemeClr val="lt1"/>
     </dgm:fillClrLst>
     <dgm:linClrLst meth="repeat">
-      <a:schemeClr val="accent6"/>
+      <a:schemeClr val="accent1"/>
     </dgm:linClrLst>
     <dgm:effectClrLst/>
     <dgm:txLinClrLst/>
@@ -664,13 +665,13 @@
   </dgm:styleLbl>
   <dgm:styleLbl name="fgAccFollowNode1">
     <dgm:fillClrLst meth="repeat">
-      <a:schemeClr val="accent6">
+      <a:schemeClr val="accent1">
         <a:alpha val="90000"/>
         <a:tint val="40000"/>
       </a:schemeClr>
     </dgm:fillClrLst>
     <dgm:linClrLst meth="repeat">
-      <a:schemeClr val="accent6">
+      <a:schemeClr val="accent1">
         <a:alpha val="90000"/>
         <a:tint val="40000"/>
       </a:schemeClr>
@@ -684,13 +685,13 @@
   </dgm:styleLbl>
   <dgm:styleLbl name="alignAccFollowNode1">
     <dgm:fillClrLst meth="repeat">
-      <a:schemeClr val="accent6">
+      <a:schemeClr val="accent1">
         <a:alpha val="90000"/>
         <a:tint val="40000"/>
       </a:schemeClr>
     </dgm:fillClrLst>
     <dgm:linClrLst meth="repeat">
-      <a:schemeClr val="accent6">
+      <a:schemeClr val="accent1">
         <a:alpha val="90000"/>
         <a:tint val="40000"/>
       </a:schemeClr>
@@ -704,13 +705,13 @@
   </dgm:styleLbl>
   <dgm:styleLbl name="bgAccFollowNode1">
     <dgm:fillClrLst meth="repeat">
-      <a:schemeClr val="accent6">
+      <a:schemeClr val="accent1">
         <a:alpha val="90000"/>
         <a:tint val="40000"/>
       </a:schemeClr>
     </dgm:fillClrLst>
     <dgm:linClrLst meth="repeat">
-      <a:schemeClr val="accent6">
+      <a:schemeClr val="accent1">
         <a:alpha val="90000"/>
         <a:tint val="40000"/>
       </a:schemeClr>
@@ -729,7 +730,7 @@
       </a:schemeClr>
     </dgm:fillClrLst>
     <dgm:linClrLst meth="repeat">
-      <a:schemeClr val="accent6"/>
+      <a:schemeClr val="accent1"/>
     </dgm:linClrLst>
     <dgm:effectClrLst/>
     <dgm:txLinClrLst/>
@@ -745,7 +746,7 @@
       </a:schemeClr>
     </dgm:fillClrLst>
     <dgm:linClrLst meth="repeat">
-      <a:schemeClr val="accent6"/>
+      <a:schemeClr val="accent1"/>
     </dgm:linClrLst>
     <dgm:effectClrLst/>
     <dgm:txLinClrLst/>
@@ -761,7 +762,7 @@
       </a:schemeClr>
     </dgm:fillClrLst>
     <dgm:linClrLst meth="repeat">
-      <a:schemeClr val="accent6"/>
+      <a:schemeClr val="accent1"/>
     </dgm:linClrLst>
     <dgm:effectClrLst/>
     <dgm:txLinClrLst/>
@@ -777,7 +778,7 @@
       </a:schemeClr>
     </dgm:fillClrLst>
     <dgm:linClrLst meth="repeat">
-      <a:schemeClr val="accent6"/>
+      <a:schemeClr val="accent1"/>
     </dgm:linClrLst>
     <dgm:effectClrLst/>
     <dgm:txLinClrLst/>
@@ -788,12 +789,12 @@
   </dgm:styleLbl>
   <dgm:styleLbl name="bgShp">
     <dgm:fillClrLst meth="repeat">
-      <a:schemeClr val="accent6">
+      <a:schemeClr val="accent1">
         <a:tint val="40000"/>
       </a:schemeClr>
     </dgm:fillClrLst>
     <dgm:linClrLst meth="repeat">
-      <a:schemeClr val="accent6"/>
+      <a:schemeClr val="accent1"/>
     </dgm:linClrLst>
     <dgm:effectClrLst/>
     <dgm:txLinClrLst/>
@@ -804,12 +805,12 @@
   </dgm:styleLbl>
   <dgm:styleLbl name="dkBgShp">
     <dgm:fillClrLst meth="repeat">
-      <a:schemeClr val="accent6">
+      <a:schemeClr val="accent1">
         <a:shade val="80000"/>
       </a:schemeClr>
     </dgm:fillClrLst>
     <dgm:linClrLst meth="repeat">
-      <a:schemeClr val="accent6"/>
+      <a:schemeClr val="accent1"/>
     </dgm:linClrLst>
     <dgm:effectClrLst/>
     <dgm:txLinClrLst/>
@@ -820,13 +821,13 @@
   </dgm:styleLbl>
   <dgm:styleLbl name="trBgShp">
     <dgm:fillClrLst meth="repeat">
-      <a:schemeClr val="accent6">
+      <a:schemeClr val="accent1">
         <a:tint val="50000"/>
         <a:alpha val="40000"/>
       </a:schemeClr>
     </dgm:fillClrLst>
     <dgm:linClrLst meth="repeat">
-      <a:schemeClr val="accent6"/>
+      <a:schemeClr val="accent1"/>
     </dgm:linClrLst>
     <dgm:effectClrLst/>
     <dgm:txLinClrLst/>
@@ -837,7 +838,7 @@
   </dgm:styleLbl>
   <dgm:styleLbl name="fgShp">
     <dgm:fillClrLst meth="repeat">
-      <a:schemeClr val="accent6">
+      <a:schemeClr val="accent1">
         <a:tint val="60000"/>
       </a:schemeClr>
     </dgm:fillClrLst>
@@ -2366,1311 +2367,7 @@
 </dgm:colorsDef>
 </file>
 
-<file path=ppt/diagrams/colors4.xml><?xml version="1.0" encoding="utf-8"?>
-<dgm:colorsDef xmlns:dgm="http://schemas.openxmlformats.org/drawingml/2006/diagram" xmlns:a="http://schemas.openxmlformats.org/drawingml/2006/main" uniqueId="urn:microsoft.com/office/officeart/2005/8/colors/accent1_2">
-  <dgm:title val=""/>
-  <dgm:desc val=""/>
-  <dgm:catLst>
-    <dgm:cat type="accent1" pri="11200"/>
-  </dgm:catLst>
-  <dgm:styleLbl name="node0">
-    <dgm:fillClrLst meth="repeat">
-      <a:schemeClr val="accent1"/>
-    </dgm:fillClrLst>
-    <dgm:linClrLst meth="repeat">
-      <a:schemeClr val="lt1"/>
-    </dgm:linClrLst>
-    <dgm:effectClrLst/>
-    <dgm:txLinClrLst/>
-    <dgm:txFillClrLst/>
-    <dgm:txEffectClrLst/>
-  </dgm:styleLbl>
-  <dgm:styleLbl name="alignNode1">
-    <dgm:fillClrLst meth="repeat">
-      <a:schemeClr val="accent1"/>
-    </dgm:fillClrLst>
-    <dgm:linClrLst meth="repeat">
-      <a:schemeClr val="accent1"/>
-    </dgm:linClrLst>
-    <dgm:effectClrLst/>
-    <dgm:txLinClrLst/>
-    <dgm:txFillClrLst/>
-    <dgm:txEffectClrLst/>
-  </dgm:styleLbl>
-  <dgm:styleLbl name="node1">
-    <dgm:fillClrLst meth="repeat">
-      <a:schemeClr val="accent1"/>
-    </dgm:fillClrLst>
-    <dgm:linClrLst meth="repeat">
-      <a:schemeClr val="lt1"/>
-    </dgm:linClrLst>
-    <dgm:effectClrLst/>
-    <dgm:txLinClrLst/>
-    <dgm:txFillClrLst/>
-    <dgm:txEffectClrLst/>
-  </dgm:styleLbl>
-  <dgm:styleLbl name="lnNode1">
-    <dgm:fillClrLst meth="repeat">
-      <a:schemeClr val="accent1"/>
-    </dgm:fillClrLst>
-    <dgm:linClrLst meth="repeat">
-      <a:schemeClr val="lt1"/>
-    </dgm:linClrLst>
-    <dgm:effectClrLst/>
-    <dgm:txLinClrLst/>
-    <dgm:txFillClrLst/>
-    <dgm:txEffectClrLst/>
-  </dgm:styleLbl>
-  <dgm:styleLbl name="vennNode1">
-    <dgm:fillClrLst meth="repeat">
-      <a:schemeClr val="accent1">
-        <a:alpha val="50000"/>
-      </a:schemeClr>
-    </dgm:fillClrLst>
-    <dgm:linClrLst meth="repeat">
-      <a:schemeClr val="lt1"/>
-    </dgm:linClrLst>
-    <dgm:effectClrLst/>
-    <dgm:txLinClrLst/>
-    <dgm:txFillClrLst/>
-    <dgm:txEffectClrLst/>
-  </dgm:styleLbl>
-  <dgm:styleLbl name="node2">
-    <dgm:fillClrLst meth="repeat">
-      <a:schemeClr val="accent1"/>
-    </dgm:fillClrLst>
-    <dgm:linClrLst meth="repeat">
-      <a:schemeClr val="lt1"/>
-    </dgm:linClrLst>
-    <dgm:effectClrLst/>
-    <dgm:txLinClrLst/>
-    <dgm:txFillClrLst/>
-    <dgm:txEffectClrLst/>
-  </dgm:styleLbl>
-  <dgm:styleLbl name="node3">
-    <dgm:fillClrLst meth="repeat">
-      <a:schemeClr val="accent1"/>
-    </dgm:fillClrLst>
-    <dgm:linClrLst meth="repeat">
-      <a:schemeClr val="lt1"/>
-    </dgm:linClrLst>
-    <dgm:effectClrLst/>
-    <dgm:txLinClrLst/>
-    <dgm:txFillClrLst/>
-    <dgm:txEffectClrLst/>
-  </dgm:styleLbl>
-  <dgm:styleLbl name="node4">
-    <dgm:fillClrLst meth="repeat">
-      <a:schemeClr val="accent1"/>
-    </dgm:fillClrLst>
-    <dgm:linClrLst meth="repeat">
-      <a:schemeClr val="lt1"/>
-    </dgm:linClrLst>
-    <dgm:effectClrLst/>
-    <dgm:txLinClrLst/>
-    <dgm:txFillClrLst/>
-    <dgm:txEffectClrLst/>
-  </dgm:styleLbl>
-  <dgm:styleLbl name="fgImgPlace1">
-    <dgm:fillClrLst meth="repeat">
-      <a:schemeClr val="accent1">
-        <a:tint val="50000"/>
-      </a:schemeClr>
-    </dgm:fillClrLst>
-    <dgm:linClrLst meth="repeat">
-      <a:schemeClr val="lt1"/>
-    </dgm:linClrLst>
-    <dgm:effectClrLst/>
-    <dgm:txLinClrLst/>
-    <dgm:txFillClrLst meth="repeat">
-      <a:schemeClr val="lt1"/>
-    </dgm:txFillClrLst>
-    <dgm:txEffectClrLst/>
-  </dgm:styleLbl>
-  <dgm:styleLbl name="alignImgPlace1">
-    <dgm:fillClrLst meth="repeat">
-      <a:schemeClr val="accent1">
-        <a:tint val="50000"/>
-      </a:schemeClr>
-    </dgm:fillClrLst>
-    <dgm:linClrLst meth="repeat">
-      <a:schemeClr val="lt1"/>
-    </dgm:linClrLst>
-    <dgm:effectClrLst/>
-    <dgm:txLinClrLst/>
-    <dgm:txFillClrLst meth="repeat">
-      <a:schemeClr val="lt1"/>
-    </dgm:txFillClrLst>
-    <dgm:txEffectClrLst/>
-  </dgm:styleLbl>
-  <dgm:styleLbl name="bgImgPlace1">
-    <dgm:fillClrLst meth="repeat">
-      <a:schemeClr val="accent1">
-        <a:tint val="50000"/>
-      </a:schemeClr>
-    </dgm:fillClrLst>
-    <dgm:linClrLst meth="repeat">
-      <a:schemeClr val="lt1"/>
-    </dgm:linClrLst>
-    <dgm:effectClrLst/>
-    <dgm:txLinClrLst/>
-    <dgm:txFillClrLst meth="repeat">
-      <a:schemeClr val="lt1"/>
-    </dgm:txFillClrLst>
-    <dgm:txEffectClrLst/>
-  </dgm:styleLbl>
-  <dgm:styleLbl name="sibTrans2D1">
-    <dgm:fillClrLst meth="repeat">
-      <a:schemeClr val="accent1">
-        <a:tint val="60000"/>
-      </a:schemeClr>
-    </dgm:fillClrLst>
-    <dgm:linClrLst meth="repeat">
-      <a:schemeClr val="accent1">
-        <a:tint val="60000"/>
-      </a:schemeClr>
-    </dgm:linClrLst>
-    <dgm:effectClrLst/>
-    <dgm:txLinClrLst/>
-    <dgm:txFillClrLst/>
-    <dgm:txEffectClrLst/>
-  </dgm:styleLbl>
-  <dgm:styleLbl name="fgSibTrans2D1">
-    <dgm:fillClrLst meth="repeat">
-      <a:schemeClr val="accent1">
-        <a:tint val="60000"/>
-      </a:schemeClr>
-    </dgm:fillClrLst>
-    <dgm:linClrLst meth="repeat">
-      <a:schemeClr val="accent1">
-        <a:tint val="60000"/>
-      </a:schemeClr>
-    </dgm:linClrLst>
-    <dgm:effectClrLst/>
-    <dgm:txLinClrLst/>
-    <dgm:txFillClrLst/>
-    <dgm:txEffectClrLst/>
-  </dgm:styleLbl>
-  <dgm:styleLbl name="bgSibTrans2D1">
-    <dgm:fillClrLst meth="repeat">
-      <a:schemeClr val="accent1">
-        <a:tint val="60000"/>
-      </a:schemeClr>
-    </dgm:fillClrLst>
-    <dgm:linClrLst meth="repeat">
-      <a:schemeClr val="accent1">
-        <a:tint val="60000"/>
-      </a:schemeClr>
-    </dgm:linClrLst>
-    <dgm:effectClrLst/>
-    <dgm:txLinClrLst/>
-    <dgm:txFillClrLst/>
-    <dgm:txEffectClrLst/>
-  </dgm:styleLbl>
-  <dgm:styleLbl name="sibTrans1D1">
-    <dgm:fillClrLst meth="repeat">
-      <a:schemeClr val="accent1"/>
-    </dgm:fillClrLst>
-    <dgm:linClrLst meth="repeat">
-      <a:schemeClr val="accent1"/>
-    </dgm:linClrLst>
-    <dgm:effectClrLst/>
-    <dgm:txLinClrLst/>
-    <dgm:txFillClrLst meth="repeat">
-      <a:schemeClr val="tx1"/>
-    </dgm:txFillClrLst>
-    <dgm:txEffectClrLst/>
-  </dgm:styleLbl>
-  <dgm:styleLbl name="callout">
-    <dgm:fillClrLst meth="repeat">
-      <a:schemeClr val="accent1"/>
-    </dgm:fillClrLst>
-    <dgm:linClrLst meth="repeat">
-      <a:schemeClr val="accent1">
-        <a:tint val="50000"/>
-      </a:schemeClr>
-    </dgm:linClrLst>
-    <dgm:effectClrLst/>
-    <dgm:txLinClrLst/>
-    <dgm:txFillClrLst meth="repeat">
-      <a:schemeClr val="tx1"/>
-    </dgm:txFillClrLst>
-    <dgm:txEffectClrLst/>
-  </dgm:styleLbl>
-  <dgm:styleLbl name="asst0">
-    <dgm:fillClrLst meth="repeat">
-      <a:schemeClr val="accent1"/>
-    </dgm:fillClrLst>
-    <dgm:linClrLst meth="repeat">
-      <a:schemeClr val="lt1"/>
-    </dgm:linClrLst>
-    <dgm:effectClrLst/>
-    <dgm:txLinClrLst/>
-    <dgm:txFillClrLst/>
-    <dgm:txEffectClrLst/>
-  </dgm:styleLbl>
-  <dgm:styleLbl name="asst1">
-    <dgm:fillClrLst meth="repeat">
-      <a:schemeClr val="accent1"/>
-    </dgm:fillClrLst>
-    <dgm:linClrLst meth="repeat">
-      <a:schemeClr val="lt1"/>
-    </dgm:linClrLst>
-    <dgm:effectClrLst/>
-    <dgm:txLinClrLst/>
-    <dgm:txFillClrLst/>
-    <dgm:txEffectClrLst/>
-  </dgm:styleLbl>
-  <dgm:styleLbl name="asst2">
-    <dgm:fillClrLst meth="repeat">
-      <a:schemeClr val="accent1"/>
-    </dgm:fillClrLst>
-    <dgm:linClrLst meth="repeat">
-      <a:schemeClr val="lt1"/>
-    </dgm:linClrLst>
-    <dgm:effectClrLst/>
-    <dgm:txLinClrLst/>
-    <dgm:txFillClrLst/>
-    <dgm:txEffectClrLst/>
-  </dgm:styleLbl>
-  <dgm:styleLbl name="asst3">
-    <dgm:fillClrLst meth="repeat">
-      <a:schemeClr val="accent1"/>
-    </dgm:fillClrLst>
-    <dgm:linClrLst meth="repeat">
-      <a:schemeClr val="lt1"/>
-    </dgm:linClrLst>
-    <dgm:effectClrLst/>
-    <dgm:txLinClrLst/>
-    <dgm:txFillClrLst/>
-    <dgm:txEffectClrLst/>
-  </dgm:styleLbl>
-  <dgm:styleLbl name="asst4">
-    <dgm:fillClrLst meth="repeat">
-      <a:schemeClr val="accent1"/>
-    </dgm:fillClrLst>
-    <dgm:linClrLst meth="repeat">
-      <a:schemeClr val="lt1"/>
-    </dgm:linClrLst>
-    <dgm:effectClrLst/>
-    <dgm:txLinClrLst/>
-    <dgm:txFillClrLst/>
-    <dgm:txEffectClrLst/>
-  </dgm:styleLbl>
-  <dgm:styleLbl name="parChTrans2D1">
-    <dgm:fillClrLst meth="repeat">
-      <a:schemeClr val="accent1">
-        <a:tint val="60000"/>
-      </a:schemeClr>
-    </dgm:fillClrLst>
-    <dgm:linClrLst meth="repeat">
-      <a:schemeClr val="accent1">
-        <a:tint val="60000"/>
-      </a:schemeClr>
-    </dgm:linClrLst>
-    <dgm:effectClrLst/>
-    <dgm:txLinClrLst/>
-    <dgm:txFillClrLst meth="repeat">
-      <a:schemeClr val="lt1"/>
-    </dgm:txFillClrLst>
-    <dgm:txEffectClrLst/>
-  </dgm:styleLbl>
-  <dgm:styleLbl name="parChTrans2D2">
-    <dgm:fillClrLst meth="repeat">
-      <a:schemeClr val="accent1"/>
-    </dgm:fillClrLst>
-    <dgm:linClrLst meth="repeat">
-      <a:schemeClr val="accent1"/>
-    </dgm:linClrLst>
-    <dgm:effectClrLst/>
-    <dgm:txLinClrLst/>
-    <dgm:txFillClrLst meth="repeat">
-      <a:schemeClr val="lt1"/>
-    </dgm:txFillClrLst>
-    <dgm:txEffectClrLst/>
-  </dgm:styleLbl>
-  <dgm:styleLbl name="parChTrans2D3">
-    <dgm:fillClrLst meth="repeat">
-      <a:schemeClr val="accent1"/>
-    </dgm:fillClrLst>
-    <dgm:linClrLst meth="repeat">
-      <a:schemeClr val="accent1"/>
-    </dgm:linClrLst>
-    <dgm:effectClrLst/>
-    <dgm:txLinClrLst/>
-    <dgm:txFillClrLst meth="repeat">
-      <a:schemeClr val="lt1"/>
-    </dgm:txFillClrLst>
-    <dgm:txEffectClrLst/>
-  </dgm:styleLbl>
-  <dgm:styleLbl name="parChTrans2D4">
-    <dgm:fillClrLst meth="repeat">
-      <a:schemeClr val="accent1"/>
-    </dgm:fillClrLst>
-    <dgm:linClrLst meth="repeat">
-      <a:schemeClr val="accent1"/>
-    </dgm:linClrLst>
-    <dgm:effectClrLst/>
-    <dgm:txLinClrLst/>
-    <dgm:txFillClrLst meth="repeat">
-      <a:schemeClr val="lt1"/>
-    </dgm:txFillClrLst>
-    <dgm:txEffectClrLst/>
-  </dgm:styleLbl>
-  <dgm:styleLbl name="parChTrans1D1">
-    <dgm:fillClrLst meth="repeat">
-      <a:schemeClr val="accent1"/>
-    </dgm:fillClrLst>
-    <dgm:linClrLst meth="repeat">
-      <a:schemeClr val="accent1">
-        <a:shade val="60000"/>
-      </a:schemeClr>
-    </dgm:linClrLst>
-    <dgm:effectClrLst/>
-    <dgm:txLinClrLst/>
-    <dgm:txFillClrLst meth="repeat">
-      <a:schemeClr val="tx1"/>
-    </dgm:txFillClrLst>
-    <dgm:txEffectClrLst/>
-  </dgm:styleLbl>
-  <dgm:styleLbl name="parChTrans1D2">
-    <dgm:fillClrLst meth="repeat">
-      <a:schemeClr val="accent1"/>
-    </dgm:fillClrLst>
-    <dgm:linClrLst meth="repeat">
-      <a:schemeClr val="accent1">
-        <a:shade val="60000"/>
-      </a:schemeClr>
-    </dgm:linClrLst>
-    <dgm:effectClrLst/>
-    <dgm:txLinClrLst/>
-    <dgm:txFillClrLst meth="repeat">
-      <a:schemeClr val="tx1"/>
-    </dgm:txFillClrLst>
-    <dgm:txEffectClrLst/>
-  </dgm:styleLbl>
-  <dgm:styleLbl name="parChTrans1D3">
-    <dgm:fillClrLst meth="repeat">
-      <a:schemeClr val="accent1"/>
-    </dgm:fillClrLst>
-    <dgm:linClrLst meth="repeat">
-      <a:schemeClr val="accent1">
-        <a:shade val="80000"/>
-      </a:schemeClr>
-    </dgm:linClrLst>
-    <dgm:effectClrLst/>
-    <dgm:txLinClrLst/>
-    <dgm:txFillClrLst meth="repeat">
-      <a:schemeClr val="tx1"/>
-    </dgm:txFillClrLst>
-    <dgm:txEffectClrLst/>
-  </dgm:styleLbl>
-  <dgm:styleLbl name="parChTrans1D4">
-    <dgm:fillClrLst meth="repeat">
-      <a:schemeClr val="accent1"/>
-    </dgm:fillClrLst>
-    <dgm:linClrLst meth="repeat">
-      <a:schemeClr val="accent1">
-        <a:shade val="80000"/>
-      </a:schemeClr>
-    </dgm:linClrLst>
-    <dgm:effectClrLst/>
-    <dgm:txLinClrLst/>
-    <dgm:txFillClrLst meth="repeat">
-      <a:schemeClr val="tx1"/>
-    </dgm:txFillClrLst>
-    <dgm:txEffectClrLst/>
-  </dgm:styleLbl>
-  <dgm:styleLbl name="fgAcc1">
-    <dgm:fillClrLst meth="repeat">
-      <a:schemeClr val="lt1">
-        <a:alpha val="90000"/>
-      </a:schemeClr>
-    </dgm:fillClrLst>
-    <dgm:linClrLst meth="repeat">
-      <a:schemeClr val="accent1"/>
-    </dgm:linClrLst>
-    <dgm:effectClrLst/>
-    <dgm:txLinClrLst/>
-    <dgm:txFillClrLst meth="repeat">
-      <a:schemeClr val="dk1"/>
-    </dgm:txFillClrLst>
-    <dgm:txEffectClrLst/>
-  </dgm:styleLbl>
-  <dgm:styleLbl name="conFgAcc1">
-    <dgm:fillClrLst meth="repeat">
-      <a:schemeClr val="lt1">
-        <a:alpha val="90000"/>
-      </a:schemeClr>
-    </dgm:fillClrLst>
-    <dgm:linClrLst meth="repeat">
-      <a:schemeClr val="accent1"/>
-    </dgm:linClrLst>
-    <dgm:effectClrLst/>
-    <dgm:txLinClrLst/>
-    <dgm:txFillClrLst meth="repeat">
-      <a:schemeClr val="dk1"/>
-    </dgm:txFillClrLst>
-    <dgm:txEffectClrLst/>
-  </dgm:styleLbl>
-  <dgm:styleLbl name="alignAcc1">
-    <dgm:fillClrLst meth="repeat">
-      <a:schemeClr val="lt1">
-        <a:alpha val="90000"/>
-      </a:schemeClr>
-    </dgm:fillClrLst>
-    <dgm:linClrLst meth="repeat">
-      <a:schemeClr val="accent1"/>
-    </dgm:linClrLst>
-    <dgm:effectClrLst/>
-    <dgm:txLinClrLst/>
-    <dgm:txFillClrLst meth="repeat">
-      <a:schemeClr val="dk1"/>
-    </dgm:txFillClrLst>
-    <dgm:txEffectClrLst/>
-  </dgm:styleLbl>
-  <dgm:styleLbl name="trAlignAcc1">
-    <dgm:fillClrLst meth="repeat">
-      <a:schemeClr val="lt1">
-        <a:alpha val="40000"/>
-      </a:schemeClr>
-    </dgm:fillClrLst>
-    <dgm:linClrLst meth="repeat">
-      <a:schemeClr val="accent1"/>
-    </dgm:linClrLst>
-    <dgm:effectClrLst/>
-    <dgm:txLinClrLst/>
-    <dgm:txFillClrLst meth="repeat">
-      <a:schemeClr val="dk1"/>
-    </dgm:txFillClrLst>
-    <dgm:txEffectClrLst/>
-  </dgm:styleLbl>
-  <dgm:styleLbl name="bgAcc1">
-    <dgm:fillClrLst meth="repeat">
-      <a:schemeClr val="lt1">
-        <a:alpha val="90000"/>
-      </a:schemeClr>
-    </dgm:fillClrLst>
-    <dgm:linClrLst meth="repeat">
-      <a:schemeClr val="accent1"/>
-    </dgm:linClrLst>
-    <dgm:effectClrLst/>
-    <dgm:txLinClrLst/>
-    <dgm:txFillClrLst meth="repeat">
-      <a:schemeClr val="dk1"/>
-    </dgm:txFillClrLst>
-    <dgm:txEffectClrLst/>
-  </dgm:styleLbl>
-  <dgm:styleLbl name="solidFgAcc1">
-    <dgm:fillClrLst meth="repeat">
-      <a:schemeClr val="lt1"/>
-    </dgm:fillClrLst>
-    <dgm:linClrLst meth="repeat">
-      <a:schemeClr val="accent1"/>
-    </dgm:linClrLst>
-    <dgm:effectClrLst/>
-    <dgm:txLinClrLst/>
-    <dgm:txFillClrLst meth="repeat">
-      <a:schemeClr val="dk1"/>
-    </dgm:txFillClrLst>
-    <dgm:txEffectClrLst/>
-  </dgm:styleLbl>
-  <dgm:styleLbl name="solidAlignAcc1">
-    <dgm:fillClrLst meth="repeat">
-      <a:schemeClr val="lt1"/>
-    </dgm:fillClrLst>
-    <dgm:linClrLst meth="repeat">
-      <a:schemeClr val="accent1"/>
-    </dgm:linClrLst>
-    <dgm:effectClrLst/>
-    <dgm:txLinClrLst/>
-    <dgm:txFillClrLst meth="repeat">
-      <a:schemeClr val="dk1"/>
-    </dgm:txFillClrLst>
-    <dgm:txEffectClrLst/>
-  </dgm:styleLbl>
-  <dgm:styleLbl name="solidBgAcc1">
-    <dgm:fillClrLst meth="repeat">
-      <a:schemeClr val="lt1"/>
-    </dgm:fillClrLst>
-    <dgm:linClrLst meth="repeat">
-      <a:schemeClr val="accent1"/>
-    </dgm:linClrLst>
-    <dgm:effectClrLst/>
-    <dgm:txLinClrLst/>
-    <dgm:txFillClrLst meth="repeat">
-      <a:schemeClr val="dk1"/>
-    </dgm:txFillClrLst>
-    <dgm:txEffectClrLst/>
-  </dgm:styleLbl>
-  <dgm:styleLbl name="fgAccFollowNode1">
-    <dgm:fillClrLst meth="repeat">
-      <a:schemeClr val="accent1">
-        <a:alpha val="90000"/>
-        <a:tint val="40000"/>
-      </a:schemeClr>
-    </dgm:fillClrLst>
-    <dgm:linClrLst meth="repeat">
-      <a:schemeClr val="accent1">
-        <a:alpha val="90000"/>
-        <a:tint val="40000"/>
-      </a:schemeClr>
-    </dgm:linClrLst>
-    <dgm:effectClrLst/>
-    <dgm:txLinClrLst/>
-    <dgm:txFillClrLst meth="repeat">
-      <a:schemeClr val="dk1"/>
-    </dgm:txFillClrLst>
-    <dgm:txEffectClrLst/>
-  </dgm:styleLbl>
-  <dgm:styleLbl name="alignAccFollowNode1">
-    <dgm:fillClrLst meth="repeat">
-      <a:schemeClr val="accent1">
-        <a:alpha val="90000"/>
-        <a:tint val="40000"/>
-      </a:schemeClr>
-    </dgm:fillClrLst>
-    <dgm:linClrLst meth="repeat">
-      <a:schemeClr val="accent1">
-        <a:alpha val="90000"/>
-        <a:tint val="40000"/>
-      </a:schemeClr>
-    </dgm:linClrLst>
-    <dgm:effectClrLst/>
-    <dgm:txLinClrLst/>
-    <dgm:txFillClrLst meth="repeat">
-      <a:schemeClr val="dk1"/>
-    </dgm:txFillClrLst>
-    <dgm:txEffectClrLst/>
-  </dgm:styleLbl>
-  <dgm:styleLbl name="bgAccFollowNode1">
-    <dgm:fillClrLst meth="repeat">
-      <a:schemeClr val="accent1">
-        <a:alpha val="90000"/>
-        <a:tint val="40000"/>
-      </a:schemeClr>
-    </dgm:fillClrLst>
-    <dgm:linClrLst meth="repeat">
-      <a:schemeClr val="accent1">
-        <a:alpha val="90000"/>
-        <a:tint val="40000"/>
-      </a:schemeClr>
-    </dgm:linClrLst>
-    <dgm:effectClrLst/>
-    <dgm:txLinClrLst/>
-    <dgm:txFillClrLst meth="repeat">
-      <a:schemeClr val="dk1"/>
-    </dgm:txFillClrLst>
-    <dgm:txEffectClrLst/>
-  </dgm:styleLbl>
-  <dgm:styleLbl name="fgAcc0">
-    <dgm:fillClrLst meth="repeat">
-      <a:schemeClr val="lt1">
-        <a:alpha val="90000"/>
-      </a:schemeClr>
-    </dgm:fillClrLst>
-    <dgm:linClrLst meth="repeat">
-      <a:schemeClr val="accent1"/>
-    </dgm:linClrLst>
-    <dgm:effectClrLst/>
-    <dgm:txLinClrLst/>
-    <dgm:txFillClrLst meth="repeat">
-      <a:schemeClr val="dk1"/>
-    </dgm:txFillClrLst>
-    <dgm:txEffectClrLst/>
-  </dgm:styleLbl>
-  <dgm:styleLbl name="fgAcc2">
-    <dgm:fillClrLst meth="repeat">
-      <a:schemeClr val="lt1">
-        <a:alpha val="90000"/>
-      </a:schemeClr>
-    </dgm:fillClrLst>
-    <dgm:linClrLst meth="repeat">
-      <a:schemeClr val="accent1"/>
-    </dgm:linClrLst>
-    <dgm:effectClrLst/>
-    <dgm:txLinClrLst/>
-    <dgm:txFillClrLst meth="repeat">
-      <a:schemeClr val="dk1"/>
-    </dgm:txFillClrLst>
-    <dgm:txEffectClrLst/>
-  </dgm:styleLbl>
-  <dgm:styleLbl name="fgAcc3">
-    <dgm:fillClrLst meth="repeat">
-      <a:schemeClr val="lt1">
-        <a:alpha val="90000"/>
-      </a:schemeClr>
-    </dgm:fillClrLst>
-    <dgm:linClrLst meth="repeat">
-      <a:schemeClr val="accent1"/>
-    </dgm:linClrLst>
-    <dgm:effectClrLst/>
-    <dgm:txLinClrLst/>
-    <dgm:txFillClrLst meth="repeat">
-      <a:schemeClr val="dk1"/>
-    </dgm:txFillClrLst>
-    <dgm:txEffectClrLst/>
-  </dgm:styleLbl>
-  <dgm:styleLbl name="fgAcc4">
-    <dgm:fillClrLst meth="repeat">
-      <a:schemeClr val="lt1">
-        <a:alpha val="90000"/>
-      </a:schemeClr>
-    </dgm:fillClrLst>
-    <dgm:linClrLst meth="repeat">
-      <a:schemeClr val="accent1"/>
-    </dgm:linClrLst>
-    <dgm:effectClrLst/>
-    <dgm:txLinClrLst/>
-    <dgm:txFillClrLst meth="repeat">
-      <a:schemeClr val="dk1"/>
-    </dgm:txFillClrLst>
-    <dgm:txEffectClrLst/>
-  </dgm:styleLbl>
-  <dgm:styleLbl name="bgShp">
-    <dgm:fillClrLst meth="repeat">
-      <a:schemeClr val="accent1">
-        <a:tint val="40000"/>
-      </a:schemeClr>
-    </dgm:fillClrLst>
-    <dgm:linClrLst meth="repeat">
-      <a:schemeClr val="accent1"/>
-    </dgm:linClrLst>
-    <dgm:effectClrLst/>
-    <dgm:txLinClrLst/>
-    <dgm:txFillClrLst meth="repeat">
-      <a:schemeClr val="dk1"/>
-    </dgm:txFillClrLst>
-    <dgm:txEffectClrLst/>
-  </dgm:styleLbl>
-  <dgm:styleLbl name="dkBgShp">
-    <dgm:fillClrLst meth="repeat">
-      <a:schemeClr val="accent1">
-        <a:shade val="80000"/>
-      </a:schemeClr>
-    </dgm:fillClrLst>
-    <dgm:linClrLst meth="repeat">
-      <a:schemeClr val="accent1"/>
-    </dgm:linClrLst>
-    <dgm:effectClrLst/>
-    <dgm:txLinClrLst/>
-    <dgm:txFillClrLst meth="repeat">
-      <a:schemeClr val="lt1"/>
-    </dgm:txFillClrLst>
-    <dgm:txEffectClrLst/>
-  </dgm:styleLbl>
-  <dgm:styleLbl name="trBgShp">
-    <dgm:fillClrLst meth="repeat">
-      <a:schemeClr val="accent1">
-        <a:tint val="50000"/>
-        <a:alpha val="40000"/>
-      </a:schemeClr>
-    </dgm:fillClrLst>
-    <dgm:linClrLst meth="repeat">
-      <a:schemeClr val="accent1"/>
-    </dgm:linClrLst>
-    <dgm:effectClrLst/>
-    <dgm:txLinClrLst/>
-    <dgm:txFillClrLst meth="repeat">
-      <a:schemeClr val="lt1"/>
-    </dgm:txFillClrLst>
-    <dgm:txEffectClrLst/>
-  </dgm:styleLbl>
-  <dgm:styleLbl name="fgShp">
-    <dgm:fillClrLst meth="repeat">
-      <a:schemeClr val="accent1">
-        <a:tint val="60000"/>
-      </a:schemeClr>
-    </dgm:fillClrLst>
-    <dgm:linClrLst meth="repeat">
-      <a:schemeClr val="lt1"/>
-    </dgm:linClrLst>
-    <dgm:effectClrLst/>
-    <dgm:txLinClrLst/>
-    <dgm:txFillClrLst meth="repeat">
-      <a:schemeClr val="dk1"/>
-    </dgm:txFillClrLst>
-    <dgm:txEffectClrLst/>
-  </dgm:styleLbl>
-  <dgm:styleLbl name="revTx">
-    <dgm:fillClrLst meth="repeat">
-      <a:schemeClr val="lt1">
-        <a:alpha val="0"/>
-      </a:schemeClr>
-    </dgm:fillClrLst>
-    <dgm:linClrLst meth="repeat">
-      <a:schemeClr val="dk1">
-        <a:alpha val="0"/>
-      </a:schemeClr>
-    </dgm:linClrLst>
-    <dgm:effectClrLst/>
-    <dgm:txLinClrLst/>
-    <dgm:txFillClrLst meth="repeat">
-      <a:schemeClr val="tx1"/>
-    </dgm:txFillClrLst>
-    <dgm:txEffectClrLst/>
-  </dgm:styleLbl>
-</dgm:colorsDef>
-</file>
-
 <file path=ppt/diagrams/data1.xml><?xml version="1.0" encoding="utf-8"?>
-<dgm:dataModel xmlns:dgm="http://schemas.openxmlformats.org/drawingml/2006/diagram" xmlns:a="http://schemas.openxmlformats.org/drawingml/2006/main">
-  <dgm:ptLst>
-    <dgm:pt modelId="{A49262FB-59B1-4882-AA91-B784A6D49844}" type="doc">
-      <dgm:prSet loTypeId="urn:microsoft.com/office/officeart/2005/8/layout/process5" loCatId="process" qsTypeId="urn:microsoft.com/office/officeart/2005/8/quickstyle/simple1" qsCatId="simple" csTypeId="urn:microsoft.com/office/officeart/2005/8/colors/accent6_2" csCatId="accent6" phldr="1"/>
-      <dgm:spPr/>
-      <dgm:t>
-        <a:bodyPr/>
-        <a:lstStyle/>
-        <a:p>
-          <a:endParaRPr lang="en-US"/>
-        </a:p>
-      </dgm:t>
-    </dgm:pt>
-    <dgm:pt modelId="{276FB647-3827-44A1-9284-1E5B05106E06}">
-      <dgm:prSet phldrT="[Text]"/>
-      <dgm:spPr>
-        <a:blipFill rotWithShape="0">
-          <a:blip xmlns:r="http://schemas.openxmlformats.org/officeDocument/2006/relationships" r:embed="rId1">
-            <a:extLst>
-              <a:ext uri="{28A0092B-C50C-407E-A947-70E740481C1C}">
-                <a14:useLocalDpi xmlns:a14="http://schemas.microsoft.com/office/drawing/2010/main" val="0"/>
-              </a:ext>
-            </a:extLst>
-          </a:blip>
-          <a:srcRect/>
-          <a:stretch>
-            <a:fillRect l="-16000" r="-16000"/>
-          </a:stretch>
-        </a:blipFill>
-      </dgm:spPr>
-      <dgm:t>
-        <a:bodyPr/>
-        <a:lstStyle/>
-        <a:p>
-          <a:endParaRPr lang="en-US" dirty="0"/>
-        </a:p>
-      </dgm:t>
-    </dgm:pt>
-    <dgm:pt modelId="{7B3BA330-F8DC-42C6-96D9-970767D55F4C}" type="parTrans" cxnId="{896E1ED9-CDD1-40B0-9E1A-1D1E8AADABA6}">
-      <dgm:prSet/>
-      <dgm:spPr/>
-      <dgm:t>
-        <a:bodyPr/>
-        <a:lstStyle/>
-        <a:p>
-          <a:endParaRPr lang="en-US"/>
-        </a:p>
-      </dgm:t>
-    </dgm:pt>
-    <dgm:pt modelId="{57123523-1443-4656-8AE5-7058F7E513C9}" type="sibTrans" cxnId="{896E1ED9-CDD1-40B0-9E1A-1D1E8AADABA6}">
-      <dgm:prSet/>
-      <dgm:spPr/>
-      <dgm:t>
-        <a:bodyPr/>
-        <a:lstStyle/>
-        <a:p>
-          <a:endParaRPr lang="en-US"/>
-        </a:p>
-      </dgm:t>
-    </dgm:pt>
-    <dgm:pt modelId="{119AA1B1-57FF-4A06-92F4-11F112C76127}">
-      <dgm:prSet phldrT="[Text]" phldr="1"/>
-      <dgm:spPr/>
-      <dgm:t>
-        <a:bodyPr/>
-        <a:lstStyle/>
-        <a:p>
-          <a:endParaRPr lang="en-US" dirty="0"/>
-        </a:p>
-      </dgm:t>
-    </dgm:pt>
-    <dgm:pt modelId="{1C9E83C7-515B-4253-B142-E151E0EA4676}" type="parTrans" cxnId="{D8CE8F48-5218-473E-A696-7EA89D647424}">
-      <dgm:prSet/>
-      <dgm:spPr/>
-      <dgm:t>
-        <a:bodyPr/>
-        <a:lstStyle/>
-        <a:p>
-          <a:endParaRPr lang="en-US"/>
-        </a:p>
-      </dgm:t>
-    </dgm:pt>
-    <dgm:pt modelId="{E3A1AA1C-6ECE-4CF6-AA01-D350B01187DF}" type="sibTrans" cxnId="{D8CE8F48-5218-473E-A696-7EA89D647424}">
-      <dgm:prSet/>
-      <dgm:spPr/>
-      <dgm:t>
-        <a:bodyPr/>
-        <a:lstStyle/>
-        <a:p>
-          <a:endParaRPr lang="en-US"/>
-        </a:p>
-      </dgm:t>
-    </dgm:pt>
-    <dgm:pt modelId="{AA09C0A2-9165-4B99-A7A1-305C35234C71}">
-      <dgm:prSet phldrT="[Text]" phldr="1"/>
-      <dgm:spPr/>
-      <dgm:t>
-        <a:bodyPr/>
-        <a:lstStyle/>
-        <a:p>
-          <a:endParaRPr lang="en-US"/>
-        </a:p>
-      </dgm:t>
-    </dgm:pt>
-    <dgm:pt modelId="{C5D3E06E-77E1-49A0-8C39-4D56A9552D52}" type="parTrans" cxnId="{389918A7-A885-49D1-9162-035B25A5C5F1}">
-      <dgm:prSet/>
-      <dgm:spPr/>
-      <dgm:t>
-        <a:bodyPr/>
-        <a:lstStyle/>
-        <a:p>
-          <a:endParaRPr lang="en-US"/>
-        </a:p>
-      </dgm:t>
-    </dgm:pt>
-    <dgm:pt modelId="{381745C7-4A1C-4633-A242-DAC6F4F30AD5}" type="sibTrans" cxnId="{389918A7-A885-49D1-9162-035B25A5C5F1}">
-      <dgm:prSet/>
-      <dgm:spPr/>
-      <dgm:t>
-        <a:bodyPr/>
-        <a:lstStyle/>
-        <a:p>
-          <a:endParaRPr lang="en-US"/>
-        </a:p>
-      </dgm:t>
-    </dgm:pt>
-    <dgm:pt modelId="{3FED057C-553D-4388-A5F3-D63E78FAA23E}">
-      <dgm:prSet phldrT="[Text]" phldr="1"/>
-      <dgm:spPr/>
-      <dgm:t>
-        <a:bodyPr/>
-        <a:lstStyle/>
-        <a:p>
-          <a:endParaRPr lang="en-US"/>
-        </a:p>
-      </dgm:t>
-    </dgm:pt>
-    <dgm:pt modelId="{DC19E22A-BA1F-4932-BB9B-B21C162D1AA5}" type="parTrans" cxnId="{6C648032-7C9A-4C57-A733-41841F8F905F}">
-      <dgm:prSet/>
-      <dgm:spPr/>
-      <dgm:t>
-        <a:bodyPr/>
-        <a:lstStyle/>
-        <a:p>
-          <a:endParaRPr lang="en-US"/>
-        </a:p>
-      </dgm:t>
-    </dgm:pt>
-    <dgm:pt modelId="{47661271-9393-481A-B8D7-F5BC25B8423C}" type="sibTrans" cxnId="{6C648032-7C9A-4C57-A733-41841F8F905F}">
-      <dgm:prSet/>
-      <dgm:spPr/>
-      <dgm:t>
-        <a:bodyPr/>
-        <a:lstStyle/>
-        <a:p>
-          <a:endParaRPr lang="en-US"/>
-        </a:p>
-      </dgm:t>
-    </dgm:pt>
-    <dgm:pt modelId="{396D7F36-BB46-4392-A594-3D52F1F2942C}">
-      <dgm:prSet phldrT="[Text]" phldr="1"/>
-      <dgm:spPr/>
-      <dgm:t>
-        <a:bodyPr/>
-        <a:lstStyle/>
-        <a:p>
-          <a:endParaRPr lang="en-US"/>
-        </a:p>
-      </dgm:t>
-    </dgm:pt>
-    <dgm:pt modelId="{82C8FB96-E405-4BB1-8805-995D8B81B7D3}" type="parTrans" cxnId="{547BC4B9-C2A5-4225-8144-A3A82CBCF4EC}">
-      <dgm:prSet/>
-      <dgm:spPr/>
-      <dgm:t>
-        <a:bodyPr/>
-        <a:lstStyle/>
-        <a:p>
-          <a:endParaRPr lang="en-US"/>
-        </a:p>
-      </dgm:t>
-    </dgm:pt>
-    <dgm:pt modelId="{D512BCBC-E8C0-42BE-9A39-1FC108143F1A}" type="sibTrans" cxnId="{547BC4B9-C2A5-4225-8144-A3A82CBCF4EC}">
-      <dgm:prSet/>
-      <dgm:spPr/>
-      <dgm:t>
-        <a:bodyPr/>
-        <a:lstStyle/>
-        <a:p>
-          <a:endParaRPr lang="en-US"/>
-        </a:p>
-      </dgm:t>
-    </dgm:pt>
-    <dgm:pt modelId="{CEB5673C-F492-486A-AD72-F4C33EE3B386}">
-      <dgm:prSet/>
-      <dgm:spPr/>
-      <dgm:t>
-        <a:bodyPr/>
-        <a:lstStyle/>
-        <a:p>
-          <a:endParaRPr lang="en-US"/>
-        </a:p>
-      </dgm:t>
-    </dgm:pt>
-    <dgm:pt modelId="{9BF15FD0-2E62-432D-99DD-CDD7CBE12D0C}" type="parTrans" cxnId="{2F50F3E7-4437-49A8-9568-19F9C88374D2}">
-      <dgm:prSet/>
-      <dgm:spPr/>
-      <dgm:t>
-        <a:bodyPr/>
-        <a:lstStyle/>
-        <a:p>
-          <a:endParaRPr lang="en-US"/>
-        </a:p>
-      </dgm:t>
-    </dgm:pt>
-    <dgm:pt modelId="{271C2ADE-25CF-4F2C-94A8-93D5E7E1D6F2}" type="sibTrans" cxnId="{2F50F3E7-4437-49A8-9568-19F9C88374D2}">
-      <dgm:prSet/>
-      <dgm:spPr/>
-      <dgm:t>
-        <a:bodyPr/>
-        <a:lstStyle/>
-        <a:p>
-          <a:endParaRPr lang="en-US"/>
-        </a:p>
-      </dgm:t>
-    </dgm:pt>
-    <dgm:pt modelId="{4A0BBDF3-90BB-4E8E-A402-9086D8DCD2A3}">
-      <dgm:prSet/>
-      <dgm:spPr/>
-      <dgm:t>
-        <a:bodyPr/>
-        <a:lstStyle/>
-        <a:p>
-          <a:endParaRPr lang="en-US"/>
-        </a:p>
-      </dgm:t>
-    </dgm:pt>
-    <dgm:pt modelId="{95F70BD3-85EB-4CB1-86EE-1046FDC1E46D}" type="parTrans" cxnId="{F4A89390-056B-47D0-80C3-6456A2FA25F4}">
-      <dgm:prSet/>
-      <dgm:spPr/>
-      <dgm:t>
-        <a:bodyPr/>
-        <a:lstStyle/>
-        <a:p>
-          <a:endParaRPr lang="en-US"/>
-        </a:p>
-      </dgm:t>
-    </dgm:pt>
-    <dgm:pt modelId="{888DD9DB-4176-428B-A42F-EB46CDB89EB2}" type="sibTrans" cxnId="{F4A89390-056B-47D0-80C3-6456A2FA25F4}">
-      <dgm:prSet/>
-      <dgm:spPr/>
-      <dgm:t>
-        <a:bodyPr/>
-        <a:lstStyle/>
-        <a:p>
-          <a:endParaRPr lang="en-US"/>
-        </a:p>
-      </dgm:t>
-    </dgm:pt>
-    <dgm:pt modelId="{01C439BF-46D2-4D0B-B046-EB007EAF36F6}">
-      <dgm:prSet/>
-      <dgm:spPr/>
-      <dgm:t>
-        <a:bodyPr/>
-        <a:lstStyle/>
-        <a:p>
-          <a:endParaRPr lang="en-US"/>
-        </a:p>
-      </dgm:t>
-    </dgm:pt>
-    <dgm:pt modelId="{2E37A6E9-F351-4A11-A38B-CC78320ACD76}" type="parTrans" cxnId="{F4523B05-EC0A-4F17-AB20-DB5CC0A9DB1C}">
-      <dgm:prSet/>
-      <dgm:spPr/>
-      <dgm:t>
-        <a:bodyPr/>
-        <a:lstStyle/>
-        <a:p>
-          <a:endParaRPr lang="en-US"/>
-        </a:p>
-      </dgm:t>
-    </dgm:pt>
-    <dgm:pt modelId="{FBDF09DD-1CEA-4D78-A53D-A61A9DA7423D}" type="sibTrans" cxnId="{F4523B05-EC0A-4F17-AB20-DB5CC0A9DB1C}">
-      <dgm:prSet/>
-      <dgm:spPr/>
-      <dgm:t>
-        <a:bodyPr/>
-        <a:lstStyle/>
-        <a:p>
-          <a:endParaRPr lang="en-US"/>
-        </a:p>
-      </dgm:t>
-    </dgm:pt>
-    <dgm:pt modelId="{89D4CDB2-AD55-4C20-B27A-E27D142118DD}">
-      <dgm:prSet/>
-      <dgm:spPr>
-        <a:blipFill rotWithShape="0">
-          <a:blip xmlns:r="http://schemas.openxmlformats.org/officeDocument/2006/relationships" r:embed="rId2">
-            <a:extLst>
-              <a:ext uri="{28A0092B-C50C-407E-A947-70E740481C1C}">
-                <a14:useLocalDpi xmlns:a14="http://schemas.microsoft.com/office/drawing/2010/main" val="0"/>
-              </a:ext>
-            </a:extLst>
-          </a:blip>
-          <a:srcRect/>
-          <a:stretch>
-            <a:fillRect l="-16000" r="-16000"/>
-          </a:stretch>
-        </a:blipFill>
-      </dgm:spPr>
-      <dgm:t>
-        <a:bodyPr/>
-        <a:lstStyle/>
-        <a:p>
-          <a:endParaRPr lang="en-US" dirty="0"/>
-        </a:p>
-      </dgm:t>
-    </dgm:pt>
-    <dgm:pt modelId="{BB04F1AE-D72B-46B2-9FF6-7E8AD6C82442}" type="sibTrans" cxnId="{337040BD-DFD4-4419-AA88-6A5CB7DDEF3B}">
-      <dgm:prSet/>
-      <dgm:spPr/>
-      <dgm:t>
-        <a:bodyPr/>
-        <a:lstStyle/>
-        <a:p>
-          <a:endParaRPr lang="en-US"/>
-        </a:p>
-      </dgm:t>
-    </dgm:pt>
-    <dgm:pt modelId="{3704D5E5-34FC-4A9C-A811-2031B3867403}" type="parTrans" cxnId="{337040BD-DFD4-4419-AA88-6A5CB7DDEF3B}">
-      <dgm:prSet/>
-      <dgm:spPr/>
-      <dgm:t>
-        <a:bodyPr/>
-        <a:lstStyle/>
-        <a:p>
-          <a:endParaRPr lang="en-US"/>
-        </a:p>
-      </dgm:t>
-    </dgm:pt>
-    <dgm:pt modelId="{EF83315F-78A6-46A1-B1CC-302469361F9F}" type="pres">
-      <dgm:prSet presAssocID="{A49262FB-59B1-4882-AA91-B784A6D49844}" presName="diagram" presStyleCnt="0">
-        <dgm:presLayoutVars>
-          <dgm:dir/>
-          <dgm:resizeHandles val="exact"/>
-        </dgm:presLayoutVars>
-      </dgm:prSet>
-      <dgm:spPr/>
-    </dgm:pt>
-    <dgm:pt modelId="{D682F277-F39D-48AE-A635-1125ACE1DB9A}" type="pres">
-      <dgm:prSet presAssocID="{276FB647-3827-44A1-9284-1E5B05106E06}" presName="node" presStyleLbl="node1" presStyleIdx="0" presStyleCnt="9">
-        <dgm:presLayoutVars>
-          <dgm:bulletEnabled val="1"/>
-        </dgm:presLayoutVars>
-      </dgm:prSet>
-      <dgm:spPr/>
-    </dgm:pt>
-    <dgm:pt modelId="{9CDDEB46-3331-46F3-BE2C-C9D415B5E99A}" type="pres">
-      <dgm:prSet presAssocID="{57123523-1443-4656-8AE5-7058F7E513C9}" presName="sibTrans" presStyleLbl="sibTrans2D1" presStyleIdx="0" presStyleCnt="8"/>
-      <dgm:spPr/>
-    </dgm:pt>
-    <dgm:pt modelId="{0F134180-BA8E-4E1B-BBD4-89E9DA6055A7}" type="pres">
-      <dgm:prSet presAssocID="{57123523-1443-4656-8AE5-7058F7E513C9}" presName="connectorText" presStyleLbl="sibTrans2D1" presStyleIdx="0" presStyleCnt="8"/>
-      <dgm:spPr/>
-    </dgm:pt>
-    <dgm:pt modelId="{8F1255F6-24AC-41CF-AC35-51DFE93D0945}" type="pres">
-      <dgm:prSet presAssocID="{119AA1B1-57FF-4A06-92F4-11F112C76127}" presName="node" presStyleLbl="node1" presStyleIdx="1" presStyleCnt="9">
-        <dgm:presLayoutVars>
-          <dgm:bulletEnabled val="1"/>
-        </dgm:presLayoutVars>
-      </dgm:prSet>
-      <dgm:spPr/>
-    </dgm:pt>
-    <dgm:pt modelId="{3CF6B8ED-FDC2-433A-84A4-1660DDE96010}" type="pres">
-      <dgm:prSet presAssocID="{E3A1AA1C-6ECE-4CF6-AA01-D350B01187DF}" presName="sibTrans" presStyleLbl="sibTrans2D1" presStyleIdx="1" presStyleCnt="8"/>
-      <dgm:spPr/>
-    </dgm:pt>
-    <dgm:pt modelId="{600E70C7-C5A1-4801-851A-782B9FAD4A79}" type="pres">
-      <dgm:prSet presAssocID="{E3A1AA1C-6ECE-4CF6-AA01-D350B01187DF}" presName="connectorText" presStyleLbl="sibTrans2D1" presStyleIdx="1" presStyleCnt="8"/>
-      <dgm:spPr/>
-    </dgm:pt>
-    <dgm:pt modelId="{AE4AA9E8-03F1-43D3-A954-995A9EAD3D41}" type="pres">
-      <dgm:prSet presAssocID="{AA09C0A2-9165-4B99-A7A1-305C35234C71}" presName="node" presStyleLbl="node1" presStyleIdx="2" presStyleCnt="9">
-        <dgm:presLayoutVars>
-          <dgm:bulletEnabled val="1"/>
-        </dgm:presLayoutVars>
-      </dgm:prSet>
-      <dgm:spPr/>
-    </dgm:pt>
-    <dgm:pt modelId="{5FAB812D-C02A-4997-8D3F-E2EB1087CDEF}" type="pres">
-      <dgm:prSet presAssocID="{381745C7-4A1C-4633-A242-DAC6F4F30AD5}" presName="sibTrans" presStyleLbl="sibTrans2D1" presStyleIdx="2" presStyleCnt="8"/>
-      <dgm:spPr/>
-    </dgm:pt>
-    <dgm:pt modelId="{1920FA97-3276-4A2B-8939-059B5B112E5D}" type="pres">
-      <dgm:prSet presAssocID="{381745C7-4A1C-4633-A242-DAC6F4F30AD5}" presName="connectorText" presStyleLbl="sibTrans2D1" presStyleIdx="2" presStyleCnt="8"/>
-      <dgm:spPr/>
-    </dgm:pt>
-    <dgm:pt modelId="{DCC1C328-7149-4984-8E76-FE4CE9A1E9D3}" type="pres">
-      <dgm:prSet presAssocID="{3FED057C-553D-4388-A5F3-D63E78FAA23E}" presName="node" presStyleLbl="node1" presStyleIdx="3" presStyleCnt="9">
-        <dgm:presLayoutVars>
-          <dgm:bulletEnabled val="1"/>
-        </dgm:presLayoutVars>
-      </dgm:prSet>
-      <dgm:spPr/>
-    </dgm:pt>
-    <dgm:pt modelId="{5B44A81A-D0F6-49B9-8093-6067D54B7481}" type="pres">
-      <dgm:prSet presAssocID="{47661271-9393-481A-B8D7-F5BC25B8423C}" presName="sibTrans" presStyleLbl="sibTrans2D1" presStyleIdx="3" presStyleCnt="8"/>
-      <dgm:spPr/>
-    </dgm:pt>
-    <dgm:pt modelId="{2F302072-022D-4448-9DDF-3AA231B1D2CE}" type="pres">
-      <dgm:prSet presAssocID="{47661271-9393-481A-B8D7-F5BC25B8423C}" presName="connectorText" presStyleLbl="sibTrans2D1" presStyleIdx="3" presStyleCnt="8"/>
-      <dgm:spPr/>
-    </dgm:pt>
-    <dgm:pt modelId="{8FBDE39F-7BBD-4E22-85B0-614C928976C2}" type="pres">
-      <dgm:prSet presAssocID="{396D7F36-BB46-4392-A594-3D52F1F2942C}" presName="node" presStyleLbl="node1" presStyleIdx="4" presStyleCnt="9">
-        <dgm:presLayoutVars>
-          <dgm:bulletEnabled val="1"/>
-        </dgm:presLayoutVars>
-      </dgm:prSet>
-      <dgm:spPr/>
-    </dgm:pt>
-    <dgm:pt modelId="{96FA63CC-248B-4771-9058-660E95B6531A}" type="pres">
-      <dgm:prSet presAssocID="{D512BCBC-E8C0-42BE-9A39-1FC108143F1A}" presName="sibTrans" presStyleLbl="sibTrans2D1" presStyleIdx="4" presStyleCnt="8"/>
-      <dgm:spPr/>
-    </dgm:pt>
-    <dgm:pt modelId="{1BFAD9A2-B8B1-4AE1-9244-96478A725A9D}" type="pres">
-      <dgm:prSet presAssocID="{D512BCBC-E8C0-42BE-9A39-1FC108143F1A}" presName="connectorText" presStyleLbl="sibTrans2D1" presStyleIdx="4" presStyleCnt="8"/>
-      <dgm:spPr/>
-    </dgm:pt>
-    <dgm:pt modelId="{DC59B262-701C-4093-BA02-D8BA95DC87CC}" type="pres">
-      <dgm:prSet presAssocID="{CEB5673C-F492-486A-AD72-F4C33EE3B386}" presName="node" presStyleLbl="node1" presStyleIdx="5" presStyleCnt="9">
-        <dgm:presLayoutVars>
-          <dgm:bulletEnabled val="1"/>
-        </dgm:presLayoutVars>
-      </dgm:prSet>
-      <dgm:spPr/>
-    </dgm:pt>
-    <dgm:pt modelId="{C6F25EDB-3EC0-4D2A-88B4-0045ACC1735B}" type="pres">
-      <dgm:prSet presAssocID="{271C2ADE-25CF-4F2C-94A8-93D5E7E1D6F2}" presName="sibTrans" presStyleLbl="sibTrans2D1" presStyleIdx="5" presStyleCnt="8"/>
-      <dgm:spPr/>
-    </dgm:pt>
-    <dgm:pt modelId="{5C67A69D-73DD-4431-A07F-0A5DF7214C7A}" type="pres">
-      <dgm:prSet presAssocID="{271C2ADE-25CF-4F2C-94A8-93D5E7E1D6F2}" presName="connectorText" presStyleLbl="sibTrans2D1" presStyleIdx="5" presStyleCnt="8"/>
-      <dgm:spPr/>
-    </dgm:pt>
-    <dgm:pt modelId="{905BA76F-B466-4137-B439-C89A997A4AA6}" type="pres">
-      <dgm:prSet presAssocID="{4A0BBDF3-90BB-4E8E-A402-9086D8DCD2A3}" presName="node" presStyleLbl="node1" presStyleIdx="6" presStyleCnt="9">
-        <dgm:presLayoutVars>
-          <dgm:bulletEnabled val="1"/>
-        </dgm:presLayoutVars>
-      </dgm:prSet>
-      <dgm:spPr/>
-    </dgm:pt>
-    <dgm:pt modelId="{5A58C5AF-7320-4721-8986-A23EE2B06EFD}" type="pres">
-      <dgm:prSet presAssocID="{888DD9DB-4176-428B-A42F-EB46CDB89EB2}" presName="sibTrans" presStyleLbl="sibTrans2D1" presStyleIdx="6" presStyleCnt="8"/>
-      <dgm:spPr/>
-    </dgm:pt>
-    <dgm:pt modelId="{B0133C11-6197-47D7-94C4-B44898A3B49F}" type="pres">
-      <dgm:prSet presAssocID="{888DD9DB-4176-428B-A42F-EB46CDB89EB2}" presName="connectorText" presStyleLbl="sibTrans2D1" presStyleIdx="6" presStyleCnt="8"/>
-      <dgm:spPr/>
-    </dgm:pt>
-    <dgm:pt modelId="{39AC37BF-B8F8-470D-A087-EE50ABEFCF50}" type="pres">
-      <dgm:prSet presAssocID="{01C439BF-46D2-4D0B-B046-EB007EAF36F6}" presName="node" presStyleLbl="node1" presStyleIdx="7" presStyleCnt="9">
-        <dgm:presLayoutVars>
-          <dgm:bulletEnabled val="1"/>
-        </dgm:presLayoutVars>
-      </dgm:prSet>
-      <dgm:spPr/>
-    </dgm:pt>
-    <dgm:pt modelId="{7303415A-C032-4E5B-A7EF-B084C234B4C7}" type="pres">
-      <dgm:prSet presAssocID="{FBDF09DD-1CEA-4D78-A53D-A61A9DA7423D}" presName="sibTrans" presStyleLbl="sibTrans2D1" presStyleIdx="7" presStyleCnt="8"/>
-      <dgm:spPr/>
-    </dgm:pt>
-    <dgm:pt modelId="{1A049D96-6616-44E2-9F13-39FCE968ED60}" type="pres">
-      <dgm:prSet presAssocID="{FBDF09DD-1CEA-4D78-A53D-A61A9DA7423D}" presName="connectorText" presStyleLbl="sibTrans2D1" presStyleIdx="7" presStyleCnt="8"/>
-      <dgm:spPr/>
-    </dgm:pt>
-    <dgm:pt modelId="{7B73DAA0-8B27-4550-ADDB-E7D89C39D9F3}" type="pres">
-      <dgm:prSet presAssocID="{89D4CDB2-AD55-4C20-B27A-E27D142118DD}" presName="node" presStyleLbl="node1" presStyleIdx="8" presStyleCnt="9">
-        <dgm:presLayoutVars>
-          <dgm:bulletEnabled val="1"/>
-        </dgm:presLayoutVars>
-      </dgm:prSet>
-      <dgm:spPr/>
-    </dgm:pt>
-  </dgm:ptLst>
-  <dgm:cxnLst>
-    <dgm:cxn modelId="{F4523B05-EC0A-4F17-AB20-DB5CC0A9DB1C}" srcId="{A49262FB-59B1-4882-AA91-B784A6D49844}" destId="{01C439BF-46D2-4D0B-B046-EB007EAF36F6}" srcOrd="7" destOrd="0" parTransId="{2E37A6E9-F351-4A11-A38B-CC78320ACD76}" sibTransId="{FBDF09DD-1CEA-4D78-A53D-A61A9DA7423D}"/>
-    <dgm:cxn modelId="{45941607-747A-4DDD-8602-32F2AD090108}" type="presOf" srcId="{271C2ADE-25CF-4F2C-94A8-93D5E7E1D6F2}" destId="{5C67A69D-73DD-4431-A07F-0A5DF7214C7A}" srcOrd="1" destOrd="0" presId="urn:microsoft.com/office/officeart/2005/8/layout/process5"/>
-    <dgm:cxn modelId="{4281B318-807E-4703-ACBF-10379411173E}" type="presOf" srcId="{381745C7-4A1C-4633-A242-DAC6F4F30AD5}" destId="{5FAB812D-C02A-4997-8D3F-E2EB1087CDEF}" srcOrd="0" destOrd="0" presId="urn:microsoft.com/office/officeart/2005/8/layout/process5"/>
-    <dgm:cxn modelId="{8D80081B-B691-4E9E-8800-9C3F9E795331}" type="presOf" srcId="{FBDF09DD-1CEA-4D78-A53D-A61A9DA7423D}" destId="{7303415A-C032-4E5B-A7EF-B084C234B4C7}" srcOrd="0" destOrd="0" presId="urn:microsoft.com/office/officeart/2005/8/layout/process5"/>
-    <dgm:cxn modelId="{C40AE01F-BDB7-40C1-91CE-BB7407693E19}" type="presOf" srcId="{47661271-9393-481A-B8D7-F5BC25B8423C}" destId="{5B44A81A-D0F6-49B9-8093-6067D54B7481}" srcOrd="0" destOrd="0" presId="urn:microsoft.com/office/officeart/2005/8/layout/process5"/>
-    <dgm:cxn modelId="{45B28023-036D-441E-8250-A7210E1DC532}" type="presOf" srcId="{57123523-1443-4656-8AE5-7058F7E513C9}" destId="{0F134180-BA8E-4E1B-BBD4-89E9DA6055A7}" srcOrd="1" destOrd="0" presId="urn:microsoft.com/office/officeart/2005/8/layout/process5"/>
-    <dgm:cxn modelId="{8FD00224-A390-4A61-A11F-C145A8EDDECD}" type="presOf" srcId="{276FB647-3827-44A1-9284-1E5B05106E06}" destId="{D682F277-F39D-48AE-A635-1125ACE1DB9A}" srcOrd="0" destOrd="0" presId="urn:microsoft.com/office/officeart/2005/8/layout/process5"/>
-    <dgm:cxn modelId="{70CEC82F-D4BB-42BB-96EC-EC4D8D0B9C0B}" type="presOf" srcId="{888DD9DB-4176-428B-A42F-EB46CDB89EB2}" destId="{5A58C5AF-7320-4721-8986-A23EE2B06EFD}" srcOrd="0" destOrd="0" presId="urn:microsoft.com/office/officeart/2005/8/layout/process5"/>
-    <dgm:cxn modelId="{6C648032-7C9A-4C57-A733-41841F8F905F}" srcId="{A49262FB-59B1-4882-AA91-B784A6D49844}" destId="{3FED057C-553D-4388-A5F3-D63E78FAA23E}" srcOrd="3" destOrd="0" parTransId="{DC19E22A-BA1F-4932-BB9B-B21C162D1AA5}" sibTransId="{47661271-9393-481A-B8D7-F5BC25B8423C}"/>
-    <dgm:cxn modelId="{C93CFA61-105F-4EA6-993E-75461A2B1DC9}" type="presOf" srcId="{888DD9DB-4176-428B-A42F-EB46CDB89EB2}" destId="{B0133C11-6197-47D7-94C4-B44898A3B49F}" srcOrd="1" destOrd="0" presId="urn:microsoft.com/office/officeart/2005/8/layout/process5"/>
-    <dgm:cxn modelId="{CAAA8463-D21E-4CCC-8A8C-279FB9BDE1EB}" type="presOf" srcId="{396D7F36-BB46-4392-A594-3D52F1F2942C}" destId="{8FBDE39F-7BBD-4E22-85B0-614C928976C2}" srcOrd="0" destOrd="0" presId="urn:microsoft.com/office/officeart/2005/8/layout/process5"/>
-    <dgm:cxn modelId="{14527A48-E6FA-4016-A123-5FF120825418}" type="presOf" srcId="{47661271-9393-481A-B8D7-F5BC25B8423C}" destId="{2F302072-022D-4448-9DDF-3AA231B1D2CE}" srcOrd="1" destOrd="0" presId="urn:microsoft.com/office/officeart/2005/8/layout/process5"/>
-    <dgm:cxn modelId="{D8CE8F48-5218-473E-A696-7EA89D647424}" srcId="{A49262FB-59B1-4882-AA91-B784A6D49844}" destId="{119AA1B1-57FF-4A06-92F4-11F112C76127}" srcOrd="1" destOrd="0" parTransId="{1C9E83C7-515B-4253-B142-E151E0EA4676}" sibTransId="{E3A1AA1C-6ECE-4CF6-AA01-D350B01187DF}"/>
-    <dgm:cxn modelId="{712ED36B-0534-4299-902D-79913D49B2BF}" type="presOf" srcId="{57123523-1443-4656-8AE5-7058F7E513C9}" destId="{9CDDEB46-3331-46F3-BE2C-C9D415B5E99A}" srcOrd="0" destOrd="0" presId="urn:microsoft.com/office/officeart/2005/8/layout/process5"/>
-    <dgm:cxn modelId="{C4E13B80-74DA-49A5-B78D-0D66196F8261}" type="presOf" srcId="{CEB5673C-F492-486A-AD72-F4C33EE3B386}" destId="{DC59B262-701C-4093-BA02-D8BA95DC87CC}" srcOrd="0" destOrd="0" presId="urn:microsoft.com/office/officeart/2005/8/layout/process5"/>
-    <dgm:cxn modelId="{F4A89390-056B-47D0-80C3-6456A2FA25F4}" srcId="{A49262FB-59B1-4882-AA91-B784A6D49844}" destId="{4A0BBDF3-90BB-4E8E-A402-9086D8DCD2A3}" srcOrd="6" destOrd="0" parTransId="{95F70BD3-85EB-4CB1-86EE-1046FDC1E46D}" sibTransId="{888DD9DB-4176-428B-A42F-EB46CDB89EB2}"/>
-    <dgm:cxn modelId="{41A0F290-AD10-4726-B13B-CF5E651847C0}" type="presOf" srcId="{01C439BF-46D2-4D0B-B046-EB007EAF36F6}" destId="{39AC37BF-B8F8-470D-A087-EE50ABEFCF50}" srcOrd="0" destOrd="0" presId="urn:microsoft.com/office/officeart/2005/8/layout/process5"/>
-    <dgm:cxn modelId="{574EBA92-3ED0-4C34-896F-C0BFEE6B3FEC}" type="presOf" srcId="{271C2ADE-25CF-4F2C-94A8-93D5E7E1D6F2}" destId="{C6F25EDB-3EC0-4D2A-88B4-0045ACC1735B}" srcOrd="0" destOrd="0" presId="urn:microsoft.com/office/officeart/2005/8/layout/process5"/>
-    <dgm:cxn modelId="{623CBB98-6F40-459E-9F49-09DEFA9F7234}" type="presOf" srcId="{4A0BBDF3-90BB-4E8E-A402-9086D8DCD2A3}" destId="{905BA76F-B466-4137-B439-C89A997A4AA6}" srcOrd="0" destOrd="0" presId="urn:microsoft.com/office/officeart/2005/8/layout/process5"/>
-    <dgm:cxn modelId="{B1CE2C9A-A2EF-42BE-BD47-8765811DAFD9}" type="presOf" srcId="{3FED057C-553D-4388-A5F3-D63E78FAA23E}" destId="{DCC1C328-7149-4984-8E76-FE4CE9A1E9D3}" srcOrd="0" destOrd="0" presId="urn:microsoft.com/office/officeart/2005/8/layout/process5"/>
-    <dgm:cxn modelId="{389918A7-A885-49D1-9162-035B25A5C5F1}" srcId="{A49262FB-59B1-4882-AA91-B784A6D49844}" destId="{AA09C0A2-9165-4B99-A7A1-305C35234C71}" srcOrd="2" destOrd="0" parTransId="{C5D3E06E-77E1-49A0-8C39-4D56A9552D52}" sibTransId="{381745C7-4A1C-4633-A242-DAC6F4F30AD5}"/>
-    <dgm:cxn modelId="{EF0D99A9-5F40-46B7-B015-B25BAEB7F7B0}" type="presOf" srcId="{E3A1AA1C-6ECE-4CF6-AA01-D350B01187DF}" destId="{600E70C7-C5A1-4801-851A-782B9FAD4A79}" srcOrd="1" destOrd="0" presId="urn:microsoft.com/office/officeart/2005/8/layout/process5"/>
-    <dgm:cxn modelId="{547BC4B9-C2A5-4225-8144-A3A82CBCF4EC}" srcId="{A49262FB-59B1-4882-AA91-B784A6D49844}" destId="{396D7F36-BB46-4392-A594-3D52F1F2942C}" srcOrd="4" destOrd="0" parTransId="{82C8FB96-E405-4BB1-8805-995D8B81B7D3}" sibTransId="{D512BCBC-E8C0-42BE-9A39-1FC108143F1A}"/>
-    <dgm:cxn modelId="{337040BD-DFD4-4419-AA88-6A5CB7DDEF3B}" srcId="{A49262FB-59B1-4882-AA91-B784A6D49844}" destId="{89D4CDB2-AD55-4C20-B27A-E27D142118DD}" srcOrd="8" destOrd="0" parTransId="{3704D5E5-34FC-4A9C-A811-2031B3867403}" sibTransId="{BB04F1AE-D72B-46B2-9FF6-7E8AD6C82442}"/>
-    <dgm:cxn modelId="{79D67DBD-57C3-4908-BE53-DC117F502CCE}" type="presOf" srcId="{A49262FB-59B1-4882-AA91-B784A6D49844}" destId="{EF83315F-78A6-46A1-B1CC-302469361F9F}" srcOrd="0" destOrd="0" presId="urn:microsoft.com/office/officeart/2005/8/layout/process5"/>
-    <dgm:cxn modelId="{4CAA98BD-0435-4540-AD5D-D2323B9B796F}" type="presOf" srcId="{119AA1B1-57FF-4A06-92F4-11F112C76127}" destId="{8F1255F6-24AC-41CF-AC35-51DFE93D0945}" srcOrd="0" destOrd="0" presId="urn:microsoft.com/office/officeart/2005/8/layout/process5"/>
-    <dgm:cxn modelId="{1CD559C4-47A9-4ABF-AE20-21C4DE614761}" type="presOf" srcId="{FBDF09DD-1CEA-4D78-A53D-A61A9DA7423D}" destId="{1A049D96-6616-44E2-9F13-39FCE968ED60}" srcOrd="1" destOrd="0" presId="urn:microsoft.com/office/officeart/2005/8/layout/process5"/>
-    <dgm:cxn modelId="{B4B480C7-B3F4-452A-9C87-00B83FC80C48}" type="presOf" srcId="{AA09C0A2-9165-4B99-A7A1-305C35234C71}" destId="{AE4AA9E8-03F1-43D3-A954-995A9EAD3D41}" srcOrd="0" destOrd="0" presId="urn:microsoft.com/office/officeart/2005/8/layout/process5"/>
-    <dgm:cxn modelId="{634BFDD5-BC35-48E8-B48B-55640D5CC5F6}" type="presOf" srcId="{381745C7-4A1C-4633-A242-DAC6F4F30AD5}" destId="{1920FA97-3276-4A2B-8939-059B5B112E5D}" srcOrd="1" destOrd="0" presId="urn:microsoft.com/office/officeart/2005/8/layout/process5"/>
-    <dgm:cxn modelId="{896E1ED9-CDD1-40B0-9E1A-1D1E8AADABA6}" srcId="{A49262FB-59B1-4882-AA91-B784A6D49844}" destId="{276FB647-3827-44A1-9284-1E5B05106E06}" srcOrd="0" destOrd="0" parTransId="{7B3BA330-F8DC-42C6-96D9-970767D55F4C}" sibTransId="{57123523-1443-4656-8AE5-7058F7E513C9}"/>
-    <dgm:cxn modelId="{A0A073DB-FD39-4436-8095-066CB0CDEB6C}" type="presOf" srcId="{D512BCBC-E8C0-42BE-9A39-1FC108143F1A}" destId="{96FA63CC-248B-4771-9058-660E95B6531A}" srcOrd="0" destOrd="0" presId="urn:microsoft.com/office/officeart/2005/8/layout/process5"/>
-    <dgm:cxn modelId="{CCE63EE0-1549-4B16-B8F6-38A1537CA5BE}" type="presOf" srcId="{89D4CDB2-AD55-4C20-B27A-E27D142118DD}" destId="{7B73DAA0-8B27-4550-ADDB-E7D89C39D9F3}" srcOrd="0" destOrd="0" presId="urn:microsoft.com/office/officeart/2005/8/layout/process5"/>
-    <dgm:cxn modelId="{50B4AAE0-1197-4FA3-83D0-AD6F8872CC69}" type="presOf" srcId="{E3A1AA1C-6ECE-4CF6-AA01-D350B01187DF}" destId="{3CF6B8ED-FDC2-433A-84A4-1660DDE96010}" srcOrd="0" destOrd="0" presId="urn:microsoft.com/office/officeart/2005/8/layout/process5"/>
-    <dgm:cxn modelId="{2F50F3E7-4437-49A8-9568-19F9C88374D2}" srcId="{A49262FB-59B1-4882-AA91-B784A6D49844}" destId="{CEB5673C-F492-486A-AD72-F4C33EE3B386}" srcOrd="5" destOrd="0" parTransId="{9BF15FD0-2E62-432D-99DD-CDD7CBE12D0C}" sibTransId="{271C2ADE-25CF-4F2C-94A8-93D5E7E1D6F2}"/>
-    <dgm:cxn modelId="{E96014E8-BB50-4BB2-AECF-67D4C8A51536}" type="presOf" srcId="{D512BCBC-E8C0-42BE-9A39-1FC108143F1A}" destId="{1BFAD9A2-B8B1-4AE1-9244-96478A725A9D}" srcOrd="1" destOrd="0" presId="urn:microsoft.com/office/officeart/2005/8/layout/process5"/>
-    <dgm:cxn modelId="{06D34147-9572-4C0D-97D6-BE2832755B8B}" type="presParOf" srcId="{EF83315F-78A6-46A1-B1CC-302469361F9F}" destId="{D682F277-F39D-48AE-A635-1125ACE1DB9A}" srcOrd="0" destOrd="0" presId="urn:microsoft.com/office/officeart/2005/8/layout/process5"/>
-    <dgm:cxn modelId="{92783956-4458-4200-B7F6-DADDB7D8857B}" type="presParOf" srcId="{EF83315F-78A6-46A1-B1CC-302469361F9F}" destId="{9CDDEB46-3331-46F3-BE2C-C9D415B5E99A}" srcOrd="1" destOrd="0" presId="urn:microsoft.com/office/officeart/2005/8/layout/process5"/>
-    <dgm:cxn modelId="{72890F93-5EFC-450A-BE2B-E50CB571CF54}" type="presParOf" srcId="{9CDDEB46-3331-46F3-BE2C-C9D415B5E99A}" destId="{0F134180-BA8E-4E1B-BBD4-89E9DA6055A7}" srcOrd="0" destOrd="0" presId="urn:microsoft.com/office/officeart/2005/8/layout/process5"/>
-    <dgm:cxn modelId="{C9B30B47-98BC-4BD4-9673-D3F62C43D2FA}" type="presParOf" srcId="{EF83315F-78A6-46A1-B1CC-302469361F9F}" destId="{8F1255F6-24AC-41CF-AC35-51DFE93D0945}" srcOrd="2" destOrd="0" presId="urn:microsoft.com/office/officeart/2005/8/layout/process5"/>
-    <dgm:cxn modelId="{B67988CE-571C-4F8F-B0F5-69DECE538CE0}" type="presParOf" srcId="{EF83315F-78A6-46A1-B1CC-302469361F9F}" destId="{3CF6B8ED-FDC2-433A-84A4-1660DDE96010}" srcOrd="3" destOrd="0" presId="urn:microsoft.com/office/officeart/2005/8/layout/process5"/>
-    <dgm:cxn modelId="{5C8A7812-76CD-4AF1-98D7-533F8371B471}" type="presParOf" srcId="{3CF6B8ED-FDC2-433A-84A4-1660DDE96010}" destId="{600E70C7-C5A1-4801-851A-782B9FAD4A79}" srcOrd="0" destOrd="0" presId="urn:microsoft.com/office/officeart/2005/8/layout/process5"/>
-    <dgm:cxn modelId="{4E719948-9814-467F-9094-99287D1ECEE5}" type="presParOf" srcId="{EF83315F-78A6-46A1-B1CC-302469361F9F}" destId="{AE4AA9E8-03F1-43D3-A954-995A9EAD3D41}" srcOrd="4" destOrd="0" presId="urn:microsoft.com/office/officeart/2005/8/layout/process5"/>
-    <dgm:cxn modelId="{A0C7D98F-8B0B-4204-927F-6EFF6BA6CCF4}" type="presParOf" srcId="{EF83315F-78A6-46A1-B1CC-302469361F9F}" destId="{5FAB812D-C02A-4997-8D3F-E2EB1087CDEF}" srcOrd="5" destOrd="0" presId="urn:microsoft.com/office/officeart/2005/8/layout/process5"/>
-    <dgm:cxn modelId="{755D9A39-0C49-459B-9157-1677EE28E21F}" type="presParOf" srcId="{5FAB812D-C02A-4997-8D3F-E2EB1087CDEF}" destId="{1920FA97-3276-4A2B-8939-059B5B112E5D}" srcOrd="0" destOrd="0" presId="urn:microsoft.com/office/officeart/2005/8/layout/process5"/>
-    <dgm:cxn modelId="{B17AC7AF-D80B-470F-AE1F-F42888115BF1}" type="presParOf" srcId="{EF83315F-78A6-46A1-B1CC-302469361F9F}" destId="{DCC1C328-7149-4984-8E76-FE4CE9A1E9D3}" srcOrd="6" destOrd="0" presId="urn:microsoft.com/office/officeart/2005/8/layout/process5"/>
-    <dgm:cxn modelId="{F07BFDEA-1001-4DAC-A740-33D008C4A263}" type="presParOf" srcId="{EF83315F-78A6-46A1-B1CC-302469361F9F}" destId="{5B44A81A-D0F6-49B9-8093-6067D54B7481}" srcOrd="7" destOrd="0" presId="urn:microsoft.com/office/officeart/2005/8/layout/process5"/>
-    <dgm:cxn modelId="{407EFD91-1027-4351-A698-798F7D18B92F}" type="presParOf" srcId="{5B44A81A-D0F6-49B9-8093-6067D54B7481}" destId="{2F302072-022D-4448-9DDF-3AA231B1D2CE}" srcOrd="0" destOrd="0" presId="urn:microsoft.com/office/officeart/2005/8/layout/process5"/>
-    <dgm:cxn modelId="{32B70673-2522-471E-BB3B-7CF67675BBC3}" type="presParOf" srcId="{EF83315F-78A6-46A1-B1CC-302469361F9F}" destId="{8FBDE39F-7BBD-4E22-85B0-614C928976C2}" srcOrd="8" destOrd="0" presId="urn:microsoft.com/office/officeart/2005/8/layout/process5"/>
-    <dgm:cxn modelId="{782813D7-A86A-4B05-9355-A48D7F6865DC}" type="presParOf" srcId="{EF83315F-78A6-46A1-B1CC-302469361F9F}" destId="{96FA63CC-248B-4771-9058-660E95B6531A}" srcOrd="9" destOrd="0" presId="urn:microsoft.com/office/officeart/2005/8/layout/process5"/>
-    <dgm:cxn modelId="{CF34A1EA-BFFA-47E5-A156-BCE8B6D0E317}" type="presParOf" srcId="{96FA63CC-248B-4771-9058-660E95B6531A}" destId="{1BFAD9A2-B8B1-4AE1-9244-96478A725A9D}" srcOrd="0" destOrd="0" presId="urn:microsoft.com/office/officeart/2005/8/layout/process5"/>
-    <dgm:cxn modelId="{F531DBA4-4DE8-49F7-B18B-1F9CCCACB7A3}" type="presParOf" srcId="{EF83315F-78A6-46A1-B1CC-302469361F9F}" destId="{DC59B262-701C-4093-BA02-D8BA95DC87CC}" srcOrd="10" destOrd="0" presId="urn:microsoft.com/office/officeart/2005/8/layout/process5"/>
-    <dgm:cxn modelId="{055FB5B4-035C-47A4-9541-AB83855DDD38}" type="presParOf" srcId="{EF83315F-78A6-46A1-B1CC-302469361F9F}" destId="{C6F25EDB-3EC0-4D2A-88B4-0045ACC1735B}" srcOrd="11" destOrd="0" presId="urn:microsoft.com/office/officeart/2005/8/layout/process5"/>
-    <dgm:cxn modelId="{A5FB3C4F-6E80-45A8-942F-A5BA4141CA68}" type="presParOf" srcId="{C6F25EDB-3EC0-4D2A-88B4-0045ACC1735B}" destId="{5C67A69D-73DD-4431-A07F-0A5DF7214C7A}" srcOrd="0" destOrd="0" presId="urn:microsoft.com/office/officeart/2005/8/layout/process5"/>
-    <dgm:cxn modelId="{7FE1A501-CFB8-4688-8A5E-A5D022ABC219}" type="presParOf" srcId="{EF83315F-78A6-46A1-B1CC-302469361F9F}" destId="{905BA76F-B466-4137-B439-C89A997A4AA6}" srcOrd="12" destOrd="0" presId="urn:microsoft.com/office/officeart/2005/8/layout/process5"/>
-    <dgm:cxn modelId="{EB7D143F-8A31-4230-81EF-5BD6BE476B5A}" type="presParOf" srcId="{EF83315F-78A6-46A1-B1CC-302469361F9F}" destId="{5A58C5AF-7320-4721-8986-A23EE2B06EFD}" srcOrd="13" destOrd="0" presId="urn:microsoft.com/office/officeart/2005/8/layout/process5"/>
-    <dgm:cxn modelId="{0BB84AF0-BA9A-4396-9BC0-2CC2512BEF1C}" type="presParOf" srcId="{5A58C5AF-7320-4721-8986-A23EE2B06EFD}" destId="{B0133C11-6197-47D7-94C4-B44898A3B49F}" srcOrd="0" destOrd="0" presId="urn:microsoft.com/office/officeart/2005/8/layout/process5"/>
-    <dgm:cxn modelId="{5D2ACBE4-E903-48D8-BAC3-3D556923B038}" type="presParOf" srcId="{EF83315F-78A6-46A1-B1CC-302469361F9F}" destId="{39AC37BF-B8F8-470D-A087-EE50ABEFCF50}" srcOrd="14" destOrd="0" presId="urn:microsoft.com/office/officeart/2005/8/layout/process5"/>
-    <dgm:cxn modelId="{F1A76B7C-4E0A-4216-B543-E97634F17D47}" type="presParOf" srcId="{EF83315F-78A6-46A1-B1CC-302469361F9F}" destId="{7303415A-C032-4E5B-A7EF-B084C234B4C7}" srcOrd="15" destOrd="0" presId="urn:microsoft.com/office/officeart/2005/8/layout/process5"/>
-    <dgm:cxn modelId="{C9F46113-8EAC-4222-B511-4F416DE82510}" type="presParOf" srcId="{7303415A-C032-4E5B-A7EF-B084C234B4C7}" destId="{1A049D96-6616-44E2-9F13-39FCE968ED60}" srcOrd="0" destOrd="0" presId="urn:microsoft.com/office/officeart/2005/8/layout/process5"/>
-    <dgm:cxn modelId="{C26FE78C-05D1-4334-BAE1-FC45732F6545}" type="presParOf" srcId="{EF83315F-78A6-46A1-B1CC-302469361F9F}" destId="{7B73DAA0-8B27-4550-ADDB-E7D89C39D9F3}" srcOrd="16" destOrd="0" presId="urn:microsoft.com/office/officeart/2005/8/layout/process5"/>
-  </dgm:cxnLst>
-  <dgm:bg/>
-  <dgm:whole/>
-  <dgm:extLst>
-    <a:ext uri="http://schemas.microsoft.com/office/drawing/2008/diagram">
-      <dsp:dataModelExt xmlns:dsp="http://schemas.microsoft.com/office/drawing/2008/diagram" relId="rId6" minVer="http://schemas.openxmlformats.org/drawingml/2006/diagram"/>
-    </a:ext>
-  </dgm:extLst>
-</dgm:dataModel>
-</file>
-
-<file path=ppt/diagrams/data2.xml><?xml version="1.0" encoding="utf-8"?>
 <dgm:dataModel xmlns:dgm="http://schemas.openxmlformats.org/drawingml/2006/diagram" xmlns:a="http://schemas.openxmlformats.org/drawingml/2006/main">
   <dgm:ptLst>
     <dgm:pt modelId="{9F2C19B2-6CD0-4CB8-AA1F-D3C310CAA5D2}" type="doc">
@@ -4258,7 +2955,7 @@
 </dgm:dataModel>
 </file>
 
-<file path=ppt/diagrams/data3.xml><?xml version="1.0" encoding="utf-8"?>
+<file path=ppt/diagrams/data2.xml><?xml version="1.0" encoding="utf-8"?>
 <dgm:dataModel xmlns:dgm="http://schemas.openxmlformats.org/drawingml/2006/diagram" xmlns:a="http://schemas.openxmlformats.org/drawingml/2006/main">
   <dgm:ptLst>
     <dgm:pt modelId="{9DCA12A9-F39B-454E-A240-560992CA3D06}" type="doc">
@@ -5205,7 +3902,7 @@
 </dgm:dataModel>
 </file>
 
-<file path=ppt/diagrams/data4.xml><?xml version="1.0" encoding="utf-8"?>
+<file path=ppt/diagrams/data3.xml><?xml version="1.0" encoding="utf-8"?>
 <dgm:dataModel xmlns:dgm="http://schemas.openxmlformats.org/drawingml/2006/diagram" xmlns:a="http://schemas.openxmlformats.org/drawingml/2006/main">
   <dgm:ptLst>
     <dgm:pt modelId="{1F6BC99A-469B-4C17-8DAD-A7F3DA407487}" type="doc">
@@ -5409,1272 +4106,6 @@
       <dsp:cNvGrpSpPr/>
     </dsp:nvGrpSpPr>
     <dsp:grpSpPr/>
-    <dsp:sp modelId="{D682F277-F39D-48AE-A635-1125ACE1DB9A}">
-      <dsp:nvSpPr>
-        <dsp:cNvPr id="0" name=""/>
-        <dsp:cNvSpPr/>
-      </dsp:nvSpPr>
-      <dsp:spPr>
-        <a:xfrm>
-          <a:off x="98241" y="3335"/>
-          <a:ext cx="1592609" cy="955565"/>
-        </a:xfrm>
-        <a:prstGeom prst="roundRect">
-          <a:avLst>
-            <a:gd name="adj" fmla="val 10000"/>
-          </a:avLst>
-        </a:prstGeom>
-        <a:blipFill rotWithShape="0">
-          <a:blip xmlns:r="http://schemas.openxmlformats.org/officeDocument/2006/relationships" r:embed="rId1">
-            <a:extLst>
-              <a:ext uri="{28A0092B-C50C-407E-A947-70E740481C1C}">
-                <a14:useLocalDpi xmlns:a14="http://schemas.microsoft.com/office/drawing/2010/main" val="0"/>
-              </a:ext>
-            </a:extLst>
-          </a:blip>
-          <a:srcRect/>
-          <a:stretch>
-            <a:fillRect l="-16000" r="-16000"/>
-          </a:stretch>
-        </a:blipFill>
-        <a:ln w="15875" cap="flat" cmpd="sng" algn="ctr">
-          <a:solidFill>
-            <a:schemeClr val="lt1">
-              <a:hueOff val="0"/>
-              <a:satOff val="0"/>
-              <a:lumOff val="0"/>
-              <a:alphaOff val="0"/>
-            </a:schemeClr>
-          </a:solidFill>
-          <a:prstDash val="solid"/>
-        </a:ln>
-        <a:effectLst/>
-      </dsp:spPr>
-      <dsp:style>
-        <a:lnRef idx="2">
-          <a:scrgbClr r="0" g="0" b="0"/>
-        </a:lnRef>
-        <a:fillRef idx="1">
-          <a:scrgbClr r="0" g="0" b="0"/>
-        </a:fillRef>
-        <a:effectRef idx="0">
-          <a:scrgbClr r="0" g="0" b="0"/>
-        </a:effectRef>
-        <a:fontRef idx="minor">
-          <a:schemeClr val="lt1"/>
-        </a:fontRef>
-      </dsp:style>
-      <dsp:txBody>
-        <a:bodyPr spcFirstLastPara="0" vert="horz" wrap="square" lIns="156210" tIns="156210" rIns="156210" bIns="156210" numCol="1" spcCol="1270" anchor="ctr" anchorCtr="0">
-          <a:noAutofit/>
-        </a:bodyPr>
-        <a:lstStyle/>
-        <a:p>
-          <a:pPr marL="0" lvl="0" indent="0" algn="ctr" defTabSz="1822450">
-            <a:lnSpc>
-              <a:spcPct val="90000"/>
-            </a:lnSpc>
-            <a:spcBef>
-              <a:spcPct val="0"/>
-            </a:spcBef>
-            <a:spcAft>
-              <a:spcPct val="35000"/>
-            </a:spcAft>
-            <a:buNone/>
-          </a:pPr>
-          <a:endParaRPr lang="en-US" sz="4100" kern="1200" dirty="0"/>
-        </a:p>
-      </dsp:txBody>
-      <dsp:txXfrm>
-        <a:off x="126229" y="31323"/>
-        <a:ext cx="1536633" cy="899589"/>
-      </dsp:txXfrm>
-    </dsp:sp>
-    <dsp:sp modelId="{9CDDEB46-3331-46F3-BE2C-C9D415B5E99A}">
-      <dsp:nvSpPr>
-        <dsp:cNvPr id="0" name=""/>
-        <dsp:cNvSpPr/>
-      </dsp:nvSpPr>
-      <dsp:spPr>
-        <a:xfrm>
-          <a:off x="1831000" y="283635"/>
-          <a:ext cx="337633" cy="394967"/>
-        </a:xfrm>
-        <a:prstGeom prst="rightArrow">
-          <a:avLst>
-            <a:gd name="adj1" fmla="val 60000"/>
-            <a:gd name="adj2" fmla="val 50000"/>
-          </a:avLst>
-        </a:prstGeom>
-        <a:solidFill>
-          <a:schemeClr val="accent6">
-            <a:tint val="60000"/>
-            <a:hueOff val="0"/>
-            <a:satOff val="0"/>
-            <a:lumOff val="0"/>
-            <a:alphaOff val="0"/>
-          </a:schemeClr>
-        </a:solidFill>
-        <a:ln>
-          <a:noFill/>
-        </a:ln>
-        <a:effectLst/>
-      </dsp:spPr>
-      <dsp:style>
-        <a:lnRef idx="0">
-          <a:scrgbClr r="0" g="0" b="0"/>
-        </a:lnRef>
-        <a:fillRef idx="1">
-          <a:scrgbClr r="0" g="0" b="0"/>
-        </a:fillRef>
-        <a:effectRef idx="0">
-          <a:scrgbClr r="0" g="0" b="0"/>
-        </a:effectRef>
-        <a:fontRef idx="minor">
-          <a:schemeClr val="lt1"/>
-        </a:fontRef>
-      </dsp:style>
-      <dsp:txBody>
-        <a:bodyPr spcFirstLastPara="0" vert="horz" wrap="square" lIns="0" tIns="0" rIns="0" bIns="0" numCol="1" spcCol="1270" anchor="ctr" anchorCtr="0">
-          <a:noAutofit/>
-        </a:bodyPr>
-        <a:lstStyle/>
-        <a:p>
-          <a:pPr marL="0" lvl="0" indent="0" algn="ctr" defTabSz="755650">
-            <a:lnSpc>
-              <a:spcPct val="90000"/>
-            </a:lnSpc>
-            <a:spcBef>
-              <a:spcPct val="0"/>
-            </a:spcBef>
-            <a:spcAft>
-              <a:spcPct val="35000"/>
-            </a:spcAft>
-            <a:buNone/>
-          </a:pPr>
-          <a:endParaRPr lang="en-US" sz="1700" kern="1200"/>
-        </a:p>
-      </dsp:txBody>
-      <dsp:txXfrm>
-        <a:off x="1831000" y="362628"/>
-        <a:ext cx="236343" cy="236981"/>
-      </dsp:txXfrm>
-    </dsp:sp>
-    <dsp:sp modelId="{8F1255F6-24AC-41CF-AC35-51DFE93D0945}">
-      <dsp:nvSpPr>
-        <dsp:cNvPr id="0" name=""/>
-        <dsp:cNvSpPr/>
-      </dsp:nvSpPr>
-      <dsp:spPr>
-        <a:xfrm>
-          <a:off x="2327895" y="3335"/>
-          <a:ext cx="1592609" cy="955565"/>
-        </a:xfrm>
-        <a:prstGeom prst="roundRect">
-          <a:avLst>
-            <a:gd name="adj" fmla="val 10000"/>
-          </a:avLst>
-        </a:prstGeom>
-        <a:solidFill>
-          <a:schemeClr val="accent6">
-            <a:hueOff val="0"/>
-            <a:satOff val="0"/>
-            <a:lumOff val="0"/>
-            <a:alphaOff val="0"/>
-          </a:schemeClr>
-        </a:solidFill>
-        <a:ln w="15875" cap="flat" cmpd="sng" algn="ctr">
-          <a:solidFill>
-            <a:schemeClr val="lt1">
-              <a:hueOff val="0"/>
-              <a:satOff val="0"/>
-              <a:lumOff val="0"/>
-              <a:alphaOff val="0"/>
-            </a:schemeClr>
-          </a:solidFill>
-          <a:prstDash val="solid"/>
-        </a:ln>
-        <a:effectLst/>
-      </dsp:spPr>
-      <dsp:style>
-        <a:lnRef idx="2">
-          <a:scrgbClr r="0" g="0" b="0"/>
-        </a:lnRef>
-        <a:fillRef idx="1">
-          <a:scrgbClr r="0" g="0" b="0"/>
-        </a:fillRef>
-        <a:effectRef idx="0">
-          <a:scrgbClr r="0" g="0" b="0"/>
-        </a:effectRef>
-        <a:fontRef idx="minor">
-          <a:schemeClr val="lt1"/>
-        </a:fontRef>
-      </dsp:style>
-      <dsp:txBody>
-        <a:bodyPr spcFirstLastPara="0" vert="horz" wrap="square" lIns="148590" tIns="148590" rIns="148590" bIns="148590" numCol="1" spcCol="1270" anchor="ctr" anchorCtr="0">
-          <a:noAutofit/>
-        </a:bodyPr>
-        <a:lstStyle/>
-        <a:p>
-          <a:pPr marL="0" lvl="0" indent="0" algn="ctr" defTabSz="1733550">
-            <a:lnSpc>
-              <a:spcPct val="90000"/>
-            </a:lnSpc>
-            <a:spcBef>
-              <a:spcPct val="0"/>
-            </a:spcBef>
-            <a:spcAft>
-              <a:spcPct val="35000"/>
-            </a:spcAft>
-            <a:buNone/>
-          </a:pPr>
-          <a:endParaRPr lang="en-US" sz="3900" kern="1200" dirty="0"/>
-        </a:p>
-      </dsp:txBody>
-      <dsp:txXfrm>
-        <a:off x="2355883" y="31323"/>
-        <a:ext cx="1536633" cy="899589"/>
-      </dsp:txXfrm>
-    </dsp:sp>
-    <dsp:sp modelId="{3CF6B8ED-FDC2-433A-84A4-1660DDE96010}">
-      <dsp:nvSpPr>
-        <dsp:cNvPr id="0" name=""/>
-        <dsp:cNvSpPr/>
-      </dsp:nvSpPr>
-      <dsp:spPr>
-        <a:xfrm>
-          <a:off x="4060654" y="283635"/>
-          <a:ext cx="337633" cy="394967"/>
-        </a:xfrm>
-        <a:prstGeom prst="rightArrow">
-          <a:avLst>
-            <a:gd name="adj1" fmla="val 60000"/>
-            <a:gd name="adj2" fmla="val 50000"/>
-          </a:avLst>
-        </a:prstGeom>
-        <a:solidFill>
-          <a:schemeClr val="accent6">
-            <a:tint val="60000"/>
-            <a:hueOff val="0"/>
-            <a:satOff val="0"/>
-            <a:lumOff val="0"/>
-            <a:alphaOff val="0"/>
-          </a:schemeClr>
-        </a:solidFill>
-        <a:ln>
-          <a:noFill/>
-        </a:ln>
-        <a:effectLst/>
-      </dsp:spPr>
-      <dsp:style>
-        <a:lnRef idx="0">
-          <a:scrgbClr r="0" g="0" b="0"/>
-        </a:lnRef>
-        <a:fillRef idx="1">
-          <a:scrgbClr r="0" g="0" b="0"/>
-        </a:fillRef>
-        <a:effectRef idx="0">
-          <a:scrgbClr r="0" g="0" b="0"/>
-        </a:effectRef>
-        <a:fontRef idx="minor">
-          <a:schemeClr val="lt1"/>
-        </a:fontRef>
-      </dsp:style>
-      <dsp:txBody>
-        <a:bodyPr spcFirstLastPara="0" vert="horz" wrap="square" lIns="0" tIns="0" rIns="0" bIns="0" numCol="1" spcCol="1270" anchor="ctr" anchorCtr="0">
-          <a:noAutofit/>
-        </a:bodyPr>
-        <a:lstStyle/>
-        <a:p>
-          <a:pPr marL="0" lvl="0" indent="0" algn="ctr" defTabSz="755650">
-            <a:lnSpc>
-              <a:spcPct val="90000"/>
-            </a:lnSpc>
-            <a:spcBef>
-              <a:spcPct val="0"/>
-            </a:spcBef>
-            <a:spcAft>
-              <a:spcPct val="35000"/>
-            </a:spcAft>
-            <a:buNone/>
-          </a:pPr>
-          <a:endParaRPr lang="en-US" sz="1700" kern="1200"/>
-        </a:p>
-      </dsp:txBody>
-      <dsp:txXfrm>
-        <a:off x="4060654" y="362628"/>
-        <a:ext cx="236343" cy="236981"/>
-      </dsp:txXfrm>
-    </dsp:sp>
-    <dsp:sp modelId="{AE4AA9E8-03F1-43D3-A954-995A9EAD3D41}">
-      <dsp:nvSpPr>
-        <dsp:cNvPr id="0" name=""/>
-        <dsp:cNvSpPr/>
-      </dsp:nvSpPr>
-      <dsp:spPr>
-        <a:xfrm>
-          <a:off x="4557548" y="3335"/>
-          <a:ext cx="1592609" cy="955565"/>
-        </a:xfrm>
-        <a:prstGeom prst="roundRect">
-          <a:avLst>
-            <a:gd name="adj" fmla="val 10000"/>
-          </a:avLst>
-        </a:prstGeom>
-        <a:solidFill>
-          <a:schemeClr val="accent6">
-            <a:hueOff val="0"/>
-            <a:satOff val="0"/>
-            <a:lumOff val="0"/>
-            <a:alphaOff val="0"/>
-          </a:schemeClr>
-        </a:solidFill>
-        <a:ln w="15875" cap="flat" cmpd="sng" algn="ctr">
-          <a:solidFill>
-            <a:schemeClr val="lt1">
-              <a:hueOff val="0"/>
-              <a:satOff val="0"/>
-              <a:lumOff val="0"/>
-              <a:alphaOff val="0"/>
-            </a:schemeClr>
-          </a:solidFill>
-          <a:prstDash val="solid"/>
-        </a:ln>
-        <a:effectLst/>
-      </dsp:spPr>
-      <dsp:style>
-        <a:lnRef idx="2">
-          <a:scrgbClr r="0" g="0" b="0"/>
-        </a:lnRef>
-        <a:fillRef idx="1">
-          <a:scrgbClr r="0" g="0" b="0"/>
-        </a:fillRef>
-        <a:effectRef idx="0">
-          <a:scrgbClr r="0" g="0" b="0"/>
-        </a:effectRef>
-        <a:fontRef idx="minor">
-          <a:schemeClr val="lt1"/>
-        </a:fontRef>
-      </dsp:style>
-      <dsp:txBody>
-        <a:bodyPr spcFirstLastPara="0" vert="horz" wrap="square" lIns="148590" tIns="148590" rIns="148590" bIns="148590" numCol="1" spcCol="1270" anchor="ctr" anchorCtr="0">
-          <a:noAutofit/>
-        </a:bodyPr>
-        <a:lstStyle/>
-        <a:p>
-          <a:pPr marL="0" lvl="0" indent="0" algn="ctr" defTabSz="1733550">
-            <a:lnSpc>
-              <a:spcPct val="90000"/>
-            </a:lnSpc>
-            <a:spcBef>
-              <a:spcPct val="0"/>
-            </a:spcBef>
-            <a:spcAft>
-              <a:spcPct val="35000"/>
-            </a:spcAft>
-            <a:buNone/>
-          </a:pPr>
-          <a:endParaRPr lang="en-US" sz="3900" kern="1200"/>
-        </a:p>
-      </dsp:txBody>
-      <dsp:txXfrm>
-        <a:off x="4585536" y="31323"/>
-        <a:ext cx="1536633" cy="899589"/>
-      </dsp:txXfrm>
-    </dsp:sp>
-    <dsp:sp modelId="{5FAB812D-C02A-4997-8D3F-E2EB1087CDEF}">
-      <dsp:nvSpPr>
-        <dsp:cNvPr id="0" name=""/>
-        <dsp:cNvSpPr/>
-      </dsp:nvSpPr>
-      <dsp:spPr>
-        <a:xfrm rot="5400000">
-          <a:off x="5185037" y="1070384"/>
-          <a:ext cx="337633" cy="394967"/>
-        </a:xfrm>
-        <a:prstGeom prst="rightArrow">
-          <a:avLst>
-            <a:gd name="adj1" fmla="val 60000"/>
-            <a:gd name="adj2" fmla="val 50000"/>
-          </a:avLst>
-        </a:prstGeom>
-        <a:solidFill>
-          <a:schemeClr val="accent6">
-            <a:tint val="60000"/>
-            <a:hueOff val="0"/>
-            <a:satOff val="0"/>
-            <a:lumOff val="0"/>
-            <a:alphaOff val="0"/>
-          </a:schemeClr>
-        </a:solidFill>
-        <a:ln>
-          <a:noFill/>
-        </a:ln>
-        <a:effectLst/>
-      </dsp:spPr>
-      <dsp:style>
-        <a:lnRef idx="0">
-          <a:scrgbClr r="0" g="0" b="0"/>
-        </a:lnRef>
-        <a:fillRef idx="1">
-          <a:scrgbClr r="0" g="0" b="0"/>
-        </a:fillRef>
-        <a:effectRef idx="0">
-          <a:scrgbClr r="0" g="0" b="0"/>
-        </a:effectRef>
-        <a:fontRef idx="minor">
-          <a:schemeClr val="lt1"/>
-        </a:fontRef>
-      </dsp:style>
-      <dsp:txBody>
-        <a:bodyPr spcFirstLastPara="0" vert="horz" wrap="square" lIns="0" tIns="0" rIns="0" bIns="0" numCol="1" spcCol="1270" anchor="ctr" anchorCtr="0">
-          <a:noAutofit/>
-        </a:bodyPr>
-        <a:lstStyle/>
-        <a:p>
-          <a:pPr marL="0" lvl="0" indent="0" algn="ctr" defTabSz="755650">
-            <a:lnSpc>
-              <a:spcPct val="90000"/>
-            </a:lnSpc>
-            <a:spcBef>
-              <a:spcPct val="0"/>
-            </a:spcBef>
-            <a:spcAft>
-              <a:spcPct val="35000"/>
-            </a:spcAft>
-            <a:buNone/>
-          </a:pPr>
-          <a:endParaRPr lang="en-US" sz="1700" kern="1200"/>
-        </a:p>
-      </dsp:txBody>
-      <dsp:txXfrm rot="-5400000">
-        <a:off x="5235363" y="1099051"/>
-        <a:ext cx="236981" cy="236343"/>
-      </dsp:txXfrm>
-    </dsp:sp>
-    <dsp:sp modelId="{DCC1C328-7149-4984-8E76-FE4CE9A1E9D3}">
-      <dsp:nvSpPr>
-        <dsp:cNvPr id="0" name=""/>
-        <dsp:cNvSpPr/>
-      </dsp:nvSpPr>
-      <dsp:spPr>
-        <a:xfrm>
-          <a:off x="4557548" y="1595945"/>
-          <a:ext cx="1592609" cy="955565"/>
-        </a:xfrm>
-        <a:prstGeom prst="roundRect">
-          <a:avLst>
-            <a:gd name="adj" fmla="val 10000"/>
-          </a:avLst>
-        </a:prstGeom>
-        <a:solidFill>
-          <a:schemeClr val="accent6">
-            <a:hueOff val="0"/>
-            <a:satOff val="0"/>
-            <a:lumOff val="0"/>
-            <a:alphaOff val="0"/>
-          </a:schemeClr>
-        </a:solidFill>
-        <a:ln w="15875" cap="flat" cmpd="sng" algn="ctr">
-          <a:solidFill>
-            <a:schemeClr val="lt1">
-              <a:hueOff val="0"/>
-              <a:satOff val="0"/>
-              <a:lumOff val="0"/>
-              <a:alphaOff val="0"/>
-            </a:schemeClr>
-          </a:solidFill>
-          <a:prstDash val="solid"/>
-        </a:ln>
-        <a:effectLst/>
-      </dsp:spPr>
-      <dsp:style>
-        <a:lnRef idx="2">
-          <a:scrgbClr r="0" g="0" b="0"/>
-        </a:lnRef>
-        <a:fillRef idx="1">
-          <a:scrgbClr r="0" g="0" b="0"/>
-        </a:fillRef>
-        <a:effectRef idx="0">
-          <a:scrgbClr r="0" g="0" b="0"/>
-        </a:effectRef>
-        <a:fontRef idx="minor">
-          <a:schemeClr val="lt1"/>
-        </a:fontRef>
-      </dsp:style>
-      <dsp:txBody>
-        <a:bodyPr spcFirstLastPara="0" vert="horz" wrap="square" lIns="148590" tIns="148590" rIns="148590" bIns="148590" numCol="1" spcCol="1270" anchor="ctr" anchorCtr="0">
-          <a:noAutofit/>
-        </a:bodyPr>
-        <a:lstStyle/>
-        <a:p>
-          <a:pPr marL="0" lvl="0" indent="0" algn="ctr" defTabSz="1733550">
-            <a:lnSpc>
-              <a:spcPct val="90000"/>
-            </a:lnSpc>
-            <a:spcBef>
-              <a:spcPct val="0"/>
-            </a:spcBef>
-            <a:spcAft>
-              <a:spcPct val="35000"/>
-            </a:spcAft>
-            <a:buNone/>
-          </a:pPr>
-          <a:endParaRPr lang="en-US" sz="3900" kern="1200"/>
-        </a:p>
-      </dsp:txBody>
-      <dsp:txXfrm>
-        <a:off x="4585536" y="1623933"/>
-        <a:ext cx="1536633" cy="899589"/>
-      </dsp:txXfrm>
-    </dsp:sp>
-    <dsp:sp modelId="{5B44A81A-D0F6-49B9-8093-6067D54B7481}">
-      <dsp:nvSpPr>
-        <dsp:cNvPr id="0" name=""/>
-        <dsp:cNvSpPr/>
-      </dsp:nvSpPr>
-      <dsp:spPr>
-        <a:xfrm rot="10800000">
-          <a:off x="4079765" y="1876244"/>
-          <a:ext cx="337633" cy="394967"/>
-        </a:xfrm>
-        <a:prstGeom prst="rightArrow">
-          <a:avLst>
-            <a:gd name="adj1" fmla="val 60000"/>
-            <a:gd name="adj2" fmla="val 50000"/>
-          </a:avLst>
-        </a:prstGeom>
-        <a:solidFill>
-          <a:schemeClr val="accent6">
-            <a:tint val="60000"/>
-            <a:hueOff val="0"/>
-            <a:satOff val="0"/>
-            <a:lumOff val="0"/>
-            <a:alphaOff val="0"/>
-          </a:schemeClr>
-        </a:solidFill>
-        <a:ln>
-          <a:noFill/>
-        </a:ln>
-        <a:effectLst/>
-      </dsp:spPr>
-      <dsp:style>
-        <a:lnRef idx="0">
-          <a:scrgbClr r="0" g="0" b="0"/>
-        </a:lnRef>
-        <a:fillRef idx="1">
-          <a:scrgbClr r="0" g="0" b="0"/>
-        </a:fillRef>
-        <a:effectRef idx="0">
-          <a:scrgbClr r="0" g="0" b="0"/>
-        </a:effectRef>
-        <a:fontRef idx="minor">
-          <a:schemeClr val="lt1"/>
-        </a:fontRef>
-      </dsp:style>
-      <dsp:txBody>
-        <a:bodyPr spcFirstLastPara="0" vert="horz" wrap="square" lIns="0" tIns="0" rIns="0" bIns="0" numCol="1" spcCol="1270" anchor="ctr" anchorCtr="0">
-          <a:noAutofit/>
-        </a:bodyPr>
-        <a:lstStyle/>
-        <a:p>
-          <a:pPr marL="0" lvl="0" indent="0" algn="ctr" defTabSz="755650">
-            <a:lnSpc>
-              <a:spcPct val="90000"/>
-            </a:lnSpc>
-            <a:spcBef>
-              <a:spcPct val="0"/>
-            </a:spcBef>
-            <a:spcAft>
-              <a:spcPct val="35000"/>
-            </a:spcAft>
-            <a:buNone/>
-          </a:pPr>
-          <a:endParaRPr lang="en-US" sz="1700" kern="1200"/>
-        </a:p>
-      </dsp:txBody>
-      <dsp:txXfrm rot="10800000">
-        <a:off x="4181055" y="1955237"/>
-        <a:ext cx="236343" cy="236981"/>
-      </dsp:txXfrm>
-    </dsp:sp>
-    <dsp:sp modelId="{8FBDE39F-7BBD-4E22-85B0-614C928976C2}">
-      <dsp:nvSpPr>
-        <dsp:cNvPr id="0" name=""/>
-        <dsp:cNvSpPr/>
-      </dsp:nvSpPr>
-      <dsp:spPr>
-        <a:xfrm>
-          <a:off x="2327895" y="1595945"/>
-          <a:ext cx="1592609" cy="955565"/>
-        </a:xfrm>
-        <a:prstGeom prst="roundRect">
-          <a:avLst>
-            <a:gd name="adj" fmla="val 10000"/>
-          </a:avLst>
-        </a:prstGeom>
-        <a:solidFill>
-          <a:schemeClr val="accent6">
-            <a:hueOff val="0"/>
-            <a:satOff val="0"/>
-            <a:lumOff val="0"/>
-            <a:alphaOff val="0"/>
-          </a:schemeClr>
-        </a:solidFill>
-        <a:ln w="15875" cap="flat" cmpd="sng" algn="ctr">
-          <a:solidFill>
-            <a:schemeClr val="lt1">
-              <a:hueOff val="0"/>
-              <a:satOff val="0"/>
-              <a:lumOff val="0"/>
-              <a:alphaOff val="0"/>
-            </a:schemeClr>
-          </a:solidFill>
-          <a:prstDash val="solid"/>
-        </a:ln>
-        <a:effectLst/>
-      </dsp:spPr>
-      <dsp:style>
-        <a:lnRef idx="2">
-          <a:scrgbClr r="0" g="0" b="0"/>
-        </a:lnRef>
-        <a:fillRef idx="1">
-          <a:scrgbClr r="0" g="0" b="0"/>
-        </a:fillRef>
-        <a:effectRef idx="0">
-          <a:scrgbClr r="0" g="0" b="0"/>
-        </a:effectRef>
-        <a:fontRef idx="minor">
-          <a:schemeClr val="lt1"/>
-        </a:fontRef>
-      </dsp:style>
-      <dsp:txBody>
-        <a:bodyPr spcFirstLastPara="0" vert="horz" wrap="square" lIns="148590" tIns="148590" rIns="148590" bIns="148590" numCol="1" spcCol="1270" anchor="ctr" anchorCtr="0">
-          <a:noAutofit/>
-        </a:bodyPr>
-        <a:lstStyle/>
-        <a:p>
-          <a:pPr marL="0" lvl="0" indent="0" algn="ctr" defTabSz="1733550">
-            <a:lnSpc>
-              <a:spcPct val="90000"/>
-            </a:lnSpc>
-            <a:spcBef>
-              <a:spcPct val="0"/>
-            </a:spcBef>
-            <a:spcAft>
-              <a:spcPct val="35000"/>
-            </a:spcAft>
-            <a:buNone/>
-          </a:pPr>
-          <a:endParaRPr lang="en-US" sz="3900" kern="1200"/>
-        </a:p>
-      </dsp:txBody>
-      <dsp:txXfrm>
-        <a:off x="2355883" y="1623933"/>
-        <a:ext cx="1536633" cy="899589"/>
-      </dsp:txXfrm>
-    </dsp:sp>
-    <dsp:sp modelId="{96FA63CC-248B-4771-9058-660E95B6531A}">
-      <dsp:nvSpPr>
-        <dsp:cNvPr id="0" name=""/>
-        <dsp:cNvSpPr/>
-      </dsp:nvSpPr>
-      <dsp:spPr>
-        <a:xfrm rot="10800000">
-          <a:off x="1850112" y="1876244"/>
-          <a:ext cx="337633" cy="394967"/>
-        </a:xfrm>
-        <a:prstGeom prst="rightArrow">
-          <a:avLst>
-            <a:gd name="adj1" fmla="val 60000"/>
-            <a:gd name="adj2" fmla="val 50000"/>
-          </a:avLst>
-        </a:prstGeom>
-        <a:solidFill>
-          <a:schemeClr val="accent6">
-            <a:tint val="60000"/>
-            <a:hueOff val="0"/>
-            <a:satOff val="0"/>
-            <a:lumOff val="0"/>
-            <a:alphaOff val="0"/>
-          </a:schemeClr>
-        </a:solidFill>
-        <a:ln>
-          <a:noFill/>
-        </a:ln>
-        <a:effectLst/>
-      </dsp:spPr>
-      <dsp:style>
-        <a:lnRef idx="0">
-          <a:scrgbClr r="0" g="0" b="0"/>
-        </a:lnRef>
-        <a:fillRef idx="1">
-          <a:scrgbClr r="0" g="0" b="0"/>
-        </a:fillRef>
-        <a:effectRef idx="0">
-          <a:scrgbClr r="0" g="0" b="0"/>
-        </a:effectRef>
-        <a:fontRef idx="minor">
-          <a:schemeClr val="lt1"/>
-        </a:fontRef>
-      </dsp:style>
-      <dsp:txBody>
-        <a:bodyPr spcFirstLastPara="0" vert="horz" wrap="square" lIns="0" tIns="0" rIns="0" bIns="0" numCol="1" spcCol="1270" anchor="ctr" anchorCtr="0">
-          <a:noAutofit/>
-        </a:bodyPr>
-        <a:lstStyle/>
-        <a:p>
-          <a:pPr marL="0" lvl="0" indent="0" algn="ctr" defTabSz="755650">
-            <a:lnSpc>
-              <a:spcPct val="90000"/>
-            </a:lnSpc>
-            <a:spcBef>
-              <a:spcPct val="0"/>
-            </a:spcBef>
-            <a:spcAft>
-              <a:spcPct val="35000"/>
-            </a:spcAft>
-            <a:buNone/>
-          </a:pPr>
-          <a:endParaRPr lang="en-US" sz="1700" kern="1200"/>
-        </a:p>
-      </dsp:txBody>
-      <dsp:txXfrm rot="10800000">
-        <a:off x="1951402" y="1955237"/>
-        <a:ext cx="236343" cy="236981"/>
-      </dsp:txXfrm>
-    </dsp:sp>
-    <dsp:sp modelId="{DC59B262-701C-4093-BA02-D8BA95DC87CC}">
-      <dsp:nvSpPr>
-        <dsp:cNvPr id="0" name=""/>
-        <dsp:cNvSpPr/>
-      </dsp:nvSpPr>
-      <dsp:spPr>
-        <a:xfrm>
-          <a:off x="98241" y="1595945"/>
-          <a:ext cx="1592609" cy="955565"/>
-        </a:xfrm>
-        <a:prstGeom prst="roundRect">
-          <a:avLst>
-            <a:gd name="adj" fmla="val 10000"/>
-          </a:avLst>
-        </a:prstGeom>
-        <a:solidFill>
-          <a:schemeClr val="accent6">
-            <a:hueOff val="0"/>
-            <a:satOff val="0"/>
-            <a:lumOff val="0"/>
-            <a:alphaOff val="0"/>
-          </a:schemeClr>
-        </a:solidFill>
-        <a:ln w="15875" cap="flat" cmpd="sng" algn="ctr">
-          <a:solidFill>
-            <a:schemeClr val="lt1">
-              <a:hueOff val="0"/>
-              <a:satOff val="0"/>
-              <a:lumOff val="0"/>
-              <a:alphaOff val="0"/>
-            </a:schemeClr>
-          </a:solidFill>
-          <a:prstDash val="solid"/>
-        </a:ln>
-        <a:effectLst/>
-      </dsp:spPr>
-      <dsp:style>
-        <a:lnRef idx="2">
-          <a:scrgbClr r="0" g="0" b="0"/>
-        </a:lnRef>
-        <a:fillRef idx="1">
-          <a:scrgbClr r="0" g="0" b="0"/>
-        </a:fillRef>
-        <a:effectRef idx="0">
-          <a:scrgbClr r="0" g="0" b="0"/>
-        </a:effectRef>
-        <a:fontRef idx="minor">
-          <a:schemeClr val="lt1"/>
-        </a:fontRef>
-      </dsp:style>
-      <dsp:txBody>
-        <a:bodyPr spcFirstLastPara="0" vert="horz" wrap="square" lIns="156210" tIns="156210" rIns="156210" bIns="156210" numCol="1" spcCol="1270" anchor="ctr" anchorCtr="0">
-          <a:noAutofit/>
-        </a:bodyPr>
-        <a:lstStyle/>
-        <a:p>
-          <a:pPr marL="0" lvl="0" indent="0" algn="ctr" defTabSz="1822450">
-            <a:lnSpc>
-              <a:spcPct val="90000"/>
-            </a:lnSpc>
-            <a:spcBef>
-              <a:spcPct val="0"/>
-            </a:spcBef>
-            <a:spcAft>
-              <a:spcPct val="35000"/>
-            </a:spcAft>
-            <a:buNone/>
-          </a:pPr>
-          <a:endParaRPr lang="en-US" sz="4100" kern="1200"/>
-        </a:p>
-      </dsp:txBody>
-      <dsp:txXfrm>
-        <a:off x="126229" y="1623933"/>
-        <a:ext cx="1536633" cy="899589"/>
-      </dsp:txXfrm>
-    </dsp:sp>
-    <dsp:sp modelId="{C6F25EDB-3EC0-4D2A-88B4-0045ACC1735B}">
-      <dsp:nvSpPr>
-        <dsp:cNvPr id="0" name=""/>
-        <dsp:cNvSpPr/>
-      </dsp:nvSpPr>
-      <dsp:spPr>
-        <a:xfrm rot="5400000">
-          <a:off x="725729" y="2662994"/>
-          <a:ext cx="337633" cy="394967"/>
-        </a:xfrm>
-        <a:prstGeom prst="rightArrow">
-          <a:avLst>
-            <a:gd name="adj1" fmla="val 60000"/>
-            <a:gd name="adj2" fmla="val 50000"/>
-          </a:avLst>
-        </a:prstGeom>
-        <a:solidFill>
-          <a:schemeClr val="accent6">
-            <a:tint val="60000"/>
-            <a:hueOff val="0"/>
-            <a:satOff val="0"/>
-            <a:lumOff val="0"/>
-            <a:alphaOff val="0"/>
-          </a:schemeClr>
-        </a:solidFill>
-        <a:ln>
-          <a:noFill/>
-        </a:ln>
-        <a:effectLst/>
-      </dsp:spPr>
-      <dsp:style>
-        <a:lnRef idx="0">
-          <a:scrgbClr r="0" g="0" b="0"/>
-        </a:lnRef>
-        <a:fillRef idx="1">
-          <a:scrgbClr r="0" g="0" b="0"/>
-        </a:fillRef>
-        <a:effectRef idx="0">
-          <a:scrgbClr r="0" g="0" b="0"/>
-        </a:effectRef>
-        <a:fontRef idx="minor">
-          <a:schemeClr val="lt1"/>
-        </a:fontRef>
-      </dsp:style>
-      <dsp:txBody>
-        <a:bodyPr spcFirstLastPara="0" vert="horz" wrap="square" lIns="0" tIns="0" rIns="0" bIns="0" numCol="1" spcCol="1270" anchor="ctr" anchorCtr="0">
-          <a:noAutofit/>
-        </a:bodyPr>
-        <a:lstStyle/>
-        <a:p>
-          <a:pPr marL="0" lvl="0" indent="0" algn="ctr" defTabSz="755650">
-            <a:lnSpc>
-              <a:spcPct val="90000"/>
-            </a:lnSpc>
-            <a:spcBef>
-              <a:spcPct val="0"/>
-            </a:spcBef>
-            <a:spcAft>
-              <a:spcPct val="35000"/>
-            </a:spcAft>
-            <a:buNone/>
-          </a:pPr>
-          <a:endParaRPr lang="en-US" sz="1700" kern="1200"/>
-        </a:p>
-      </dsp:txBody>
-      <dsp:txXfrm rot="-5400000">
-        <a:off x="776055" y="2691661"/>
-        <a:ext cx="236981" cy="236343"/>
-      </dsp:txXfrm>
-    </dsp:sp>
-    <dsp:sp modelId="{905BA76F-B466-4137-B439-C89A997A4AA6}">
-      <dsp:nvSpPr>
-        <dsp:cNvPr id="0" name=""/>
-        <dsp:cNvSpPr/>
-      </dsp:nvSpPr>
-      <dsp:spPr>
-        <a:xfrm>
-          <a:off x="98241" y="3188555"/>
-          <a:ext cx="1592609" cy="955565"/>
-        </a:xfrm>
-        <a:prstGeom prst="roundRect">
-          <a:avLst>
-            <a:gd name="adj" fmla="val 10000"/>
-          </a:avLst>
-        </a:prstGeom>
-        <a:solidFill>
-          <a:schemeClr val="accent6">
-            <a:hueOff val="0"/>
-            <a:satOff val="0"/>
-            <a:lumOff val="0"/>
-            <a:alphaOff val="0"/>
-          </a:schemeClr>
-        </a:solidFill>
-        <a:ln w="15875" cap="flat" cmpd="sng" algn="ctr">
-          <a:solidFill>
-            <a:schemeClr val="lt1">
-              <a:hueOff val="0"/>
-              <a:satOff val="0"/>
-              <a:lumOff val="0"/>
-              <a:alphaOff val="0"/>
-            </a:schemeClr>
-          </a:solidFill>
-          <a:prstDash val="solid"/>
-        </a:ln>
-        <a:effectLst/>
-      </dsp:spPr>
-      <dsp:style>
-        <a:lnRef idx="2">
-          <a:scrgbClr r="0" g="0" b="0"/>
-        </a:lnRef>
-        <a:fillRef idx="1">
-          <a:scrgbClr r="0" g="0" b="0"/>
-        </a:fillRef>
-        <a:effectRef idx="0">
-          <a:scrgbClr r="0" g="0" b="0"/>
-        </a:effectRef>
-        <a:fontRef idx="minor">
-          <a:schemeClr val="lt1"/>
-        </a:fontRef>
-      </dsp:style>
-      <dsp:txBody>
-        <a:bodyPr spcFirstLastPara="0" vert="horz" wrap="square" lIns="156210" tIns="156210" rIns="156210" bIns="156210" numCol="1" spcCol="1270" anchor="ctr" anchorCtr="0">
-          <a:noAutofit/>
-        </a:bodyPr>
-        <a:lstStyle/>
-        <a:p>
-          <a:pPr marL="0" lvl="0" indent="0" algn="ctr" defTabSz="1822450">
-            <a:lnSpc>
-              <a:spcPct val="90000"/>
-            </a:lnSpc>
-            <a:spcBef>
-              <a:spcPct val="0"/>
-            </a:spcBef>
-            <a:spcAft>
-              <a:spcPct val="35000"/>
-            </a:spcAft>
-            <a:buNone/>
-          </a:pPr>
-          <a:endParaRPr lang="en-US" sz="4100" kern="1200"/>
-        </a:p>
-      </dsp:txBody>
-      <dsp:txXfrm>
-        <a:off x="126229" y="3216543"/>
-        <a:ext cx="1536633" cy="899589"/>
-      </dsp:txXfrm>
-    </dsp:sp>
-    <dsp:sp modelId="{5A58C5AF-7320-4721-8986-A23EE2B06EFD}">
-      <dsp:nvSpPr>
-        <dsp:cNvPr id="0" name=""/>
-        <dsp:cNvSpPr/>
-      </dsp:nvSpPr>
-      <dsp:spPr>
-        <a:xfrm>
-          <a:off x="1831000" y="3468854"/>
-          <a:ext cx="337633" cy="394967"/>
-        </a:xfrm>
-        <a:prstGeom prst="rightArrow">
-          <a:avLst>
-            <a:gd name="adj1" fmla="val 60000"/>
-            <a:gd name="adj2" fmla="val 50000"/>
-          </a:avLst>
-        </a:prstGeom>
-        <a:solidFill>
-          <a:schemeClr val="accent6">
-            <a:tint val="60000"/>
-            <a:hueOff val="0"/>
-            <a:satOff val="0"/>
-            <a:lumOff val="0"/>
-            <a:alphaOff val="0"/>
-          </a:schemeClr>
-        </a:solidFill>
-        <a:ln>
-          <a:noFill/>
-        </a:ln>
-        <a:effectLst/>
-      </dsp:spPr>
-      <dsp:style>
-        <a:lnRef idx="0">
-          <a:scrgbClr r="0" g="0" b="0"/>
-        </a:lnRef>
-        <a:fillRef idx="1">
-          <a:scrgbClr r="0" g="0" b="0"/>
-        </a:fillRef>
-        <a:effectRef idx="0">
-          <a:scrgbClr r="0" g="0" b="0"/>
-        </a:effectRef>
-        <a:fontRef idx="minor">
-          <a:schemeClr val="lt1"/>
-        </a:fontRef>
-      </dsp:style>
-      <dsp:txBody>
-        <a:bodyPr spcFirstLastPara="0" vert="horz" wrap="square" lIns="0" tIns="0" rIns="0" bIns="0" numCol="1" spcCol="1270" anchor="ctr" anchorCtr="0">
-          <a:noAutofit/>
-        </a:bodyPr>
-        <a:lstStyle/>
-        <a:p>
-          <a:pPr marL="0" lvl="0" indent="0" algn="ctr" defTabSz="755650">
-            <a:lnSpc>
-              <a:spcPct val="90000"/>
-            </a:lnSpc>
-            <a:spcBef>
-              <a:spcPct val="0"/>
-            </a:spcBef>
-            <a:spcAft>
-              <a:spcPct val="35000"/>
-            </a:spcAft>
-            <a:buNone/>
-          </a:pPr>
-          <a:endParaRPr lang="en-US" sz="1700" kern="1200"/>
-        </a:p>
-      </dsp:txBody>
-      <dsp:txXfrm>
-        <a:off x="1831000" y="3547847"/>
-        <a:ext cx="236343" cy="236981"/>
-      </dsp:txXfrm>
-    </dsp:sp>
-    <dsp:sp modelId="{39AC37BF-B8F8-470D-A087-EE50ABEFCF50}">
-      <dsp:nvSpPr>
-        <dsp:cNvPr id="0" name=""/>
-        <dsp:cNvSpPr/>
-      </dsp:nvSpPr>
-      <dsp:spPr>
-        <a:xfrm>
-          <a:off x="2327895" y="3188555"/>
-          <a:ext cx="1592609" cy="955565"/>
-        </a:xfrm>
-        <a:prstGeom prst="roundRect">
-          <a:avLst>
-            <a:gd name="adj" fmla="val 10000"/>
-          </a:avLst>
-        </a:prstGeom>
-        <a:solidFill>
-          <a:schemeClr val="accent6">
-            <a:hueOff val="0"/>
-            <a:satOff val="0"/>
-            <a:lumOff val="0"/>
-            <a:alphaOff val="0"/>
-          </a:schemeClr>
-        </a:solidFill>
-        <a:ln w="15875" cap="flat" cmpd="sng" algn="ctr">
-          <a:solidFill>
-            <a:schemeClr val="lt1">
-              <a:hueOff val="0"/>
-              <a:satOff val="0"/>
-              <a:lumOff val="0"/>
-              <a:alphaOff val="0"/>
-            </a:schemeClr>
-          </a:solidFill>
-          <a:prstDash val="solid"/>
-        </a:ln>
-        <a:effectLst/>
-      </dsp:spPr>
-      <dsp:style>
-        <a:lnRef idx="2">
-          <a:scrgbClr r="0" g="0" b="0"/>
-        </a:lnRef>
-        <a:fillRef idx="1">
-          <a:scrgbClr r="0" g="0" b="0"/>
-        </a:fillRef>
-        <a:effectRef idx="0">
-          <a:scrgbClr r="0" g="0" b="0"/>
-        </a:effectRef>
-        <a:fontRef idx="minor">
-          <a:schemeClr val="lt1"/>
-        </a:fontRef>
-      </dsp:style>
-      <dsp:txBody>
-        <a:bodyPr spcFirstLastPara="0" vert="horz" wrap="square" lIns="156210" tIns="156210" rIns="156210" bIns="156210" numCol="1" spcCol="1270" anchor="ctr" anchorCtr="0">
-          <a:noAutofit/>
-        </a:bodyPr>
-        <a:lstStyle/>
-        <a:p>
-          <a:pPr marL="0" lvl="0" indent="0" algn="ctr" defTabSz="1822450">
-            <a:lnSpc>
-              <a:spcPct val="90000"/>
-            </a:lnSpc>
-            <a:spcBef>
-              <a:spcPct val="0"/>
-            </a:spcBef>
-            <a:spcAft>
-              <a:spcPct val="35000"/>
-            </a:spcAft>
-            <a:buNone/>
-          </a:pPr>
-          <a:endParaRPr lang="en-US" sz="4100" kern="1200"/>
-        </a:p>
-      </dsp:txBody>
-      <dsp:txXfrm>
-        <a:off x="2355883" y="3216543"/>
-        <a:ext cx="1536633" cy="899589"/>
-      </dsp:txXfrm>
-    </dsp:sp>
-    <dsp:sp modelId="{7303415A-C032-4E5B-A7EF-B084C234B4C7}">
-      <dsp:nvSpPr>
-        <dsp:cNvPr id="0" name=""/>
-        <dsp:cNvSpPr/>
-      </dsp:nvSpPr>
-      <dsp:spPr>
-        <a:xfrm>
-          <a:off x="4060654" y="3468854"/>
-          <a:ext cx="337633" cy="394967"/>
-        </a:xfrm>
-        <a:prstGeom prst="rightArrow">
-          <a:avLst>
-            <a:gd name="adj1" fmla="val 60000"/>
-            <a:gd name="adj2" fmla="val 50000"/>
-          </a:avLst>
-        </a:prstGeom>
-        <a:solidFill>
-          <a:schemeClr val="accent6">
-            <a:tint val="60000"/>
-            <a:hueOff val="0"/>
-            <a:satOff val="0"/>
-            <a:lumOff val="0"/>
-            <a:alphaOff val="0"/>
-          </a:schemeClr>
-        </a:solidFill>
-        <a:ln>
-          <a:noFill/>
-        </a:ln>
-        <a:effectLst/>
-      </dsp:spPr>
-      <dsp:style>
-        <a:lnRef idx="0">
-          <a:scrgbClr r="0" g="0" b="0"/>
-        </a:lnRef>
-        <a:fillRef idx="1">
-          <a:scrgbClr r="0" g="0" b="0"/>
-        </a:fillRef>
-        <a:effectRef idx="0">
-          <a:scrgbClr r="0" g="0" b="0"/>
-        </a:effectRef>
-        <a:fontRef idx="minor">
-          <a:schemeClr val="lt1"/>
-        </a:fontRef>
-      </dsp:style>
-      <dsp:txBody>
-        <a:bodyPr spcFirstLastPara="0" vert="horz" wrap="square" lIns="0" tIns="0" rIns="0" bIns="0" numCol="1" spcCol="1270" anchor="ctr" anchorCtr="0">
-          <a:noAutofit/>
-        </a:bodyPr>
-        <a:lstStyle/>
-        <a:p>
-          <a:pPr marL="0" lvl="0" indent="0" algn="ctr" defTabSz="755650">
-            <a:lnSpc>
-              <a:spcPct val="90000"/>
-            </a:lnSpc>
-            <a:spcBef>
-              <a:spcPct val="0"/>
-            </a:spcBef>
-            <a:spcAft>
-              <a:spcPct val="35000"/>
-            </a:spcAft>
-            <a:buNone/>
-          </a:pPr>
-          <a:endParaRPr lang="en-US" sz="1700" kern="1200"/>
-        </a:p>
-      </dsp:txBody>
-      <dsp:txXfrm>
-        <a:off x="4060654" y="3547847"/>
-        <a:ext cx="236343" cy="236981"/>
-      </dsp:txXfrm>
-    </dsp:sp>
-    <dsp:sp modelId="{7B73DAA0-8B27-4550-ADDB-E7D89C39D9F3}">
-      <dsp:nvSpPr>
-        <dsp:cNvPr id="0" name=""/>
-        <dsp:cNvSpPr/>
-      </dsp:nvSpPr>
-      <dsp:spPr>
-        <a:xfrm>
-          <a:off x="4557548" y="3188555"/>
-          <a:ext cx="1592609" cy="955565"/>
-        </a:xfrm>
-        <a:prstGeom prst="roundRect">
-          <a:avLst>
-            <a:gd name="adj" fmla="val 10000"/>
-          </a:avLst>
-        </a:prstGeom>
-        <a:blipFill rotWithShape="0">
-          <a:blip xmlns:r="http://schemas.openxmlformats.org/officeDocument/2006/relationships" r:embed="rId2">
-            <a:extLst>
-              <a:ext uri="{28A0092B-C50C-407E-A947-70E740481C1C}">
-                <a14:useLocalDpi xmlns:a14="http://schemas.microsoft.com/office/drawing/2010/main" val="0"/>
-              </a:ext>
-            </a:extLst>
-          </a:blip>
-          <a:srcRect/>
-          <a:stretch>
-            <a:fillRect l="-16000" r="-16000"/>
-          </a:stretch>
-        </a:blipFill>
-        <a:ln w="15875" cap="flat" cmpd="sng" algn="ctr">
-          <a:solidFill>
-            <a:schemeClr val="lt1">
-              <a:hueOff val="0"/>
-              <a:satOff val="0"/>
-              <a:lumOff val="0"/>
-              <a:alphaOff val="0"/>
-            </a:schemeClr>
-          </a:solidFill>
-          <a:prstDash val="solid"/>
-        </a:ln>
-        <a:effectLst/>
-      </dsp:spPr>
-      <dsp:style>
-        <a:lnRef idx="2">
-          <a:scrgbClr r="0" g="0" b="0"/>
-        </a:lnRef>
-        <a:fillRef idx="1">
-          <a:scrgbClr r="0" g="0" b="0"/>
-        </a:fillRef>
-        <a:effectRef idx="0">
-          <a:scrgbClr r="0" g="0" b="0"/>
-        </a:effectRef>
-        <a:fontRef idx="minor">
-          <a:schemeClr val="lt1"/>
-        </a:fontRef>
-      </dsp:style>
-      <dsp:txBody>
-        <a:bodyPr spcFirstLastPara="0" vert="horz" wrap="square" lIns="156210" tIns="156210" rIns="156210" bIns="156210" numCol="1" spcCol="1270" anchor="ctr" anchorCtr="0">
-          <a:noAutofit/>
-        </a:bodyPr>
-        <a:lstStyle/>
-        <a:p>
-          <a:pPr marL="0" lvl="0" indent="0" algn="ctr" defTabSz="1822450">
-            <a:lnSpc>
-              <a:spcPct val="90000"/>
-            </a:lnSpc>
-            <a:spcBef>
-              <a:spcPct val="0"/>
-            </a:spcBef>
-            <a:spcAft>
-              <a:spcPct val="35000"/>
-            </a:spcAft>
-            <a:buNone/>
-          </a:pPr>
-          <a:endParaRPr lang="en-US" sz="4100" kern="1200" dirty="0"/>
-        </a:p>
-      </dsp:txBody>
-      <dsp:txXfrm>
-        <a:off x="4585536" y="3216543"/>
-        <a:ext cx="1536633" cy="899589"/>
-      </dsp:txXfrm>
-    </dsp:sp>
-  </dsp:spTree>
-</dsp:drawing>
-</file>
-
-<file path=ppt/diagrams/drawing2.xml><?xml version="1.0" encoding="utf-8"?>
-<dsp:drawing xmlns:dgm="http://schemas.openxmlformats.org/drawingml/2006/diagram" xmlns:dsp="http://schemas.microsoft.com/office/drawing/2008/diagram" xmlns:a="http://schemas.openxmlformats.org/drawingml/2006/main">
-  <dsp:spTree>
-    <dsp:nvGrpSpPr>
-      <dsp:cNvPr id="0" name=""/>
-      <dsp:cNvGrpSpPr/>
-    </dsp:nvGrpSpPr>
-    <dsp:grpSpPr/>
     <dsp:sp modelId="{D46B5035-BB0C-49B8-BB67-08F629B88748}">
       <dsp:nvSpPr>
         <dsp:cNvPr id="0" name=""/>
@@ -7318,7 +4749,7 @@
 </dsp:drawing>
 </file>
 
-<file path=ppt/diagrams/drawing3.xml><?xml version="1.0" encoding="utf-8"?>
+<file path=ppt/diagrams/drawing2.xml><?xml version="1.0" encoding="utf-8"?>
 <dsp:drawing xmlns:dgm="http://schemas.openxmlformats.org/drawingml/2006/diagram" xmlns:dsp="http://schemas.microsoft.com/office/drawing/2008/diagram" xmlns:a="http://schemas.openxmlformats.org/drawingml/2006/main">
   <dsp:spTree>
     <dsp:nvGrpSpPr>
@@ -8404,7 +5835,7 @@
 </dsp:drawing>
 </file>
 
-<file path=ppt/diagrams/drawing4.xml><?xml version="1.0" encoding="utf-8"?>
+<file path=ppt/diagrams/drawing3.xml><?xml version="1.0" encoding="utf-8"?>
 <dsp:drawing xmlns:dgm="http://schemas.openxmlformats.org/drawingml/2006/diagram" xmlns:dsp="http://schemas.microsoft.com/office/drawing/2008/diagram" xmlns:a="http://schemas.openxmlformats.org/drawingml/2006/main">
   <dsp:spTree>
     <dsp:nvGrpSpPr>
@@ -8651,11 +6082,13 @@
 </file>
 
 <file path=ppt/diagrams/layout1.xml><?xml version="1.0" encoding="utf-8"?>
-<dgm:layoutDef xmlns:dgm="http://schemas.openxmlformats.org/drawingml/2006/diagram" xmlns:a="http://schemas.openxmlformats.org/drawingml/2006/main" uniqueId="urn:microsoft.com/office/officeart/2005/8/layout/process5">
+<dgm:layoutDef xmlns:dgm="http://schemas.openxmlformats.org/drawingml/2006/diagram" xmlns:a="http://schemas.openxmlformats.org/drawingml/2006/main" uniqueId="urn:microsoft.com/office/officeart/2005/8/layout/chevron2">
   <dgm:title val=""/>
   <dgm:desc val=""/>
   <dgm:catLst>
-    <dgm:cat type="process" pri="17000"/>
+    <dgm:cat type="process" pri="12000"/>
+    <dgm:cat type="list" pri="16000"/>
+    <dgm:cat type="convert" pri="11000"/>
   </dgm:catLst>
   <dgm:sampData>
     <dgm:dataModel>
@@ -8664,25 +6097,41 @@
         <dgm:pt modelId="1">
           <dgm:prSet phldr="1"/>
         </dgm:pt>
+        <dgm:pt modelId="11">
+          <dgm:prSet phldr="1"/>
+        </dgm:pt>
+        <dgm:pt modelId="12">
+          <dgm:prSet phldr="1"/>
+        </dgm:pt>
         <dgm:pt modelId="2">
+          <dgm:prSet phldr="1"/>
+        </dgm:pt>
+        <dgm:pt modelId="21">
+          <dgm:prSet phldr="1"/>
+        </dgm:pt>
+        <dgm:pt modelId="22">
           <dgm:prSet phldr="1"/>
         </dgm:pt>
         <dgm:pt modelId="3">
           <dgm:prSet phldr="1"/>
         </dgm:pt>
-        <dgm:pt modelId="4">
+        <dgm:pt modelId="31">
           <dgm:prSet phldr="1"/>
         </dgm:pt>
-        <dgm:pt modelId="5">
+        <dgm:pt modelId="32">
           <dgm:prSet phldr="1"/>
         </dgm:pt>
       </dgm:ptLst>
       <dgm:cxnLst>
-        <dgm:cxn modelId="7" srcId="0" destId="1" srcOrd="0" destOrd="0"/>
-        <dgm:cxn modelId="8" srcId="0" destId="2" srcOrd="1" destOrd="0"/>
-        <dgm:cxn modelId="9" srcId="0" destId="3" srcOrd="2" destOrd="0"/>
-        <dgm:cxn modelId="10" srcId="0" destId="4" srcOrd="3" destOrd="0"/>
-        <dgm:cxn modelId="11" srcId="0" destId="5" srcOrd="4" destOrd="0"/>
+        <dgm:cxn modelId="4" srcId="0" destId="1" srcOrd="0" destOrd="0"/>
+        <dgm:cxn modelId="5" srcId="0" destId="2" srcOrd="1" destOrd="0"/>
+        <dgm:cxn modelId="6" srcId="0" destId="3" srcOrd="2" destOrd="0"/>
+        <dgm:cxn modelId="13" srcId="1" destId="11" srcOrd="0" destOrd="0"/>
+        <dgm:cxn modelId="14" srcId="1" destId="12" srcOrd="1" destOrd="0"/>
+        <dgm:cxn modelId="23" srcId="2" destId="21" srcOrd="0" destOrd="0"/>
+        <dgm:cxn modelId="24" srcId="2" destId="22" srcOrd="1" destOrd="0"/>
+        <dgm:cxn modelId="33" srcId="3" destId="31" srcOrd="0" destOrd="0"/>
+        <dgm:cxn modelId="34" srcId="3" destId="32" srcOrd="1" destOrd="0"/>
       </dgm:cxnLst>
       <dgm:bg/>
       <dgm:whole/>
@@ -8693,11 +6142,9 @@
       <dgm:ptLst>
         <dgm:pt modelId="0" type="doc"/>
         <dgm:pt modelId="1"/>
-        <dgm:pt modelId="2"/>
       </dgm:ptLst>
       <dgm:cxnLst>
-        <dgm:cxn modelId="3" srcId="0" destId="1" srcOrd="0" destOrd="0"/>
-        <dgm:cxn modelId="4" srcId="0" destId="2" srcOrd="1" destOrd="0"/>
+        <dgm:cxn modelId="4" srcId="0" destId="1" srcOrd="0" destOrd="0"/>
       </dgm:cxnLst>
       <dgm:bg/>
       <dgm:whole/>
@@ -8708,112 +6155,181 @@
       <dgm:ptLst>
         <dgm:pt modelId="0" type="doc"/>
         <dgm:pt modelId="1"/>
+        <dgm:pt modelId="11"/>
         <dgm:pt modelId="2"/>
+        <dgm:pt modelId="21"/>
         <dgm:pt modelId="3"/>
+        <dgm:pt modelId="31"/>
         <dgm:pt modelId="4"/>
+        <dgm:pt modelId="41"/>
       </dgm:ptLst>
       <dgm:cxnLst>
         <dgm:cxn modelId="5" srcId="0" destId="1" srcOrd="0" destOrd="0"/>
         <dgm:cxn modelId="6" srcId="0" destId="2" srcOrd="1" destOrd="0"/>
         <dgm:cxn modelId="7" srcId="0" destId="3" srcOrd="2" destOrd="0"/>
         <dgm:cxn modelId="8" srcId="0" destId="4" srcOrd="3" destOrd="0"/>
+        <dgm:cxn modelId="13" srcId="1" destId="11" srcOrd="0" destOrd="0"/>
+        <dgm:cxn modelId="23" srcId="2" destId="21" srcOrd="0" destOrd="0"/>
+        <dgm:cxn modelId="33" srcId="3" destId="31" srcOrd="0" destOrd="0"/>
+        <dgm:cxn modelId="43" srcId="4" destId="41" srcOrd="0" destOrd="0"/>
       </dgm:cxnLst>
       <dgm:bg/>
       <dgm:whole/>
     </dgm:dataModel>
   </dgm:clrData>
-  <dgm:layoutNode name="diagram">
+  <dgm:layoutNode name="linearFlow">
     <dgm:varLst>
       <dgm:dir/>
+      <dgm:animLvl val="lvl"/>
       <dgm:resizeHandles val="exact"/>
     </dgm:varLst>
-    <dgm:choose name="Name0">
-      <dgm:if name="Name1" axis="self" func="var" arg="dir" op="equ" val="norm">
-        <dgm:alg type="snake">
-          <dgm:param type="grDir" val="tL"/>
-          <dgm:param type="flowDir" val="row"/>
-          <dgm:param type="contDir" val="revDir"/>
-          <dgm:param type="bkpt" val="endCnv"/>
-        </dgm:alg>
-      </dgm:if>
-      <dgm:else name="Name2">
-        <dgm:alg type="snake">
-          <dgm:param type="grDir" val="tR"/>
-          <dgm:param type="flowDir" val="row"/>
-          <dgm:param type="contDir" val="revDir"/>
-          <dgm:param type="bkpt" val="endCnv"/>
-        </dgm:alg>
-      </dgm:else>
-    </dgm:choose>
+    <dgm:alg type="lin">
+      <dgm:param type="linDir" val="fromT"/>
+      <dgm:param type="nodeHorzAlign" val="l"/>
+    </dgm:alg>
     <dgm:shape xmlns:r="http://schemas.openxmlformats.org/officeDocument/2006/relationships" r:blip="">
       <dgm:adjLst/>
     </dgm:shape>
     <dgm:presOf/>
     <dgm:constrLst>
-      <dgm:constr type="w" for="ch" ptType="node" refType="w"/>
-      <dgm:constr type="w" for="ch" forName="sibTrans" refType="w" refFor="ch" refPtType="node" op="equ" fact="0.4"/>
-      <dgm:constr type="sp" refType="w" refFor="ch" refForName="sibTrans" op="equ"/>
-      <dgm:constr type="primFontSz" for="ch" ptType="node" op="equ" val="65"/>
-      <dgm:constr type="primFontSz" for="des" forName="connectorText" op="equ" val="55"/>
-      <dgm:constr type="primFontSz" for="des" forName="connectorText" refType="primFontSz" refFor="ch" refPtType="node" op="lte" fact="0.8"/>
+      <dgm:constr type="h" for="ch" forName="composite" refType="h"/>
+      <dgm:constr type="w" for="ch" forName="composite" refType="w"/>
+      <dgm:constr type="h" for="des" forName="parentText" op="equ"/>
+      <dgm:constr type="h" for="ch" forName="sp" val="-14.88"/>
+      <dgm:constr type="h" for="ch" forName="sp" refType="w" refFor="des" refForName="parentText" op="gte" fact="-0.3"/>
+      <dgm:constr type="primFontSz" for="des" forName="parentText" op="equ" val="65"/>
+      <dgm:constr type="primFontSz" for="des" forName="descendantText" op="equ" val="65"/>
     </dgm:constrLst>
     <dgm:ruleLst/>
-    <dgm:forEach name="nodesForEach" axis="ch" ptType="node">
-      <dgm:layoutNode name="node">
-        <dgm:varLst>
-          <dgm:bulletEnabled val="1"/>
-        </dgm:varLst>
-        <dgm:alg type="tx"/>
-        <dgm:shape xmlns:r="http://schemas.openxmlformats.org/officeDocument/2006/relationships" type="roundRect" r:blip="">
-          <dgm:adjLst>
-            <dgm:adj idx="1" val="0.1"/>
-          </dgm:adjLst>
+    <dgm:forEach name="Name0" axis="ch" ptType="node">
+      <dgm:layoutNode name="composite">
+        <dgm:alg type="composite"/>
+        <dgm:shape xmlns:r="http://schemas.openxmlformats.org/officeDocument/2006/relationships" r:blip="">
+          <dgm:adjLst/>
         </dgm:shape>
-        <dgm:presOf axis="desOrSelf" ptType="node"/>
-        <dgm:constrLst>
-          <dgm:constr type="h" refType="w" fact="0.6"/>
-          <dgm:constr type="tMarg" refType="primFontSz" fact="0.3"/>
-          <dgm:constr type="bMarg" refType="primFontSz" fact="0.3"/>
-          <dgm:constr type="lMarg" refType="primFontSz" fact="0.3"/>
-          <dgm:constr type="rMarg" refType="primFontSz" fact="0.3"/>
-        </dgm:constrLst>
-        <dgm:ruleLst>
-          <dgm:rule type="primFontSz" val="5" fact="NaN" max="NaN"/>
-        </dgm:ruleLst>
+        <dgm:presOf/>
+        <dgm:choose name="Name1">
+          <dgm:if name="Name2" func="var" arg="dir" op="equ" val="norm">
+            <dgm:constrLst>
+              <dgm:constr type="t" for="ch" forName="parentText"/>
+              <dgm:constr type="l" for="ch" forName="parentText"/>
+              <dgm:constr type="w" for="ch" forName="parentText" refType="w" fact="0.4"/>
+              <dgm:constr type="h" for="ch" forName="parentText" refType="h"/>
+              <dgm:constr type="w" for="ch" forName="parentText" refType="w" op="lte" fact="0.5"/>
+              <dgm:constr type="w" for="ch" forName="parentText" refType="h" refFor="ch" refForName="parentText" op="lte" fact="0.7"/>
+              <dgm:constr type="h" for="ch" forName="parentText" refType="w" refFor="ch" refForName="parentText" op="lte" fact="3"/>
+              <dgm:constr type="l" for="ch" forName="descendantText" refType="w" refFor="ch" refForName="parentText"/>
+              <dgm:constr type="w" for="ch" forName="descendantText" refType="w"/>
+              <dgm:constr type="wOff" for="ch" forName="descendantText" refType="w" refFor="ch" refForName="parentText" fact="-1"/>
+              <dgm:constr type="t" for="ch" forName="descendantText"/>
+              <dgm:constr type="b" for="ch" forName="descendantText" refType="h" refFor="ch" refForName="parentText"/>
+              <dgm:constr type="bOff" for="ch" forName="descendantText" refType="w" refFor="ch" refForName="parentText" fact="-0.5"/>
+            </dgm:constrLst>
+          </dgm:if>
+          <dgm:else name="Name3">
+            <dgm:constrLst>
+              <dgm:constr type="t" for="ch" forName="parentText"/>
+              <dgm:constr type="r" for="ch" forName="parentText" refType="w"/>
+              <dgm:constr type="w" for="ch" forName="parentText" refType="w" fact="0.4"/>
+              <dgm:constr type="h" for="ch" forName="parentText" refType="h"/>
+              <dgm:constr type="w" for="ch" forName="parentText" refType="w" op="lte" fact="0.5"/>
+              <dgm:constr type="w" for="ch" forName="parentText" refType="h" refFor="ch" refForName="parentText" op="lte" fact="0.7"/>
+              <dgm:constr type="h" for="ch" forName="parentText" refType="w" refFor="ch" refForName="parentText" op="lte" fact="3"/>
+              <dgm:constr type="l" for="ch" forName="descendantText"/>
+              <dgm:constr type="w" for="ch" forName="descendantText" refType="w"/>
+              <dgm:constr type="wOff" for="ch" forName="descendantText" refType="w" refFor="ch" refForName="parentText" fact="-1"/>
+              <dgm:constr type="t" for="ch" forName="descendantText"/>
+              <dgm:constr type="b" for="ch" forName="descendantText" refType="h" refFor="ch" refForName="parentText"/>
+              <dgm:constr type="bOff" for="ch" forName="descendantText" refType="w" refFor="ch" refForName="parentText" fact="-0.5"/>
+            </dgm:constrLst>
+          </dgm:else>
+        </dgm:choose>
+        <dgm:ruleLst/>
+        <dgm:layoutNode name="parentText" styleLbl="alignNode1">
+          <dgm:varLst>
+            <dgm:chMax val="1"/>
+            <dgm:bulletEnabled val="1"/>
+          </dgm:varLst>
+          <dgm:alg type="tx"/>
+          <dgm:shape xmlns:r="http://schemas.openxmlformats.org/officeDocument/2006/relationships" rot="90" type="chevron" r:blip="">
+            <dgm:adjLst/>
+          </dgm:shape>
+          <dgm:presOf axis="self" ptType="node"/>
+          <dgm:constrLst>
+            <dgm:constr type="lMarg" refType="primFontSz" fact="0.05"/>
+            <dgm:constr type="rMarg" refType="primFontSz" fact="0.05"/>
+            <dgm:constr type="tMarg" refType="primFontSz" fact="0.05"/>
+            <dgm:constr type="bMarg" refType="primFontSz" fact="0.05"/>
+          </dgm:constrLst>
+          <dgm:ruleLst>
+            <dgm:rule type="h" val="100" fact="NaN" max="NaN"/>
+            <dgm:rule type="primFontSz" val="24" fact="NaN" max="NaN"/>
+            <dgm:rule type="h" val="110" fact="NaN" max="NaN"/>
+            <dgm:rule type="primFontSz" val="18" fact="NaN" max="NaN"/>
+            <dgm:rule type="h" val="INF" fact="NaN" max="NaN"/>
+            <dgm:rule type="primFontSz" val="5" fact="NaN" max="NaN"/>
+          </dgm:ruleLst>
+        </dgm:layoutNode>
+        <dgm:layoutNode name="descendantText" styleLbl="alignAcc1">
+          <dgm:varLst>
+            <dgm:bulletEnabled val="1"/>
+          </dgm:varLst>
+          <dgm:choose name="Name4">
+            <dgm:if name="Name5" func="var" arg="dir" op="equ" val="norm">
+              <dgm:alg type="tx">
+                <dgm:param type="stBulletLvl" val="1"/>
+                <dgm:param type="txAnchorVertCh" val="mid"/>
+              </dgm:alg>
+              <dgm:shape xmlns:r="http://schemas.openxmlformats.org/officeDocument/2006/relationships" rot="90" type="round2SameRect" r:blip="">
+                <dgm:adjLst/>
+              </dgm:shape>
+            </dgm:if>
+            <dgm:else name="Name6">
+              <dgm:alg type="tx">
+                <dgm:param type="stBulletLvl" val="1"/>
+                <dgm:param type="txAnchorVertCh" val="mid"/>
+              </dgm:alg>
+              <dgm:shape xmlns:r="http://schemas.openxmlformats.org/officeDocument/2006/relationships" rot="-90" type="round2SameRect" r:blip="">
+                <dgm:adjLst/>
+              </dgm:shape>
+            </dgm:else>
+          </dgm:choose>
+          <dgm:presOf axis="des" ptType="node"/>
+          <dgm:choose name="Name7">
+            <dgm:if name="Name8" func="var" arg="dir" op="equ" val="norm">
+              <dgm:constrLst>
+                <dgm:constr type="secFontSz" refType="primFontSz"/>
+                <dgm:constr type="tMarg" refType="primFontSz" fact="0.05"/>
+                <dgm:constr type="bMarg" refType="primFontSz" fact="0.05"/>
+                <dgm:constr type="rMarg" refType="primFontSz" fact="0.05"/>
+              </dgm:constrLst>
+            </dgm:if>
+            <dgm:else name="Name9">
+              <dgm:constrLst>
+                <dgm:constr type="secFontSz" refType="primFontSz"/>
+                <dgm:constr type="tMarg" refType="primFontSz" fact="0.05"/>
+                <dgm:constr type="bMarg" refType="primFontSz" fact="0.05"/>
+                <dgm:constr type="lMarg" refType="primFontSz" fact="0.05"/>
+              </dgm:constrLst>
+            </dgm:else>
+          </dgm:choose>
+          <dgm:ruleLst>
+            <dgm:rule type="primFontSz" val="5" fact="NaN" max="NaN"/>
+          </dgm:ruleLst>
+        </dgm:layoutNode>
       </dgm:layoutNode>
-      <dgm:forEach name="sibTransForEach" axis="followSib" ptType="sibTrans" cnt="1">
-        <dgm:layoutNode name="sibTrans">
-          <dgm:alg type="conn">
-            <dgm:param type="begPts" val="auto"/>
-            <dgm:param type="endPts" val="auto"/>
-          </dgm:alg>
-          <dgm:shape xmlns:r="http://schemas.openxmlformats.org/officeDocument/2006/relationships" type="conn" r:blip="">
+      <dgm:forEach name="Name10" axis="followSib" ptType="sibTrans" cnt="1">
+        <dgm:layoutNode name="sp">
+          <dgm:alg type="sp"/>
+          <dgm:shape xmlns:r="http://schemas.openxmlformats.org/officeDocument/2006/relationships" r:blip="">
             <dgm:adjLst/>
           </dgm:shape>
           <dgm:presOf axis="self"/>
           <dgm:constrLst>
-            <dgm:constr type="h" refType="w" fact="0.62"/>
-            <dgm:constr type="connDist"/>
+            <dgm:constr type="w" val="1"/>
+            <dgm:constr type="h" val="37.5"/>
           </dgm:constrLst>
           <dgm:ruleLst/>
-          <dgm:layoutNode name="connectorText">
-            <dgm:alg type="tx">
-              <dgm:param type="autoTxRot" val="upr"/>
-            </dgm:alg>
-            <dgm:shape xmlns:r="http://schemas.openxmlformats.org/officeDocument/2006/relationships" type="conn" r:blip="" hideGeom="1">
-              <dgm:adjLst/>
-            </dgm:shape>
-            <dgm:presOf axis="self"/>
-            <dgm:constrLst>
-              <dgm:constr type="lMarg"/>
-              <dgm:constr type="rMarg"/>
-              <dgm:constr type="tMarg"/>
-              <dgm:constr type="bMarg"/>
-            </dgm:constrLst>
-            <dgm:ruleLst>
-              <dgm:rule type="primFontSz" val="5" fact="NaN" max="NaN"/>
-            </dgm:ruleLst>
-          </dgm:layoutNode>
         </dgm:layoutNode>
       </dgm:forEach>
     </dgm:forEach>
@@ -9078,262 +6594,6 @@
 </file>
 
 <file path=ppt/diagrams/layout3.xml><?xml version="1.0" encoding="utf-8"?>
-<dgm:layoutDef xmlns:dgm="http://schemas.openxmlformats.org/drawingml/2006/diagram" xmlns:a="http://schemas.openxmlformats.org/drawingml/2006/main" uniqueId="urn:microsoft.com/office/officeart/2005/8/layout/chevron2">
-  <dgm:title val=""/>
-  <dgm:desc val=""/>
-  <dgm:catLst>
-    <dgm:cat type="process" pri="12000"/>
-    <dgm:cat type="list" pri="16000"/>
-    <dgm:cat type="convert" pri="11000"/>
-  </dgm:catLst>
-  <dgm:sampData>
-    <dgm:dataModel>
-      <dgm:ptLst>
-        <dgm:pt modelId="0" type="doc"/>
-        <dgm:pt modelId="1">
-          <dgm:prSet phldr="1"/>
-        </dgm:pt>
-        <dgm:pt modelId="11">
-          <dgm:prSet phldr="1"/>
-        </dgm:pt>
-        <dgm:pt modelId="12">
-          <dgm:prSet phldr="1"/>
-        </dgm:pt>
-        <dgm:pt modelId="2">
-          <dgm:prSet phldr="1"/>
-        </dgm:pt>
-        <dgm:pt modelId="21">
-          <dgm:prSet phldr="1"/>
-        </dgm:pt>
-        <dgm:pt modelId="22">
-          <dgm:prSet phldr="1"/>
-        </dgm:pt>
-        <dgm:pt modelId="3">
-          <dgm:prSet phldr="1"/>
-        </dgm:pt>
-        <dgm:pt modelId="31">
-          <dgm:prSet phldr="1"/>
-        </dgm:pt>
-        <dgm:pt modelId="32">
-          <dgm:prSet phldr="1"/>
-        </dgm:pt>
-      </dgm:ptLst>
-      <dgm:cxnLst>
-        <dgm:cxn modelId="4" srcId="0" destId="1" srcOrd="0" destOrd="0"/>
-        <dgm:cxn modelId="5" srcId="0" destId="2" srcOrd="1" destOrd="0"/>
-        <dgm:cxn modelId="6" srcId="0" destId="3" srcOrd="2" destOrd="0"/>
-        <dgm:cxn modelId="13" srcId="1" destId="11" srcOrd="0" destOrd="0"/>
-        <dgm:cxn modelId="14" srcId="1" destId="12" srcOrd="1" destOrd="0"/>
-        <dgm:cxn modelId="23" srcId="2" destId="21" srcOrd="0" destOrd="0"/>
-        <dgm:cxn modelId="24" srcId="2" destId="22" srcOrd="1" destOrd="0"/>
-        <dgm:cxn modelId="33" srcId="3" destId="31" srcOrd="0" destOrd="0"/>
-        <dgm:cxn modelId="34" srcId="3" destId="32" srcOrd="1" destOrd="0"/>
-      </dgm:cxnLst>
-      <dgm:bg/>
-      <dgm:whole/>
-    </dgm:dataModel>
-  </dgm:sampData>
-  <dgm:styleData>
-    <dgm:dataModel>
-      <dgm:ptLst>
-        <dgm:pt modelId="0" type="doc"/>
-        <dgm:pt modelId="1"/>
-      </dgm:ptLst>
-      <dgm:cxnLst>
-        <dgm:cxn modelId="4" srcId="0" destId="1" srcOrd="0" destOrd="0"/>
-      </dgm:cxnLst>
-      <dgm:bg/>
-      <dgm:whole/>
-    </dgm:dataModel>
-  </dgm:styleData>
-  <dgm:clrData>
-    <dgm:dataModel>
-      <dgm:ptLst>
-        <dgm:pt modelId="0" type="doc"/>
-        <dgm:pt modelId="1"/>
-        <dgm:pt modelId="11"/>
-        <dgm:pt modelId="2"/>
-        <dgm:pt modelId="21"/>
-        <dgm:pt modelId="3"/>
-        <dgm:pt modelId="31"/>
-        <dgm:pt modelId="4"/>
-        <dgm:pt modelId="41"/>
-      </dgm:ptLst>
-      <dgm:cxnLst>
-        <dgm:cxn modelId="5" srcId="0" destId="1" srcOrd="0" destOrd="0"/>
-        <dgm:cxn modelId="6" srcId="0" destId="2" srcOrd="1" destOrd="0"/>
-        <dgm:cxn modelId="7" srcId="0" destId="3" srcOrd="2" destOrd="0"/>
-        <dgm:cxn modelId="8" srcId="0" destId="4" srcOrd="3" destOrd="0"/>
-        <dgm:cxn modelId="13" srcId="1" destId="11" srcOrd="0" destOrd="0"/>
-        <dgm:cxn modelId="23" srcId="2" destId="21" srcOrd="0" destOrd="0"/>
-        <dgm:cxn modelId="33" srcId="3" destId="31" srcOrd="0" destOrd="0"/>
-        <dgm:cxn modelId="43" srcId="4" destId="41" srcOrd="0" destOrd="0"/>
-      </dgm:cxnLst>
-      <dgm:bg/>
-      <dgm:whole/>
-    </dgm:dataModel>
-  </dgm:clrData>
-  <dgm:layoutNode name="linearFlow">
-    <dgm:varLst>
-      <dgm:dir/>
-      <dgm:animLvl val="lvl"/>
-      <dgm:resizeHandles val="exact"/>
-    </dgm:varLst>
-    <dgm:alg type="lin">
-      <dgm:param type="linDir" val="fromT"/>
-      <dgm:param type="nodeHorzAlign" val="l"/>
-    </dgm:alg>
-    <dgm:shape xmlns:r="http://schemas.openxmlformats.org/officeDocument/2006/relationships" r:blip="">
-      <dgm:adjLst/>
-    </dgm:shape>
-    <dgm:presOf/>
-    <dgm:constrLst>
-      <dgm:constr type="h" for="ch" forName="composite" refType="h"/>
-      <dgm:constr type="w" for="ch" forName="composite" refType="w"/>
-      <dgm:constr type="h" for="des" forName="parentText" op="equ"/>
-      <dgm:constr type="h" for="ch" forName="sp" val="-14.88"/>
-      <dgm:constr type="h" for="ch" forName="sp" refType="w" refFor="des" refForName="parentText" op="gte" fact="-0.3"/>
-      <dgm:constr type="primFontSz" for="des" forName="parentText" op="equ" val="65"/>
-      <dgm:constr type="primFontSz" for="des" forName="descendantText" op="equ" val="65"/>
-    </dgm:constrLst>
-    <dgm:ruleLst/>
-    <dgm:forEach name="Name0" axis="ch" ptType="node">
-      <dgm:layoutNode name="composite">
-        <dgm:alg type="composite"/>
-        <dgm:shape xmlns:r="http://schemas.openxmlformats.org/officeDocument/2006/relationships" r:blip="">
-          <dgm:adjLst/>
-        </dgm:shape>
-        <dgm:presOf/>
-        <dgm:choose name="Name1">
-          <dgm:if name="Name2" func="var" arg="dir" op="equ" val="norm">
-            <dgm:constrLst>
-              <dgm:constr type="t" for="ch" forName="parentText"/>
-              <dgm:constr type="l" for="ch" forName="parentText"/>
-              <dgm:constr type="w" for="ch" forName="parentText" refType="w" fact="0.4"/>
-              <dgm:constr type="h" for="ch" forName="parentText" refType="h"/>
-              <dgm:constr type="w" for="ch" forName="parentText" refType="w" op="lte" fact="0.5"/>
-              <dgm:constr type="w" for="ch" forName="parentText" refType="h" refFor="ch" refForName="parentText" op="lte" fact="0.7"/>
-              <dgm:constr type="h" for="ch" forName="parentText" refType="w" refFor="ch" refForName="parentText" op="lte" fact="3"/>
-              <dgm:constr type="l" for="ch" forName="descendantText" refType="w" refFor="ch" refForName="parentText"/>
-              <dgm:constr type="w" for="ch" forName="descendantText" refType="w"/>
-              <dgm:constr type="wOff" for="ch" forName="descendantText" refType="w" refFor="ch" refForName="parentText" fact="-1"/>
-              <dgm:constr type="t" for="ch" forName="descendantText"/>
-              <dgm:constr type="b" for="ch" forName="descendantText" refType="h" refFor="ch" refForName="parentText"/>
-              <dgm:constr type="bOff" for="ch" forName="descendantText" refType="w" refFor="ch" refForName="parentText" fact="-0.5"/>
-            </dgm:constrLst>
-          </dgm:if>
-          <dgm:else name="Name3">
-            <dgm:constrLst>
-              <dgm:constr type="t" for="ch" forName="parentText"/>
-              <dgm:constr type="r" for="ch" forName="parentText" refType="w"/>
-              <dgm:constr type="w" for="ch" forName="parentText" refType="w" fact="0.4"/>
-              <dgm:constr type="h" for="ch" forName="parentText" refType="h"/>
-              <dgm:constr type="w" for="ch" forName="parentText" refType="w" op="lte" fact="0.5"/>
-              <dgm:constr type="w" for="ch" forName="parentText" refType="h" refFor="ch" refForName="parentText" op="lte" fact="0.7"/>
-              <dgm:constr type="h" for="ch" forName="parentText" refType="w" refFor="ch" refForName="parentText" op="lte" fact="3"/>
-              <dgm:constr type="l" for="ch" forName="descendantText"/>
-              <dgm:constr type="w" for="ch" forName="descendantText" refType="w"/>
-              <dgm:constr type="wOff" for="ch" forName="descendantText" refType="w" refFor="ch" refForName="parentText" fact="-1"/>
-              <dgm:constr type="t" for="ch" forName="descendantText"/>
-              <dgm:constr type="b" for="ch" forName="descendantText" refType="h" refFor="ch" refForName="parentText"/>
-              <dgm:constr type="bOff" for="ch" forName="descendantText" refType="w" refFor="ch" refForName="parentText" fact="-0.5"/>
-            </dgm:constrLst>
-          </dgm:else>
-        </dgm:choose>
-        <dgm:ruleLst/>
-        <dgm:layoutNode name="parentText" styleLbl="alignNode1">
-          <dgm:varLst>
-            <dgm:chMax val="1"/>
-            <dgm:bulletEnabled val="1"/>
-          </dgm:varLst>
-          <dgm:alg type="tx"/>
-          <dgm:shape xmlns:r="http://schemas.openxmlformats.org/officeDocument/2006/relationships" rot="90" type="chevron" r:blip="">
-            <dgm:adjLst/>
-          </dgm:shape>
-          <dgm:presOf axis="self" ptType="node"/>
-          <dgm:constrLst>
-            <dgm:constr type="lMarg" refType="primFontSz" fact="0.05"/>
-            <dgm:constr type="rMarg" refType="primFontSz" fact="0.05"/>
-            <dgm:constr type="tMarg" refType="primFontSz" fact="0.05"/>
-            <dgm:constr type="bMarg" refType="primFontSz" fact="0.05"/>
-          </dgm:constrLst>
-          <dgm:ruleLst>
-            <dgm:rule type="h" val="100" fact="NaN" max="NaN"/>
-            <dgm:rule type="primFontSz" val="24" fact="NaN" max="NaN"/>
-            <dgm:rule type="h" val="110" fact="NaN" max="NaN"/>
-            <dgm:rule type="primFontSz" val="18" fact="NaN" max="NaN"/>
-            <dgm:rule type="h" val="INF" fact="NaN" max="NaN"/>
-            <dgm:rule type="primFontSz" val="5" fact="NaN" max="NaN"/>
-          </dgm:ruleLst>
-        </dgm:layoutNode>
-        <dgm:layoutNode name="descendantText" styleLbl="alignAcc1">
-          <dgm:varLst>
-            <dgm:bulletEnabled val="1"/>
-          </dgm:varLst>
-          <dgm:choose name="Name4">
-            <dgm:if name="Name5" func="var" arg="dir" op="equ" val="norm">
-              <dgm:alg type="tx">
-                <dgm:param type="stBulletLvl" val="1"/>
-                <dgm:param type="txAnchorVertCh" val="mid"/>
-              </dgm:alg>
-              <dgm:shape xmlns:r="http://schemas.openxmlformats.org/officeDocument/2006/relationships" rot="90" type="round2SameRect" r:blip="">
-                <dgm:adjLst/>
-              </dgm:shape>
-            </dgm:if>
-            <dgm:else name="Name6">
-              <dgm:alg type="tx">
-                <dgm:param type="stBulletLvl" val="1"/>
-                <dgm:param type="txAnchorVertCh" val="mid"/>
-              </dgm:alg>
-              <dgm:shape xmlns:r="http://schemas.openxmlformats.org/officeDocument/2006/relationships" rot="-90" type="round2SameRect" r:blip="">
-                <dgm:adjLst/>
-              </dgm:shape>
-            </dgm:else>
-          </dgm:choose>
-          <dgm:presOf axis="des" ptType="node"/>
-          <dgm:choose name="Name7">
-            <dgm:if name="Name8" func="var" arg="dir" op="equ" val="norm">
-              <dgm:constrLst>
-                <dgm:constr type="secFontSz" refType="primFontSz"/>
-                <dgm:constr type="tMarg" refType="primFontSz" fact="0.05"/>
-                <dgm:constr type="bMarg" refType="primFontSz" fact="0.05"/>
-                <dgm:constr type="rMarg" refType="primFontSz" fact="0.05"/>
-              </dgm:constrLst>
-            </dgm:if>
-            <dgm:else name="Name9">
-              <dgm:constrLst>
-                <dgm:constr type="secFontSz" refType="primFontSz"/>
-                <dgm:constr type="tMarg" refType="primFontSz" fact="0.05"/>
-                <dgm:constr type="bMarg" refType="primFontSz" fact="0.05"/>
-                <dgm:constr type="lMarg" refType="primFontSz" fact="0.05"/>
-              </dgm:constrLst>
-            </dgm:else>
-          </dgm:choose>
-          <dgm:ruleLst>
-            <dgm:rule type="primFontSz" val="5" fact="NaN" max="NaN"/>
-          </dgm:ruleLst>
-        </dgm:layoutNode>
-      </dgm:layoutNode>
-      <dgm:forEach name="Name10" axis="followSib" ptType="sibTrans" cnt="1">
-        <dgm:layoutNode name="sp">
-          <dgm:alg type="sp"/>
-          <dgm:shape xmlns:r="http://schemas.openxmlformats.org/officeDocument/2006/relationships" r:blip="">
-            <dgm:adjLst/>
-          </dgm:shape>
-          <dgm:presOf axis="self"/>
-          <dgm:constrLst>
-            <dgm:constr type="w" val="1"/>
-            <dgm:constr type="h" val="37.5"/>
-          </dgm:constrLst>
-          <dgm:ruleLst/>
-        </dgm:layoutNode>
-      </dgm:forEach>
-    </dgm:forEach>
-  </dgm:layoutNode>
-</dgm:layoutDef>
-</file>
-
-<file path=ppt/diagrams/layout4.xml><?xml version="1.0" encoding="utf-8"?>
 <dgm:layoutDef xmlns:dgm="http://schemas.openxmlformats.org/drawingml/2006/diagram" xmlns:a="http://schemas.openxmlformats.org/drawingml/2006/main" uniqueId="urn:microsoft.com/office/officeart/2005/8/layout/venn1">
   <dgm:title val=""/>
   <dgm:desc val=""/>
@@ -13310,1040 +10570,6 @@
 </dgm:styleDef>
 </file>
 
-<file path=ppt/diagrams/quickStyle4.xml><?xml version="1.0" encoding="utf-8"?>
-<dgm:styleDef xmlns:dgm="http://schemas.openxmlformats.org/drawingml/2006/diagram" xmlns:a="http://schemas.openxmlformats.org/drawingml/2006/main" uniqueId="urn:microsoft.com/office/officeart/2005/8/quickstyle/simple1">
-  <dgm:title val=""/>
-  <dgm:desc val=""/>
-  <dgm:catLst>
-    <dgm:cat type="simple" pri="10100"/>
-  </dgm:catLst>
-  <dgm:scene3d>
-    <a:camera prst="orthographicFront"/>
-    <a:lightRig rig="threePt" dir="t"/>
-  </dgm:scene3d>
-  <dgm:styleLbl name="node0">
-    <dgm:scene3d>
-      <a:camera prst="orthographicFront"/>
-      <a:lightRig rig="threePt" dir="t"/>
-    </dgm:scene3d>
-    <dgm:sp3d/>
-    <dgm:txPr/>
-    <dgm:style>
-      <a:lnRef idx="2">
-        <a:scrgbClr r="0" g="0" b="0"/>
-      </a:lnRef>
-      <a:fillRef idx="1">
-        <a:scrgbClr r="0" g="0" b="0"/>
-      </a:fillRef>
-      <a:effectRef idx="0">
-        <a:scrgbClr r="0" g="0" b="0"/>
-      </a:effectRef>
-      <a:fontRef idx="minor">
-        <a:schemeClr val="lt1"/>
-      </a:fontRef>
-    </dgm:style>
-  </dgm:styleLbl>
-  <dgm:styleLbl name="lnNode1">
-    <dgm:scene3d>
-      <a:camera prst="orthographicFront"/>
-      <a:lightRig rig="threePt" dir="t"/>
-    </dgm:scene3d>
-    <dgm:sp3d/>
-    <dgm:txPr/>
-    <dgm:style>
-      <a:lnRef idx="2">
-        <a:scrgbClr r="0" g="0" b="0"/>
-      </a:lnRef>
-      <a:fillRef idx="1">
-        <a:scrgbClr r="0" g="0" b="0"/>
-      </a:fillRef>
-      <a:effectRef idx="0">
-        <a:scrgbClr r="0" g="0" b="0"/>
-      </a:effectRef>
-      <a:fontRef idx="minor">
-        <a:schemeClr val="lt1"/>
-      </a:fontRef>
-    </dgm:style>
-  </dgm:styleLbl>
-  <dgm:styleLbl name="vennNode1">
-    <dgm:scene3d>
-      <a:camera prst="orthographicFront"/>
-      <a:lightRig rig="threePt" dir="t"/>
-    </dgm:scene3d>
-    <dgm:sp3d/>
-    <dgm:txPr/>
-    <dgm:style>
-      <a:lnRef idx="2">
-        <a:scrgbClr r="0" g="0" b="0"/>
-      </a:lnRef>
-      <a:fillRef idx="1">
-        <a:scrgbClr r="0" g="0" b="0"/>
-      </a:fillRef>
-      <a:effectRef idx="0">
-        <a:scrgbClr r="0" g="0" b="0"/>
-      </a:effectRef>
-      <a:fontRef idx="minor">
-        <a:schemeClr val="tx1"/>
-      </a:fontRef>
-    </dgm:style>
-  </dgm:styleLbl>
-  <dgm:styleLbl name="alignNode1">
-    <dgm:scene3d>
-      <a:camera prst="orthographicFront"/>
-      <a:lightRig rig="threePt" dir="t"/>
-    </dgm:scene3d>
-    <dgm:sp3d/>
-    <dgm:txPr/>
-    <dgm:style>
-      <a:lnRef idx="2">
-        <a:scrgbClr r="0" g="0" b="0"/>
-      </a:lnRef>
-      <a:fillRef idx="1">
-        <a:scrgbClr r="0" g="0" b="0"/>
-      </a:fillRef>
-      <a:effectRef idx="0">
-        <a:scrgbClr r="0" g="0" b="0"/>
-      </a:effectRef>
-      <a:fontRef idx="minor">
-        <a:schemeClr val="lt1"/>
-      </a:fontRef>
-    </dgm:style>
-  </dgm:styleLbl>
-  <dgm:styleLbl name="node1">
-    <dgm:scene3d>
-      <a:camera prst="orthographicFront"/>
-      <a:lightRig rig="threePt" dir="t"/>
-    </dgm:scene3d>
-    <dgm:sp3d/>
-    <dgm:txPr/>
-    <dgm:style>
-      <a:lnRef idx="2">
-        <a:scrgbClr r="0" g="0" b="0"/>
-      </a:lnRef>
-      <a:fillRef idx="1">
-        <a:scrgbClr r="0" g="0" b="0"/>
-      </a:fillRef>
-      <a:effectRef idx="0">
-        <a:scrgbClr r="0" g="0" b="0"/>
-      </a:effectRef>
-      <a:fontRef idx="minor">
-        <a:schemeClr val="lt1"/>
-      </a:fontRef>
-    </dgm:style>
-  </dgm:styleLbl>
-  <dgm:styleLbl name="node2">
-    <dgm:scene3d>
-      <a:camera prst="orthographicFront"/>
-      <a:lightRig rig="threePt" dir="t"/>
-    </dgm:scene3d>
-    <dgm:sp3d/>
-    <dgm:txPr/>
-    <dgm:style>
-      <a:lnRef idx="2">
-        <a:scrgbClr r="0" g="0" b="0"/>
-      </a:lnRef>
-      <a:fillRef idx="1">
-        <a:scrgbClr r="0" g="0" b="0"/>
-      </a:fillRef>
-      <a:effectRef idx="0">
-        <a:scrgbClr r="0" g="0" b="0"/>
-      </a:effectRef>
-      <a:fontRef idx="minor">
-        <a:schemeClr val="lt1"/>
-      </a:fontRef>
-    </dgm:style>
-  </dgm:styleLbl>
-  <dgm:styleLbl name="node3">
-    <dgm:scene3d>
-      <a:camera prst="orthographicFront"/>
-      <a:lightRig rig="threePt" dir="t"/>
-    </dgm:scene3d>
-    <dgm:sp3d/>
-    <dgm:txPr/>
-    <dgm:style>
-      <a:lnRef idx="2">
-        <a:scrgbClr r="0" g="0" b="0"/>
-      </a:lnRef>
-      <a:fillRef idx="1">
-        <a:scrgbClr r="0" g="0" b="0"/>
-      </a:fillRef>
-      <a:effectRef idx="0">
-        <a:scrgbClr r="0" g="0" b="0"/>
-      </a:effectRef>
-      <a:fontRef idx="minor">
-        <a:schemeClr val="lt1"/>
-      </a:fontRef>
-    </dgm:style>
-  </dgm:styleLbl>
-  <dgm:styleLbl name="node4">
-    <dgm:scene3d>
-      <a:camera prst="orthographicFront"/>
-      <a:lightRig rig="threePt" dir="t"/>
-    </dgm:scene3d>
-    <dgm:sp3d/>
-    <dgm:txPr/>
-    <dgm:style>
-      <a:lnRef idx="2">
-        <a:scrgbClr r="0" g="0" b="0"/>
-      </a:lnRef>
-      <a:fillRef idx="1">
-        <a:scrgbClr r="0" g="0" b="0"/>
-      </a:fillRef>
-      <a:effectRef idx="0">
-        <a:scrgbClr r="0" g="0" b="0"/>
-      </a:effectRef>
-      <a:fontRef idx="minor">
-        <a:schemeClr val="lt1"/>
-      </a:fontRef>
-    </dgm:style>
-  </dgm:styleLbl>
-  <dgm:styleLbl name="fgImgPlace1">
-    <dgm:scene3d>
-      <a:camera prst="orthographicFront"/>
-      <a:lightRig rig="threePt" dir="t"/>
-    </dgm:scene3d>
-    <dgm:sp3d/>
-    <dgm:txPr/>
-    <dgm:style>
-      <a:lnRef idx="2">
-        <a:scrgbClr r="0" g="0" b="0"/>
-      </a:lnRef>
-      <a:fillRef idx="1">
-        <a:scrgbClr r="0" g="0" b="0"/>
-      </a:fillRef>
-      <a:effectRef idx="0">
-        <a:scrgbClr r="0" g="0" b="0"/>
-      </a:effectRef>
-      <a:fontRef idx="minor"/>
-    </dgm:style>
-  </dgm:styleLbl>
-  <dgm:styleLbl name="alignImgPlace1">
-    <dgm:scene3d>
-      <a:camera prst="orthographicFront"/>
-      <a:lightRig rig="threePt" dir="t"/>
-    </dgm:scene3d>
-    <dgm:sp3d/>
-    <dgm:txPr/>
-    <dgm:style>
-      <a:lnRef idx="2">
-        <a:scrgbClr r="0" g="0" b="0"/>
-      </a:lnRef>
-      <a:fillRef idx="1">
-        <a:scrgbClr r="0" g="0" b="0"/>
-      </a:fillRef>
-      <a:effectRef idx="0">
-        <a:scrgbClr r="0" g="0" b="0"/>
-      </a:effectRef>
-      <a:fontRef idx="minor"/>
-    </dgm:style>
-  </dgm:styleLbl>
-  <dgm:styleLbl name="bgImgPlace1">
-    <dgm:scene3d>
-      <a:camera prst="orthographicFront"/>
-      <a:lightRig rig="threePt" dir="t"/>
-    </dgm:scene3d>
-    <dgm:sp3d/>
-    <dgm:txPr/>
-    <dgm:style>
-      <a:lnRef idx="2">
-        <a:scrgbClr r="0" g="0" b="0"/>
-      </a:lnRef>
-      <a:fillRef idx="1">
-        <a:scrgbClr r="0" g="0" b="0"/>
-      </a:fillRef>
-      <a:effectRef idx="0">
-        <a:scrgbClr r="0" g="0" b="0"/>
-      </a:effectRef>
-      <a:fontRef idx="minor"/>
-    </dgm:style>
-  </dgm:styleLbl>
-  <dgm:styleLbl name="sibTrans2D1">
-    <dgm:scene3d>
-      <a:camera prst="orthographicFront"/>
-      <a:lightRig rig="threePt" dir="t"/>
-    </dgm:scene3d>
-    <dgm:sp3d/>
-    <dgm:txPr/>
-    <dgm:style>
-      <a:lnRef idx="0">
-        <a:scrgbClr r="0" g="0" b="0"/>
-      </a:lnRef>
-      <a:fillRef idx="1">
-        <a:scrgbClr r="0" g="0" b="0"/>
-      </a:fillRef>
-      <a:effectRef idx="0">
-        <a:scrgbClr r="0" g="0" b="0"/>
-      </a:effectRef>
-      <a:fontRef idx="minor">
-        <a:schemeClr val="lt1"/>
-      </a:fontRef>
-    </dgm:style>
-  </dgm:styleLbl>
-  <dgm:styleLbl name="fgSibTrans2D1">
-    <dgm:scene3d>
-      <a:camera prst="orthographicFront"/>
-      <a:lightRig rig="threePt" dir="t"/>
-    </dgm:scene3d>
-    <dgm:sp3d/>
-    <dgm:txPr/>
-    <dgm:style>
-      <a:lnRef idx="0">
-        <a:scrgbClr r="0" g="0" b="0"/>
-      </a:lnRef>
-      <a:fillRef idx="1">
-        <a:scrgbClr r="0" g="0" b="0"/>
-      </a:fillRef>
-      <a:effectRef idx="0">
-        <a:scrgbClr r="0" g="0" b="0"/>
-      </a:effectRef>
-      <a:fontRef idx="minor">
-        <a:schemeClr val="lt1"/>
-      </a:fontRef>
-    </dgm:style>
-  </dgm:styleLbl>
-  <dgm:styleLbl name="bgSibTrans2D1">
-    <dgm:scene3d>
-      <a:camera prst="orthographicFront"/>
-      <a:lightRig rig="threePt" dir="t"/>
-    </dgm:scene3d>
-    <dgm:sp3d/>
-    <dgm:txPr/>
-    <dgm:style>
-      <a:lnRef idx="0">
-        <a:scrgbClr r="0" g="0" b="0"/>
-      </a:lnRef>
-      <a:fillRef idx="1">
-        <a:scrgbClr r="0" g="0" b="0"/>
-      </a:fillRef>
-      <a:effectRef idx="0">
-        <a:scrgbClr r="0" g="0" b="0"/>
-      </a:effectRef>
-      <a:fontRef idx="minor">
-        <a:schemeClr val="lt1"/>
-      </a:fontRef>
-    </dgm:style>
-  </dgm:styleLbl>
-  <dgm:styleLbl name="sibTrans1D1">
-    <dgm:scene3d>
-      <a:camera prst="orthographicFront"/>
-      <a:lightRig rig="threePt" dir="t"/>
-    </dgm:scene3d>
-    <dgm:sp3d/>
-    <dgm:txPr/>
-    <dgm:style>
-      <a:lnRef idx="1">
-        <a:scrgbClr r="0" g="0" b="0"/>
-      </a:lnRef>
-      <a:fillRef idx="0">
-        <a:scrgbClr r="0" g="0" b="0"/>
-      </a:fillRef>
-      <a:effectRef idx="0">
-        <a:scrgbClr r="0" g="0" b="0"/>
-      </a:effectRef>
-      <a:fontRef idx="minor"/>
-    </dgm:style>
-  </dgm:styleLbl>
-  <dgm:styleLbl name="callout">
-    <dgm:scene3d>
-      <a:camera prst="orthographicFront"/>
-      <a:lightRig rig="threePt" dir="t"/>
-    </dgm:scene3d>
-    <dgm:sp3d/>
-    <dgm:txPr/>
-    <dgm:style>
-      <a:lnRef idx="2">
-        <a:scrgbClr r="0" g="0" b="0"/>
-      </a:lnRef>
-      <a:fillRef idx="1">
-        <a:scrgbClr r="0" g="0" b="0"/>
-      </a:fillRef>
-      <a:effectRef idx="0">
-        <a:scrgbClr r="0" g="0" b="0"/>
-      </a:effectRef>
-      <a:fontRef idx="minor"/>
-    </dgm:style>
-  </dgm:styleLbl>
-  <dgm:styleLbl name="asst0">
-    <dgm:scene3d>
-      <a:camera prst="orthographicFront"/>
-      <a:lightRig rig="threePt" dir="t"/>
-    </dgm:scene3d>
-    <dgm:sp3d/>
-    <dgm:txPr/>
-    <dgm:style>
-      <a:lnRef idx="2">
-        <a:scrgbClr r="0" g="0" b="0"/>
-      </a:lnRef>
-      <a:fillRef idx="1">
-        <a:scrgbClr r="0" g="0" b="0"/>
-      </a:fillRef>
-      <a:effectRef idx="0">
-        <a:scrgbClr r="0" g="0" b="0"/>
-      </a:effectRef>
-      <a:fontRef idx="minor">
-        <a:schemeClr val="lt1"/>
-      </a:fontRef>
-    </dgm:style>
-  </dgm:styleLbl>
-  <dgm:styleLbl name="asst1">
-    <dgm:scene3d>
-      <a:camera prst="orthographicFront"/>
-      <a:lightRig rig="threePt" dir="t"/>
-    </dgm:scene3d>
-    <dgm:sp3d/>
-    <dgm:txPr/>
-    <dgm:style>
-      <a:lnRef idx="2">
-        <a:scrgbClr r="0" g="0" b="0"/>
-      </a:lnRef>
-      <a:fillRef idx="1">
-        <a:scrgbClr r="0" g="0" b="0"/>
-      </a:fillRef>
-      <a:effectRef idx="0">
-        <a:scrgbClr r="0" g="0" b="0"/>
-      </a:effectRef>
-      <a:fontRef idx="minor">
-        <a:schemeClr val="lt1"/>
-      </a:fontRef>
-    </dgm:style>
-  </dgm:styleLbl>
-  <dgm:styleLbl name="asst2">
-    <dgm:scene3d>
-      <a:camera prst="orthographicFront"/>
-      <a:lightRig rig="threePt" dir="t"/>
-    </dgm:scene3d>
-    <dgm:sp3d/>
-    <dgm:txPr/>
-    <dgm:style>
-      <a:lnRef idx="2">
-        <a:scrgbClr r="0" g="0" b="0"/>
-      </a:lnRef>
-      <a:fillRef idx="1">
-        <a:scrgbClr r="0" g="0" b="0"/>
-      </a:fillRef>
-      <a:effectRef idx="0">
-        <a:scrgbClr r="0" g="0" b="0"/>
-      </a:effectRef>
-      <a:fontRef idx="minor">
-        <a:schemeClr val="lt1"/>
-      </a:fontRef>
-    </dgm:style>
-  </dgm:styleLbl>
-  <dgm:styleLbl name="asst3">
-    <dgm:scene3d>
-      <a:camera prst="orthographicFront"/>
-      <a:lightRig rig="threePt" dir="t"/>
-    </dgm:scene3d>
-    <dgm:sp3d/>
-    <dgm:txPr/>
-    <dgm:style>
-      <a:lnRef idx="2">
-        <a:scrgbClr r="0" g="0" b="0"/>
-      </a:lnRef>
-      <a:fillRef idx="1">
-        <a:scrgbClr r="0" g="0" b="0"/>
-      </a:fillRef>
-      <a:effectRef idx="0">
-        <a:scrgbClr r="0" g="0" b="0"/>
-      </a:effectRef>
-      <a:fontRef idx="minor">
-        <a:schemeClr val="lt1"/>
-      </a:fontRef>
-    </dgm:style>
-  </dgm:styleLbl>
-  <dgm:styleLbl name="asst4">
-    <dgm:scene3d>
-      <a:camera prst="orthographicFront"/>
-      <a:lightRig rig="threePt" dir="t"/>
-    </dgm:scene3d>
-    <dgm:sp3d/>
-    <dgm:txPr/>
-    <dgm:style>
-      <a:lnRef idx="2">
-        <a:scrgbClr r="0" g="0" b="0"/>
-      </a:lnRef>
-      <a:fillRef idx="1">
-        <a:scrgbClr r="0" g="0" b="0"/>
-      </a:fillRef>
-      <a:effectRef idx="0">
-        <a:scrgbClr r="0" g="0" b="0"/>
-      </a:effectRef>
-      <a:fontRef idx="minor">
-        <a:schemeClr val="lt1"/>
-      </a:fontRef>
-    </dgm:style>
-  </dgm:styleLbl>
-  <dgm:styleLbl name="parChTrans2D1">
-    <dgm:scene3d>
-      <a:camera prst="orthographicFront"/>
-      <a:lightRig rig="threePt" dir="t"/>
-    </dgm:scene3d>
-    <dgm:sp3d/>
-    <dgm:txPr/>
-    <dgm:style>
-      <a:lnRef idx="2">
-        <a:scrgbClr r="0" g="0" b="0"/>
-      </a:lnRef>
-      <a:fillRef idx="1">
-        <a:scrgbClr r="0" g="0" b="0"/>
-      </a:fillRef>
-      <a:effectRef idx="0">
-        <a:scrgbClr r="0" g="0" b="0"/>
-      </a:effectRef>
-      <a:fontRef idx="minor">
-        <a:schemeClr val="lt1"/>
-      </a:fontRef>
-    </dgm:style>
-  </dgm:styleLbl>
-  <dgm:styleLbl name="parChTrans2D2">
-    <dgm:scene3d>
-      <a:camera prst="orthographicFront"/>
-      <a:lightRig rig="threePt" dir="t"/>
-    </dgm:scene3d>
-    <dgm:sp3d/>
-    <dgm:txPr/>
-    <dgm:style>
-      <a:lnRef idx="2">
-        <a:scrgbClr r="0" g="0" b="0"/>
-      </a:lnRef>
-      <a:fillRef idx="1">
-        <a:scrgbClr r="0" g="0" b="0"/>
-      </a:fillRef>
-      <a:effectRef idx="0">
-        <a:scrgbClr r="0" g="0" b="0"/>
-      </a:effectRef>
-      <a:fontRef idx="minor">
-        <a:schemeClr val="lt1"/>
-      </a:fontRef>
-    </dgm:style>
-  </dgm:styleLbl>
-  <dgm:styleLbl name="parChTrans2D3">
-    <dgm:scene3d>
-      <a:camera prst="orthographicFront"/>
-      <a:lightRig rig="threePt" dir="t"/>
-    </dgm:scene3d>
-    <dgm:sp3d/>
-    <dgm:txPr/>
-    <dgm:style>
-      <a:lnRef idx="2">
-        <a:scrgbClr r="0" g="0" b="0"/>
-      </a:lnRef>
-      <a:fillRef idx="1">
-        <a:scrgbClr r="0" g="0" b="0"/>
-      </a:fillRef>
-      <a:effectRef idx="0">
-        <a:scrgbClr r="0" g="0" b="0"/>
-      </a:effectRef>
-      <a:fontRef idx="minor">
-        <a:schemeClr val="lt1"/>
-      </a:fontRef>
-    </dgm:style>
-  </dgm:styleLbl>
-  <dgm:styleLbl name="parChTrans2D4">
-    <dgm:scene3d>
-      <a:camera prst="orthographicFront"/>
-      <a:lightRig rig="threePt" dir="t"/>
-    </dgm:scene3d>
-    <dgm:sp3d/>
-    <dgm:txPr/>
-    <dgm:style>
-      <a:lnRef idx="2">
-        <a:scrgbClr r="0" g="0" b="0"/>
-      </a:lnRef>
-      <a:fillRef idx="1">
-        <a:scrgbClr r="0" g="0" b="0"/>
-      </a:fillRef>
-      <a:effectRef idx="0">
-        <a:scrgbClr r="0" g="0" b="0"/>
-      </a:effectRef>
-      <a:fontRef idx="minor">
-        <a:schemeClr val="lt1"/>
-      </a:fontRef>
-    </dgm:style>
-  </dgm:styleLbl>
-  <dgm:styleLbl name="parChTrans1D1">
-    <dgm:scene3d>
-      <a:camera prst="orthographicFront"/>
-      <a:lightRig rig="threePt" dir="t"/>
-    </dgm:scene3d>
-    <dgm:sp3d/>
-    <dgm:txPr/>
-    <dgm:style>
-      <a:lnRef idx="2">
-        <a:scrgbClr r="0" g="0" b="0"/>
-      </a:lnRef>
-      <a:fillRef idx="0">
-        <a:scrgbClr r="0" g="0" b="0"/>
-      </a:fillRef>
-      <a:effectRef idx="0">
-        <a:scrgbClr r="0" g="0" b="0"/>
-      </a:effectRef>
-      <a:fontRef idx="minor"/>
-    </dgm:style>
-  </dgm:styleLbl>
-  <dgm:styleLbl name="parChTrans1D2">
-    <dgm:scene3d>
-      <a:camera prst="orthographicFront"/>
-      <a:lightRig rig="threePt" dir="t"/>
-    </dgm:scene3d>
-    <dgm:sp3d/>
-    <dgm:txPr/>
-    <dgm:style>
-      <a:lnRef idx="2">
-        <a:scrgbClr r="0" g="0" b="0"/>
-      </a:lnRef>
-      <a:fillRef idx="0">
-        <a:scrgbClr r="0" g="0" b="0"/>
-      </a:fillRef>
-      <a:effectRef idx="0">
-        <a:scrgbClr r="0" g="0" b="0"/>
-      </a:effectRef>
-      <a:fontRef idx="minor"/>
-    </dgm:style>
-  </dgm:styleLbl>
-  <dgm:styleLbl name="parChTrans1D3">
-    <dgm:scene3d>
-      <a:camera prst="orthographicFront"/>
-      <a:lightRig rig="threePt" dir="t"/>
-    </dgm:scene3d>
-    <dgm:sp3d/>
-    <dgm:txPr/>
-    <dgm:style>
-      <a:lnRef idx="2">
-        <a:scrgbClr r="0" g="0" b="0"/>
-      </a:lnRef>
-      <a:fillRef idx="0">
-        <a:scrgbClr r="0" g="0" b="0"/>
-      </a:fillRef>
-      <a:effectRef idx="0">
-        <a:scrgbClr r="0" g="0" b="0"/>
-      </a:effectRef>
-      <a:fontRef idx="minor"/>
-    </dgm:style>
-  </dgm:styleLbl>
-  <dgm:styleLbl name="parChTrans1D4">
-    <dgm:scene3d>
-      <a:camera prst="orthographicFront"/>
-      <a:lightRig rig="threePt" dir="t"/>
-    </dgm:scene3d>
-    <dgm:sp3d/>
-    <dgm:txPr/>
-    <dgm:style>
-      <a:lnRef idx="2">
-        <a:scrgbClr r="0" g="0" b="0"/>
-      </a:lnRef>
-      <a:fillRef idx="0">
-        <a:scrgbClr r="0" g="0" b="0"/>
-      </a:fillRef>
-      <a:effectRef idx="0">
-        <a:scrgbClr r="0" g="0" b="0"/>
-      </a:effectRef>
-      <a:fontRef idx="minor"/>
-    </dgm:style>
-  </dgm:styleLbl>
-  <dgm:styleLbl name="fgAcc1">
-    <dgm:scene3d>
-      <a:camera prst="orthographicFront"/>
-      <a:lightRig rig="threePt" dir="t"/>
-    </dgm:scene3d>
-    <dgm:sp3d/>
-    <dgm:txPr/>
-    <dgm:style>
-      <a:lnRef idx="2">
-        <a:scrgbClr r="0" g="0" b="0"/>
-      </a:lnRef>
-      <a:fillRef idx="1">
-        <a:scrgbClr r="0" g="0" b="0"/>
-      </a:fillRef>
-      <a:effectRef idx="0">
-        <a:scrgbClr r="0" g="0" b="0"/>
-      </a:effectRef>
-      <a:fontRef idx="minor"/>
-    </dgm:style>
-  </dgm:styleLbl>
-  <dgm:styleLbl name="conFgAcc1">
-    <dgm:scene3d>
-      <a:camera prst="orthographicFront"/>
-      <a:lightRig rig="threePt" dir="t"/>
-    </dgm:scene3d>
-    <dgm:sp3d/>
-    <dgm:txPr/>
-    <dgm:style>
-      <a:lnRef idx="2">
-        <a:scrgbClr r="0" g="0" b="0"/>
-      </a:lnRef>
-      <a:fillRef idx="1">
-        <a:scrgbClr r="0" g="0" b="0"/>
-      </a:fillRef>
-      <a:effectRef idx="0">
-        <a:scrgbClr r="0" g="0" b="0"/>
-      </a:effectRef>
-      <a:fontRef idx="minor"/>
-    </dgm:style>
-  </dgm:styleLbl>
-  <dgm:styleLbl name="alignAcc1">
-    <dgm:scene3d>
-      <a:camera prst="orthographicFront"/>
-      <a:lightRig rig="threePt" dir="t"/>
-    </dgm:scene3d>
-    <dgm:sp3d/>
-    <dgm:txPr/>
-    <dgm:style>
-      <a:lnRef idx="2">
-        <a:scrgbClr r="0" g="0" b="0"/>
-      </a:lnRef>
-      <a:fillRef idx="1">
-        <a:scrgbClr r="0" g="0" b="0"/>
-      </a:fillRef>
-      <a:effectRef idx="0">
-        <a:scrgbClr r="0" g="0" b="0"/>
-      </a:effectRef>
-      <a:fontRef idx="minor"/>
-    </dgm:style>
-  </dgm:styleLbl>
-  <dgm:styleLbl name="trAlignAcc1">
-    <dgm:scene3d>
-      <a:camera prst="orthographicFront"/>
-      <a:lightRig rig="threePt" dir="t"/>
-    </dgm:scene3d>
-    <dgm:sp3d/>
-    <dgm:txPr/>
-    <dgm:style>
-      <a:lnRef idx="1">
-        <a:scrgbClr r="0" g="0" b="0"/>
-      </a:lnRef>
-      <a:fillRef idx="1">
-        <a:scrgbClr r="0" g="0" b="0"/>
-      </a:fillRef>
-      <a:effectRef idx="0">
-        <a:scrgbClr r="0" g="0" b="0"/>
-      </a:effectRef>
-      <a:fontRef idx="minor"/>
-    </dgm:style>
-  </dgm:styleLbl>
-  <dgm:styleLbl name="bgAcc1">
-    <dgm:scene3d>
-      <a:camera prst="orthographicFront"/>
-      <a:lightRig rig="threePt" dir="t"/>
-    </dgm:scene3d>
-    <dgm:sp3d/>
-    <dgm:txPr/>
-    <dgm:style>
-      <a:lnRef idx="2">
-        <a:scrgbClr r="0" g="0" b="0"/>
-      </a:lnRef>
-      <a:fillRef idx="1">
-        <a:scrgbClr r="0" g="0" b="0"/>
-      </a:fillRef>
-      <a:effectRef idx="0">
-        <a:scrgbClr r="0" g="0" b="0"/>
-      </a:effectRef>
-      <a:fontRef idx="minor"/>
-    </dgm:style>
-  </dgm:styleLbl>
-  <dgm:styleLbl name="solidFgAcc1">
-    <dgm:scene3d>
-      <a:camera prst="orthographicFront"/>
-      <a:lightRig rig="threePt" dir="t"/>
-    </dgm:scene3d>
-    <dgm:sp3d/>
-    <dgm:txPr/>
-    <dgm:style>
-      <a:lnRef idx="2">
-        <a:scrgbClr r="0" g="0" b="0"/>
-      </a:lnRef>
-      <a:fillRef idx="1">
-        <a:scrgbClr r="0" g="0" b="0"/>
-      </a:fillRef>
-      <a:effectRef idx="0">
-        <a:scrgbClr r="0" g="0" b="0"/>
-      </a:effectRef>
-      <a:fontRef idx="minor"/>
-    </dgm:style>
-  </dgm:styleLbl>
-  <dgm:styleLbl name="solidAlignAcc1">
-    <dgm:scene3d>
-      <a:camera prst="orthographicFront"/>
-      <a:lightRig rig="threePt" dir="t"/>
-    </dgm:scene3d>
-    <dgm:sp3d/>
-    <dgm:txPr/>
-    <dgm:style>
-      <a:lnRef idx="2">
-        <a:scrgbClr r="0" g="0" b="0"/>
-      </a:lnRef>
-      <a:fillRef idx="1">
-        <a:scrgbClr r="0" g="0" b="0"/>
-      </a:fillRef>
-      <a:effectRef idx="0">
-        <a:scrgbClr r="0" g="0" b="0"/>
-      </a:effectRef>
-      <a:fontRef idx="minor"/>
-    </dgm:style>
-  </dgm:styleLbl>
-  <dgm:styleLbl name="solidBgAcc1">
-    <dgm:scene3d>
-      <a:camera prst="orthographicFront"/>
-      <a:lightRig rig="threePt" dir="t"/>
-    </dgm:scene3d>
-    <dgm:sp3d/>
-    <dgm:txPr/>
-    <dgm:style>
-      <a:lnRef idx="2">
-        <a:scrgbClr r="0" g="0" b="0"/>
-      </a:lnRef>
-      <a:fillRef idx="1">
-        <a:scrgbClr r="0" g="0" b="0"/>
-      </a:fillRef>
-      <a:effectRef idx="0">
-        <a:scrgbClr r="0" g="0" b="0"/>
-      </a:effectRef>
-      <a:fontRef idx="minor"/>
-    </dgm:style>
-  </dgm:styleLbl>
-  <dgm:styleLbl name="fgAccFollowNode1">
-    <dgm:scene3d>
-      <a:camera prst="orthographicFront"/>
-      <a:lightRig rig="threePt" dir="t"/>
-    </dgm:scene3d>
-    <dgm:sp3d/>
-    <dgm:txPr/>
-    <dgm:style>
-      <a:lnRef idx="2">
-        <a:scrgbClr r="0" g="0" b="0"/>
-      </a:lnRef>
-      <a:fillRef idx="1">
-        <a:scrgbClr r="0" g="0" b="0"/>
-      </a:fillRef>
-      <a:effectRef idx="0">
-        <a:scrgbClr r="0" g="0" b="0"/>
-      </a:effectRef>
-      <a:fontRef idx="minor"/>
-    </dgm:style>
-  </dgm:styleLbl>
-  <dgm:styleLbl name="alignAccFollowNode1">
-    <dgm:scene3d>
-      <a:camera prst="orthographicFront"/>
-      <a:lightRig rig="threePt" dir="t"/>
-    </dgm:scene3d>
-    <dgm:sp3d/>
-    <dgm:txPr/>
-    <dgm:style>
-      <a:lnRef idx="2">
-        <a:scrgbClr r="0" g="0" b="0"/>
-      </a:lnRef>
-      <a:fillRef idx="1">
-        <a:scrgbClr r="0" g="0" b="0"/>
-      </a:fillRef>
-      <a:effectRef idx="0">
-        <a:scrgbClr r="0" g="0" b="0"/>
-      </a:effectRef>
-      <a:fontRef idx="minor"/>
-    </dgm:style>
-  </dgm:styleLbl>
-  <dgm:styleLbl name="bgAccFollowNode1">
-    <dgm:scene3d>
-      <a:camera prst="orthographicFront"/>
-      <a:lightRig rig="threePt" dir="t"/>
-    </dgm:scene3d>
-    <dgm:sp3d/>
-    <dgm:txPr/>
-    <dgm:style>
-      <a:lnRef idx="2">
-        <a:scrgbClr r="0" g="0" b="0"/>
-      </a:lnRef>
-      <a:fillRef idx="1">
-        <a:scrgbClr r="0" g="0" b="0"/>
-      </a:fillRef>
-      <a:effectRef idx="0">
-        <a:scrgbClr r="0" g="0" b="0"/>
-      </a:effectRef>
-      <a:fontRef idx="minor"/>
-    </dgm:style>
-  </dgm:styleLbl>
-  <dgm:styleLbl name="fgAcc0">
-    <dgm:scene3d>
-      <a:camera prst="orthographicFront"/>
-      <a:lightRig rig="threePt" dir="t"/>
-    </dgm:scene3d>
-    <dgm:sp3d/>
-    <dgm:txPr/>
-    <dgm:style>
-      <a:lnRef idx="2">
-        <a:scrgbClr r="0" g="0" b="0"/>
-      </a:lnRef>
-      <a:fillRef idx="1">
-        <a:scrgbClr r="0" g="0" b="0"/>
-      </a:fillRef>
-      <a:effectRef idx="0">
-        <a:scrgbClr r="0" g="0" b="0"/>
-      </a:effectRef>
-      <a:fontRef idx="minor"/>
-    </dgm:style>
-  </dgm:styleLbl>
-  <dgm:styleLbl name="fgAcc2">
-    <dgm:scene3d>
-      <a:camera prst="orthographicFront"/>
-      <a:lightRig rig="threePt" dir="t"/>
-    </dgm:scene3d>
-    <dgm:sp3d/>
-    <dgm:txPr/>
-    <dgm:style>
-      <a:lnRef idx="2">
-        <a:scrgbClr r="0" g="0" b="0"/>
-      </a:lnRef>
-      <a:fillRef idx="1">
-        <a:scrgbClr r="0" g="0" b="0"/>
-      </a:fillRef>
-      <a:effectRef idx="0">
-        <a:scrgbClr r="0" g="0" b="0"/>
-      </a:effectRef>
-      <a:fontRef idx="minor"/>
-    </dgm:style>
-  </dgm:styleLbl>
-  <dgm:styleLbl name="fgAcc3">
-    <dgm:scene3d>
-      <a:camera prst="orthographicFront"/>
-      <a:lightRig rig="threePt" dir="t"/>
-    </dgm:scene3d>
-    <dgm:sp3d/>
-    <dgm:txPr/>
-    <dgm:style>
-      <a:lnRef idx="2">
-        <a:scrgbClr r="0" g="0" b="0"/>
-      </a:lnRef>
-      <a:fillRef idx="1">
-        <a:scrgbClr r="0" g="0" b="0"/>
-      </a:fillRef>
-      <a:effectRef idx="0">
-        <a:scrgbClr r="0" g="0" b="0"/>
-      </a:effectRef>
-      <a:fontRef idx="minor"/>
-    </dgm:style>
-  </dgm:styleLbl>
-  <dgm:styleLbl name="fgAcc4">
-    <dgm:scene3d>
-      <a:camera prst="orthographicFront"/>
-      <a:lightRig rig="threePt" dir="t"/>
-    </dgm:scene3d>
-    <dgm:sp3d/>
-    <dgm:txPr/>
-    <dgm:style>
-      <a:lnRef idx="2">
-        <a:scrgbClr r="0" g="0" b="0"/>
-      </a:lnRef>
-      <a:fillRef idx="1">
-        <a:scrgbClr r="0" g="0" b="0"/>
-      </a:fillRef>
-      <a:effectRef idx="0">
-        <a:scrgbClr r="0" g="0" b="0"/>
-      </a:effectRef>
-      <a:fontRef idx="minor"/>
-    </dgm:style>
-  </dgm:styleLbl>
-  <dgm:styleLbl name="bgShp">
-    <dgm:scene3d>
-      <a:camera prst="orthographicFront"/>
-      <a:lightRig rig="threePt" dir="t"/>
-    </dgm:scene3d>
-    <dgm:sp3d/>
-    <dgm:txPr/>
-    <dgm:style>
-      <a:lnRef idx="0">
-        <a:scrgbClr r="0" g="0" b="0"/>
-      </a:lnRef>
-      <a:fillRef idx="1">
-        <a:scrgbClr r="0" g="0" b="0"/>
-      </a:fillRef>
-      <a:effectRef idx="0">
-        <a:scrgbClr r="0" g="0" b="0"/>
-      </a:effectRef>
-      <a:fontRef idx="minor"/>
-    </dgm:style>
-  </dgm:styleLbl>
-  <dgm:styleLbl name="dkBgShp">
-    <dgm:scene3d>
-      <a:camera prst="orthographicFront"/>
-      <a:lightRig rig="threePt" dir="t"/>
-    </dgm:scene3d>
-    <dgm:sp3d/>
-    <dgm:txPr/>
-    <dgm:style>
-      <a:lnRef idx="0">
-        <a:scrgbClr r="0" g="0" b="0"/>
-      </a:lnRef>
-      <a:fillRef idx="1">
-        <a:scrgbClr r="0" g="0" b="0"/>
-      </a:fillRef>
-      <a:effectRef idx="0">
-        <a:scrgbClr r="0" g="0" b="0"/>
-      </a:effectRef>
-      <a:fontRef idx="minor"/>
-    </dgm:style>
-  </dgm:styleLbl>
-  <dgm:styleLbl name="trBgShp">
-    <dgm:scene3d>
-      <a:camera prst="orthographicFront"/>
-      <a:lightRig rig="threePt" dir="t"/>
-    </dgm:scene3d>
-    <dgm:sp3d/>
-    <dgm:txPr/>
-    <dgm:style>
-      <a:lnRef idx="0">
-        <a:scrgbClr r="0" g="0" b="0"/>
-      </a:lnRef>
-      <a:fillRef idx="1">
-        <a:scrgbClr r="0" g="0" b="0"/>
-      </a:fillRef>
-      <a:effectRef idx="0">
-        <a:scrgbClr r="0" g="0" b="0"/>
-      </a:effectRef>
-      <a:fontRef idx="minor"/>
-    </dgm:style>
-  </dgm:styleLbl>
-  <dgm:styleLbl name="fgShp">
-    <dgm:scene3d>
-      <a:camera prst="orthographicFront"/>
-      <a:lightRig rig="threePt" dir="t"/>
-    </dgm:scene3d>
-    <dgm:sp3d/>
-    <dgm:txPr/>
-    <dgm:style>
-      <a:lnRef idx="2">
-        <a:scrgbClr r="0" g="0" b="0"/>
-      </a:lnRef>
-      <a:fillRef idx="1">
-        <a:scrgbClr r="0" g="0" b="0"/>
-      </a:fillRef>
-      <a:effectRef idx="0">
-        <a:scrgbClr r="0" g="0" b="0"/>
-      </a:effectRef>
-      <a:fontRef idx="minor"/>
-    </dgm:style>
-  </dgm:styleLbl>
-  <dgm:styleLbl name="revTx">
-    <dgm:scene3d>
-      <a:camera prst="orthographicFront"/>
-      <a:lightRig rig="threePt" dir="t"/>
-    </dgm:scene3d>
-    <dgm:sp3d/>
-    <dgm:txPr/>
-    <dgm:style>
-      <a:lnRef idx="0">
-        <a:scrgbClr r="0" g="0" b="0"/>
-      </a:lnRef>
-      <a:fillRef idx="0">
-        <a:scrgbClr r="0" g="0" b="0"/>
-      </a:fillRef>
-      <a:effectRef idx="0">
-        <a:scrgbClr r="0" g="0" b="0"/>
-      </a:effectRef>
-      <a:fontRef idx="minor"/>
-    </dgm:style>
-  </dgm:styleLbl>
-</dgm:styleDef>
-</file>
-
 <file path=ppt/slideLayouts/slideLayout1.xml><?xml version="1.0" encoding="utf-8"?>
 <p:sldLayout xmlns:a="http://schemas.openxmlformats.org/drawingml/2006/main" xmlns:r="http://schemas.openxmlformats.org/officeDocument/2006/relationships" xmlns:p="http://schemas.openxmlformats.org/presentationml/2006/main" showMasterSp="0" type="title" preserve="1">
   <p:cSld name="Title Slide">
@@ -14588,7 +10814,7 @@
           <a:p>
             <a:fld id="{9184DA70-C731-4C70-880D-CCD4705E623C}" type="datetime1">
               <a:rPr lang="en-US" smtClean="0"/>
-              <a:t>5/10/2022</a:t>
+              <a:t>5/11/2022</a:t>
             </a:fld>
             <a:endParaRPr lang="en-US" dirty="0"/>
           </a:p>
@@ -14776,7 +11002,7 @@
           <a:p>
             <a:fld id="{B612A279-0833-481D-8C56-F67FD0AC6C50}" type="datetime1">
               <a:rPr lang="en-US" smtClean="0"/>
-              <a:t>5/10/2022</a:t>
+              <a:t>5/11/2022</a:t>
             </a:fld>
             <a:endParaRPr lang="en-US" dirty="0"/>
           </a:p>
@@ -15018,7 +11244,7 @@
           <a:p>
             <a:fld id="{6587DA83-5663-4C9C-B9AA-0B40A3DAFF81}" type="datetime1">
               <a:rPr lang="en-US" smtClean="0"/>
-              <a:t>5/10/2022</a:t>
+              <a:t>5/11/2022</a:t>
             </a:fld>
             <a:endParaRPr lang="en-US" dirty="0"/>
           </a:p>
@@ -15206,7 +11432,7 @@
           <a:p>
             <a:fld id="{4BE1D723-8F53-4F53-90B0-1982A396982E}" type="datetime1">
               <a:rPr lang="en-US" smtClean="0"/>
-              <a:t>5/10/2022</a:t>
+              <a:t>5/11/2022</a:t>
             </a:fld>
             <a:endParaRPr lang="en-US" dirty="0"/>
           </a:p>
@@ -15579,7 +11805,7 @@
           <a:p>
             <a:fld id="{97669AF7-7BEB-44E4-9852-375E34362B5B}" type="datetime1">
               <a:rPr lang="en-US" smtClean="0"/>
-              <a:t>5/10/2022</a:t>
+              <a:t>5/11/2022</a:t>
             </a:fld>
             <a:endParaRPr lang="en-US" dirty="0"/>
           </a:p>
@@ -15834,7 +12060,7 @@
           <a:p>
             <a:fld id="{BAAAC38D-0552-4C82-B593-E6124DFADBE2}" type="datetime1">
               <a:rPr lang="en-US" smtClean="0"/>
-              <a:t>5/10/2022</a:t>
+              <a:t>5/11/2022</a:t>
             </a:fld>
             <a:endParaRPr lang="en-US" dirty="0"/>
           </a:p>
@@ -16231,7 +12457,7 @@
           <a:p>
             <a:fld id="{D9DF0F1C-5577-4ACB-BB62-DF8F3C494C7E}" type="datetime1">
               <a:rPr lang="en-US" smtClean="0"/>
-              <a:t>5/10/2022</a:t>
+              <a:t>5/11/2022</a:t>
             </a:fld>
             <a:endParaRPr lang="en-US" dirty="0"/>
           </a:p>
@@ -16367,7 +12593,7 @@
           <a:p>
             <a:fld id="{1775B394-D9F9-4F0C-B15D-605F45CB9E9F}" type="datetime1">
               <a:rPr lang="en-US" smtClean="0"/>
-              <a:t>5/10/2022</a:t>
+              <a:t>5/11/2022</a:t>
             </a:fld>
             <a:endParaRPr lang="en-US" dirty="0"/>
           </a:p>
@@ -16524,7 +12750,7 @@
           <a:p>
             <a:fld id="{39667345-2558-425A-8533-9BFDBCE15005}" type="datetime1">
               <a:rPr lang="en-US" smtClean="0"/>
-              <a:t>5/10/2022</a:t>
+              <a:t>5/11/2022</a:t>
             </a:fld>
             <a:endParaRPr lang="en-US" dirty="0"/>
           </a:p>
@@ -16853,7 +13079,7 @@
           <a:p>
             <a:fld id="{92BEA474-078D-4E9B-9B14-09A87B19DC46}" type="datetime1">
               <a:rPr lang="en-US" smtClean="0"/>
-              <a:t>5/10/2022</a:t>
+              <a:t>5/11/2022</a:t>
             </a:fld>
             <a:endParaRPr lang="en-US" dirty="0"/>
           </a:p>
@@ -17203,7 +13429,7 @@
           <a:p>
             <a:fld id="{4907D986-8816-4272-A432-0437A28A9828}" type="datetime1">
               <a:rPr lang="en-US" smtClean="0"/>
-              <a:t>5/10/2022</a:t>
+              <a:t>5/11/2022</a:t>
             </a:fld>
             <a:endParaRPr lang="en-US" dirty="0"/>
           </a:p>
@@ -17464,7 +13690,7 @@
           <a:p>
             <a:fld id="{62D6E202-B606-4609-B914-27C9371A1F6D}" type="datetime1">
               <a:rPr lang="en-US" smtClean="0"/>
-              <a:t>5/10/2022</a:t>
+              <a:t>5/11/2022</a:t>
             </a:fld>
             <a:endParaRPr lang="en-US" dirty="0"/>
           </a:p>
@@ -18503,6 +14729,185 @@
 <file path=ppt/slides/slide10.xml><?xml version="1.0" encoding="utf-8"?>
 <p:sld xmlns:a="http://schemas.openxmlformats.org/drawingml/2006/main" xmlns:r="http://schemas.openxmlformats.org/officeDocument/2006/relationships" xmlns:p="http://schemas.openxmlformats.org/presentationml/2006/main">
   <p:cSld>
+    <p:spTree>
+      <p:nvGrpSpPr>
+        <p:cNvPr id="1" name=""/>
+        <p:cNvGrpSpPr/>
+        <p:nvPr/>
+      </p:nvGrpSpPr>
+      <p:grpSpPr>
+        <a:xfrm>
+          <a:off x="0" y="0"/>
+          <a:ext cx="0" cy="0"/>
+          <a:chOff x="0" y="0"/>
+          <a:chExt cx="0" cy="0"/>
+        </a:xfrm>
+      </p:grpSpPr>
+      <p:sp>
+        <p:nvSpPr>
+          <p:cNvPr id="2" name="Title 1">
+            <a:extLst>
+              <a:ext uri="{FF2B5EF4-FFF2-40B4-BE49-F238E27FC236}">
+                <a16:creationId xmlns:a16="http://schemas.microsoft.com/office/drawing/2014/main" id="{1B25104E-AFD1-C198-F41C-FDB6A9E62CAD}"/>
+              </a:ext>
+            </a:extLst>
+          </p:cNvPr>
+          <p:cNvSpPr>
+            <a:spLocks noGrp="1"/>
+          </p:cNvSpPr>
+          <p:nvPr>
+            <p:ph type="title"/>
+          </p:nvPr>
+        </p:nvSpPr>
+        <p:spPr/>
+        <p:txBody>
+          <a:bodyPr>
+            <a:normAutofit fontScale="90000"/>
+          </a:bodyPr>
+          <a:lstStyle/>
+          <a:p>
+            <a:r>
+              <a:rPr lang="lv-LV" dirty="0"/>
+              <a:t>Eulers rings normal version and dice score #muss noch ueberlegen wie genau ich es mache also in what order</a:t>
+            </a:r>
+            <a:endParaRPr lang="en-US" dirty="0"/>
+          </a:p>
+        </p:txBody>
+      </p:sp>
+      <p:sp>
+        <p:nvSpPr>
+          <p:cNvPr id="3" name="Content Placeholder 2">
+            <a:extLst>
+              <a:ext uri="{FF2B5EF4-FFF2-40B4-BE49-F238E27FC236}">
+                <a16:creationId xmlns:a16="http://schemas.microsoft.com/office/drawing/2014/main" id="{43593FB1-BA55-C54C-FF00-C4BB352C16F0}"/>
+              </a:ext>
+            </a:extLst>
+          </p:cNvPr>
+          <p:cNvSpPr>
+            <a:spLocks noGrp="1"/>
+          </p:cNvSpPr>
+          <p:nvPr>
+            <p:ph idx="1"/>
+          </p:nvPr>
+        </p:nvSpPr>
+        <p:spPr/>
+        <p:txBody>
+          <a:bodyPr/>
+          <a:lstStyle/>
+          <a:p>
+            <a:pPr marL="0" indent="0">
+              <a:buNone/>
+            </a:pPr>
+            <a:endParaRPr lang="en-US" dirty="0"/>
+          </a:p>
+        </p:txBody>
+      </p:sp>
+      <p:sp>
+        <p:nvSpPr>
+          <p:cNvPr id="4" name="Oval 3">
+            <a:extLst>
+              <a:ext uri="{FF2B5EF4-FFF2-40B4-BE49-F238E27FC236}">
+                <a16:creationId xmlns:a16="http://schemas.microsoft.com/office/drawing/2014/main" id="{C820744B-0CC5-18A1-DD73-908B806441FD}"/>
+              </a:ext>
+            </a:extLst>
+          </p:cNvPr>
+          <p:cNvSpPr/>
+          <p:nvPr/>
+        </p:nvSpPr>
+        <p:spPr>
+          <a:xfrm>
+            <a:off x="2905760" y="2159845"/>
+            <a:ext cx="3657600" cy="3657600"/>
+          </a:xfrm>
+          <a:prstGeom prst="ellipse">
+            <a:avLst/>
+          </a:prstGeom>
+          <a:noFill/>
+        </p:spPr>
+        <p:style>
+          <a:lnRef idx="2">
+            <a:schemeClr val="dk1"/>
+          </a:lnRef>
+          <a:fillRef idx="1">
+            <a:schemeClr val="lt1"/>
+          </a:fillRef>
+          <a:effectRef idx="0">
+            <a:schemeClr val="dk1"/>
+          </a:effectRef>
+          <a:fontRef idx="minor">
+            <a:schemeClr val="dk1"/>
+          </a:fontRef>
+        </p:style>
+        <p:txBody>
+          <a:bodyPr rtlCol="0" anchor="ctr"/>
+          <a:lstStyle/>
+          <a:p>
+            <a:pPr algn="ctr"/>
+            <a:endParaRPr lang="en-US"/>
+          </a:p>
+        </p:txBody>
+      </p:sp>
+      <p:sp>
+        <p:nvSpPr>
+          <p:cNvPr id="6" name="Oval 5">
+            <a:extLst>
+              <a:ext uri="{FF2B5EF4-FFF2-40B4-BE49-F238E27FC236}">
+                <a16:creationId xmlns:a16="http://schemas.microsoft.com/office/drawing/2014/main" id="{7458756F-BEF0-7FA2-3EBB-0169F1411108}"/>
+              </a:ext>
+            </a:extLst>
+          </p:cNvPr>
+          <p:cNvSpPr/>
+          <p:nvPr/>
+        </p:nvSpPr>
+        <p:spPr>
+          <a:xfrm>
+            <a:off x="4947920" y="2134023"/>
+            <a:ext cx="3738880" cy="3709245"/>
+          </a:xfrm>
+          <a:prstGeom prst="ellipse">
+            <a:avLst/>
+          </a:prstGeom>
+          <a:noFill/>
+        </p:spPr>
+        <p:style>
+          <a:lnRef idx="2">
+            <a:schemeClr val="dk1"/>
+          </a:lnRef>
+          <a:fillRef idx="1">
+            <a:schemeClr val="lt1"/>
+          </a:fillRef>
+          <a:effectRef idx="0">
+            <a:schemeClr val="dk1"/>
+          </a:effectRef>
+          <a:fontRef idx="minor">
+            <a:schemeClr val="dk1"/>
+          </a:fontRef>
+        </p:style>
+        <p:txBody>
+          <a:bodyPr rtlCol="0" anchor="ctr"/>
+          <a:lstStyle/>
+          <a:p>
+            <a:pPr algn="ctr"/>
+            <a:endParaRPr lang="en-US"/>
+          </a:p>
+        </p:txBody>
+      </p:sp>
+    </p:spTree>
+    <p:extLst>
+      <p:ext uri="{BB962C8B-B14F-4D97-AF65-F5344CB8AC3E}">
+        <p14:creationId xmlns:p14="http://schemas.microsoft.com/office/powerpoint/2010/main" val="3705265101"/>
+      </p:ext>
+    </p:extLst>
+  </p:cSld>
+  <p:clrMapOvr>
+    <a:masterClrMapping/>
+  </p:clrMapOvr>
+</p:sld>
+</file>
+
+<file path=ppt/slides/slide11.xml><?xml version="1.0" encoding="utf-8"?>
+<p:sld xmlns:a="http://schemas.openxmlformats.org/drawingml/2006/main" xmlns:r="http://schemas.openxmlformats.org/officeDocument/2006/relationships" xmlns:p="http://schemas.openxmlformats.org/presentationml/2006/main">
+  <p:cSld>
     <p:bg>
       <p:bgPr>
         <a:solidFill>
@@ -19210,7 +15615,7 @@
 </p:sld>
 </file>
 
-<file path=ppt/slides/slide11.xml><?xml version="1.0" encoding="utf-8"?>
+<file path=ppt/slides/slide12.xml><?xml version="1.0" encoding="utf-8"?>
 <p:sld xmlns:a="http://schemas.openxmlformats.org/drawingml/2006/main" xmlns:r="http://schemas.openxmlformats.org/officeDocument/2006/relationships" xmlns:p="http://schemas.openxmlformats.org/presentationml/2006/main">
   <p:cSld>
     <p:spTree>
@@ -21337,7 +17742,7 @@
 </p:sld>
 </file>
 
-<file path=ppt/slides/slide12.xml><?xml version="1.0" encoding="utf-8"?>
+<file path=ppt/slides/slide13.xml><?xml version="1.0" encoding="utf-8"?>
 <p:sld xmlns:a="http://schemas.openxmlformats.org/drawingml/2006/main" xmlns:r="http://schemas.openxmlformats.org/officeDocument/2006/relationships" xmlns:p="http://schemas.openxmlformats.org/presentationml/2006/main">
   <p:cSld>
     <p:spTree>
@@ -21431,7 +17836,7 @@
 </p:sld>
 </file>
 
-<file path=ppt/slides/slide13.xml><?xml version="1.0" encoding="utf-8"?>
+<file path=ppt/slides/slide14.xml><?xml version="1.0" encoding="utf-8"?>
 <p:sld xmlns:a="http://schemas.openxmlformats.org/drawingml/2006/main" xmlns:r="http://schemas.openxmlformats.org/officeDocument/2006/relationships" xmlns:p="http://schemas.openxmlformats.org/presentationml/2006/main">
   <p:cSld>
     <p:spTree>
@@ -21528,7 +17933,7 @@
 </p:sld>
 </file>
 
-<file path=ppt/slides/slide14.xml><?xml version="1.0" encoding="utf-8"?>
+<file path=ppt/slides/slide15.xml><?xml version="1.0" encoding="utf-8"?>
 <p:sld xmlns:a="http://schemas.openxmlformats.org/drawingml/2006/main" xmlns:r="http://schemas.openxmlformats.org/officeDocument/2006/relationships" xmlns:p="http://schemas.openxmlformats.org/presentationml/2006/main">
   <p:cSld>
     <p:spTree>
@@ -24043,6 +20448,425 @@
           <p:cNvPr id="2" name="Title 1">
             <a:extLst>
               <a:ext uri="{FF2B5EF4-FFF2-40B4-BE49-F238E27FC236}">
+                <a16:creationId xmlns:a16="http://schemas.microsoft.com/office/drawing/2014/main" id="{1A73CB3B-C534-5AF7-3194-DE503108FE5C}"/>
+              </a:ext>
+            </a:extLst>
+          </p:cNvPr>
+          <p:cNvSpPr>
+            <a:spLocks noGrp="1"/>
+          </p:cNvSpPr>
+          <p:nvPr>
+            <p:ph type="title"/>
+          </p:nvPr>
+        </p:nvSpPr>
+        <p:spPr/>
+        <p:txBody>
+          <a:bodyPr/>
+          <a:lstStyle/>
+          <a:p>
+            <a:r>
+              <a:rPr lang="lv-LV" dirty="0"/>
+              <a:t>Otsu Thresholding</a:t>
+            </a:r>
+            <a:endParaRPr lang="en-US" dirty="0"/>
+          </a:p>
+        </p:txBody>
+      </p:sp>
+      <p:pic>
+        <p:nvPicPr>
+          <p:cNvPr id="11" name="Inhaltsplatzhalter 10" descr="Bilder Silhouette">
+            <a:extLst>
+              <a:ext uri="{FF2B5EF4-FFF2-40B4-BE49-F238E27FC236}">
+                <a16:creationId xmlns:a16="http://schemas.microsoft.com/office/drawing/2014/main" id="{5F6AC103-C17C-86AF-3496-511596EF08DB}"/>
+              </a:ext>
+            </a:extLst>
+          </p:cNvPr>
+          <p:cNvPicPr>
+            <a:picLocks noGrp="1" noChangeAspect="1"/>
+          </p:cNvPicPr>
+          <p:nvPr>
+            <p:ph idx="1"/>
+          </p:nvPr>
+        </p:nvPicPr>
+        <p:blipFill>
+          <a:blip r:embed="rId2">
+            <a:extLst>
+              <a:ext uri="{28A0092B-C50C-407E-A947-70E740481C1C}">
+                <a14:useLocalDpi xmlns:a14="http://schemas.microsoft.com/office/drawing/2010/main" val="0"/>
+              </a:ext>
+              <a:ext uri="{96DAC541-7B7A-43D3-8B79-37D633B846F1}">
+                <asvg:svgBlip xmlns:asvg="http://schemas.microsoft.com/office/drawing/2016/SVG/main" r:embed="rId3"/>
+              </a:ext>
+            </a:extLst>
+          </a:blip>
+          <a:stretch>
+            <a:fillRect/>
+          </a:stretch>
+        </p:blipFill>
+        <p:spPr>
+          <a:xfrm>
+            <a:off x="3979201" y="2971800"/>
+            <a:ext cx="914400" cy="914400"/>
+          </a:xfrm>
+        </p:spPr>
+      </p:pic>
+      <p:pic>
+        <p:nvPicPr>
+          <p:cNvPr id="14" name="Grafik 13" descr="Balkendiagramm mit einfarbiger Füllung">
+            <a:extLst>
+              <a:ext uri="{FF2B5EF4-FFF2-40B4-BE49-F238E27FC236}">
+                <a16:creationId xmlns:a16="http://schemas.microsoft.com/office/drawing/2014/main" id="{F4A1DE71-AA54-A5EA-159E-9412E04A8602}"/>
+              </a:ext>
+            </a:extLst>
+          </p:cNvPr>
+          <p:cNvPicPr>
+            <a:picLocks noChangeAspect="1"/>
+          </p:cNvPicPr>
+          <p:nvPr/>
+        </p:nvPicPr>
+        <p:blipFill>
+          <a:blip r:embed="rId4">
+            <a:extLst>
+              <a:ext uri="{28A0092B-C50C-407E-A947-70E740481C1C}">
+                <a14:useLocalDpi xmlns:a14="http://schemas.microsoft.com/office/drawing/2010/main" val="0"/>
+              </a:ext>
+              <a:ext uri="{96DAC541-7B7A-43D3-8B79-37D633B846F1}">
+                <asvg:svgBlip xmlns:asvg="http://schemas.microsoft.com/office/drawing/2016/SVG/main" r:embed="rId5"/>
+              </a:ext>
+            </a:extLst>
+          </a:blip>
+          <a:stretch>
+            <a:fillRect/>
+          </a:stretch>
+        </p:blipFill>
+        <p:spPr>
+          <a:xfrm>
+            <a:off x="5580483" y="2057400"/>
+            <a:ext cx="914400" cy="914400"/>
+          </a:xfrm>
+          <a:prstGeom prst="rect">
+            <a:avLst/>
+          </a:prstGeom>
+        </p:spPr>
+      </p:pic>
+      <p:pic>
+        <p:nvPicPr>
+          <p:cNvPr id="16" name="Grafik 15" descr="Zahnräder mit einfarbiger Füllung">
+            <a:extLst>
+              <a:ext uri="{FF2B5EF4-FFF2-40B4-BE49-F238E27FC236}">
+                <a16:creationId xmlns:a16="http://schemas.microsoft.com/office/drawing/2014/main" id="{0AD8C491-E4F3-E648-1B40-DAAAF27FCFD2}"/>
+              </a:ext>
+            </a:extLst>
+          </p:cNvPr>
+          <p:cNvPicPr>
+            <a:picLocks noChangeAspect="1"/>
+          </p:cNvPicPr>
+          <p:nvPr/>
+        </p:nvPicPr>
+        <p:blipFill>
+          <a:blip r:embed="rId6">
+            <a:extLst>
+              <a:ext uri="{28A0092B-C50C-407E-A947-70E740481C1C}">
+                <a14:useLocalDpi xmlns:a14="http://schemas.microsoft.com/office/drawing/2010/main" val="0"/>
+              </a:ext>
+              <a:ext uri="{96DAC541-7B7A-43D3-8B79-37D633B846F1}">
+                <asvg:svgBlip xmlns:asvg="http://schemas.microsoft.com/office/drawing/2016/SVG/main" r:embed="rId7"/>
+              </a:ext>
+            </a:extLst>
+          </a:blip>
+          <a:stretch>
+            <a:fillRect/>
+          </a:stretch>
+        </p:blipFill>
+        <p:spPr>
+          <a:xfrm>
+            <a:off x="6711203" y="2286000"/>
+            <a:ext cx="914400" cy="914400"/>
+          </a:xfrm>
+          <a:prstGeom prst="rect">
+            <a:avLst/>
+          </a:prstGeom>
+        </p:spPr>
+      </p:pic>
+      <p:pic>
+        <p:nvPicPr>
+          <p:cNvPr id="18" name="Grafik 17" descr="Zahnräder Silhouette">
+            <a:extLst>
+              <a:ext uri="{FF2B5EF4-FFF2-40B4-BE49-F238E27FC236}">
+                <a16:creationId xmlns:a16="http://schemas.microsoft.com/office/drawing/2014/main" id="{60DCD9AA-577A-87AE-79F5-2BD00FBF5977}"/>
+              </a:ext>
+            </a:extLst>
+          </p:cNvPr>
+          <p:cNvPicPr>
+            <a:picLocks noChangeAspect="1"/>
+          </p:cNvPicPr>
+          <p:nvPr/>
+        </p:nvPicPr>
+        <p:blipFill>
+          <a:blip r:embed="rId8">
+            <a:extLst>
+              <a:ext uri="{28A0092B-C50C-407E-A947-70E740481C1C}">
+                <a14:useLocalDpi xmlns:a14="http://schemas.microsoft.com/office/drawing/2010/main" val="0"/>
+              </a:ext>
+              <a:ext uri="{96DAC541-7B7A-43D3-8B79-37D633B846F1}">
+                <asvg:svgBlip xmlns:asvg="http://schemas.microsoft.com/office/drawing/2016/SVG/main" r:embed="rId9"/>
+              </a:ext>
+            </a:extLst>
+          </a:blip>
+          <a:stretch>
+            <a:fillRect/>
+          </a:stretch>
+        </p:blipFill>
+        <p:spPr>
+          <a:xfrm>
+            <a:off x="5608880" y="4427640"/>
+            <a:ext cx="914400" cy="914400"/>
+          </a:xfrm>
+          <a:prstGeom prst="rect">
+            <a:avLst/>
+          </a:prstGeom>
+        </p:spPr>
+      </p:pic>
+      <p:pic>
+        <p:nvPicPr>
+          <p:cNvPr id="20" name="Grafik 19" descr="Tabelle mit einfarbiger Füllung">
+            <a:extLst>
+              <a:ext uri="{FF2B5EF4-FFF2-40B4-BE49-F238E27FC236}">
+                <a16:creationId xmlns:a16="http://schemas.microsoft.com/office/drawing/2014/main" id="{143DAE8F-C859-1B1A-7B07-452406BE921F}"/>
+              </a:ext>
+            </a:extLst>
+          </p:cNvPr>
+          <p:cNvPicPr>
+            <a:picLocks noChangeAspect="1"/>
+          </p:cNvPicPr>
+          <p:nvPr/>
+        </p:nvPicPr>
+        <p:blipFill>
+          <a:blip r:embed="rId10">
+            <a:extLst>
+              <a:ext uri="{28A0092B-C50C-407E-A947-70E740481C1C}">
+                <a14:useLocalDpi xmlns:a14="http://schemas.microsoft.com/office/drawing/2010/main" val="0"/>
+              </a:ext>
+              <a:ext uri="{96DAC541-7B7A-43D3-8B79-37D633B846F1}">
+                <asvg:svgBlip xmlns:asvg="http://schemas.microsoft.com/office/drawing/2016/SVG/main" r:embed="rId11"/>
+              </a:ext>
+            </a:extLst>
+          </a:blip>
+          <a:stretch>
+            <a:fillRect/>
+          </a:stretch>
+        </p:blipFill>
+        <p:spPr>
+          <a:xfrm>
+            <a:off x="7755600" y="2971800"/>
+            <a:ext cx="914400" cy="914400"/>
+          </a:xfrm>
+          <a:prstGeom prst="rect">
+            <a:avLst/>
+          </a:prstGeom>
+        </p:spPr>
+      </p:pic>
+      <p:pic>
+        <p:nvPicPr>
+          <p:cNvPr id="22" name="Grafik 21" descr="Tabelle Silhouette">
+            <a:extLst>
+              <a:ext uri="{FF2B5EF4-FFF2-40B4-BE49-F238E27FC236}">
+                <a16:creationId xmlns:a16="http://schemas.microsoft.com/office/drawing/2014/main" id="{5D9B0DD8-8BB2-1828-F354-3960ED51244B}"/>
+              </a:ext>
+            </a:extLst>
+          </p:cNvPr>
+          <p:cNvPicPr>
+            <a:picLocks noChangeAspect="1"/>
+          </p:cNvPicPr>
+          <p:nvPr/>
+        </p:nvPicPr>
+        <p:blipFill>
+          <a:blip r:embed="rId12">
+            <a:extLst>
+              <a:ext uri="{28A0092B-C50C-407E-A947-70E740481C1C}">
+                <a14:useLocalDpi xmlns:a14="http://schemas.microsoft.com/office/drawing/2010/main" val="0"/>
+              </a:ext>
+              <a:ext uri="{96DAC541-7B7A-43D3-8B79-37D633B846F1}">
+                <asvg:svgBlip xmlns:asvg="http://schemas.microsoft.com/office/drawing/2016/SVG/main" r:embed="rId13"/>
+              </a:ext>
+            </a:extLst>
+          </a:blip>
+          <a:stretch>
+            <a:fillRect/>
+          </a:stretch>
+        </p:blipFill>
+        <p:spPr>
+          <a:xfrm>
+            <a:off x="7140640" y="4663441"/>
+            <a:ext cx="914400" cy="914400"/>
+          </a:xfrm>
+          <a:prstGeom prst="rect">
+            <a:avLst/>
+          </a:prstGeom>
+        </p:spPr>
+      </p:pic>
+      <p:pic>
+        <p:nvPicPr>
+          <p:cNvPr id="24" name="Grafik 23" descr="Venn-Diagramm Silhouette">
+            <a:extLst>
+              <a:ext uri="{FF2B5EF4-FFF2-40B4-BE49-F238E27FC236}">
+                <a16:creationId xmlns:a16="http://schemas.microsoft.com/office/drawing/2014/main" id="{7C363A0E-6AB4-1848-5C07-234F87616BDA}"/>
+              </a:ext>
+            </a:extLst>
+          </p:cNvPr>
+          <p:cNvPicPr>
+            <a:picLocks noChangeAspect="1"/>
+          </p:cNvPicPr>
+          <p:nvPr/>
+        </p:nvPicPr>
+        <p:blipFill>
+          <a:blip r:embed="rId14">
+            <a:extLst>
+              <a:ext uri="{28A0092B-C50C-407E-A947-70E740481C1C}">
+                <a14:useLocalDpi xmlns:a14="http://schemas.microsoft.com/office/drawing/2010/main" val="0"/>
+              </a:ext>
+              <a:ext uri="{96DAC541-7B7A-43D3-8B79-37D633B846F1}">
+                <asvg:svgBlip xmlns:asvg="http://schemas.microsoft.com/office/drawing/2016/SVG/main" r:embed="rId15"/>
+              </a:ext>
+            </a:extLst>
+          </a:blip>
+          <a:stretch>
+            <a:fillRect/>
+          </a:stretch>
+        </p:blipFill>
+        <p:spPr>
+          <a:xfrm>
+            <a:off x="8672400" y="3970440"/>
+            <a:ext cx="914400" cy="914400"/>
+          </a:xfrm>
+          <a:prstGeom prst="rect">
+            <a:avLst/>
+          </a:prstGeom>
+        </p:spPr>
+      </p:pic>
+    </p:spTree>
+    <p:extLst>
+      <p:ext uri="{BB962C8B-B14F-4D97-AF65-F5344CB8AC3E}">
+        <p14:creationId xmlns:p14="http://schemas.microsoft.com/office/powerpoint/2010/main" val="1279212379"/>
+      </p:ext>
+    </p:extLst>
+  </p:cSld>
+  <p:clrMapOvr>
+    <a:masterClrMapping/>
+  </p:clrMapOvr>
+</p:sld>
+</file>
+
+<file path=ppt/slides/slide7.xml><?xml version="1.0" encoding="utf-8"?>
+<p:sld xmlns:a="http://schemas.openxmlformats.org/drawingml/2006/main" xmlns:r="http://schemas.openxmlformats.org/officeDocument/2006/relationships" xmlns:p="http://schemas.openxmlformats.org/presentationml/2006/main">
+  <p:cSld>
+    <p:spTree>
+      <p:nvGrpSpPr>
+        <p:cNvPr id="1" name=""/>
+        <p:cNvGrpSpPr/>
+        <p:nvPr/>
+      </p:nvGrpSpPr>
+      <p:grpSpPr>
+        <a:xfrm>
+          <a:off x="0" y="0"/>
+          <a:ext cx="0" cy="0"/>
+          <a:chOff x="0" y="0"/>
+          <a:chExt cx="0" cy="0"/>
+        </a:xfrm>
+      </p:grpSpPr>
+      <p:sp>
+        <p:nvSpPr>
+          <p:cNvPr id="2" name="Titel 1">
+            <a:extLst>
+              <a:ext uri="{FF2B5EF4-FFF2-40B4-BE49-F238E27FC236}">
+                <a16:creationId xmlns:a16="http://schemas.microsoft.com/office/drawing/2014/main" id="{A0C4BE9C-948B-E17F-02CD-105539AFA823}"/>
+              </a:ext>
+            </a:extLst>
+          </p:cNvPr>
+          <p:cNvSpPr>
+            <a:spLocks noGrp="1"/>
+          </p:cNvSpPr>
+          <p:nvPr>
+            <p:ph type="title"/>
+          </p:nvPr>
+        </p:nvSpPr>
+        <p:spPr/>
+        <p:txBody>
+          <a:bodyPr/>
+          <a:lstStyle/>
+          <a:p>
+            <a:r>
+              <a:rPr lang="de-DE" dirty="0"/>
+              <a:t>Otsu </a:t>
+            </a:r>
+            <a:r>
+              <a:rPr lang="de-DE" dirty="0" err="1"/>
+              <a:t>Thresholding</a:t>
+            </a:r>
+            <a:endParaRPr lang="de-DE" dirty="0"/>
+          </a:p>
+        </p:txBody>
+      </p:sp>
+      <p:sp>
+        <p:nvSpPr>
+          <p:cNvPr id="3" name="Inhaltsplatzhalter 2">
+            <a:extLst>
+              <a:ext uri="{FF2B5EF4-FFF2-40B4-BE49-F238E27FC236}">
+                <a16:creationId xmlns:a16="http://schemas.microsoft.com/office/drawing/2014/main" id="{76ECA8DE-F4AE-64B7-2D5A-A830AA161319}"/>
+              </a:ext>
+            </a:extLst>
+          </p:cNvPr>
+          <p:cNvSpPr>
+            <a:spLocks noGrp="1"/>
+          </p:cNvSpPr>
+          <p:nvPr>
+            <p:ph idx="1"/>
+          </p:nvPr>
+        </p:nvSpPr>
+        <p:spPr/>
+        <p:txBody>
+          <a:bodyPr/>
+          <a:lstStyle/>
+          <a:p>
+            <a:endParaRPr lang="de-DE"/>
+          </a:p>
+        </p:txBody>
+      </p:sp>
+    </p:spTree>
+    <p:extLst>
+      <p:ext uri="{BB962C8B-B14F-4D97-AF65-F5344CB8AC3E}">
+        <p14:creationId xmlns:p14="http://schemas.microsoft.com/office/powerpoint/2010/main" val="1102593025"/>
+      </p:ext>
+    </p:extLst>
+  </p:cSld>
+  <p:clrMapOvr>
+    <a:masterClrMapping/>
+  </p:clrMapOvr>
+</p:sld>
+</file>
+
+<file path=ppt/slides/slide8.xml><?xml version="1.0" encoding="utf-8"?>
+<p:sld xmlns:a="http://schemas.openxmlformats.org/drawingml/2006/main" xmlns:r="http://schemas.openxmlformats.org/officeDocument/2006/relationships" xmlns:p="http://schemas.openxmlformats.org/presentationml/2006/main">
+  <p:cSld>
+    <p:spTree>
+      <p:nvGrpSpPr>
+        <p:cNvPr id="1" name=""/>
+        <p:cNvGrpSpPr/>
+        <p:nvPr/>
+      </p:nvGrpSpPr>
+      <p:grpSpPr>
+        <a:xfrm>
+          <a:off x="0" y="0"/>
+          <a:ext cx="0" cy="0"/>
+          <a:chOff x="0" y="0"/>
+          <a:chExt cx="0" cy="0"/>
+        </a:xfrm>
+      </p:grpSpPr>
+      <p:sp>
+        <p:nvSpPr>
+          <p:cNvPr id="2" name="Title 1">
+            <a:extLst>
+              <a:ext uri="{FF2B5EF4-FFF2-40B4-BE49-F238E27FC236}">
                 <a16:creationId xmlns:a16="http://schemas.microsoft.com/office/drawing/2014/main" id="{213F4062-4D7E-B81D-2ABB-CE213E844D67}"/>
               </a:ext>
             </a:extLst>
@@ -24792,97 +21616,7 @@
 </p:sld>
 </file>
 
-<file path=ppt/slides/slide7.xml><?xml version="1.0" encoding="utf-8"?>
-<p:sld xmlns:a="http://schemas.openxmlformats.org/drawingml/2006/main" xmlns:r="http://schemas.openxmlformats.org/officeDocument/2006/relationships" xmlns:p="http://schemas.openxmlformats.org/presentationml/2006/main">
-  <p:cSld>
-    <p:spTree>
-      <p:nvGrpSpPr>
-        <p:cNvPr id="1" name=""/>
-        <p:cNvGrpSpPr/>
-        <p:nvPr/>
-      </p:nvGrpSpPr>
-      <p:grpSpPr>
-        <a:xfrm>
-          <a:off x="0" y="0"/>
-          <a:ext cx="0" cy="0"/>
-          <a:chOff x="0" y="0"/>
-          <a:chExt cx="0" cy="0"/>
-        </a:xfrm>
-      </p:grpSpPr>
-      <p:sp>
-        <p:nvSpPr>
-          <p:cNvPr id="2" name="Title 1">
-            <a:extLst>
-              <a:ext uri="{FF2B5EF4-FFF2-40B4-BE49-F238E27FC236}">
-                <a16:creationId xmlns:a16="http://schemas.microsoft.com/office/drawing/2014/main" id="{1A73CB3B-C534-5AF7-3194-DE503108FE5C}"/>
-              </a:ext>
-            </a:extLst>
-          </p:cNvPr>
-          <p:cNvSpPr>
-            <a:spLocks noGrp="1"/>
-          </p:cNvSpPr>
-          <p:nvPr>
-            <p:ph type="title"/>
-          </p:nvPr>
-        </p:nvSpPr>
-        <p:spPr/>
-        <p:txBody>
-          <a:bodyPr/>
-          <a:lstStyle/>
-          <a:p>
-            <a:r>
-              <a:rPr lang="lv-LV" dirty="0"/>
-              <a:t>Otsu Thresholding</a:t>
-            </a:r>
-            <a:endParaRPr lang="en-US" dirty="0"/>
-          </a:p>
-        </p:txBody>
-      </p:sp>
-      <p:graphicFrame>
-        <p:nvGraphicFramePr>
-          <p:cNvPr id="13" name="Content Placeholder 12">
-            <a:extLst>
-              <a:ext uri="{FF2B5EF4-FFF2-40B4-BE49-F238E27FC236}">
-                <a16:creationId xmlns:a16="http://schemas.microsoft.com/office/drawing/2014/main" id="{2585629B-5A35-4616-7E95-9592C5683D6B}"/>
-              </a:ext>
-            </a:extLst>
-          </p:cNvPr>
-          <p:cNvGraphicFramePr>
-            <a:graphicFrameLocks noGrp="1"/>
-          </p:cNvGraphicFramePr>
-          <p:nvPr>
-            <p:ph idx="1"/>
-            <p:extLst>
-              <p:ext uri="{D42A27DB-BD31-4B8C-83A1-F6EECF244321}">
-                <p14:modId xmlns:p14="http://schemas.microsoft.com/office/powerpoint/2010/main" val="2390944973"/>
-              </p:ext>
-            </p:extLst>
-          </p:nvPr>
-        </p:nvGraphicFramePr>
-        <p:xfrm>
-          <a:off x="2579915" y="1992086"/>
-          <a:ext cx="6248400" cy="4147457"/>
-        </p:xfrm>
-        <a:graphic>
-          <a:graphicData uri="http://schemas.openxmlformats.org/drawingml/2006/diagram">
-            <dgm:relIds xmlns:dgm="http://schemas.openxmlformats.org/drawingml/2006/diagram" xmlns:r="http://schemas.openxmlformats.org/officeDocument/2006/relationships" r:dm="rId2" r:lo="rId3" r:qs="rId4" r:cs="rId5"/>
-          </a:graphicData>
-        </a:graphic>
-      </p:graphicFrame>
-    </p:spTree>
-    <p:extLst>
-      <p:ext uri="{BB962C8B-B14F-4D97-AF65-F5344CB8AC3E}">
-        <p14:creationId xmlns:p14="http://schemas.microsoft.com/office/powerpoint/2010/main" val="1279212379"/>
-      </p:ext>
-    </p:extLst>
-  </p:cSld>
-  <p:clrMapOvr>
-    <a:masterClrMapping/>
-  </p:clrMapOvr>
-</p:sld>
-</file>
-
-<file path=ppt/slides/slide8.xml><?xml version="1.0" encoding="utf-8"?>
+<file path=ppt/slides/slide9.xml><?xml version="1.0" encoding="utf-8"?>
 <p:sld xmlns:a="http://schemas.openxmlformats.org/drawingml/2006/main" xmlns:r="http://schemas.openxmlformats.org/officeDocument/2006/relationships" xmlns:p="http://schemas.openxmlformats.org/presentationml/2006/main">
   <p:cSld>
     <p:bg>
@@ -25371,185 +22105,6 @@
 </p:sld>
 </file>
 
-<file path=ppt/slides/slide9.xml><?xml version="1.0" encoding="utf-8"?>
-<p:sld xmlns:a="http://schemas.openxmlformats.org/drawingml/2006/main" xmlns:r="http://schemas.openxmlformats.org/officeDocument/2006/relationships" xmlns:p="http://schemas.openxmlformats.org/presentationml/2006/main">
-  <p:cSld>
-    <p:spTree>
-      <p:nvGrpSpPr>
-        <p:cNvPr id="1" name=""/>
-        <p:cNvGrpSpPr/>
-        <p:nvPr/>
-      </p:nvGrpSpPr>
-      <p:grpSpPr>
-        <a:xfrm>
-          <a:off x="0" y="0"/>
-          <a:ext cx="0" cy="0"/>
-          <a:chOff x="0" y="0"/>
-          <a:chExt cx="0" cy="0"/>
-        </a:xfrm>
-      </p:grpSpPr>
-      <p:sp>
-        <p:nvSpPr>
-          <p:cNvPr id="2" name="Title 1">
-            <a:extLst>
-              <a:ext uri="{FF2B5EF4-FFF2-40B4-BE49-F238E27FC236}">
-                <a16:creationId xmlns:a16="http://schemas.microsoft.com/office/drawing/2014/main" id="{1B25104E-AFD1-C198-F41C-FDB6A9E62CAD}"/>
-              </a:ext>
-            </a:extLst>
-          </p:cNvPr>
-          <p:cNvSpPr>
-            <a:spLocks noGrp="1"/>
-          </p:cNvSpPr>
-          <p:nvPr>
-            <p:ph type="title"/>
-          </p:nvPr>
-        </p:nvSpPr>
-        <p:spPr/>
-        <p:txBody>
-          <a:bodyPr>
-            <a:normAutofit fontScale="90000"/>
-          </a:bodyPr>
-          <a:lstStyle/>
-          <a:p>
-            <a:r>
-              <a:rPr lang="lv-LV" dirty="0"/>
-              <a:t>Eulers rings normal version and dice score #muss noch ueberlegen wie genau ich es mache also in what order</a:t>
-            </a:r>
-            <a:endParaRPr lang="en-US" dirty="0"/>
-          </a:p>
-        </p:txBody>
-      </p:sp>
-      <p:sp>
-        <p:nvSpPr>
-          <p:cNvPr id="3" name="Content Placeholder 2">
-            <a:extLst>
-              <a:ext uri="{FF2B5EF4-FFF2-40B4-BE49-F238E27FC236}">
-                <a16:creationId xmlns:a16="http://schemas.microsoft.com/office/drawing/2014/main" id="{43593FB1-BA55-C54C-FF00-C4BB352C16F0}"/>
-              </a:ext>
-            </a:extLst>
-          </p:cNvPr>
-          <p:cNvSpPr>
-            <a:spLocks noGrp="1"/>
-          </p:cNvSpPr>
-          <p:nvPr>
-            <p:ph idx="1"/>
-          </p:nvPr>
-        </p:nvSpPr>
-        <p:spPr/>
-        <p:txBody>
-          <a:bodyPr/>
-          <a:lstStyle/>
-          <a:p>
-            <a:pPr marL="0" indent="0">
-              <a:buNone/>
-            </a:pPr>
-            <a:endParaRPr lang="en-US" dirty="0"/>
-          </a:p>
-        </p:txBody>
-      </p:sp>
-      <p:sp>
-        <p:nvSpPr>
-          <p:cNvPr id="4" name="Oval 3">
-            <a:extLst>
-              <a:ext uri="{FF2B5EF4-FFF2-40B4-BE49-F238E27FC236}">
-                <a16:creationId xmlns:a16="http://schemas.microsoft.com/office/drawing/2014/main" id="{C820744B-0CC5-18A1-DD73-908B806441FD}"/>
-              </a:ext>
-            </a:extLst>
-          </p:cNvPr>
-          <p:cNvSpPr/>
-          <p:nvPr/>
-        </p:nvSpPr>
-        <p:spPr>
-          <a:xfrm>
-            <a:off x="2905760" y="2159845"/>
-            <a:ext cx="3657600" cy="3657600"/>
-          </a:xfrm>
-          <a:prstGeom prst="ellipse">
-            <a:avLst/>
-          </a:prstGeom>
-          <a:noFill/>
-        </p:spPr>
-        <p:style>
-          <a:lnRef idx="2">
-            <a:schemeClr val="dk1"/>
-          </a:lnRef>
-          <a:fillRef idx="1">
-            <a:schemeClr val="lt1"/>
-          </a:fillRef>
-          <a:effectRef idx="0">
-            <a:schemeClr val="dk1"/>
-          </a:effectRef>
-          <a:fontRef idx="minor">
-            <a:schemeClr val="dk1"/>
-          </a:fontRef>
-        </p:style>
-        <p:txBody>
-          <a:bodyPr rtlCol="0" anchor="ctr"/>
-          <a:lstStyle/>
-          <a:p>
-            <a:pPr algn="ctr"/>
-            <a:endParaRPr lang="en-US"/>
-          </a:p>
-        </p:txBody>
-      </p:sp>
-      <p:sp>
-        <p:nvSpPr>
-          <p:cNvPr id="6" name="Oval 5">
-            <a:extLst>
-              <a:ext uri="{FF2B5EF4-FFF2-40B4-BE49-F238E27FC236}">
-                <a16:creationId xmlns:a16="http://schemas.microsoft.com/office/drawing/2014/main" id="{7458756F-BEF0-7FA2-3EBB-0169F1411108}"/>
-              </a:ext>
-            </a:extLst>
-          </p:cNvPr>
-          <p:cNvSpPr/>
-          <p:nvPr/>
-        </p:nvSpPr>
-        <p:spPr>
-          <a:xfrm>
-            <a:off x="4947920" y="2134023"/>
-            <a:ext cx="3738880" cy="3709245"/>
-          </a:xfrm>
-          <a:prstGeom prst="ellipse">
-            <a:avLst/>
-          </a:prstGeom>
-          <a:noFill/>
-        </p:spPr>
-        <p:style>
-          <a:lnRef idx="2">
-            <a:schemeClr val="dk1"/>
-          </a:lnRef>
-          <a:fillRef idx="1">
-            <a:schemeClr val="lt1"/>
-          </a:fillRef>
-          <a:effectRef idx="0">
-            <a:schemeClr val="dk1"/>
-          </a:effectRef>
-          <a:fontRef idx="minor">
-            <a:schemeClr val="dk1"/>
-          </a:fontRef>
-        </p:style>
-        <p:txBody>
-          <a:bodyPr rtlCol="0" anchor="ctr"/>
-          <a:lstStyle/>
-          <a:p>
-            <a:pPr algn="ctr"/>
-            <a:endParaRPr lang="en-US"/>
-          </a:p>
-        </p:txBody>
-      </p:sp>
-    </p:spTree>
-    <p:extLst>
-      <p:ext uri="{BB962C8B-B14F-4D97-AF65-F5344CB8AC3E}">
-        <p14:creationId xmlns:p14="http://schemas.microsoft.com/office/powerpoint/2010/main" val="3705265101"/>
-      </p:ext>
-    </p:extLst>
-  </p:cSld>
-  <p:clrMapOvr>
-    <a:masterClrMapping/>
-  </p:clrMapOvr>
-</p:sld>
-</file>
-
 <file path=ppt/theme/theme1.xml><?xml version="1.0" encoding="utf-8"?>
 <a:theme xmlns:a="http://schemas.openxmlformats.org/drawingml/2006/main" name="RetrospectVTI">
   <a:themeElements>

--- a/presentation/layout(2).pptx
+++ b/presentation/layout(2).pptx
@@ -4,21 +4,28 @@
   <p:sldMasterIdLst>
     <p:sldMasterId id="2147483673" r:id="rId1"/>
   </p:sldMasterIdLst>
+  <p:notesMasterIdLst>
+    <p:notesMasterId r:id="rId20"/>
+  </p:notesMasterIdLst>
   <p:sldIdLst>
     <p:sldId id="256" r:id="rId2"/>
     <p:sldId id="257" r:id="rId3"/>
     <p:sldId id="258" r:id="rId4"/>
     <p:sldId id="260" r:id="rId5"/>
     <p:sldId id="259" r:id="rId6"/>
-    <p:sldId id="264" r:id="rId7"/>
-    <p:sldId id="265" r:id="rId8"/>
-    <p:sldId id="261" r:id="rId9"/>
-    <p:sldId id="263" r:id="rId10"/>
-    <p:sldId id="262" r:id="rId11"/>
-    <p:sldId id="266" r:id="rId12"/>
-    <p:sldId id="267" r:id="rId13"/>
-    <p:sldId id="268" r:id="rId14"/>
-    <p:sldId id="269" r:id="rId15"/>
+    <p:sldId id="271" r:id="rId7"/>
+    <p:sldId id="272" r:id="rId8"/>
+    <p:sldId id="273" r:id="rId9"/>
+    <p:sldId id="274" r:id="rId10"/>
+    <p:sldId id="264" r:id="rId11"/>
+    <p:sldId id="265" r:id="rId12"/>
+    <p:sldId id="261" r:id="rId13"/>
+    <p:sldId id="263" r:id="rId14"/>
+    <p:sldId id="262" r:id="rId15"/>
+    <p:sldId id="266" r:id="rId16"/>
+    <p:sldId id="267" r:id="rId17"/>
+    <p:sldId id="268" r:id="rId18"/>
+    <p:sldId id="269" r:id="rId19"/>
   </p:sldIdLst>
   <p:sldSz cx="12192000" cy="6858000"/>
   <p:notesSz cx="6858000" cy="9144000"/>
@@ -14344,6 +14351,448 @@
 </dgm:styleDef>
 </file>
 
+<file path=ppt/notesMasters/notesMaster1.xml><?xml version="1.0" encoding="utf-8"?>
+<p:notesMaster xmlns:a="http://schemas.openxmlformats.org/drawingml/2006/main" xmlns:r="http://schemas.openxmlformats.org/officeDocument/2006/relationships" xmlns:p="http://schemas.openxmlformats.org/presentationml/2006/main">
+  <p:cSld>
+    <p:bg>
+      <p:bgRef idx="1001">
+        <a:schemeClr val="bg1"/>
+      </p:bgRef>
+    </p:bg>
+    <p:spTree>
+      <p:nvGrpSpPr>
+        <p:cNvPr id="1" name=""/>
+        <p:cNvGrpSpPr/>
+        <p:nvPr/>
+      </p:nvGrpSpPr>
+      <p:grpSpPr>
+        <a:xfrm>
+          <a:off x="0" y="0"/>
+          <a:ext cx="0" cy="0"/>
+          <a:chOff x="0" y="0"/>
+          <a:chExt cx="0" cy="0"/>
+        </a:xfrm>
+      </p:grpSpPr>
+      <p:sp>
+        <p:nvSpPr>
+          <p:cNvPr id="2" name="Header Placeholder 1"/>
+          <p:cNvSpPr>
+            <a:spLocks noGrp="1"/>
+          </p:cNvSpPr>
+          <p:nvPr>
+            <p:ph type="hdr" sz="quarter"/>
+          </p:nvPr>
+        </p:nvSpPr>
+        <p:spPr>
+          <a:xfrm>
+            <a:off x="0" y="0"/>
+            <a:ext cx="2971800" cy="458788"/>
+          </a:xfrm>
+          <a:prstGeom prst="rect">
+            <a:avLst/>
+          </a:prstGeom>
+        </p:spPr>
+        <p:txBody>
+          <a:bodyPr vert="horz" lIns="91440" tIns="45720" rIns="91440" bIns="45720" rtlCol="0"/>
+          <a:lstStyle>
+            <a:lvl1pPr algn="l">
+              <a:defRPr sz="1200"/>
+            </a:lvl1pPr>
+          </a:lstStyle>
+          <a:p>
+            <a:endParaRPr lang="de-DE"/>
+          </a:p>
+        </p:txBody>
+      </p:sp>
+      <p:sp>
+        <p:nvSpPr>
+          <p:cNvPr id="3" name="Date Placeholder 2"/>
+          <p:cNvSpPr>
+            <a:spLocks noGrp="1"/>
+          </p:cNvSpPr>
+          <p:nvPr>
+            <p:ph type="dt" idx="1"/>
+          </p:nvPr>
+        </p:nvSpPr>
+        <p:spPr>
+          <a:xfrm>
+            <a:off x="3884613" y="0"/>
+            <a:ext cx="2971800" cy="458788"/>
+          </a:xfrm>
+          <a:prstGeom prst="rect">
+            <a:avLst/>
+          </a:prstGeom>
+        </p:spPr>
+        <p:txBody>
+          <a:bodyPr vert="horz" lIns="91440" tIns="45720" rIns="91440" bIns="45720" rtlCol="0"/>
+          <a:lstStyle>
+            <a:lvl1pPr algn="r">
+              <a:defRPr sz="1200"/>
+            </a:lvl1pPr>
+          </a:lstStyle>
+          <a:p>
+            <a:fld id="{FE4FFBE6-DA1F-4F3B-A830-CB5A3974E35A}" type="datetimeFigureOut">
+              <a:rPr lang="de-DE" smtClean="0"/>
+              <a:t>11.05.2022</a:t>
+            </a:fld>
+            <a:endParaRPr lang="de-DE"/>
+          </a:p>
+        </p:txBody>
+      </p:sp>
+      <p:sp>
+        <p:nvSpPr>
+          <p:cNvPr id="4" name="Slide Image Placeholder 3"/>
+          <p:cNvSpPr>
+            <a:spLocks noGrp="1" noRot="1" noChangeAspect="1"/>
+          </p:cNvSpPr>
+          <p:nvPr>
+            <p:ph type="sldImg" idx="2"/>
+          </p:nvPr>
+        </p:nvSpPr>
+        <p:spPr>
+          <a:xfrm>
+            <a:off x="685800" y="1143000"/>
+            <a:ext cx="5486400" cy="3086100"/>
+          </a:xfrm>
+          <a:prstGeom prst="rect">
+            <a:avLst/>
+          </a:prstGeom>
+          <a:noFill/>
+          <a:ln w="12700">
+            <a:solidFill>
+              <a:prstClr val="black"/>
+            </a:solidFill>
+          </a:ln>
+        </p:spPr>
+        <p:txBody>
+          <a:bodyPr vert="horz" lIns="91440" tIns="45720" rIns="91440" bIns="45720" rtlCol="0" anchor="ctr"/>
+          <a:lstStyle/>
+          <a:p>
+            <a:endParaRPr lang="de-DE"/>
+          </a:p>
+        </p:txBody>
+      </p:sp>
+      <p:sp>
+        <p:nvSpPr>
+          <p:cNvPr id="5" name="Notes Placeholder 4"/>
+          <p:cNvSpPr>
+            <a:spLocks noGrp="1"/>
+          </p:cNvSpPr>
+          <p:nvPr>
+            <p:ph type="body" sz="quarter" idx="3"/>
+          </p:nvPr>
+        </p:nvSpPr>
+        <p:spPr>
+          <a:xfrm>
+            <a:off x="685800" y="4400550"/>
+            <a:ext cx="5486400" cy="3600450"/>
+          </a:xfrm>
+          <a:prstGeom prst="rect">
+            <a:avLst/>
+          </a:prstGeom>
+        </p:spPr>
+        <p:txBody>
+          <a:bodyPr vert="horz" lIns="91440" tIns="45720" rIns="91440" bIns="45720" rtlCol="0"/>
+          <a:lstStyle/>
+          <a:p>
+            <a:pPr lvl="0"/>
+            <a:r>
+              <a:rPr lang="en-GB"/>
+              <a:t>Click to edit Master text styles</a:t>
+            </a:r>
+          </a:p>
+          <a:p>
+            <a:pPr lvl="1"/>
+            <a:r>
+              <a:rPr lang="en-GB"/>
+              <a:t>Second level</a:t>
+            </a:r>
+          </a:p>
+          <a:p>
+            <a:pPr lvl="2"/>
+            <a:r>
+              <a:rPr lang="en-GB"/>
+              <a:t>Third level</a:t>
+            </a:r>
+          </a:p>
+          <a:p>
+            <a:pPr lvl="3"/>
+            <a:r>
+              <a:rPr lang="en-GB"/>
+              <a:t>Fourth level</a:t>
+            </a:r>
+          </a:p>
+          <a:p>
+            <a:pPr lvl="4"/>
+            <a:r>
+              <a:rPr lang="en-GB"/>
+              <a:t>Fifth level</a:t>
+            </a:r>
+            <a:endParaRPr lang="de-DE"/>
+          </a:p>
+        </p:txBody>
+      </p:sp>
+      <p:sp>
+        <p:nvSpPr>
+          <p:cNvPr id="6" name="Footer Placeholder 5"/>
+          <p:cNvSpPr>
+            <a:spLocks noGrp="1"/>
+          </p:cNvSpPr>
+          <p:nvPr>
+            <p:ph type="ftr" sz="quarter" idx="4"/>
+          </p:nvPr>
+        </p:nvSpPr>
+        <p:spPr>
+          <a:xfrm>
+            <a:off x="0" y="8685213"/>
+            <a:ext cx="2971800" cy="458787"/>
+          </a:xfrm>
+          <a:prstGeom prst="rect">
+            <a:avLst/>
+          </a:prstGeom>
+        </p:spPr>
+        <p:txBody>
+          <a:bodyPr vert="horz" lIns="91440" tIns="45720" rIns="91440" bIns="45720" rtlCol="0" anchor="b"/>
+          <a:lstStyle>
+            <a:lvl1pPr algn="l">
+              <a:defRPr sz="1200"/>
+            </a:lvl1pPr>
+          </a:lstStyle>
+          <a:p>
+            <a:endParaRPr lang="de-DE"/>
+          </a:p>
+        </p:txBody>
+      </p:sp>
+      <p:sp>
+        <p:nvSpPr>
+          <p:cNvPr id="7" name="Slide Number Placeholder 6"/>
+          <p:cNvSpPr>
+            <a:spLocks noGrp="1"/>
+          </p:cNvSpPr>
+          <p:nvPr>
+            <p:ph type="sldNum" sz="quarter" idx="5"/>
+          </p:nvPr>
+        </p:nvSpPr>
+        <p:spPr>
+          <a:xfrm>
+            <a:off x="3884613" y="8685213"/>
+            <a:ext cx="2971800" cy="458787"/>
+          </a:xfrm>
+          <a:prstGeom prst="rect">
+            <a:avLst/>
+          </a:prstGeom>
+        </p:spPr>
+        <p:txBody>
+          <a:bodyPr vert="horz" lIns="91440" tIns="45720" rIns="91440" bIns="45720" rtlCol="0" anchor="b"/>
+          <a:lstStyle>
+            <a:lvl1pPr algn="r">
+              <a:defRPr sz="1200"/>
+            </a:lvl1pPr>
+          </a:lstStyle>
+          <a:p>
+            <a:fld id="{97CEAAED-B3D1-431F-BEB9-F3E5FC6079D0}" type="slidenum">
+              <a:rPr lang="de-DE" smtClean="0"/>
+              <a:t>‹#›</a:t>
+            </a:fld>
+            <a:endParaRPr lang="de-DE"/>
+          </a:p>
+        </p:txBody>
+      </p:sp>
+    </p:spTree>
+    <p:extLst>
+      <p:ext uri="{BB962C8B-B14F-4D97-AF65-F5344CB8AC3E}">
+        <p14:creationId xmlns:p14="http://schemas.microsoft.com/office/powerpoint/2010/main" val="393616396"/>
+      </p:ext>
+    </p:extLst>
+  </p:cSld>
+  <p:clrMap bg1="lt1" tx1="dk1" bg2="lt2" tx2="dk2" accent1="accent1" accent2="accent2" accent3="accent3" accent4="accent4" accent5="accent5" accent6="accent6" hlink="hlink" folHlink="folHlink"/>
+  <p:notesStyle>
+    <a:lvl1pPr marL="0" algn="l" defTabSz="914400" rtl="0" eaLnBrk="1" latinLnBrk="0" hangingPunct="1">
+      <a:defRPr sz="1200" kern="1200">
+        <a:solidFill>
+          <a:schemeClr val="tx1"/>
+        </a:solidFill>
+        <a:latin typeface="+mn-lt"/>
+        <a:ea typeface="+mn-ea"/>
+        <a:cs typeface="+mn-cs"/>
+      </a:defRPr>
+    </a:lvl1pPr>
+    <a:lvl2pPr marL="457200" algn="l" defTabSz="914400" rtl="0" eaLnBrk="1" latinLnBrk="0" hangingPunct="1">
+      <a:defRPr sz="1200" kern="1200">
+        <a:solidFill>
+          <a:schemeClr val="tx1"/>
+        </a:solidFill>
+        <a:latin typeface="+mn-lt"/>
+        <a:ea typeface="+mn-ea"/>
+        <a:cs typeface="+mn-cs"/>
+      </a:defRPr>
+    </a:lvl2pPr>
+    <a:lvl3pPr marL="914400" algn="l" defTabSz="914400" rtl="0" eaLnBrk="1" latinLnBrk="0" hangingPunct="1">
+      <a:defRPr sz="1200" kern="1200">
+        <a:solidFill>
+          <a:schemeClr val="tx1"/>
+        </a:solidFill>
+        <a:latin typeface="+mn-lt"/>
+        <a:ea typeface="+mn-ea"/>
+        <a:cs typeface="+mn-cs"/>
+      </a:defRPr>
+    </a:lvl3pPr>
+    <a:lvl4pPr marL="1371600" algn="l" defTabSz="914400" rtl="0" eaLnBrk="1" latinLnBrk="0" hangingPunct="1">
+      <a:defRPr sz="1200" kern="1200">
+        <a:solidFill>
+          <a:schemeClr val="tx1"/>
+        </a:solidFill>
+        <a:latin typeface="+mn-lt"/>
+        <a:ea typeface="+mn-ea"/>
+        <a:cs typeface="+mn-cs"/>
+      </a:defRPr>
+    </a:lvl4pPr>
+    <a:lvl5pPr marL="1828800" algn="l" defTabSz="914400" rtl="0" eaLnBrk="1" latinLnBrk="0" hangingPunct="1">
+      <a:defRPr sz="1200" kern="1200">
+        <a:solidFill>
+          <a:schemeClr val="tx1"/>
+        </a:solidFill>
+        <a:latin typeface="+mn-lt"/>
+        <a:ea typeface="+mn-ea"/>
+        <a:cs typeface="+mn-cs"/>
+      </a:defRPr>
+    </a:lvl5pPr>
+    <a:lvl6pPr marL="2286000" algn="l" defTabSz="914400" rtl="0" eaLnBrk="1" latinLnBrk="0" hangingPunct="1">
+      <a:defRPr sz="1200" kern="1200">
+        <a:solidFill>
+          <a:schemeClr val="tx1"/>
+        </a:solidFill>
+        <a:latin typeface="+mn-lt"/>
+        <a:ea typeface="+mn-ea"/>
+        <a:cs typeface="+mn-cs"/>
+      </a:defRPr>
+    </a:lvl6pPr>
+    <a:lvl7pPr marL="2743200" algn="l" defTabSz="914400" rtl="0" eaLnBrk="1" latinLnBrk="0" hangingPunct="1">
+      <a:defRPr sz="1200" kern="1200">
+        <a:solidFill>
+          <a:schemeClr val="tx1"/>
+        </a:solidFill>
+        <a:latin typeface="+mn-lt"/>
+        <a:ea typeface="+mn-ea"/>
+        <a:cs typeface="+mn-cs"/>
+      </a:defRPr>
+    </a:lvl7pPr>
+    <a:lvl8pPr marL="3200400" algn="l" defTabSz="914400" rtl="0" eaLnBrk="1" latinLnBrk="0" hangingPunct="1">
+      <a:defRPr sz="1200" kern="1200">
+        <a:solidFill>
+          <a:schemeClr val="tx1"/>
+        </a:solidFill>
+        <a:latin typeface="+mn-lt"/>
+        <a:ea typeface="+mn-ea"/>
+        <a:cs typeface="+mn-cs"/>
+      </a:defRPr>
+    </a:lvl8pPr>
+    <a:lvl9pPr marL="3657600" algn="l" defTabSz="914400" rtl="0" eaLnBrk="1" latinLnBrk="0" hangingPunct="1">
+      <a:defRPr sz="1200" kern="1200">
+        <a:solidFill>
+          <a:schemeClr val="tx1"/>
+        </a:solidFill>
+        <a:latin typeface="+mn-lt"/>
+        <a:ea typeface="+mn-ea"/>
+        <a:cs typeface="+mn-cs"/>
+      </a:defRPr>
+    </a:lvl9pPr>
+  </p:notesStyle>
+</p:notesMaster>
+</file>
+
+<file path=ppt/notesSlides/notesSlide1.xml><?xml version="1.0" encoding="utf-8"?>
+<p:notes xmlns:a="http://schemas.openxmlformats.org/drawingml/2006/main" xmlns:r="http://schemas.openxmlformats.org/officeDocument/2006/relationships" xmlns:p="http://schemas.openxmlformats.org/presentationml/2006/main">
+  <p:cSld>
+    <p:spTree>
+      <p:nvGrpSpPr>
+        <p:cNvPr id="1" name=""/>
+        <p:cNvGrpSpPr/>
+        <p:nvPr/>
+      </p:nvGrpSpPr>
+      <p:grpSpPr>
+        <a:xfrm>
+          <a:off x="0" y="0"/>
+          <a:ext cx="0" cy="0"/>
+          <a:chOff x="0" y="0"/>
+          <a:chExt cx="0" cy="0"/>
+        </a:xfrm>
+      </p:grpSpPr>
+      <p:sp>
+        <p:nvSpPr>
+          <p:cNvPr id="2" name="Slide Image Placeholder 1"/>
+          <p:cNvSpPr>
+            <a:spLocks noGrp="1" noRot="1" noChangeAspect="1"/>
+          </p:cNvSpPr>
+          <p:nvPr>
+            <p:ph type="sldImg"/>
+          </p:nvPr>
+        </p:nvSpPr>
+        <p:spPr/>
+      </p:sp>
+      <p:sp>
+        <p:nvSpPr>
+          <p:cNvPr id="3" name="Notes Placeholder 2"/>
+          <p:cNvSpPr>
+            <a:spLocks noGrp="1"/>
+          </p:cNvSpPr>
+          <p:nvPr>
+            <p:ph type="body" idx="1"/>
+          </p:nvPr>
+        </p:nvSpPr>
+        <p:spPr/>
+        <p:txBody>
+          <a:bodyPr/>
+          <a:lstStyle/>
+          <a:p>
+            <a:r>
+              <a:rPr lang="de-DE" dirty="0"/>
+              <a:t>T39 </a:t>
+            </a:r>
+            <a:r>
+              <a:rPr lang="de-DE" dirty="0" err="1"/>
+              <a:t>bild</a:t>
+            </a:r>
+            <a:endParaRPr lang="de-DE" dirty="0"/>
+          </a:p>
+        </p:txBody>
+      </p:sp>
+      <p:sp>
+        <p:nvSpPr>
+          <p:cNvPr id="4" name="Slide Number Placeholder 3"/>
+          <p:cNvSpPr>
+            <a:spLocks noGrp="1"/>
+          </p:cNvSpPr>
+          <p:nvPr>
+            <p:ph type="sldNum" sz="quarter" idx="5"/>
+          </p:nvPr>
+        </p:nvSpPr>
+        <p:spPr/>
+        <p:txBody>
+          <a:bodyPr/>
+          <a:lstStyle/>
+          <a:p>
+            <a:fld id="{97CEAAED-B3D1-431F-BEB9-F3E5FC6079D0}" type="slidenum">
+              <a:rPr lang="de-DE" smtClean="0"/>
+              <a:t>3</a:t>
+            </a:fld>
+            <a:endParaRPr lang="de-DE"/>
+          </a:p>
+        </p:txBody>
+      </p:sp>
+    </p:spTree>
+    <p:extLst>
+      <p:ext uri="{BB962C8B-B14F-4D97-AF65-F5344CB8AC3E}">
+        <p14:creationId xmlns:p14="http://schemas.microsoft.com/office/powerpoint/2010/main" val="2023723757"/>
+      </p:ext>
+    </p:extLst>
+  </p:cSld>
+  <p:clrMapOvr>
+    <a:masterClrMapping/>
+  </p:clrMapOvr>
+</p:notes>
+</file>
+
 <file path=ppt/slideLayouts/slideLayout1.xml><?xml version="1.0" encoding="utf-8"?>
 <p:sldLayout xmlns:a="http://schemas.openxmlformats.org/drawingml/2006/main" xmlns:r="http://schemas.openxmlformats.org/officeDocument/2006/relationships" xmlns:p="http://schemas.openxmlformats.org/presentationml/2006/main" showMasterSp="0" type="title" preserve="1">
   <p:cSld name="Title Slide">
@@ -14588,7 +15037,7 @@
           <a:p>
             <a:fld id="{9184DA70-C731-4C70-880D-CCD4705E623C}" type="datetime1">
               <a:rPr lang="en-US" smtClean="0"/>
-              <a:t>5/10/2022</a:t>
+              <a:t>5/11/2022</a:t>
             </a:fld>
             <a:endParaRPr lang="en-US" dirty="0"/>
           </a:p>
@@ -14642,7 +15091,7 @@
           <a:p>
             <a:fld id="{3A98EE3D-8CD1-4C3F-BD1C-C98C9596463C}" type="slidenum">
               <a:rPr lang="en-US" smtClean="0"/>
-              <a:t>‹Nr.›</a:t>
+              <a:t>‹#›</a:t>
             </a:fld>
             <a:endParaRPr lang="en-US" dirty="0"/>
           </a:p>
@@ -14776,7 +15225,7 @@
           <a:p>
             <a:fld id="{B612A279-0833-481D-8C56-F67FD0AC6C50}" type="datetime1">
               <a:rPr lang="en-US" smtClean="0"/>
-              <a:t>5/10/2022</a:t>
+              <a:t>5/11/2022</a:t>
             </a:fld>
             <a:endParaRPr lang="en-US" dirty="0"/>
           </a:p>
@@ -14830,7 +15279,7 @@
           <a:p>
             <a:fld id="{3A98EE3D-8CD1-4C3F-BD1C-C98C9596463C}" type="slidenum">
               <a:rPr lang="en-US" smtClean="0"/>
-              <a:t>‹Nr.›</a:t>
+              <a:t>‹#›</a:t>
             </a:fld>
             <a:endParaRPr lang="en-US" dirty="0"/>
           </a:p>
@@ -15018,7 +15467,7 @@
           <a:p>
             <a:fld id="{6587DA83-5663-4C9C-B9AA-0B40A3DAFF81}" type="datetime1">
               <a:rPr lang="en-US" smtClean="0"/>
-              <a:t>5/10/2022</a:t>
+              <a:t>5/11/2022</a:t>
             </a:fld>
             <a:endParaRPr lang="en-US" dirty="0"/>
           </a:p>
@@ -15072,7 +15521,7 @@
           <a:p>
             <a:fld id="{3A98EE3D-8CD1-4C3F-BD1C-C98C9596463C}" type="slidenum">
               <a:rPr lang="en-US" smtClean="0"/>
-              <a:t>‹Nr.›</a:t>
+              <a:t>‹#›</a:t>
             </a:fld>
             <a:endParaRPr lang="en-US" dirty="0"/>
           </a:p>
@@ -15206,7 +15655,7 @@
           <a:p>
             <a:fld id="{4BE1D723-8F53-4F53-90B0-1982A396982E}" type="datetime1">
               <a:rPr lang="en-US" smtClean="0"/>
-              <a:t>5/10/2022</a:t>
+              <a:t>5/11/2022</a:t>
             </a:fld>
             <a:endParaRPr lang="en-US" dirty="0"/>
           </a:p>
@@ -15260,7 +15709,7 @@
           <a:p>
             <a:fld id="{3A98EE3D-8CD1-4C3F-BD1C-C98C9596463C}" type="slidenum">
               <a:rPr lang="en-US" smtClean="0"/>
-              <a:t>‹Nr.›</a:t>
+              <a:t>‹#›</a:t>
             </a:fld>
             <a:endParaRPr lang="en-US" dirty="0"/>
           </a:p>
@@ -15579,7 +16028,7 @@
           <a:p>
             <a:fld id="{97669AF7-7BEB-44E4-9852-375E34362B5B}" type="datetime1">
               <a:rPr lang="en-US" smtClean="0"/>
-              <a:t>5/10/2022</a:t>
+              <a:t>5/11/2022</a:t>
             </a:fld>
             <a:endParaRPr lang="en-US" dirty="0"/>
           </a:p>
@@ -15633,7 +16082,7 @@
           <a:p>
             <a:fld id="{3A98EE3D-8CD1-4C3F-BD1C-C98C9596463C}" type="slidenum">
               <a:rPr lang="en-US" smtClean="0"/>
-              <a:t>‹Nr.›</a:t>
+              <a:t>‹#›</a:t>
             </a:fld>
             <a:endParaRPr lang="en-US" dirty="0"/>
           </a:p>
@@ -15834,7 +16283,7 @@
           <a:p>
             <a:fld id="{BAAAC38D-0552-4C82-B593-E6124DFADBE2}" type="datetime1">
               <a:rPr lang="en-US" smtClean="0"/>
-              <a:t>5/10/2022</a:t>
+              <a:t>5/11/2022</a:t>
             </a:fld>
             <a:endParaRPr lang="en-US" dirty="0"/>
           </a:p>
@@ -15888,7 +16337,7 @@
           <a:p>
             <a:fld id="{3A98EE3D-8CD1-4C3F-BD1C-C98C9596463C}" type="slidenum">
               <a:rPr lang="en-US" smtClean="0"/>
-              <a:t>‹Nr.›</a:t>
+              <a:t>‹#›</a:t>
             </a:fld>
             <a:endParaRPr lang="en-US" dirty="0"/>
           </a:p>
@@ -16231,7 +16680,7 @@
           <a:p>
             <a:fld id="{D9DF0F1C-5577-4ACB-BB62-DF8F3C494C7E}" type="datetime1">
               <a:rPr lang="en-US" smtClean="0"/>
-              <a:t>5/10/2022</a:t>
+              <a:t>5/11/2022</a:t>
             </a:fld>
             <a:endParaRPr lang="en-US" dirty="0"/>
           </a:p>
@@ -16285,7 +16734,7 @@
           <a:p>
             <a:fld id="{3A98EE3D-8CD1-4C3F-BD1C-C98C9596463C}" type="slidenum">
               <a:rPr lang="en-US" smtClean="0"/>
-              <a:t>‹Nr.›</a:t>
+              <a:t>‹#›</a:t>
             </a:fld>
             <a:endParaRPr lang="en-US" dirty="0"/>
           </a:p>
@@ -16367,7 +16816,7 @@
           <a:p>
             <a:fld id="{1775B394-D9F9-4F0C-B15D-605F45CB9E9F}" type="datetime1">
               <a:rPr lang="en-US" smtClean="0"/>
-              <a:t>5/10/2022</a:t>
+              <a:t>5/11/2022</a:t>
             </a:fld>
             <a:endParaRPr lang="en-US" dirty="0"/>
           </a:p>
@@ -16421,7 +16870,7 @@
           <a:p>
             <a:fld id="{3A98EE3D-8CD1-4C3F-BD1C-C98C9596463C}" type="slidenum">
               <a:rPr lang="en-US" smtClean="0"/>
-              <a:t>‹Nr.›</a:t>
+              <a:t>‹#›</a:t>
             </a:fld>
             <a:endParaRPr lang="en-US" dirty="0"/>
           </a:p>
@@ -16524,7 +16973,7 @@
           <a:p>
             <a:fld id="{39667345-2558-425A-8533-9BFDBCE15005}" type="datetime1">
               <a:rPr lang="en-US" smtClean="0"/>
-              <a:t>5/10/2022</a:t>
+              <a:t>5/11/2022</a:t>
             </a:fld>
             <a:endParaRPr lang="en-US" dirty="0"/>
           </a:p>
@@ -16578,7 +17027,7 @@
           <a:p>
             <a:fld id="{3A98EE3D-8CD1-4C3F-BD1C-C98C9596463C}" type="slidenum">
               <a:rPr lang="en-US" smtClean="0"/>
-              <a:t>‹Nr.›</a:t>
+              <a:t>‹#›</a:t>
             </a:fld>
             <a:endParaRPr lang="en-US" dirty="0"/>
           </a:p>
@@ -16853,7 +17302,7 @@
           <a:p>
             <a:fld id="{92BEA474-078D-4E9B-9B14-09A87B19DC46}" type="datetime1">
               <a:rPr lang="en-US" smtClean="0"/>
-              <a:t>5/10/2022</a:t>
+              <a:t>5/11/2022</a:t>
             </a:fld>
             <a:endParaRPr lang="en-US" dirty="0"/>
           </a:p>
@@ -16917,7 +17366,7 @@
             <a:fld id="{3A98EE3D-8CD1-4C3F-BD1C-C98C9596463C}" type="slidenum">
               <a:rPr lang="en-US" smtClean="0"/>
               <a:pPr/>
-              <a:t>‹Nr.›</a:t>
+              <a:t>‹#›</a:t>
             </a:fld>
             <a:endParaRPr lang="en-US" dirty="0"/>
           </a:p>
@@ -17203,7 +17652,7 @@
           <a:p>
             <a:fld id="{4907D986-8816-4272-A432-0437A28A9828}" type="datetime1">
               <a:rPr lang="en-US" smtClean="0"/>
-              <a:t>5/10/2022</a:t>
+              <a:t>5/11/2022</a:t>
             </a:fld>
             <a:endParaRPr lang="en-US" dirty="0"/>
           </a:p>
@@ -17251,7 +17700,7 @@
           <a:p>
             <a:fld id="{3A98EE3D-8CD1-4C3F-BD1C-C98C9596463C}" type="slidenum">
               <a:rPr lang="en-US" smtClean="0"/>
-              <a:t>‹Nr.›</a:t>
+              <a:t>‹#›</a:t>
             </a:fld>
             <a:endParaRPr lang="en-US" dirty="0"/>
           </a:p>
@@ -17464,7 +17913,7 @@
           <a:p>
             <a:fld id="{62D6E202-B606-4609-B914-27C9371A1F6D}" type="datetime1">
               <a:rPr lang="en-US" smtClean="0"/>
-              <a:t>5/10/2022</a:t>
+              <a:t>5/11/2022</a:t>
             </a:fld>
             <a:endParaRPr lang="en-US" dirty="0"/>
           </a:p>
@@ -17538,7 +17987,7 @@
           <a:p>
             <a:fld id="{3A98EE3D-8CD1-4C3F-BD1C-C98C9596463C}" type="slidenum">
               <a:rPr lang="en-US" smtClean="0"/>
-              <a:t>‹Nr.›</a:t>
+              <a:t>‹#›</a:t>
             </a:fld>
             <a:endParaRPr lang="en-US" dirty="0"/>
           </a:p>
@@ -18503,6 +18952,1535 @@
 <file path=ppt/slides/slide10.xml><?xml version="1.0" encoding="utf-8"?>
 <p:sld xmlns:a="http://schemas.openxmlformats.org/drawingml/2006/main" xmlns:r="http://schemas.openxmlformats.org/officeDocument/2006/relationships" xmlns:p="http://schemas.openxmlformats.org/presentationml/2006/main">
   <p:cSld>
+    <p:spTree>
+      <p:nvGrpSpPr>
+        <p:cNvPr id="1" name=""/>
+        <p:cNvGrpSpPr/>
+        <p:nvPr/>
+      </p:nvGrpSpPr>
+      <p:grpSpPr>
+        <a:xfrm>
+          <a:off x="0" y="0"/>
+          <a:ext cx="0" cy="0"/>
+          <a:chOff x="0" y="0"/>
+          <a:chExt cx="0" cy="0"/>
+        </a:xfrm>
+      </p:grpSpPr>
+      <p:sp>
+        <p:nvSpPr>
+          <p:cNvPr id="2" name="Title 1">
+            <a:extLst>
+              <a:ext uri="{FF2B5EF4-FFF2-40B4-BE49-F238E27FC236}">
+                <a16:creationId xmlns:a16="http://schemas.microsoft.com/office/drawing/2014/main" id="{213F4062-4D7E-B81D-2ABB-CE213E844D67}"/>
+              </a:ext>
+            </a:extLst>
+          </p:cNvPr>
+          <p:cNvSpPr>
+            <a:spLocks noGrp="1"/>
+          </p:cNvSpPr>
+          <p:nvPr>
+            <p:ph type="title"/>
+          </p:nvPr>
+        </p:nvSpPr>
+        <p:spPr/>
+        <p:txBody>
+          <a:bodyPr/>
+          <a:lstStyle/>
+          <a:p>
+            <a:r>
+              <a:rPr lang="lv-LV" dirty="0"/>
+              <a:t>Local Thresholding - Sliding window scheme</a:t>
+            </a:r>
+            <a:endParaRPr lang="en-US" dirty="0"/>
+          </a:p>
+        </p:txBody>
+      </p:sp>
+      <p:pic>
+        <p:nvPicPr>
+          <p:cNvPr id="5" name="Content Placeholder 4">
+            <a:extLst>
+              <a:ext uri="{FF2B5EF4-FFF2-40B4-BE49-F238E27FC236}">
+                <a16:creationId xmlns:a16="http://schemas.microsoft.com/office/drawing/2014/main" id="{104D53F2-DED0-823B-87C1-F3FAC1B75FE1}"/>
+              </a:ext>
+            </a:extLst>
+          </p:cNvPr>
+          <p:cNvPicPr>
+            <a:picLocks noGrp="1" noChangeAspect="1"/>
+          </p:cNvPicPr>
+          <p:nvPr>
+            <p:ph idx="1"/>
+          </p:nvPr>
+        </p:nvPicPr>
+        <p:blipFill>
+          <a:blip r:embed="rId2">
+            <a:extLst>
+              <a:ext uri="{28A0092B-C50C-407E-A947-70E740481C1C}">
+                <a14:useLocalDpi xmlns:a14="http://schemas.microsoft.com/office/drawing/2010/main" val="0"/>
+              </a:ext>
+            </a:extLst>
+          </a:blip>
+          <a:stretch>
+            <a:fillRect/>
+          </a:stretch>
+        </p:blipFill>
+        <p:spPr>
+          <a:xfrm>
+            <a:off x="1190446" y="2119085"/>
+            <a:ext cx="5210354" cy="3969793"/>
+          </a:xfrm>
+        </p:spPr>
+      </p:pic>
+      <p:sp>
+        <p:nvSpPr>
+          <p:cNvPr id="16" name="Rectangle 15">
+            <a:extLst>
+              <a:ext uri="{FF2B5EF4-FFF2-40B4-BE49-F238E27FC236}">
+                <a16:creationId xmlns:a16="http://schemas.microsoft.com/office/drawing/2014/main" id="{64D8BF14-25C3-A784-62F3-4746188CCC82}"/>
+              </a:ext>
+            </a:extLst>
+          </p:cNvPr>
+          <p:cNvSpPr/>
+          <p:nvPr/>
+        </p:nvSpPr>
+        <p:spPr>
+          <a:xfrm>
+            <a:off x="1190446" y="2119085"/>
+            <a:ext cx="1019354" cy="983343"/>
+          </a:xfrm>
+          <a:prstGeom prst="rect">
+            <a:avLst/>
+          </a:prstGeom>
+          <a:noFill/>
+          <a:ln w="38100">
+            <a:solidFill>
+              <a:srgbClr val="FF0000"/>
+            </a:solidFill>
+            <a:prstDash val="sysDash"/>
+          </a:ln>
+        </p:spPr>
+        <p:style>
+          <a:lnRef idx="2">
+            <a:schemeClr val="accent1">
+              <a:shade val="50000"/>
+            </a:schemeClr>
+          </a:lnRef>
+          <a:fillRef idx="1">
+            <a:schemeClr val="accent1"/>
+          </a:fillRef>
+          <a:effectRef idx="0">
+            <a:schemeClr val="accent1"/>
+          </a:effectRef>
+          <a:fontRef idx="minor">
+            <a:schemeClr val="lt1"/>
+          </a:fontRef>
+        </p:style>
+        <p:txBody>
+          <a:bodyPr rtlCol="0" anchor="ctr"/>
+          <a:lstStyle/>
+          <a:p>
+            <a:pPr algn="ctr"/>
+            <a:endParaRPr lang="en-US"/>
+          </a:p>
+        </p:txBody>
+      </p:sp>
+      <p:sp>
+        <p:nvSpPr>
+          <p:cNvPr id="19" name="Rectangle 18">
+            <a:extLst>
+              <a:ext uri="{FF2B5EF4-FFF2-40B4-BE49-F238E27FC236}">
+                <a16:creationId xmlns:a16="http://schemas.microsoft.com/office/drawing/2014/main" id="{DB9EC513-FB65-2272-4DA0-0F4E2567C562}"/>
+              </a:ext>
+            </a:extLst>
+          </p:cNvPr>
+          <p:cNvSpPr/>
+          <p:nvPr/>
+        </p:nvSpPr>
+        <p:spPr>
+          <a:xfrm>
+            <a:off x="1190446" y="3102428"/>
+            <a:ext cx="1019354" cy="983343"/>
+          </a:xfrm>
+          <a:prstGeom prst="rect">
+            <a:avLst/>
+          </a:prstGeom>
+          <a:noFill/>
+          <a:ln w="38100">
+            <a:solidFill>
+              <a:srgbClr val="FF0000"/>
+            </a:solidFill>
+            <a:prstDash val="sysDash"/>
+          </a:ln>
+        </p:spPr>
+        <p:style>
+          <a:lnRef idx="2">
+            <a:schemeClr val="accent1">
+              <a:shade val="50000"/>
+            </a:schemeClr>
+          </a:lnRef>
+          <a:fillRef idx="1">
+            <a:schemeClr val="accent1"/>
+          </a:fillRef>
+          <a:effectRef idx="0">
+            <a:schemeClr val="accent1"/>
+          </a:effectRef>
+          <a:fontRef idx="minor">
+            <a:schemeClr val="lt1"/>
+          </a:fontRef>
+        </p:style>
+        <p:txBody>
+          <a:bodyPr rtlCol="0" anchor="ctr"/>
+          <a:lstStyle/>
+          <a:p>
+            <a:pPr algn="ctr"/>
+            <a:endParaRPr lang="en-US"/>
+          </a:p>
+        </p:txBody>
+      </p:sp>
+      <p:sp>
+        <p:nvSpPr>
+          <p:cNvPr id="20" name="Rectangle 19">
+            <a:extLst>
+              <a:ext uri="{FF2B5EF4-FFF2-40B4-BE49-F238E27FC236}">
+                <a16:creationId xmlns:a16="http://schemas.microsoft.com/office/drawing/2014/main" id="{F864C350-F087-8103-3AD7-8F245CAC8F49}"/>
+              </a:ext>
+            </a:extLst>
+          </p:cNvPr>
+          <p:cNvSpPr/>
+          <p:nvPr/>
+        </p:nvSpPr>
+        <p:spPr>
+          <a:xfrm>
+            <a:off x="1190446" y="4096656"/>
+            <a:ext cx="1019354" cy="983343"/>
+          </a:xfrm>
+          <a:prstGeom prst="rect">
+            <a:avLst/>
+          </a:prstGeom>
+          <a:noFill/>
+          <a:ln w="38100">
+            <a:solidFill>
+              <a:srgbClr val="FF0000"/>
+            </a:solidFill>
+            <a:prstDash val="sysDash"/>
+          </a:ln>
+        </p:spPr>
+        <p:style>
+          <a:lnRef idx="2">
+            <a:schemeClr val="accent1">
+              <a:shade val="50000"/>
+            </a:schemeClr>
+          </a:lnRef>
+          <a:fillRef idx="1">
+            <a:schemeClr val="accent1"/>
+          </a:fillRef>
+          <a:effectRef idx="0">
+            <a:schemeClr val="accent1"/>
+          </a:effectRef>
+          <a:fontRef idx="minor">
+            <a:schemeClr val="lt1"/>
+          </a:fontRef>
+        </p:style>
+        <p:txBody>
+          <a:bodyPr rtlCol="0" anchor="ctr"/>
+          <a:lstStyle/>
+          <a:p>
+            <a:pPr algn="ctr"/>
+            <a:endParaRPr lang="en-US"/>
+          </a:p>
+        </p:txBody>
+      </p:sp>
+      <p:sp>
+        <p:nvSpPr>
+          <p:cNvPr id="21" name="Rectangle 20">
+            <a:extLst>
+              <a:ext uri="{FF2B5EF4-FFF2-40B4-BE49-F238E27FC236}">
+                <a16:creationId xmlns:a16="http://schemas.microsoft.com/office/drawing/2014/main" id="{7861F148-5319-FE47-E9CB-3611B819AD79}"/>
+              </a:ext>
+            </a:extLst>
+          </p:cNvPr>
+          <p:cNvSpPr/>
+          <p:nvPr/>
+        </p:nvSpPr>
+        <p:spPr>
+          <a:xfrm>
+            <a:off x="1190446" y="5069906"/>
+            <a:ext cx="1019354" cy="983343"/>
+          </a:xfrm>
+          <a:prstGeom prst="rect">
+            <a:avLst/>
+          </a:prstGeom>
+          <a:noFill/>
+          <a:ln w="38100">
+            <a:solidFill>
+              <a:srgbClr val="FF0000"/>
+            </a:solidFill>
+            <a:prstDash val="sysDash"/>
+          </a:ln>
+        </p:spPr>
+        <p:style>
+          <a:lnRef idx="2">
+            <a:schemeClr val="accent1">
+              <a:shade val="50000"/>
+            </a:schemeClr>
+          </a:lnRef>
+          <a:fillRef idx="1">
+            <a:schemeClr val="accent1"/>
+          </a:fillRef>
+          <a:effectRef idx="0">
+            <a:schemeClr val="accent1"/>
+          </a:effectRef>
+          <a:fontRef idx="minor">
+            <a:schemeClr val="lt1"/>
+          </a:fontRef>
+        </p:style>
+        <p:txBody>
+          <a:bodyPr rtlCol="0" anchor="ctr"/>
+          <a:lstStyle/>
+          <a:p>
+            <a:pPr algn="ctr"/>
+            <a:endParaRPr lang="en-US"/>
+          </a:p>
+        </p:txBody>
+      </p:sp>
+    </p:spTree>
+    <p:extLst>
+      <p:ext uri="{BB962C8B-B14F-4D97-AF65-F5344CB8AC3E}">
+        <p14:creationId xmlns:p14="http://schemas.microsoft.com/office/powerpoint/2010/main" val="948118460"/>
+      </p:ext>
+    </p:extLst>
+  </p:cSld>
+  <p:clrMapOvr>
+    <a:masterClrMapping/>
+  </p:clrMapOvr>
+  <p:timing>
+    <p:tnLst>
+      <p:par>
+        <p:cTn id="1" dur="indefinite" restart="never" nodeType="tmRoot">
+          <p:childTnLst>
+            <p:seq concurrent="1" nextAc="seek">
+              <p:cTn id="2" dur="indefinite" nodeType="mainSeq">
+                <p:childTnLst>
+                  <p:par>
+                    <p:cTn id="3" fill="hold">
+                      <p:stCondLst>
+                        <p:cond delay="indefinite"/>
+                      </p:stCondLst>
+                      <p:childTnLst>
+                        <p:par>
+                          <p:cTn id="4" fill="hold">
+                            <p:stCondLst>
+                              <p:cond delay="0"/>
+                            </p:stCondLst>
+                            <p:childTnLst>
+                              <p:par>
+                                <p:cTn id="5" presetID="1" presetClass="entr" presetSubtype="0" fill="hold" grpId="2" nodeType="clickEffect">
+                                  <p:stCondLst>
+                                    <p:cond delay="0"/>
+                                  </p:stCondLst>
+                                  <p:childTnLst>
+                                    <p:set>
+                                      <p:cBhvr>
+                                        <p:cTn id="6" dur="1" fill="hold">
+                                          <p:stCondLst>
+                                            <p:cond delay="0"/>
+                                          </p:stCondLst>
+                                        </p:cTn>
+                                        <p:tgtEl>
+                                          <p:spTgt spid="16"/>
+                                        </p:tgtEl>
+                                        <p:attrNameLst>
+                                          <p:attrName>style.visibility</p:attrName>
+                                        </p:attrNameLst>
+                                      </p:cBhvr>
+                                      <p:to>
+                                        <p:strVal val="visible"/>
+                                      </p:to>
+                                    </p:set>
+                                  </p:childTnLst>
+                                </p:cTn>
+                              </p:par>
+                            </p:childTnLst>
+                          </p:cTn>
+                        </p:par>
+                        <p:par>
+                          <p:cTn id="7" fill="hold">
+                            <p:stCondLst>
+                              <p:cond delay="0"/>
+                            </p:stCondLst>
+                            <p:childTnLst>
+                              <p:par>
+                                <p:cTn id="8" presetID="42" presetClass="path" presetSubtype="0" accel="50000" decel="50000" fill="hold" grpId="0" nodeType="afterEffect">
+                                  <p:stCondLst>
+                                    <p:cond delay="0"/>
+                                  </p:stCondLst>
+                                  <p:childTnLst>
+                                    <p:animMotion origin="layout" path="M -3.125E-6 0.00486 L 0.34271 0.00046 " pathEditMode="relative" rAng="0" ptsTypes="AA">
+                                      <p:cBhvr>
+                                        <p:cTn id="9" dur="2000" fill="hold"/>
+                                        <p:tgtEl>
+                                          <p:spTgt spid="16"/>
+                                        </p:tgtEl>
+                                        <p:attrNameLst>
+                                          <p:attrName>ppt_x</p:attrName>
+                                          <p:attrName>ppt_y</p:attrName>
+                                        </p:attrNameLst>
+                                      </p:cBhvr>
+                                      <p:rCtr x="17135" y="-231"/>
+                                    </p:animMotion>
+                                  </p:childTnLst>
+                                </p:cTn>
+                              </p:par>
+                            </p:childTnLst>
+                          </p:cTn>
+                        </p:par>
+                        <p:par>
+                          <p:cTn id="10" fill="hold">
+                            <p:stCondLst>
+                              <p:cond delay="2000"/>
+                            </p:stCondLst>
+                            <p:childTnLst>
+                              <p:par>
+                                <p:cTn id="11" presetID="1" presetClass="exit" presetSubtype="0" fill="hold" grpId="1" nodeType="afterEffect">
+                                  <p:stCondLst>
+                                    <p:cond delay="0"/>
+                                  </p:stCondLst>
+                                  <p:childTnLst>
+                                    <p:set>
+                                      <p:cBhvr>
+                                        <p:cTn id="12" dur="1" fill="hold">
+                                          <p:stCondLst>
+                                            <p:cond delay="0"/>
+                                          </p:stCondLst>
+                                        </p:cTn>
+                                        <p:tgtEl>
+                                          <p:spTgt spid="16"/>
+                                        </p:tgtEl>
+                                        <p:attrNameLst>
+                                          <p:attrName>style.visibility</p:attrName>
+                                        </p:attrNameLst>
+                                      </p:cBhvr>
+                                      <p:to>
+                                        <p:strVal val="hidden"/>
+                                      </p:to>
+                                    </p:set>
+                                  </p:childTnLst>
+                                </p:cTn>
+                              </p:par>
+                            </p:childTnLst>
+                          </p:cTn>
+                        </p:par>
+                        <p:par>
+                          <p:cTn id="13" fill="hold">
+                            <p:stCondLst>
+                              <p:cond delay="2000"/>
+                            </p:stCondLst>
+                            <p:childTnLst>
+                              <p:par>
+                                <p:cTn id="14" presetID="1" presetClass="entr" presetSubtype="0" fill="hold" grpId="2" nodeType="afterEffect">
+                                  <p:stCondLst>
+                                    <p:cond delay="0"/>
+                                  </p:stCondLst>
+                                  <p:childTnLst>
+                                    <p:set>
+                                      <p:cBhvr>
+                                        <p:cTn id="15" dur="1" fill="hold">
+                                          <p:stCondLst>
+                                            <p:cond delay="0"/>
+                                          </p:stCondLst>
+                                        </p:cTn>
+                                        <p:tgtEl>
+                                          <p:spTgt spid="19"/>
+                                        </p:tgtEl>
+                                        <p:attrNameLst>
+                                          <p:attrName>style.visibility</p:attrName>
+                                        </p:attrNameLst>
+                                      </p:cBhvr>
+                                      <p:to>
+                                        <p:strVal val="visible"/>
+                                      </p:to>
+                                    </p:set>
+                                  </p:childTnLst>
+                                </p:cTn>
+                              </p:par>
+                            </p:childTnLst>
+                          </p:cTn>
+                        </p:par>
+                        <p:par>
+                          <p:cTn id="16" fill="hold">
+                            <p:stCondLst>
+                              <p:cond delay="2000"/>
+                            </p:stCondLst>
+                            <p:childTnLst>
+                              <p:par>
+                                <p:cTn id="17" presetID="42" presetClass="path" presetSubtype="0" accel="50000" decel="50000" fill="hold" grpId="0" nodeType="afterEffect">
+                                  <p:stCondLst>
+                                    <p:cond delay="0"/>
+                                  </p:stCondLst>
+                                  <p:childTnLst>
+                                    <p:animMotion origin="layout" path="M -3.125E-6 0.00487 L 0.3418 -0.00023 " pathEditMode="relative" rAng="0" ptsTypes="AA">
+                                      <p:cBhvr>
+                                        <p:cTn id="18" dur="2000" fill="hold"/>
+                                        <p:tgtEl>
+                                          <p:spTgt spid="19"/>
+                                        </p:tgtEl>
+                                        <p:attrNameLst>
+                                          <p:attrName>ppt_x</p:attrName>
+                                          <p:attrName>ppt_y</p:attrName>
+                                        </p:attrNameLst>
+                                      </p:cBhvr>
+                                      <p:rCtr x="17083" y="-255"/>
+                                    </p:animMotion>
+                                  </p:childTnLst>
+                                </p:cTn>
+                              </p:par>
+                            </p:childTnLst>
+                          </p:cTn>
+                        </p:par>
+                        <p:par>
+                          <p:cTn id="19" fill="hold">
+                            <p:stCondLst>
+                              <p:cond delay="4000"/>
+                            </p:stCondLst>
+                            <p:childTnLst>
+                              <p:par>
+                                <p:cTn id="20" presetID="1" presetClass="exit" presetSubtype="0" fill="hold" grpId="1" nodeType="afterEffect">
+                                  <p:stCondLst>
+                                    <p:cond delay="0"/>
+                                  </p:stCondLst>
+                                  <p:childTnLst>
+                                    <p:set>
+                                      <p:cBhvr>
+                                        <p:cTn id="21" dur="1" fill="hold">
+                                          <p:stCondLst>
+                                            <p:cond delay="0"/>
+                                          </p:stCondLst>
+                                        </p:cTn>
+                                        <p:tgtEl>
+                                          <p:spTgt spid="19"/>
+                                        </p:tgtEl>
+                                        <p:attrNameLst>
+                                          <p:attrName>style.visibility</p:attrName>
+                                        </p:attrNameLst>
+                                      </p:cBhvr>
+                                      <p:to>
+                                        <p:strVal val="hidden"/>
+                                      </p:to>
+                                    </p:set>
+                                  </p:childTnLst>
+                                </p:cTn>
+                              </p:par>
+                            </p:childTnLst>
+                          </p:cTn>
+                        </p:par>
+                        <p:par>
+                          <p:cTn id="22" fill="hold">
+                            <p:stCondLst>
+                              <p:cond delay="4000"/>
+                            </p:stCondLst>
+                            <p:childTnLst>
+                              <p:par>
+                                <p:cTn id="23" presetID="1" presetClass="entr" presetSubtype="0" fill="hold" grpId="2" nodeType="afterEffect">
+                                  <p:stCondLst>
+                                    <p:cond delay="0"/>
+                                  </p:stCondLst>
+                                  <p:childTnLst>
+                                    <p:set>
+                                      <p:cBhvr>
+                                        <p:cTn id="24" dur="1" fill="hold">
+                                          <p:stCondLst>
+                                            <p:cond delay="0"/>
+                                          </p:stCondLst>
+                                        </p:cTn>
+                                        <p:tgtEl>
+                                          <p:spTgt spid="20"/>
+                                        </p:tgtEl>
+                                        <p:attrNameLst>
+                                          <p:attrName>style.visibility</p:attrName>
+                                        </p:attrNameLst>
+                                      </p:cBhvr>
+                                      <p:to>
+                                        <p:strVal val="visible"/>
+                                      </p:to>
+                                    </p:set>
+                                  </p:childTnLst>
+                                </p:cTn>
+                              </p:par>
+                            </p:childTnLst>
+                          </p:cTn>
+                        </p:par>
+                        <p:par>
+                          <p:cTn id="25" fill="hold">
+                            <p:stCondLst>
+                              <p:cond delay="4000"/>
+                            </p:stCondLst>
+                            <p:childTnLst>
+                              <p:par>
+                                <p:cTn id="26" presetID="42" presetClass="path" presetSubtype="0" accel="50000" decel="50000" fill="hold" grpId="0" nodeType="afterEffect">
+                                  <p:stCondLst>
+                                    <p:cond delay="0"/>
+                                  </p:stCondLst>
+                                  <p:childTnLst>
+                                    <p:animMotion origin="layout" path="M -3.125E-6 0.00486 L 0.34271 -0.00069 " pathEditMode="relative" rAng="0" ptsTypes="AA">
+                                      <p:cBhvr>
+                                        <p:cTn id="27" dur="2000" fill="hold"/>
+                                        <p:tgtEl>
+                                          <p:spTgt spid="20"/>
+                                        </p:tgtEl>
+                                        <p:attrNameLst>
+                                          <p:attrName>ppt_x</p:attrName>
+                                          <p:attrName>ppt_y</p:attrName>
+                                        </p:attrNameLst>
+                                      </p:cBhvr>
+                                      <p:rCtr x="17135" y="-278"/>
+                                    </p:animMotion>
+                                  </p:childTnLst>
+                                </p:cTn>
+                              </p:par>
+                            </p:childTnLst>
+                          </p:cTn>
+                        </p:par>
+                        <p:par>
+                          <p:cTn id="28" fill="hold">
+                            <p:stCondLst>
+                              <p:cond delay="6000"/>
+                            </p:stCondLst>
+                            <p:childTnLst>
+                              <p:par>
+                                <p:cTn id="29" presetID="1" presetClass="exit" presetSubtype="0" fill="hold" grpId="1" nodeType="afterEffect">
+                                  <p:stCondLst>
+                                    <p:cond delay="0"/>
+                                  </p:stCondLst>
+                                  <p:childTnLst>
+                                    <p:set>
+                                      <p:cBhvr>
+                                        <p:cTn id="30" dur="1" fill="hold">
+                                          <p:stCondLst>
+                                            <p:cond delay="0"/>
+                                          </p:stCondLst>
+                                        </p:cTn>
+                                        <p:tgtEl>
+                                          <p:spTgt spid="20"/>
+                                        </p:tgtEl>
+                                        <p:attrNameLst>
+                                          <p:attrName>style.visibility</p:attrName>
+                                        </p:attrNameLst>
+                                      </p:cBhvr>
+                                      <p:to>
+                                        <p:strVal val="hidden"/>
+                                      </p:to>
+                                    </p:set>
+                                  </p:childTnLst>
+                                </p:cTn>
+                              </p:par>
+                            </p:childTnLst>
+                          </p:cTn>
+                        </p:par>
+                        <p:par>
+                          <p:cTn id="31" fill="hold">
+                            <p:stCondLst>
+                              <p:cond delay="6000"/>
+                            </p:stCondLst>
+                            <p:childTnLst>
+                              <p:par>
+                                <p:cTn id="32" presetID="1" presetClass="entr" presetSubtype="0" fill="hold" grpId="2" nodeType="afterEffect">
+                                  <p:stCondLst>
+                                    <p:cond delay="0"/>
+                                  </p:stCondLst>
+                                  <p:childTnLst>
+                                    <p:set>
+                                      <p:cBhvr>
+                                        <p:cTn id="33" dur="1" fill="hold">
+                                          <p:stCondLst>
+                                            <p:cond delay="0"/>
+                                          </p:stCondLst>
+                                        </p:cTn>
+                                        <p:tgtEl>
+                                          <p:spTgt spid="21"/>
+                                        </p:tgtEl>
+                                        <p:attrNameLst>
+                                          <p:attrName>style.visibility</p:attrName>
+                                        </p:attrNameLst>
+                                      </p:cBhvr>
+                                      <p:to>
+                                        <p:strVal val="visible"/>
+                                      </p:to>
+                                    </p:set>
+                                  </p:childTnLst>
+                                </p:cTn>
+                              </p:par>
+                            </p:childTnLst>
+                          </p:cTn>
+                        </p:par>
+                        <p:par>
+                          <p:cTn id="34" fill="hold">
+                            <p:stCondLst>
+                              <p:cond delay="6000"/>
+                            </p:stCondLst>
+                            <p:childTnLst>
+                              <p:par>
+                                <p:cTn id="35" presetID="42" presetClass="path" presetSubtype="0" accel="50000" decel="50000" fill="hold" grpId="0" nodeType="afterEffect">
+                                  <p:stCondLst>
+                                    <p:cond delay="0"/>
+                                  </p:stCondLst>
+                                  <p:childTnLst>
+                                    <p:animMotion origin="layout" path="M -3.125E-6 0.00486 L 0.34271 0.00185 " pathEditMode="relative" rAng="0" ptsTypes="AA">
+                                      <p:cBhvr>
+                                        <p:cTn id="36" dur="2000" fill="hold"/>
+                                        <p:tgtEl>
+                                          <p:spTgt spid="21"/>
+                                        </p:tgtEl>
+                                        <p:attrNameLst>
+                                          <p:attrName>ppt_x</p:attrName>
+                                          <p:attrName>ppt_y</p:attrName>
+                                        </p:attrNameLst>
+                                      </p:cBhvr>
+                                      <p:rCtr x="17135" y="-162"/>
+                                    </p:animMotion>
+                                  </p:childTnLst>
+                                </p:cTn>
+                              </p:par>
+                            </p:childTnLst>
+                          </p:cTn>
+                        </p:par>
+                        <p:par>
+                          <p:cTn id="37" fill="hold">
+                            <p:stCondLst>
+                              <p:cond delay="8000"/>
+                            </p:stCondLst>
+                            <p:childTnLst>
+                              <p:par>
+                                <p:cTn id="38" presetID="1" presetClass="exit" presetSubtype="0" fill="hold" grpId="1" nodeType="afterEffect">
+                                  <p:stCondLst>
+                                    <p:cond delay="0"/>
+                                  </p:stCondLst>
+                                  <p:childTnLst>
+                                    <p:set>
+                                      <p:cBhvr>
+                                        <p:cTn id="39" dur="1" fill="hold">
+                                          <p:stCondLst>
+                                            <p:cond delay="0"/>
+                                          </p:stCondLst>
+                                        </p:cTn>
+                                        <p:tgtEl>
+                                          <p:spTgt spid="21"/>
+                                        </p:tgtEl>
+                                        <p:attrNameLst>
+                                          <p:attrName>style.visibility</p:attrName>
+                                        </p:attrNameLst>
+                                      </p:cBhvr>
+                                      <p:to>
+                                        <p:strVal val="hidden"/>
+                                      </p:to>
+                                    </p:set>
+                                  </p:childTnLst>
+                                </p:cTn>
+                              </p:par>
+                            </p:childTnLst>
+                          </p:cTn>
+                        </p:par>
+                      </p:childTnLst>
+                    </p:cTn>
+                  </p:par>
+                </p:childTnLst>
+              </p:cTn>
+              <p:prevCondLst>
+                <p:cond evt="onPrev" delay="0">
+                  <p:tgtEl>
+                    <p:sldTgt/>
+                  </p:tgtEl>
+                </p:cond>
+              </p:prevCondLst>
+              <p:nextCondLst>
+                <p:cond evt="onNext" delay="0">
+                  <p:tgtEl>
+                    <p:sldTgt/>
+                  </p:tgtEl>
+                </p:cond>
+              </p:nextCondLst>
+            </p:seq>
+          </p:childTnLst>
+        </p:cTn>
+      </p:par>
+    </p:tnLst>
+    <p:bldLst>
+      <p:bldP spid="16" grpId="0" animBg="1"/>
+      <p:bldP spid="16" grpId="1" animBg="1"/>
+      <p:bldP spid="16" grpId="2" animBg="1"/>
+      <p:bldP spid="19" grpId="0" animBg="1"/>
+      <p:bldP spid="19" grpId="1" animBg="1"/>
+      <p:bldP spid="19" grpId="2" animBg="1"/>
+      <p:bldP spid="20" grpId="0" animBg="1"/>
+      <p:bldP spid="20" grpId="1" animBg="1"/>
+      <p:bldP spid="20" grpId="2" animBg="1"/>
+      <p:bldP spid="21" grpId="0" animBg="1"/>
+      <p:bldP spid="21" grpId="1" animBg="1"/>
+      <p:bldP spid="21" grpId="2" animBg="1"/>
+    </p:bldLst>
+  </p:timing>
+</p:sld>
+</file>
+
+<file path=ppt/slides/slide11.xml><?xml version="1.0" encoding="utf-8"?>
+<p:sld xmlns:a="http://schemas.openxmlformats.org/drawingml/2006/main" xmlns:r="http://schemas.openxmlformats.org/officeDocument/2006/relationships" xmlns:p="http://schemas.openxmlformats.org/presentationml/2006/main">
+  <p:cSld>
+    <p:spTree>
+      <p:nvGrpSpPr>
+        <p:cNvPr id="1" name=""/>
+        <p:cNvGrpSpPr/>
+        <p:nvPr/>
+      </p:nvGrpSpPr>
+      <p:grpSpPr>
+        <a:xfrm>
+          <a:off x="0" y="0"/>
+          <a:ext cx="0" cy="0"/>
+          <a:chOff x="0" y="0"/>
+          <a:chExt cx="0" cy="0"/>
+        </a:xfrm>
+      </p:grpSpPr>
+      <p:sp>
+        <p:nvSpPr>
+          <p:cNvPr id="2" name="Title 1">
+            <a:extLst>
+              <a:ext uri="{FF2B5EF4-FFF2-40B4-BE49-F238E27FC236}">
+                <a16:creationId xmlns:a16="http://schemas.microsoft.com/office/drawing/2014/main" id="{1A73CB3B-C534-5AF7-3194-DE503108FE5C}"/>
+              </a:ext>
+            </a:extLst>
+          </p:cNvPr>
+          <p:cNvSpPr>
+            <a:spLocks noGrp="1"/>
+          </p:cNvSpPr>
+          <p:nvPr>
+            <p:ph type="title"/>
+          </p:nvPr>
+        </p:nvSpPr>
+        <p:spPr/>
+        <p:txBody>
+          <a:bodyPr/>
+          <a:lstStyle/>
+          <a:p>
+            <a:r>
+              <a:rPr lang="lv-LV" dirty="0"/>
+              <a:t>Otsu Thresholding</a:t>
+            </a:r>
+            <a:endParaRPr lang="en-US" dirty="0"/>
+          </a:p>
+        </p:txBody>
+      </p:sp>
+      <p:graphicFrame>
+        <p:nvGraphicFramePr>
+          <p:cNvPr id="13" name="Content Placeholder 12">
+            <a:extLst>
+              <a:ext uri="{FF2B5EF4-FFF2-40B4-BE49-F238E27FC236}">
+                <a16:creationId xmlns:a16="http://schemas.microsoft.com/office/drawing/2014/main" id="{2585629B-5A35-4616-7E95-9592C5683D6B}"/>
+              </a:ext>
+            </a:extLst>
+          </p:cNvPr>
+          <p:cNvGraphicFramePr>
+            <a:graphicFrameLocks noGrp="1"/>
+          </p:cNvGraphicFramePr>
+          <p:nvPr>
+            <p:ph idx="1"/>
+            <p:extLst>
+              <p:ext uri="{D42A27DB-BD31-4B8C-83A1-F6EECF244321}">
+                <p14:modId xmlns:p14="http://schemas.microsoft.com/office/powerpoint/2010/main" val="2390944973"/>
+              </p:ext>
+            </p:extLst>
+          </p:nvPr>
+        </p:nvGraphicFramePr>
+        <p:xfrm>
+          <a:off x="2579915" y="1992086"/>
+          <a:ext cx="6248400" cy="4147457"/>
+        </p:xfrm>
+        <a:graphic>
+          <a:graphicData uri="http://schemas.openxmlformats.org/drawingml/2006/diagram">
+            <dgm:relIds xmlns:dgm="http://schemas.openxmlformats.org/drawingml/2006/diagram" xmlns:r="http://schemas.openxmlformats.org/officeDocument/2006/relationships" r:dm="rId2" r:lo="rId3" r:qs="rId4" r:cs="rId5"/>
+          </a:graphicData>
+        </a:graphic>
+      </p:graphicFrame>
+    </p:spTree>
+    <p:extLst>
+      <p:ext uri="{BB962C8B-B14F-4D97-AF65-F5344CB8AC3E}">
+        <p14:creationId xmlns:p14="http://schemas.microsoft.com/office/powerpoint/2010/main" val="1279212379"/>
+      </p:ext>
+    </p:extLst>
+  </p:cSld>
+  <p:clrMapOvr>
+    <a:masterClrMapping/>
+  </p:clrMapOvr>
+</p:sld>
+</file>
+
+<file path=ppt/slides/slide12.xml><?xml version="1.0" encoding="utf-8"?>
+<p:sld xmlns:a="http://schemas.openxmlformats.org/drawingml/2006/main" xmlns:r="http://schemas.openxmlformats.org/officeDocument/2006/relationships" xmlns:p="http://schemas.openxmlformats.org/presentationml/2006/main">
+  <p:cSld>
+    <p:bg>
+      <p:bgPr>
+        <a:solidFill>
+          <a:schemeClr val="bg1"/>
+        </a:solidFill>
+        <a:effectLst/>
+      </p:bgPr>
+    </p:bg>
+    <p:spTree>
+      <p:nvGrpSpPr>
+        <p:cNvPr id="1" name=""/>
+        <p:cNvGrpSpPr/>
+        <p:nvPr/>
+      </p:nvGrpSpPr>
+      <p:grpSpPr>
+        <a:xfrm>
+          <a:off x="0" y="0"/>
+          <a:ext cx="0" cy="0"/>
+          <a:chOff x="0" y="0"/>
+          <a:chExt cx="0" cy="0"/>
+        </a:xfrm>
+      </p:grpSpPr>
+      <p:sp useBgFill="1">
+        <p:nvSpPr>
+          <p:cNvPr id="8" name="Rectangle 7">
+            <a:extLst>
+              <a:ext uri="{FF2B5EF4-FFF2-40B4-BE49-F238E27FC236}">
+                <a16:creationId xmlns:a16="http://schemas.microsoft.com/office/drawing/2014/main" id="{CECF0FC6-D57B-48B6-9036-F4FFD91A4B34}"/>
+              </a:ext>
+              <a:ext uri="{C183D7F6-B498-43B3-948B-1728B52AA6E4}">
+                <adec:decorative xmlns:adec="http://schemas.microsoft.com/office/drawing/2017/decorative" val="1"/>
+              </a:ext>
+            </a:extLst>
+          </p:cNvPr>
+          <p:cNvSpPr>
+            <a:spLocks noGrp="1" noRot="1" noChangeAspect="1" noMove="1" noResize="1" noEditPoints="1" noAdjustHandles="1" noChangeArrowheads="1" noChangeShapeType="1" noTextEdit="1"/>
+          </p:cNvSpPr>
+          <p:nvPr>
+            <p:extLst>
+              <p:ext uri="{386F3935-93C4-4BCD-93E2-E3B085C9AB24}">
+                <p16:designElem xmlns:p16="http://schemas.microsoft.com/office/powerpoint/2015/main" val="1"/>
+              </p:ext>
+            </p:extLst>
+          </p:nvPr>
+        </p:nvSpPr>
+        <p:spPr>
+          <a:xfrm>
+            <a:off x="0" y="0"/>
+            <a:ext cx="12186315" cy="6858000"/>
+          </a:xfrm>
+          <a:prstGeom prst="rect">
+            <a:avLst/>
+          </a:prstGeom>
+          <a:ln>
+            <a:noFill/>
+          </a:ln>
+        </p:spPr>
+        <p:style>
+          <a:lnRef idx="2">
+            <a:schemeClr val="accent6">
+              <a:shade val="50000"/>
+            </a:schemeClr>
+          </a:lnRef>
+          <a:fillRef idx="1001">
+            <a:schemeClr val="lt1"/>
+          </a:fillRef>
+          <a:effectRef idx="0">
+            <a:schemeClr val="accent6"/>
+          </a:effectRef>
+          <a:fontRef idx="minor">
+            <a:schemeClr val="lt1"/>
+          </a:fontRef>
+        </p:style>
+        <p:txBody>
+          <a:bodyPr rtlCol="0" anchor="ctr"/>
+          <a:lstStyle/>
+          <a:p>
+            <a:pPr algn="ctr"/>
+            <a:endParaRPr lang="en-US"/>
+          </a:p>
+        </p:txBody>
+      </p:sp>
+      <p:sp>
+        <p:nvSpPr>
+          <p:cNvPr id="2" name="Title 1">
+            <a:extLst>
+              <a:ext uri="{FF2B5EF4-FFF2-40B4-BE49-F238E27FC236}">
+                <a16:creationId xmlns:a16="http://schemas.microsoft.com/office/drawing/2014/main" id="{0974F90C-CE64-FB4B-2D66-570D0C2D794B}"/>
+              </a:ext>
+            </a:extLst>
+          </p:cNvPr>
+          <p:cNvSpPr>
+            <a:spLocks noGrp="1"/>
+          </p:cNvSpPr>
+          <p:nvPr>
+            <p:ph type="title"/>
+          </p:nvPr>
+        </p:nvSpPr>
+        <p:spPr>
+          <a:xfrm>
+            <a:off x="990932" y="286603"/>
+            <a:ext cx="6750987" cy="1450757"/>
+          </a:xfrm>
+        </p:spPr>
+        <p:txBody>
+          <a:bodyPr>
+            <a:normAutofit/>
+          </a:bodyPr>
+          <a:lstStyle/>
+          <a:p>
+            <a:r>
+              <a:rPr lang="lv-LV" dirty="0">
+                <a:solidFill>
+                  <a:schemeClr val="accent1"/>
+                </a:solidFill>
+              </a:rPr>
+              <a:t>Dice Score Coefficient</a:t>
+            </a:r>
+            <a:endParaRPr lang="de-DE" dirty="0">
+              <a:solidFill>
+                <a:schemeClr val="accent1"/>
+              </a:solidFill>
+            </a:endParaRPr>
+          </a:p>
+        </p:txBody>
+      </p:sp>
+      <p:sp>
+        <p:nvSpPr>
+          <p:cNvPr id="10" name="Rectangle 9">
+            <a:extLst>
+              <a:ext uri="{FF2B5EF4-FFF2-40B4-BE49-F238E27FC236}">
+                <a16:creationId xmlns:a16="http://schemas.microsoft.com/office/drawing/2014/main" id="{717A211C-5863-4303-AC3D-AEBFDF6D6A4C}"/>
+              </a:ext>
+              <a:ext uri="{C183D7F6-B498-43B3-948B-1728B52AA6E4}">
+                <adec:decorative xmlns:adec="http://schemas.microsoft.com/office/drawing/2017/decorative" val="1"/>
+              </a:ext>
+            </a:extLst>
+          </p:cNvPr>
+          <p:cNvSpPr>
+            <a:spLocks noGrp="1" noRot="1" noChangeAspect="1" noMove="1" noResize="1" noEditPoints="1" noAdjustHandles="1" noChangeArrowheads="1" noChangeShapeType="1" noTextEdit="1"/>
+          </p:cNvSpPr>
+          <p:nvPr>
+            <p:extLst>
+              <p:ext uri="{386F3935-93C4-4BCD-93E2-E3B085C9AB24}">
+                <p16:designElem xmlns:p16="http://schemas.microsoft.com/office/powerpoint/2015/main" val="1"/>
+              </p:ext>
+            </p:extLst>
+          </p:nvPr>
+        </p:nvSpPr>
+        <p:spPr>
+          <a:xfrm>
+            <a:off x="8144150" y="-1"/>
+            <a:ext cx="4050791" cy="6857999"/>
+          </a:xfrm>
+          <a:prstGeom prst="rect">
+            <a:avLst/>
+          </a:prstGeom>
+          <a:solidFill>
+            <a:schemeClr val="accent1"/>
+          </a:solidFill>
+          <a:ln>
+            <a:noFill/>
+          </a:ln>
+        </p:spPr>
+        <p:style>
+          <a:lnRef idx="2">
+            <a:schemeClr val="accent1">
+              <a:shade val="50000"/>
+            </a:schemeClr>
+          </a:lnRef>
+          <a:fillRef idx="1">
+            <a:schemeClr val="accent1"/>
+          </a:fillRef>
+          <a:effectRef idx="0">
+            <a:schemeClr val="accent1"/>
+          </a:effectRef>
+          <a:fontRef idx="minor">
+            <a:schemeClr val="lt1"/>
+          </a:fontRef>
+        </p:style>
+      </p:sp>
+      <p:sp>
+        <p:nvSpPr>
+          <p:cNvPr id="12" name="Rectangle 11">
+            <a:extLst>
+              <a:ext uri="{FF2B5EF4-FFF2-40B4-BE49-F238E27FC236}">
+                <a16:creationId xmlns:a16="http://schemas.microsoft.com/office/drawing/2014/main" id="{70FA2369-10B3-4A99-93ED-036A92FD9C47}"/>
+              </a:ext>
+              <a:ext uri="{C183D7F6-B498-43B3-948B-1728B52AA6E4}">
+                <adec:decorative xmlns:adec="http://schemas.microsoft.com/office/drawing/2017/decorative" val="1"/>
+              </a:ext>
+            </a:extLst>
+          </p:cNvPr>
+          <p:cNvSpPr>
+            <a:spLocks noGrp="1" noRot="1" noChangeAspect="1" noMove="1" noResize="1" noEditPoints="1" noAdjustHandles="1" noChangeArrowheads="1" noChangeShapeType="1" noTextEdit="1"/>
+          </p:cNvSpPr>
+          <p:nvPr>
+            <p:extLst>
+              <p:ext uri="{386F3935-93C4-4BCD-93E2-E3B085C9AB24}">
+                <p16:designElem xmlns:p16="http://schemas.microsoft.com/office/powerpoint/2015/main" val="1"/>
+              </p:ext>
+            </p:extLst>
+          </p:nvPr>
+        </p:nvSpPr>
+        <p:spPr>
+          <a:xfrm>
+            <a:off x="0" y="6400800"/>
+            <a:ext cx="12192000" cy="457200"/>
+          </a:xfrm>
+          <a:prstGeom prst="rect">
+            <a:avLst/>
+          </a:prstGeom>
+          <a:solidFill>
+            <a:srgbClr val="262626"/>
+          </a:solidFill>
+          <a:ln>
+            <a:noFill/>
+          </a:ln>
+        </p:spPr>
+        <p:style>
+          <a:lnRef idx="2">
+            <a:schemeClr val="accent1">
+              <a:shade val="50000"/>
+            </a:schemeClr>
+          </a:lnRef>
+          <a:fillRef idx="1">
+            <a:schemeClr val="accent1"/>
+          </a:fillRef>
+          <a:effectRef idx="0">
+            <a:schemeClr val="accent1"/>
+          </a:effectRef>
+          <a:fontRef idx="minor">
+            <a:schemeClr val="lt1"/>
+          </a:fontRef>
+        </p:style>
+      </p:sp>
+      <p:sp>
+        <p:nvSpPr>
+          <p:cNvPr id="5" name="Rectangle 4">
+            <a:extLst>
+              <a:ext uri="{FF2B5EF4-FFF2-40B4-BE49-F238E27FC236}">
+                <a16:creationId xmlns:a16="http://schemas.microsoft.com/office/drawing/2014/main" id="{FB1B1E9B-BF76-46CA-46EA-825F8E9E4019}"/>
+              </a:ext>
+            </a:extLst>
+          </p:cNvPr>
+          <p:cNvSpPr/>
+          <p:nvPr/>
+        </p:nvSpPr>
+        <p:spPr>
+          <a:xfrm>
+            <a:off x="8335140" y="833120"/>
+            <a:ext cx="3608850" cy="4701661"/>
+          </a:xfrm>
+          <a:prstGeom prst="rect">
+            <a:avLst/>
+          </a:prstGeom>
+        </p:spPr>
+        <p:style>
+          <a:lnRef idx="2">
+            <a:schemeClr val="dk1"/>
+          </a:lnRef>
+          <a:fillRef idx="1">
+            <a:schemeClr val="lt1"/>
+          </a:fillRef>
+          <a:effectRef idx="0">
+            <a:schemeClr val="dk1"/>
+          </a:effectRef>
+          <a:fontRef idx="minor">
+            <a:schemeClr val="dk1"/>
+          </a:fontRef>
+        </p:style>
+        <p:txBody>
+          <a:bodyPr rtlCol="0" anchor="ctr"/>
+          <a:lstStyle/>
+          <a:p>
+            <a:pPr algn="ctr"/>
+            <a:r>
+              <a:rPr lang="lv-LV" dirty="0"/>
+              <a:t>Kurzerklaerung was TP, FP usw ist also</a:t>
+            </a:r>
+          </a:p>
+          <a:p>
+            <a:pPr algn="ctr"/>
+            <a:r>
+              <a:rPr lang="lv-LV" dirty="0"/>
+              <a:t>gt = ground truth; pt = post tresholding</a:t>
+            </a:r>
+          </a:p>
+          <a:p>
+            <a:r>
+              <a:rPr lang="lv-LV" dirty="0"/>
+              <a:t>TP : Both pixels white</a:t>
+            </a:r>
+          </a:p>
+          <a:p>
+            <a:r>
+              <a:rPr lang="lv-LV" dirty="0"/>
+              <a:t>FP : gt pixel black, pt pixel white</a:t>
+            </a:r>
+          </a:p>
+          <a:p>
+            <a:r>
+              <a:rPr lang="lv-LV" dirty="0"/>
+              <a:t>TN : both pixels black</a:t>
+            </a:r>
+          </a:p>
+          <a:p>
+            <a:r>
+              <a:rPr lang="lv-LV" dirty="0"/>
+              <a:t>FN : gt pixel white, pt pixel black</a:t>
+            </a:r>
+            <a:endParaRPr lang="en-US" dirty="0"/>
+          </a:p>
+        </p:txBody>
+      </p:sp>
+      <p:sp>
+        <p:nvSpPr>
+          <p:cNvPr id="6" name="TextBox 5">
+            <a:extLst>
+              <a:ext uri="{FF2B5EF4-FFF2-40B4-BE49-F238E27FC236}">
+                <a16:creationId xmlns:a16="http://schemas.microsoft.com/office/drawing/2014/main" id="{27E798AF-A854-2C41-E0E3-342D3454FBA9}"/>
+              </a:ext>
+            </a:extLst>
+          </p:cNvPr>
+          <p:cNvSpPr txBox="1"/>
+          <p:nvPr/>
+        </p:nvSpPr>
+        <p:spPr>
+          <a:xfrm>
+            <a:off x="927389" y="5002084"/>
+            <a:ext cx="3575569" cy="646331"/>
+          </a:xfrm>
+          <a:prstGeom prst="rect">
+            <a:avLst/>
+          </a:prstGeom>
+          <a:noFill/>
+        </p:spPr>
+        <p:txBody>
+          <a:bodyPr wrap="square" rtlCol="0">
+            <a:spAutoFit/>
+          </a:bodyPr>
+          <a:lstStyle/>
+          <a:p>
+            <a:r>
+              <a:rPr lang="lv-LV" dirty="0"/>
+              <a:t>Tresholding using online tool </a:t>
+            </a:r>
+          </a:p>
+          <a:p>
+            <a:r>
+              <a:rPr lang="lv-LV" dirty="0"/>
+              <a:t>(</a:t>
+            </a:r>
+            <a:r>
+              <a:rPr lang="en-US" dirty="0"/>
+              <a:t> </a:t>
+            </a:r>
+            <a:r>
+              <a:rPr lang="lv-LV" dirty="0"/>
+              <a:t>imageonline.co)</a:t>
+            </a:r>
+            <a:endParaRPr lang="en-US" dirty="0"/>
+          </a:p>
+        </p:txBody>
+      </p:sp>
+      <p:pic>
+        <p:nvPicPr>
+          <p:cNvPr id="19" name="Picture 18" descr="Background pattern&#10;&#10;Description automatically generated">
+            <a:extLst>
+              <a:ext uri="{FF2B5EF4-FFF2-40B4-BE49-F238E27FC236}">
+                <a16:creationId xmlns:a16="http://schemas.microsoft.com/office/drawing/2014/main" id="{52B2E21B-275B-BD5E-6FBF-4B8CD180C58D}"/>
+              </a:ext>
+            </a:extLst>
+          </p:cNvPr>
+          <p:cNvPicPr>
+            <a:picLocks noChangeAspect="1"/>
+          </p:cNvPicPr>
+          <p:nvPr/>
+        </p:nvPicPr>
+        <p:blipFill>
+          <a:blip r:embed="rId2">
+            <a:extLst>
+              <a:ext uri="{28A0092B-C50C-407E-A947-70E740481C1C}">
+                <a14:useLocalDpi xmlns:a14="http://schemas.microsoft.com/office/drawing/2010/main" val="0"/>
+              </a:ext>
+            </a:extLst>
+          </a:blip>
+          <a:stretch>
+            <a:fillRect/>
+          </a:stretch>
+        </p:blipFill>
+        <p:spPr>
+          <a:xfrm>
+            <a:off x="4502958" y="2472872"/>
+            <a:ext cx="3180397" cy="2423160"/>
+          </a:xfrm>
+          <a:prstGeom prst="rect">
+            <a:avLst/>
+          </a:prstGeom>
+        </p:spPr>
+      </p:pic>
+      <p:pic>
+        <p:nvPicPr>
+          <p:cNvPr id="21" name="Picture 20" descr="Background pattern&#10;&#10;Description automatically generated">
+            <a:extLst>
+              <a:ext uri="{FF2B5EF4-FFF2-40B4-BE49-F238E27FC236}">
+                <a16:creationId xmlns:a16="http://schemas.microsoft.com/office/drawing/2014/main" id="{D4AEB0C3-95B7-F7E2-D7A2-07DAED27BE3E}"/>
+              </a:ext>
+            </a:extLst>
+          </p:cNvPr>
+          <p:cNvPicPr>
+            <a:picLocks noChangeAspect="1"/>
+          </p:cNvPicPr>
+          <p:nvPr/>
+        </p:nvPicPr>
+        <p:blipFill>
+          <a:blip r:embed="rId3">
+            <a:extLst>
+              <a:ext uri="{28A0092B-C50C-407E-A947-70E740481C1C}">
+                <a14:useLocalDpi xmlns:a14="http://schemas.microsoft.com/office/drawing/2010/main" val="0"/>
+              </a:ext>
+            </a:extLst>
+          </a:blip>
+          <a:stretch>
+            <a:fillRect/>
+          </a:stretch>
+        </p:blipFill>
+        <p:spPr>
+          <a:xfrm>
+            <a:off x="1023897" y="2472872"/>
+            <a:ext cx="3180397" cy="2423160"/>
+          </a:xfrm>
+          <a:prstGeom prst="rect">
+            <a:avLst/>
+          </a:prstGeom>
+        </p:spPr>
+      </p:pic>
+      <p:sp>
+        <p:nvSpPr>
+          <p:cNvPr id="22" name="TextBox 21">
+            <a:extLst>
+              <a:ext uri="{FF2B5EF4-FFF2-40B4-BE49-F238E27FC236}">
+                <a16:creationId xmlns:a16="http://schemas.microsoft.com/office/drawing/2014/main" id="{CA56A7A5-0F00-B257-3640-6123C222FCE3}"/>
+              </a:ext>
+            </a:extLst>
+          </p:cNvPr>
+          <p:cNvSpPr txBox="1"/>
+          <p:nvPr/>
+        </p:nvSpPr>
+        <p:spPr>
+          <a:xfrm>
+            <a:off x="4494332" y="5056561"/>
+            <a:ext cx="3180397" cy="369332"/>
+          </a:xfrm>
+          <a:prstGeom prst="rect">
+            <a:avLst/>
+          </a:prstGeom>
+          <a:noFill/>
+        </p:spPr>
+        <p:txBody>
+          <a:bodyPr wrap="square" rtlCol="0">
+            <a:spAutoFit/>
+          </a:bodyPr>
+          <a:lstStyle/>
+          <a:p>
+            <a:r>
+              <a:rPr lang="lv-LV" dirty="0"/>
+              <a:t>Ground truth picture</a:t>
+            </a:r>
+            <a:endParaRPr lang="en-US" dirty="0"/>
+          </a:p>
+        </p:txBody>
+      </p:sp>
+    </p:spTree>
+    <p:extLst>
+      <p:ext uri="{BB962C8B-B14F-4D97-AF65-F5344CB8AC3E}">
+        <p14:creationId xmlns:p14="http://schemas.microsoft.com/office/powerpoint/2010/main" val="2455599885"/>
+      </p:ext>
+    </p:extLst>
+  </p:cSld>
+  <p:clrMapOvr>
+    <a:masterClrMapping/>
+  </p:clrMapOvr>
+</p:sld>
+</file>
+
+<file path=ppt/slides/slide13.xml><?xml version="1.0" encoding="utf-8"?>
+<p:sld xmlns:a="http://schemas.openxmlformats.org/drawingml/2006/main" xmlns:r="http://schemas.openxmlformats.org/officeDocument/2006/relationships" xmlns:p="http://schemas.openxmlformats.org/presentationml/2006/main">
+  <p:cSld>
+    <p:spTree>
+      <p:nvGrpSpPr>
+        <p:cNvPr id="1" name=""/>
+        <p:cNvGrpSpPr/>
+        <p:nvPr/>
+      </p:nvGrpSpPr>
+      <p:grpSpPr>
+        <a:xfrm>
+          <a:off x="0" y="0"/>
+          <a:ext cx="0" cy="0"/>
+          <a:chOff x="0" y="0"/>
+          <a:chExt cx="0" cy="0"/>
+        </a:xfrm>
+      </p:grpSpPr>
+      <p:sp>
+        <p:nvSpPr>
+          <p:cNvPr id="2" name="Title 1">
+            <a:extLst>
+              <a:ext uri="{FF2B5EF4-FFF2-40B4-BE49-F238E27FC236}">
+                <a16:creationId xmlns:a16="http://schemas.microsoft.com/office/drawing/2014/main" id="{1B25104E-AFD1-C198-F41C-FDB6A9E62CAD}"/>
+              </a:ext>
+            </a:extLst>
+          </p:cNvPr>
+          <p:cNvSpPr>
+            <a:spLocks noGrp="1"/>
+          </p:cNvSpPr>
+          <p:nvPr>
+            <p:ph type="title"/>
+          </p:nvPr>
+        </p:nvSpPr>
+        <p:spPr/>
+        <p:txBody>
+          <a:bodyPr>
+            <a:normAutofit fontScale="90000"/>
+          </a:bodyPr>
+          <a:lstStyle/>
+          <a:p>
+            <a:r>
+              <a:rPr lang="lv-LV" dirty="0"/>
+              <a:t>Eulers rings normal version and dice score #muss noch ueberlegen wie genau ich es mache also in what order</a:t>
+            </a:r>
+            <a:endParaRPr lang="en-US" dirty="0"/>
+          </a:p>
+        </p:txBody>
+      </p:sp>
+      <p:sp>
+        <p:nvSpPr>
+          <p:cNvPr id="3" name="Content Placeholder 2">
+            <a:extLst>
+              <a:ext uri="{FF2B5EF4-FFF2-40B4-BE49-F238E27FC236}">
+                <a16:creationId xmlns:a16="http://schemas.microsoft.com/office/drawing/2014/main" id="{43593FB1-BA55-C54C-FF00-C4BB352C16F0}"/>
+              </a:ext>
+            </a:extLst>
+          </p:cNvPr>
+          <p:cNvSpPr>
+            <a:spLocks noGrp="1"/>
+          </p:cNvSpPr>
+          <p:nvPr>
+            <p:ph idx="1"/>
+          </p:nvPr>
+        </p:nvSpPr>
+        <p:spPr/>
+        <p:txBody>
+          <a:bodyPr/>
+          <a:lstStyle/>
+          <a:p>
+            <a:pPr marL="0" indent="0">
+              <a:buNone/>
+            </a:pPr>
+            <a:endParaRPr lang="en-US" dirty="0"/>
+          </a:p>
+        </p:txBody>
+      </p:sp>
+      <p:sp>
+        <p:nvSpPr>
+          <p:cNvPr id="4" name="Oval 3">
+            <a:extLst>
+              <a:ext uri="{FF2B5EF4-FFF2-40B4-BE49-F238E27FC236}">
+                <a16:creationId xmlns:a16="http://schemas.microsoft.com/office/drawing/2014/main" id="{C820744B-0CC5-18A1-DD73-908B806441FD}"/>
+              </a:ext>
+            </a:extLst>
+          </p:cNvPr>
+          <p:cNvSpPr/>
+          <p:nvPr/>
+        </p:nvSpPr>
+        <p:spPr>
+          <a:xfrm>
+            <a:off x="2905760" y="2159845"/>
+            <a:ext cx="3657600" cy="3657600"/>
+          </a:xfrm>
+          <a:prstGeom prst="ellipse">
+            <a:avLst/>
+          </a:prstGeom>
+          <a:noFill/>
+        </p:spPr>
+        <p:style>
+          <a:lnRef idx="2">
+            <a:schemeClr val="dk1"/>
+          </a:lnRef>
+          <a:fillRef idx="1">
+            <a:schemeClr val="lt1"/>
+          </a:fillRef>
+          <a:effectRef idx="0">
+            <a:schemeClr val="dk1"/>
+          </a:effectRef>
+          <a:fontRef idx="minor">
+            <a:schemeClr val="dk1"/>
+          </a:fontRef>
+        </p:style>
+        <p:txBody>
+          <a:bodyPr rtlCol="0" anchor="ctr"/>
+          <a:lstStyle/>
+          <a:p>
+            <a:pPr algn="ctr"/>
+            <a:endParaRPr lang="en-US"/>
+          </a:p>
+        </p:txBody>
+      </p:sp>
+      <p:sp>
+        <p:nvSpPr>
+          <p:cNvPr id="6" name="Oval 5">
+            <a:extLst>
+              <a:ext uri="{FF2B5EF4-FFF2-40B4-BE49-F238E27FC236}">
+                <a16:creationId xmlns:a16="http://schemas.microsoft.com/office/drawing/2014/main" id="{7458756F-BEF0-7FA2-3EBB-0169F1411108}"/>
+              </a:ext>
+            </a:extLst>
+          </p:cNvPr>
+          <p:cNvSpPr/>
+          <p:nvPr/>
+        </p:nvSpPr>
+        <p:spPr>
+          <a:xfrm>
+            <a:off x="4947920" y="2134023"/>
+            <a:ext cx="3738880" cy="3709245"/>
+          </a:xfrm>
+          <a:prstGeom prst="ellipse">
+            <a:avLst/>
+          </a:prstGeom>
+          <a:noFill/>
+        </p:spPr>
+        <p:style>
+          <a:lnRef idx="2">
+            <a:schemeClr val="dk1"/>
+          </a:lnRef>
+          <a:fillRef idx="1">
+            <a:schemeClr val="lt1"/>
+          </a:fillRef>
+          <a:effectRef idx="0">
+            <a:schemeClr val="dk1"/>
+          </a:effectRef>
+          <a:fontRef idx="minor">
+            <a:schemeClr val="dk1"/>
+          </a:fontRef>
+        </p:style>
+        <p:txBody>
+          <a:bodyPr rtlCol="0" anchor="ctr"/>
+          <a:lstStyle/>
+          <a:p>
+            <a:pPr algn="ctr"/>
+            <a:endParaRPr lang="en-US"/>
+          </a:p>
+        </p:txBody>
+      </p:sp>
+    </p:spTree>
+    <p:extLst>
+      <p:ext uri="{BB962C8B-B14F-4D97-AF65-F5344CB8AC3E}">
+        <p14:creationId xmlns:p14="http://schemas.microsoft.com/office/powerpoint/2010/main" val="3705265101"/>
+      </p:ext>
+    </p:extLst>
+  </p:cSld>
+  <p:clrMapOvr>
+    <a:masterClrMapping/>
+  </p:clrMapOvr>
+</p:sld>
+</file>
+
+<file path=ppt/slides/slide14.xml><?xml version="1.0" encoding="utf-8"?>
+<p:sld xmlns:a="http://schemas.openxmlformats.org/drawingml/2006/main" xmlns:r="http://schemas.openxmlformats.org/officeDocument/2006/relationships" xmlns:p="http://schemas.openxmlformats.org/presentationml/2006/main">
+  <p:cSld>
     <p:bg>
       <p:bgPr>
         <a:solidFill>
@@ -18619,7 +20597,7 @@
                   <a:schemeClr val="accent1"/>
                 </a:solidFill>
               </a:rPr>
-              <a:t>wie sieht es statistisch auss (eulers rings)</a:t>
+              <a:t>wie sieht es statistisch aus (eulers rings)</a:t>
             </a:r>
             <a:endParaRPr lang="en-US" dirty="0">
               <a:solidFill>
@@ -19210,7 +21188,7 @@
 </p:sld>
 </file>
 
-<file path=ppt/slides/slide11.xml><?xml version="1.0" encoding="utf-8"?>
+<file path=ppt/slides/slide15.xml><?xml version="1.0" encoding="utf-8"?>
 <p:sld xmlns:a="http://schemas.openxmlformats.org/drawingml/2006/main" xmlns:r="http://schemas.openxmlformats.org/officeDocument/2006/relationships" xmlns:p="http://schemas.openxmlformats.org/presentationml/2006/main">
   <p:cSld>
     <p:spTree>
@@ -21337,7 +23315,7 @@
 </p:sld>
 </file>
 
-<file path=ppt/slides/slide12.xml><?xml version="1.0" encoding="utf-8"?>
+<file path=ppt/slides/slide16.xml><?xml version="1.0" encoding="utf-8"?>
 <p:sld xmlns:a="http://schemas.openxmlformats.org/drawingml/2006/main" xmlns:r="http://schemas.openxmlformats.org/officeDocument/2006/relationships" xmlns:p="http://schemas.openxmlformats.org/presentationml/2006/main">
   <p:cSld>
     <p:spTree>
@@ -21431,7 +23409,7 @@
 </p:sld>
 </file>
 
-<file path=ppt/slides/slide13.xml><?xml version="1.0" encoding="utf-8"?>
+<file path=ppt/slides/slide17.xml><?xml version="1.0" encoding="utf-8"?>
 <p:sld xmlns:a="http://schemas.openxmlformats.org/drawingml/2006/main" xmlns:r="http://schemas.openxmlformats.org/officeDocument/2006/relationships" xmlns:p="http://schemas.openxmlformats.org/presentationml/2006/main">
   <p:cSld>
     <p:spTree>
@@ -21528,7 +23506,7 @@
 </p:sld>
 </file>
 
-<file path=ppt/slides/slide14.xml><?xml version="1.0" encoding="utf-8"?>
+<file path=ppt/slides/slide18.xml><?xml version="1.0" encoding="utf-8"?>
 <p:sld xmlns:a="http://schemas.openxmlformats.org/drawingml/2006/main" xmlns:r="http://schemas.openxmlformats.org/officeDocument/2006/relationships" xmlns:p="http://schemas.openxmlformats.org/presentationml/2006/main">
   <p:cSld>
     <p:spTree>
@@ -22302,190 +24280,6 @@
           </a:fontRef>
         </p:style>
       </p:sp>
-      <p:sp>
-        <p:nvSpPr>
-          <p:cNvPr id="4" name="Oval 3">
-            <a:extLst>
-              <a:ext uri="{FF2B5EF4-FFF2-40B4-BE49-F238E27FC236}">
-                <a16:creationId xmlns:a16="http://schemas.microsoft.com/office/drawing/2014/main" id="{86F2EAB1-3C2A-051F-B216-7C4B38A16281}"/>
-              </a:ext>
-            </a:extLst>
-          </p:cNvPr>
-          <p:cNvSpPr/>
-          <p:nvPr/>
-        </p:nvSpPr>
-        <p:spPr>
-          <a:xfrm>
-            <a:off x="5255489" y="2450088"/>
-            <a:ext cx="3057236" cy="3193294"/>
-          </a:xfrm>
-          <a:prstGeom prst="ellipse">
-            <a:avLst/>
-          </a:prstGeom>
-        </p:spPr>
-        <p:style>
-          <a:lnRef idx="2">
-            <a:schemeClr val="accent1">
-              <a:shade val="50000"/>
-            </a:schemeClr>
-          </a:lnRef>
-          <a:fillRef idx="1">
-            <a:schemeClr val="accent1"/>
-          </a:fillRef>
-          <a:effectRef idx="0">
-            <a:schemeClr val="accent1"/>
-          </a:effectRef>
-          <a:fontRef idx="minor">
-            <a:schemeClr val="lt1"/>
-          </a:fontRef>
-        </p:style>
-        <p:txBody>
-          <a:bodyPr rtlCol="0" anchor="ctr"/>
-          <a:lstStyle/>
-          <a:p>
-            <a:pPr algn="ctr"/>
-            <a:endParaRPr lang="de-DE"/>
-          </a:p>
-        </p:txBody>
-      </p:sp>
-      <p:sp>
-        <p:nvSpPr>
-          <p:cNvPr id="5" name="TextBox 4">
-            <a:extLst>
-              <a:ext uri="{FF2B5EF4-FFF2-40B4-BE49-F238E27FC236}">
-                <a16:creationId xmlns:a16="http://schemas.microsoft.com/office/drawing/2014/main" id="{D42811A8-581A-467F-CA7E-EEFD85D1D744}"/>
-              </a:ext>
-            </a:extLst>
-          </p:cNvPr>
-          <p:cNvSpPr txBox="1"/>
-          <p:nvPr/>
-        </p:nvSpPr>
-        <p:spPr>
-          <a:xfrm>
-            <a:off x="5592616" y="3412836"/>
-            <a:ext cx="2382982" cy="954107"/>
-          </a:xfrm>
-          <a:prstGeom prst="rect">
-            <a:avLst/>
-          </a:prstGeom>
-          <a:noFill/>
-        </p:spPr>
-        <p:txBody>
-          <a:bodyPr wrap="square" rtlCol="0">
-            <a:spAutoFit/>
-          </a:bodyPr>
-          <a:lstStyle/>
-          <a:p>
-            <a:r>
-              <a:rPr lang="de-DE" sz="2800" dirty="0" err="1"/>
-              <a:t>Why</a:t>
-            </a:r>
-            <a:r>
-              <a:rPr lang="de-DE" sz="2800" dirty="0"/>
-              <a:t> Otsu </a:t>
-            </a:r>
-            <a:r>
-              <a:rPr lang="de-DE" sz="2800" dirty="0" err="1"/>
-              <a:t>thresholding</a:t>
-            </a:r>
-            <a:r>
-              <a:rPr lang="de-DE" dirty="0"/>
-              <a:t>?</a:t>
-            </a:r>
-          </a:p>
-        </p:txBody>
-      </p:sp>
-      <p:sp>
-        <p:nvSpPr>
-          <p:cNvPr id="6" name="TextBox 5">
-            <a:extLst>
-              <a:ext uri="{FF2B5EF4-FFF2-40B4-BE49-F238E27FC236}">
-                <a16:creationId xmlns:a16="http://schemas.microsoft.com/office/drawing/2014/main" id="{946E2285-934F-8DF9-47A3-EE46BE1F064A}"/>
-              </a:ext>
-            </a:extLst>
-          </p:cNvPr>
-          <p:cNvSpPr txBox="1"/>
-          <p:nvPr/>
-        </p:nvSpPr>
-        <p:spPr>
-          <a:xfrm>
-            <a:off x="8566119" y="2166479"/>
-            <a:ext cx="3057236" cy="2862322"/>
-          </a:xfrm>
-          <a:prstGeom prst="rect">
-            <a:avLst/>
-          </a:prstGeom>
-          <a:noFill/>
-        </p:spPr>
-        <p:txBody>
-          <a:bodyPr wrap="square" rtlCol="0">
-            <a:spAutoFit/>
-          </a:bodyPr>
-          <a:lstStyle/>
-          <a:p>
-            <a:r>
-              <a:rPr lang="de-DE" dirty="0"/>
-              <a:t>Würde </a:t>
-            </a:r>
-            <a:r>
-              <a:rPr lang="de-DE" dirty="0" err="1"/>
-              <a:t>irgenwie</a:t>
-            </a:r>
-            <a:r>
-              <a:rPr lang="de-DE" dirty="0"/>
-              <a:t> ziemlich am </a:t>
-            </a:r>
-            <a:r>
-              <a:rPr lang="de-DE" dirty="0" err="1"/>
-              <a:t>anfang</a:t>
-            </a:r>
-            <a:r>
-              <a:rPr lang="de-DE" dirty="0"/>
-              <a:t> erklären warum wir jetzt </a:t>
-            </a:r>
-            <a:r>
-              <a:rPr lang="de-DE" dirty="0" err="1"/>
-              <a:t>otsu</a:t>
-            </a:r>
-            <a:r>
-              <a:rPr lang="de-DE" dirty="0"/>
-              <a:t> verwinden und was das genau bringt für unsere </a:t>
-            </a:r>
-            <a:r>
-              <a:rPr lang="de-DE" dirty="0" err="1"/>
-              <a:t>bilder</a:t>
-            </a:r>
-            <a:r>
-              <a:rPr lang="de-DE" dirty="0"/>
-              <a:t>. </a:t>
-            </a:r>
-            <a:r>
-              <a:rPr lang="de-DE" dirty="0" err="1"/>
-              <a:t>Evtl</a:t>
-            </a:r>
-            <a:r>
-              <a:rPr lang="de-DE" dirty="0"/>
-              <a:t> 2 </a:t>
-            </a:r>
-            <a:r>
-              <a:rPr lang="de-DE" dirty="0" err="1"/>
-              <a:t>sätze</a:t>
-            </a:r>
-            <a:r>
-              <a:rPr lang="de-DE" dirty="0"/>
-              <a:t> dazu quasi als </a:t>
-            </a:r>
-            <a:r>
-              <a:rPr lang="de-DE" dirty="0" err="1"/>
-              <a:t>einleitungssatz</a:t>
-            </a:r>
-            <a:r>
-              <a:rPr lang="de-DE" dirty="0"/>
-              <a:t>? Und dann sagen genaueres kommt später oder sowas meint ihr?</a:t>
-            </a:r>
-          </a:p>
-        </p:txBody>
-      </p:sp>
     </p:spTree>
     <p:extLst>
       <p:ext uri="{BB962C8B-B14F-4D97-AF65-F5344CB8AC3E}">
@@ -22702,7 +24496,7 @@
                 <a:cs typeface="Times New Roman" panose="02020603050405020304" pitchFamily="18" charset="0"/>
               </a:rPr>
             </a:br>
-            <a:r>
+            <a:br>
               <a:rPr lang="en-GB" sz="2200" dirty="0">
                 <a:solidFill>
                   <a:schemeClr val="bg1"/>
@@ -22712,7 +24506,42 @@
                 <a:ea typeface="Calibri" panose="020F0502020204030204" pitchFamily="34" charset="0"/>
                 <a:cs typeface="Times New Roman" panose="02020603050405020304" pitchFamily="18" charset="0"/>
               </a:rPr>
-              <a:t>GFP transfected GOWT1 mouse embryonic stem cells</a:t>
+            </a:br>
+            <a:r>
+              <a:rPr lang="en-GB" sz="2700" dirty="0">
+                <a:solidFill>
+                  <a:schemeClr val="bg1"/>
+                </a:solidFill>
+                <a:effectLst/>
+                <a:latin typeface="Calibri" panose="020F0502020204030204" pitchFamily="34" charset="0"/>
+                <a:ea typeface="Calibri" panose="020F0502020204030204" pitchFamily="34" charset="0"/>
+                <a:cs typeface="Times New Roman" panose="02020603050405020304" pitchFamily="18" charset="0"/>
+              </a:rPr>
+              <a:t>Cell type: embryonic stem cells</a:t>
+            </a:r>
+            <a:r>
+              <a:rPr lang="en-GB" sz="2400" dirty="0">
+                <a:solidFill>
+                  <a:schemeClr val="bg1"/>
+                </a:solidFill>
+                <a:effectLst/>
+                <a:latin typeface="Calibri" panose="020F0502020204030204" pitchFamily="34" charset="0"/>
+                <a:ea typeface="Calibri" panose="020F0502020204030204" pitchFamily="34" charset="0"/>
+                <a:cs typeface="Times New Roman" panose="02020603050405020304" pitchFamily="18" charset="0"/>
+              </a:rPr>
+              <a:t> | Organism: Mouse (</a:t>
+            </a:r>
+            <a:r>
+              <a:rPr lang="en-GB" sz="2400" i="1" dirty="0">
+                <a:solidFill>
+                  <a:schemeClr val="bg1"/>
+                </a:solidFill>
+                <a:effectLst/>
+                <a:latin typeface="Calibri" panose="020F0502020204030204" pitchFamily="34" charset="0"/>
+                <a:ea typeface="Calibri" panose="020F0502020204030204" pitchFamily="34" charset="0"/>
+                <a:cs typeface="Times New Roman" panose="02020603050405020304" pitchFamily="18" charset="0"/>
+              </a:rPr>
+              <a:t>Mus musculus) </a:t>
             </a:r>
             <a:br>
               <a:rPr lang="de-DE" sz="2200" dirty="0">
@@ -22751,8 +24580,8 @@
         </p:nvSpPr>
         <p:spPr>
           <a:xfrm>
-            <a:off x="1097280" y="2780786"/>
-            <a:ext cx="6125873" cy="3193294"/>
+            <a:off x="6694887" y="2687564"/>
+            <a:ext cx="3549460" cy="2265437"/>
           </a:xfrm>
         </p:spPr>
         <p:txBody>
@@ -22766,14 +24595,57 @@
               <a:buChar char="§"/>
             </a:pPr>
             <a:r>
-              <a:rPr lang="en-GB" dirty="0">
+              <a:rPr lang="en-GB" sz="2400" dirty="0">
+                <a:latin typeface="Calibri" panose="020F0502020204030204" pitchFamily="34" charset="0"/>
+                <a:cs typeface="Times New Roman" panose="02020603050405020304" pitchFamily="18" charset="0"/>
+              </a:rPr>
+              <a:t>Stained with GFP</a:t>
+            </a:r>
+          </a:p>
+          <a:p>
+            <a:pPr>
+              <a:buFont typeface="Wingdings" panose="05000000000000000000" pitchFamily="2" charset="2"/>
+              <a:buChar char="§"/>
+            </a:pPr>
+            <a:r>
+              <a:rPr lang="en-GB" sz="2400" dirty="0">
                 <a:latin typeface="Calibri" panose="020F0502020204030204" pitchFamily="34" charset="0"/>
                 <a:ea typeface="Calibri" panose="020F0502020204030204" pitchFamily="34" charset="0"/>
                 <a:cs typeface="Times New Roman" panose="02020603050405020304" pitchFamily="18" charset="0"/>
               </a:rPr>
-              <a:t>6 images total</a:t>
+              <a:t>6 </a:t>
             </a:r>
-            <a:endParaRPr lang="en-GB" dirty="0">
+            <a:r>
+              <a:rPr lang="en-GB" sz="2400" dirty="0">
+                <a:latin typeface="Calibri" panose="020F0502020204030204" pitchFamily="34" charset="0"/>
+                <a:cs typeface="Times New Roman" panose="02020603050405020304" pitchFamily="18" charset="0"/>
+              </a:rPr>
+              <a:t>images</a:t>
+            </a:r>
+            <a:r>
+              <a:rPr lang="en-GB" sz="2400" dirty="0">
+                <a:latin typeface="Calibri" panose="020F0502020204030204" pitchFamily="34" charset="0"/>
+                <a:ea typeface="Calibri" panose="020F0502020204030204" pitchFamily="34" charset="0"/>
+                <a:cs typeface="Times New Roman" panose="02020603050405020304" pitchFamily="18" charset="0"/>
+              </a:rPr>
+              <a:t> total</a:t>
+            </a:r>
+          </a:p>
+          <a:p>
+            <a:pPr>
+              <a:buFont typeface="Wingdings" panose="05000000000000000000" pitchFamily="2" charset="2"/>
+              <a:buChar char="§"/>
+            </a:pPr>
+            <a:r>
+              <a:rPr lang="en-GB" sz="2400" dirty="0">
+                <a:effectLst/>
+                <a:latin typeface="Calibri" panose="020F0502020204030204" pitchFamily="34" charset="0"/>
+                <a:ea typeface="Calibri" panose="020F0502020204030204" pitchFamily="34" charset="0"/>
+                <a:cs typeface="Times New Roman" panose="02020603050405020304" pitchFamily="18" charset="0"/>
+              </a:rPr>
+              <a:t>1024x1024 pixels</a:t>
+            </a:r>
+            <a:endParaRPr lang="de-DE" sz="2400" dirty="0">
               <a:effectLst/>
               <a:latin typeface="Calibri" panose="020F0502020204030204" pitchFamily="34" charset="0"/>
               <a:ea typeface="Calibri" panose="020F0502020204030204" pitchFamily="34" charset="0"/>
@@ -22786,28 +24658,7 @@
               <a:buChar char="§"/>
             </a:pPr>
             <a:r>
-              <a:rPr lang="en-GB" dirty="0">
-                <a:effectLst/>
-                <a:latin typeface="Calibri" panose="020F0502020204030204" pitchFamily="34" charset="0"/>
-                <a:ea typeface="Calibri" panose="020F0502020204030204" pitchFamily="34" charset="0"/>
-                <a:cs typeface="Times New Roman" panose="02020603050405020304" pitchFamily="18" charset="0"/>
-              </a:rPr>
-              <a:t>1024x1024 pixels</a:t>
-            </a:r>
-            <a:endParaRPr lang="de-DE" dirty="0">
-              <a:effectLst/>
-              <a:latin typeface="Calibri" panose="020F0502020204030204" pitchFamily="34" charset="0"/>
-              <a:ea typeface="Calibri" panose="020F0502020204030204" pitchFamily="34" charset="0"/>
-              <a:cs typeface="Times New Roman" panose="02020603050405020304" pitchFamily="18" charset="0"/>
-            </a:endParaRPr>
-          </a:p>
-          <a:p>
-            <a:pPr>
-              <a:buFont typeface="Wingdings" panose="05000000000000000000" pitchFamily="2" charset="2"/>
-              <a:buChar char="§"/>
-            </a:pPr>
-            <a:r>
-              <a:rPr lang="en-GB" dirty="0">
+              <a:rPr lang="en-GB" sz="2400" dirty="0">
                 <a:effectLst/>
                 <a:latin typeface="Calibri" panose="020F0502020204030204" pitchFamily="34" charset="0"/>
                 <a:ea typeface="Calibri" panose="020F0502020204030204" pitchFamily="34" charset="0"/>
@@ -22816,7 +24667,7 @@
               <a:t>10-20 </a:t>
             </a:r>
             <a:r>
-              <a:rPr lang="en-GB" dirty="0" err="1">
+              <a:rPr lang="en-GB" sz="2400" dirty="0" err="1">
                 <a:effectLst/>
                 <a:latin typeface="Calibri" panose="020F0502020204030204" pitchFamily="34" charset="0"/>
                 <a:ea typeface="Calibri" panose="020F0502020204030204" pitchFamily="34" charset="0"/>
@@ -22825,7 +24676,7 @@
               <a:t>nulei</a:t>
             </a:r>
             <a:r>
-              <a:rPr lang="en-GB" dirty="0">
+              <a:rPr lang="en-GB" sz="2400" dirty="0">
                 <a:effectLst/>
                 <a:latin typeface="Calibri" panose="020F0502020204030204" pitchFamily="34" charset="0"/>
                 <a:ea typeface="Calibri" panose="020F0502020204030204" pitchFamily="34" charset="0"/>
@@ -22833,33 +24684,7 @@
               </a:rPr>
               <a:t> per image</a:t>
             </a:r>
-          </a:p>
-          <a:p>
-            <a:pPr>
-              <a:buFont typeface="Wingdings" panose="05000000000000000000" pitchFamily="2" charset="2"/>
-              <a:buChar char="§"/>
-            </a:pPr>
-            <a:r>
-              <a:rPr lang="en-GB" dirty="0">
-                <a:latin typeface="Calibri" panose="020F0502020204030204" pitchFamily="34" charset="0"/>
-                <a:cs typeface="Times New Roman" panose="02020603050405020304" pitchFamily="18" charset="0"/>
-              </a:rPr>
-              <a:t>Challenge:</a:t>
-            </a:r>
-          </a:p>
-          <a:p>
-            <a:pPr>
-              <a:buFont typeface="Wingdings" panose="05000000000000000000" pitchFamily="2" charset="2"/>
-              <a:buChar char="§"/>
-            </a:pPr>
-            <a:r>
-              <a:rPr lang="en-GB" sz="2400" dirty="0">
-                <a:latin typeface="Calibri" panose="020F0502020204030204" pitchFamily="34" charset="0"/>
-                <a:cs typeface="Times New Roman" panose="02020603050405020304" pitchFamily="18" charset="0"/>
-              </a:rPr>
-              <a:t>…..</a:t>
-            </a:r>
-            <a:endParaRPr lang="de-DE" sz="2400" dirty="0"/>
+            <a:endParaRPr lang="de-DE" sz="2800" dirty="0"/>
           </a:p>
         </p:txBody>
       </p:sp>
@@ -22920,40 +24745,10 @@
       </p:sp>
       <p:pic>
         <p:nvPicPr>
-          <p:cNvPr id="5" name="Picture 4">
+          <p:cNvPr id="6" name="Picture 5">
             <a:extLst>
               <a:ext uri="{FF2B5EF4-FFF2-40B4-BE49-F238E27FC236}">
-                <a16:creationId xmlns:a16="http://schemas.microsoft.com/office/drawing/2014/main" id="{0127E418-20E4-F858-960D-75F894FD9A88}"/>
-              </a:ext>
-            </a:extLst>
-          </p:cNvPr>
-          <p:cNvPicPr>
-            <a:picLocks noChangeAspect="1"/>
-          </p:cNvPicPr>
-          <p:nvPr/>
-        </p:nvPicPr>
-        <p:blipFill>
-          <a:blip r:embed="rId2"/>
-          <a:stretch>
-            <a:fillRect/>
-          </a:stretch>
-        </p:blipFill>
-        <p:spPr>
-          <a:xfrm>
-            <a:off x="4160216" y="3013453"/>
-            <a:ext cx="2886593" cy="2854960"/>
-          </a:xfrm>
-          <a:prstGeom prst="rect">
-            <a:avLst/>
-          </a:prstGeom>
-        </p:spPr>
-      </p:pic>
-      <p:pic>
-        <p:nvPicPr>
-          <p:cNvPr id="7" name="Picture 6">
-            <a:extLst>
-              <a:ext uri="{FF2B5EF4-FFF2-40B4-BE49-F238E27FC236}">
-                <a16:creationId xmlns:a16="http://schemas.microsoft.com/office/drawing/2014/main" id="{542DB20F-4B68-9B31-CE60-DCFA21DB0520}"/>
+                <a16:creationId xmlns:a16="http://schemas.microsoft.com/office/drawing/2014/main" id="{12A0BD43-7C2A-C8BF-9F34-BD72BD4A0266}"/>
               </a:ext>
             </a:extLst>
           </p:cNvPr>
@@ -22970,84 +24765,53 @@
         </p:blipFill>
         <p:spPr>
           <a:xfrm>
-            <a:off x="7437787" y="2044170"/>
-            <a:ext cx="2757957" cy="2769660"/>
+            <a:off x="1414276" y="2221646"/>
+            <a:ext cx="3867842" cy="3862507"/>
           </a:xfrm>
           <a:prstGeom prst="rect">
             <a:avLst/>
           </a:prstGeom>
         </p:spPr>
       </p:pic>
-      <p:sp>
-        <p:nvSpPr>
-          <p:cNvPr id="9" name="TextBox 8">
+      <p:pic>
+        <p:nvPicPr>
+          <p:cNvPr id="16" name="Graphic 15" descr="Rat outline">
             <a:extLst>
               <a:ext uri="{FF2B5EF4-FFF2-40B4-BE49-F238E27FC236}">
-                <a16:creationId xmlns:a16="http://schemas.microsoft.com/office/drawing/2014/main" id="{D8559D88-C72F-8DA4-8F3B-C6AEB7C936F3}"/>
+                <a16:creationId xmlns:a16="http://schemas.microsoft.com/office/drawing/2014/main" id="{67D35A1A-9849-58A0-1F4E-42086940446F}"/>
               </a:ext>
             </a:extLst>
           </p:cNvPr>
-          <p:cNvSpPr txBox="1"/>
+          <p:cNvPicPr>
+            <a:picLocks noChangeAspect="1"/>
+          </p:cNvPicPr>
           <p:nvPr/>
-        </p:nvSpPr>
+        </p:nvPicPr>
+        <p:blipFill>
+          <a:blip r:embed="rId4">
+            <a:extLst>
+              <a:ext uri="{28A0092B-C50C-407E-A947-70E740481C1C}">
+                <a14:useLocalDpi xmlns:a14="http://schemas.microsoft.com/office/drawing/2010/main" val="0"/>
+              </a:ext>
+              <a:ext uri="{96DAC541-7B7A-43D3-8B79-37D633B846F1}">
+                <asvg:svgBlip xmlns:asvg="http://schemas.microsoft.com/office/drawing/2016/SVG/main" r:embed="rId5"/>
+              </a:ext>
+            </a:extLst>
+          </a:blip>
+          <a:stretch>
+            <a:fillRect/>
+          </a:stretch>
+        </p:blipFill>
         <p:spPr>
           <a:xfrm>
-            <a:off x="9418320" y="5095240"/>
-            <a:ext cx="2458720" cy="923330"/>
+            <a:off x="10041880" y="1087943"/>
+            <a:ext cx="676920" cy="676920"/>
           </a:xfrm>
           <a:prstGeom prst="rect">
             <a:avLst/>
           </a:prstGeom>
-          <a:noFill/>
         </p:spPr>
-        <p:txBody>
-          <a:bodyPr wrap="square" rtlCol="0">
-            <a:spAutoFit/>
-          </a:bodyPr>
-          <a:lstStyle/>
-          <a:p>
-            <a:r>
-              <a:rPr lang="de-DE" dirty="0"/>
-              <a:t>Hier müsste ein </a:t>
-            </a:r>
-            <a:r>
-              <a:rPr lang="de-DE" dirty="0" err="1"/>
-              <a:t>histogramm</a:t>
-            </a:r>
-            <a:r>
-              <a:rPr lang="de-DE" dirty="0"/>
-              <a:t> sein..</a:t>
-            </a:r>
-            <a:r>
-              <a:rPr lang="de-DE" dirty="0">
-                <a:sym typeface="Wingdings" panose="05000000000000000000" pitchFamily="2" charset="2"/>
-              </a:rPr>
-              <a:t></a:t>
-            </a:r>
-          </a:p>
-          <a:p>
-            <a:r>
-              <a:rPr lang="de-DE" dirty="0">
-                <a:sym typeface="Wingdings" panose="05000000000000000000" pitchFamily="2" charset="2"/>
-              </a:rPr>
-              <a:t>(in </a:t>
-            </a:r>
-            <a:r>
-              <a:rPr lang="de-DE" dirty="0" err="1">
-                <a:sym typeface="Wingdings" panose="05000000000000000000" pitchFamily="2" charset="2"/>
-              </a:rPr>
-              <a:t>arbeit</a:t>
-            </a:r>
-            <a:r>
-              <a:rPr lang="de-DE" dirty="0">
-                <a:sym typeface="Wingdings" panose="05000000000000000000" pitchFamily="2" charset="2"/>
-              </a:rPr>
-              <a:t>)</a:t>
-            </a:r>
-            <a:endParaRPr lang="de-DE" dirty="0"/>
-          </a:p>
-        </p:txBody>
-      </p:sp>
+      </p:pic>
     </p:spTree>
     <p:extLst>
       <p:ext uri="{BB962C8B-B14F-4D97-AF65-F5344CB8AC3E}">
@@ -23238,30 +25002,143 @@
               </a:rPr>
             </a:br>
             <a:r>
-              <a:rPr lang="de-DE" dirty="0">
-                <a:solidFill>
-                  <a:srgbClr val="FFFFFF"/>
-                </a:solidFill>
-              </a:rPr>
-              <a:t>NIH3T3</a:t>
-            </a:r>
-            <a:br>
-              <a:rPr lang="de-DE" dirty="0">
-                <a:solidFill>
-                  <a:srgbClr val="FFFFFF"/>
-                </a:solidFill>
-              </a:rPr>
-            </a:br>
-            <a:r>
-              <a:rPr lang="en-GB" sz="2200" dirty="0">
+              <a:rPr lang="de-DE" sz="4800" dirty="0">
                 <a:solidFill>
                   <a:schemeClr val="bg1"/>
                 </a:solidFill>
                 <a:latin typeface="Calibri" panose="020F0502020204030204" pitchFamily="34" charset="0"/>
                 <a:cs typeface="Times New Roman" panose="02020603050405020304" pitchFamily="18" charset="0"/>
               </a:rPr>
-              <a:t>Mouse embryonic cells stained with Hoechst</a:t>
+              <a:t>NIH3T3</a:t>
             </a:r>
+            <a:br>
+              <a:rPr lang="de-DE" sz="4800" dirty="0">
+                <a:solidFill>
+                  <a:schemeClr val="bg1"/>
+                </a:solidFill>
+                <a:latin typeface="Calibri" panose="020F0502020204030204" pitchFamily="34" charset="0"/>
+                <a:cs typeface="Times New Roman" panose="02020603050405020304" pitchFamily="18" charset="0"/>
+              </a:rPr>
+            </a:br>
+            <a:r>
+              <a:rPr lang="de-DE" sz="2700" dirty="0" err="1">
+                <a:solidFill>
+                  <a:schemeClr val="bg1"/>
+                </a:solidFill>
+                <a:latin typeface="Calibri" panose="020F0502020204030204" pitchFamily="34" charset="0"/>
+                <a:cs typeface="Times New Roman" panose="02020603050405020304" pitchFamily="18" charset="0"/>
+              </a:rPr>
+              <a:t>Cell</a:t>
+            </a:r>
+            <a:r>
+              <a:rPr lang="de-DE" sz="2700" dirty="0">
+                <a:solidFill>
+                  <a:schemeClr val="bg1"/>
+                </a:solidFill>
+                <a:latin typeface="Calibri" panose="020F0502020204030204" pitchFamily="34" charset="0"/>
+                <a:cs typeface="Times New Roman" panose="02020603050405020304" pitchFamily="18" charset="0"/>
+              </a:rPr>
+              <a:t> type: </a:t>
+            </a:r>
+            <a:r>
+              <a:rPr lang="de-DE" sz="2700" dirty="0" err="1">
+                <a:solidFill>
+                  <a:schemeClr val="bg1"/>
+                </a:solidFill>
+                <a:latin typeface="Calibri" panose="020F0502020204030204" pitchFamily="34" charset="0"/>
+                <a:cs typeface="Times New Roman" panose="02020603050405020304" pitchFamily="18" charset="0"/>
+              </a:rPr>
+              <a:t>Embryonic</a:t>
+            </a:r>
+            <a:r>
+              <a:rPr lang="de-DE" sz="2700" dirty="0">
+                <a:solidFill>
+                  <a:schemeClr val="bg1"/>
+                </a:solidFill>
+                <a:latin typeface="Calibri" panose="020F0502020204030204" pitchFamily="34" charset="0"/>
+                <a:cs typeface="Times New Roman" panose="02020603050405020304" pitchFamily="18" charset="0"/>
+              </a:rPr>
+              <a:t> </a:t>
+            </a:r>
+            <a:r>
+              <a:rPr lang="de-DE" sz="2700" dirty="0" err="1">
+                <a:solidFill>
+                  <a:schemeClr val="bg1"/>
+                </a:solidFill>
+                <a:latin typeface="Calibri" panose="020F0502020204030204" pitchFamily="34" charset="0"/>
+                <a:cs typeface="Times New Roman" panose="02020603050405020304" pitchFamily="18" charset="0"/>
+              </a:rPr>
+              <a:t>fibroblast</a:t>
+            </a:r>
+            <a:r>
+              <a:rPr lang="de-DE" sz="2700" dirty="0">
+                <a:solidFill>
+                  <a:schemeClr val="bg1"/>
+                </a:solidFill>
+                <a:latin typeface="Calibri" panose="020F0502020204030204" pitchFamily="34" charset="0"/>
+                <a:cs typeface="Times New Roman" panose="02020603050405020304" pitchFamily="18" charset="0"/>
+              </a:rPr>
+              <a:t> </a:t>
+            </a:r>
+            <a:r>
+              <a:rPr lang="de-DE" sz="2700" dirty="0" err="1">
+                <a:solidFill>
+                  <a:schemeClr val="bg1"/>
+                </a:solidFill>
+                <a:latin typeface="Calibri" panose="020F0502020204030204" pitchFamily="34" charset="0"/>
+                <a:cs typeface="Times New Roman" panose="02020603050405020304" pitchFamily="18" charset="0"/>
+              </a:rPr>
+              <a:t>cells</a:t>
+            </a:r>
+            <a:r>
+              <a:rPr lang="de-DE" sz="2700" dirty="0">
+                <a:solidFill>
+                  <a:schemeClr val="bg1"/>
+                </a:solidFill>
+                <a:latin typeface="Calibri" panose="020F0502020204030204" pitchFamily="34" charset="0"/>
+                <a:cs typeface="Times New Roman" panose="02020603050405020304" pitchFamily="18" charset="0"/>
+              </a:rPr>
+              <a:t> | </a:t>
+            </a:r>
+            <a:r>
+              <a:rPr lang="de-DE" sz="2700" dirty="0" err="1">
+                <a:solidFill>
+                  <a:schemeClr val="bg1"/>
+                </a:solidFill>
+                <a:latin typeface="Calibri" panose="020F0502020204030204" pitchFamily="34" charset="0"/>
+                <a:cs typeface="Times New Roman" panose="02020603050405020304" pitchFamily="18" charset="0"/>
+              </a:rPr>
+              <a:t>Organism</a:t>
+            </a:r>
+            <a:r>
+              <a:rPr lang="de-DE" sz="2700" dirty="0">
+                <a:solidFill>
+                  <a:schemeClr val="bg1"/>
+                </a:solidFill>
+                <a:latin typeface="Calibri" panose="020F0502020204030204" pitchFamily="34" charset="0"/>
+                <a:cs typeface="Times New Roman" panose="02020603050405020304" pitchFamily="18" charset="0"/>
+              </a:rPr>
+              <a:t>: Mouse (</a:t>
+            </a:r>
+            <a:r>
+              <a:rPr lang="de-DE" sz="2700" i="1" dirty="0">
+                <a:solidFill>
+                  <a:schemeClr val="bg1"/>
+                </a:solidFill>
+                <a:latin typeface="Calibri" panose="020F0502020204030204" pitchFamily="34" charset="0"/>
+                <a:cs typeface="Times New Roman" panose="02020603050405020304" pitchFamily="18" charset="0"/>
+              </a:rPr>
+              <a:t>Mus musculus)</a:t>
+            </a:r>
+            <a:br>
+              <a:rPr lang="de-DE" sz="4800" dirty="0">
+                <a:solidFill>
+                  <a:schemeClr val="bg1"/>
+                </a:solidFill>
+                <a:latin typeface="Calibri" panose="020F0502020204030204" pitchFamily="34" charset="0"/>
+                <a:cs typeface="Times New Roman" panose="02020603050405020304" pitchFamily="18" charset="0"/>
+              </a:rPr>
+            </a:br>
             <a:br>
               <a:rPr lang="de-DE" sz="2200" dirty="0">
                 <a:solidFill>
@@ -23299,8 +25176,8 @@
         </p:nvSpPr>
         <p:spPr>
           <a:xfrm>
-            <a:off x="1096963" y="2675694"/>
-            <a:ext cx="10058400" cy="3193294"/>
+            <a:off x="7051040" y="2821609"/>
+            <a:ext cx="3831948" cy="3193294"/>
           </a:xfrm>
         </p:spPr>
         <p:txBody>
@@ -23309,15 +25186,31 @@
           </a:bodyPr>
           <a:lstStyle/>
           <a:p>
-            <a:pPr marL="342900" indent="-342900">
+            <a:pPr>
               <a:lnSpc>
                 <a:spcPct val="107000"/>
               </a:lnSpc>
-              <a:buFont typeface="Symbol" panose="05050102010706020507" pitchFamily="18" charset="2"/>
-              <a:buChar char=""/>
+              <a:buFont typeface="Wingdings" panose="05000000000000000000" pitchFamily="2" charset="2"/>
+              <a:buChar char="§"/>
             </a:pPr>
             <a:r>
-              <a:rPr lang="en-GB" dirty="0">
+              <a:rPr lang="en-GB" sz="2400" dirty="0">
+                <a:latin typeface="Calibri" panose="020F0502020204030204" pitchFamily="34" charset="0"/>
+                <a:cs typeface="Times New Roman" panose="02020603050405020304" pitchFamily="18" charset="0"/>
+              </a:rPr>
+              <a:t>Stained with Hoechst</a:t>
+            </a:r>
+          </a:p>
+          <a:p>
+            <a:pPr>
+              <a:lnSpc>
+                <a:spcPct val="107000"/>
+              </a:lnSpc>
+              <a:buFont typeface="Wingdings" panose="05000000000000000000" pitchFamily="2" charset="2"/>
+              <a:buChar char="§"/>
+            </a:pPr>
+            <a:r>
+              <a:rPr lang="en-GB" sz="2400" dirty="0">
                 <a:latin typeface="Calibri" panose="020F0502020204030204" pitchFamily="34" charset="0"/>
                 <a:cs typeface="Times New Roman" panose="02020603050405020304" pitchFamily="18" charset="0"/>
               </a:rPr>
@@ -23325,88 +25218,43 @@
             </a:r>
           </a:p>
           <a:p>
-            <a:pPr marL="342900" lvl="0" indent="-342900">
+            <a:pPr>
               <a:lnSpc>
                 <a:spcPct val="107000"/>
               </a:lnSpc>
-              <a:buFont typeface="Symbol" panose="05050102010706020507" pitchFamily="18" charset="2"/>
-              <a:buChar char=""/>
+              <a:buFont typeface="Wingdings" panose="05000000000000000000" pitchFamily="2" charset="2"/>
+              <a:buChar char="§"/>
             </a:pPr>
             <a:r>
-              <a:rPr lang="en-GB" dirty="0">
+              <a:rPr lang="en-GB" sz="2400" dirty="0">
                 <a:latin typeface="Calibri" panose="020F0502020204030204" pitchFamily="34" charset="0"/>
                 <a:cs typeface="Times New Roman" panose="02020603050405020304" pitchFamily="18" charset="0"/>
               </a:rPr>
               <a:t>Size: 1344x1024 pixels</a:t>
             </a:r>
-            <a:endParaRPr lang="de-DE" dirty="0">
+            <a:endParaRPr lang="de-DE" sz="2400" dirty="0">
               <a:latin typeface="Calibri" panose="020F0502020204030204" pitchFamily="34" charset="0"/>
               <a:cs typeface="Times New Roman" panose="02020603050405020304" pitchFamily="18" charset="0"/>
             </a:endParaRPr>
           </a:p>
           <a:p>
-            <a:pPr marL="342900" lvl="0" indent="-342900">
+            <a:pPr>
               <a:lnSpc>
                 <a:spcPct val="107000"/>
               </a:lnSpc>
               <a:spcAft>
                 <a:spcPts val="800"/>
               </a:spcAft>
-              <a:buFont typeface="Symbol" panose="05050102010706020507" pitchFamily="18" charset="2"/>
-              <a:buChar char=""/>
+              <a:buFont typeface="Wingdings" panose="05000000000000000000" pitchFamily="2" charset="2"/>
+              <a:buChar char="§"/>
             </a:pPr>
             <a:r>
-              <a:rPr lang="en-GB" dirty="0">
+              <a:rPr lang="en-GB" sz="2400" dirty="0">
                 <a:latin typeface="Calibri" panose="020F0502020204030204" pitchFamily="34" charset="0"/>
                 <a:cs typeface="Times New Roman" panose="02020603050405020304" pitchFamily="18" charset="0"/>
               </a:rPr>
               <a:t>about 60 nuclei per image</a:t>
             </a:r>
-          </a:p>
-          <a:p>
-            <a:pPr marL="342900" lvl="0" indent="-342900">
-              <a:lnSpc>
-                <a:spcPct val="107000"/>
-              </a:lnSpc>
-              <a:spcAft>
-                <a:spcPts val="800"/>
-              </a:spcAft>
-              <a:buFont typeface="Symbol" panose="05050102010706020507" pitchFamily="18" charset="2"/>
-              <a:buChar char=""/>
-            </a:pPr>
-            <a:r>
-              <a:rPr lang="en-GB" dirty="0">
-                <a:latin typeface="Calibri" panose="020F0502020204030204" pitchFamily="34" charset="0"/>
-                <a:cs typeface="Times New Roman" panose="02020603050405020304" pitchFamily="18" charset="0"/>
-              </a:rPr>
-              <a:t>Challenge:</a:t>
-            </a:r>
-          </a:p>
-          <a:p>
-            <a:pPr marL="342900" lvl="0" indent="-342900">
-              <a:lnSpc>
-                <a:spcPct val="107000"/>
-              </a:lnSpc>
-              <a:spcAft>
-                <a:spcPts val="800"/>
-              </a:spcAft>
-              <a:buFont typeface="Symbol" panose="05050102010706020507" pitchFamily="18" charset="2"/>
-              <a:buChar char=""/>
-            </a:pPr>
-            <a:r>
-              <a:rPr lang="en-GB" dirty="0">
-                <a:latin typeface="Calibri" panose="020F0502020204030204" pitchFamily="34" charset="0"/>
-                <a:cs typeface="Times New Roman" panose="02020603050405020304" pitchFamily="18" charset="0"/>
-              </a:rPr>
-              <a:t>…..</a:t>
-            </a:r>
-            <a:endParaRPr lang="de-DE" dirty="0">
-              <a:latin typeface="Calibri" panose="020F0502020204030204" pitchFamily="34" charset="0"/>
-              <a:cs typeface="Times New Roman" panose="02020603050405020304" pitchFamily="18" charset="0"/>
-            </a:endParaRPr>
-          </a:p>
-          <a:p>
-            <a:endParaRPr lang="de-DE" dirty="0"/>
           </a:p>
         </p:txBody>
       </p:sp>
@@ -23465,46 +25313,75 @@
           </a:fontRef>
         </p:style>
       </p:sp>
-      <p:sp>
-        <p:nvSpPr>
-          <p:cNvPr id="4" name="TextBox 3">
+      <p:pic>
+        <p:nvPicPr>
+          <p:cNvPr id="6" name="Picture 5">
             <a:extLst>
               <a:ext uri="{FF2B5EF4-FFF2-40B4-BE49-F238E27FC236}">
-                <a16:creationId xmlns:a16="http://schemas.microsoft.com/office/drawing/2014/main" id="{9BD20B2B-9F6A-200D-11EA-804A3D5DBC46}"/>
+                <a16:creationId xmlns:a16="http://schemas.microsoft.com/office/drawing/2014/main" id="{1772786C-700E-4C9C-FE38-5D34DA4B2920}"/>
               </a:ext>
             </a:extLst>
           </p:cNvPr>
-          <p:cNvSpPr txBox="1"/>
+          <p:cNvPicPr>
+            <a:picLocks noChangeAspect="1"/>
+          </p:cNvPicPr>
           <p:nvPr/>
-        </p:nvSpPr>
+        </p:nvPicPr>
+        <p:blipFill>
+          <a:blip r:embed="rId2"/>
+          <a:stretch>
+            <a:fillRect/>
+          </a:stretch>
+        </p:blipFill>
         <p:spPr>
           <a:xfrm>
-            <a:off x="6908800" y="3537527"/>
-            <a:ext cx="4470400" cy="369332"/>
+            <a:off x="727936" y="2290897"/>
+            <a:ext cx="5012585" cy="3823300"/>
           </a:xfrm>
           <a:prstGeom prst="rect">
             <a:avLst/>
           </a:prstGeom>
-          <a:noFill/>
         </p:spPr>
-        <p:txBody>
-          <a:bodyPr wrap="square" rtlCol="0">
-            <a:spAutoFit/>
-          </a:bodyPr>
-          <a:lstStyle/>
-          <a:p>
-            <a:r>
-              <a:rPr lang="de-DE" dirty="0"/>
-              <a:t>Bild und </a:t>
-            </a:r>
-            <a:r>
-              <a:rPr lang="de-DE" dirty="0" err="1"/>
-              <a:t>histogramm</a:t>
-            </a:r>
-            <a:endParaRPr lang="de-DE" dirty="0"/>
-          </a:p>
-        </p:txBody>
-      </p:sp>
+      </p:pic>
+      <p:pic>
+        <p:nvPicPr>
+          <p:cNvPr id="9" name="Graphic 8" descr="Rat outline">
+            <a:extLst>
+              <a:ext uri="{FF2B5EF4-FFF2-40B4-BE49-F238E27FC236}">
+                <a16:creationId xmlns:a16="http://schemas.microsoft.com/office/drawing/2014/main" id="{96702425-5372-492B-7834-3A1459135284}"/>
+              </a:ext>
+            </a:extLst>
+          </p:cNvPr>
+          <p:cNvPicPr>
+            <a:picLocks noChangeAspect="1"/>
+          </p:cNvPicPr>
+          <p:nvPr/>
+        </p:nvPicPr>
+        <p:blipFill>
+          <a:blip r:embed="rId3">
+            <a:extLst>
+              <a:ext uri="{28A0092B-C50C-407E-A947-70E740481C1C}">
+                <a14:useLocalDpi xmlns:a14="http://schemas.microsoft.com/office/drawing/2010/main" val="0"/>
+              </a:ext>
+              <a:ext uri="{96DAC541-7B7A-43D3-8B79-37D633B846F1}">
+                <asvg:svgBlip xmlns:asvg="http://schemas.microsoft.com/office/drawing/2016/SVG/main" r:embed="rId4"/>
+              </a:ext>
+            </a:extLst>
+          </a:blip>
+          <a:stretch>
+            <a:fillRect/>
+          </a:stretch>
+        </p:blipFill>
+        <p:spPr>
+          <a:xfrm>
+            <a:off x="10478760" y="914929"/>
+            <a:ext cx="676920" cy="676920"/>
+          </a:xfrm>
+          <a:prstGeom prst="rect">
+            <a:avLst/>
+          </a:prstGeom>
+        </p:spPr>
+      </p:pic>
     </p:spTree>
     <p:extLst>
       <p:ext uri="{BB962C8B-B14F-4D97-AF65-F5344CB8AC3E}">
@@ -23688,7 +25565,7 @@
           <a:p>
             <a:pPr algn="ctr"/>
             <a:br>
-              <a:rPr lang="en-GB" sz="4300" dirty="0">
+              <a:rPr lang="en-GB" sz="4300">
                 <a:solidFill>
                   <a:schemeClr val="bg1"/>
                 </a:solidFill>
@@ -23697,7 +25574,7 @@
               </a:rPr>
             </a:br>
             <a:r>
-              <a:rPr lang="en-GB" sz="4300" dirty="0">
+              <a:rPr lang="en-GB" sz="4800">
                 <a:solidFill>
                   <a:schemeClr val="bg1"/>
                 </a:solidFill>
@@ -23707,7 +25584,7 @@
               <a:t>N2DL-HeLa</a:t>
             </a:r>
             <a:br>
-              <a:rPr lang="en-GB" sz="4300" dirty="0">
+              <a:rPr lang="en-GB" sz="4300">
                 <a:solidFill>
                   <a:schemeClr val="bg1"/>
                 </a:solidFill>
@@ -23716,44 +25593,37 @@
               </a:rPr>
             </a:br>
             <a:r>
-              <a:rPr lang="en-GB" sz="2200" dirty="0">
+              <a:rPr lang="en-GB" sz="2600">
                 <a:solidFill>
                   <a:schemeClr val="bg1"/>
                 </a:solidFill>
                 <a:latin typeface="Calibri" panose="020F0502020204030204" pitchFamily="34" charset="0"/>
                 <a:cs typeface="Times New Roman" panose="02020603050405020304" pitchFamily="18" charset="0"/>
               </a:rPr>
-              <a:t>HeLa</a:t>
+              <a:t>Cell type: Cervix carcinoma cells | organism: human (</a:t>
             </a:r>
             <a:r>
-              <a:rPr lang="en-GB" sz="1800" dirty="0">
-                <a:effectLst/>
-                <a:latin typeface="Calibri" panose="020F0502020204030204" pitchFamily="34" charset="0"/>
-                <a:ea typeface="Calibri" panose="020F0502020204030204" pitchFamily="34" charset="0"/>
-                <a:cs typeface="Times New Roman" panose="02020603050405020304" pitchFamily="18" charset="0"/>
-              </a:rPr>
-              <a:t> </a:t>
-            </a:r>
-            <a:r>
-              <a:rPr lang="en-GB" sz="2200" dirty="0">
+              <a:rPr lang="en-GB" sz="2600" i="1">
                 <a:solidFill>
                   <a:schemeClr val="bg1"/>
                 </a:solidFill>
                 <a:latin typeface="Calibri" panose="020F0502020204030204" pitchFamily="34" charset="0"/>
                 <a:cs typeface="Times New Roman" panose="02020603050405020304" pitchFamily="18" charset="0"/>
               </a:rPr>
-              <a:t>cells stably expressing H2b-GFP</a:t>
+              <a:t>Homo sapiens</a:t>
+            </a:r>
+            <a:r>
+              <a:rPr lang="en-GB" sz="2600">
+                <a:solidFill>
+                  <a:schemeClr val="bg1"/>
+                </a:solidFill>
+                <a:latin typeface="Calibri" panose="020F0502020204030204" pitchFamily="34" charset="0"/>
+                <a:cs typeface="Times New Roman" panose="02020603050405020304" pitchFamily="18" charset="0"/>
+              </a:rPr>
+              <a:t>)</a:t>
             </a:r>
             <a:br>
-              <a:rPr lang="de-DE" sz="1800" dirty="0">
-                <a:effectLst/>
-                <a:latin typeface="Calibri" panose="020F0502020204030204" pitchFamily="34" charset="0"/>
-                <a:ea typeface="Calibri" panose="020F0502020204030204" pitchFamily="34" charset="0"/>
-                <a:cs typeface="Times New Roman" panose="02020603050405020304" pitchFamily="18" charset="0"/>
-              </a:rPr>
-            </a:br>
-            <a:br>
-              <a:rPr lang="de-DE" sz="1800" dirty="0">
+              <a:rPr lang="de-DE" sz="1800">
                 <a:solidFill>
                   <a:schemeClr val="bg1"/>
                 </a:solidFill>
@@ -23789,8 +25659,8 @@
         </p:nvSpPr>
         <p:spPr>
           <a:xfrm>
-            <a:off x="1096963" y="2675694"/>
-            <a:ext cx="10058400" cy="3193294"/>
+            <a:off x="7277161" y="2877904"/>
+            <a:ext cx="3550595" cy="3193294"/>
           </a:xfrm>
         </p:spPr>
         <p:txBody>
@@ -23799,15 +25669,33 @@
           </a:bodyPr>
           <a:lstStyle/>
           <a:p>
-            <a:pPr marL="342900" indent="-342900">
+            <a:pPr>
               <a:lnSpc>
                 <a:spcPct val="107000"/>
               </a:lnSpc>
-              <a:buFont typeface="Symbol" panose="05050102010706020507" pitchFamily="18" charset="2"/>
-              <a:buChar char=""/>
+              <a:buFont typeface="Wingdings" panose="05000000000000000000" pitchFamily="2" charset="2"/>
+              <a:buChar char="§"/>
             </a:pPr>
             <a:r>
-              <a:rPr lang="en-GB" sz="1800" dirty="0">
+              <a:rPr lang="en-GB" sz="2400" dirty="0">
+                <a:effectLst/>
+                <a:latin typeface="Calibri" panose="020F0502020204030204" pitchFamily="34" charset="0"/>
+                <a:ea typeface="Calibri" panose="020F0502020204030204" pitchFamily="34" charset="0"/>
+                <a:cs typeface="Times New Roman" panose="02020603050405020304" pitchFamily="18" charset="0"/>
+              </a:rPr>
+              <a:t>Stained with GFP</a:t>
+            </a:r>
+          </a:p>
+          <a:p>
+            <a:pPr>
+              <a:lnSpc>
+                <a:spcPct val="107000"/>
+              </a:lnSpc>
+              <a:buFont typeface="Wingdings" panose="05000000000000000000" pitchFamily="2" charset="2"/>
+              <a:buChar char="§"/>
+            </a:pPr>
+            <a:r>
+              <a:rPr lang="en-GB" sz="2400" dirty="0">
                 <a:effectLst/>
                 <a:latin typeface="Calibri" panose="020F0502020204030204" pitchFamily="34" charset="0"/>
                 <a:ea typeface="Calibri" panose="020F0502020204030204" pitchFamily="34" charset="0"/>
@@ -23817,15 +25705,15 @@
             </a:r>
           </a:p>
           <a:p>
-            <a:pPr marL="342900" lvl="0" indent="-342900">
+            <a:pPr lvl="0">
               <a:lnSpc>
                 <a:spcPct val="107000"/>
               </a:lnSpc>
-              <a:buFont typeface="Symbol" panose="05050102010706020507" pitchFamily="18" charset="2"/>
-              <a:buChar char=""/>
+              <a:buFont typeface="Wingdings" panose="05000000000000000000" pitchFamily="2" charset="2"/>
+              <a:buChar char="§"/>
             </a:pPr>
             <a:r>
-              <a:rPr lang="en-GB" sz="1800" dirty="0">
+              <a:rPr lang="en-GB" sz="2400" dirty="0">
                 <a:effectLst/>
                 <a:latin typeface="Calibri" panose="020F0502020204030204" pitchFamily="34" charset="0"/>
                 <a:ea typeface="Calibri" panose="020F0502020204030204" pitchFamily="34" charset="0"/>
@@ -23833,7 +25721,7 @@
               </a:rPr>
               <a:t>Size: 1100x 700 pixels</a:t>
             </a:r>
-            <a:endParaRPr lang="de-DE" sz="1800" dirty="0">
+            <a:endParaRPr lang="de-DE" sz="2400" dirty="0">
               <a:effectLst/>
               <a:latin typeface="Calibri" panose="020F0502020204030204" pitchFamily="34" charset="0"/>
               <a:ea typeface="Calibri" panose="020F0502020204030204" pitchFamily="34" charset="0"/>
@@ -23841,18 +25729,18 @@
             </a:endParaRPr>
           </a:p>
           <a:p>
-            <a:pPr marL="342900" lvl="0" indent="-342900">
+            <a:pPr lvl="0">
               <a:lnSpc>
                 <a:spcPct val="107000"/>
               </a:lnSpc>
               <a:spcAft>
                 <a:spcPts val="800"/>
               </a:spcAft>
-              <a:buFont typeface="Symbol" panose="05050102010706020507" pitchFamily="18" charset="2"/>
-              <a:buChar char=""/>
+              <a:buFont typeface="Wingdings" panose="05000000000000000000" pitchFamily="2" charset="2"/>
+              <a:buChar char="§"/>
             </a:pPr>
             <a:r>
-              <a:rPr lang="en-GB" sz="1800" dirty="0">
+              <a:rPr lang="en-GB" sz="2400" dirty="0">
                 <a:effectLst/>
                 <a:latin typeface="Calibri" panose="020F0502020204030204" pitchFamily="34" charset="0"/>
                 <a:ea typeface="Calibri" panose="020F0502020204030204" pitchFamily="34" charset="0"/>
@@ -23860,53 +25748,6 @@
               </a:rPr>
               <a:t>30-50 nuclei per image</a:t>
             </a:r>
-          </a:p>
-          <a:p>
-            <a:pPr marL="342900" lvl="0" indent="-342900">
-              <a:lnSpc>
-                <a:spcPct val="107000"/>
-              </a:lnSpc>
-              <a:spcAft>
-                <a:spcPts val="800"/>
-              </a:spcAft>
-              <a:buFont typeface="Symbol" panose="05050102010706020507" pitchFamily="18" charset="2"/>
-              <a:buChar char=""/>
-            </a:pPr>
-            <a:r>
-              <a:rPr lang="en-GB" sz="1800" dirty="0">
-                <a:latin typeface="Calibri" panose="020F0502020204030204" pitchFamily="34" charset="0"/>
-                <a:ea typeface="Calibri" panose="020F0502020204030204" pitchFamily="34" charset="0"/>
-                <a:cs typeface="Times New Roman" panose="02020603050405020304" pitchFamily="18" charset="0"/>
-              </a:rPr>
-              <a:t>Challenge:</a:t>
-            </a:r>
-          </a:p>
-          <a:p>
-            <a:pPr marL="342900" lvl="0" indent="-342900">
-              <a:lnSpc>
-                <a:spcPct val="107000"/>
-              </a:lnSpc>
-              <a:spcAft>
-                <a:spcPts val="800"/>
-              </a:spcAft>
-              <a:buFont typeface="Symbol" panose="05050102010706020507" pitchFamily="18" charset="2"/>
-              <a:buChar char=""/>
-            </a:pPr>
-            <a:r>
-              <a:rPr lang="en-GB" sz="1800" dirty="0">
-                <a:effectLst/>
-                <a:latin typeface="Calibri" panose="020F0502020204030204" pitchFamily="34" charset="0"/>
-                <a:ea typeface="Calibri" panose="020F0502020204030204" pitchFamily="34" charset="0"/>
-                <a:cs typeface="Times New Roman" panose="02020603050405020304" pitchFamily="18" charset="0"/>
-              </a:rPr>
-              <a:t>….</a:t>
-            </a:r>
-            <a:endParaRPr lang="de-DE" sz="1800" dirty="0">
-              <a:effectLst/>
-              <a:latin typeface="Calibri" panose="020F0502020204030204" pitchFamily="34" charset="0"/>
-              <a:ea typeface="Calibri" panose="020F0502020204030204" pitchFamily="34" charset="0"/>
-              <a:cs typeface="Times New Roman" panose="02020603050405020304" pitchFamily="18" charset="0"/>
-            </a:endParaRPr>
           </a:p>
           <a:p>
             <a:endParaRPr lang="de-DE" dirty="0"/>
@@ -23968,46 +25809,75 @@
           </a:fontRef>
         </p:style>
       </p:sp>
-      <p:sp>
-        <p:nvSpPr>
-          <p:cNvPr id="7" name="TextBox 6">
+      <p:pic>
+        <p:nvPicPr>
+          <p:cNvPr id="5" name="Graphic 4" descr="Man outline">
             <a:extLst>
               <a:ext uri="{FF2B5EF4-FFF2-40B4-BE49-F238E27FC236}">
-                <a16:creationId xmlns:a16="http://schemas.microsoft.com/office/drawing/2014/main" id="{4EBD52CD-A445-3FF8-954A-06A642A7DCDF}"/>
+                <a16:creationId xmlns:a16="http://schemas.microsoft.com/office/drawing/2014/main" id="{03D8AFE6-2F47-0869-0935-B9F157BF7A7A}"/>
               </a:ext>
             </a:extLst>
           </p:cNvPr>
-          <p:cNvSpPr txBox="1"/>
+          <p:cNvPicPr>
+            <a:picLocks noChangeAspect="1"/>
+          </p:cNvPicPr>
           <p:nvPr/>
-        </p:nvSpPr>
+        </p:nvPicPr>
+        <p:blipFill>
+          <a:blip r:embed="rId2">
+            <a:extLst>
+              <a:ext uri="{28A0092B-C50C-407E-A947-70E740481C1C}">
+                <a14:useLocalDpi xmlns:a14="http://schemas.microsoft.com/office/drawing/2010/main" val="0"/>
+              </a:ext>
+              <a:ext uri="{96DAC541-7B7A-43D3-8B79-37D633B846F1}">
+                <asvg:svgBlip xmlns:asvg="http://schemas.microsoft.com/office/drawing/2016/SVG/main" r:embed="rId3"/>
+              </a:ext>
+            </a:extLst>
+          </a:blip>
+          <a:stretch>
+            <a:fillRect/>
+          </a:stretch>
+        </p:blipFill>
         <p:spPr>
           <a:xfrm>
-            <a:off x="6908800" y="3537527"/>
-            <a:ext cx="4470400" cy="369332"/>
+            <a:off x="10000034" y="965537"/>
+            <a:ext cx="609861" cy="609861"/>
           </a:xfrm>
           <a:prstGeom prst="rect">
             <a:avLst/>
           </a:prstGeom>
-          <a:noFill/>
         </p:spPr>
-        <p:txBody>
-          <a:bodyPr wrap="square" rtlCol="0">
-            <a:spAutoFit/>
-          </a:bodyPr>
-          <a:lstStyle/>
-          <a:p>
-            <a:r>
-              <a:rPr lang="de-DE" dirty="0"/>
-              <a:t>Bild und </a:t>
-            </a:r>
-            <a:r>
-              <a:rPr lang="de-DE" dirty="0" err="1"/>
-              <a:t>histogramm</a:t>
-            </a:r>
-            <a:endParaRPr lang="de-DE" dirty="0"/>
-          </a:p>
-        </p:txBody>
-      </p:sp>
+      </p:pic>
+      <p:pic>
+        <p:nvPicPr>
+          <p:cNvPr id="9" name="Picture 8">
+            <a:extLst>
+              <a:ext uri="{FF2B5EF4-FFF2-40B4-BE49-F238E27FC236}">
+                <a16:creationId xmlns:a16="http://schemas.microsoft.com/office/drawing/2014/main" id="{68B3B3B1-01C9-17F7-C495-684AE4646C33}"/>
+              </a:ext>
+            </a:extLst>
+          </p:cNvPr>
+          <p:cNvPicPr>
+            <a:picLocks noChangeAspect="1"/>
+          </p:cNvPicPr>
+          <p:nvPr/>
+        </p:nvPicPr>
+        <p:blipFill>
+          <a:blip r:embed="rId4"/>
+          <a:stretch>
+            <a:fillRect/>
+          </a:stretch>
+        </p:blipFill>
+        <p:spPr>
+          <a:xfrm>
+            <a:off x="731952" y="2238580"/>
+            <a:ext cx="5814764" cy="3716043"/>
+          </a:xfrm>
+          <a:prstGeom prst="rect">
+            <a:avLst/>
+          </a:prstGeom>
+        </p:spPr>
+      </p:pic>
     </p:spTree>
     <p:extLst>
       <p:ext uri="{BB962C8B-B14F-4D97-AF65-F5344CB8AC3E}">
@@ -24038,757 +25908,181 @@
           <a:chExt cx="0" cy="0"/>
         </a:xfrm>
       </p:grpSpPr>
-      <p:sp>
-        <p:nvSpPr>
-          <p:cNvPr id="2" name="Title 1">
+      <p:pic>
+        <p:nvPicPr>
+          <p:cNvPr id="2" name="Picture 1">
             <a:extLst>
               <a:ext uri="{FF2B5EF4-FFF2-40B4-BE49-F238E27FC236}">
-                <a16:creationId xmlns:a16="http://schemas.microsoft.com/office/drawing/2014/main" id="{213F4062-4D7E-B81D-2ABB-CE213E844D67}"/>
-              </a:ext>
-            </a:extLst>
-          </p:cNvPr>
-          <p:cNvSpPr>
-            <a:spLocks noGrp="1"/>
-          </p:cNvSpPr>
-          <p:nvPr>
-            <p:ph type="title"/>
-          </p:nvPr>
-        </p:nvSpPr>
-        <p:spPr/>
-        <p:txBody>
-          <a:bodyPr/>
-          <a:lstStyle/>
-          <a:p>
-            <a:r>
-              <a:rPr lang="lv-LV" dirty="0"/>
-              <a:t>Local Thresholding - Sliding window scheme</a:t>
-            </a:r>
-            <a:endParaRPr lang="en-US" dirty="0"/>
-          </a:p>
-        </p:txBody>
-      </p:sp>
-      <p:pic>
-        <p:nvPicPr>
-          <p:cNvPr id="5" name="Content Placeholder 4">
-            <a:extLst>
-              <a:ext uri="{FF2B5EF4-FFF2-40B4-BE49-F238E27FC236}">
-                <a16:creationId xmlns:a16="http://schemas.microsoft.com/office/drawing/2014/main" id="{104D53F2-DED0-823B-87C1-F3FAC1B75FE1}"/>
+                <a16:creationId xmlns:a16="http://schemas.microsoft.com/office/drawing/2014/main" id="{CBE26274-4C58-9CDE-4578-96DE5FF0FF87}"/>
               </a:ext>
             </a:extLst>
           </p:cNvPr>
           <p:cNvPicPr>
-            <a:picLocks noGrp="1" noChangeAspect="1"/>
+            <a:picLocks noChangeAspect="1"/>
           </p:cNvPicPr>
-          <p:nvPr>
-            <p:ph idx="1"/>
-          </p:nvPr>
+          <p:nvPr/>
         </p:nvPicPr>
         <p:blipFill>
-          <a:blip r:embed="rId2">
-            <a:extLst>
-              <a:ext uri="{28A0092B-C50C-407E-A947-70E740481C1C}">
-                <a14:useLocalDpi xmlns:a14="http://schemas.microsoft.com/office/drawing/2010/main" val="0"/>
-              </a:ext>
-            </a:extLst>
-          </a:blip>
+          <a:blip r:embed="rId2"/>
           <a:stretch>
             <a:fillRect/>
           </a:stretch>
         </p:blipFill>
         <p:spPr>
           <a:xfrm>
-            <a:off x="1190446" y="2119085"/>
-            <a:ext cx="5210354" cy="3969793"/>
+            <a:off x="820920" y="1206977"/>
+            <a:ext cx="4541047" cy="4534784"/>
           </a:xfrm>
+          <a:prstGeom prst="rect">
+            <a:avLst/>
+          </a:prstGeom>
+        </p:spPr>
+      </p:pic>
+      <p:pic>
+        <p:nvPicPr>
+          <p:cNvPr id="3" name="Picture 2">
+            <a:extLst>
+              <a:ext uri="{FF2B5EF4-FFF2-40B4-BE49-F238E27FC236}">
+                <a16:creationId xmlns:a16="http://schemas.microsoft.com/office/drawing/2014/main" id="{A3F2B6D0-98E5-848D-B992-CBD67BFBF2E8}"/>
+              </a:ext>
+            </a:extLst>
+          </p:cNvPr>
+          <p:cNvPicPr>
+            <a:picLocks noChangeAspect="1"/>
+          </p:cNvPicPr>
+          <p:nvPr/>
+        </p:nvPicPr>
+        <p:blipFill>
+          <a:blip r:embed="rId3"/>
+          <a:stretch>
+            <a:fillRect/>
+          </a:stretch>
+        </p:blipFill>
+        <p:spPr>
+          <a:xfrm>
+            <a:off x="6695135" y="1206977"/>
+            <a:ext cx="4562863" cy="4534784"/>
+          </a:xfrm>
+          <a:prstGeom prst="rect">
+            <a:avLst/>
+          </a:prstGeom>
         </p:spPr>
       </p:pic>
       <p:sp>
         <p:nvSpPr>
-          <p:cNvPr id="16" name="Rectangle 15">
+          <p:cNvPr id="4" name="TextBox 3">
             <a:extLst>
               <a:ext uri="{FF2B5EF4-FFF2-40B4-BE49-F238E27FC236}">
-                <a16:creationId xmlns:a16="http://schemas.microsoft.com/office/drawing/2014/main" id="{64D8BF14-25C3-A784-62F3-4746188CCC82}"/>
+                <a16:creationId xmlns:a16="http://schemas.microsoft.com/office/drawing/2014/main" id="{1CABA90E-C26B-405D-1B8C-177B081FF9BB}"/>
               </a:ext>
             </a:extLst>
           </p:cNvPr>
-          <p:cNvSpPr/>
+          <p:cNvSpPr txBox="1"/>
           <p:nvPr/>
         </p:nvSpPr>
         <p:spPr>
           <a:xfrm>
-            <a:off x="1190446" y="2119085"/>
-            <a:ext cx="1019354" cy="983343"/>
+            <a:off x="2375355" y="362186"/>
+            <a:ext cx="1856756" cy="754053"/>
           </a:xfrm>
           <a:prstGeom prst="rect">
             <a:avLst/>
           </a:prstGeom>
           <a:noFill/>
-          <a:ln w="38100">
-            <a:solidFill>
-              <a:srgbClr val="FF0000"/>
-            </a:solidFill>
-            <a:prstDash val="sysDash"/>
-          </a:ln>
         </p:spPr>
-        <p:style>
-          <a:lnRef idx="2">
-            <a:schemeClr val="accent1">
-              <a:shade val="50000"/>
-            </a:schemeClr>
-          </a:lnRef>
-          <a:fillRef idx="1">
-            <a:schemeClr val="accent1"/>
-          </a:fillRef>
-          <a:effectRef idx="0">
-            <a:schemeClr val="accent1"/>
-          </a:effectRef>
-          <a:fontRef idx="minor">
-            <a:schemeClr val="lt1"/>
-          </a:fontRef>
-        </p:style>
         <p:txBody>
-          <a:bodyPr rtlCol="0" anchor="ctr"/>
+          <a:bodyPr wrap="square" rtlCol="0">
+            <a:spAutoFit/>
+          </a:bodyPr>
           <a:lstStyle/>
           <a:p>
-            <a:pPr algn="ctr"/>
-            <a:endParaRPr lang="en-US"/>
+            <a:r>
+              <a:rPr lang="de-DE" sz="4300" dirty="0">
+                <a:solidFill>
+                  <a:schemeClr val="tx1">
+                    <a:lumMod val="75000"/>
+                    <a:lumOff val="25000"/>
+                  </a:schemeClr>
+                </a:solidFill>
+                <a:latin typeface="Calibri" panose="020F0502020204030204" pitchFamily="34" charset="0"/>
+                <a:cs typeface="Times New Roman" panose="02020603050405020304" pitchFamily="18" charset="0"/>
+              </a:rPr>
+              <a:t>Image</a:t>
+            </a:r>
           </a:p>
         </p:txBody>
       </p:sp>
       <p:sp>
         <p:nvSpPr>
-          <p:cNvPr id="19" name="Rectangle 18">
+          <p:cNvPr id="5" name="TextBox 4">
             <a:extLst>
               <a:ext uri="{FF2B5EF4-FFF2-40B4-BE49-F238E27FC236}">
-                <a16:creationId xmlns:a16="http://schemas.microsoft.com/office/drawing/2014/main" id="{DB9EC513-FB65-2272-4DA0-0F4E2567C562}"/>
+                <a16:creationId xmlns:a16="http://schemas.microsoft.com/office/drawing/2014/main" id="{BF90FE4E-49EA-16A4-D9B6-3AE577ACD123}"/>
               </a:ext>
             </a:extLst>
           </p:cNvPr>
-          <p:cNvSpPr/>
+          <p:cNvSpPr txBox="1"/>
           <p:nvPr/>
         </p:nvSpPr>
         <p:spPr>
           <a:xfrm>
-            <a:off x="1190446" y="3102428"/>
-            <a:ext cx="1019354" cy="983343"/>
+            <a:off x="7415141" y="362186"/>
+            <a:ext cx="3917582" cy="754053"/>
           </a:xfrm>
           <a:prstGeom prst="rect">
             <a:avLst/>
           </a:prstGeom>
           <a:noFill/>
-          <a:ln w="38100">
-            <a:solidFill>
-              <a:srgbClr val="FF0000"/>
-            </a:solidFill>
-            <a:prstDash val="sysDash"/>
-          </a:ln>
         </p:spPr>
-        <p:style>
-          <a:lnRef idx="2">
-            <a:schemeClr val="accent1">
-              <a:shade val="50000"/>
-            </a:schemeClr>
-          </a:lnRef>
-          <a:fillRef idx="1">
-            <a:schemeClr val="accent1"/>
-          </a:fillRef>
-          <a:effectRef idx="0">
-            <a:schemeClr val="accent1"/>
-          </a:effectRef>
-          <a:fontRef idx="minor">
-            <a:schemeClr val="lt1"/>
-          </a:fontRef>
-        </p:style>
         <p:txBody>
-          <a:bodyPr rtlCol="0" anchor="ctr"/>
+          <a:bodyPr wrap="square" rtlCol="0">
+            <a:spAutoFit/>
+          </a:bodyPr>
           <a:lstStyle/>
           <a:p>
-            <a:pPr algn="ctr"/>
-            <a:endParaRPr lang="en-US"/>
-          </a:p>
-        </p:txBody>
-      </p:sp>
-      <p:sp>
-        <p:nvSpPr>
-          <p:cNvPr id="20" name="Rectangle 19">
-            <a:extLst>
-              <a:ext uri="{FF2B5EF4-FFF2-40B4-BE49-F238E27FC236}">
-                <a16:creationId xmlns:a16="http://schemas.microsoft.com/office/drawing/2014/main" id="{F864C350-F087-8103-3AD7-8F245CAC8F49}"/>
-              </a:ext>
-            </a:extLst>
-          </p:cNvPr>
-          <p:cNvSpPr/>
-          <p:nvPr/>
-        </p:nvSpPr>
-        <p:spPr>
-          <a:xfrm>
-            <a:off x="1190446" y="4096656"/>
-            <a:ext cx="1019354" cy="983343"/>
-          </a:xfrm>
-          <a:prstGeom prst="rect">
-            <a:avLst/>
-          </a:prstGeom>
-          <a:noFill/>
-          <a:ln w="38100">
-            <a:solidFill>
-              <a:srgbClr val="FF0000"/>
-            </a:solidFill>
-            <a:prstDash val="sysDash"/>
-          </a:ln>
-        </p:spPr>
-        <p:style>
-          <a:lnRef idx="2">
-            <a:schemeClr val="accent1">
-              <a:shade val="50000"/>
-            </a:schemeClr>
-          </a:lnRef>
-          <a:fillRef idx="1">
-            <a:schemeClr val="accent1"/>
-          </a:fillRef>
-          <a:effectRef idx="0">
-            <a:schemeClr val="accent1"/>
-          </a:effectRef>
-          <a:fontRef idx="minor">
-            <a:schemeClr val="lt1"/>
-          </a:fontRef>
-        </p:style>
-        <p:txBody>
-          <a:bodyPr rtlCol="0" anchor="ctr"/>
-          <a:lstStyle/>
-          <a:p>
-            <a:pPr algn="ctr"/>
-            <a:endParaRPr lang="en-US"/>
-          </a:p>
-        </p:txBody>
-      </p:sp>
-      <p:sp>
-        <p:nvSpPr>
-          <p:cNvPr id="21" name="Rectangle 20">
-            <a:extLst>
-              <a:ext uri="{FF2B5EF4-FFF2-40B4-BE49-F238E27FC236}">
-                <a16:creationId xmlns:a16="http://schemas.microsoft.com/office/drawing/2014/main" id="{7861F148-5319-FE47-E9CB-3611B819AD79}"/>
-              </a:ext>
-            </a:extLst>
-          </p:cNvPr>
-          <p:cNvSpPr/>
-          <p:nvPr/>
-        </p:nvSpPr>
-        <p:spPr>
-          <a:xfrm>
-            <a:off x="1190446" y="5069906"/>
-            <a:ext cx="1019354" cy="983343"/>
-          </a:xfrm>
-          <a:prstGeom prst="rect">
-            <a:avLst/>
-          </a:prstGeom>
-          <a:noFill/>
-          <a:ln w="38100">
-            <a:solidFill>
-              <a:srgbClr val="FF0000"/>
-            </a:solidFill>
-            <a:prstDash val="sysDash"/>
-          </a:ln>
-        </p:spPr>
-        <p:style>
-          <a:lnRef idx="2">
-            <a:schemeClr val="accent1">
-              <a:shade val="50000"/>
-            </a:schemeClr>
-          </a:lnRef>
-          <a:fillRef idx="1">
-            <a:schemeClr val="accent1"/>
-          </a:fillRef>
-          <a:effectRef idx="0">
-            <a:schemeClr val="accent1"/>
-          </a:effectRef>
-          <a:fontRef idx="minor">
-            <a:schemeClr val="lt1"/>
-          </a:fontRef>
-        </p:style>
-        <p:txBody>
-          <a:bodyPr rtlCol="0" anchor="ctr"/>
-          <a:lstStyle/>
-          <a:p>
-            <a:pPr algn="ctr"/>
-            <a:endParaRPr lang="en-US"/>
+            <a:r>
+              <a:rPr lang="de-DE" sz="4300" dirty="0">
+                <a:solidFill>
+                  <a:schemeClr val="tx1">
+                    <a:lumMod val="75000"/>
+                    <a:lumOff val="25000"/>
+                  </a:schemeClr>
+                </a:solidFill>
+                <a:latin typeface="Calibri" panose="020F0502020204030204" pitchFamily="34" charset="0"/>
+                <a:cs typeface="Times New Roman" panose="02020603050405020304" pitchFamily="18" charset="0"/>
+              </a:rPr>
+              <a:t>Ground</a:t>
+            </a:r>
+            <a:r>
+              <a:rPr lang="de-DE" sz="4300" dirty="0"/>
+              <a:t> </a:t>
+            </a:r>
+            <a:r>
+              <a:rPr lang="de-DE" sz="4300" dirty="0">
+                <a:solidFill>
+                  <a:schemeClr val="tx1">
+                    <a:lumMod val="75000"/>
+                    <a:lumOff val="25000"/>
+                  </a:schemeClr>
+                </a:solidFill>
+                <a:latin typeface="Calibri" panose="020F0502020204030204" pitchFamily="34" charset="0"/>
+                <a:cs typeface="Times New Roman" panose="02020603050405020304" pitchFamily="18" charset="0"/>
+              </a:rPr>
+              <a:t>Truth</a:t>
+            </a:r>
           </a:p>
         </p:txBody>
       </p:sp>
     </p:spTree>
     <p:extLst>
       <p:ext uri="{BB962C8B-B14F-4D97-AF65-F5344CB8AC3E}">
-        <p14:creationId xmlns:p14="http://schemas.microsoft.com/office/powerpoint/2010/main" val="948118460"/>
+        <p14:creationId xmlns:p14="http://schemas.microsoft.com/office/powerpoint/2010/main" val="3449755402"/>
       </p:ext>
     </p:extLst>
   </p:cSld>
   <p:clrMapOvr>
     <a:masterClrMapping/>
   </p:clrMapOvr>
-  <p:timing>
-    <p:tnLst>
-      <p:par>
-        <p:cTn id="1" dur="indefinite" restart="never" nodeType="tmRoot">
-          <p:childTnLst>
-            <p:seq concurrent="1" nextAc="seek">
-              <p:cTn id="2" dur="indefinite" nodeType="mainSeq">
-                <p:childTnLst>
-                  <p:par>
-                    <p:cTn id="3" fill="hold">
-                      <p:stCondLst>
-                        <p:cond delay="indefinite"/>
-                      </p:stCondLst>
-                      <p:childTnLst>
-                        <p:par>
-                          <p:cTn id="4" fill="hold">
-                            <p:stCondLst>
-                              <p:cond delay="0"/>
-                            </p:stCondLst>
-                            <p:childTnLst>
-                              <p:par>
-                                <p:cTn id="5" presetID="1" presetClass="entr" presetSubtype="0" fill="hold" grpId="2" nodeType="clickEffect">
-                                  <p:stCondLst>
-                                    <p:cond delay="0"/>
-                                  </p:stCondLst>
-                                  <p:childTnLst>
-                                    <p:set>
-                                      <p:cBhvr>
-                                        <p:cTn id="6" dur="1" fill="hold">
-                                          <p:stCondLst>
-                                            <p:cond delay="0"/>
-                                          </p:stCondLst>
-                                        </p:cTn>
-                                        <p:tgtEl>
-                                          <p:spTgt spid="16"/>
-                                        </p:tgtEl>
-                                        <p:attrNameLst>
-                                          <p:attrName>style.visibility</p:attrName>
-                                        </p:attrNameLst>
-                                      </p:cBhvr>
-                                      <p:to>
-                                        <p:strVal val="visible"/>
-                                      </p:to>
-                                    </p:set>
-                                  </p:childTnLst>
-                                </p:cTn>
-                              </p:par>
-                            </p:childTnLst>
-                          </p:cTn>
-                        </p:par>
-                        <p:par>
-                          <p:cTn id="7" fill="hold">
-                            <p:stCondLst>
-                              <p:cond delay="0"/>
-                            </p:stCondLst>
-                            <p:childTnLst>
-                              <p:par>
-                                <p:cTn id="8" presetID="42" presetClass="path" presetSubtype="0" accel="50000" decel="50000" fill="hold" grpId="0" nodeType="afterEffect">
-                                  <p:stCondLst>
-                                    <p:cond delay="0"/>
-                                  </p:stCondLst>
-                                  <p:childTnLst>
-                                    <p:animMotion origin="layout" path="M -3.125E-6 0.00486 L 0.34271 0.00046 " pathEditMode="relative" rAng="0" ptsTypes="AA">
-                                      <p:cBhvr>
-                                        <p:cTn id="9" dur="2000" fill="hold"/>
-                                        <p:tgtEl>
-                                          <p:spTgt spid="16"/>
-                                        </p:tgtEl>
-                                        <p:attrNameLst>
-                                          <p:attrName>ppt_x</p:attrName>
-                                          <p:attrName>ppt_y</p:attrName>
-                                        </p:attrNameLst>
-                                      </p:cBhvr>
-                                      <p:rCtr x="17135" y="-231"/>
-                                    </p:animMotion>
-                                  </p:childTnLst>
-                                </p:cTn>
-                              </p:par>
-                            </p:childTnLst>
-                          </p:cTn>
-                        </p:par>
-                        <p:par>
-                          <p:cTn id="10" fill="hold">
-                            <p:stCondLst>
-                              <p:cond delay="2000"/>
-                            </p:stCondLst>
-                            <p:childTnLst>
-                              <p:par>
-                                <p:cTn id="11" presetID="1" presetClass="exit" presetSubtype="0" fill="hold" grpId="1" nodeType="afterEffect">
-                                  <p:stCondLst>
-                                    <p:cond delay="0"/>
-                                  </p:stCondLst>
-                                  <p:childTnLst>
-                                    <p:set>
-                                      <p:cBhvr>
-                                        <p:cTn id="12" dur="1" fill="hold">
-                                          <p:stCondLst>
-                                            <p:cond delay="0"/>
-                                          </p:stCondLst>
-                                        </p:cTn>
-                                        <p:tgtEl>
-                                          <p:spTgt spid="16"/>
-                                        </p:tgtEl>
-                                        <p:attrNameLst>
-                                          <p:attrName>style.visibility</p:attrName>
-                                        </p:attrNameLst>
-                                      </p:cBhvr>
-                                      <p:to>
-                                        <p:strVal val="hidden"/>
-                                      </p:to>
-                                    </p:set>
-                                  </p:childTnLst>
-                                </p:cTn>
-                              </p:par>
-                            </p:childTnLst>
-                          </p:cTn>
-                        </p:par>
-                        <p:par>
-                          <p:cTn id="13" fill="hold">
-                            <p:stCondLst>
-                              <p:cond delay="2000"/>
-                            </p:stCondLst>
-                            <p:childTnLst>
-                              <p:par>
-                                <p:cTn id="14" presetID="1" presetClass="entr" presetSubtype="0" fill="hold" grpId="2" nodeType="afterEffect">
-                                  <p:stCondLst>
-                                    <p:cond delay="0"/>
-                                  </p:stCondLst>
-                                  <p:childTnLst>
-                                    <p:set>
-                                      <p:cBhvr>
-                                        <p:cTn id="15" dur="1" fill="hold">
-                                          <p:stCondLst>
-                                            <p:cond delay="0"/>
-                                          </p:stCondLst>
-                                        </p:cTn>
-                                        <p:tgtEl>
-                                          <p:spTgt spid="19"/>
-                                        </p:tgtEl>
-                                        <p:attrNameLst>
-                                          <p:attrName>style.visibility</p:attrName>
-                                        </p:attrNameLst>
-                                      </p:cBhvr>
-                                      <p:to>
-                                        <p:strVal val="visible"/>
-                                      </p:to>
-                                    </p:set>
-                                  </p:childTnLst>
-                                </p:cTn>
-                              </p:par>
-                            </p:childTnLst>
-                          </p:cTn>
-                        </p:par>
-                        <p:par>
-                          <p:cTn id="16" fill="hold">
-                            <p:stCondLst>
-                              <p:cond delay="2000"/>
-                            </p:stCondLst>
-                            <p:childTnLst>
-                              <p:par>
-                                <p:cTn id="17" presetID="42" presetClass="path" presetSubtype="0" accel="50000" decel="50000" fill="hold" grpId="0" nodeType="afterEffect">
-                                  <p:stCondLst>
-                                    <p:cond delay="0"/>
-                                  </p:stCondLst>
-                                  <p:childTnLst>
-                                    <p:animMotion origin="layout" path="M -3.125E-6 0.00487 L 0.3418 -0.00023 " pathEditMode="relative" rAng="0" ptsTypes="AA">
-                                      <p:cBhvr>
-                                        <p:cTn id="18" dur="2000" fill="hold"/>
-                                        <p:tgtEl>
-                                          <p:spTgt spid="19"/>
-                                        </p:tgtEl>
-                                        <p:attrNameLst>
-                                          <p:attrName>ppt_x</p:attrName>
-                                          <p:attrName>ppt_y</p:attrName>
-                                        </p:attrNameLst>
-                                      </p:cBhvr>
-                                      <p:rCtr x="17083" y="-255"/>
-                                    </p:animMotion>
-                                  </p:childTnLst>
-                                </p:cTn>
-                              </p:par>
-                            </p:childTnLst>
-                          </p:cTn>
-                        </p:par>
-                        <p:par>
-                          <p:cTn id="19" fill="hold">
-                            <p:stCondLst>
-                              <p:cond delay="4000"/>
-                            </p:stCondLst>
-                            <p:childTnLst>
-                              <p:par>
-                                <p:cTn id="20" presetID="1" presetClass="exit" presetSubtype="0" fill="hold" grpId="1" nodeType="afterEffect">
-                                  <p:stCondLst>
-                                    <p:cond delay="0"/>
-                                  </p:stCondLst>
-                                  <p:childTnLst>
-                                    <p:set>
-                                      <p:cBhvr>
-                                        <p:cTn id="21" dur="1" fill="hold">
-                                          <p:stCondLst>
-                                            <p:cond delay="0"/>
-                                          </p:stCondLst>
-                                        </p:cTn>
-                                        <p:tgtEl>
-                                          <p:spTgt spid="19"/>
-                                        </p:tgtEl>
-                                        <p:attrNameLst>
-                                          <p:attrName>style.visibility</p:attrName>
-                                        </p:attrNameLst>
-                                      </p:cBhvr>
-                                      <p:to>
-                                        <p:strVal val="hidden"/>
-                                      </p:to>
-                                    </p:set>
-                                  </p:childTnLst>
-                                </p:cTn>
-                              </p:par>
-                            </p:childTnLst>
-                          </p:cTn>
-                        </p:par>
-                        <p:par>
-                          <p:cTn id="22" fill="hold">
-                            <p:stCondLst>
-                              <p:cond delay="4000"/>
-                            </p:stCondLst>
-                            <p:childTnLst>
-                              <p:par>
-                                <p:cTn id="23" presetID="1" presetClass="entr" presetSubtype="0" fill="hold" grpId="2" nodeType="afterEffect">
-                                  <p:stCondLst>
-                                    <p:cond delay="0"/>
-                                  </p:stCondLst>
-                                  <p:childTnLst>
-                                    <p:set>
-                                      <p:cBhvr>
-                                        <p:cTn id="24" dur="1" fill="hold">
-                                          <p:stCondLst>
-                                            <p:cond delay="0"/>
-                                          </p:stCondLst>
-                                        </p:cTn>
-                                        <p:tgtEl>
-                                          <p:spTgt spid="20"/>
-                                        </p:tgtEl>
-                                        <p:attrNameLst>
-                                          <p:attrName>style.visibility</p:attrName>
-                                        </p:attrNameLst>
-                                      </p:cBhvr>
-                                      <p:to>
-                                        <p:strVal val="visible"/>
-                                      </p:to>
-                                    </p:set>
-                                  </p:childTnLst>
-                                </p:cTn>
-                              </p:par>
-                            </p:childTnLst>
-                          </p:cTn>
-                        </p:par>
-                        <p:par>
-                          <p:cTn id="25" fill="hold">
-                            <p:stCondLst>
-                              <p:cond delay="4000"/>
-                            </p:stCondLst>
-                            <p:childTnLst>
-                              <p:par>
-                                <p:cTn id="26" presetID="42" presetClass="path" presetSubtype="0" accel="50000" decel="50000" fill="hold" grpId="0" nodeType="afterEffect">
-                                  <p:stCondLst>
-                                    <p:cond delay="0"/>
-                                  </p:stCondLst>
-                                  <p:childTnLst>
-                                    <p:animMotion origin="layout" path="M -3.125E-6 0.00486 L 0.34271 -0.00069 " pathEditMode="relative" rAng="0" ptsTypes="AA">
-                                      <p:cBhvr>
-                                        <p:cTn id="27" dur="2000" fill="hold"/>
-                                        <p:tgtEl>
-                                          <p:spTgt spid="20"/>
-                                        </p:tgtEl>
-                                        <p:attrNameLst>
-                                          <p:attrName>ppt_x</p:attrName>
-                                          <p:attrName>ppt_y</p:attrName>
-                                        </p:attrNameLst>
-                                      </p:cBhvr>
-                                      <p:rCtr x="17135" y="-278"/>
-                                    </p:animMotion>
-                                  </p:childTnLst>
-                                </p:cTn>
-                              </p:par>
-                            </p:childTnLst>
-                          </p:cTn>
-                        </p:par>
-                        <p:par>
-                          <p:cTn id="28" fill="hold">
-                            <p:stCondLst>
-                              <p:cond delay="6000"/>
-                            </p:stCondLst>
-                            <p:childTnLst>
-                              <p:par>
-                                <p:cTn id="29" presetID="1" presetClass="exit" presetSubtype="0" fill="hold" grpId="1" nodeType="afterEffect">
-                                  <p:stCondLst>
-                                    <p:cond delay="0"/>
-                                  </p:stCondLst>
-                                  <p:childTnLst>
-                                    <p:set>
-                                      <p:cBhvr>
-                                        <p:cTn id="30" dur="1" fill="hold">
-                                          <p:stCondLst>
-                                            <p:cond delay="0"/>
-                                          </p:stCondLst>
-                                        </p:cTn>
-                                        <p:tgtEl>
-                                          <p:spTgt spid="20"/>
-                                        </p:tgtEl>
-                                        <p:attrNameLst>
-                                          <p:attrName>style.visibility</p:attrName>
-                                        </p:attrNameLst>
-                                      </p:cBhvr>
-                                      <p:to>
-                                        <p:strVal val="hidden"/>
-                                      </p:to>
-                                    </p:set>
-                                  </p:childTnLst>
-                                </p:cTn>
-                              </p:par>
-                            </p:childTnLst>
-                          </p:cTn>
-                        </p:par>
-                        <p:par>
-                          <p:cTn id="31" fill="hold">
-                            <p:stCondLst>
-                              <p:cond delay="6000"/>
-                            </p:stCondLst>
-                            <p:childTnLst>
-                              <p:par>
-                                <p:cTn id="32" presetID="1" presetClass="entr" presetSubtype="0" fill="hold" grpId="2" nodeType="afterEffect">
-                                  <p:stCondLst>
-                                    <p:cond delay="0"/>
-                                  </p:stCondLst>
-                                  <p:childTnLst>
-                                    <p:set>
-                                      <p:cBhvr>
-                                        <p:cTn id="33" dur="1" fill="hold">
-                                          <p:stCondLst>
-                                            <p:cond delay="0"/>
-                                          </p:stCondLst>
-                                        </p:cTn>
-                                        <p:tgtEl>
-                                          <p:spTgt spid="21"/>
-                                        </p:tgtEl>
-                                        <p:attrNameLst>
-                                          <p:attrName>style.visibility</p:attrName>
-                                        </p:attrNameLst>
-                                      </p:cBhvr>
-                                      <p:to>
-                                        <p:strVal val="visible"/>
-                                      </p:to>
-                                    </p:set>
-                                  </p:childTnLst>
-                                </p:cTn>
-                              </p:par>
-                            </p:childTnLst>
-                          </p:cTn>
-                        </p:par>
-                        <p:par>
-                          <p:cTn id="34" fill="hold">
-                            <p:stCondLst>
-                              <p:cond delay="6000"/>
-                            </p:stCondLst>
-                            <p:childTnLst>
-                              <p:par>
-                                <p:cTn id="35" presetID="42" presetClass="path" presetSubtype="0" accel="50000" decel="50000" fill="hold" grpId="0" nodeType="afterEffect">
-                                  <p:stCondLst>
-                                    <p:cond delay="0"/>
-                                  </p:stCondLst>
-                                  <p:childTnLst>
-                                    <p:animMotion origin="layout" path="M -3.125E-6 0.00486 L 0.34271 0.00185 " pathEditMode="relative" rAng="0" ptsTypes="AA">
-                                      <p:cBhvr>
-                                        <p:cTn id="36" dur="2000" fill="hold"/>
-                                        <p:tgtEl>
-                                          <p:spTgt spid="21"/>
-                                        </p:tgtEl>
-                                        <p:attrNameLst>
-                                          <p:attrName>ppt_x</p:attrName>
-                                          <p:attrName>ppt_y</p:attrName>
-                                        </p:attrNameLst>
-                                      </p:cBhvr>
-                                      <p:rCtr x="17135" y="-162"/>
-                                    </p:animMotion>
-                                  </p:childTnLst>
-                                </p:cTn>
-                              </p:par>
-                            </p:childTnLst>
-                          </p:cTn>
-                        </p:par>
-                        <p:par>
-                          <p:cTn id="37" fill="hold">
-                            <p:stCondLst>
-                              <p:cond delay="8000"/>
-                            </p:stCondLst>
-                            <p:childTnLst>
-                              <p:par>
-                                <p:cTn id="38" presetID="1" presetClass="exit" presetSubtype="0" fill="hold" grpId="1" nodeType="afterEffect">
-                                  <p:stCondLst>
-                                    <p:cond delay="0"/>
-                                  </p:stCondLst>
-                                  <p:childTnLst>
-                                    <p:set>
-                                      <p:cBhvr>
-                                        <p:cTn id="39" dur="1" fill="hold">
-                                          <p:stCondLst>
-                                            <p:cond delay="0"/>
-                                          </p:stCondLst>
-                                        </p:cTn>
-                                        <p:tgtEl>
-                                          <p:spTgt spid="21"/>
-                                        </p:tgtEl>
-                                        <p:attrNameLst>
-                                          <p:attrName>style.visibility</p:attrName>
-                                        </p:attrNameLst>
-                                      </p:cBhvr>
-                                      <p:to>
-                                        <p:strVal val="hidden"/>
-                                      </p:to>
-                                    </p:set>
-                                  </p:childTnLst>
-                                </p:cTn>
-                              </p:par>
-                            </p:childTnLst>
-                          </p:cTn>
-                        </p:par>
-                      </p:childTnLst>
-                    </p:cTn>
-                  </p:par>
-                </p:childTnLst>
-              </p:cTn>
-              <p:prevCondLst>
-                <p:cond evt="onPrev" delay="0">
-                  <p:tgtEl>
-                    <p:sldTgt/>
-                  </p:tgtEl>
-                </p:cond>
-              </p:prevCondLst>
-              <p:nextCondLst>
-                <p:cond evt="onNext" delay="0">
-                  <p:tgtEl>
-                    <p:sldTgt/>
-                  </p:tgtEl>
-                </p:cond>
-              </p:nextCondLst>
-            </p:seq>
-          </p:childTnLst>
-        </p:cTn>
-      </p:par>
-    </p:tnLst>
-    <p:bldLst>
-      <p:bldP spid="16" grpId="0" animBg="1"/>
-      <p:bldP spid="16" grpId="1" animBg="1"/>
-      <p:bldP spid="16" grpId="2" animBg="1"/>
-      <p:bldP spid="19" grpId="0" animBg="1"/>
-      <p:bldP spid="19" grpId="1" animBg="1"/>
-      <p:bldP spid="19" grpId="2" animBg="1"/>
-      <p:bldP spid="20" grpId="0" animBg="1"/>
-      <p:bldP spid="20" grpId="1" animBg="1"/>
-      <p:bldP spid="20" grpId="2" animBg="1"/>
-      <p:bldP spid="21" grpId="0" animBg="1"/>
-      <p:bldP spid="21" grpId="1" animBg="1"/>
-      <p:bldP spid="21" grpId="2" animBg="1"/>
-    </p:bldLst>
-  </p:timing>
 </p:sld>
 </file>
 
@@ -24814,7 +26108,7 @@
           <p:cNvPr id="2" name="Title 1">
             <a:extLst>
               <a:ext uri="{FF2B5EF4-FFF2-40B4-BE49-F238E27FC236}">
-                <a16:creationId xmlns:a16="http://schemas.microsoft.com/office/drawing/2014/main" id="{1A73CB3B-C534-5AF7-3194-DE503108FE5C}"/>
+                <a16:creationId xmlns:a16="http://schemas.microsoft.com/office/drawing/2014/main" id="{EDEA08D6-5173-4468-4BFD-63682029CC10}"/>
               </a:ext>
             </a:extLst>
           </p:cNvPr>
@@ -24831,109 +26125,67 @@
           <a:lstStyle/>
           <a:p>
             <a:r>
-              <a:rPr lang="lv-LV" dirty="0"/>
-              <a:t>Otsu Thresholding</a:t>
+              <a:rPr lang="de-DE" dirty="0"/>
+              <a:t>Challenges: N2DH-GOWT1</a:t>
             </a:r>
-            <a:endParaRPr lang="en-US" dirty="0"/>
           </a:p>
         </p:txBody>
       </p:sp>
-      <p:graphicFrame>
-        <p:nvGraphicFramePr>
-          <p:cNvPr id="13" name="Content Placeholder 12">
+      <p:pic>
+        <p:nvPicPr>
+          <p:cNvPr id="4" name="Content Placeholder 3">
             <a:extLst>
               <a:ext uri="{FF2B5EF4-FFF2-40B4-BE49-F238E27FC236}">
-                <a16:creationId xmlns:a16="http://schemas.microsoft.com/office/drawing/2014/main" id="{2585629B-5A35-4616-7E95-9592C5683D6B}"/>
+                <a16:creationId xmlns:a16="http://schemas.microsoft.com/office/drawing/2014/main" id="{E37F98BC-E1C9-C4D6-54E9-CF7B07A10E0A}"/>
               </a:ext>
             </a:extLst>
           </p:cNvPr>
-          <p:cNvGraphicFramePr>
-            <a:graphicFrameLocks noGrp="1"/>
-          </p:cNvGraphicFramePr>
+          <p:cNvPicPr>
+            <a:picLocks noGrp="1" noChangeAspect="1"/>
+          </p:cNvPicPr>
           <p:nvPr>
             <p:ph idx="1"/>
-            <p:extLst>
-              <p:ext uri="{D42A27DB-BD31-4B8C-83A1-F6EECF244321}">
-                <p14:modId xmlns:p14="http://schemas.microsoft.com/office/powerpoint/2010/main" val="2390944973"/>
-              </p:ext>
-            </p:extLst>
           </p:nvPr>
-        </p:nvGraphicFramePr>
-        <p:xfrm>
-          <a:off x="2579915" y="1992086"/>
-          <a:ext cx="6248400" cy="4147457"/>
-        </p:xfrm>
-        <a:graphic>
-          <a:graphicData uri="http://schemas.openxmlformats.org/drawingml/2006/diagram">
-            <dgm:relIds xmlns:dgm="http://schemas.openxmlformats.org/drawingml/2006/diagram" xmlns:r="http://schemas.openxmlformats.org/officeDocument/2006/relationships" r:dm="rId2" r:lo="rId3" r:qs="rId4" r:cs="rId5"/>
-          </a:graphicData>
-        </a:graphic>
-      </p:graphicFrame>
-    </p:spTree>
-    <p:extLst>
-      <p:ext uri="{BB962C8B-B14F-4D97-AF65-F5344CB8AC3E}">
-        <p14:creationId xmlns:p14="http://schemas.microsoft.com/office/powerpoint/2010/main" val="1279212379"/>
-      </p:ext>
-    </p:extLst>
-  </p:cSld>
-  <p:clrMapOvr>
-    <a:masterClrMapping/>
-  </p:clrMapOvr>
-</p:sld>
-</file>
-
-<file path=ppt/slides/slide8.xml><?xml version="1.0" encoding="utf-8"?>
-<p:sld xmlns:a="http://schemas.openxmlformats.org/drawingml/2006/main" xmlns:r="http://schemas.openxmlformats.org/officeDocument/2006/relationships" xmlns:p="http://schemas.openxmlformats.org/presentationml/2006/main">
-  <p:cSld>
-    <p:bg>
-      <p:bgPr>
-        <a:solidFill>
-          <a:schemeClr val="bg1"/>
-        </a:solidFill>
-        <a:effectLst/>
-      </p:bgPr>
-    </p:bg>
-    <p:spTree>
-      <p:nvGrpSpPr>
-        <p:cNvPr id="1" name=""/>
-        <p:cNvGrpSpPr/>
-        <p:nvPr/>
-      </p:nvGrpSpPr>
-      <p:grpSpPr>
-        <a:xfrm>
-          <a:off x="0" y="0"/>
-          <a:ext cx="0" cy="0"/>
-          <a:chOff x="0" y="0"/>
-          <a:chExt cx="0" cy="0"/>
-        </a:xfrm>
-      </p:grpSpPr>
-      <p:sp useBgFill="1">
-        <p:nvSpPr>
-          <p:cNvPr id="8" name="Rectangle 7">
+        </p:nvPicPr>
+        <p:blipFill>
+          <a:blip r:embed="rId2"/>
+          <a:stretch>
+            <a:fillRect/>
+          </a:stretch>
+        </p:blipFill>
+        <p:spPr>
+          <a:xfrm>
+            <a:off x="991737" y="2238582"/>
+            <a:ext cx="3833021" cy="3827735"/>
+          </a:xfrm>
+          <a:prstGeom prst="rect">
+            <a:avLst/>
+          </a:prstGeom>
+        </p:spPr>
+      </p:pic>
+      <p:pic>
+        <p:nvPicPr>
+          <p:cNvPr id="16" name="Content Placeholder 3" descr="Background pattern&#10;&#10;Description automatically generated">
             <a:extLst>
               <a:ext uri="{FF2B5EF4-FFF2-40B4-BE49-F238E27FC236}">
-                <a16:creationId xmlns:a16="http://schemas.microsoft.com/office/drawing/2014/main" id="{CECF0FC6-D57B-48B6-9036-F4FFD91A4B34}"/>
-              </a:ext>
-              <a:ext uri="{C183D7F6-B498-43B3-948B-1728B52AA6E4}">
-                <adec:decorative xmlns:adec="http://schemas.microsoft.com/office/drawing/2017/decorative" val="1"/>
+                <a16:creationId xmlns:a16="http://schemas.microsoft.com/office/drawing/2014/main" id="{9E038BC4-7F86-1D1A-5D02-450913679688}"/>
               </a:ext>
             </a:extLst>
           </p:cNvPr>
-          <p:cNvSpPr>
-            <a:spLocks noGrp="1" noRot="1" noChangeAspect="1" noMove="1" noResize="1" noEditPoints="1" noAdjustHandles="1" noChangeArrowheads="1" noChangeShapeType="1" noTextEdit="1"/>
-          </p:cNvSpPr>
-          <p:nvPr>
-            <p:extLst>
-              <p:ext uri="{386F3935-93C4-4BCD-93E2-E3B085C9AB24}">
-                <p16:designElem xmlns:p16="http://schemas.microsoft.com/office/powerpoint/2015/main" val="1"/>
-              </p:ext>
-            </p:extLst>
-          </p:nvPr>
-        </p:nvSpPr>
-        <p:spPr>
+          <p:cNvPicPr>
+            <a:picLocks noChangeAspect="1"/>
+          </p:cNvPicPr>
+          <p:nvPr/>
+        </p:nvPicPr>
+        <p:blipFill rotWithShape="1">
+          <a:blip r:embed="rId2"/>
+          <a:srcRect l="6443" t="3229" r="70493" b="81133"/>
+          <a:stretch/>
+        </p:blipFill>
+        <p:spPr bwMode="auto">
           <a:xfrm>
-            <a:off x="0" y="0"/>
-            <a:ext cx="12186315" cy="6858000"/>
+            <a:off x="7281181" y="2195936"/>
+            <a:ext cx="2874072" cy="1945697"/>
           </a:xfrm>
           <a:prstGeom prst="rect">
             <a:avLst/>
@@ -24941,113 +26193,33 @@
           <a:ln>
             <a:noFill/>
           </a:ln>
+          <a:extLst>
+            <a:ext uri="{53640926-AAD7-44D8-BBD7-CCE9431645EC}">
+              <a14:shadowObscured xmlns:a14="http://schemas.microsoft.com/office/drawing/2010/main"/>
+            </a:ext>
+          </a:extLst>
         </p:spPr>
-        <p:style>
-          <a:lnRef idx="2">
-            <a:schemeClr val="accent6">
-              <a:shade val="50000"/>
-            </a:schemeClr>
-          </a:lnRef>
-          <a:fillRef idx="1001">
-            <a:schemeClr val="lt1"/>
-          </a:fillRef>
-          <a:effectRef idx="0">
-            <a:schemeClr val="accent6"/>
-          </a:effectRef>
-          <a:fontRef idx="minor">
-            <a:schemeClr val="lt1"/>
-          </a:fontRef>
-        </p:style>
-        <p:txBody>
-          <a:bodyPr rtlCol="0" anchor="ctr"/>
-          <a:lstStyle/>
-          <a:p>
-            <a:pPr algn="ctr"/>
-            <a:endParaRPr lang="en-US"/>
-          </a:p>
-        </p:txBody>
-      </p:sp>
+      </p:pic>
       <p:sp>
         <p:nvSpPr>
-          <p:cNvPr id="2" name="Title 1">
+          <p:cNvPr id="17" name="Arrow: Right 16">
             <a:extLst>
               <a:ext uri="{FF2B5EF4-FFF2-40B4-BE49-F238E27FC236}">
-                <a16:creationId xmlns:a16="http://schemas.microsoft.com/office/drawing/2014/main" id="{0974F90C-CE64-FB4B-2D66-570D0C2D794B}"/>
+                <a16:creationId xmlns:a16="http://schemas.microsoft.com/office/drawing/2014/main" id="{2506B57B-0502-D677-FA8B-5C8A4E0955BD}"/>
               </a:ext>
             </a:extLst>
           </p:cNvPr>
-          <p:cNvSpPr>
-            <a:spLocks noGrp="1"/>
-          </p:cNvSpPr>
-          <p:nvPr>
-            <p:ph type="title"/>
-          </p:nvPr>
+          <p:cNvSpPr/>
+          <p:nvPr/>
         </p:nvSpPr>
         <p:spPr>
           <a:xfrm>
-            <a:off x="990932" y="286603"/>
-            <a:ext cx="6750987" cy="1450757"/>
+            <a:off x="5437761" y="2908569"/>
+            <a:ext cx="1047345" cy="520430"/>
           </a:xfrm>
-        </p:spPr>
-        <p:txBody>
-          <a:bodyPr>
-            <a:normAutofit/>
-          </a:bodyPr>
-          <a:lstStyle/>
-          <a:p>
-            <a:r>
-              <a:rPr lang="lv-LV" dirty="0">
-                <a:solidFill>
-                  <a:schemeClr val="accent1"/>
-                </a:solidFill>
-              </a:rPr>
-              <a:t>Dice Score Coefficient</a:t>
-            </a:r>
-            <a:endParaRPr lang="de-DE" dirty="0">
-              <a:solidFill>
-                <a:schemeClr val="accent1"/>
-              </a:solidFill>
-            </a:endParaRPr>
-          </a:p>
-        </p:txBody>
-      </p:sp>
-      <p:sp>
-        <p:nvSpPr>
-          <p:cNvPr id="10" name="Rectangle 9">
-            <a:extLst>
-              <a:ext uri="{FF2B5EF4-FFF2-40B4-BE49-F238E27FC236}">
-                <a16:creationId xmlns:a16="http://schemas.microsoft.com/office/drawing/2014/main" id="{717A211C-5863-4303-AC3D-AEBFDF6D6A4C}"/>
-              </a:ext>
-              <a:ext uri="{C183D7F6-B498-43B3-948B-1728B52AA6E4}">
-                <adec:decorative xmlns:adec="http://schemas.microsoft.com/office/drawing/2017/decorative" val="1"/>
-              </a:ext>
-            </a:extLst>
-          </p:cNvPr>
-          <p:cNvSpPr>
-            <a:spLocks noGrp="1" noRot="1" noChangeAspect="1" noMove="1" noResize="1" noEditPoints="1" noAdjustHandles="1" noChangeArrowheads="1" noChangeShapeType="1" noTextEdit="1"/>
-          </p:cNvSpPr>
-          <p:nvPr>
-            <p:extLst>
-              <p:ext uri="{386F3935-93C4-4BCD-93E2-E3B085C9AB24}">
-                <p16:designElem xmlns:p16="http://schemas.microsoft.com/office/powerpoint/2015/main" val="1"/>
-              </p:ext>
-            </p:extLst>
-          </p:nvPr>
-        </p:nvSpPr>
-        <p:spPr>
-          <a:xfrm>
-            <a:off x="8144150" y="-1"/>
-            <a:ext cx="4050791" cy="6857999"/>
-          </a:xfrm>
-          <a:prstGeom prst="rect">
+          <a:prstGeom prst="rightArrow">
             <a:avLst/>
           </a:prstGeom>
-          <a:solidFill>
-            <a:schemeClr val="accent1"/>
-          </a:solidFill>
-          <a:ln>
-            <a:noFill/>
-          </a:ln>
         </p:spPr>
         <p:style>
           <a:lnRef idx="2">
@@ -25065,44 +26237,249 @@
             <a:schemeClr val="lt1"/>
           </a:fontRef>
         </p:style>
+        <p:txBody>
+          <a:bodyPr rtlCol="0" anchor="ctr"/>
+          <a:lstStyle/>
+          <a:p>
+            <a:pPr algn="ctr"/>
+            <a:endParaRPr lang="de-DE"/>
+          </a:p>
+        </p:txBody>
       </p:sp>
       <p:sp>
         <p:nvSpPr>
-          <p:cNvPr id="12" name="Rectangle 11">
+          <p:cNvPr id="18" name="TextBox 17">
             <a:extLst>
               <a:ext uri="{FF2B5EF4-FFF2-40B4-BE49-F238E27FC236}">
-                <a16:creationId xmlns:a16="http://schemas.microsoft.com/office/drawing/2014/main" id="{70FA2369-10B3-4A99-93ED-036A92FD9C47}"/>
+                <a16:creationId xmlns:a16="http://schemas.microsoft.com/office/drawing/2014/main" id="{5D06BE8E-03D2-24E4-89F1-B8CB93D545B7}"/>
               </a:ext>
-              <a:ext uri="{C183D7F6-B498-43B3-948B-1728B52AA6E4}">
-                <adec:decorative xmlns:adec="http://schemas.microsoft.com/office/drawing/2017/decorative" val="1"/>
+            </a:extLst>
+          </p:cNvPr>
+          <p:cNvSpPr txBox="1"/>
+          <p:nvPr/>
+        </p:nvSpPr>
+        <p:spPr>
+          <a:xfrm>
+            <a:off x="7072008" y="4600209"/>
+            <a:ext cx="5426089" cy="1107996"/>
+          </a:xfrm>
+          <a:prstGeom prst="rect">
+            <a:avLst/>
+          </a:prstGeom>
+          <a:noFill/>
+        </p:spPr>
+        <p:txBody>
+          <a:bodyPr wrap="square" rtlCol="0">
+            <a:spAutoFit/>
+          </a:bodyPr>
+          <a:lstStyle/>
+          <a:p>
+            <a:pPr marL="285750" indent="-285750">
+              <a:buFont typeface="Wingdings" panose="05000000000000000000" pitchFamily="2" charset="2"/>
+              <a:buChar char="§"/>
+            </a:pPr>
+            <a:r>
+              <a:rPr lang="de-DE" sz="2400" dirty="0" err="1">
+                <a:solidFill>
+                  <a:schemeClr val="tx1">
+                    <a:lumMod val="75000"/>
+                    <a:lumOff val="25000"/>
+                  </a:schemeClr>
+                </a:solidFill>
+                <a:latin typeface="Calibri" panose="020F0502020204030204" pitchFamily="34" charset="0"/>
+                <a:cs typeface="Times New Roman" panose="02020603050405020304" pitchFamily="18" charset="0"/>
+              </a:rPr>
+              <a:t>Noice</a:t>
+            </a:r>
+            <a:endParaRPr lang="de-DE" sz="2400" dirty="0">
+              <a:solidFill>
+                <a:schemeClr val="tx1">
+                  <a:lumMod val="75000"/>
+                  <a:lumOff val="25000"/>
+                </a:schemeClr>
+              </a:solidFill>
+              <a:latin typeface="Calibri" panose="020F0502020204030204" pitchFamily="34" charset="0"/>
+              <a:cs typeface="Times New Roman" panose="02020603050405020304" pitchFamily="18" charset="0"/>
+            </a:endParaRPr>
+          </a:p>
+          <a:p>
+            <a:pPr marL="285750" indent="-285750">
+              <a:buFont typeface="Wingdings" panose="05000000000000000000" pitchFamily="2" charset="2"/>
+              <a:buChar char="§"/>
+            </a:pPr>
+            <a:r>
+              <a:rPr lang="de-DE" sz="2400" dirty="0">
+                <a:solidFill>
+                  <a:schemeClr val="tx1">
+                    <a:lumMod val="75000"/>
+                    <a:lumOff val="25000"/>
+                  </a:schemeClr>
+                </a:solidFill>
+                <a:latin typeface="Calibri" panose="020F0502020204030204" pitchFamily="34" charset="0"/>
+                <a:cs typeface="Times New Roman" panose="02020603050405020304" pitchFamily="18" charset="0"/>
+              </a:rPr>
+              <a:t>Holes</a:t>
+            </a:r>
+            <a:r>
+              <a:rPr lang="de-DE" dirty="0"/>
+              <a:t> </a:t>
+            </a:r>
+          </a:p>
+          <a:p>
+            <a:pPr marL="285750" indent="-285750">
+              <a:buFont typeface="Wingdings" panose="05000000000000000000" pitchFamily="2" charset="2"/>
+              <a:buChar char="§"/>
+            </a:pPr>
+            <a:endParaRPr lang="de-DE" dirty="0"/>
+          </a:p>
+        </p:txBody>
+      </p:sp>
+    </p:spTree>
+    <p:extLst>
+      <p:ext uri="{BB962C8B-B14F-4D97-AF65-F5344CB8AC3E}">
+        <p14:creationId xmlns:p14="http://schemas.microsoft.com/office/powerpoint/2010/main" val="1914082162"/>
+      </p:ext>
+    </p:extLst>
+  </p:cSld>
+  <p:clrMapOvr>
+    <a:masterClrMapping/>
+  </p:clrMapOvr>
+</p:sld>
+</file>
+
+<file path=ppt/slides/slide8.xml><?xml version="1.0" encoding="utf-8"?>
+<p:sld xmlns:a="http://schemas.openxmlformats.org/drawingml/2006/main" xmlns:r="http://schemas.openxmlformats.org/officeDocument/2006/relationships" xmlns:p="http://schemas.openxmlformats.org/presentationml/2006/main">
+  <p:cSld>
+    <p:spTree>
+      <p:nvGrpSpPr>
+        <p:cNvPr id="1" name=""/>
+        <p:cNvGrpSpPr/>
+        <p:nvPr/>
+      </p:nvGrpSpPr>
+      <p:grpSpPr>
+        <a:xfrm>
+          <a:off x="0" y="0"/>
+          <a:ext cx="0" cy="0"/>
+          <a:chOff x="0" y="0"/>
+          <a:chExt cx="0" cy="0"/>
+        </a:xfrm>
+      </p:grpSpPr>
+      <p:sp>
+        <p:nvSpPr>
+          <p:cNvPr id="2" name="Title 1">
+            <a:extLst>
+              <a:ext uri="{FF2B5EF4-FFF2-40B4-BE49-F238E27FC236}">
+                <a16:creationId xmlns:a16="http://schemas.microsoft.com/office/drawing/2014/main" id="{9273D4C3-8C1F-F6AF-48E2-CC4F6E6BA5A9}"/>
               </a:ext>
             </a:extLst>
           </p:cNvPr>
           <p:cNvSpPr>
-            <a:spLocks noGrp="1" noRot="1" noChangeAspect="1" noMove="1" noResize="1" noEditPoints="1" noAdjustHandles="1" noChangeArrowheads="1" noChangeShapeType="1" noTextEdit="1"/>
+            <a:spLocks noGrp="1"/>
           </p:cNvSpPr>
           <p:nvPr>
-            <p:extLst>
-              <p:ext uri="{386F3935-93C4-4BCD-93E2-E3B085C9AB24}">
-                <p16:designElem xmlns:p16="http://schemas.microsoft.com/office/powerpoint/2015/main" val="1"/>
-              </p:ext>
-            </p:extLst>
+            <p:ph type="title"/>
           </p:nvPr>
         </p:nvSpPr>
+        <p:spPr/>
+        <p:txBody>
+          <a:bodyPr/>
+          <a:lstStyle/>
+          <a:p>
+            <a:r>
+              <a:rPr lang="de-DE" dirty="0"/>
+              <a:t>Challenges: NIH3T3 </a:t>
+            </a:r>
+          </a:p>
+        </p:txBody>
+      </p:sp>
+      <p:pic>
+        <p:nvPicPr>
+          <p:cNvPr id="4" name="Content Placeholder 3">
+            <a:extLst>
+              <a:ext uri="{FF2B5EF4-FFF2-40B4-BE49-F238E27FC236}">
+                <a16:creationId xmlns:a16="http://schemas.microsoft.com/office/drawing/2014/main" id="{0A822EF7-F0F2-28B0-5C1F-A1384998E525}"/>
+              </a:ext>
+            </a:extLst>
+          </p:cNvPr>
+          <p:cNvPicPr>
+            <a:picLocks noGrp="1" noChangeAspect="1"/>
+          </p:cNvPicPr>
+          <p:nvPr>
+            <p:ph idx="1"/>
+          </p:nvPr>
+        </p:nvPicPr>
+        <p:blipFill rotWithShape="1">
+          <a:blip r:embed="rId2"/>
+          <a:srcRect l="4560" t="-1" r="6565" b="-1608"/>
+          <a:stretch/>
+        </p:blipFill>
         <p:spPr>
           <a:xfrm>
-            <a:off x="0" y="6400800"/>
-            <a:ext cx="12192000" cy="457200"/>
+            <a:off x="1265522" y="2127656"/>
+            <a:ext cx="4312703" cy="3760788"/>
           </a:xfrm>
           <a:prstGeom prst="rect">
             <a:avLst/>
           </a:prstGeom>
-          <a:solidFill>
-            <a:srgbClr val="262626"/>
-          </a:solidFill>
+        </p:spPr>
+      </p:pic>
+      <p:pic>
+        <p:nvPicPr>
+          <p:cNvPr id="5" name="Content Placeholder 3" descr="A picture containing text&#10;&#10;Description automatically generated">
+            <a:extLst>
+              <a:ext uri="{FF2B5EF4-FFF2-40B4-BE49-F238E27FC236}">
+                <a16:creationId xmlns:a16="http://schemas.microsoft.com/office/drawing/2014/main" id="{0A822EF7-F0F2-28B0-5C1F-A1384998E525}"/>
+              </a:ext>
+            </a:extLst>
+          </p:cNvPr>
+          <p:cNvPicPr>
+            <a:picLocks noChangeAspect="1"/>
+          </p:cNvPicPr>
+          <p:nvPr/>
+        </p:nvPicPr>
+        <p:blipFill rotWithShape="1">
+          <a:blip r:embed="rId2"/>
+          <a:srcRect l="34105" t="22262" r="38904" b="53924"/>
+          <a:stretch/>
+        </p:blipFill>
+        <p:spPr bwMode="auto">
+          <a:xfrm>
+            <a:off x="6968558" y="2127656"/>
+            <a:ext cx="2525637" cy="1698864"/>
+          </a:xfrm>
+          <a:prstGeom prst="rect">
+            <a:avLst/>
+          </a:prstGeom>
           <a:ln>
             <a:noFill/>
           </a:ln>
+          <a:extLst>
+            <a:ext uri="{53640926-AAD7-44D8-BBD7-CCE9431645EC}">
+              <a14:shadowObscured xmlns:a14="http://schemas.microsoft.com/office/drawing/2010/main"/>
+            </a:ext>
+          </a:extLst>
+        </p:spPr>
+      </p:pic>
+      <p:sp>
+        <p:nvSpPr>
+          <p:cNvPr id="6" name="Arrow: Right 5">
+            <a:extLst>
+              <a:ext uri="{FF2B5EF4-FFF2-40B4-BE49-F238E27FC236}">
+                <a16:creationId xmlns:a16="http://schemas.microsoft.com/office/drawing/2014/main" id="{05562CF0-CCA6-1DDD-995B-C3B2CBCA1DAC}"/>
+              </a:ext>
+            </a:extLst>
+          </p:cNvPr>
+          <p:cNvSpPr/>
+          <p:nvPr/>
+        </p:nvSpPr>
+        <p:spPr>
+          <a:xfrm>
+            <a:off x="5875073" y="2763079"/>
+            <a:ext cx="796637" cy="428017"/>
+          </a:xfrm>
+          <a:prstGeom prst="rightArrow">
+            <a:avLst/>
+          </a:prstGeom>
         </p:spPr>
         <p:style>
           <a:lnRef idx="2">
@@ -25120,248 +26497,19 @@
             <a:schemeClr val="lt1"/>
           </a:fontRef>
         </p:style>
-      </p:sp>
-      <p:sp>
-        <p:nvSpPr>
-          <p:cNvPr id="5" name="Rectangle 4">
-            <a:extLst>
-              <a:ext uri="{FF2B5EF4-FFF2-40B4-BE49-F238E27FC236}">
-                <a16:creationId xmlns:a16="http://schemas.microsoft.com/office/drawing/2014/main" id="{FB1B1E9B-BF76-46CA-46EA-825F8E9E4019}"/>
-              </a:ext>
-            </a:extLst>
-          </p:cNvPr>
-          <p:cNvSpPr/>
-          <p:nvPr/>
-        </p:nvSpPr>
-        <p:spPr>
-          <a:xfrm>
-            <a:off x="8335140" y="833120"/>
-            <a:ext cx="3608850" cy="4701661"/>
-          </a:xfrm>
-          <a:prstGeom prst="rect">
-            <a:avLst/>
-          </a:prstGeom>
-        </p:spPr>
-        <p:style>
-          <a:lnRef idx="2">
-            <a:schemeClr val="dk1"/>
-          </a:lnRef>
-          <a:fillRef idx="1">
-            <a:schemeClr val="lt1"/>
-          </a:fillRef>
-          <a:effectRef idx="0">
-            <a:schemeClr val="dk1"/>
-          </a:effectRef>
-          <a:fontRef idx="minor">
-            <a:schemeClr val="dk1"/>
-          </a:fontRef>
-        </p:style>
         <p:txBody>
           <a:bodyPr rtlCol="0" anchor="ctr"/>
           <a:lstStyle/>
           <a:p>
             <a:pPr algn="ctr"/>
-            <a:r>
-              <a:rPr lang="lv-LV" dirty="0"/>
-              <a:t>Kurzerklaerung was TP, FP usw ist also</a:t>
-            </a:r>
-          </a:p>
-          <a:p>
-            <a:pPr algn="ctr"/>
-            <a:r>
-              <a:rPr lang="lv-LV" dirty="0"/>
-              <a:t>gt = ground truth; pt = post tresholding</a:t>
-            </a:r>
-          </a:p>
-          <a:p>
-            <a:r>
-              <a:rPr lang="lv-LV" dirty="0"/>
-              <a:t>TP : Both pixels white</a:t>
-            </a:r>
-          </a:p>
-          <a:p>
-            <a:r>
-              <a:rPr lang="lv-LV" dirty="0"/>
-              <a:t>FP : gt pixel black, pt pixel white</a:t>
-            </a:r>
-          </a:p>
-          <a:p>
-            <a:r>
-              <a:rPr lang="lv-LV" dirty="0"/>
-              <a:t>TN : both pixels black</a:t>
-            </a:r>
-          </a:p>
-          <a:p>
-            <a:r>
-              <a:rPr lang="lv-LV" dirty="0"/>
-              <a:t>FN : gt pixel white, pt pixel black</a:t>
-            </a:r>
-            <a:endParaRPr lang="en-US" dirty="0"/>
-          </a:p>
-        </p:txBody>
-      </p:sp>
-      <p:sp>
-        <p:nvSpPr>
-          <p:cNvPr id="6" name="TextBox 5">
-            <a:extLst>
-              <a:ext uri="{FF2B5EF4-FFF2-40B4-BE49-F238E27FC236}">
-                <a16:creationId xmlns:a16="http://schemas.microsoft.com/office/drawing/2014/main" id="{27E798AF-A854-2C41-E0E3-342D3454FBA9}"/>
-              </a:ext>
-            </a:extLst>
-          </p:cNvPr>
-          <p:cNvSpPr txBox="1"/>
-          <p:nvPr/>
-        </p:nvSpPr>
-        <p:spPr>
-          <a:xfrm>
-            <a:off x="927389" y="5002084"/>
-            <a:ext cx="3575569" cy="646331"/>
-          </a:xfrm>
-          <a:prstGeom prst="rect">
-            <a:avLst/>
-          </a:prstGeom>
-          <a:noFill/>
-        </p:spPr>
-        <p:txBody>
-          <a:bodyPr wrap="square" rtlCol="0">
-            <a:spAutoFit/>
-          </a:bodyPr>
-          <a:lstStyle/>
-          <a:p>
-            <a:r>
-              <a:rPr lang="lv-LV" dirty="0"/>
-              <a:t>Tresholding using online tool </a:t>
-            </a:r>
-          </a:p>
-          <a:p>
-            <a:r>
-              <a:rPr lang="lv-LV" dirty="0"/>
-              <a:t>(</a:t>
-            </a:r>
-            <a:r>
-              <a:rPr lang="en-US" dirty="0"/>
-              <a:t> </a:t>
-            </a:r>
-            <a:r>
-              <a:rPr lang="lv-LV" dirty="0"/>
-              <a:t>imageonline.co)</a:t>
-            </a:r>
-            <a:endParaRPr lang="en-US" dirty="0"/>
-          </a:p>
-        </p:txBody>
-      </p:sp>
-      <p:pic>
-        <p:nvPicPr>
-          <p:cNvPr id="19" name="Picture 18" descr="Background pattern&#10;&#10;Description automatically generated">
-            <a:extLst>
-              <a:ext uri="{FF2B5EF4-FFF2-40B4-BE49-F238E27FC236}">
-                <a16:creationId xmlns:a16="http://schemas.microsoft.com/office/drawing/2014/main" id="{52B2E21B-275B-BD5E-6FBF-4B8CD180C58D}"/>
-              </a:ext>
-            </a:extLst>
-          </p:cNvPr>
-          <p:cNvPicPr>
-            <a:picLocks noChangeAspect="1"/>
-          </p:cNvPicPr>
-          <p:nvPr/>
-        </p:nvPicPr>
-        <p:blipFill>
-          <a:blip r:embed="rId2">
-            <a:extLst>
-              <a:ext uri="{28A0092B-C50C-407E-A947-70E740481C1C}">
-                <a14:useLocalDpi xmlns:a14="http://schemas.microsoft.com/office/drawing/2010/main" val="0"/>
-              </a:ext>
-            </a:extLst>
-          </a:blip>
-          <a:stretch>
-            <a:fillRect/>
-          </a:stretch>
-        </p:blipFill>
-        <p:spPr>
-          <a:xfrm>
-            <a:off x="4502958" y="2472872"/>
-            <a:ext cx="3180397" cy="2423160"/>
-          </a:xfrm>
-          <a:prstGeom prst="rect">
-            <a:avLst/>
-          </a:prstGeom>
-        </p:spPr>
-      </p:pic>
-      <p:pic>
-        <p:nvPicPr>
-          <p:cNvPr id="21" name="Picture 20" descr="Background pattern&#10;&#10;Description automatically generated">
-            <a:extLst>
-              <a:ext uri="{FF2B5EF4-FFF2-40B4-BE49-F238E27FC236}">
-                <a16:creationId xmlns:a16="http://schemas.microsoft.com/office/drawing/2014/main" id="{D4AEB0C3-95B7-F7E2-D7A2-07DAED27BE3E}"/>
-              </a:ext>
-            </a:extLst>
-          </p:cNvPr>
-          <p:cNvPicPr>
-            <a:picLocks noChangeAspect="1"/>
-          </p:cNvPicPr>
-          <p:nvPr/>
-        </p:nvPicPr>
-        <p:blipFill>
-          <a:blip r:embed="rId3">
-            <a:extLst>
-              <a:ext uri="{28A0092B-C50C-407E-A947-70E740481C1C}">
-                <a14:useLocalDpi xmlns:a14="http://schemas.microsoft.com/office/drawing/2010/main" val="0"/>
-              </a:ext>
-            </a:extLst>
-          </a:blip>
-          <a:stretch>
-            <a:fillRect/>
-          </a:stretch>
-        </p:blipFill>
-        <p:spPr>
-          <a:xfrm>
-            <a:off x="1023897" y="2472872"/>
-            <a:ext cx="3180397" cy="2423160"/>
-          </a:xfrm>
-          <a:prstGeom prst="rect">
-            <a:avLst/>
-          </a:prstGeom>
-        </p:spPr>
-      </p:pic>
-      <p:sp>
-        <p:nvSpPr>
-          <p:cNvPr id="22" name="TextBox 21">
-            <a:extLst>
-              <a:ext uri="{FF2B5EF4-FFF2-40B4-BE49-F238E27FC236}">
-                <a16:creationId xmlns:a16="http://schemas.microsoft.com/office/drawing/2014/main" id="{CA56A7A5-0F00-B257-3640-6123C222FCE3}"/>
-              </a:ext>
-            </a:extLst>
-          </p:cNvPr>
-          <p:cNvSpPr txBox="1"/>
-          <p:nvPr/>
-        </p:nvSpPr>
-        <p:spPr>
-          <a:xfrm>
-            <a:off x="4494332" y="5056561"/>
-            <a:ext cx="3180397" cy="369332"/>
-          </a:xfrm>
-          <a:prstGeom prst="rect">
-            <a:avLst/>
-          </a:prstGeom>
-          <a:noFill/>
-        </p:spPr>
-        <p:txBody>
-          <a:bodyPr wrap="square" rtlCol="0">
-            <a:spAutoFit/>
-          </a:bodyPr>
-          <a:lstStyle/>
-          <a:p>
-            <a:r>
-              <a:rPr lang="lv-LV" dirty="0"/>
-              <a:t>Ground truth picture</a:t>
-            </a:r>
-            <a:endParaRPr lang="en-US" dirty="0"/>
+            <a:endParaRPr lang="de-DE" dirty="0"/>
           </a:p>
         </p:txBody>
       </p:sp>
     </p:spTree>
     <p:extLst>
       <p:ext uri="{BB962C8B-B14F-4D97-AF65-F5344CB8AC3E}">
-        <p14:creationId xmlns:p14="http://schemas.microsoft.com/office/powerpoint/2010/main" val="2455599885"/>
+        <p14:creationId xmlns:p14="http://schemas.microsoft.com/office/powerpoint/2010/main" val="1185598260"/>
       </p:ext>
     </p:extLst>
   </p:cSld>
@@ -25393,7 +26541,7 @@
           <p:cNvPr id="2" name="Title 1">
             <a:extLst>
               <a:ext uri="{FF2B5EF4-FFF2-40B4-BE49-F238E27FC236}">
-                <a16:creationId xmlns:a16="http://schemas.microsoft.com/office/drawing/2014/main" id="{1B25104E-AFD1-C198-F41C-FDB6A9E62CAD}"/>
+                <a16:creationId xmlns:a16="http://schemas.microsoft.com/office/drawing/2014/main" id="{DE9B76E0-92A1-76AA-4919-E2AE32246A06}"/>
               </a:ext>
             </a:extLst>
           </p:cNvPr>
@@ -25406,141 +26554,52 @@
         </p:nvSpPr>
         <p:spPr/>
         <p:txBody>
-          <a:bodyPr>
-            <a:normAutofit fontScale="90000"/>
-          </a:bodyPr>
+          <a:bodyPr/>
           <a:lstStyle/>
           <a:p>
             <a:r>
-              <a:rPr lang="lv-LV" dirty="0"/>
-              <a:t>Eulers rings normal version and dice score #muss noch ueberlegen wie genau ich es mache also in what order</a:t>
+              <a:rPr lang="de-DE" dirty="0"/>
+              <a:t>Challenges: N2DL-HeLa </a:t>
             </a:r>
-            <a:endParaRPr lang="en-US" dirty="0"/>
           </a:p>
         </p:txBody>
       </p:sp>
-      <p:sp>
-        <p:nvSpPr>
-          <p:cNvPr id="3" name="Content Placeholder 2">
+      <p:pic>
+        <p:nvPicPr>
+          <p:cNvPr id="4" name="Content Placeholder 3">
             <a:extLst>
               <a:ext uri="{FF2B5EF4-FFF2-40B4-BE49-F238E27FC236}">
-                <a16:creationId xmlns:a16="http://schemas.microsoft.com/office/drawing/2014/main" id="{43593FB1-BA55-C54C-FF00-C4BB352C16F0}"/>
+                <a16:creationId xmlns:a16="http://schemas.microsoft.com/office/drawing/2014/main" id="{CAD7CDE5-7B73-A40E-7806-2FF808E552CD}"/>
               </a:ext>
             </a:extLst>
           </p:cNvPr>
-          <p:cNvSpPr>
-            <a:spLocks noGrp="1"/>
-          </p:cNvSpPr>
+          <p:cNvPicPr>
+            <a:picLocks noGrp="1" noChangeAspect="1"/>
+          </p:cNvPicPr>
           <p:nvPr>
             <p:ph idx="1"/>
           </p:nvPr>
-        </p:nvSpPr>
-        <p:spPr/>
-        <p:txBody>
-          <a:bodyPr/>
-          <a:lstStyle/>
-          <a:p>
-            <a:pPr marL="0" indent="0">
-              <a:buNone/>
-            </a:pPr>
-            <a:endParaRPr lang="en-US" dirty="0"/>
-          </a:p>
-        </p:txBody>
-      </p:sp>
-      <p:sp>
-        <p:nvSpPr>
-          <p:cNvPr id="4" name="Oval 3">
-            <a:extLst>
-              <a:ext uri="{FF2B5EF4-FFF2-40B4-BE49-F238E27FC236}">
-                <a16:creationId xmlns:a16="http://schemas.microsoft.com/office/drawing/2014/main" id="{C820744B-0CC5-18A1-DD73-908B806441FD}"/>
-              </a:ext>
-            </a:extLst>
-          </p:cNvPr>
-          <p:cNvSpPr/>
-          <p:nvPr/>
-        </p:nvSpPr>
+        </p:nvPicPr>
+        <p:blipFill>
+          <a:blip r:embed="rId2"/>
+          <a:stretch>
+            <a:fillRect/>
+          </a:stretch>
+        </p:blipFill>
         <p:spPr>
           <a:xfrm>
-            <a:off x="2905760" y="2159845"/>
-            <a:ext cx="3657600" cy="3657600"/>
+            <a:off x="703334" y="2283298"/>
+            <a:ext cx="5392666" cy="3446294"/>
           </a:xfrm>
-          <a:prstGeom prst="ellipse">
+          <a:prstGeom prst="rect">
             <a:avLst/>
           </a:prstGeom>
-          <a:noFill/>
         </p:spPr>
-        <p:style>
-          <a:lnRef idx="2">
-            <a:schemeClr val="dk1"/>
-          </a:lnRef>
-          <a:fillRef idx="1">
-            <a:schemeClr val="lt1"/>
-          </a:fillRef>
-          <a:effectRef idx="0">
-            <a:schemeClr val="dk1"/>
-          </a:effectRef>
-          <a:fontRef idx="minor">
-            <a:schemeClr val="dk1"/>
-          </a:fontRef>
-        </p:style>
-        <p:txBody>
-          <a:bodyPr rtlCol="0" anchor="ctr"/>
-          <a:lstStyle/>
-          <a:p>
-            <a:pPr algn="ctr"/>
-            <a:endParaRPr lang="en-US"/>
-          </a:p>
-        </p:txBody>
-      </p:sp>
-      <p:sp>
-        <p:nvSpPr>
-          <p:cNvPr id="6" name="Oval 5">
-            <a:extLst>
-              <a:ext uri="{FF2B5EF4-FFF2-40B4-BE49-F238E27FC236}">
-                <a16:creationId xmlns:a16="http://schemas.microsoft.com/office/drawing/2014/main" id="{7458756F-BEF0-7FA2-3EBB-0169F1411108}"/>
-              </a:ext>
-            </a:extLst>
-          </p:cNvPr>
-          <p:cNvSpPr/>
-          <p:nvPr/>
-        </p:nvSpPr>
-        <p:spPr>
-          <a:xfrm>
-            <a:off x="4947920" y="2134023"/>
-            <a:ext cx="3738880" cy="3709245"/>
-          </a:xfrm>
-          <a:prstGeom prst="ellipse">
-            <a:avLst/>
-          </a:prstGeom>
-          <a:noFill/>
-        </p:spPr>
-        <p:style>
-          <a:lnRef idx="2">
-            <a:schemeClr val="dk1"/>
-          </a:lnRef>
-          <a:fillRef idx="1">
-            <a:schemeClr val="lt1"/>
-          </a:fillRef>
-          <a:effectRef idx="0">
-            <a:schemeClr val="dk1"/>
-          </a:effectRef>
-          <a:fontRef idx="minor">
-            <a:schemeClr val="dk1"/>
-          </a:fontRef>
-        </p:style>
-        <p:txBody>
-          <a:bodyPr rtlCol="0" anchor="ctr"/>
-          <a:lstStyle/>
-          <a:p>
-            <a:pPr algn="ctr"/>
-            <a:endParaRPr lang="en-US"/>
-          </a:p>
-        </p:txBody>
-      </p:sp>
+      </p:pic>
     </p:spTree>
     <p:extLst>
       <p:ext uri="{BB962C8B-B14F-4D97-AF65-F5344CB8AC3E}">
-        <p14:creationId xmlns:p14="http://schemas.microsoft.com/office/powerpoint/2010/main" val="3705265101"/>
+        <p14:creationId xmlns:p14="http://schemas.microsoft.com/office/powerpoint/2010/main" val="106412792"/>
       </p:ext>
     </p:extLst>
   </p:cSld>
@@ -25831,4 +26890,299 @@
     </a:ext>
   </a:extLst>
 </a:theme>
+</file>
+
+<file path=ppt/theme/theme2.xml><?xml version="1.0" encoding="utf-8"?>
+<a:theme xmlns:a="http://schemas.openxmlformats.org/drawingml/2006/main" name="Office Theme">
+  <a:themeElements>
+    <a:clrScheme name="Office">
+      <a:dk1>
+        <a:sysClr val="windowText" lastClr="000000"/>
+      </a:dk1>
+      <a:lt1>
+        <a:sysClr val="window" lastClr="FFFFFF"/>
+      </a:lt1>
+      <a:dk2>
+        <a:srgbClr val="44546A"/>
+      </a:dk2>
+      <a:lt2>
+        <a:srgbClr val="E7E6E6"/>
+      </a:lt2>
+      <a:accent1>
+        <a:srgbClr val="4472C4"/>
+      </a:accent1>
+      <a:accent2>
+        <a:srgbClr val="ED7D31"/>
+      </a:accent2>
+      <a:accent3>
+        <a:srgbClr val="A5A5A5"/>
+      </a:accent3>
+      <a:accent4>
+        <a:srgbClr val="FFC000"/>
+      </a:accent4>
+      <a:accent5>
+        <a:srgbClr val="5B9BD5"/>
+      </a:accent5>
+      <a:accent6>
+        <a:srgbClr val="70AD47"/>
+      </a:accent6>
+      <a:hlink>
+        <a:srgbClr val="0563C1"/>
+      </a:hlink>
+      <a:folHlink>
+        <a:srgbClr val="954F72"/>
+      </a:folHlink>
+    </a:clrScheme>
+    <a:fontScheme name="Office">
+      <a:majorFont>
+        <a:latin typeface="Calibri Light" panose="020F0302020204030204"/>
+        <a:ea typeface=""/>
+        <a:cs typeface=""/>
+        <a:font script="Jpan" typeface="游ゴシック Light"/>
+        <a:font script="Hang" typeface="맑은 고딕"/>
+        <a:font script="Hans" typeface="等线 Light"/>
+        <a:font script="Hant" typeface="新細明體"/>
+        <a:font script="Arab" typeface="Times New Roman"/>
+        <a:font script="Hebr" typeface="Times New Roman"/>
+        <a:font script="Thai" typeface="Angsana New"/>
+        <a:font script="Ethi" typeface="Nyala"/>
+        <a:font script="Beng" typeface="Vrinda"/>
+        <a:font script="Gujr" typeface="Shruti"/>
+        <a:font script="Khmr" typeface="MoolBoran"/>
+        <a:font script="Knda" typeface="Tunga"/>
+        <a:font script="Guru" typeface="Raavi"/>
+        <a:font script="Cans" typeface="Euphemia"/>
+        <a:font script="Cher" typeface="Plantagenet Cherokee"/>
+        <a:font script="Yiii" typeface="Microsoft Yi Baiti"/>
+        <a:font script="Tibt" typeface="Microsoft Himalaya"/>
+        <a:font script="Thaa" typeface="MV Boli"/>
+        <a:font script="Deva" typeface="Mangal"/>
+        <a:font script="Telu" typeface="Gautami"/>
+        <a:font script="Taml" typeface="Latha"/>
+        <a:font script="Syrc" typeface="Estrangelo Edessa"/>
+        <a:font script="Orya" typeface="Kalinga"/>
+        <a:font script="Mlym" typeface="Kartika"/>
+        <a:font script="Laoo" typeface="DokChampa"/>
+        <a:font script="Sinh" typeface="Iskoola Pota"/>
+        <a:font script="Mong" typeface="Mongolian Baiti"/>
+        <a:font script="Viet" typeface="Times New Roman"/>
+        <a:font script="Uigh" typeface="Microsoft Uighur"/>
+        <a:font script="Geor" typeface="Sylfaen"/>
+        <a:font script="Armn" typeface="Arial"/>
+        <a:font script="Bugi" typeface="Leelawadee UI"/>
+        <a:font script="Bopo" typeface="Microsoft JhengHei"/>
+        <a:font script="Java" typeface="Javanese Text"/>
+        <a:font script="Lisu" typeface="Segoe UI"/>
+        <a:font script="Mymr" typeface="Myanmar Text"/>
+        <a:font script="Nkoo" typeface="Ebrima"/>
+        <a:font script="Olck" typeface="Nirmala UI"/>
+        <a:font script="Osma" typeface="Ebrima"/>
+        <a:font script="Phag" typeface="Phagspa"/>
+        <a:font script="Syrn" typeface="Estrangelo Edessa"/>
+        <a:font script="Syrj" typeface="Estrangelo Edessa"/>
+        <a:font script="Syre" typeface="Estrangelo Edessa"/>
+        <a:font script="Sora" typeface="Nirmala UI"/>
+        <a:font script="Tale" typeface="Microsoft Tai Le"/>
+        <a:font script="Talu" typeface="Microsoft New Tai Lue"/>
+        <a:font script="Tfng" typeface="Ebrima"/>
+      </a:majorFont>
+      <a:minorFont>
+        <a:latin typeface="Calibri" panose="020F0502020204030204"/>
+        <a:ea typeface=""/>
+        <a:cs typeface=""/>
+        <a:font script="Jpan" typeface="游ゴシック"/>
+        <a:font script="Hang" typeface="맑은 고딕"/>
+        <a:font script="Hans" typeface="等线"/>
+        <a:font script="Hant" typeface="新細明體"/>
+        <a:font script="Arab" typeface="Arial"/>
+        <a:font script="Hebr" typeface="Arial"/>
+        <a:font script="Thai" typeface="Cordia New"/>
+        <a:font script="Ethi" typeface="Nyala"/>
+        <a:font script="Beng" typeface="Vrinda"/>
+        <a:font script="Gujr" typeface="Shruti"/>
+        <a:font script="Khmr" typeface="DaunPenh"/>
+        <a:font script="Knda" typeface="Tunga"/>
+        <a:font script="Guru" typeface="Raavi"/>
+        <a:font script="Cans" typeface="Euphemia"/>
+        <a:font script="Cher" typeface="Plantagenet Cherokee"/>
+        <a:font script="Yiii" typeface="Microsoft Yi Baiti"/>
+        <a:font script="Tibt" typeface="Microsoft Himalaya"/>
+        <a:font script="Thaa" typeface="MV Boli"/>
+        <a:font script="Deva" typeface="Mangal"/>
+        <a:font script="Telu" typeface="Gautami"/>
+        <a:font script="Taml" typeface="Latha"/>
+        <a:font script="Syrc" typeface="Estrangelo Edessa"/>
+        <a:font script="Orya" typeface="Kalinga"/>
+        <a:font script="Mlym" typeface="Kartika"/>
+        <a:font script="Laoo" typeface="DokChampa"/>
+        <a:font script="Sinh" typeface="Iskoola Pota"/>
+        <a:font script="Mong" typeface="Mongolian Baiti"/>
+        <a:font script="Viet" typeface="Arial"/>
+        <a:font script="Uigh" typeface="Microsoft Uighur"/>
+        <a:font script="Geor" typeface="Sylfaen"/>
+        <a:font script="Armn" typeface="Arial"/>
+        <a:font script="Bugi" typeface="Leelawadee UI"/>
+        <a:font script="Bopo" typeface="Microsoft JhengHei"/>
+        <a:font script="Java" typeface="Javanese Text"/>
+        <a:font script="Lisu" typeface="Segoe UI"/>
+        <a:font script="Mymr" typeface="Myanmar Text"/>
+        <a:font script="Nkoo" typeface="Ebrima"/>
+        <a:font script="Olck" typeface="Nirmala UI"/>
+        <a:font script="Osma" typeface="Ebrima"/>
+        <a:font script="Phag" typeface="Phagspa"/>
+        <a:font script="Syrn" typeface="Estrangelo Edessa"/>
+        <a:font script="Syrj" typeface="Estrangelo Edessa"/>
+        <a:font script="Syre" typeface="Estrangelo Edessa"/>
+        <a:font script="Sora" typeface="Nirmala UI"/>
+        <a:font script="Tale" typeface="Microsoft Tai Le"/>
+        <a:font script="Talu" typeface="Microsoft New Tai Lue"/>
+        <a:font script="Tfng" typeface="Ebrima"/>
+      </a:minorFont>
+    </a:fontScheme>
+    <a:fmtScheme name="Office">
+      <a:fillStyleLst>
+        <a:solidFill>
+          <a:schemeClr val="phClr"/>
+        </a:solidFill>
+        <a:gradFill rotWithShape="1">
+          <a:gsLst>
+            <a:gs pos="0">
+              <a:schemeClr val="phClr">
+                <a:lumMod val="110000"/>
+                <a:satMod val="105000"/>
+                <a:tint val="67000"/>
+              </a:schemeClr>
+            </a:gs>
+            <a:gs pos="50000">
+              <a:schemeClr val="phClr">
+                <a:lumMod val="105000"/>
+                <a:satMod val="103000"/>
+                <a:tint val="73000"/>
+              </a:schemeClr>
+            </a:gs>
+            <a:gs pos="100000">
+              <a:schemeClr val="phClr">
+                <a:lumMod val="105000"/>
+                <a:satMod val="109000"/>
+                <a:tint val="81000"/>
+              </a:schemeClr>
+            </a:gs>
+          </a:gsLst>
+          <a:lin ang="5400000" scaled="0"/>
+        </a:gradFill>
+        <a:gradFill rotWithShape="1">
+          <a:gsLst>
+            <a:gs pos="0">
+              <a:schemeClr val="phClr">
+                <a:satMod val="103000"/>
+                <a:lumMod val="102000"/>
+                <a:tint val="94000"/>
+              </a:schemeClr>
+            </a:gs>
+            <a:gs pos="50000">
+              <a:schemeClr val="phClr">
+                <a:satMod val="110000"/>
+                <a:lumMod val="100000"/>
+                <a:shade val="100000"/>
+              </a:schemeClr>
+            </a:gs>
+            <a:gs pos="100000">
+              <a:schemeClr val="phClr">
+                <a:lumMod val="99000"/>
+                <a:satMod val="120000"/>
+                <a:shade val="78000"/>
+              </a:schemeClr>
+            </a:gs>
+          </a:gsLst>
+          <a:lin ang="5400000" scaled="0"/>
+        </a:gradFill>
+      </a:fillStyleLst>
+      <a:lnStyleLst>
+        <a:ln w="6350" cap="flat" cmpd="sng" algn="ctr">
+          <a:solidFill>
+            <a:schemeClr val="phClr"/>
+          </a:solidFill>
+          <a:prstDash val="solid"/>
+          <a:miter lim="800000"/>
+        </a:ln>
+        <a:ln w="12700" cap="flat" cmpd="sng" algn="ctr">
+          <a:solidFill>
+            <a:schemeClr val="phClr"/>
+          </a:solidFill>
+          <a:prstDash val="solid"/>
+          <a:miter lim="800000"/>
+        </a:ln>
+        <a:ln w="19050" cap="flat" cmpd="sng" algn="ctr">
+          <a:solidFill>
+            <a:schemeClr val="phClr"/>
+          </a:solidFill>
+          <a:prstDash val="solid"/>
+          <a:miter lim="800000"/>
+        </a:ln>
+      </a:lnStyleLst>
+      <a:effectStyleLst>
+        <a:effectStyle>
+          <a:effectLst/>
+        </a:effectStyle>
+        <a:effectStyle>
+          <a:effectLst/>
+        </a:effectStyle>
+        <a:effectStyle>
+          <a:effectLst>
+            <a:outerShdw blurRad="57150" dist="19050" dir="5400000" algn="ctr" rotWithShape="0">
+              <a:srgbClr val="000000">
+                <a:alpha val="63000"/>
+              </a:srgbClr>
+            </a:outerShdw>
+          </a:effectLst>
+        </a:effectStyle>
+      </a:effectStyleLst>
+      <a:bgFillStyleLst>
+        <a:solidFill>
+          <a:schemeClr val="phClr"/>
+        </a:solidFill>
+        <a:solidFill>
+          <a:schemeClr val="phClr">
+            <a:tint val="95000"/>
+            <a:satMod val="170000"/>
+          </a:schemeClr>
+        </a:solidFill>
+        <a:gradFill rotWithShape="1">
+          <a:gsLst>
+            <a:gs pos="0">
+              <a:schemeClr val="phClr">
+                <a:tint val="93000"/>
+                <a:satMod val="150000"/>
+                <a:shade val="98000"/>
+                <a:lumMod val="102000"/>
+              </a:schemeClr>
+            </a:gs>
+            <a:gs pos="50000">
+              <a:schemeClr val="phClr">
+                <a:tint val="98000"/>
+                <a:satMod val="130000"/>
+                <a:shade val="90000"/>
+                <a:lumMod val="103000"/>
+              </a:schemeClr>
+            </a:gs>
+            <a:gs pos="100000">
+              <a:schemeClr val="phClr">
+                <a:shade val="63000"/>
+                <a:satMod val="120000"/>
+              </a:schemeClr>
+            </a:gs>
+          </a:gsLst>
+          <a:lin ang="5400000" scaled="0"/>
+        </a:gradFill>
+      </a:bgFillStyleLst>
+    </a:fmtScheme>
+  </a:themeElements>
+  <a:objectDefaults/>
+  <a:extraClrSchemeLst/>
+  <a:extLst>
+    <a:ext uri="{05A4C25C-085E-4340-85A3-A5531E510DB2}">
+      <thm15:themeFamily xmlns:thm15="http://schemas.microsoft.com/office/thememl/2012/main" name="Office Theme" id="{62F939B6-93AF-4DB8-9C6B-D6C7DFDC589F}" vid="{4A3C46E8-61CC-4603-A589-7422A47A8E4A}"/>
+    </a:ext>
+  </a:extLst>
+</a:theme>
 </file>
--- a/presentation/layout(2).pptx
+++ b/presentation/layout(2).pptx
@@ -4,26 +4,33 @@
   <p:sldMasterIdLst>
     <p:sldMasterId id="2147483673" r:id="rId1"/>
   </p:sldMasterIdLst>
+  <p:notesMasterIdLst>
+    <p:notesMasterId r:id="rId25"/>
+  </p:notesMasterIdLst>
   <p:sldIdLst>
     <p:sldId id="256" r:id="rId2"/>
-    <p:sldId id="257" r:id="rId3"/>
+    <p:sldId id="284" r:id="rId3"/>
     <p:sldId id="258" r:id="rId4"/>
     <p:sldId id="260" r:id="rId5"/>
     <p:sldId id="259" r:id="rId6"/>
-    <p:sldId id="272" r:id="rId7"/>
-    <p:sldId id="274" r:id="rId8"/>
-    <p:sldId id="270" r:id="rId9"/>
-    <p:sldId id="273" r:id="rId10"/>
-    <p:sldId id="275" r:id="rId11"/>
-    <p:sldId id="277" r:id="rId12"/>
-    <p:sldId id="264" r:id="rId13"/>
-    <p:sldId id="261" r:id="rId14"/>
-    <p:sldId id="263" r:id="rId15"/>
-    <p:sldId id="262" r:id="rId16"/>
-    <p:sldId id="266" r:id="rId17"/>
-    <p:sldId id="267" r:id="rId18"/>
-    <p:sldId id="268" r:id="rId19"/>
-    <p:sldId id="269" r:id="rId20"/>
+    <p:sldId id="271" r:id="rId7"/>
+    <p:sldId id="281" r:id="rId8"/>
+    <p:sldId id="282" r:id="rId9"/>
+    <p:sldId id="283" r:id="rId10"/>
+    <p:sldId id="272" r:id="rId11"/>
+    <p:sldId id="274" r:id="rId12"/>
+    <p:sldId id="270" r:id="rId13"/>
+    <p:sldId id="273" r:id="rId14"/>
+    <p:sldId id="275" r:id="rId15"/>
+    <p:sldId id="277" r:id="rId16"/>
+    <p:sldId id="264" r:id="rId17"/>
+    <p:sldId id="261" r:id="rId18"/>
+    <p:sldId id="263" r:id="rId19"/>
+    <p:sldId id="262" r:id="rId20"/>
+    <p:sldId id="266" r:id="rId21"/>
+    <p:sldId id="267" r:id="rId22"/>
+    <p:sldId id="268" r:id="rId23"/>
+    <p:sldId id="269" r:id="rId24"/>
   </p:sldIdLst>
   <p:sldSz cx="12192000" cy="6858000"/>
   <p:notesSz cx="6858000" cy="9144000"/>
@@ -6762,8 +6769,8 @@
         </a:p>
       </dgm:t>
     </dgm:pt>
-    <mc:AlternateContent xmlns:mc="http://schemas.openxmlformats.org/markup-compatibility/2006">
-      <mc:Choice xmlns:a14="http://schemas.microsoft.com/office/drawing/2010/main" Requires="a14">
+    <mc:AlternateContent xmlns:mc="http://schemas.openxmlformats.org/markup-compatibility/2006" xmlns:a14="http://schemas.microsoft.com/office/drawing/2010/main">
+      <mc:Choice Requires="a14">
         <dgm:pt modelId="{6E015D7E-4FF4-4110-B369-FF9203A9FC95}">
           <dgm:prSet phldrT="[Text]" custT="1"/>
           <dgm:spPr/>
@@ -7025,7 +7032,7 @@
           </dgm:t>
         </dgm:pt>
       </mc:Choice>
-      <mc:Fallback>
+      <mc:Fallback xmlns="">
         <dgm:pt modelId="{6E015D7E-4FF4-4110-B369-FF9203A9FC95}">
           <dgm:prSet phldrT="[Text]" custT="1"/>
           <dgm:spPr/>
@@ -7576,7 +7583,7 @@
   <dgm:whole/>
   <dgm:extLst>
     <a:ext uri="http://schemas.microsoft.com/office/drawing/2008/diagram">
-      <dsp:dataModelExt xmlns:dsp="http://schemas.microsoft.com/office/drawing/2008/diagram" relId="rId12" minVer="http://schemas.openxmlformats.org/drawingml/2006/diagram"/>
+      <dsp:dataModelExt xmlns:dsp="http://schemas.microsoft.com/office/drawing/2008/diagram" relId="rId15" minVer="http://schemas.openxmlformats.org/drawingml/2006/diagram"/>
     </a:ext>
   </dgm:extLst>
 </dgm:dataModel>
@@ -7681,8 +7688,8 @@
         </a:p>
       </dgm:t>
     </dgm:pt>
-    <mc:AlternateContent xmlns:mc="http://schemas.openxmlformats.org/markup-compatibility/2006">
-      <mc:Choice xmlns:a14="http://schemas.microsoft.com/office/drawing/2010/main" Requires="a14">
+    <mc:AlternateContent xmlns:mc="http://schemas.openxmlformats.org/markup-compatibility/2006" xmlns:a14="http://schemas.microsoft.com/office/drawing/2010/main">
+      <mc:Choice Requires="a14">
         <dgm:pt modelId="{E0435ABD-916A-472C-BC0F-DBF5073441BE}">
           <dgm:prSet phldrT="[Text]" custT="1"/>
           <dgm:spPr/>
@@ -7805,7 +7812,7 @@
           </dgm:t>
         </dgm:pt>
       </mc:Choice>
-      <mc:Fallback>
+      <mc:Fallback xmlns="">
         <dgm:pt modelId="{E0435ABD-916A-472C-BC0F-DBF5073441BE}">
           <dgm:prSet phldrT="[Text]" custT="1"/>
           <dgm:spPr/>
@@ -7907,8 +7914,8 @@
         </a:p>
       </dgm:t>
     </dgm:pt>
-    <mc:AlternateContent xmlns:mc="http://schemas.openxmlformats.org/markup-compatibility/2006">
-      <mc:Choice xmlns:a14="http://schemas.microsoft.com/office/drawing/2010/main" Requires="a14">
+    <mc:AlternateContent xmlns:mc="http://schemas.openxmlformats.org/markup-compatibility/2006" xmlns:a14="http://schemas.microsoft.com/office/drawing/2010/main">
+      <mc:Choice Requires="a14">
         <dgm:pt modelId="{B0E39BEC-1069-4650-88AC-1890400F59A9}">
           <dgm:prSet custT="1"/>
           <dgm:spPr/>
@@ -8005,7 +8012,7 @@
           </dgm:t>
         </dgm:pt>
       </mc:Choice>
-      <mc:Fallback>
+      <mc:Fallback xmlns="">
         <dgm:pt modelId="{B0E39BEC-1069-4650-88AC-1890400F59A9}">
           <dgm:prSet custT="1"/>
           <dgm:spPr/>
@@ -8091,8 +8098,8 @@
         </a:p>
       </dgm:t>
     </dgm:pt>
-    <mc:AlternateContent xmlns:mc="http://schemas.openxmlformats.org/markup-compatibility/2006">
-      <mc:Choice xmlns:a14="http://schemas.microsoft.com/office/drawing/2010/main" Requires="a14">
+    <mc:AlternateContent xmlns:mc="http://schemas.openxmlformats.org/markup-compatibility/2006" xmlns:a14="http://schemas.microsoft.com/office/drawing/2010/main">
+      <mc:Choice Requires="a14">
         <dgm:pt modelId="{735A368F-3CE5-4069-8343-BF69FDAA1CB2}">
           <dgm:prSet custT="1"/>
           <dgm:spPr/>
@@ -8233,7 +8240,7 @@
           </dgm:t>
         </dgm:pt>
       </mc:Choice>
-      <mc:Fallback>
+      <mc:Fallback xmlns="">
         <dgm:pt modelId="{735A368F-3CE5-4069-8343-BF69FDAA1CB2}">
           <dgm:prSet custT="1"/>
           <dgm:spPr/>
@@ -8396,8 +8403,8 @@
         </a:p>
       </dgm:t>
     </dgm:pt>
-    <mc:AlternateContent xmlns:mc="http://schemas.openxmlformats.org/markup-compatibility/2006">
-      <mc:Choice xmlns:a14="http://schemas.microsoft.com/office/drawing/2010/main" Requires="a14">
+    <mc:AlternateContent xmlns:mc="http://schemas.openxmlformats.org/markup-compatibility/2006" xmlns:a14="http://schemas.microsoft.com/office/drawing/2010/main">
+      <mc:Choice Requires="a14">
         <dgm:pt modelId="{97640E9A-9067-4548-8A1C-4D6440AF02F4}">
           <dgm:prSet custT="1"/>
           <dgm:spPr/>
@@ -8467,7 +8474,7 @@
           </dgm:t>
         </dgm:pt>
       </mc:Choice>
-      <mc:Fallback>
+      <mc:Fallback xmlns="">
         <dgm:pt modelId="{97640E9A-9067-4548-8A1C-4D6440AF02F4}">
           <dgm:prSet custT="1"/>
           <dgm:spPr/>
@@ -26668,6 +26675,356 @@
 </dgm:styleDef>
 </file>
 
+<file path=ppt/notesMasters/notesMaster1.xml><?xml version="1.0" encoding="utf-8"?>
+<p:notesMaster xmlns:a="http://schemas.openxmlformats.org/drawingml/2006/main" xmlns:r="http://schemas.openxmlformats.org/officeDocument/2006/relationships" xmlns:p="http://schemas.openxmlformats.org/presentationml/2006/main">
+  <p:cSld>
+    <p:bg>
+      <p:bgRef idx="1001">
+        <a:schemeClr val="bg1"/>
+      </p:bgRef>
+    </p:bg>
+    <p:spTree>
+      <p:nvGrpSpPr>
+        <p:cNvPr id="1" name=""/>
+        <p:cNvGrpSpPr/>
+        <p:nvPr/>
+      </p:nvGrpSpPr>
+      <p:grpSpPr>
+        <a:xfrm>
+          <a:off x="0" y="0"/>
+          <a:ext cx="0" cy="0"/>
+          <a:chOff x="0" y="0"/>
+          <a:chExt cx="0" cy="0"/>
+        </a:xfrm>
+      </p:grpSpPr>
+      <p:sp>
+        <p:nvSpPr>
+          <p:cNvPr id="2" name="Header Placeholder 1"/>
+          <p:cNvSpPr>
+            <a:spLocks noGrp="1"/>
+          </p:cNvSpPr>
+          <p:nvPr>
+            <p:ph type="hdr" sz="quarter"/>
+          </p:nvPr>
+        </p:nvSpPr>
+        <p:spPr>
+          <a:xfrm>
+            <a:off x="0" y="0"/>
+            <a:ext cx="2971800" cy="458788"/>
+          </a:xfrm>
+          <a:prstGeom prst="rect">
+            <a:avLst/>
+          </a:prstGeom>
+        </p:spPr>
+        <p:txBody>
+          <a:bodyPr vert="horz" lIns="91440" tIns="45720" rIns="91440" bIns="45720" rtlCol="0"/>
+          <a:lstStyle>
+            <a:lvl1pPr algn="l">
+              <a:defRPr sz="1200"/>
+            </a:lvl1pPr>
+          </a:lstStyle>
+          <a:p>
+            <a:endParaRPr lang="de-DE"/>
+          </a:p>
+        </p:txBody>
+      </p:sp>
+      <p:sp>
+        <p:nvSpPr>
+          <p:cNvPr id="3" name="Date Placeholder 2"/>
+          <p:cNvSpPr>
+            <a:spLocks noGrp="1"/>
+          </p:cNvSpPr>
+          <p:nvPr>
+            <p:ph type="dt" idx="1"/>
+          </p:nvPr>
+        </p:nvSpPr>
+        <p:spPr>
+          <a:xfrm>
+            <a:off x="3884613" y="0"/>
+            <a:ext cx="2971800" cy="458788"/>
+          </a:xfrm>
+          <a:prstGeom prst="rect">
+            <a:avLst/>
+          </a:prstGeom>
+        </p:spPr>
+        <p:txBody>
+          <a:bodyPr vert="horz" lIns="91440" tIns="45720" rIns="91440" bIns="45720" rtlCol="0"/>
+          <a:lstStyle>
+            <a:lvl1pPr algn="r">
+              <a:defRPr sz="1200"/>
+            </a:lvl1pPr>
+          </a:lstStyle>
+          <a:p>
+            <a:fld id="{47819AD3-658A-4022-B873-92D104DA997E}" type="datetimeFigureOut">
+              <a:rPr lang="de-DE" smtClean="0"/>
+              <a:t>11.05.2022</a:t>
+            </a:fld>
+            <a:endParaRPr lang="de-DE"/>
+          </a:p>
+        </p:txBody>
+      </p:sp>
+      <p:sp>
+        <p:nvSpPr>
+          <p:cNvPr id="4" name="Slide Image Placeholder 3"/>
+          <p:cNvSpPr>
+            <a:spLocks noGrp="1" noRot="1" noChangeAspect="1"/>
+          </p:cNvSpPr>
+          <p:nvPr>
+            <p:ph type="sldImg" idx="2"/>
+          </p:nvPr>
+        </p:nvSpPr>
+        <p:spPr>
+          <a:xfrm>
+            <a:off x="685800" y="1143000"/>
+            <a:ext cx="5486400" cy="3086100"/>
+          </a:xfrm>
+          <a:prstGeom prst="rect">
+            <a:avLst/>
+          </a:prstGeom>
+          <a:noFill/>
+          <a:ln w="12700">
+            <a:solidFill>
+              <a:prstClr val="black"/>
+            </a:solidFill>
+          </a:ln>
+        </p:spPr>
+        <p:txBody>
+          <a:bodyPr vert="horz" lIns="91440" tIns="45720" rIns="91440" bIns="45720" rtlCol="0" anchor="ctr"/>
+          <a:lstStyle/>
+          <a:p>
+            <a:endParaRPr lang="de-DE"/>
+          </a:p>
+        </p:txBody>
+      </p:sp>
+      <p:sp>
+        <p:nvSpPr>
+          <p:cNvPr id="5" name="Notes Placeholder 4"/>
+          <p:cNvSpPr>
+            <a:spLocks noGrp="1"/>
+          </p:cNvSpPr>
+          <p:nvPr>
+            <p:ph type="body" sz="quarter" idx="3"/>
+          </p:nvPr>
+        </p:nvSpPr>
+        <p:spPr>
+          <a:xfrm>
+            <a:off x="685800" y="4400550"/>
+            <a:ext cx="5486400" cy="3600450"/>
+          </a:xfrm>
+          <a:prstGeom prst="rect">
+            <a:avLst/>
+          </a:prstGeom>
+        </p:spPr>
+        <p:txBody>
+          <a:bodyPr vert="horz" lIns="91440" tIns="45720" rIns="91440" bIns="45720" rtlCol="0"/>
+          <a:lstStyle/>
+          <a:p>
+            <a:pPr lvl="0"/>
+            <a:r>
+              <a:rPr lang="en-GB"/>
+              <a:t>Click to edit Master text styles</a:t>
+            </a:r>
+          </a:p>
+          <a:p>
+            <a:pPr lvl="1"/>
+            <a:r>
+              <a:rPr lang="en-GB"/>
+              <a:t>Second level</a:t>
+            </a:r>
+          </a:p>
+          <a:p>
+            <a:pPr lvl="2"/>
+            <a:r>
+              <a:rPr lang="en-GB"/>
+              <a:t>Third level</a:t>
+            </a:r>
+          </a:p>
+          <a:p>
+            <a:pPr lvl="3"/>
+            <a:r>
+              <a:rPr lang="en-GB"/>
+              <a:t>Fourth level</a:t>
+            </a:r>
+          </a:p>
+          <a:p>
+            <a:pPr lvl="4"/>
+            <a:r>
+              <a:rPr lang="en-GB"/>
+              <a:t>Fifth level</a:t>
+            </a:r>
+            <a:endParaRPr lang="de-DE"/>
+          </a:p>
+        </p:txBody>
+      </p:sp>
+      <p:sp>
+        <p:nvSpPr>
+          <p:cNvPr id="6" name="Footer Placeholder 5"/>
+          <p:cNvSpPr>
+            <a:spLocks noGrp="1"/>
+          </p:cNvSpPr>
+          <p:nvPr>
+            <p:ph type="ftr" sz="quarter" idx="4"/>
+          </p:nvPr>
+        </p:nvSpPr>
+        <p:spPr>
+          <a:xfrm>
+            <a:off x="0" y="8685213"/>
+            <a:ext cx="2971800" cy="458787"/>
+          </a:xfrm>
+          <a:prstGeom prst="rect">
+            <a:avLst/>
+          </a:prstGeom>
+        </p:spPr>
+        <p:txBody>
+          <a:bodyPr vert="horz" lIns="91440" tIns="45720" rIns="91440" bIns="45720" rtlCol="0" anchor="b"/>
+          <a:lstStyle>
+            <a:lvl1pPr algn="l">
+              <a:defRPr sz="1200"/>
+            </a:lvl1pPr>
+          </a:lstStyle>
+          <a:p>
+            <a:endParaRPr lang="de-DE"/>
+          </a:p>
+        </p:txBody>
+      </p:sp>
+      <p:sp>
+        <p:nvSpPr>
+          <p:cNvPr id="7" name="Slide Number Placeholder 6"/>
+          <p:cNvSpPr>
+            <a:spLocks noGrp="1"/>
+          </p:cNvSpPr>
+          <p:nvPr>
+            <p:ph type="sldNum" sz="quarter" idx="5"/>
+          </p:nvPr>
+        </p:nvSpPr>
+        <p:spPr>
+          <a:xfrm>
+            <a:off x="3884613" y="8685213"/>
+            <a:ext cx="2971800" cy="458787"/>
+          </a:xfrm>
+          <a:prstGeom prst="rect">
+            <a:avLst/>
+          </a:prstGeom>
+        </p:spPr>
+        <p:txBody>
+          <a:bodyPr vert="horz" lIns="91440" tIns="45720" rIns="91440" bIns="45720" rtlCol="0" anchor="b"/>
+          <a:lstStyle>
+            <a:lvl1pPr algn="r">
+              <a:defRPr sz="1200"/>
+            </a:lvl1pPr>
+          </a:lstStyle>
+          <a:p>
+            <a:fld id="{B355E504-1BBF-47A8-A405-3F5D72870642}" type="slidenum">
+              <a:rPr lang="de-DE" smtClean="0"/>
+              <a:t>‹#›</a:t>
+            </a:fld>
+            <a:endParaRPr lang="de-DE"/>
+          </a:p>
+        </p:txBody>
+      </p:sp>
+    </p:spTree>
+    <p:extLst>
+      <p:ext uri="{BB962C8B-B14F-4D97-AF65-F5344CB8AC3E}">
+        <p14:creationId xmlns:p14="http://schemas.microsoft.com/office/powerpoint/2010/main" val="3284073324"/>
+      </p:ext>
+    </p:extLst>
+  </p:cSld>
+  <p:clrMap bg1="lt1" tx1="dk1" bg2="lt2" tx2="dk2" accent1="accent1" accent2="accent2" accent3="accent3" accent4="accent4" accent5="accent5" accent6="accent6" hlink="hlink" folHlink="folHlink"/>
+  <p:notesStyle>
+    <a:lvl1pPr marL="0" algn="l" defTabSz="914400" rtl="0" eaLnBrk="1" latinLnBrk="0" hangingPunct="1">
+      <a:defRPr sz="1200" kern="1200">
+        <a:solidFill>
+          <a:schemeClr val="tx1"/>
+        </a:solidFill>
+        <a:latin typeface="+mn-lt"/>
+        <a:ea typeface="+mn-ea"/>
+        <a:cs typeface="+mn-cs"/>
+      </a:defRPr>
+    </a:lvl1pPr>
+    <a:lvl2pPr marL="457200" algn="l" defTabSz="914400" rtl="0" eaLnBrk="1" latinLnBrk="0" hangingPunct="1">
+      <a:defRPr sz="1200" kern="1200">
+        <a:solidFill>
+          <a:schemeClr val="tx1"/>
+        </a:solidFill>
+        <a:latin typeface="+mn-lt"/>
+        <a:ea typeface="+mn-ea"/>
+        <a:cs typeface="+mn-cs"/>
+      </a:defRPr>
+    </a:lvl2pPr>
+    <a:lvl3pPr marL="914400" algn="l" defTabSz="914400" rtl="0" eaLnBrk="1" latinLnBrk="0" hangingPunct="1">
+      <a:defRPr sz="1200" kern="1200">
+        <a:solidFill>
+          <a:schemeClr val="tx1"/>
+        </a:solidFill>
+        <a:latin typeface="+mn-lt"/>
+        <a:ea typeface="+mn-ea"/>
+        <a:cs typeface="+mn-cs"/>
+      </a:defRPr>
+    </a:lvl3pPr>
+    <a:lvl4pPr marL="1371600" algn="l" defTabSz="914400" rtl="0" eaLnBrk="1" latinLnBrk="0" hangingPunct="1">
+      <a:defRPr sz="1200" kern="1200">
+        <a:solidFill>
+          <a:schemeClr val="tx1"/>
+        </a:solidFill>
+        <a:latin typeface="+mn-lt"/>
+        <a:ea typeface="+mn-ea"/>
+        <a:cs typeface="+mn-cs"/>
+      </a:defRPr>
+    </a:lvl4pPr>
+    <a:lvl5pPr marL="1828800" algn="l" defTabSz="914400" rtl="0" eaLnBrk="1" latinLnBrk="0" hangingPunct="1">
+      <a:defRPr sz="1200" kern="1200">
+        <a:solidFill>
+          <a:schemeClr val="tx1"/>
+        </a:solidFill>
+        <a:latin typeface="+mn-lt"/>
+        <a:ea typeface="+mn-ea"/>
+        <a:cs typeface="+mn-cs"/>
+      </a:defRPr>
+    </a:lvl5pPr>
+    <a:lvl6pPr marL="2286000" algn="l" defTabSz="914400" rtl="0" eaLnBrk="1" latinLnBrk="0" hangingPunct="1">
+      <a:defRPr sz="1200" kern="1200">
+        <a:solidFill>
+          <a:schemeClr val="tx1"/>
+        </a:solidFill>
+        <a:latin typeface="+mn-lt"/>
+        <a:ea typeface="+mn-ea"/>
+        <a:cs typeface="+mn-cs"/>
+      </a:defRPr>
+    </a:lvl6pPr>
+    <a:lvl7pPr marL="2743200" algn="l" defTabSz="914400" rtl="0" eaLnBrk="1" latinLnBrk="0" hangingPunct="1">
+      <a:defRPr sz="1200" kern="1200">
+        <a:solidFill>
+          <a:schemeClr val="tx1"/>
+        </a:solidFill>
+        <a:latin typeface="+mn-lt"/>
+        <a:ea typeface="+mn-ea"/>
+        <a:cs typeface="+mn-cs"/>
+      </a:defRPr>
+    </a:lvl7pPr>
+    <a:lvl8pPr marL="3200400" algn="l" defTabSz="914400" rtl="0" eaLnBrk="1" latinLnBrk="0" hangingPunct="1">
+      <a:defRPr sz="1200" kern="1200">
+        <a:solidFill>
+          <a:schemeClr val="tx1"/>
+        </a:solidFill>
+        <a:latin typeface="+mn-lt"/>
+        <a:ea typeface="+mn-ea"/>
+        <a:cs typeface="+mn-cs"/>
+      </a:defRPr>
+    </a:lvl8pPr>
+    <a:lvl9pPr marL="3657600" algn="l" defTabSz="914400" rtl="0" eaLnBrk="1" latinLnBrk="0" hangingPunct="1">
+      <a:defRPr sz="1200" kern="1200">
+        <a:solidFill>
+          <a:schemeClr val="tx1"/>
+        </a:solidFill>
+        <a:latin typeface="+mn-lt"/>
+        <a:ea typeface="+mn-ea"/>
+        <a:cs typeface="+mn-cs"/>
+      </a:defRPr>
+    </a:lvl9pPr>
+  </p:notesStyle>
+</p:notesMaster>
+</file>
+
 <file path=ppt/slideLayouts/slideLayout1.xml><?xml version="1.0" encoding="utf-8"?>
 <p:sldLayout xmlns:a="http://schemas.openxmlformats.org/drawingml/2006/main" xmlns:r="http://schemas.openxmlformats.org/officeDocument/2006/relationships" xmlns:p="http://schemas.openxmlformats.org/presentationml/2006/main" showMasterSp="0" type="title" preserve="1">
   <p:cSld name="Title Slide">
@@ -26966,7 +27323,7 @@
           <a:p>
             <a:fld id="{3A98EE3D-8CD1-4C3F-BD1C-C98C9596463C}" type="slidenum">
               <a:rPr lang="en-US" smtClean="0"/>
-              <a:t>‹Nr.›</a:t>
+              <a:t>‹#›</a:t>
             </a:fld>
             <a:endParaRPr lang="en-US" dirty="0"/>
           </a:p>
@@ -27154,7 +27511,7 @@
           <a:p>
             <a:fld id="{3A98EE3D-8CD1-4C3F-BD1C-C98C9596463C}" type="slidenum">
               <a:rPr lang="en-US" smtClean="0"/>
-              <a:t>‹Nr.›</a:t>
+              <a:t>‹#›</a:t>
             </a:fld>
             <a:endParaRPr lang="en-US" dirty="0"/>
           </a:p>
@@ -27396,7 +27753,7 @@
           <a:p>
             <a:fld id="{3A98EE3D-8CD1-4C3F-BD1C-C98C9596463C}" type="slidenum">
               <a:rPr lang="en-US" smtClean="0"/>
-              <a:t>‹Nr.›</a:t>
+              <a:t>‹#›</a:t>
             </a:fld>
             <a:endParaRPr lang="en-US" dirty="0"/>
           </a:p>
@@ -27584,7 +27941,7 @@
           <a:p>
             <a:fld id="{3A98EE3D-8CD1-4C3F-BD1C-C98C9596463C}" type="slidenum">
               <a:rPr lang="en-US" smtClean="0"/>
-              <a:t>‹Nr.›</a:t>
+              <a:t>‹#›</a:t>
             </a:fld>
             <a:endParaRPr lang="en-US" dirty="0"/>
           </a:p>
@@ -27957,7 +28314,7 @@
           <a:p>
             <a:fld id="{3A98EE3D-8CD1-4C3F-BD1C-C98C9596463C}" type="slidenum">
               <a:rPr lang="en-US" smtClean="0"/>
-              <a:t>‹Nr.›</a:t>
+              <a:t>‹#›</a:t>
             </a:fld>
             <a:endParaRPr lang="en-US" dirty="0"/>
           </a:p>
@@ -28212,7 +28569,7 @@
           <a:p>
             <a:fld id="{3A98EE3D-8CD1-4C3F-BD1C-C98C9596463C}" type="slidenum">
               <a:rPr lang="en-US" smtClean="0"/>
-              <a:t>‹Nr.›</a:t>
+              <a:t>‹#›</a:t>
             </a:fld>
             <a:endParaRPr lang="en-US" dirty="0"/>
           </a:p>
@@ -28609,7 +28966,7 @@
           <a:p>
             <a:fld id="{3A98EE3D-8CD1-4C3F-BD1C-C98C9596463C}" type="slidenum">
               <a:rPr lang="en-US" smtClean="0"/>
-              <a:t>‹Nr.›</a:t>
+              <a:t>‹#›</a:t>
             </a:fld>
             <a:endParaRPr lang="en-US" dirty="0"/>
           </a:p>
@@ -28745,7 +29102,7 @@
           <a:p>
             <a:fld id="{3A98EE3D-8CD1-4C3F-BD1C-C98C9596463C}" type="slidenum">
               <a:rPr lang="en-US" smtClean="0"/>
-              <a:t>‹Nr.›</a:t>
+              <a:t>‹#›</a:t>
             </a:fld>
             <a:endParaRPr lang="en-US" dirty="0"/>
           </a:p>
@@ -28902,7 +29259,7 @@
           <a:p>
             <a:fld id="{3A98EE3D-8CD1-4C3F-BD1C-C98C9596463C}" type="slidenum">
               <a:rPr lang="en-US" smtClean="0"/>
-              <a:t>‹Nr.›</a:t>
+              <a:t>‹#›</a:t>
             </a:fld>
             <a:endParaRPr lang="en-US" dirty="0"/>
           </a:p>
@@ -29241,7 +29598,7 @@
             <a:fld id="{3A98EE3D-8CD1-4C3F-BD1C-C98C9596463C}" type="slidenum">
               <a:rPr lang="en-US" smtClean="0"/>
               <a:pPr/>
-              <a:t>‹Nr.›</a:t>
+              <a:t>‹#›</a:t>
             </a:fld>
             <a:endParaRPr lang="en-US" dirty="0"/>
           </a:p>
@@ -29575,7 +29932,7 @@
           <a:p>
             <a:fld id="{3A98EE3D-8CD1-4C3F-BD1C-C98C9596463C}" type="slidenum">
               <a:rPr lang="en-US" smtClean="0"/>
-              <a:t>‹Nr.›</a:t>
+              <a:t>‹#›</a:t>
             </a:fld>
             <a:endParaRPr lang="en-US" dirty="0"/>
           </a:p>
@@ -29862,7 +30219,7 @@
           <a:p>
             <a:fld id="{3A98EE3D-8CD1-4C3F-BD1C-C98C9596463C}" type="slidenum">
               <a:rPr lang="en-US" smtClean="0"/>
-              <a:t>‹Nr.›</a:t>
+              <a:t>‹#›</a:t>
             </a:fld>
             <a:endParaRPr lang="en-US" dirty="0"/>
           </a:p>
@@ -30841,8 +31198,2120 @@
           <a:chExt cx="0" cy="0"/>
         </a:xfrm>
       </p:grpSpPr>
-      <mc:AlternateContent xmlns:mc="http://schemas.openxmlformats.org/markup-compatibility/2006">
-        <mc:Choice xmlns:a14="http://schemas.microsoft.com/office/drawing/2010/main" Requires="a14">
+      <p:graphicFrame>
+        <p:nvGraphicFramePr>
+          <p:cNvPr id="2" name="Diagramm 1">
+            <a:extLst>
+              <a:ext uri="{FF2B5EF4-FFF2-40B4-BE49-F238E27FC236}">
+                <a16:creationId xmlns:a16="http://schemas.microsoft.com/office/drawing/2014/main" id="{43FC3BDF-1CB5-10DA-7E88-89F5AD356F84}"/>
+              </a:ext>
+            </a:extLst>
+          </p:cNvPr>
+          <p:cNvGraphicFramePr/>
+          <p:nvPr>
+            <p:extLst>
+              <p:ext uri="{D42A27DB-BD31-4B8C-83A1-F6EECF244321}">
+                <p14:modId xmlns:p14="http://schemas.microsoft.com/office/powerpoint/2010/main" val="2898457357"/>
+              </p:ext>
+            </p:extLst>
+          </p:nvPr>
+        </p:nvGraphicFramePr>
+        <p:xfrm>
+          <a:off x="1686560" y="548640"/>
+          <a:ext cx="10292080" cy="5760720"/>
+        </p:xfrm>
+        <a:graphic>
+          <a:graphicData uri="http://schemas.openxmlformats.org/drawingml/2006/diagram">
+            <dgm:relIds xmlns:dgm="http://schemas.openxmlformats.org/drawingml/2006/diagram" xmlns:r="http://schemas.openxmlformats.org/officeDocument/2006/relationships" r:dm="rId2" r:lo="rId3" r:qs="rId4" r:cs="rId5"/>
+          </a:graphicData>
+        </a:graphic>
+      </p:graphicFrame>
+      <p:sp>
+        <p:nvSpPr>
+          <p:cNvPr id="3" name="Textfeld 2">
+            <a:extLst>
+              <a:ext uri="{FF2B5EF4-FFF2-40B4-BE49-F238E27FC236}">
+                <a16:creationId xmlns:a16="http://schemas.microsoft.com/office/drawing/2014/main" id="{4CE3A299-0FA3-278F-BBB4-7557401883F3}"/>
+              </a:ext>
+            </a:extLst>
+          </p:cNvPr>
+          <p:cNvSpPr txBox="1"/>
+          <p:nvPr/>
+        </p:nvSpPr>
+        <p:spPr>
+          <a:xfrm>
+            <a:off x="3139440" y="2951946"/>
+            <a:ext cx="2448560" cy="954107"/>
+          </a:xfrm>
+          <a:prstGeom prst="rect">
+            <a:avLst/>
+          </a:prstGeom>
+          <a:noFill/>
+        </p:spPr>
+        <p:txBody>
+          <a:bodyPr wrap="square" rtlCol="0">
+            <a:spAutoFit/>
+          </a:bodyPr>
+          <a:lstStyle/>
+          <a:p>
+            <a:pPr algn="ctr"/>
+            <a:r>
+              <a:rPr lang="de-DE" sz="2800" dirty="0">
+                <a:solidFill>
+                  <a:schemeClr val="bg1"/>
+                </a:solidFill>
+              </a:rPr>
+              <a:t>Image </a:t>
+            </a:r>
+            <a:r>
+              <a:rPr lang="de-DE" sz="2800" dirty="0" err="1">
+                <a:solidFill>
+                  <a:schemeClr val="bg1"/>
+                </a:solidFill>
+              </a:rPr>
+              <a:t>Thresholding</a:t>
+            </a:r>
+            <a:endParaRPr lang="de-DE" sz="2800" dirty="0">
+              <a:solidFill>
+                <a:schemeClr val="bg1"/>
+              </a:solidFill>
+            </a:endParaRPr>
+          </a:p>
+        </p:txBody>
+      </p:sp>
+      <p:sp>
+        <p:nvSpPr>
+          <p:cNvPr id="4" name="Textfeld 3">
+            <a:extLst>
+              <a:ext uri="{FF2B5EF4-FFF2-40B4-BE49-F238E27FC236}">
+                <a16:creationId xmlns:a16="http://schemas.microsoft.com/office/drawing/2014/main" id="{F030062C-3AE9-9D3B-35A7-4F9E2C84C0C9}"/>
+              </a:ext>
+            </a:extLst>
+          </p:cNvPr>
+          <p:cNvSpPr txBox="1"/>
+          <p:nvPr/>
+        </p:nvSpPr>
+        <p:spPr>
+          <a:xfrm>
+            <a:off x="7487920" y="1219200"/>
+            <a:ext cx="2600960" cy="369332"/>
+          </a:xfrm>
+          <a:prstGeom prst="rect">
+            <a:avLst/>
+          </a:prstGeom>
+          <a:noFill/>
+        </p:spPr>
+        <p:txBody>
+          <a:bodyPr wrap="square" rtlCol="0">
+            <a:spAutoFit/>
+          </a:bodyPr>
+          <a:lstStyle/>
+          <a:p>
+            <a:pPr marL="285750" indent="-285750">
+              <a:buFont typeface="Arial" panose="020B0604020202020204" pitchFamily="34" charset="0"/>
+              <a:buChar char="•"/>
+            </a:pPr>
+            <a:r>
+              <a:rPr lang="de-DE" dirty="0"/>
+              <a:t>Otsu </a:t>
+            </a:r>
+            <a:r>
+              <a:rPr lang="de-DE" dirty="0" err="1"/>
+              <a:t>Thresholding</a:t>
+            </a:r>
+            <a:endParaRPr lang="de-DE" dirty="0"/>
+          </a:p>
+        </p:txBody>
+      </p:sp>
+    </p:spTree>
+    <p:extLst>
+      <p:ext uri="{BB962C8B-B14F-4D97-AF65-F5344CB8AC3E}">
+        <p14:creationId xmlns:p14="http://schemas.microsoft.com/office/powerpoint/2010/main" val="3191391970"/>
+      </p:ext>
+    </p:extLst>
+  </p:cSld>
+  <p:clrMapOvr>
+    <a:masterClrMapping/>
+  </p:clrMapOvr>
+  <p:timing>
+    <p:tnLst>
+      <p:par>
+        <p:cTn id="1" dur="indefinite" restart="never" nodeType="tmRoot">
+          <p:childTnLst>
+            <p:seq concurrent="1" nextAc="seek">
+              <p:cTn id="2" dur="indefinite" nodeType="mainSeq">
+                <p:childTnLst>
+                  <p:par>
+                    <p:cTn id="3" fill="hold">
+                      <p:stCondLst>
+                        <p:cond delay="indefinite"/>
+                      </p:stCondLst>
+                      <p:childTnLst>
+                        <p:par>
+                          <p:cTn id="4" fill="hold">
+                            <p:stCondLst>
+                              <p:cond delay="0"/>
+                            </p:stCondLst>
+                            <p:childTnLst>
+                              <p:par>
+                                <p:cTn id="5" presetID="10" presetClass="entr" presetSubtype="0" fill="hold" grpId="0" nodeType="clickEffect">
+                                  <p:stCondLst>
+                                    <p:cond delay="0"/>
+                                  </p:stCondLst>
+                                  <p:childTnLst>
+                                    <p:set>
+                                      <p:cBhvr>
+                                        <p:cTn id="6" dur="1" fill="hold">
+                                          <p:stCondLst>
+                                            <p:cond delay="0"/>
+                                          </p:stCondLst>
+                                        </p:cTn>
+                                        <p:tgtEl>
+                                          <p:spTgt spid="4"/>
+                                        </p:tgtEl>
+                                        <p:attrNameLst>
+                                          <p:attrName>style.visibility</p:attrName>
+                                        </p:attrNameLst>
+                                      </p:cBhvr>
+                                      <p:to>
+                                        <p:strVal val="visible"/>
+                                      </p:to>
+                                    </p:set>
+                                    <p:animEffect transition="in" filter="fade">
+                                      <p:cBhvr>
+                                        <p:cTn id="7" dur="500"/>
+                                        <p:tgtEl>
+                                          <p:spTgt spid="4"/>
+                                        </p:tgtEl>
+                                      </p:cBhvr>
+                                    </p:animEffect>
+                                  </p:childTnLst>
+                                </p:cTn>
+                              </p:par>
+                            </p:childTnLst>
+                          </p:cTn>
+                        </p:par>
+                      </p:childTnLst>
+                    </p:cTn>
+                  </p:par>
+                </p:childTnLst>
+              </p:cTn>
+              <p:prevCondLst>
+                <p:cond evt="onPrev" delay="0">
+                  <p:tgtEl>
+                    <p:sldTgt/>
+                  </p:tgtEl>
+                </p:cond>
+              </p:prevCondLst>
+              <p:nextCondLst>
+                <p:cond evt="onNext" delay="0">
+                  <p:tgtEl>
+                    <p:sldTgt/>
+                  </p:tgtEl>
+                </p:cond>
+              </p:nextCondLst>
+            </p:seq>
+          </p:childTnLst>
+        </p:cTn>
+      </p:par>
+    </p:tnLst>
+    <p:bldLst>
+      <p:bldP spid="4" grpId="0"/>
+    </p:bldLst>
+  </p:timing>
+</p:sld>
+</file>
+
+<file path=ppt/slides/slide11.xml><?xml version="1.0" encoding="utf-8"?>
+<p:sld xmlns:a="http://schemas.openxmlformats.org/drawingml/2006/main" xmlns:r="http://schemas.openxmlformats.org/officeDocument/2006/relationships" xmlns:p="http://schemas.openxmlformats.org/presentationml/2006/main">
+  <p:cSld>
+    <p:spTree>
+      <p:nvGrpSpPr>
+        <p:cNvPr id="1" name=""/>
+        <p:cNvGrpSpPr/>
+        <p:nvPr/>
+      </p:nvGrpSpPr>
+      <p:grpSpPr>
+        <a:xfrm>
+          <a:off x="0" y="0"/>
+          <a:ext cx="0" cy="0"/>
+          <a:chOff x="0" y="0"/>
+          <a:chExt cx="0" cy="0"/>
+        </a:xfrm>
+      </p:grpSpPr>
+      <p:sp>
+        <p:nvSpPr>
+          <p:cNvPr id="2" name="Titel 1">
+            <a:extLst>
+              <a:ext uri="{FF2B5EF4-FFF2-40B4-BE49-F238E27FC236}">
+                <a16:creationId xmlns:a16="http://schemas.microsoft.com/office/drawing/2014/main" id="{2461CCF0-7947-9B10-9067-D267B8C54E83}"/>
+              </a:ext>
+            </a:extLst>
+          </p:cNvPr>
+          <p:cNvSpPr>
+            <a:spLocks noGrp="1"/>
+          </p:cNvSpPr>
+          <p:nvPr>
+            <p:ph type="title"/>
+          </p:nvPr>
+        </p:nvSpPr>
+        <p:spPr/>
+        <p:txBody>
+          <a:bodyPr/>
+          <a:lstStyle/>
+          <a:p>
+            <a:r>
+              <a:rPr lang="de-DE" dirty="0"/>
+              <a:t>Otsu </a:t>
+            </a:r>
+            <a:r>
+              <a:rPr lang="de-DE" dirty="0" err="1"/>
+              <a:t>Thresholding</a:t>
+            </a:r>
+            <a:endParaRPr lang="de-DE" dirty="0"/>
+          </a:p>
+        </p:txBody>
+      </p:sp>
+      <p:sp>
+        <p:nvSpPr>
+          <p:cNvPr id="3" name="Inhaltsplatzhalter 2">
+            <a:extLst>
+              <a:ext uri="{FF2B5EF4-FFF2-40B4-BE49-F238E27FC236}">
+                <a16:creationId xmlns:a16="http://schemas.microsoft.com/office/drawing/2014/main" id="{67F17C06-8CC2-65E5-B94A-633AA9A0AD12}"/>
+              </a:ext>
+            </a:extLst>
+          </p:cNvPr>
+          <p:cNvSpPr>
+            <a:spLocks noGrp="1"/>
+          </p:cNvSpPr>
+          <p:nvPr>
+            <p:ph idx="1"/>
+          </p:nvPr>
+        </p:nvSpPr>
+        <p:spPr/>
+        <p:txBody>
+          <a:bodyPr/>
+          <a:lstStyle/>
+          <a:p>
+            <a:r>
+              <a:rPr lang="de-DE" dirty="0" err="1"/>
+              <a:t>Histogram</a:t>
+            </a:r>
+            <a:r>
+              <a:rPr lang="de-DE" dirty="0"/>
+              <a:t> einer bimodal </a:t>
+            </a:r>
+            <a:r>
+              <a:rPr lang="de-DE" dirty="0" err="1"/>
+              <a:t>distribution</a:t>
+            </a:r>
+            <a:r>
+              <a:rPr lang="de-DE" dirty="0"/>
+              <a:t>+ </a:t>
+            </a:r>
+            <a:r>
+              <a:rPr lang="de-DE" dirty="0" err="1"/>
+              <a:t>threshold</a:t>
+            </a:r>
+            <a:r>
+              <a:rPr lang="de-DE" dirty="0"/>
+              <a:t>!!!!</a:t>
+            </a:r>
+          </a:p>
+        </p:txBody>
+      </p:sp>
+    </p:spTree>
+    <p:extLst>
+      <p:ext uri="{BB962C8B-B14F-4D97-AF65-F5344CB8AC3E}">
+        <p14:creationId xmlns:p14="http://schemas.microsoft.com/office/powerpoint/2010/main" val="1595822548"/>
+      </p:ext>
+    </p:extLst>
+  </p:cSld>
+  <p:clrMapOvr>
+    <a:masterClrMapping/>
+  </p:clrMapOvr>
+</p:sld>
+</file>
+
+<file path=ppt/slides/slide12.xml><?xml version="1.0" encoding="utf-8"?>
+<p:sld xmlns:a="http://schemas.openxmlformats.org/drawingml/2006/main" xmlns:r="http://schemas.openxmlformats.org/officeDocument/2006/relationships" xmlns:p="http://schemas.openxmlformats.org/presentationml/2006/main">
+  <p:cSld>
+    <p:spTree>
+      <p:nvGrpSpPr>
+        <p:cNvPr id="1" name=""/>
+        <p:cNvGrpSpPr/>
+        <p:nvPr/>
+      </p:nvGrpSpPr>
+      <p:grpSpPr>
+        <a:xfrm>
+          <a:off x="0" y="0"/>
+          <a:ext cx="0" cy="0"/>
+          <a:chOff x="0" y="0"/>
+          <a:chExt cx="0" cy="0"/>
+        </a:xfrm>
+      </p:grpSpPr>
+      <p:sp>
+        <p:nvSpPr>
+          <p:cNvPr id="2" name="Titel 1">
+            <a:extLst>
+              <a:ext uri="{FF2B5EF4-FFF2-40B4-BE49-F238E27FC236}">
+                <a16:creationId xmlns:a16="http://schemas.microsoft.com/office/drawing/2014/main" id="{A0C4BE9C-948B-E17F-02CD-105539AFA823}"/>
+              </a:ext>
+            </a:extLst>
+          </p:cNvPr>
+          <p:cNvSpPr>
+            <a:spLocks noGrp="1"/>
+          </p:cNvSpPr>
+          <p:nvPr>
+            <p:ph type="title"/>
+          </p:nvPr>
+        </p:nvSpPr>
+        <p:spPr/>
+        <p:txBody>
+          <a:bodyPr/>
+          <a:lstStyle/>
+          <a:p>
+            <a:r>
+              <a:rPr lang="de-DE" dirty="0"/>
+              <a:t>Otsu </a:t>
+            </a:r>
+            <a:r>
+              <a:rPr lang="de-DE" dirty="0" err="1"/>
+              <a:t>Thresholding</a:t>
+            </a:r>
+            <a:endParaRPr lang="de-DE" dirty="0"/>
+          </a:p>
+        </p:txBody>
+      </p:sp>
+      <p:pic>
+        <p:nvPicPr>
+          <p:cNvPr id="13" name="Grafik 12">
+            <a:extLst>
+              <a:ext uri="{FF2B5EF4-FFF2-40B4-BE49-F238E27FC236}">
+                <a16:creationId xmlns:a16="http://schemas.microsoft.com/office/drawing/2014/main" id="{721F875D-6FE0-A6B1-E8DB-98354322B0A3}"/>
+              </a:ext>
+            </a:extLst>
+          </p:cNvPr>
+          <p:cNvPicPr>
+            <a:picLocks noChangeAspect="1"/>
+          </p:cNvPicPr>
+          <p:nvPr/>
+        </p:nvPicPr>
+        <p:blipFill>
+          <a:blip r:embed="rId2">
+            <a:extLst>
+              <a:ext uri="{28A0092B-C50C-407E-A947-70E740481C1C}">
+                <a14:useLocalDpi xmlns:a14="http://schemas.microsoft.com/office/drawing/2010/main" val="0"/>
+              </a:ext>
+            </a:extLst>
+          </a:blip>
+          <a:stretch>
+            <a:fillRect/>
+          </a:stretch>
+        </p:blipFill>
+        <p:spPr>
+          <a:xfrm>
+            <a:off x="1097280" y="2296805"/>
+            <a:ext cx="3708000" cy="3708000"/>
+          </a:xfrm>
+          <a:prstGeom prst="rect">
+            <a:avLst/>
+          </a:prstGeom>
+        </p:spPr>
+      </p:pic>
+      <p:sp>
+        <p:nvSpPr>
+          <p:cNvPr id="14" name="Textfeld 13">
+            <a:extLst>
+              <a:ext uri="{FF2B5EF4-FFF2-40B4-BE49-F238E27FC236}">
+                <a16:creationId xmlns:a16="http://schemas.microsoft.com/office/drawing/2014/main" id="{01D36A56-EF4D-C7EB-DC1F-F99149AFF1C9}"/>
+              </a:ext>
+            </a:extLst>
+          </p:cNvPr>
+          <p:cNvSpPr txBox="1"/>
+          <p:nvPr/>
+        </p:nvSpPr>
+        <p:spPr>
+          <a:xfrm>
+            <a:off x="4907280" y="2661920"/>
+            <a:ext cx="3697231" cy="369332"/>
+          </a:xfrm>
+          <a:prstGeom prst="rect">
+            <a:avLst/>
+          </a:prstGeom>
+          <a:noFill/>
+        </p:spPr>
+        <p:txBody>
+          <a:bodyPr wrap="none" rtlCol="0">
+            <a:spAutoFit/>
+          </a:bodyPr>
+          <a:lstStyle/>
+          <a:p>
+            <a:r>
+              <a:rPr lang="de-DE" dirty="0"/>
+              <a:t>Histogramm von diesem Bild: t39</a:t>
+            </a:r>
+          </a:p>
+        </p:txBody>
+      </p:sp>
+      <p:pic>
+        <p:nvPicPr>
+          <p:cNvPr id="16" name="Grafik 15">
+            <a:extLst>
+              <a:ext uri="{FF2B5EF4-FFF2-40B4-BE49-F238E27FC236}">
+                <a16:creationId xmlns:a16="http://schemas.microsoft.com/office/drawing/2014/main" id="{861BBD9F-EDED-0AA7-BF06-D8402AD24DF0}"/>
+              </a:ext>
+            </a:extLst>
+          </p:cNvPr>
+          <p:cNvPicPr>
+            <a:picLocks noChangeAspect="1"/>
+          </p:cNvPicPr>
+          <p:nvPr/>
+        </p:nvPicPr>
+        <p:blipFill rotWithShape="1">
+          <a:blip r:embed="rId3">
+            <a:extLst>
+              <a:ext uri="{28A0092B-C50C-407E-A947-70E740481C1C}">
+                <a14:useLocalDpi xmlns:a14="http://schemas.microsoft.com/office/drawing/2010/main" val="0"/>
+              </a:ext>
+            </a:extLst>
+          </a:blip>
+          <a:srcRect l="43494" t="8430" r="38463" b="25333"/>
+          <a:stretch/>
+        </p:blipFill>
+        <p:spPr>
+          <a:xfrm>
+            <a:off x="9442040" y="2175777"/>
+            <a:ext cx="1842752" cy="3829028"/>
+          </a:xfrm>
+          <a:prstGeom prst="rect">
+            <a:avLst/>
+          </a:prstGeom>
+        </p:spPr>
+      </p:pic>
+    </p:spTree>
+    <p:extLst>
+      <p:ext uri="{BB962C8B-B14F-4D97-AF65-F5344CB8AC3E}">
+        <p14:creationId xmlns:p14="http://schemas.microsoft.com/office/powerpoint/2010/main" val="1102593025"/>
+      </p:ext>
+    </p:extLst>
+  </p:cSld>
+  <p:clrMapOvr>
+    <a:masterClrMapping/>
+  </p:clrMapOvr>
+</p:sld>
+</file>
+
+<file path=ppt/slides/slide13.xml><?xml version="1.0" encoding="utf-8"?>
+<p:sld xmlns:a="http://schemas.openxmlformats.org/drawingml/2006/main" xmlns:r="http://schemas.openxmlformats.org/officeDocument/2006/relationships" xmlns:p="http://schemas.openxmlformats.org/presentationml/2006/main">
+  <p:cSld>
+    <p:spTree>
+      <p:nvGrpSpPr>
+        <p:cNvPr id="1" name=""/>
+        <p:cNvGrpSpPr/>
+        <p:nvPr/>
+      </p:nvGrpSpPr>
+      <p:grpSpPr>
+        <a:xfrm>
+          <a:off x="0" y="0"/>
+          <a:ext cx="0" cy="0"/>
+          <a:chOff x="0" y="0"/>
+          <a:chExt cx="0" cy="0"/>
+        </a:xfrm>
+      </p:grpSpPr>
+      <p:sp>
+        <p:nvSpPr>
+          <p:cNvPr id="2" name="Titel 1">
+            <a:extLst>
+              <a:ext uri="{FF2B5EF4-FFF2-40B4-BE49-F238E27FC236}">
+                <a16:creationId xmlns:a16="http://schemas.microsoft.com/office/drawing/2014/main" id="{62C43831-D3C7-14D0-C9B6-D35ED18BA926}"/>
+              </a:ext>
+            </a:extLst>
+          </p:cNvPr>
+          <p:cNvSpPr>
+            <a:spLocks noGrp="1"/>
+          </p:cNvSpPr>
+          <p:nvPr>
+            <p:ph type="title"/>
+          </p:nvPr>
+        </p:nvSpPr>
+        <p:spPr/>
+        <p:txBody>
+          <a:bodyPr/>
+          <a:lstStyle/>
+          <a:p>
+            <a:r>
+              <a:rPr lang="de-DE" dirty="0"/>
+              <a:t>Otsu </a:t>
+            </a:r>
+            <a:r>
+              <a:rPr lang="de-DE" dirty="0" err="1"/>
+              <a:t>Thresholding</a:t>
+            </a:r>
+            <a:endParaRPr lang="de-DE" dirty="0"/>
+          </a:p>
+        </p:txBody>
+      </p:sp>
+      <p:sp>
+        <p:nvSpPr>
+          <p:cNvPr id="11" name="Inhaltsplatzhalter 10">
+            <a:extLst>
+              <a:ext uri="{FF2B5EF4-FFF2-40B4-BE49-F238E27FC236}">
+                <a16:creationId xmlns:a16="http://schemas.microsoft.com/office/drawing/2014/main" id="{69916BDC-60FC-2DB7-C95A-B833BA301CF9}"/>
+              </a:ext>
+            </a:extLst>
+          </p:cNvPr>
+          <p:cNvSpPr>
+            <a:spLocks noGrp="1"/>
+          </p:cNvSpPr>
+          <p:nvPr>
+            <p:ph idx="1"/>
+          </p:nvPr>
+        </p:nvSpPr>
+        <p:spPr>
+          <a:ln>
+            <a:noFill/>
+          </a:ln>
+        </p:spPr>
+        <p:txBody>
+          <a:bodyPr/>
+          <a:lstStyle/>
+          <a:p>
+            <a:pPr lvl="1">
+              <a:buFont typeface="Arial" panose="020B0604020202020204" pitchFamily="34" charset="0"/>
+              <a:buChar char="•"/>
+            </a:pPr>
+            <a:r>
+              <a:rPr lang="de-DE" dirty="0" err="1"/>
+              <a:t>Determintation</a:t>
+            </a:r>
+            <a:r>
+              <a:rPr lang="de-DE" dirty="0"/>
+              <a:t> </a:t>
+            </a:r>
+            <a:r>
+              <a:rPr lang="de-DE" dirty="0" err="1"/>
+              <a:t>of</a:t>
+            </a:r>
+            <a:r>
+              <a:rPr lang="de-DE" dirty="0"/>
+              <a:t> </a:t>
+            </a:r>
+            <a:r>
+              <a:rPr lang="de-DE" dirty="0" err="1"/>
+              <a:t>the</a:t>
+            </a:r>
+            <a:r>
+              <a:rPr lang="de-DE" dirty="0"/>
+              <a:t> optimal </a:t>
+            </a:r>
+            <a:r>
+              <a:rPr lang="de-DE" dirty="0" err="1"/>
+              <a:t>threshold</a:t>
+            </a:r>
+            <a:r>
+              <a:rPr lang="de-DE" dirty="0"/>
+              <a:t> </a:t>
+            </a:r>
+            <a:r>
+              <a:rPr lang="de-DE" dirty="0" err="1"/>
+              <a:t>value</a:t>
+            </a:r>
+            <a:r>
+              <a:rPr lang="de-DE" dirty="0"/>
+              <a:t> </a:t>
+            </a:r>
+            <a:r>
+              <a:rPr lang="de-DE" dirty="0" err="1"/>
+              <a:t>by</a:t>
+            </a:r>
+            <a:r>
+              <a:rPr lang="de-DE" dirty="0"/>
+              <a:t> </a:t>
+            </a:r>
+            <a:r>
+              <a:rPr lang="de-DE" dirty="0" err="1"/>
+              <a:t>maximizing</a:t>
+            </a:r>
+            <a:r>
+              <a:rPr lang="de-DE" dirty="0"/>
+              <a:t> </a:t>
+            </a:r>
+            <a:r>
+              <a:rPr lang="de-DE" dirty="0" err="1"/>
+              <a:t>the</a:t>
+            </a:r>
+            <a:r>
+              <a:rPr lang="de-DE" dirty="0"/>
+              <a:t> </a:t>
+            </a:r>
+            <a:r>
+              <a:rPr lang="de-DE" dirty="0" err="1"/>
+              <a:t>between-class</a:t>
+            </a:r>
+            <a:r>
+              <a:rPr lang="de-DE" dirty="0"/>
+              <a:t> </a:t>
+            </a:r>
+            <a:r>
+              <a:rPr lang="de-DE" dirty="0" err="1"/>
+              <a:t>variance</a:t>
+            </a:r>
+            <a:r>
+              <a:rPr lang="de-DE" dirty="0"/>
+              <a:t> </a:t>
+            </a:r>
+            <a:r>
+              <a:rPr lang="de-DE" dirty="0" err="1"/>
+              <a:t>or</a:t>
+            </a:r>
+            <a:r>
+              <a:rPr lang="de-DE" dirty="0"/>
+              <a:t> </a:t>
+            </a:r>
+            <a:r>
+              <a:rPr lang="de-DE" dirty="0" err="1"/>
+              <a:t>equivalently</a:t>
+            </a:r>
+            <a:r>
+              <a:rPr lang="de-DE" dirty="0"/>
+              <a:t> </a:t>
+            </a:r>
+            <a:r>
+              <a:rPr lang="de-DE" dirty="0" err="1"/>
+              <a:t>minimizing</a:t>
+            </a:r>
+            <a:r>
+              <a:rPr lang="de-DE" dirty="0"/>
+              <a:t> </a:t>
+            </a:r>
+            <a:r>
+              <a:rPr lang="de-DE" dirty="0" err="1"/>
+              <a:t>the</a:t>
+            </a:r>
+            <a:r>
+              <a:rPr lang="de-DE" dirty="0"/>
+              <a:t> </a:t>
+            </a:r>
+            <a:r>
+              <a:rPr lang="de-DE" dirty="0" err="1"/>
+              <a:t>the</a:t>
+            </a:r>
+            <a:r>
+              <a:rPr lang="de-DE" dirty="0"/>
+              <a:t> </a:t>
+            </a:r>
+            <a:r>
+              <a:rPr lang="de-DE" dirty="0" err="1"/>
+              <a:t>within-class</a:t>
+            </a:r>
+            <a:r>
+              <a:rPr lang="de-DE" dirty="0"/>
+              <a:t> </a:t>
+            </a:r>
+            <a:r>
+              <a:rPr lang="de-DE" dirty="0" err="1"/>
+              <a:t>variance</a:t>
+            </a:r>
+            <a:endParaRPr lang="de-DE" dirty="0"/>
+          </a:p>
+          <a:p>
+            <a:pPr lvl="1">
+              <a:buFont typeface="Arial" panose="020B0604020202020204" pitchFamily="34" charset="0"/>
+              <a:buChar char="•"/>
+            </a:pPr>
+            <a:endParaRPr lang="de-DE" dirty="0"/>
+          </a:p>
+          <a:p>
+            <a:pPr lvl="1">
+              <a:buFont typeface="Arial" panose="020B0604020202020204" pitchFamily="34" charset="0"/>
+              <a:buChar char="•"/>
+            </a:pPr>
+            <a:endParaRPr lang="de-DE" dirty="0"/>
+          </a:p>
+          <a:p>
+            <a:pPr marL="201168" lvl="1" indent="0">
+              <a:buNone/>
+            </a:pPr>
+            <a:endParaRPr lang="de-DE" dirty="0"/>
+          </a:p>
+          <a:p>
+            <a:pPr marL="201168" lvl="1" indent="0">
+              <a:buNone/>
+            </a:pPr>
+            <a:endParaRPr lang="de-DE" dirty="0"/>
+          </a:p>
+        </p:txBody>
+      </p:sp>
+      <p:graphicFrame>
+        <p:nvGraphicFramePr>
+          <p:cNvPr id="17" name="Diagramm 16">
+            <a:extLst>
+              <a:ext uri="{FF2B5EF4-FFF2-40B4-BE49-F238E27FC236}">
+                <a16:creationId xmlns:a16="http://schemas.microsoft.com/office/drawing/2014/main" id="{E42D1EAB-9C07-8C72-5D75-D2474423488E}"/>
+              </a:ext>
+            </a:extLst>
+          </p:cNvPr>
+          <p:cNvGraphicFramePr/>
+          <p:nvPr>
+            <p:extLst>
+              <p:ext uri="{D42A27DB-BD31-4B8C-83A1-F6EECF244321}">
+                <p14:modId xmlns:p14="http://schemas.microsoft.com/office/powerpoint/2010/main" val="2515004475"/>
+              </p:ext>
+            </p:extLst>
+          </p:nvPr>
+        </p:nvGraphicFramePr>
+        <p:xfrm>
+          <a:off x="1097280" y="2407919"/>
+          <a:ext cx="10129520" cy="4551681"/>
+        </p:xfrm>
+        <a:graphic>
+          <a:graphicData uri="http://schemas.openxmlformats.org/drawingml/2006/diagram">
+            <dgm:relIds xmlns:dgm="http://schemas.openxmlformats.org/drawingml/2006/diagram" xmlns:r="http://schemas.openxmlformats.org/officeDocument/2006/relationships" r:dm="rId2" r:lo="rId3" r:qs="rId4" r:cs="rId5"/>
+          </a:graphicData>
+        </a:graphic>
+      </p:graphicFrame>
+      <mc:AlternateContent xmlns:mc="http://schemas.openxmlformats.org/markup-compatibility/2006" xmlns:a14="http://schemas.microsoft.com/office/drawing/2010/main">
+        <mc:Choice Requires="a14">
+          <p:sp>
+            <p:nvSpPr>
+              <p:cNvPr id="18" name="Textfeld 17">
+                <a:extLst>
+                  <a:ext uri="{FF2B5EF4-FFF2-40B4-BE49-F238E27FC236}">
+                    <a16:creationId xmlns:a16="http://schemas.microsoft.com/office/drawing/2014/main" id="{9D90E16A-3483-DB60-7071-18B84DB71B5A}"/>
+                  </a:ext>
+                </a:extLst>
+              </p:cNvPr>
+              <p:cNvSpPr txBox="1"/>
+              <p:nvPr/>
+            </p:nvSpPr>
+            <p:spPr>
+              <a:xfrm>
+                <a:off x="1097280" y="3215640"/>
+                <a:ext cx="4297680" cy="2211503"/>
+              </a:xfrm>
+              <a:prstGeom prst="rect">
+                <a:avLst/>
+              </a:prstGeom>
+              <a:noFill/>
+            </p:spPr>
+            <p:txBody>
+              <a:bodyPr wrap="square" rtlCol="0">
+                <a:spAutoFit/>
+              </a:bodyPr>
+              <a:lstStyle/>
+              <a:p>
+                <a:pPr algn="ctr"/>
+                <a:r>
+                  <a:rPr lang="de-DE" sz="2400" u="sng" dirty="0">
+                    <a:solidFill>
+                      <a:schemeClr val="bg1"/>
+                    </a:solidFill>
+                  </a:rPr>
+                  <a:t>Between-class </a:t>
+                </a:r>
+                <a:r>
+                  <a:rPr lang="de-DE" sz="2400" u="sng" dirty="0" err="1">
+                    <a:solidFill>
+                      <a:schemeClr val="bg1"/>
+                    </a:solidFill>
+                  </a:rPr>
+                  <a:t>variance</a:t>
+                </a:r>
+                <a:endParaRPr lang="de-DE" sz="2400" u="sng" dirty="0">
+                  <a:solidFill>
+                    <a:schemeClr val="bg1"/>
+                  </a:solidFill>
+                </a:endParaRPr>
+              </a:p>
+              <a:p>
+                <a:endParaRPr lang="de-DE" u="sng" dirty="0">
+                  <a:solidFill>
+                    <a:schemeClr val="bg1"/>
+                  </a:solidFill>
+                </a:endParaRPr>
+              </a:p>
+              <a:p>
+                <a:pPr algn="ctr"/>
+                <a14:m>
+                  <m:oMath xmlns:m="http://schemas.openxmlformats.org/officeDocument/2006/math">
+                    <m:sSubSup>
+                      <m:sSubSupPr>
+                        <m:ctrlPr>
+                          <a:rPr lang="de-DE" sz="2000" i="1" smtClean="0">
+                            <a:solidFill>
+                              <a:schemeClr val="bg1"/>
+                            </a:solidFill>
+                            <a:latin typeface="Cambria Math" panose="02040503050406030204" pitchFamily="18" charset="0"/>
+                          </a:rPr>
+                        </m:ctrlPr>
+                      </m:sSubSupPr>
+                      <m:e>
+                        <m:r>
+                          <a:rPr lang="de-DE" sz="2000" i="1" smtClean="0">
+                            <a:solidFill>
+                              <a:schemeClr val="bg1"/>
+                            </a:solidFill>
+                            <a:latin typeface="Cambria Math" panose="02040503050406030204" pitchFamily="18" charset="0"/>
+                            <a:ea typeface="Cambria Math" panose="02040503050406030204" pitchFamily="18" charset="0"/>
+                          </a:rPr>
+                          <m:t>𝜎</m:t>
+                        </m:r>
+                      </m:e>
+                      <m:sub>
+                        <m:r>
+                          <a:rPr lang="de-DE" sz="2000" b="0" i="1" smtClean="0">
+                            <a:solidFill>
+                              <a:schemeClr val="bg1"/>
+                            </a:solidFill>
+                            <a:latin typeface="Cambria Math" panose="02040503050406030204" pitchFamily="18" charset="0"/>
+                          </a:rPr>
+                          <m:t>𝑏</m:t>
+                        </m:r>
+                      </m:sub>
+                      <m:sup>
+                        <m:r>
+                          <a:rPr lang="de-DE" sz="2000" b="0" i="1" smtClean="0">
+                            <a:solidFill>
+                              <a:schemeClr val="bg1"/>
+                            </a:solidFill>
+                            <a:latin typeface="Cambria Math" panose="02040503050406030204" pitchFamily="18" charset="0"/>
+                          </a:rPr>
+                          <m:t>2</m:t>
+                        </m:r>
+                      </m:sup>
+                    </m:sSubSup>
+                    <m:r>
+                      <a:rPr lang="de-DE" sz="2000" i="1" smtClean="0">
+                        <a:solidFill>
+                          <a:schemeClr val="bg1"/>
+                        </a:solidFill>
+                        <a:latin typeface="Cambria Math" panose="02040503050406030204" pitchFamily="18" charset="0"/>
+                      </a:rPr>
+                      <m:t>=</m:t>
+                    </m:r>
+                    <m:sSub>
+                      <m:sSubPr>
+                        <m:ctrlPr>
+                          <a:rPr lang="de-DE" sz="2000" i="1" smtClean="0">
+                            <a:solidFill>
+                              <a:schemeClr val="bg1"/>
+                            </a:solidFill>
+                            <a:latin typeface="Cambria Math" panose="02040503050406030204" pitchFamily="18" charset="0"/>
+                          </a:rPr>
+                        </m:ctrlPr>
+                      </m:sSubPr>
+                      <m:e>
+                        <m:r>
+                          <a:rPr lang="de-DE" sz="2000" i="1" smtClean="0">
+                            <a:solidFill>
+                              <a:schemeClr val="bg1"/>
+                            </a:solidFill>
+                            <a:latin typeface="Cambria Math" panose="02040503050406030204" pitchFamily="18" charset="0"/>
+                            <a:ea typeface="Cambria Math" panose="02040503050406030204" pitchFamily="18" charset="0"/>
+                          </a:rPr>
+                          <m:t>𝜔</m:t>
+                        </m:r>
+                      </m:e>
+                      <m:sub>
+                        <m:r>
+                          <a:rPr lang="de-DE" sz="2000" b="0" i="1" smtClean="0">
+                            <a:solidFill>
+                              <a:schemeClr val="bg1"/>
+                            </a:solidFill>
+                            <a:latin typeface="Cambria Math" panose="02040503050406030204" pitchFamily="18" charset="0"/>
+                          </a:rPr>
+                          <m:t>0</m:t>
+                        </m:r>
+                      </m:sub>
+                    </m:sSub>
+                    <m:sSub>
+                      <m:sSubPr>
+                        <m:ctrlPr>
+                          <a:rPr lang="de-DE" sz="2000" i="1" smtClean="0">
+                            <a:solidFill>
+                              <a:schemeClr val="bg1"/>
+                            </a:solidFill>
+                            <a:latin typeface="Cambria Math" panose="02040503050406030204" pitchFamily="18" charset="0"/>
+                          </a:rPr>
+                        </m:ctrlPr>
+                      </m:sSubPr>
+                      <m:e>
+                        <m:r>
+                          <a:rPr lang="de-DE" sz="2000" i="1" smtClean="0">
+                            <a:solidFill>
+                              <a:schemeClr val="bg1"/>
+                            </a:solidFill>
+                            <a:latin typeface="Cambria Math" panose="02040503050406030204" pitchFamily="18" charset="0"/>
+                            <a:ea typeface="Cambria Math" panose="02040503050406030204" pitchFamily="18" charset="0"/>
+                          </a:rPr>
+                          <m:t>𝜔</m:t>
+                        </m:r>
+                      </m:e>
+                      <m:sub>
+                        <m:r>
+                          <a:rPr lang="de-DE" sz="2000" b="0" i="1" smtClean="0">
+                            <a:solidFill>
+                              <a:schemeClr val="bg1"/>
+                            </a:solidFill>
+                            <a:latin typeface="Cambria Math" panose="02040503050406030204" pitchFamily="18" charset="0"/>
+                          </a:rPr>
+                          <m:t>1</m:t>
+                        </m:r>
+                      </m:sub>
+                    </m:sSub>
+                    <m:d>
+                      <m:dPr>
+                        <m:ctrlPr>
+                          <a:rPr lang="de-DE" sz="2000" i="1" smtClean="0">
+                            <a:solidFill>
+                              <a:schemeClr val="bg1"/>
+                            </a:solidFill>
+                            <a:latin typeface="Cambria Math" panose="02040503050406030204" pitchFamily="18" charset="0"/>
+                          </a:rPr>
+                        </m:ctrlPr>
+                      </m:dPr>
+                      <m:e>
+                        <m:sSub>
+                          <m:sSubPr>
+                            <m:ctrlPr>
+                              <a:rPr lang="de-DE" sz="2000" i="1" smtClean="0">
+                                <a:solidFill>
+                                  <a:schemeClr val="bg1"/>
+                                </a:solidFill>
+                                <a:latin typeface="Cambria Math" panose="02040503050406030204" pitchFamily="18" charset="0"/>
+                              </a:rPr>
+                            </m:ctrlPr>
+                          </m:sSubPr>
+                          <m:e>
+                            <m:r>
+                              <a:rPr lang="de-DE" sz="2000" i="1" smtClean="0">
+                                <a:solidFill>
+                                  <a:schemeClr val="bg1"/>
+                                </a:solidFill>
+                                <a:latin typeface="Cambria Math" panose="02040503050406030204" pitchFamily="18" charset="0"/>
+                                <a:ea typeface="Cambria Math" panose="02040503050406030204" pitchFamily="18" charset="0"/>
+                              </a:rPr>
+                              <m:t>𝜇</m:t>
+                            </m:r>
+                          </m:e>
+                          <m:sub>
+                            <m:r>
+                              <a:rPr lang="de-DE" sz="2000" b="0" i="1" smtClean="0">
+                                <a:solidFill>
+                                  <a:schemeClr val="bg1"/>
+                                </a:solidFill>
+                                <a:latin typeface="Cambria Math" panose="02040503050406030204" pitchFamily="18" charset="0"/>
+                              </a:rPr>
+                              <m:t>1</m:t>
+                            </m:r>
+                          </m:sub>
+                        </m:sSub>
+                        <m:r>
+                          <a:rPr lang="de-DE" sz="2000" b="0" i="1" smtClean="0">
+                            <a:solidFill>
+                              <a:schemeClr val="bg1"/>
+                            </a:solidFill>
+                            <a:latin typeface="Cambria Math" panose="02040503050406030204" pitchFamily="18" charset="0"/>
+                          </a:rPr>
+                          <m:t>−</m:t>
+                        </m:r>
+                        <m:sSub>
+                          <m:sSubPr>
+                            <m:ctrlPr>
+                              <a:rPr lang="de-DE" sz="2000" i="1" smtClean="0">
+                                <a:solidFill>
+                                  <a:schemeClr val="bg1"/>
+                                </a:solidFill>
+                                <a:latin typeface="Cambria Math" panose="02040503050406030204" pitchFamily="18" charset="0"/>
+                              </a:rPr>
+                            </m:ctrlPr>
+                          </m:sSubPr>
+                          <m:e>
+                            <m:r>
+                              <a:rPr lang="de-DE" sz="2000" i="1" smtClean="0">
+                                <a:solidFill>
+                                  <a:schemeClr val="bg1"/>
+                                </a:solidFill>
+                                <a:latin typeface="Cambria Math" panose="02040503050406030204" pitchFamily="18" charset="0"/>
+                                <a:ea typeface="Cambria Math" panose="02040503050406030204" pitchFamily="18" charset="0"/>
+                              </a:rPr>
+                              <m:t>𝜇</m:t>
+                            </m:r>
+                          </m:e>
+                          <m:sub>
+                            <m:r>
+                              <a:rPr lang="de-DE" sz="2000" b="0" i="1" smtClean="0">
+                                <a:solidFill>
+                                  <a:schemeClr val="bg1"/>
+                                </a:solidFill>
+                                <a:latin typeface="Cambria Math" panose="02040503050406030204" pitchFamily="18" charset="0"/>
+                              </a:rPr>
+                              <m:t>0</m:t>
+                            </m:r>
+                          </m:sub>
+                        </m:sSub>
+                      </m:e>
+                    </m:d>
+                  </m:oMath>
+                </a14:m>
+                <a:r>
+                  <a:rPr lang="de-DE" sz="2000" i="1" baseline="30000" dirty="0">
+                    <a:solidFill>
+                      <a:schemeClr val="bg1"/>
+                    </a:solidFill>
+                  </a:rPr>
+                  <a:t>2 </a:t>
+                </a:r>
+                <a:r>
+                  <a:rPr lang="de-DE" sz="2000" i="1" dirty="0">
+                    <a:solidFill>
+                      <a:schemeClr val="bg1"/>
+                    </a:solidFill>
+                  </a:rPr>
+                  <a:t> </a:t>
+                </a:r>
+              </a:p>
+              <a:p>
+                <a:endParaRPr lang="de-DE" sz="2000" i="1" baseline="30000" dirty="0">
+                  <a:solidFill>
+                    <a:schemeClr val="bg1"/>
+                  </a:solidFill>
+                </a:endParaRPr>
+              </a:p>
+              <a:p>
+                <a:endParaRPr lang="de-DE" sz="2000" i="1" baseline="30000" dirty="0">
+                  <a:solidFill>
+                    <a:schemeClr val="bg1"/>
+                  </a:solidFill>
+                </a:endParaRPr>
+              </a:p>
+              <a:p>
+                <a14:m>
+                  <m:oMath xmlns:m="http://schemas.openxmlformats.org/officeDocument/2006/math">
+                    <m:sSub>
+                      <m:sSubPr>
+                        <m:ctrlPr>
+                          <a:rPr lang="de-DE" i="1" smtClean="0">
+                            <a:solidFill>
+                              <a:schemeClr val="bg1"/>
+                            </a:solidFill>
+                            <a:latin typeface="Cambria Math" panose="02040503050406030204" pitchFamily="18" charset="0"/>
+                          </a:rPr>
+                        </m:ctrlPr>
+                      </m:sSubPr>
+                      <m:e>
+                        <m:r>
+                          <a:rPr lang="de-DE" i="1" smtClean="0">
+                            <a:solidFill>
+                              <a:schemeClr val="bg1"/>
+                            </a:solidFill>
+                            <a:latin typeface="Cambria Math" panose="02040503050406030204" pitchFamily="18" charset="0"/>
+                            <a:ea typeface="Cambria Math" panose="02040503050406030204" pitchFamily="18" charset="0"/>
+                          </a:rPr>
+                          <m:t>𝜔</m:t>
+                        </m:r>
+                      </m:e>
+                      <m:sub>
+                        <m:r>
+                          <a:rPr lang="de-DE" b="0" i="1" smtClean="0">
+                            <a:solidFill>
+                              <a:schemeClr val="bg1"/>
+                            </a:solidFill>
+                            <a:latin typeface="Cambria Math" panose="02040503050406030204" pitchFamily="18" charset="0"/>
+                          </a:rPr>
+                          <m:t>0,1</m:t>
+                        </m:r>
+                      </m:sub>
+                    </m:sSub>
+                  </m:oMath>
+                </a14:m>
+                <a:r>
+                  <a:rPr lang="de-DE" dirty="0">
+                    <a:solidFill>
+                      <a:schemeClr val="bg1"/>
+                    </a:solidFill>
+                  </a:rPr>
+                  <a:t> = </a:t>
+                </a:r>
+                <a:r>
+                  <a:rPr lang="de-DE" sz="1600" dirty="0" err="1">
+                    <a:solidFill>
+                      <a:schemeClr val="bg1"/>
+                    </a:solidFill>
+                  </a:rPr>
+                  <a:t>Probabilities</a:t>
+                </a:r>
+                <a:r>
+                  <a:rPr lang="de-DE" sz="1600" dirty="0">
+                    <a:solidFill>
+                      <a:schemeClr val="bg1"/>
+                    </a:solidFill>
+                  </a:rPr>
+                  <a:t> </a:t>
+                </a:r>
+                <a:r>
+                  <a:rPr lang="de-DE" sz="1600" dirty="0" err="1">
+                    <a:solidFill>
+                      <a:schemeClr val="bg1"/>
+                    </a:solidFill>
+                  </a:rPr>
+                  <a:t>of</a:t>
+                </a:r>
+                <a:r>
+                  <a:rPr lang="de-DE" sz="1600" dirty="0">
+                    <a:solidFill>
+                      <a:schemeClr val="bg1"/>
+                    </a:solidFill>
+                  </a:rPr>
+                  <a:t> </a:t>
+                </a:r>
+                <a:r>
+                  <a:rPr lang="de-DE" sz="1600" dirty="0" err="1">
+                    <a:solidFill>
+                      <a:schemeClr val="bg1"/>
+                    </a:solidFill>
+                  </a:rPr>
+                  <a:t>calss</a:t>
+                </a:r>
+                <a:r>
+                  <a:rPr lang="de-DE" sz="1600" dirty="0">
+                    <a:solidFill>
+                      <a:schemeClr val="bg1"/>
+                    </a:solidFill>
+                  </a:rPr>
+                  <a:t> </a:t>
+                </a:r>
+                <a:r>
+                  <a:rPr lang="de-DE" sz="1600" dirty="0" err="1">
+                    <a:solidFill>
+                      <a:schemeClr val="bg1"/>
+                    </a:solidFill>
+                  </a:rPr>
+                  <a:t>occurrence</a:t>
+                </a:r>
+                <a:endParaRPr lang="de-DE" sz="1600" dirty="0">
+                  <a:solidFill>
+                    <a:schemeClr val="bg1"/>
+                  </a:solidFill>
+                </a:endParaRPr>
+              </a:p>
+              <a:p>
+                <a:endParaRPr lang="de-DE" sz="1600" baseline="30000" dirty="0">
+                  <a:solidFill>
+                    <a:schemeClr val="bg1"/>
+                  </a:solidFill>
+                </a:endParaRPr>
+              </a:p>
+              <a:p>
+                <a14:m>
+                  <m:oMath xmlns:m="http://schemas.openxmlformats.org/officeDocument/2006/math">
+                    <m:sSub>
+                      <m:sSubPr>
+                        <m:ctrlPr>
+                          <a:rPr lang="de-DE" i="1" smtClean="0">
+                            <a:solidFill>
+                              <a:schemeClr val="bg1"/>
+                            </a:solidFill>
+                            <a:latin typeface="Cambria Math" panose="02040503050406030204" pitchFamily="18" charset="0"/>
+                          </a:rPr>
+                        </m:ctrlPr>
+                      </m:sSubPr>
+                      <m:e>
+                        <m:r>
+                          <a:rPr lang="de-DE" i="1" smtClean="0">
+                            <a:solidFill>
+                              <a:schemeClr val="bg1"/>
+                            </a:solidFill>
+                            <a:latin typeface="Cambria Math" panose="02040503050406030204" pitchFamily="18" charset="0"/>
+                            <a:ea typeface="Cambria Math" panose="02040503050406030204" pitchFamily="18" charset="0"/>
+                          </a:rPr>
+                          <m:t>𝜇</m:t>
+                        </m:r>
+                      </m:e>
+                      <m:sub>
+                        <m:r>
+                          <a:rPr lang="de-DE" b="0" i="1" smtClean="0">
+                            <a:solidFill>
+                              <a:schemeClr val="bg1"/>
+                            </a:solidFill>
+                            <a:latin typeface="Cambria Math" panose="02040503050406030204" pitchFamily="18" charset="0"/>
+                            <a:ea typeface="Cambria Math" panose="02040503050406030204" pitchFamily="18" charset="0"/>
+                          </a:rPr>
+                          <m:t>0,</m:t>
+                        </m:r>
+                        <m:r>
+                          <a:rPr lang="de-DE" b="0" i="1" smtClean="0">
+                            <a:solidFill>
+                              <a:schemeClr val="bg1"/>
+                            </a:solidFill>
+                            <a:latin typeface="Cambria Math" panose="02040503050406030204" pitchFamily="18" charset="0"/>
+                          </a:rPr>
+                          <m:t>1</m:t>
+                        </m:r>
+                      </m:sub>
+                    </m:sSub>
+                  </m:oMath>
+                </a14:m>
+                <a:r>
+                  <a:rPr lang="de-DE" sz="1600" dirty="0">
+                    <a:solidFill>
+                      <a:schemeClr val="bg1"/>
+                    </a:solidFill>
+                  </a:rPr>
+                  <a:t> = Class </a:t>
+                </a:r>
+                <a:r>
+                  <a:rPr lang="de-DE" sz="1600" dirty="0" err="1">
+                    <a:solidFill>
+                      <a:schemeClr val="bg1"/>
+                    </a:solidFill>
+                  </a:rPr>
+                  <a:t>mean</a:t>
+                </a:r>
+                <a:r>
+                  <a:rPr lang="de-DE" sz="1600" dirty="0">
+                    <a:solidFill>
+                      <a:schemeClr val="bg1"/>
+                    </a:solidFill>
+                  </a:rPr>
+                  <a:t> </a:t>
+                </a:r>
+                <a:r>
+                  <a:rPr lang="de-DE" sz="1600" dirty="0" err="1">
+                    <a:solidFill>
+                      <a:schemeClr val="bg1"/>
+                    </a:solidFill>
+                  </a:rPr>
+                  <a:t>levels</a:t>
+                </a:r>
+                <a:r>
+                  <a:rPr lang="de-DE" sz="1600" baseline="30000" dirty="0">
+                    <a:solidFill>
+                      <a:schemeClr val="bg1"/>
+                    </a:solidFill>
+                  </a:rPr>
+                  <a:t> </a:t>
+                </a:r>
+              </a:p>
+            </p:txBody>
+          </p:sp>
+        </mc:Choice>
+        <mc:Fallback xmlns="">
+          <p:sp>
+            <p:nvSpPr>
+              <p:cNvPr id="18" name="Textfeld 17">
+                <a:extLst>
+                  <a:ext uri="{FF2B5EF4-FFF2-40B4-BE49-F238E27FC236}">
+                    <a16:creationId xmlns:a16="http://schemas.microsoft.com/office/drawing/2014/main" id="{9D90E16A-3483-DB60-7071-18B84DB71B5A}"/>
+                  </a:ext>
+                </a:extLst>
+              </p:cNvPr>
+              <p:cNvSpPr txBox="1">
+                <a:spLocks noRot="1" noChangeAspect="1" noMove="1" noResize="1" noEditPoints="1" noAdjustHandles="1" noChangeArrowheads="1" noChangeShapeType="1" noTextEdit="1"/>
+              </p:cNvSpPr>
+              <p:nvPr/>
+            </p:nvSpPr>
+            <p:spPr>
+              <a:xfrm>
+                <a:off x="1097280" y="3215640"/>
+                <a:ext cx="4297680" cy="2211503"/>
+              </a:xfrm>
+              <a:prstGeom prst="rect">
+                <a:avLst/>
+              </a:prstGeom>
+              <a:blipFill>
+                <a:blip r:embed="rId7"/>
+                <a:stretch>
+                  <a:fillRect t="-1934" b="-1657"/>
+                </a:stretch>
+              </a:blipFill>
+            </p:spPr>
+            <p:txBody>
+              <a:bodyPr/>
+              <a:lstStyle/>
+              <a:p>
+                <a:r>
+                  <a:rPr lang="de-DE">
+                    <a:noFill/>
+                  </a:rPr>
+                  <a:t> </a:t>
+                </a:r>
+              </a:p>
+            </p:txBody>
+          </p:sp>
+        </mc:Fallback>
+      </mc:AlternateContent>
+      <mc:AlternateContent xmlns:mc="http://schemas.openxmlformats.org/markup-compatibility/2006" xmlns:a14="http://schemas.microsoft.com/office/drawing/2010/main">
+        <mc:Choice Requires="a14">
+          <p:sp>
+            <p:nvSpPr>
+              <p:cNvPr id="19" name="Textfeld 18">
+                <a:extLst>
+                  <a:ext uri="{FF2B5EF4-FFF2-40B4-BE49-F238E27FC236}">
+                    <a16:creationId xmlns:a16="http://schemas.microsoft.com/office/drawing/2014/main" id="{A9A9B6FC-43EE-F488-1956-A67D3D9449CB}"/>
+                  </a:ext>
+                </a:extLst>
+              </p:cNvPr>
+              <p:cNvSpPr txBox="1"/>
+              <p:nvPr/>
+            </p:nvSpPr>
+            <p:spPr>
+              <a:xfrm flipH="1">
+                <a:off x="6675120" y="3215640"/>
+                <a:ext cx="4419600" cy="2260619"/>
+              </a:xfrm>
+              <a:prstGeom prst="rect">
+                <a:avLst/>
+              </a:prstGeom>
+              <a:noFill/>
+            </p:spPr>
+            <p:txBody>
+              <a:bodyPr wrap="square" rtlCol="0">
+                <a:spAutoFit/>
+              </a:bodyPr>
+              <a:lstStyle/>
+              <a:p>
+                <a:pPr algn="ctr"/>
+                <a:r>
+                  <a:rPr lang="de-DE" sz="2400" u="sng" dirty="0">
+                    <a:solidFill>
+                      <a:schemeClr val="bg1"/>
+                    </a:solidFill>
+                  </a:rPr>
+                  <a:t>Within-class </a:t>
+                </a:r>
+                <a:r>
+                  <a:rPr lang="de-DE" sz="2400" u="sng" dirty="0" err="1">
+                    <a:solidFill>
+                      <a:schemeClr val="bg1"/>
+                    </a:solidFill>
+                  </a:rPr>
+                  <a:t>variance</a:t>
+                </a:r>
+                <a:endParaRPr lang="de-DE" sz="2400" u="sng" dirty="0">
+                  <a:solidFill>
+                    <a:schemeClr val="bg1"/>
+                  </a:solidFill>
+                </a:endParaRPr>
+              </a:p>
+              <a:p>
+                <a:endParaRPr lang="de-DE" u="sng" dirty="0">
+                  <a:solidFill>
+                    <a:schemeClr val="bg1"/>
+                  </a:solidFill>
+                </a:endParaRPr>
+              </a:p>
+              <a:p>
+                <a:pPr algn="ctr"/>
+                <a14:m>
+                  <m:oMathPara xmlns:m="http://schemas.openxmlformats.org/officeDocument/2006/math">
+                    <m:oMathParaPr>
+                      <m:jc m:val="centerGroup"/>
+                    </m:oMathParaPr>
+                    <m:oMath xmlns:m="http://schemas.openxmlformats.org/officeDocument/2006/math">
+                      <m:sSubSup>
+                        <m:sSubSupPr>
+                          <m:ctrlPr>
+                            <a:rPr lang="de-DE" sz="2000" i="1" smtClean="0">
+                              <a:solidFill>
+                                <a:schemeClr val="bg1"/>
+                              </a:solidFill>
+                              <a:latin typeface="Cambria Math" panose="02040503050406030204" pitchFamily="18" charset="0"/>
+                            </a:rPr>
+                          </m:ctrlPr>
+                        </m:sSubSupPr>
+                        <m:e>
+                          <m:r>
+                            <a:rPr lang="de-DE" sz="2000" i="1" smtClean="0">
+                              <a:solidFill>
+                                <a:schemeClr val="bg1"/>
+                              </a:solidFill>
+                              <a:latin typeface="Cambria Math" panose="02040503050406030204" pitchFamily="18" charset="0"/>
+                              <a:ea typeface="Cambria Math" panose="02040503050406030204" pitchFamily="18" charset="0"/>
+                            </a:rPr>
+                            <m:t>𝜎</m:t>
+                          </m:r>
+                        </m:e>
+                        <m:sub>
+                          <m:r>
+                            <a:rPr lang="de-DE" sz="2000" b="0" i="1" smtClean="0">
+                              <a:solidFill>
+                                <a:schemeClr val="bg1"/>
+                              </a:solidFill>
+                              <a:latin typeface="Cambria Math" panose="02040503050406030204" pitchFamily="18" charset="0"/>
+                              <a:ea typeface="Cambria Math" panose="02040503050406030204" pitchFamily="18" charset="0"/>
+                            </a:rPr>
+                            <m:t>𝑤</m:t>
+                          </m:r>
+                        </m:sub>
+                        <m:sup>
+                          <m:r>
+                            <a:rPr lang="de-DE" sz="2000" b="0" i="1" smtClean="0">
+                              <a:solidFill>
+                                <a:schemeClr val="bg1"/>
+                              </a:solidFill>
+                              <a:latin typeface="Cambria Math" panose="02040503050406030204" pitchFamily="18" charset="0"/>
+                            </a:rPr>
+                            <m:t>2</m:t>
+                          </m:r>
+                        </m:sup>
+                      </m:sSubSup>
+                      <m:r>
+                        <a:rPr lang="de-DE" sz="2000" i="1" smtClean="0">
+                          <a:solidFill>
+                            <a:schemeClr val="bg1"/>
+                          </a:solidFill>
+                          <a:latin typeface="Cambria Math" panose="02040503050406030204" pitchFamily="18" charset="0"/>
+                        </a:rPr>
+                        <m:t>=</m:t>
+                      </m:r>
+                      <m:sSub>
+                        <m:sSubPr>
+                          <m:ctrlPr>
+                            <a:rPr lang="de-DE" sz="2000" i="1" smtClean="0">
+                              <a:solidFill>
+                                <a:schemeClr val="bg1"/>
+                              </a:solidFill>
+                              <a:latin typeface="Cambria Math" panose="02040503050406030204" pitchFamily="18" charset="0"/>
+                            </a:rPr>
+                          </m:ctrlPr>
+                        </m:sSubPr>
+                        <m:e>
+                          <m:r>
+                            <a:rPr lang="de-DE" sz="2000" i="1" smtClean="0">
+                              <a:solidFill>
+                                <a:schemeClr val="bg1"/>
+                              </a:solidFill>
+                              <a:latin typeface="Cambria Math" panose="02040503050406030204" pitchFamily="18" charset="0"/>
+                              <a:ea typeface="Cambria Math" panose="02040503050406030204" pitchFamily="18" charset="0"/>
+                            </a:rPr>
+                            <m:t>𝜔</m:t>
+                          </m:r>
+                        </m:e>
+                        <m:sub>
+                          <m:r>
+                            <a:rPr lang="de-DE" sz="2000" b="0" i="1" smtClean="0">
+                              <a:solidFill>
+                                <a:schemeClr val="bg1"/>
+                              </a:solidFill>
+                              <a:latin typeface="Cambria Math" panose="02040503050406030204" pitchFamily="18" charset="0"/>
+                            </a:rPr>
+                            <m:t>0</m:t>
+                          </m:r>
+                        </m:sub>
+                      </m:sSub>
+                      <m:sSubSup>
+                        <m:sSubSupPr>
+                          <m:ctrlPr>
+                            <a:rPr lang="de-DE" sz="2000" b="0" i="1" smtClean="0">
+                              <a:solidFill>
+                                <a:schemeClr val="bg1"/>
+                              </a:solidFill>
+                              <a:latin typeface="Cambria Math" panose="02040503050406030204" pitchFamily="18" charset="0"/>
+                              <a:ea typeface="Cambria Math" panose="02040503050406030204" pitchFamily="18" charset="0"/>
+                            </a:rPr>
+                          </m:ctrlPr>
+                        </m:sSubSupPr>
+                        <m:e>
+                          <m:r>
+                            <a:rPr lang="de-DE" sz="2000" b="0" i="1" smtClean="0">
+                              <a:solidFill>
+                                <a:schemeClr val="bg1"/>
+                              </a:solidFill>
+                              <a:latin typeface="Cambria Math" panose="02040503050406030204" pitchFamily="18" charset="0"/>
+                              <a:ea typeface="Cambria Math" panose="02040503050406030204" pitchFamily="18" charset="0"/>
+                            </a:rPr>
+                            <m:t>𝜎</m:t>
+                          </m:r>
+                        </m:e>
+                        <m:sub>
+                          <m:r>
+                            <a:rPr lang="de-DE" sz="2000" b="0" i="1" smtClean="0">
+                              <a:solidFill>
+                                <a:schemeClr val="bg1"/>
+                              </a:solidFill>
+                              <a:latin typeface="Cambria Math" panose="02040503050406030204" pitchFamily="18" charset="0"/>
+                              <a:ea typeface="Cambria Math" panose="02040503050406030204" pitchFamily="18" charset="0"/>
+                            </a:rPr>
+                            <m:t>0</m:t>
+                          </m:r>
+                        </m:sub>
+                        <m:sup>
+                          <m:r>
+                            <a:rPr lang="de-DE" sz="2000" b="0" i="1" smtClean="0">
+                              <a:solidFill>
+                                <a:schemeClr val="bg1"/>
+                              </a:solidFill>
+                              <a:latin typeface="Cambria Math" panose="02040503050406030204" pitchFamily="18" charset="0"/>
+                              <a:ea typeface="Cambria Math" panose="02040503050406030204" pitchFamily="18" charset="0"/>
+                            </a:rPr>
+                            <m:t>2</m:t>
+                          </m:r>
+                        </m:sup>
+                      </m:sSubSup>
+                      <m:r>
+                        <a:rPr lang="de-DE" sz="2000" i="1">
+                          <a:solidFill>
+                            <a:schemeClr val="bg1"/>
+                          </a:solidFill>
+                          <a:latin typeface="Cambria Math" panose="02040503050406030204" pitchFamily="18" charset="0"/>
+                          <a:ea typeface="Cambria Math" panose="02040503050406030204" pitchFamily="18" charset="0"/>
+                        </a:rPr>
+                        <m:t>+</m:t>
+                      </m:r>
+                      <m:sSub>
+                        <m:sSubPr>
+                          <m:ctrlPr>
+                            <a:rPr lang="de-DE" sz="2000" i="1">
+                              <a:solidFill>
+                                <a:schemeClr val="bg1"/>
+                              </a:solidFill>
+                              <a:latin typeface="Cambria Math" panose="02040503050406030204" pitchFamily="18" charset="0"/>
+                            </a:rPr>
+                          </m:ctrlPr>
+                        </m:sSubPr>
+                        <m:e>
+                          <m:r>
+                            <a:rPr lang="de-DE" sz="2000" i="1">
+                              <a:solidFill>
+                                <a:schemeClr val="bg1"/>
+                              </a:solidFill>
+                              <a:latin typeface="Cambria Math" panose="02040503050406030204" pitchFamily="18" charset="0"/>
+                              <a:ea typeface="Cambria Math" panose="02040503050406030204" pitchFamily="18" charset="0"/>
+                            </a:rPr>
+                            <m:t>𝜔</m:t>
+                          </m:r>
+                        </m:e>
+                        <m:sub>
+                          <m:r>
+                            <a:rPr lang="de-DE" sz="2000" b="0" i="1" smtClean="0">
+                              <a:solidFill>
+                                <a:schemeClr val="bg1"/>
+                              </a:solidFill>
+                              <a:latin typeface="Cambria Math" panose="02040503050406030204" pitchFamily="18" charset="0"/>
+                              <a:ea typeface="Cambria Math" panose="02040503050406030204" pitchFamily="18" charset="0"/>
+                            </a:rPr>
+                            <m:t>1</m:t>
+                          </m:r>
+                        </m:sub>
+                      </m:sSub>
+                      <m:sSubSup>
+                        <m:sSubSupPr>
+                          <m:ctrlPr>
+                            <a:rPr lang="de-DE" sz="2000" i="1">
+                              <a:solidFill>
+                                <a:schemeClr val="bg1"/>
+                              </a:solidFill>
+                              <a:latin typeface="Cambria Math" panose="02040503050406030204" pitchFamily="18" charset="0"/>
+                              <a:ea typeface="Cambria Math" panose="02040503050406030204" pitchFamily="18" charset="0"/>
+                            </a:rPr>
+                          </m:ctrlPr>
+                        </m:sSubSupPr>
+                        <m:e>
+                          <m:r>
+                            <a:rPr lang="de-DE" sz="2000" i="1">
+                              <a:solidFill>
+                                <a:schemeClr val="bg1"/>
+                              </a:solidFill>
+                              <a:latin typeface="Cambria Math" panose="02040503050406030204" pitchFamily="18" charset="0"/>
+                              <a:ea typeface="Cambria Math" panose="02040503050406030204" pitchFamily="18" charset="0"/>
+                            </a:rPr>
+                            <m:t>𝜎</m:t>
+                          </m:r>
+                        </m:e>
+                        <m:sub>
+                          <m:r>
+                            <a:rPr lang="de-DE" sz="2000" b="0" i="1" smtClean="0">
+                              <a:solidFill>
+                                <a:schemeClr val="bg1"/>
+                              </a:solidFill>
+                              <a:latin typeface="Cambria Math" panose="02040503050406030204" pitchFamily="18" charset="0"/>
+                              <a:ea typeface="Cambria Math" panose="02040503050406030204" pitchFamily="18" charset="0"/>
+                            </a:rPr>
+                            <m:t>1</m:t>
+                          </m:r>
+                        </m:sub>
+                        <m:sup>
+                          <m:r>
+                            <a:rPr lang="de-DE" sz="2000" i="1">
+                              <a:solidFill>
+                                <a:schemeClr val="bg1"/>
+                              </a:solidFill>
+                              <a:latin typeface="Cambria Math" panose="02040503050406030204" pitchFamily="18" charset="0"/>
+                              <a:ea typeface="Cambria Math" panose="02040503050406030204" pitchFamily="18" charset="0"/>
+                            </a:rPr>
+                            <m:t>2</m:t>
+                          </m:r>
+                        </m:sup>
+                      </m:sSubSup>
+                    </m:oMath>
+                  </m:oMathPara>
+                </a14:m>
+                <a:endParaRPr lang="de-DE" i="1" dirty="0">
+                  <a:solidFill>
+                    <a:schemeClr val="bg1"/>
+                  </a:solidFill>
+                  <a:latin typeface="Cambria Math" panose="02040503050406030204" pitchFamily="18" charset="0"/>
+                </a:endParaRPr>
+              </a:p>
+              <a:p>
+                <a:pPr algn="ctr"/>
+                <a:endParaRPr lang="de-DE" sz="1200" i="1" dirty="0">
+                  <a:solidFill>
+                    <a:schemeClr val="bg1"/>
+                  </a:solidFill>
+                  <a:latin typeface="Cambria Math" panose="02040503050406030204" pitchFamily="18" charset="0"/>
+                </a:endParaRPr>
+              </a:p>
+              <a:p>
+                <a:pPr algn="ctr"/>
+                <a:endParaRPr lang="de-DE" sz="1200" i="1" dirty="0">
+                  <a:solidFill>
+                    <a:schemeClr val="bg1"/>
+                  </a:solidFill>
+                  <a:latin typeface="Cambria Math" panose="02040503050406030204" pitchFamily="18" charset="0"/>
+                </a:endParaRPr>
+              </a:p>
+              <a:p>
+                <a14:m>
+                  <m:oMath xmlns:m="http://schemas.openxmlformats.org/officeDocument/2006/math">
+                    <m:sSub>
+                      <m:sSubPr>
+                        <m:ctrlPr>
+                          <a:rPr lang="de-DE" i="1" smtClean="0">
+                            <a:solidFill>
+                              <a:schemeClr val="bg1"/>
+                            </a:solidFill>
+                            <a:latin typeface="Cambria Math" panose="02040503050406030204" pitchFamily="18" charset="0"/>
+                          </a:rPr>
+                        </m:ctrlPr>
+                      </m:sSubPr>
+                      <m:e>
+                        <m:r>
+                          <a:rPr lang="de-DE" i="1" smtClean="0">
+                            <a:solidFill>
+                              <a:schemeClr val="bg1"/>
+                            </a:solidFill>
+                            <a:latin typeface="Cambria Math" panose="02040503050406030204" pitchFamily="18" charset="0"/>
+                            <a:ea typeface="Cambria Math" panose="02040503050406030204" pitchFamily="18" charset="0"/>
+                          </a:rPr>
+                          <m:t>𝜔</m:t>
+                        </m:r>
+                      </m:e>
+                      <m:sub>
+                        <m:r>
+                          <a:rPr lang="de-DE" b="0" i="1" smtClean="0">
+                            <a:solidFill>
+                              <a:schemeClr val="bg1"/>
+                            </a:solidFill>
+                            <a:latin typeface="Cambria Math" panose="02040503050406030204" pitchFamily="18" charset="0"/>
+                          </a:rPr>
+                          <m:t>0,1</m:t>
+                        </m:r>
+                      </m:sub>
+                    </m:sSub>
+                  </m:oMath>
+                </a14:m>
+                <a:r>
+                  <a:rPr lang="de-DE" sz="1600" dirty="0">
+                    <a:solidFill>
+                      <a:schemeClr val="bg1"/>
+                    </a:solidFill>
+                  </a:rPr>
+                  <a:t> = </a:t>
+                </a:r>
+                <a:r>
+                  <a:rPr lang="de-DE" sz="1600" dirty="0" err="1">
+                    <a:solidFill>
+                      <a:schemeClr val="bg1"/>
+                    </a:solidFill>
+                  </a:rPr>
+                  <a:t>Probabilities</a:t>
+                </a:r>
+                <a:r>
+                  <a:rPr lang="de-DE" sz="1600" dirty="0">
+                    <a:solidFill>
+                      <a:schemeClr val="bg1"/>
+                    </a:solidFill>
+                  </a:rPr>
+                  <a:t> </a:t>
+                </a:r>
+                <a:r>
+                  <a:rPr lang="de-DE" sz="1600" dirty="0" err="1">
+                    <a:solidFill>
+                      <a:schemeClr val="bg1"/>
+                    </a:solidFill>
+                  </a:rPr>
+                  <a:t>of</a:t>
+                </a:r>
+                <a:r>
+                  <a:rPr lang="de-DE" sz="1600" dirty="0">
+                    <a:solidFill>
+                      <a:schemeClr val="bg1"/>
+                    </a:solidFill>
+                  </a:rPr>
+                  <a:t> </a:t>
+                </a:r>
+                <a:r>
+                  <a:rPr lang="de-DE" sz="1600" dirty="0" err="1">
+                    <a:solidFill>
+                      <a:schemeClr val="bg1"/>
+                    </a:solidFill>
+                  </a:rPr>
+                  <a:t>calss</a:t>
+                </a:r>
+                <a:r>
+                  <a:rPr lang="de-DE" sz="1600" dirty="0">
+                    <a:solidFill>
+                      <a:schemeClr val="bg1"/>
+                    </a:solidFill>
+                  </a:rPr>
+                  <a:t> </a:t>
+                </a:r>
+                <a:r>
+                  <a:rPr lang="de-DE" sz="1600" dirty="0" err="1">
+                    <a:solidFill>
+                      <a:schemeClr val="bg1"/>
+                    </a:solidFill>
+                  </a:rPr>
+                  <a:t>occurrence</a:t>
+                </a:r>
+                <a:endParaRPr lang="de-DE" sz="1600" dirty="0">
+                  <a:solidFill>
+                    <a:schemeClr val="bg1"/>
+                  </a:solidFill>
+                </a:endParaRPr>
+              </a:p>
+              <a:p>
+                <a:endParaRPr lang="de-DE" sz="1600" dirty="0"/>
+              </a:p>
+              <a:p>
+                <a14:m>
+                  <m:oMath xmlns:m="http://schemas.openxmlformats.org/officeDocument/2006/math">
+                    <m:sSubSup>
+                      <m:sSubSupPr>
+                        <m:ctrlPr>
+                          <a:rPr lang="de-DE" b="0" i="1" smtClean="0">
+                            <a:solidFill>
+                              <a:schemeClr val="bg1"/>
+                            </a:solidFill>
+                            <a:latin typeface="Cambria Math" panose="02040503050406030204" pitchFamily="18" charset="0"/>
+                            <a:ea typeface="Cambria Math" panose="02040503050406030204" pitchFamily="18" charset="0"/>
+                          </a:rPr>
+                        </m:ctrlPr>
+                      </m:sSubSupPr>
+                      <m:e>
+                        <m:r>
+                          <a:rPr lang="de-DE" b="0" i="1" smtClean="0">
+                            <a:solidFill>
+                              <a:schemeClr val="bg1"/>
+                            </a:solidFill>
+                            <a:latin typeface="Cambria Math" panose="02040503050406030204" pitchFamily="18" charset="0"/>
+                            <a:ea typeface="Cambria Math" panose="02040503050406030204" pitchFamily="18" charset="0"/>
+                          </a:rPr>
+                          <m:t>𝜎</m:t>
+                        </m:r>
+                      </m:e>
+                      <m:sub>
+                        <m:r>
+                          <a:rPr lang="de-DE" b="0" i="1" smtClean="0">
+                            <a:solidFill>
+                              <a:schemeClr val="bg1"/>
+                            </a:solidFill>
+                            <a:latin typeface="Cambria Math" panose="02040503050406030204" pitchFamily="18" charset="0"/>
+                            <a:ea typeface="Cambria Math" panose="02040503050406030204" pitchFamily="18" charset="0"/>
+                          </a:rPr>
+                          <m:t>0,1</m:t>
+                        </m:r>
+                      </m:sub>
+                      <m:sup>
+                        <m:r>
+                          <a:rPr lang="de-DE" b="0" i="1" smtClean="0">
+                            <a:solidFill>
+                              <a:schemeClr val="bg1"/>
+                            </a:solidFill>
+                            <a:latin typeface="Cambria Math" panose="02040503050406030204" pitchFamily="18" charset="0"/>
+                            <a:ea typeface="Cambria Math" panose="02040503050406030204" pitchFamily="18" charset="0"/>
+                          </a:rPr>
+                          <m:t>2</m:t>
+                        </m:r>
+                      </m:sup>
+                    </m:sSubSup>
+                    <m:r>
+                      <a:rPr lang="de-DE" b="0" i="0" smtClean="0">
+                        <a:solidFill>
+                          <a:schemeClr val="bg1"/>
+                        </a:solidFill>
+                        <a:latin typeface="Cambria Math" panose="02040503050406030204" pitchFamily="18" charset="0"/>
+                        <a:ea typeface="Cambria Math" panose="02040503050406030204" pitchFamily="18" charset="0"/>
+                      </a:rPr>
+                      <m:t> </m:t>
+                    </m:r>
+                  </m:oMath>
+                </a14:m>
+                <a:r>
+                  <a:rPr lang="de-DE" dirty="0">
+                    <a:solidFill>
+                      <a:schemeClr val="bg1"/>
+                    </a:solidFill>
+                  </a:rPr>
+                  <a:t>= Class </a:t>
+                </a:r>
+                <a:r>
+                  <a:rPr lang="de-DE" dirty="0" err="1">
+                    <a:solidFill>
+                      <a:schemeClr val="bg1"/>
+                    </a:solidFill>
+                  </a:rPr>
+                  <a:t>variances</a:t>
+                </a:r>
+                <a:endParaRPr lang="de-DE" dirty="0">
+                  <a:solidFill>
+                    <a:schemeClr val="bg1"/>
+                  </a:solidFill>
+                </a:endParaRPr>
+              </a:p>
+            </p:txBody>
+          </p:sp>
+        </mc:Choice>
+        <mc:Fallback xmlns="">
+          <p:sp>
+            <p:nvSpPr>
+              <p:cNvPr id="19" name="Textfeld 18">
+                <a:extLst>
+                  <a:ext uri="{FF2B5EF4-FFF2-40B4-BE49-F238E27FC236}">
+                    <a16:creationId xmlns:a16="http://schemas.microsoft.com/office/drawing/2014/main" id="{A9A9B6FC-43EE-F488-1956-A67D3D9449CB}"/>
+                  </a:ext>
+                </a:extLst>
+              </p:cNvPr>
+              <p:cNvSpPr txBox="1">
+                <a:spLocks noRot="1" noChangeAspect="1" noMove="1" noResize="1" noEditPoints="1" noAdjustHandles="1" noChangeArrowheads="1" noChangeShapeType="1" noTextEdit="1"/>
+              </p:cNvSpPr>
+              <p:nvPr/>
+            </p:nvSpPr>
+            <p:spPr>
+              <a:xfrm flipH="1">
+                <a:off x="6675120" y="3215640"/>
+                <a:ext cx="4419600" cy="2260619"/>
+              </a:xfrm>
+              <a:prstGeom prst="rect">
+                <a:avLst/>
+              </a:prstGeom>
+              <a:blipFill>
+                <a:blip r:embed="rId8"/>
+                <a:stretch>
+                  <a:fillRect t="-1892" b="-2703"/>
+                </a:stretch>
+              </a:blipFill>
+            </p:spPr>
+            <p:txBody>
+              <a:bodyPr/>
+              <a:lstStyle/>
+              <a:p>
+                <a:r>
+                  <a:rPr lang="de-DE">
+                    <a:noFill/>
+                  </a:rPr>
+                  <a:t> </a:t>
+                </a:r>
+              </a:p>
+            </p:txBody>
+          </p:sp>
+        </mc:Fallback>
+      </mc:AlternateContent>
+    </p:spTree>
+    <p:extLst>
+      <p:ext uri="{BB962C8B-B14F-4D97-AF65-F5344CB8AC3E}">
+        <p14:creationId xmlns:p14="http://schemas.microsoft.com/office/powerpoint/2010/main" val="3512102390"/>
+      </p:ext>
+    </p:extLst>
+  </p:cSld>
+  <p:clrMapOvr>
+    <a:masterClrMapping/>
+  </p:clrMapOvr>
+  <p:timing>
+    <p:tnLst>
+      <p:par>
+        <p:cTn id="1" dur="indefinite" restart="never" nodeType="tmRoot">
+          <p:childTnLst>
+            <p:seq concurrent="1" nextAc="seek">
+              <p:cTn id="2" dur="indefinite" nodeType="mainSeq">
+                <p:childTnLst>
+                  <p:par>
+                    <p:cTn id="3" fill="hold">
+                      <p:stCondLst>
+                        <p:cond delay="indefinite"/>
+                      </p:stCondLst>
+                      <p:childTnLst>
+                        <p:par>
+                          <p:cTn id="4" fill="hold">
+                            <p:stCondLst>
+                              <p:cond delay="0"/>
+                            </p:stCondLst>
+                            <p:childTnLst>
+                              <p:par>
+                                <p:cTn id="5" presetID="10" presetClass="entr" presetSubtype="0" fill="hold" grpId="0" nodeType="clickEffect">
+                                  <p:stCondLst>
+                                    <p:cond delay="0"/>
+                                  </p:stCondLst>
+                                  <p:childTnLst>
+                                    <p:set>
+                                      <p:cBhvr>
+                                        <p:cTn id="6" dur="1" fill="hold">
+                                          <p:stCondLst>
+                                            <p:cond delay="0"/>
+                                          </p:stCondLst>
+                                        </p:cTn>
+                                        <p:tgtEl>
+                                          <p:spTgt spid="18"/>
+                                        </p:tgtEl>
+                                        <p:attrNameLst>
+                                          <p:attrName>style.visibility</p:attrName>
+                                        </p:attrNameLst>
+                                      </p:cBhvr>
+                                      <p:to>
+                                        <p:strVal val="visible"/>
+                                      </p:to>
+                                    </p:set>
+                                    <p:animEffect transition="in" filter="fade">
+                                      <p:cBhvr>
+                                        <p:cTn id="7" dur="500"/>
+                                        <p:tgtEl>
+                                          <p:spTgt spid="18"/>
+                                        </p:tgtEl>
+                                      </p:cBhvr>
+                                    </p:animEffect>
+                                  </p:childTnLst>
+                                </p:cTn>
+                              </p:par>
+                              <p:par>
+                                <p:cTn id="8" presetID="10" presetClass="entr" presetSubtype="0" fill="hold" grpId="0" nodeType="withEffect">
+                                  <p:stCondLst>
+                                    <p:cond delay="0"/>
+                                  </p:stCondLst>
+                                  <p:childTnLst>
+                                    <p:set>
+                                      <p:cBhvr>
+                                        <p:cTn id="9" dur="1" fill="hold">
+                                          <p:stCondLst>
+                                            <p:cond delay="0"/>
+                                          </p:stCondLst>
+                                        </p:cTn>
+                                        <p:tgtEl>
+                                          <p:spTgt spid="19"/>
+                                        </p:tgtEl>
+                                        <p:attrNameLst>
+                                          <p:attrName>style.visibility</p:attrName>
+                                        </p:attrNameLst>
+                                      </p:cBhvr>
+                                      <p:to>
+                                        <p:strVal val="visible"/>
+                                      </p:to>
+                                    </p:set>
+                                    <p:animEffect transition="in" filter="fade">
+                                      <p:cBhvr>
+                                        <p:cTn id="10" dur="500"/>
+                                        <p:tgtEl>
+                                          <p:spTgt spid="19"/>
+                                        </p:tgtEl>
+                                      </p:cBhvr>
+                                    </p:animEffect>
+                                  </p:childTnLst>
+                                </p:cTn>
+                              </p:par>
+                              <p:par>
+                                <p:cTn id="11" presetID="10" presetClass="entr" presetSubtype="0" fill="hold" grpId="0" nodeType="withEffect">
+                                  <p:stCondLst>
+                                    <p:cond delay="0"/>
+                                  </p:stCondLst>
+                                  <p:childTnLst>
+                                    <p:set>
+                                      <p:cBhvr>
+                                        <p:cTn id="12" dur="1" fill="hold">
+                                          <p:stCondLst>
+                                            <p:cond delay="0"/>
+                                          </p:stCondLst>
+                                        </p:cTn>
+                                        <p:tgtEl>
+                                          <p:spTgt spid="17"/>
+                                        </p:tgtEl>
+                                        <p:attrNameLst>
+                                          <p:attrName>style.visibility</p:attrName>
+                                        </p:attrNameLst>
+                                      </p:cBhvr>
+                                      <p:to>
+                                        <p:strVal val="visible"/>
+                                      </p:to>
+                                    </p:set>
+                                    <p:animEffect transition="in" filter="fade">
+                                      <p:cBhvr>
+                                        <p:cTn id="13" dur="500"/>
+                                        <p:tgtEl>
+                                          <p:spTgt spid="17"/>
+                                        </p:tgtEl>
+                                      </p:cBhvr>
+                                    </p:animEffect>
+                                  </p:childTnLst>
+                                </p:cTn>
+                              </p:par>
+                            </p:childTnLst>
+                          </p:cTn>
+                        </p:par>
+                      </p:childTnLst>
+                    </p:cTn>
+                  </p:par>
+                </p:childTnLst>
+              </p:cTn>
+              <p:prevCondLst>
+                <p:cond evt="onPrev" delay="0">
+                  <p:tgtEl>
+                    <p:sldTgt/>
+                  </p:tgtEl>
+                </p:cond>
+              </p:prevCondLst>
+              <p:nextCondLst>
+                <p:cond evt="onNext" delay="0">
+                  <p:tgtEl>
+                    <p:sldTgt/>
+                  </p:tgtEl>
+                </p:cond>
+              </p:nextCondLst>
+            </p:seq>
+          </p:childTnLst>
+        </p:cTn>
+      </p:par>
+    </p:tnLst>
+    <p:bldLst>
+      <p:bldGraphic spid="17" grpId="0">
+        <p:bldAsOne/>
+      </p:bldGraphic>
+      <p:bldP spid="18" grpId="0"/>
+      <p:bldP spid="19" grpId="0"/>
+    </p:bldLst>
+  </p:timing>
+</p:sld>
+</file>
+
+<file path=ppt/slides/slide14.xml><?xml version="1.0" encoding="utf-8"?>
+<p:sld xmlns:a="http://schemas.openxmlformats.org/drawingml/2006/main" xmlns:r="http://schemas.openxmlformats.org/officeDocument/2006/relationships" xmlns:p="http://schemas.openxmlformats.org/presentationml/2006/main">
+  <p:cSld>
+    <p:spTree>
+      <p:nvGrpSpPr>
+        <p:cNvPr id="1" name=""/>
+        <p:cNvGrpSpPr/>
+        <p:nvPr/>
+      </p:nvGrpSpPr>
+      <p:grpSpPr>
+        <a:xfrm>
+          <a:off x="0" y="0"/>
+          <a:ext cx="0" cy="0"/>
+          <a:chOff x="0" y="0"/>
+          <a:chExt cx="0" cy="0"/>
+        </a:xfrm>
+      </p:grpSpPr>
+      <mc:AlternateContent xmlns:mc="http://schemas.openxmlformats.org/markup-compatibility/2006" xmlns:a14="http://schemas.microsoft.com/office/drawing/2010/main">
+        <mc:Choice Requires="a14">
           <p:graphicFrame>
             <p:nvGraphicFramePr>
               <p:cNvPr id="12" name="Diagramm 11">
@@ -30872,7 +33341,7 @@
             </a:graphic>
           </p:graphicFrame>
         </mc:Choice>
-        <mc:Fallback>
+        <mc:Fallback xmlns="">
           <p:graphicFrame>
             <p:nvGraphicFramePr>
               <p:cNvPr id="12" name="Diagramm 11">
@@ -30897,7 +33366,7 @@
             </p:xfrm>
             <a:graphic>
               <a:graphicData uri="http://schemas.openxmlformats.org/drawingml/2006/diagram">
-                <dgm:relIds xmlns:dgm="http://schemas.openxmlformats.org/drawingml/2006/diagram" xmlns:r="http://schemas.openxmlformats.org/officeDocument/2006/relationships" r:dm="rId7" r:lo="rId3" r:qs="rId4" r:cs="rId5"/>
+                <dgm:relIds xmlns:dgm="http://schemas.openxmlformats.org/drawingml/2006/diagram" xmlns:r="http://schemas.openxmlformats.org/officeDocument/2006/relationships" r:dm="rId7" r:lo="rId8" r:qs="rId9" r:cs="rId10"/>
               </a:graphicData>
             </a:graphic>
           </p:graphicFrame>
@@ -30927,7 +33396,7 @@
         </p:xfrm>
         <a:graphic>
           <a:graphicData uri="http://schemas.openxmlformats.org/drawingml/2006/diagram">
-            <dgm:relIds xmlns:dgm="http://schemas.openxmlformats.org/drawingml/2006/diagram" xmlns:r="http://schemas.openxmlformats.org/officeDocument/2006/relationships" r:dm="rId8" r:lo="rId9" r:qs="rId10" r:cs="rId11"/>
+            <dgm:relIds xmlns:dgm="http://schemas.openxmlformats.org/drawingml/2006/diagram" xmlns:r="http://schemas.openxmlformats.org/officeDocument/2006/relationships" r:dm="rId11" r:lo="rId12" r:qs="rId13" r:cs="rId14"/>
           </a:graphicData>
         </a:graphic>
       </p:graphicFrame>
@@ -30977,7 +33446,7 @@
 </p:sld>
 </file>
 
-<file path=ppt/slides/slide11.xml><?xml version="1.0" encoding="utf-8"?>
+<file path=ppt/slides/slide15.xml><?xml version="1.0" encoding="utf-8"?>
 <p:sld xmlns:a="http://schemas.openxmlformats.org/drawingml/2006/main" xmlns:r="http://schemas.openxmlformats.org/officeDocument/2006/relationships" xmlns:p="http://schemas.openxmlformats.org/presentationml/2006/main">
   <p:cSld>
     <p:spTree>
@@ -31031,8 +33500,8 @@
           </a:p>
         </p:txBody>
       </p:sp>
-      <mc:AlternateContent xmlns:mc="http://schemas.openxmlformats.org/markup-compatibility/2006">
-        <mc:Choice xmlns:a14="http://schemas.microsoft.com/office/drawing/2010/main" Requires="a14">
+      <mc:AlternateContent xmlns:mc="http://schemas.openxmlformats.org/markup-compatibility/2006" xmlns:a14="http://schemas.microsoft.com/office/drawing/2010/main">
+        <mc:Choice Requires="a14">
           <p:graphicFrame>
             <p:nvGraphicFramePr>
               <p:cNvPr id="5" name="Diagramm 4">
@@ -31062,7 +33531,7 @@
             </a:graphic>
           </p:graphicFrame>
         </mc:Choice>
-        <mc:Fallback>
+        <mc:Fallback xmlns="">
           <p:graphicFrame>
             <p:nvGraphicFramePr>
               <p:cNvPr id="5" name="Diagramm 4">
@@ -31087,7 +33556,7 @@
             </p:xfrm>
             <a:graphic>
               <a:graphicData uri="http://schemas.openxmlformats.org/drawingml/2006/diagram">
-                <dgm:relIds xmlns:dgm="http://schemas.openxmlformats.org/drawingml/2006/diagram" xmlns:r="http://schemas.openxmlformats.org/officeDocument/2006/relationships" r:dm="rId7" r:lo="rId3" r:qs="rId4" r:cs="rId5"/>
+                <dgm:relIds xmlns:dgm="http://schemas.openxmlformats.org/drawingml/2006/diagram" xmlns:r="http://schemas.openxmlformats.org/officeDocument/2006/relationships" r:dm="rId7" r:lo="rId8" r:qs="rId9" r:cs="rId10"/>
               </a:graphicData>
             </a:graphic>
           </p:graphicFrame>
@@ -31110,13 +33579,13 @@
           </p:nvPr>
         </p:nvPicPr>
         <p:blipFill>
-          <a:blip r:embed="rId8">
+          <a:blip r:embed="rId11">
             <a:extLst>
               <a:ext uri="{28A0092B-C50C-407E-A947-70E740481C1C}">
                 <a14:useLocalDpi xmlns:a14="http://schemas.microsoft.com/office/drawing/2010/main" val="0"/>
               </a:ext>
               <a:ext uri="{96DAC541-7B7A-43D3-8B79-37D633B846F1}">
-                <asvg:svgBlip xmlns:asvg="http://schemas.microsoft.com/office/drawing/2016/SVG/main" r:embed="rId9"/>
+                <asvg:svgBlip xmlns:asvg="http://schemas.microsoft.com/office/drawing/2016/SVG/main" r:embed="rId12"/>
               </a:ext>
             </a:extLst>
           </a:blip>
@@ -31257,13 +33726,13 @@
           <p:nvPr/>
         </p:nvPicPr>
         <p:blipFill>
-          <a:blip r:embed="rId10">
+          <a:blip r:embed="rId13">
             <a:extLst>
               <a:ext uri="{28A0092B-C50C-407E-A947-70E740481C1C}">
                 <a14:useLocalDpi xmlns:a14="http://schemas.microsoft.com/office/drawing/2010/main" val="0"/>
               </a:ext>
               <a:ext uri="{96DAC541-7B7A-43D3-8B79-37D633B846F1}">
-                <asvg:svgBlip xmlns:asvg="http://schemas.microsoft.com/office/drawing/2016/SVG/main" r:embed="rId11"/>
+                <asvg:svgBlip xmlns:asvg="http://schemas.microsoft.com/office/drawing/2016/SVG/main" r:embed="rId14"/>
               </a:ext>
             </a:extLst>
           </a:blip>
@@ -31296,13 +33765,13 @@
           <p:nvPr/>
         </p:nvPicPr>
         <p:blipFill>
-          <a:blip r:embed="rId12">
+          <a:blip r:embed="rId15">
             <a:extLst>
               <a:ext uri="{28A0092B-C50C-407E-A947-70E740481C1C}">
                 <a14:useLocalDpi xmlns:a14="http://schemas.microsoft.com/office/drawing/2010/main" val="0"/>
               </a:ext>
               <a:ext uri="{96DAC541-7B7A-43D3-8B79-37D633B846F1}">
-                <asvg:svgBlip xmlns:asvg="http://schemas.microsoft.com/office/drawing/2016/SVG/main" r:embed="rId13"/>
+                <asvg:svgBlip xmlns:asvg="http://schemas.microsoft.com/office/drawing/2016/SVG/main" r:embed="rId16"/>
               </a:ext>
             </a:extLst>
           </a:blip>
@@ -31335,13 +33804,13 @@
           <p:nvPr/>
         </p:nvPicPr>
         <p:blipFill>
-          <a:blip r:embed="rId14">
+          <a:blip r:embed="rId17">
             <a:extLst>
               <a:ext uri="{28A0092B-C50C-407E-A947-70E740481C1C}">
                 <a14:useLocalDpi xmlns:a14="http://schemas.microsoft.com/office/drawing/2010/main" val="0"/>
               </a:ext>
               <a:ext uri="{96DAC541-7B7A-43D3-8B79-37D633B846F1}">
-                <asvg:svgBlip xmlns:asvg="http://schemas.microsoft.com/office/drawing/2016/SVG/main" r:embed="rId15"/>
+                <asvg:svgBlip xmlns:asvg="http://schemas.microsoft.com/office/drawing/2016/SVG/main" r:embed="rId18"/>
               </a:ext>
             </a:extLst>
           </a:blip>
@@ -31374,13 +33843,13 @@
           <p:nvPr/>
         </p:nvPicPr>
         <p:blipFill>
-          <a:blip r:embed="rId16">
+          <a:blip r:embed="rId19">
             <a:extLst>
               <a:ext uri="{28A0092B-C50C-407E-A947-70E740481C1C}">
                 <a14:useLocalDpi xmlns:a14="http://schemas.microsoft.com/office/drawing/2010/main" val="0"/>
               </a:ext>
               <a:ext uri="{96DAC541-7B7A-43D3-8B79-37D633B846F1}">
-                <asvg:svgBlip xmlns:asvg="http://schemas.microsoft.com/office/drawing/2016/SVG/main" r:embed="rId17"/>
+                <asvg:svgBlip xmlns:asvg="http://schemas.microsoft.com/office/drawing/2016/SVG/main" r:embed="rId20"/>
               </a:ext>
             </a:extLst>
           </a:blip>
@@ -31413,13 +33882,13 @@
           <p:nvPr/>
         </p:nvPicPr>
         <p:blipFill>
-          <a:blip r:embed="rId18">
+          <a:blip r:embed="rId21">
             <a:extLst>
               <a:ext uri="{28A0092B-C50C-407E-A947-70E740481C1C}">
                 <a14:useLocalDpi xmlns:a14="http://schemas.microsoft.com/office/drawing/2010/main" val="0"/>
               </a:ext>
               <a:ext uri="{96DAC541-7B7A-43D3-8B79-37D633B846F1}">
-                <asvg:svgBlip xmlns:asvg="http://schemas.microsoft.com/office/drawing/2016/SVG/main" r:embed="rId19"/>
+                <asvg:svgBlip xmlns:asvg="http://schemas.microsoft.com/office/drawing/2016/SVG/main" r:embed="rId22"/>
               </a:ext>
             </a:extLst>
           </a:blip>
@@ -31452,13 +33921,13 @@
           <p:nvPr/>
         </p:nvPicPr>
         <p:blipFill>
-          <a:blip r:embed="rId20">
+          <a:blip r:embed="rId23">
             <a:extLst>
               <a:ext uri="{28A0092B-C50C-407E-A947-70E740481C1C}">
                 <a14:useLocalDpi xmlns:a14="http://schemas.microsoft.com/office/drawing/2010/main" val="0"/>
               </a:ext>
               <a:ext uri="{96DAC541-7B7A-43D3-8B79-37D633B846F1}">
-                <asvg:svgBlip xmlns:asvg="http://schemas.microsoft.com/office/drawing/2016/SVG/main" r:embed="rId21"/>
+                <asvg:svgBlip xmlns:asvg="http://schemas.microsoft.com/office/drawing/2016/SVG/main" r:embed="rId24"/>
               </a:ext>
             </a:extLst>
           </a:blip>
@@ -31489,7 +33958,7 @@
 </p:sld>
 </file>
 
-<file path=ppt/slides/slide12.xml><?xml version="1.0" encoding="utf-8"?>
+<file path=ppt/slides/slide16.xml><?xml version="1.0" encoding="utf-8"?>
 <p:sld xmlns:a="http://schemas.openxmlformats.org/drawingml/2006/main" xmlns:r="http://schemas.openxmlformats.org/officeDocument/2006/relationships" xmlns:p="http://schemas.openxmlformats.org/presentationml/2006/main">
   <p:cSld>
     <p:spTree>
@@ -32260,7 +34729,7 @@
 </p:sld>
 </file>
 
-<file path=ppt/slides/slide13.xml><?xml version="1.0" encoding="utf-8"?>
+<file path=ppt/slides/slide17.xml><?xml version="1.0" encoding="utf-8"?>
 <p:sld xmlns:a="http://schemas.openxmlformats.org/drawingml/2006/main" xmlns:r="http://schemas.openxmlformats.org/officeDocument/2006/relationships" xmlns:p="http://schemas.openxmlformats.org/presentationml/2006/main">
   <p:cSld>
     <p:bg>
@@ -32749,7 +35218,7 @@
 </p:sld>
 </file>
 
-<file path=ppt/slides/slide14.xml><?xml version="1.0" encoding="utf-8"?>
+<file path=ppt/slides/slide18.xml><?xml version="1.0" encoding="utf-8"?>
 <p:sld xmlns:a="http://schemas.openxmlformats.org/drawingml/2006/main" xmlns:r="http://schemas.openxmlformats.org/officeDocument/2006/relationships" xmlns:p="http://schemas.openxmlformats.org/presentationml/2006/main">
   <p:cSld>
     <p:spTree>
@@ -32928,7 +35397,7 @@
 </p:sld>
 </file>
 
-<file path=ppt/slides/slide15.xml><?xml version="1.0" encoding="utf-8"?>
+<file path=ppt/slides/slide19.xml><?xml version="1.0" encoding="utf-8"?>
 <p:sld xmlns:a="http://schemas.openxmlformats.org/drawingml/2006/main" xmlns:r="http://schemas.openxmlformats.org/officeDocument/2006/relationships" xmlns:p="http://schemas.openxmlformats.org/presentationml/2006/main">
   <p:cSld>
     <p:bg>
@@ -33638,7 +36107,387 @@
 </p:sld>
 </file>
 
-<file path=ppt/slides/slide16.xml><?xml version="1.0" encoding="utf-8"?>
+<file path=ppt/slides/slide2.xml><?xml version="1.0" encoding="utf-8"?>
+<p:sld xmlns:a="http://schemas.openxmlformats.org/drawingml/2006/main" xmlns:r="http://schemas.openxmlformats.org/officeDocument/2006/relationships" xmlns:p="http://schemas.openxmlformats.org/presentationml/2006/main">
+  <p:cSld>
+    <p:spTree>
+      <p:nvGrpSpPr>
+        <p:cNvPr id="1" name=""/>
+        <p:cNvGrpSpPr/>
+        <p:nvPr/>
+      </p:nvGrpSpPr>
+      <p:grpSpPr>
+        <a:xfrm>
+          <a:off x="0" y="0"/>
+          <a:ext cx="0" cy="0"/>
+          <a:chOff x="0" y="0"/>
+          <a:chExt cx="0" cy="0"/>
+        </a:xfrm>
+      </p:grpSpPr>
+      <p:pic>
+        <p:nvPicPr>
+          <p:cNvPr id="3" name="Graphic 2" descr="Microscope outline">
+            <a:extLst>
+              <a:ext uri="{FF2B5EF4-FFF2-40B4-BE49-F238E27FC236}">
+                <a16:creationId xmlns:a16="http://schemas.microsoft.com/office/drawing/2014/main" id="{E819D09F-C484-DE12-463A-43276E296719}"/>
+              </a:ext>
+            </a:extLst>
+          </p:cNvPr>
+          <p:cNvPicPr>
+            <a:picLocks noChangeAspect="1"/>
+          </p:cNvPicPr>
+          <p:nvPr/>
+        </p:nvPicPr>
+        <p:blipFill>
+          <a:blip r:embed="rId2">
+            <a:extLst>
+              <a:ext uri="{28A0092B-C50C-407E-A947-70E740481C1C}">
+                <a14:useLocalDpi xmlns:a14="http://schemas.microsoft.com/office/drawing/2010/main" val="0"/>
+              </a:ext>
+              <a:ext uri="{96DAC541-7B7A-43D3-8B79-37D633B846F1}">
+                <asvg:svgBlip xmlns:asvg="http://schemas.microsoft.com/office/drawing/2016/SVG/main" r:embed="rId3"/>
+              </a:ext>
+            </a:extLst>
+          </a:blip>
+          <a:stretch>
+            <a:fillRect/>
+          </a:stretch>
+        </p:blipFill>
+        <p:spPr>
+          <a:xfrm>
+            <a:off x="852791" y="2213043"/>
+            <a:ext cx="3738664" cy="3738664"/>
+          </a:xfrm>
+          <a:prstGeom prst="rect">
+            <a:avLst/>
+          </a:prstGeom>
+        </p:spPr>
+      </p:pic>
+      <p:pic>
+        <p:nvPicPr>
+          <p:cNvPr id="5" name="Graphic 4" descr="Magnifying glass with solid fill">
+            <a:extLst>
+              <a:ext uri="{FF2B5EF4-FFF2-40B4-BE49-F238E27FC236}">
+                <a16:creationId xmlns:a16="http://schemas.microsoft.com/office/drawing/2014/main" id="{E813FA24-824C-13F8-51A2-356AA5BCE3D5}"/>
+              </a:ext>
+            </a:extLst>
+          </p:cNvPr>
+          <p:cNvPicPr>
+            <a:picLocks noChangeAspect="1"/>
+          </p:cNvPicPr>
+          <p:nvPr/>
+        </p:nvPicPr>
+        <p:blipFill>
+          <a:blip r:embed="rId4">
+            <a:extLst>
+              <a:ext uri="{28A0092B-C50C-407E-A947-70E740481C1C}">
+                <a14:useLocalDpi xmlns:a14="http://schemas.microsoft.com/office/drawing/2010/main" val="0"/>
+              </a:ext>
+              <a:ext uri="{96DAC541-7B7A-43D3-8B79-37D633B846F1}">
+                <asvg:svgBlip xmlns:asvg="http://schemas.microsoft.com/office/drawing/2016/SVG/main" r:embed="rId5"/>
+              </a:ext>
+            </a:extLst>
+          </a:blip>
+          <a:stretch>
+            <a:fillRect/>
+          </a:stretch>
+        </p:blipFill>
+        <p:spPr>
+          <a:xfrm>
+            <a:off x="4218562" y="802532"/>
+            <a:ext cx="2970178" cy="2970178"/>
+          </a:xfrm>
+          <a:prstGeom prst="rect">
+            <a:avLst/>
+          </a:prstGeom>
+        </p:spPr>
+      </p:pic>
+      <p:pic>
+        <p:nvPicPr>
+          <p:cNvPr id="7" name="Graphic 6" descr="Germ with solid fill">
+            <a:extLst>
+              <a:ext uri="{FF2B5EF4-FFF2-40B4-BE49-F238E27FC236}">
+                <a16:creationId xmlns:a16="http://schemas.microsoft.com/office/drawing/2014/main" id="{CF18E3F3-BD93-15ED-323D-3A7DF1F265C2}"/>
+              </a:ext>
+            </a:extLst>
+          </p:cNvPr>
+          <p:cNvPicPr>
+            <a:picLocks noChangeAspect="1"/>
+          </p:cNvPicPr>
+          <p:nvPr/>
+        </p:nvPicPr>
+        <p:blipFill>
+          <a:blip r:embed="rId6">
+            <a:extLst>
+              <a:ext uri="{28A0092B-C50C-407E-A947-70E740481C1C}">
+                <a14:useLocalDpi xmlns:a14="http://schemas.microsoft.com/office/drawing/2010/main" val="0"/>
+              </a:ext>
+              <a:ext uri="{96DAC541-7B7A-43D3-8B79-37D633B846F1}">
+                <asvg:svgBlip xmlns:asvg="http://schemas.microsoft.com/office/drawing/2016/SVG/main" r:embed="rId7"/>
+              </a:ext>
+            </a:extLst>
+          </a:blip>
+          <a:stretch>
+            <a:fillRect/>
+          </a:stretch>
+        </p:blipFill>
+        <p:spPr>
+          <a:xfrm>
+            <a:off x="5077839" y="1631004"/>
+            <a:ext cx="656617" cy="656617"/>
+          </a:xfrm>
+          <a:prstGeom prst="rect">
+            <a:avLst/>
+          </a:prstGeom>
+          <a:effectLst>
+            <a:outerShdw blurRad="76200" dir="18900000" sy="23000" kx="-1200000" algn="bl" rotWithShape="0">
+              <a:prstClr val="black">
+                <a:alpha val="20000"/>
+              </a:prstClr>
+            </a:outerShdw>
+            <a:softEdge rad="12700"/>
+          </a:effectLst>
+        </p:spPr>
+      </p:pic>
+      <p:pic>
+        <p:nvPicPr>
+          <p:cNvPr id="8" name="Graphic 7" descr="Magnifying glass with solid fill">
+            <a:extLst>
+              <a:ext uri="{FF2B5EF4-FFF2-40B4-BE49-F238E27FC236}">
+                <a16:creationId xmlns:a16="http://schemas.microsoft.com/office/drawing/2014/main" id="{D6180A62-285A-CA46-CC3D-F23FF13E93BB}"/>
+              </a:ext>
+            </a:extLst>
+          </p:cNvPr>
+          <p:cNvPicPr>
+            <a:picLocks noChangeAspect="1"/>
+          </p:cNvPicPr>
+          <p:nvPr/>
+        </p:nvPicPr>
+        <p:blipFill>
+          <a:blip r:embed="rId4">
+            <a:extLst>
+              <a:ext uri="{28A0092B-C50C-407E-A947-70E740481C1C}">
+                <a14:useLocalDpi xmlns:a14="http://schemas.microsoft.com/office/drawing/2010/main" val="0"/>
+              </a:ext>
+              <a:ext uri="{96DAC541-7B7A-43D3-8B79-37D633B846F1}">
+                <asvg:svgBlip xmlns:asvg="http://schemas.microsoft.com/office/drawing/2016/SVG/main" r:embed="rId5"/>
+              </a:ext>
+            </a:extLst>
+          </a:blip>
+          <a:stretch>
+            <a:fillRect/>
+          </a:stretch>
+        </p:blipFill>
+        <p:spPr>
+          <a:xfrm>
+            <a:off x="8281482" y="616085"/>
+            <a:ext cx="2970177" cy="2970177"/>
+          </a:xfrm>
+          <a:prstGeom prst="rect">
+            <a:avLst/>
+          </a:prstGeom>
+        </p:spPr>
+      </p:pic>
+      <p:pic>
+        <p:nvPicPr>
+          <p:cNvPr id="9" name="Graphic 8" descr="Germ with solid fill">
+            <a:extLst>
+              <a:ext uri="{FF2B5EF4-FFF2-40B4-BE49-F238E27FC236}">
+                <a16:creationId xmlns:a16="http://schemas.microsoft.com/office/drawing/2014/main" id="{A0CCEA64-7CD2-B34B-9682-A66DB67FAE70}"/>
+              </a:ext>
+            </a:extLst>
+          </p:cNvPr>
+          <p:cNvPicPr>
+            <a:picLocks noChangeAspect="1"/>
+          </p:cNvPicPr>
+          <p:nvPr/>
+        </p:nvPicPr>
+        <p:blipFill>
+          <a:blip r:embed="rId6">
+            <a:extLst>
+              <a:ext uri="{28A0092B-C50C-407E-A947-70E740481C1C}">
+                <a14:useLocalDpi xmlns:a14="http://schemas.microsoft.com/office/drawing/2010/main" val="0"/>
+              </a:ext>
+              <a:ext uri="{96DAC541-7B7A-43D3-8B79-37D633B846F1}">
+                <asvg:svgBlip xmlns:asvg="http://schemas.microsoft.com/office/drawing/2016/SVG/main" r:embed="rId7"/>
+              </a:ext>
+            </a:extLst>
+          </a:blip>
+          <a:stretch>
+            <a:fillRect/>
+          </a:stretch>
+        </p:blipFill>
+        <p:spPr>
+          <a:xfrm>
+            <a:off x="9109954" y="1444557"/>
+            <a:ext cx="656617" cy="656617"/>
+          </a:xfrm>
+          <a:prstGeom prst="rect">
+            <a:avLst/>
+          </a:prstGeom>
+          <a:effectLst>
+            <a:outerShdw blurRad="76200" dir="18900000" sy="23000" kx="-1200000" algn="bl" rotWithShape="0">
+              <a:prstClr val="black">
+                <a:alpha val="20000"/>
+              </a:prstClr>
+            </a:outerShdw>
+          </a:effectLst>
+        </p:spPr>
+      </p:pic>
+      <p:pic>
+        <p:nvPicPr>
+          <p:cNvPr id="11" name="Graphic 10" descr="Brontosaurus with solid fill">
+            <a:extLst>
+              <a:ext uri="{FF2B5EF4-FFF2-40B4-BE49-F238E27FC236}">
+                <a16:creationId xmlns:a16="http://schemas.microsoft.com/office/drawing/2014/main" id="{98A23E41-26E9-F308-BB3E-5CD08469E80C}"/>
+              </a:ext>
+            </a:extLst>
+          </p:cNvPr>
+          <p:cNvPicPr>
+            <a:picLocks noChangeAspect="1"/>
+          </p:cNvPicPr>
+          <p:nvPr/>
+        </p:nvPicPr>
+        <p:blipFill>
+          <a:blip r:embed="rId8">
+            <a:extLst>
+              <a:ext uri="{28A0092B-C50C-407E-A947-70E740481C1C}">
+                <a14:useLocalDpi xmlns:a14="http://schemas.microsoft.com/office/drawing/2010/main" val="0"/>
+              </a:ext>
+              <a:ext uri="{96DAC541-7B7A-43D3-8B79-37D633B846F1}">
+                <asvg:svgBlip xmlns:asvg="http://schemas.microsoft.com/office/drawing/2016/SVG/main" r:embed="rId9"/>
+              </a:ext>
+            </a:extLst>
+          </a:blip>
+          <a:stretch>
+            <a:fillRect/>
+          </a:stretch>
+        </p:blipFill>
+        <p:spPr>
+          <a:xfrm>
+            <a:off x="5499372" y="3772710"/>
+            <a:ext cx="914400" cy="914400"/>
+          </a:xfrm>
+          <a:prstGeom prst="rect">
+            <a:avLst/>
+          </a:prstGeom>
+          <a:effectLst>
+            <a:softEdge rad="31750"/>
+          </a:effectLst>
+        </p:spPr>
+      </p:pic>
+      <p:pic>
+        <p:nvPicPr>
+          <p:cNvPr id="12" name="Graphic 11" descr="Brontosaurus with solid fill">
+            <a:extLst>
+              <a:ext uri="{FF2B5EF4-FFF2-40B4-BE49-F238E27FC236}">
+                <a16:creationId xmlns:a16="http://schemas.microsoft.com/office/drawing/2014/main" id="{888F005C-35F0-710F-46DB-D4BB8B83D67A}"/>
+              </a:ext>
+            </a:extLst>
+          </p:cNvPr>
+          <p:cNvPicPr>
+            <a:picLocks noChangeAspect="1"/>
+          </p:cNvPicPr>
+          <p:nvPr/>
+        </p:nvPicPr>
+        <p:blipFill>
+          <a:blip r:embed="rId8">
+            <a:extLst>
+              <a:ext uri="{28A0092B-C50C-407E-A947-70E740481C1C}">
+                <a14:useLocalDpi xmlns:a14="http://schemas.microsoft.com/office/drawing/2010/main" val="0"/>
+              </a:ext>
+              <a:ext uri="{96DAC541-7B7A-43D3-8B79-37D633B846F1}">
+                <asvg:svgBlip xmlns:asvg="http://schemas.microsoft.com/office/drawing/2016/SVG/main" r:embed="rId9"/>
+              </a:ext>
+            </a:extLst>
+          </a:blip>
+          <a:stretch>
+            <a:fillRect/>
+          </a:stretch>
+        </p:blipFill>
+        <p:spPr>
+          <a:xfrm>
+            <a:off x="8096657" y="3772710"/>
+            <a:ext cx="914400" cy="914400"/>
+          </a:xfrm>
+          <a:prstGeom prst="rect">
+            <a:avLst/>
+          </a:prstGeom>
+          <a:effectLst/>
+        </p:spPr>
+      </p:pic>
+      <p:sp>
+        <p:nvSpPr>
+          <p:cNvPr id="13" name="TextBox 12">
+            <a:extLst>
+              <a:ext uri="{FF2B5EF4-FFF2-40B4-BE49-F238E27FC236}">
+                <a16:creationId xmlns:a16="http://schemas.microsoft.com/office/drawing/2014/main" id="{3700CD08-87F6-E10C-9086-BF126781424A}"/>
+              </a:ext>
+            </a:extLst>
+          </p:cNvPr>
+          <p:cNvSpPr txBox="1"/>
+          <p:nvPr/>
+        </p:nvSpPr>
+        <p:spPr>
+          <a:xfrm>
+            <a:off x="852791" y="496111"/>
+            <a:ext cx="3476018" cy="1200329"/>
+          </a:xfrm>
+          <a:prstGeom prst="rect">
+            <a:avLst/>
+          </a:prstGeom>
+          <a:noFill/>
+        </p:spPr>
+        <p:txBody>
+          <a:bodyPr wrap="square" rtlCol="0">
+            <a:spAutoFit/>
+          </a:bodyPr>
+          <a:lstStyle/>
+          <a:p>
+            <a:r>
+              <a:rPr lang="de-DE" dirty="0"/>
+              <a:t>Nochmal quatschen wegen einstieg… </a:t>
+            </a:r>
+            <a:r>
+              <a:rPr lang="de-DE" dirty="0" err="1"/>
+              <a:t>evtl</a:t>
+            </a:r>
+            <a:r>
+              <a:rPr lang="de-DE" dirty="0"/>
+              <a:t> ein Deckblatt wo </a:t>
+            </a:r>
+            <a:r>
+              <a:rPr lang="de-DE" dirty="0" err="1"/>
+              <a:t>otsu</a:t>
+            </a:r>
+            <a:r>
+              <a:rPr lang="de-DE" dirty="0"/>
+              <a:t> draufsteht??  Können wir ja morgen quatschen</a:t>
+            </a:r>
+            <a:r>
+              <a:rPr lang="de-DE" dirty="0">
+                <a:sym typeface="Wingdings" panose="05000000000000000000" pitchFamily="2" charset="2"/>
+              </a:rPr>
+              <a:t> bis bald</a:t>
+            </a:r>
+            <a:endParaRPr lang="de-DE" dirty="0"/>
+          </a:p>
+        </p:txBody>
+      </p:sp>
+    </p:spTree>
+    <p:extLst>
+      <p:ext uri="{BB962C8B-B14F-4D97-AF65-F5344CB8AC3E}">
+        <p14:creationId xmlns:p14="http://schemas.microsoft.com/office/powerpoint/2010/main" val="3668818045"/>
+      </p:ext>
+    </p:extLst>
+  </p:cSld>
+  <p:clrMapOvr>
+    <a:masterClrMapping/>
+  </p:clrMapOvr>
+</p:sld>
+</file>
+
+<file path=ppt/slides/slide20.xml><?xml version="1.0" encoding="utf-8"?>
 <p:sld xmlns:a="http://schemas.openxmlformats.org/drawingml/2006/main" xmlns:r="http://schemas.openxmlformats.org/officeDocument/2006/relationships" xmlns:p="http://schemas.openxmlformats.org/presentationml/2006/main">
   <p:cSld>
     <p:spTree>
@@ -35765,7 +38614,7 @@
 </p:sld>
 </file>
 
-<file path=ppt/slides/slide17.xml><?xml version="1.0" encoding="utf-8"?>
+<file path=ppt/slides/slide21.xml><?xml version="1.0" encoding="utf-8"?>
 <p:sld xmlns:a="http://schemas.openxmlformats.org/drawingml/2006/main" xmlns:r="http://schemas.openxmlformats.org/officeDocument/2006/relationships" xmlns:p="http://schemas.openxmlformats.org/presentationml/2006/main">
   <p:cSld>
     <p:spTree>
@@ -35859,7 +38708,7 @@
 </p:sld>
 </file>
 
-<file path=ppt/slides/slide18.xml><?xml version="1.0" encoding="utf-8"?>
+<file path=ppt/slides/slide22.xml><?xml version="1.0" encoding="utf-8"?>
 <p:sld xmlns:a="http://schemas.openxmlformats.org/drawingml/2006/main" xmlns:r="http://schemas.openxmlformats.org/officeDocument/2006/relationships" xmlns:p="http://schemas.openxmlformats.org/presentationml/2006/main">
   <p:cSld>
     <p:spTree>
@@ -35956,7 +38805,7 @@
 </p:sld>
 </file>
 
-<file path=ppt/slides/slide19.xml><?xml version="1.0" encoding="utf-8"?>
+<file path=ppt/slides/slide23.xml><?xml version="1.0" encoding="utf-8"?>
 <p:sld xmlns:a="http://schemas.openxmlformats.org/drawingml/2006/main" xmlns:r="http://schemas.openxmlformats.org/officeDocument/2006/relationships" xmlns:p="http://schemas.openxmlformats.org/presentationml/2006/main">
   <p:cSld>
     <p:spTree>
@@ -36357,576 +39206,6 @@
 </p:sld>
 </file>
 
-<file path=ppt/slides/slide2.xml><?xml version="1.0" encoding="utf-8"?>
-<p:sld xmlns:a="http://schemas.openxmlformats.org/drawingml/2006/main" xmlns:r="http://schemas.openxmlformats.org/officeDocument/2006/relationships" xmlns:p="http://schemas.openxmlformats.org/presentationml/2006/main">
-  <p:cSld>
-    <p:bg>
-      <p:bgPr>
-        <a:solidFill>
-          <a:schemeClr val="bg1"/>
-        </a:solidFill>
-        <a:effectLst/>
-      </p:bgPr>
-    </p:bg>
-    <p:spTree>
-      <p:nvGrpSpPr>
-        <p:cNvPr id="1" name=""/>
-        <p:cNvGrpSpPr/>
-        <p:nvPr/>
-      </p:nvGrpSpPr>
-      <p:grpSpPr>
-        <a:xfrm>
-          <a:off x="0" y="0"/>
-          <a:ext cx="0" cy="0"/>
-          <a:chOff x="0" y="0"/>
-          <a:chExt cx="0" cy="0"/>
-        </a:xfrm>
-      </p:grpSpPr>
-      <p:sp useBgFill="1">
-        <p:nvSpPr>
-          <p:cNvPr id="13" name="Rectangle 7">
-            <a:extLst>
-              <a:ext uri="{FF2B5EF4-FFF2-40B4-BE49-F238E27FC236}">
-                <a16:creationId xmlns:a16="http://schemas.microsoft.com/office/drawing/2014/main" id="{3558DB37-9FEE-48A2-8578-ED0401573943}"/>
-              </a:ext>
-              <a:ext uri="{C183D7F6-B498-43B3-948B-1728B52AA6E4}">
-                <adec:decorative xmlns:adec="http://schemas.microsoft.com/office/drawing/2017/decorative" val="1"/>
-              </a:ext>
-            </a:extLst>
-          </p:cNvPr>
-          <p:cNvSpPr>
-            <a:spLocks noGrp="1" noRot="1" noChangeAspect="1" noMove="1" noResize="1" noEditPoints="1" noAdjustHandles="1" noChangeArrowheads="1" noChangeShapeType="1" noTextEdit="1"/>
-          </p:cNvSpPr>
-          <p:nvPr>
-            <p:extLst>
-              <p:ext uri="{386F3935-93C4-4BCD-93E2-E3B085C9AB24}">
-                <p16:designElem xmlns:p16="http://schemas.microsoft.com/office/powerpoint/2015/main" val="1"/>
-              </p:ext>
-            </p:extLst>
-          </p:nvPr>
-        </p:nvSpPr>
-        <p:spPr>
-          <a:xfrm>
-            <a:off x="1507" y="0"/>
-            <a:ext cx="12192000" cy="6858000"/>
-          </a:xfrm>
-          <a:prstGeom prst="rect">
-            <a:avLst/>
-          </a:prstGeom>
-          <a:ln>
-            <a:noFill/>
-          </a:ln>
-        </p:spPr>
-        <p:style>
-          <a:lnRef idx="2">
-            <a:schemeClr val="accent1">
-              <a:shade val="50000"/>
-            </a:schemeClr>
-          </a:lnRef>
-          <a:fillRef idx="1">
-            <a:schemeClr val="accent1"/>
-          </a:fillRef>
-          <a:effectRef idx="0">
-            <a:schemeClr val="accent1"/>
-          </a:effectRef>
-          <a:fontRef idx="minor">
-            <a:schemeClr val="lt1"/>
-          </a:fontRef>
-        </p:style>
-        <p:txBody>
-          <a:bodyPr rtlCol="0" anchor="ctr"/>
-          <a:lstStyle/>
-          <a:p>
-            <a:pPr algn="ctr"/>
-            <a:endParaRPr lang="en-US"/>
-          </a:p>
-        </p:txBody>
-      </p:sp>
-      <p:sp>
-        <p:nvSpPr>
-          <p:cNvPr id="14" name="Rectangle 9">
-            <a:extLst>
-              <a:ext uri="{FF2B5EF4-FFF2-40B4-BE49-F238E27FC236}">
-                <a16:creationId xmlns:a16="http://schemas.microsoft.com/office/drawing/2014/main" id="{5F7FCCA6-00E2-4F74-A105-0D769872F243}"/>
-              </a:ext>
-              <a:ext uri="{C183D7F6-B498-43B3-948B-1728B52AA6E4}">
-                <adec:decorative xmlns:adec="http://schemas.microsoft.com/office/drawing/2017/decorative" val="1"/>
-              </a:ext>
-            </a:extLst>
-          </p:cNvPr>
-          <p:cNvSpPr>
-            <a:spLocks noGrp="1" noRot="1" noChangeAspect="1" noMove="1" noResize="1" noEditPoints="1" noAdjustHandles="1" noChangeArrowheads="1" noChangeShapeType="1" noTextEdit="1"/>
-          </p:cNvSpPr>
-          <p:nvPr>
-            <p:extLst>
-              <p:ext uri="{386F3935-93C4-4BCD-93E2-E3B085C9AB24}">
-                <p16:designElem xmlns:p16="http://schemas.microsoft.com/office/powerpoint/2015/main" val="1"/>
-              </p:ext>
-            </p:extLst>
-          </p:nvPr>
-        </p:nvSpPr>
-        <p:spPr bwMode="white">
-          <a:xfrm>
-            <a:off x="1507" y="0"/>
-            <a:ext cx="12188952" cy="1905000"/>
-          </a:xfrm>
-          <a:prstGeom prst="rect">
-            <a:avLst/>
-          </a:prstGeom>
-          <a:solidFill>
-            <a:srgbClr val="262626"/>
-          </a:solidFill>
-          <a:ln>
-            <a:noFill/>
-          </a:ln>
-        </p:spPr>
-        <p:style>
-          <a:lnRef idx="2">
-            <a:schemeClr val="accent1">
-              <a:shade val="50000"/>
-            </a:schemeClr>
-          </a:lnRef>
-          <a:fillRef idx="1">
-            <a:schemeClr val="accent1"/>
-          </a:fillRef>
-          <a:effectRef idx="0">
-            <a:schemeClr val="accent1"/>
-          </a:effectRef>
-          <a:fontRef idx="minor">
-            <a:schemeClr val="lt1"/>
-          </a:fontRef>
-        </p:style>
-      </p:sp>
-      <p:sp>
-        <p:nvSpPr>
-          <p:cNvPr id="2" name="Titel 1">
-            <a:extLst>
-              <a:ext uri="{FF2B5EF4-FFF2-40B4-BE49-F238E27FC236}">
-                <a16:creationId xmlns:a16="http://schemas.microsoft.com/office/drawing/2014/main" id="{520A9ACB-1B74-466C-B60B-8BF7600628AC}"/>
-              </a:ext>
-            </a:extLst>
-          </p:cNvPr>
-          <p:cNvSpPr>
-            <a:spLocks noGrp="1"/>
-          </p:cNvSpPr>
-          <p:nvPr>
-            <p:ph type="title"/>
-          </p:nvPr>
-        </p:nvSpPr>
-        <p:spPr>
-          <a:xfrm>
-            <a:off x="1097280" y="286603"/>
-            <a:ext cx="10058400" cy="1450757"/>
-          </a:xfrm>
-        </p:spPr>
-        <p:txBody>
-          <a:bodyPr anchor="ctr">
-            <a:normAutofit fontScale="90000"/>
-          </a:bodyPr>
-          <a:lstStyle/>
-          <a:p>
-            <a:pPr algn="ctr"/>
-            <a:r>
-              <a:rPr lang="de-DE" b="1" dirty="0">
-                <a:solidFill>
-                  <a:srgbClr val="FFFFFF"/>
-                </a:solidFill>
-              </a:rPr>
-              <a:t>Data</a:t>
-            </a:r>
-            <a:br>
-              <a:rPr lang="de-DE" b="1" dirty="0">
-                <a:solidFill>
-                  <a:srgbClr val="FFFFFF"/>
-                </a:solidFill>
-              </a:rPr>
-            </a:br>
-            <a:r>
-              <a:rPr lang="de-DE" b="1" i="1" dirty="0">
-                <a:solidFill>
-                  <a:srgbClr val="FFFFFF"/>
-                </a:solidFill>
-              </a:rPr>
-              <a:t>keine sorge nur mal ein grober überblick pink bleibt nicht…. :P</a:t>
-            </a:r>
-          </a:p>
-        </p:txBody>
-      </p:sp>
-      <p:sp>
-        <p:nvSpPr>
-          <p:cNvPr id="3" name="Inhaltsplatzhalter 2">
-            <a:extLst>
-              <a:ext uri="{FF2B5EF4-FFF2-40B4-BE49-F238E27FC236}">
-                <a16:creationId xmlns:a16="http://schemas.microsoft.com/office/drawing/2014/main" id="{1D1416B0-0995-424B-B848-20B9C52CB4A9}"/>
-              </a:ext>
-            </a:extLst>
-          </p:cNvPr>
-          <p:cNvSpPr>
-            <a:spLocks noGrp="1"/>
-          </p:cNvSpPr>
-          <p:nvPr>
-            <p:ph idx="1"/>
-          </p:nvPr>
-        </p:nvSpPr>
-        <p:spPr>
-          <a:xfrm>
-            <a:off x="1096963" y="2675694"/>
-            <a:ext cx="10058400" cy="3193294"/>
-          </a:xfrm>
-        </p:spPr>
-        <p:txBody>
-          <a:bodyPr>
-            <a:normAutofit/>
-          </a:bodyPr>
-          <a:lstStyle/>
-          <a:p>
-            <a:r>
-              <a:rPr lang="de-DE" sz="2800" dirty="0"/>
-              <a:t>3 Datasets</a:t>
-            </a:r>
-          </a:p>
-          <a:p>
-            <a:pPr>
-              <a:lnSpc>
-                <a:spcPct val="107000"/>
-              </a:lnSpc>
-              <a:spcAft>
-                <a:spcPts val="800"/>
-              </a:spcAft>
-              <a:buFont typeface="Wingdings" panose="05000000000000000000" pitchFamily="2" charset="2"/>
-              <a:buChar char="§"/>
-            </a:pPr>
-            <a:r>
-              <a:rPr lang="en-GB" sz="2400" dirty="0">
-                <a:effectLst/>
-                <a:latin typeface="Calibri" panose="020F0502020204030204" pitchFamily="34" charset="0"/>
-                <a:ea typeface="Calibri" panose="020F0502020204030204" pitchFamily="34" charset="0"/>
-                <a:cs typeface="Times New Roman" panose="02020603050405020304" pitchFamily="18" charset="0"/>
-              </a:rPr>
-              <a:t>N2DH- GOWT1</a:t>
-            </a:r>
-            <a:endParaRPr lang="de-DE" sz="2400" dirty="0">
-              <a:effectLst/>
-              <a:latin typeface="Calibri" panose="020F0502020204030204" pitchFamily="34" charset="0"/>
-              <a:ea typeface="Calibri" panose="020F0502020204030204" pitchFamily="34" charset="0"/>
-              <a:cs typeface="Times New Roman" panose="02020603050405020304" pitchFamily="18" charset="0"/>
-            </a:endParaRPr>
-          </a:p>
-          <a:p>
-            <a:pPr>
-              <a:lnSpc>
-                <a:spcPct val="107000"/>
-              </a:lnSpc>
-              <a:spcAft>
-                <a:spcPts val="800"/>
-              </a:spcAft>
-              <a:buFont typeface="Wingdings" panose="05000000000000000000" pitchFamily="2" charset="2"/>
-              <a:buChar char="§"/>
-            </a:pPr>
-            <a:r>
-              <a:rPr lang="en-GB" sz="2400" dirty="0">
-                <a:effectLst/>
-                <a:latin typeface="Calibri" panose="020F0502020204030204" pitchFamily="34" charset="0"/>
-                <a:ea typeface="Calibri" panose="020F0502020204030204" pitchFamily="34" charset="0"/>
-                <a:cs typeface="Times New Roman" panose="02020603050405020304" pitchFamily="18" charset="0"/>
-              </a:rPr>
-              <a:t>N2DL-HeLa</a:t>
-            </a:r>
-            <a:endParaRPr lang="de-DE" sz="2400" dirty="0">
-              <a:effectLst/>
-              <a:latin typeface="Calibri" panose="020F0502020204030204" pitchFamily="34" charset="0"/>
-              <a:ea typeface="Calibri" panose="020F0502020204030204" pitchFamily="34" charset="0"/>
-              <a:cs typeface="Times New Roman" panose="02020603050405020304" pitchFamily="18" charset="0"/>
-            </a:endParaRPr>
-          </a:p>
-          <a:p>
-            <a:pPr>
-              <a:lnSpc>
-                <a:spcPct val="107000"/>
-              </a:lnSpc>
-              <a:spcAft>
-                <a:spcPts val="800"/>
-              </a:spcAft>
-              <a:buFont typeface="Wingdings" panose="05000000000000000000" pitchFamily="2" charset="2"/>
-              <a:buChar char="§"/>
-            </a:pPr>
-            <a:r>
-              <a:rPr lang="en-GB" sz="2400" dirty="0">
-                <a:effectLst/>
-                <a:latin typeface="Calibri" panose="020F0502020204030204" pitchFamily="34" charset="0"/>
-                <a:ea typeface="Calibri" panose="020F0502020204030204" pitchFamily="34" charset="0"/>
-                <a:cs typeface="Times New Roman" panose="02020603050405020304" pitchFamily="18" charset="0"/>
-              </a:rPr>
-              <a:t>NIH3T3</a:t>
-            </a:r>
-            <a:endParaRPr lang="de-DE" sz="2400" dirty="0">
-              <a:effectLst/>
-              <a:latin typeface="Calibri" panose="020F0502020204030204" pitchFamily="34" charset="0"/>
-              <a:ea typeface="Calibri" panose="020F0502020204030204" pitchFamily="34" charset="0"/>
-              <a:cs typeface="Times New Roman" panose="02020603050405020304" pitchFamily="18" charset="0"/>
-            </a:endParaRPr>
-          </a:p>
-          <a:p>
-            <a:pPr>
-              <a:buFont typeface="Wingdings" panose="05000000000000000000" pitchFamily="2" charset="2"/>
-              <a:buChar char="§"/>
-            </a:pPr>
-            <a:endParaRPr lang="de-DE" dirty="0"/>
-          </a:p>
-        </p:txBody>
-      </p:sp>
-      <p:sp>
-        <p:nvSpPr>
-          <p:cNvPr id="12" name="Rectangle 11">
-            <a:extLst>
-              <a:ext uri="{FF2B5EF4-FFF2-40B4-BE49-F238E27FC236}">
-                <a16:creationId xmlns:a16="http://schemas.microsoft.com/office/drawing/2014/main" id="{359CEC61-F44B-43B3-B40F-AE38C5AF1D5F}"/>
-              </a:ext>
-              <a:ext uri="{C183D7F6-B498-43B3-948B-1728B52AA6E4}">
-                <adec:decorative xmlns:adec="http://schemas.microsoft.com/office/drawing/2017/decorative" val="1"/>
-              </a:ext>
-            </a:extLst>
-          </p:cNvPr>
-          <p:cNvSpPr>
-            <a:spLocks noGrp="1" noRot="1" noChangeAspect="1" noMove="1" noResize="1" noEditPoints="1" noAdjustHandles="1" noChangeArrowheads="1" noChangeShapeType="1" noTextEdit="1"/>
-          </p:cNvSpPr>
-          <p:nvPr>
-            <p:extLst>
-              <p:ext uri="{386F3935-93C4-4BCD-93E2-E3B085C9AB24}">
-                <p16:designElem xmlns:p16="http://schemas.microsoft.com/office/powerpoint/2015/main" val="1"/>
-              </p:ext>
-            </p:extLst>
-          </p:nvPr>
-        </p:nvSpPr>
-        <p:spPr>
-          <a:xfrm>
-            <a:off x="0" y="6400800"/>
-            <a:ext cx="12192000" cy="457200"/>
-          </a:xfrm>
-          <a:prstGeom prst="rect">
-            <a:avLst/>
-          </a:prstGeom>
-          <a:solidFill>
-            <a:srgbClr val="262626"/>
-          </a:solidFill>
-          <a:ln>
-            <a:noFill/>
-          </a:ln>
-        </p:spPr>
-        <p:style>
-          <a:lnRef idx="2">
-            <a:schemeClr val="accent1">
-              <a:shade val="50000"/>
-            </a:schemeClr>
-          </a:lnRef>
-          <a:fillRef idx="1">
-            <a:schemeClr val="accent1"/>
-          </a:fillRef>
-          <a:effectRef idx="0">
-            <a:schemeClr val="accent1"/>
-          </a:effectRef>
-          <a:fontRef idx="minor">
-            <a:schemeClr val="lt1"/>
-          </a:fontRef>
-        </p:style>
-      </p:sp>
-      <p:sp>
-        <p:nvSpPr>
-          <p:cNvPr id="4" name="Oval 3">
-            <a:extLst>
-              <a:ext uri="{FF2B5EF4-FFF2-40B4-BE49-F238E27FC236}">
-                <a16:creationId xmlns:a16="http://schemas.microsoft.com/office/drawing/2014/main" id="{86F2EAB1-3C2A-051F-B216-7C4B38A16281}"/>
-              </a:ext>
-            </a:extLst>
-          </p:cNvPr>
-          <p:cNvSpPr/>
-          <p:nvPr/>
-        </p:nvSpPr>
-        <p:spPr>
-          <a:xfrm>
-            <a:off x="5255489" y="2450088"/>
-            <a:ext cx="3057236" cy="3193294"/>
-          </a:xfrm>
-          <a:prstGeom prst="ellipse">
-            <a:avLst/>
-          </a:prstGeom>
-        </p:spPr>
-        <p:style>
-          <a:lnRef idx="2">
-            <a:schemeClr val="accent1">
-              <a:shade val="50000"/>
-            </a:schemeClr>
-          </a:lnRef>
-          <a:fillRef idx="1">
-            <a:schemeClr val="accent1"/>
-          </a:fillRef>
-          <a:effectRef idx="0">
-            <a:schemeClr val="accent1"/>
-          </a:effectRef>
-          <a:fontRef idx="minor">
-            <a:schemeClr val="lt1"/>
-          </a:fontRef>
-        </p:style>
-        <p:txBody>
-          <a:bodyPr rtlCol="0" anchor="ctr"/>
-          <a:lstStyle/>
-          <a:p>
-            <a:pPr algn="ctr"/>
-            <a:endParaRPr lang="de-DE"/>
-          </a:p>
-        </p:txBody>
-      </p:sp>
-      <p:sp>
-        <p:nvSpPr>
-          <p:cNvPr id="5" name="TextBox 4">
-            <a:extLst>
-              <a:ext uri="{FF2B5EF4-FFF2-40B4-BE49-F238E27FC236}">
-                <a16:creationId xmlns:a16="http://schemas.microsoft.com/office/drawing/2014/main" id="{D42811A8-581A-467F-CA7E-EEFD85D1D744}"/>
-              </a:ext>
-            </a:extLst>
-          </p:cNvPr>
-          <p:cNvSpPr txBox="1"/>
-          <p:nvPr/>
-        </p:nvSpPr>
-        <p:spPr>
-          <a:xfrm>
-            <a:off x="5592616" y="3412836"/>
-            <a:ext cx="2382982" cy="954107"/>
-          </a:xfrm>
-          <a:prstGeom prst="rect">
-            <a:avLst/>
-          </a:prstGeom>
-          <a:noFill/>
-        </p:spPr>
-        <p:txBody>
-          <a:bodyPr wrap="square" rtlCol="0">
-            <a:spAutoFit/>
-          </a:bodyPr>
-          <a:lstStyle/>
-          <a:p>
-            <a:r>
-              <a:rPr lang="de-DE" sz="2800" dirty="0" err="1"/>
-              <a:t>Why</a:t>
-            </a:r>
-            <a:r>
-              <a:rPr lang="de-DE" sz="2800" dirty="0"/>
-              <a:t> Otsu </a:t>
-            </a:r>
-            <a:r>
-              <a:rPr lang="de-DE" sz="2800" dirty="0" err="1"/>
-              <a:t>thresholding</a:t>
-            </a:r>
-            <a:r>
-              <a:rPr lang="de-DE" dirty="0"/>
-              <a:t>?</a:t>
-            </a:r>
-          </a:p>
-        </p:txBody>
-      </p:sp>
-      <p:sp>
-        <p:nvSpPr>
-          <p:cNvPr id="6" name="TextBox 5">
-            <a:extLst>
-              <a:ext uri="{FF2B5EF4-FFF2-40B4-BE49-F238E27FC236}">
-                <a16:creationId xmlns:a16="http://schemas.microsoft.com/office/drawing/2014/main" id="{946E2285-934F-8DF9-47A3-EE46BE1F064A}"/>
-              </a:ext>
-            </a:extLst>
-          </p:cNvPr>
-          <p:cNvSpPr txBox="1"/>
-          <p:nvPr/>
-        </p:nvSpPr>
-        <p:spPr>
-          <a:xfrm>
-            <a:off x="8566119" y="2166479"/>
-            <a:ext cx="3057236" cy="2862322"/>
-          </a:xfrm>
-          <a:prstGeom prst="rect">
-            <a:avLst/>
-          </a:prstGeom>
-          <a:noFill/>
-        </p:spPr>
-        <p:txBody>
-          <a:bodyPr wrap="square" rtlCol="0">
-            <a:spAutoFit/>
-          </a:bodyPr>
-          <a:lstStyle/>
-          <a:p>
-            <a:r>
-              <a:rPr lang="de-DE" dirty="0"/>
-              <a:t>Würde </a:t>
-            </a:r>
-            <a:r>
-              <a:rPr lang="de-DE" dirty="0" err="1"/>
-              <a:t>irgenwie</a:t>
-            </a:r>
-            <a:r>
-              <a:rPr lang="de-DE" dirty="0"/>
-              <a:t> ziemlich am </a:t>
-            </a:r>
-            <a:r>
-              <a:rPr lang="de-DE" dirty="0" err="1"/>
-              <a:t>anfang</a:t>
-            </a:r>
-            <a:r>
-              <a:rPr lang="de-DE" dirty="0"/>
-              <a:t> erklären warum wir jetzt </a:t>
-            </a:r>
-            <a:r>
-              <a:rPr lang="de-DE" dirty="0" err="1"/>
-              <a:t>otsu</a:t>
-            </a:r>
-            <a:r>
-              <a:rPr lang="de-DE" dirty="0"/>
-              <a:t> verwinden und was das genau bringt für unsere </a:t>
-            </a:r>
-            <a:r>
-              <a:rPr lang="de-DE" dirty="0" err="1"/>
-              <a:t>bilder</a:t>
-            </a:r>
-            <a:r>
-              <a:rPr lang="de-DE" dirty="0"/>
-              <a:t>. </a:t>
-            </a:r>
-            <a:r>
-              <a:rPr lang="de-DE" dirty="0" err="1"/>
-              <a:t>Evtl</a:t>
-            </a:r>
-            <a:r>
-              <a:rPr lang="de-DE" dirty="0"/>
-              <a:t> 2 </a:t>
-            </a:r>
-            <a:r>
-              <a:rPr lang="de-DE" dirty="0" err="1"/>
-              <a:t>sätze</a:t>
-            </a:r>
-            <a:r>
-              <a:rPr lang="de-DE" dirty="0"/>
-              <a:t> dazu quasi als </a:t>
-            </a:r>
-            <a:r>
-              <a:rPr lang="de-DE" dirty="0" err="1"/>
-              <a:t>einleitungssatz</a:t>
-            </a:r>
-            <a:r>
-              <a:rPr lang="de-DE" dirty="0"/>
-              <a:t>? Und dann sagen genaueres kommt später oder sowas meint ihr?</a:t>
-            </a:r>
-          </a:p>
-        </p:txBody>
-      </p:sp>
-    </p:spTree>
-    <p:extLst>
-      <p:ext uri="{BB962C8B-B14F-4D97-AF65-F5344CB8AC3E}">
-        <p14:creationId xmlns:p14="http://schemas.microsoft.com/office/powerpoint/2010/main" val="2755203438"/>
-      </p:ext>
-    </p:extLst>
-  </p:cSld>
-  <p:clrMapOvr>
-    <a:masterClrMapping/>
-  </p:clrMapOvr>
-</p:sld>
-</file>
-
 <file path=ppt/slides/slide3.xml><?xml version="1.0" encoding="utf-8"?>
 <p:sld xmlns:a="http://schemas.openxmlformats.org/drawingml/2006/main" xmlns:r="http://schemas.openxmlformats.org/officeDocument/2006/relationships" xmlns:p="http://schemas.openxmlformats.org/presentationml/2006/main">
   <p:cSld>
@@ -37112,12 +39391,10 @@
                 <a:solidFill>
                   <a:schemeClr val="bg1"/>
                 </a:solidFill>
-                <a:effectLst/>
                 <a:latin typeface="Calibri" panose="020F0502020204030204" pitchFamily="34" charset="0"/>
-                <a:ea typeface="Calibri" panose="020F0502020204030204" pitchFamily="34" charset="0"/>
                 <a:cs typeface="Times New Roman" panose="02020603050405020304" pitchFamily="18" charset="0"/>
               </a:rPr>
-              <a:t>N2DH- GOWT1</a:t>
+              <a:t>N2DH-GOWT1</a:t>
             </a:r>
             <a:br>
               <a:rPr lang="en-GB" sz="4800" dirty="0">
@@ -37131,19 +39408,17 @@
               </a:rPr>
             </a:br>
             <a:r>
-              <a:rPr lang="en-GB" sz="2200" dirty="0">
+              <a:rPr lang="en-GB" sz="2400" dirty="0">
                 <a:solidFill>
                   <a:schemeClr val="bg1"/>
                 </a:solidFill>
-                <a:effectLst/>
                 <a:latin typeface="Calibri" panose="020F0502020204030204" pitchFamily="34" charset="0"/>
-                <a:ea typeface="Calibri" panose="020F0502020204030204" pitchFamily="34" charset="0"/>
                 <a:cs typeface="Times New Roman" panose="02020603050405020304" pitchFamily="18" charset="0"/>
               </a:rPr>
-              <a:t>GFP transfected GOWT1 mouse embryonic stem cells</a:t>
+              <a:t>Cell type: embryonic stem cells | Organism: Mouse (Mus musculus) </a:t>
             </a:r>
             <a:br>
-              <a:rPr lang="de-DE" sz="2200" dirty="0">
+              <a:rPr lang="de-DE" sz="4800" dirty="0">
                 <a:solidFill>
                   <a:schemeClr val="bg1"/>
                 </a:solidFill>
@@ -37158,136 +39433,6 @@
                 <a:schemeClr val="bg1"/>
               </a:solidFill>
             </a:endParaRPr>
-          </a:p>
-        </p:txBody>
-      </p:sp>
-      <p:sp>
-        <p:nvSpPr>
-          <p:cNvPr id="3" name="Inhaltsplatzhalter 2">
-            <a:extLst>
-              <a:ext uri="{FF2B5EF4-FFF2-40B4-BE49-F238E27FC236}">
-                <a16:creationId xmlns:a16="http://schemas.microsoft.com/office/drawing/2014/main" id="{2897CBC4-7266-4ABE-8AD6-5A853A1AA03F}"/>
-              </a:ext>
-            </a:extLst>
-          </p:cNvPr>
-          <p:cNvSpPr>
-            <a:spLocks noGrp="1"/>
-          </p:cNvSpPr>
-          <p:nvPr>
-            <p:ph idx="1"/>
-          </p:nvPr>
-        </p:nvSpPr>
-        <p:spPr>
-          <a:xfrm>
-            <a:off x="1097280" y="2780786"/>
-            <a:ext cx="6125873" cy="3193294"/>
-          </a:xfrm>
-        </p:spPr>
-        <p:txBody>
-          <a:bodyPr>
-            <a:normAutofit/>
-          </a:bodyPr>
-          <a:lstStyle/>
-          <a:p>
-            <a:pPr>
-              <a:buFont typeface="Wingdings" panose="05000000000000000000" pitchFamily="2" charset="2"/>
-              <a:buChar char="§"/>
-            </a:pPr>
-            <a:r>
-              <a:rPr lang="en-GB" dirty="0">
-                <a:latin typeface="Calibri" panose="020F0502020204030204" pitchFamily="34" charset="0"/>
-                <a:ea typeface="Calibri" panose="020F0502020204030204" pitchFamily="34" charset="0"/>
-                <a:cs typeface="Times New Roman" panose="02020603050405020304" pitchFamily="18" charset="0"/>
-              </a:rPr>
-              <a:t>6 images total</a:t>
-            </a:r>
-            <a:endParaRPr lang="en-GB" dirty="0">
-              <a:effectLst/>
-              <a:latin typeface="Calibri" panose="020F0502020204030204" pitchFamily="34" charset="0"/>
-              <a:ea typeface="Calibri" panose="020F0502020204030204" pitchFamily="34" charset="0"/>
-              <a:cs typeface="Times New Roman" panose="02020603050405020304" pitchFamily="18" charset="0"/>
-            </a:endParaRPr>
-          </a:p>
-          <a:p>
-            <a:pPr>
-              <a:buFont typeface="Wingdings" panose="05000000000000000000" pitchFamily="2" charset="2"/>
-              <a:buChar char="§"/>
-            </a:pPr>
-            <a:r>
-              <a:rPr lang="en-GB" dirty="0">
-                <a:effectLst/>
-                <a:latin typeface="Calibri" panose="020F0502020204030204" pitchFamily="34" charset="0"/>
-                <a:ea typeface="Calibri" panose="020F0502020204030204" pitchFamily="34" charset="0"/>
-                <a:cs typeface="Times New Roman" panose="02020603050405020304" pitchFamily="18" charset="0"/>
-              </a:rPr>
-              <a:t>1024x1024 pixels</a:t>
-            </a:r>
-            <a:endParaRPr lang="de-DE" dirty="0">
-              <a:effectLst/>
-              <a:latin typeface="Calibri" panose="020F0502020204030204" pitchFamily="34" charset="0"/>
-              <a:ea typeface="Calibri" panose="020F0502020204030204" pitchFamily="34" charset="0"/>
-              <a:cs typeface="Times New Roman" panose="02020603050405020304" pitchFamily="18" charset="0"/>
-            </a:endParaRPr>
-          </a:p>
-          <a:p>
-            <a:pPr>
-              <a:buFont typeface="Wingdings" panose="05000000000000000000" pitchFamily="2" charset="2"/>
-              <a:buChar char="§"/>
-            </a:pPr>
-            <a:r>
-              <a:rPr lang="en-GB" dirty="0">
-                <a:effectLst/>
-                <a:latin typeface="Calibri" panose="020F0502020204030204" pitchFamily="34" charset="0"/>
-                <a:ea typeface="Calibri" panose="020F0502020204030204" pitchFamily="34" charset="0"/>
-                <a:cs typeface="Times New Roman" panose="02020603050405020304" pitchFamily="18" charset="0"/>
-              </a:rPr>
-              <a:t>10-20 </a:t>
-            </a:r>
-            <a:r>
-              <a:rPr lang="en-GB" dirty="0" err="1">
-                <a:effectLst/>
-                <a:latin typeface="Calibri" panose="020F0502020204030204" pitchFamily="34" charset="0"/>
-                <a:ea typeface="Calibri" panose="020F0502020204030204" pitchFamily="34" charset="0"/>
-                <a:cs typeface="Times New Roman" panose="02020603050405020304" pitchFamily="18" charset="0"/>
-              </a:rPr>
-              <a:t>nulei</a:t>
-            </a:r>
-            <a:r>
-              <a:rPr lang="en-GB" dirty="0">
-                <a:effectLst/>
-                <a:latin typeface="Calibri" panose="020F0502020204030204" pitchFamily="34" charset="0"/>
-                <a:ea typeface="Calibri" panose="020F0502020204030204" pitchFamily="34" charset="0"/>
-                <a:cs typeface="Times New Roman" panose="02020603050405020304" pitchFamily="18" charset="0"/>
-              </a:rPr>
-              <a:t> per image</a:t>
-            </a:r>
-          </a:p>
-          <a:p>
-            <a:pPr>
-              <a:buFont typeface="Wingdings" panose="05000000000000000000" pitchFamily="2" charset="2"/>
-              <a:buChar char="§"/>
-            </a:pPr>
-            <a:r>
-              <a:rPr lang="en-GB" dirty="0">
-                <a:latin typeface="Calibri" panose="020F0502020204030204" pitchFamily="34" charset="0"/>
-                <a:cs typeface="Times New Roman" panose="02020603050405020304" pitchFamily="18" charset="0"/>
-              </a:rPr>
-              <a:t>Challenge:</a:t>
-            </a:r>
-          </a:p>
-          <a:p>
-            <a:pPr>
-              <a:buFont typeface="Wingdings" panose="05000000000000000000" pitchFamily="2" charset="2"/>
-              <a:buChar char="§"/>
-            </a:pPr>
-            <a:r>
-              <a:rPr lang="en-GB" sz="2400" dirty="0">
-                <a:latin typeface="Calibri" panose="020F0502020204030204" pitchFamily="34" charset="0"/>
-                <a:cs typeface="Times New Roman" panose="02020603050405020304" pitchFamily="18" charset="0"/>
-              </a:rPr>
-              <a:t>…..</a:t>
-            </a:r>
-            <a:endParaRPr lang="de-DE" sz="2400" dirty="0"/>
           </a:p>
         </p:txBody>
       </p:sp>
@@ -37348,10 +39493,10 @@
       </p:sp>
       <p:pic>
         <p:nvPicPr>
-          <p:cNvPr id="5" name="Picture 4">
+          <p:cNvPr id="10" name="Graphic 9" descr="Rat outline">
             <a:extLst>
               <a:ext uri="{FF2B5EF4-FFF2-40B4-BE49-F238E27FC236}">
-                <a16:creationId xmlns:a16="http://schemas.microsoft.com/office/drawing/2014/main" id="{0127E418-20E4-F858-960D-75F894FD9A88}"/>
+                <a16:creationId xmlns:a16="http://schemas.microsoft.com/office/drawing/2014/main" id="{70D1F548-A99F-A385-1B07-34C597D2BAEE}"/>
               </a:ext>
             </a:extLst>
           </p:cNvPr>
@@ -37361,15 +39506,24 @@
           <p:nvPr/>
         </p:nvPicPr>
         <p:blipFill>
-          <a:blip r:embed="rId2"/>
+          <a:blip r:embed="rId2">
+            <a:extLst>
+              <a:ext uri="{28A0092B-C50C-407E-A947-70E740481C1C}">
+                <a14:useLocalDpi xmlns:a14="http://schemas.microsoft.com/office/drawing/2010/main" val="0"/>
+              </a:ext>
+              <a:ext uri="{96DAC541-7B7A-43D3-8B79-37D633B846F1}">
+                <asvg:svgBlip xmlns:asvg="http://schemas.microsoft.com/office/drawing/2016/SVG/main" r:embed="rId3"/>
+              </a:ext>
+            </a:extLst>
+          </a:blip>
           <a:stretch>
             <a:fillRect/>
           </a:stretch>
         </p:blipFill>
         <p:spPr>
           <a:xfrm>
-            <a:off x="4160216" y="3013453"/>
-            <a:ext cx="2886593" cy="2854960"/>
+            <a:off x="10041880" y="985020"/>
+            <a:ext cx="676920" cy="676920"/>
           </a:xfrm>
           <a:prstGeom prst="rect">
             <a:avLst/>
@@ -37378,10 +39532,10 @@
       </p:pic>
       <p:pic>
         <p:nvPicPr>
-          <p:cNvPr id="7" name="Picture 6">
+          <p:cNvPr id="13" name="Picture 12">
             <a:extLst>
               <a:ext uri="{FF2B5EF4-FFF2-40B4-BE49-F238E27FC236}">
-                <a16:creationId xmlns:a16="http://schemas.microsoft.com/office/drawing/2014/main" id="{542DB20F-4B68-9B31-CE60-DCFA21DB0520}"/>
+                <a16:creationId xmlns:a16="http://schemas.microsoft.com/office/drawing/2014/main" id="{DB72238C-9CC6-F339-4679-6A7A4257D9AE}"/>
               </a:ext>
             </a:extLst>
           </p:cNvPr>
@@ -37391,15 +39545,15 @@
           <p:nvPr/>
         </p:nvPicPr>
         <p:blipFill>
-          <a:blip r:embed="rId3"/>
+          <a:blip r:embed="rId4"/>
           <a:stretch>
             <a:fillRect/>
           </a:stretch>
         </p:blipFill>
         <p:spPr>
           <a:xfrm>
-            <a:off x="7437787" y="2044170"/>
-            <a:ext cx="2757957" cy="2769660"/>
+            <a:off x="1414276" y="2221646"/>
+            <a:ext cx="3867842" cy="3862507"/>
           </a:xfrm>
           <a:prstGeom prst="rect">
             <a:avLst/>
@@ -37408,71 +39562,127 @@
       </p:pic>
       <p:sp>
         <p:nvSpPr>
-          <p:cNvPr id="9" name="TextBox 8">
+          <p:cNvPr id="14" name="Inhaltsplatzhalter 2">
             <a:extLst>
               <a:ext uri="{FF2B5EF4-FFF2-40B4-BE49-F238E27FC236}">
-                <a16:creationId xmlns:a16="http://schemas.microsoft.com/office/drawing/2014/main" id="{D8559D88-C72F-8DA4-8F3B-C6AEB7C936F3}"/>
+                <a16:creationId xmlns:a16="http://schemas.microsoft.com/office/drawing/2014/main" id="{76672794-83D5-025B-93C1-C056481C6CFF}"/>
               </a:ext>
             </a:extLst>
           </p:cNvPr>
-          <p:cNvSpPr txBox="1"/>
-          <p:nvPr/>
+          <p:cNvSpPr>
+            <a:spLocks noGrp="1"/>
+          </p:cNvSpPr>
+          <p:nvPr>
+            <p:ph idx="1"/>
+          </p:nvPr>
         </p:nvSpPr>
         <p:spPr>
           <a:xfrm>
-            <a:off x="9418320" y="5095240"/>
-            <a:ext cx="2458720" cy="923330"/>
+            <a:off x="6694887" y="2687564"/>
+            <a:ext cx="3549460" cy="2265437"/>
           </a:xfrm>
-          <a:prstGeom prst="rect">
-            <a:avLst/>
-          </a:prstGeom>
-          <a:noFill/>
         </p:spPr>
         <p:txBody>
-          <a:bodyPr wrap="square" rtlCol="0">
-            <a:spAutoFit/>
+          <a:bodyPr>
+            <a:normAutofit/>
           </a:bodyPr>
           <a:lstStyle/>
           <a:p>
+            <a:pPr>
+              <a:buFont typeface="Wingdings" panose="05000000000000000000" pitchFamily="2" charset="2"/>
+              <a:buChar char="§"/>
+            </a:pPr>
             <a:r>
-              <a:rPr lang="de-DE" dirty="0"/>
-              <a:t>Hier müsste ein </a:t>
-            </a:r>
-            <a:r>
-              <a:rPr lang="de-DE" dirty="0" err="1"/>
-              <a:t>histogramm</a:t>
-            </a:r>
-            <a:r>
-              <a:rPr lang="de-DE" dirty="0"/>
-              <a:t> sein..</a:t>
-            </a:r>
-            <a:r>
-              <a:rPr lang="de-DE" dirty="0">
-                <a:sym typeface="Wingdings" panose="05000000000000000000" pitchFamily="2" charset="2"/>
+              <a:rPr lang="en-GB" sz="2400" dirty="0">
+                <a:latin typeface="Calibri" panose="020F0502020204030204" pitchFamily="34" charset="0"/>
+                <a:cs typeface="Times New Roman" panose="02020603050405020304" pitchFamily="18" charset="0"/>
               </a:rPr>
-              <a:t></a:t>
+              <a:t>Stained with GFP</a:t>
             </a:r>
           </a:p>
           <a:p>
+            <a:pPr>
+              <a:buFont typeface="Wingdings" panose="05000000000000000000" pitchFamily="2" charset="2"/>
+              <a:buChar char="§"/>
+            </a:pPr>
             <a:r>
-              <a:rPr lang="de-DE" dirty="0">
-                <a:sym typeface="Wingdings" panose="05000000000000000000" pitchFamily="2" charset="2"/>
+              <a:rPr lang="en-GB" sz="2400" dirty="0">
+                <a:latin typeface="Calibri" panose="020F0502020204030204" pitchFamily="34" charset="0"/>
+                <a:ea typeface="Calibri" panose="020F0502020204030204" pitchFamily="34" charset="0"/>
+                <a:cs typeface="Times New Roman" panose="02020603050405020304" pitchFamily="18" charset="0"/>
               </a:rPr>
-              <a:t>(in </a:t>
+              <a:t>6 </a:t>
             </a:r>
             <a:r>
-              <a:rPr lang="de-DE" dirty="0" err="1">
-                <a:sym typeface="Wingdings" panose="05000000000000000000" pitchFamily="2" charset="2"/>
+              <a:rPr lang="en-GB" sz="2400" dirty="0">
+                <a:latin typeface="Calibri" panose="020F0502020204030204" pitchFamily="34" charset="0"/>
+                <a:cs typeface="Times New Roman" panose="02020603050405020304" pitchFamily="18" charset="0"/>
               </a:rPr>
-              <a:t>arbeit</a:t>
+              <a:t>images</a:t>
             </a:r>
             <a:r>
-              <a:rPr lang="de-DE" dirty="0">
-                <a:sym typeface="Wingdings" panose="05000000000000000000" pitchFamily="2" charset="2"/>
+              <a:rPr lang="en-GB" sz="2400" dirty="0">
+                <a:latin typeface="Calibri" panose="020F0502020204030204" pitchFamily="34" charset="0"/>
+                <a:ea typeface="Calibri" panose="020F0502020204030204" pitchFamily="34" charset="0"/>
+                <a:cs typeface="Times New Roman" panose="02020603050405020304" pitchFamily="18" charset="0"/>
               </a:rPr>
-              <a:t>)</a:t>
+              <a:t> total</a:t>
             </a:r>
-            <a:endParaRPr lang="de-DE" dirty="0"/>
+          </a:p>
+          <a:p>
+            <a:pPr>
+              <a:buFont typeface="Wingdings" panose="05000000000000000000" pitchFamily="2" charset="2"/>
+              <a:buChar char="§"/>
+            </a:pPr>
+            <a:r>
+              <a:rPr lang="en-GB" sz="2400" dirty="0">
+                <a:effectLst/>
+                <a:latin typeface="Calibri" panose="020F0502020204030204" pitchFamily="34" charset="0"/>
+                <a:ea typeface="Calibri" panose="020F0502020204030204" pitchFamily="34" charset="0"/>
+                <a:cs typeface="Times New Roman" panose="02020603050405020304" pitchFamily="18" charset="0"/>
+              </a:rPr>
+              <a:t>1024x1024 pixels</a:t>
+            </a:r>
+            <a:endParaRPr lang="de-DE" sz="2400" dirty="0">
+              <a:effectLst/>
+              <a:latin typeface="Calibri" panose="020F0502020204030204" pitchFamily="34" charset="0"/>
+              <a:ea typeface="Calibri" panose="020F0502020204030204" pitchFamily="34" charset="0"/>
+              <a:cs typeface="Times New Roman" panose="02020603050405020304" pitchFamily="18" charset="0"/>
+            </a:endParaRPr>
+          </a:p>
+          <a:p>
+            <a:pPr>
+              <a:buFont typeface="Wingdings" panose="05000000000000000000" pitchFamily="2" charset="2"/>
+              <a:buChar char="§"/>
+            </a:pPr>
+            <a:r>
+              <a:rPr lang="en-GB" sz="2400" dirty="0">
+                <a:effectLst/>
+                <a:latin typeface="Calibri" panose="020F0502020204030204" pitchFamily="34" charset="0"/>
+                <a:ea typeface="Calibri" panose="020F0502020204030204" pitchFamily="34" charset="0"/>
+                <a:cs typeface="Times New Roman" panose="02020603050405020304" pitchFamily="18" charset="0"/>
+              </a:rPr>
+              <a:t>10-20 </a:t>
+            </a:r>
+            <a:r>
+              <a:rPr lang="en-GB" sz="2400" dirty="0" err="1">
+                <a:effectLst/>
+                <a:latin typeface="Calibri" panose="020F0502020204030204" pitchFamily="34" charset="0"/>
+                <a:ea typeface="Calibri" panose="020F0502020204030204" pitchFamily="34" charset="0"/>
+                <a:cs typeface="Times New Roman" panose="02020603050405020304" pitchFamily="18" charset="0"/>
+              </a:rPr>
+              <a:t>nulei</a:t>
+            </a:r>
+            <a:r>
+              <a:rPr lang="en-GB" sz="2400" dirty="0">
+                <a:effectLst/>
+                <a:latin typeface="Calibri" panose="020F0502020204030204" pitchFamily="34" charset="0"/>
+                <a:ea typeface="Calibri" panose="020F0502020204030204" pitchFamily="34" charset="0"/>
+                <a:cs typeface="Times New Roman" panose="02020603050405020304" pitchFamily="18" charset="0"/>
+              </a:rPr>
+              <a:t> per image</a:t>
+            </a:r>
+            <a:endParaRPr lang="de-DE" sz="2800" dirty="0"/>
           </a:p>
         </p:txBody>
       </p:sp>
@@ -37666,32 +39876,17 @@
               </a:rPr>
             </a:br>
             <a:r>
-              <a:rPr lang="de-DE" dirty="0">
-                <a:solidFill>
-                  <a:srgbClr val="FFFFFF"/>
-                </a:solidFill>
-              </a:rPr>
-              <a:t>NIH3T3</a:t>
-            </a:r>
-            <a:br>
-              <a:rPr lang="de-DE" dirty="0">
-                <a:solidFill>
-                  <a:srgbClr val="FFFFFF"/>
-                </a:solidFill>
-              </a:rPr>
-            </a:br>
-            <a:r>
-              <a:rPr lang="en-GB" sz="2200" dirty="0">
+              <a:rPr lang="de-DE" sz="4800" dirty="0">
                 <a:solidFill>
                   <a:schemeClr val="bg1"/>
                 </a:solidFill>
                 <a:latin typeface="Calibri" panose="020F0502020204030204" pitchFamily="34" charset="0"/>
                 <a:cs typeface="Times New Roman" panose="02020603050405020304" pitchFamily="18" charset="0"/>
               </a:rPr>
-              <a:t>Mouse embryonic cells stained with Hoechst</a:t>
+              <a:t>NIH3T3</a:t>
             </a:r>
             <a:br>
-              <a:rPr lang="de-DE" sz="2200" dirty="0">
+              <a:rPr lang="de-DE" sz="8000" dirty="0">
                 <a:solidFill>
                   <a:schemeClr val="bg1"/>
                 </a:solidFill>
@@ -37699,142 +39894,122 @@
                 <a:cs typeface="Times New Roman" panose="02020603050405020304" pitchFamily="18" charset="0"/>
               </a:rPr>
             </a:br>
-            <a:endParaRPr lang="de-DE" sz="2200" dirty="0">
+            <a:r>
+              <a:rPr lang="de-DE" sz="2400" dirty="0" err="1">
+                <a:solidFill>
+                  <a:schemeClr val="bg1"/>
+                </a:solidFill>
+                <a:latin typeface="Calibri" panose="020F0502020204030204" pitchFamily="34" charset="0"/>
+                <a:cs typeface="Times New Roman" panose="02020603050405020304" pitchFamily="18" charset="0"/>
+              </a:rPr>
+              <a:t>Cell</a:t>
+            </a:r>
+            <a:r>
+              <a:rPr lang="de-DE" sz="2400" dirty="0">
+                <a:solidFill>
+                  <a:schemeClr val="bg1"/>
+                </a:solidFill>
+                <a:latin typeface="Calibri" panose="020F0502020204030204" pitchFamily="34" charset="0"/>
+                <a:cs typeface="Times New Roman" panose="02020603050405020304" pitchFamily="18" charset="0"/>
+              </a:rPr>
+              <a:t> type: </a:t>
+            </a:r>
+            <a:r>
+              <a:rPr lang="de-DE" sz="2400" dirty="0" err="1">
+                <a:solidFill>
+                  <a:schemeClr val="bg1"/>
+                </a:solidFill>
+                <a:latin typeface="Calibri" panose="020F0502020204030204" pitchFamily="34" charset="0"/>
+                <a:cs typeface="Times New Roman" panose="02020603050405020304" pitchFamily="18" charset="0"/>
+              </a:rPr>
+              <a:t>Embryonic</a:t>
+            </a:r>
+            <a:r>
+              <a:rPr lang="de-DE" sz="2400" dirty="0">
+                <a:solidFill>
+                  <a:schemeClr val="bg1"/>
+                </a:solidFill>
+                <a:latin typeface="Calibri" panose="020F0502020204030204" pitchFamily="34" charset="0"/>
+                <a:cs typeface="Times New Roman" panose="02020603050405020304" pitchFamily="18" charset="0"/>
+              </a:rPr>
+              <a:t> </a:t>
+            </a:r>
+            <a:r>
+              <a:rPr lang="de-DE" sz="2400" dirty="0" err="1">
+                <a:solidFill>
+                  <a:schemeClr val="bg1"/>
+                </a:solidFill>
+                <a:latin typeface="Calibri" panose="020F0502020204030204" pitchFamily="34" charset="0"/>
+                <a:cs typeface="Times New Roman" panose="02020603050405020304" pitchFamily="18" charset="0"/>
+              </a:rPr>
+              <a:t>fibroblast</a:t>
+            </a:r>
+            <a:r>
+              <a:rPr lang="de-DE" sz="2400" dirty="0">
+                <a:solidFill>
+                  <a:schemeClr val="bg1"/>
+                </a:solidFill>
+                <a:latin typeface="Calibri" panose="020F0502020204030204" pitchFamily="34" charset="0"/>
+                <a:cs typeface="Times New Roman" panose="02020603050405020304" pitchFamily="18" charset="0"/>
+              </a:rPr>
+              <a:t> </a:t>
+            </a:r>
+            <a:r>
+              <a:rPr lang="de-DE" sz="2400" dirty="0" err="1">
+                <a:solidFill>
+                  <a:schemeClr val="bg1"/>
+                </a:solidFill>
+                <a:latin typeface="Calibri" panose="020F0502020204030204" pitchFamily="34" charset="0"/>
+                <a:cs typeface="Times New Roman" panose="02020603050405020304" pitchFamily="18" charset="0"/>
+              </a:rPr>
+              <a:t>cells</a:t>
+            </a:r>
+            <a:r>
+              <a:rPr lang="de-DE" sz="2400" dirty="0">
+                <a:solidFill>
+                  <a:schemeClr val="bg1"/>
+                </a:solidFill>
+                <a:latin typeface="Calibri" panose="020F0502020204030204" pitchFamily="34" charset="0"/>
+                <a:cs typeface="Times New Roman" panose="02020603050405020304" pitchFamily="18" charset="0"/>
+              </a:rPr>
+              <a:t> | </a:t>
+            </a:r>
+            <a:r>
+              <a:rPr lang="de-DE" sz="2400" dirty="0" err="1">
+                <a:solidFill>
+                  <a:schemeClr val="bg1"/>
+                </a:solidFill>
+                <a:latin typeface="Calibri" panose="020F0502020204030204" pitchFamily="34" charset="0"/>
+                <a:cs typeface="Times New Roman" panose="02020603050405020304" pitchFamily="18" charset="0"/>
+              </a:rPr>
+              <a:t>Organism</a:t>
+            </a:r>
+            <a:r>
+              <a:rPr lang="de-DE" sz="2400" dirty="0">
+                <a:solidFill>
+                  <a:schemeClr val="bg1"/>
+                </a:solidFill>
+                <a:latin typeface="Calibri" panose="020F0502020204030204" pitchFamily="34" charset="0"/>
+                <a:cs typeface="Times New Roman" panose="02020603050405020304" pitchFamily="18" charset="0"/>
+              </a:rPr>
+              <a:t>: Mouse (Mus musculus)</a:t>
+            </a:r>
+            <a:br>
+              <a:rPr lang="de-DE" sz="2400" dirty="0">
+                <a:solidFill>
+                  <a:schemeClr val="bg1"/>
+                </a:solidFill>
+                <a:latin typeface="Calibri" panose="020F0502020204030204" pitchFamily="34" charset="0"/>
+                <a:cs typeface="Times New Roman" panose="02020603050405020304" pitchFamily="18" charset="0"/>
+              </a:rPr>
+            </a:br>
+            <a:endParaRPr lang="de-DE" sz="2400" dirty="0">
               <a:solidFill>
                 <a:schemeClr val="bg1"/>
               </a:solidFill>
               <a:latin typeface="Calibri" panose="020F0502020204030204" pitchFamily="34" charset="0"/>
               <a:cs typeface="Times New Roman" panose="02020603050405020304" pitchFamily="18" charset="0"/>
             </a:endParaRPr>
-          </a:p>
-        </p:txBody>
-      </p:sp>
-      <p:sp>
-        <p:nvSpPr>
-          <p:cNvPr id="3" name="Content Placeholder 2">
-            <a:extLst>
-              <a:ext uri="{FF2B5EF4-FFF2-40B4-BE49-F238E27FC236}">
-                <a16:creationId xmlns:a16="http://schemas.microsoft.com/office/drawing/2014/main" id="{39C44881-04CF-F2E4-1376-92F222097E9B}"/>
-              </a:ext>
-            </a:extLst>
-          </p:cNvPr>
-          <p:cNvSpPr>
-            <a:spLocks noGrp="1"/>
-          </p:cNvSpPr>
-          <p:nvPr>
-            <p:ph idx="1"/>
-          </p:nvPr>
-        </p:nvSpPr>
-        <p:spPr>
-          <a:xfrm>
-            <a:off x="1096963" y="2675694"/>
-            <a:ext cx="10058400" cy="3193294"/>
-          </a:xfrm>
-        </p:spPr>
-        <p:txBody>
-          <a:bodyPr>
-            <a:normAutofit/>
-          </a:bodyPr>
-          <a:lstStyle/>
-          <a:p>
-            <a:pPr marL="342900" indent="-342900">
-              <a:lnSpc>
-                <a:spcPct val="107000"/>
-              </a:lnSpc>
-              <a:buFont typeface="Symbol" panose="05050102010706020507" pitchFamily="18" charset="2"/>
-              <a:buChar char=""/>
-            </a:pPr>
-            <a:r>
-              <a:rPr lang="en-GB" dirty="0">
-                <a:latin typeface="Calibri" panose="020F0502020204030204" pitchFamily="34" charset="0"/>
-                <a:cs typeface="Times New Roman" panose="02020603050405020304" pitchFamily="18" charset="0"/>
-              </a:rPr>
-              <a:t>18 images total </a:t>
-            </a:r>
-          </a:p>
-          <a:p>
-            <a:pPr marL="342900" lvl="0" indent="-342900">
-              <a:lnSpc>
-                <a:spcPct val="107000"/>
-              </a:lnSpc>
-              <a:buFont typeface="Symbol" panose="05050102010706020507" pitchFamily="18" charset="2"/>
-              <a:buChar char=""/>
-            </a:pPr>
-            <a:r>
-              <a:rPr lang="en-GB" dirty="0">
-                <a:latin typeface="Calibri" panose="020F0502020204030204" pitchFamily="34" charset="0"/>
-                <a:cs typeface="Times New Roman" panose="02020603050405020304" pitchFamily="18" charset="0"/>
-              </a:rPr>
-              <a:t>Size: 1344x1024 pixels</a:t>
-            </a:r>
-            <a:endParaRPr lang="de-DE" dirty="0">
-              <a:latin typeface="Calibri" panose="020F0502020204030204" pitchFamily="34" charset="0"/>
-              <a:cs typeface="Times New Roman" panose="02020603050405020304" pitchFamily="18" charset="0"/>
-            </a:endParaRPr>
-          </a:p>
-          <a:p>
-            <a:pPr marL="342900" lvl="0" indent="-342900">
-              <a:lnSpc>
-                <a:spcPct val="107000"/>
-              </a:lnSpc>
-              <a:spcAft>
-                <a:spcPts val="800"/>
-              </a:spcAft>
-              <a:buFont typeface="Symbol" panose="05050102010706020507" pitchFamily="18" charset="2"/>
-              <a:buChar char=""/>
-            </a:pPr>
-            <a:r>
-              <a:rPr lang="en-GB" dirty="0">
-                <a:latin typeface="Calibri" panose="020F0502020204030204" pitchFamily="34" charset="0"/>
-                <a:cs typeface="Times New Roman" panose="02020603050405020304" pitchFamily="18" charset="0"/>
-              </a:rPr>
-              <a:t>about 60 nuclei per image</a:t>
-            </a:r>
-          </a:p>
-          <a:p>
-            <a:pPr marL="342900" lvl="0" indent="-342900">
-              <a:lnSpc>
-                <a:spcPct val="107000"/>
-              </a:lnSpc>
-              <a:spcAft>
-                <a:spcPts val="800"/>
-              </a:spcAft>
-              <a:buFont typeface="Symbol" panose="05050102010706020507" pitchFamily="18" charset="2"/>
-              <a:buChar char=""/>
-            </a:pPr>
-            <a:r>
-              <a:rPr lang="en-GB" dirty="0">
-                <a:latin typeface="Calibri" panose="020F0502020204030204" pitchFamily="34" charset="0"/>
-                <a:cs typeface="Times New Roman" panose="02020603050405020304" pitchFamily="18" charset="0"/>
-              </a:rPr>
-              <a:t>Challenge:</a:t>
-            </a:r>
-          </a:p>
-          <a:p>
-            <a:pPr marL="342900" lvl="0" indent="-342900">
-              <a:lnSpc>
-                <a:spcPct val="107000"/>
-              </a:lnSpc>
-              <a:spcAft>
-                <a:spcPts val="800"/>
-              </a:spcAft>
-              <a:buFont typeface="Symbol" panose="05050102010706020507" pitchFamily="18" charset="2"/>
-              <a:buChar char=""/>
-            </a:pPr>
-            <a:r>
-              <a:rPr lang="en-GB" dirty="0">
-                <a:latin typeface="Calibri" panose="020F0502020204030204" pitchFamily="34" charset="0"/>
-                <a:cs typeface="Times New Roman" panose="02020603050405020304" pitchFamily="18" charset="0"/>
-              </a:rPr>
-              <a:t>…..</a:t>
-            </a:r>
-            <a:endParaRPr lang="de-DE" dirty="0">
-              <a:latin typeface="Calibri" panose="020F0502020204030204" pitchFamily="34" charset="0"/>
-              <a:cs typeface="Times New Roman" panose="02020603050405020304" pitchFamily="18" charset="0"/>
-            </a:endParaRPr>
-          </a:p>
-          <a:p>
-            <a:endParaRPr lang="de-DE" dirty="0"/>
           </a:p>
         </p:txBody>
       </p:sp>
@@ -37895,44 +40070,173 @@
       </p:sp>
       <p:sp>
         <p:nvSpPr>
-          <p:cNvPr id="4" name="TextBox 3">
+          <p:cNvPr id="11" name="Content Placeholder 2">
             <a:extLst>
               <a:ext uri="{FF2B5EF4-FFF2-40B4-BE49-F238E27FC236}">
-                <a16:creationId xmlns:a16="http://schemas.microsoft.com/office/drawing/2014/main" id="{9BD20B2B-9F6A-200D-11EA-804A3D5DBC46}"/>
+                <a16:creationId xmlns:a16="http://schemas.microsoft.com/office/drawing/2014/main" id="{D9D1FC71-14B5-9970-E933-B014A7155370}"/>
               </a:ext>
             </a:extLst>
           </p:cNvPr>
-          <p:cNvSpPr txBox="1"/>
-          <p:nvPr/>
+          <p:cNvSpPr>
+            <a:spLocks noGrp="1"/>
+          </p:cNvSpPr>
+          <p:nvPr>
+            <p:ph idx="1"/>
+          </p:nvPr>
         </p:nvSpPr>
         <p:spPr>
           <a:xfrm>
-            <a:off x="6908800" y="3537527"/>
-            <a:ext cx="4470400" cy="369332"/>
+            <a:off x="7051040" y="2821609"/>
+            <a:ext cx="3831948" cy="3193294"/>
+          </a:xfrm>
+        </p:spPr>
+        <p:txBody>
+          <a:bodyPr>
+            <a:normAutofit/>
+          </a:bodyPr>
+          <a:lstStyle/>
+          <a:p>
+            <a:pPr>
+              <a:lnSpc>
+                <a:spcPct val="107000"/>
+              </a:lnSpc>
+              <a:buFont typeface="Wingdings" panose="05000000000000000000" pitchFamily="2" charset="2"/>
+              <a:buChar char="§"/>
+            </a:pPr>
+            <a:r>
+              <a:rPr lang="en-GB" sz="2400" dirty="0">
+                <a:latin typeface="Calibri" panose="020F0502020204030204" pitchFamily="34" charset="0"/>
+                <a:cs typeface="Times New Roman" panose="02020603050405020304" pitchFamily="18" charset="0"/>
+              </a:rPr>
+              <a:t>Stained with Hoechst</a:t>
+            </a:r>
+          </a:p>
+          <a:p>
+            <a:pPr>
+              <a:lnSpc>
+                <a:spcPct val="107000"/>
+              </a:lnSpc>
+              <a:buFont typeface="Wingdings" panose="05000000000000000000" pitchFamily="2" charset="2"/>
+              <a:buChar char="§"/>
+            </a:pPr>
+            <a:r>
+              <a:rPr lang="en-GB" sz="2400" dirty="0">
+                <a:latin typeface="Calibri" panose="020F0502020204030204" pitchFamily="34" charset="0"/>
+                <a:cs typeface="Times New Roman" panose="02020603050405020304" pitchFamily="18" charset="0"/>
+              </a:rPr>
+              <a:t>18 images total </a:t>
+            </a:r>
+          </a:p>
+          <a:p>
+            <a:pPr>
+              <a:lnSpc>
+                <a:spcPct val="107000"/>
+              </a:lnSpc>
+              <a:buFont typeface="Wingdings" panose="05000000000000000000" pitchFamily="2" charset="2"/>
+              <a:buChar char="§"/>
+            </a:pPr>
+            <a:r>
+              <a:rPr lang="en-GB" sz="2400" dirty="0">
+                <a:latin typeface="Calibri" panose="020F0502020204030204" pitchFamily="34" charset="0"/>
+                <a:cs typeface="Times New Roman" panose="02020603050405020304" pitchFamily="18" charset="0"/>
+              </a:rPr>
+              <a:t>Size: 1344x1024 pixels</a:t>
+            </a:r>
+            <a:endParaRPr lang="de-DE" sz="2400" dirty="0">
+              <a:latin typeface="Calibri" panose="020F0502020204030204" pitchFamily="34" charset="0"/>
+              <a:cs typeface="Times New Roman" panose="02020603050405020304" pitchFamily="18" charset="0"/>
+            </a:endParaRPr>
+          </a:p>
+          <a:p>
+            <a:pPr>
+              <a:lnSpc>
+                <a:spcPct val="107000"/>
+              </a:lnSpc>
+              <a:spcAft>
+                <a:spcPts val="800"/>
+              </a:spcAft>
+              <a:buFont typeface="Wingdings" panose="05000000000000000000" pitchFamily="2" charset="2"/>
+              <a:buChar char="§"/>
+            </a:pPr>
+            <a:r>
+              <a:rPr lang="en-GB" sz="2400" dirty="0">
+                <a:latin typeface="Calibri" panose="020F0502020204030204" pitchFamily="34" charset="0"/>
+                <a:cs typeface="Times New Roman" panose="02020603050405020304" pitchFamily="18" charset="0"/>
+              </a:rPr>
+              <a:t>about 60 nuclei per image</a:t>
+            </a:r>
+          </a:p>
+        </p:txBody>
+      </p:sp>
+      <p:pic>
+        <p:nvPicPr>
+          <p:cNvPr id="13" name="Picture 12">
+            <a:extLst>
+              <a:ext uri="{FF2B5EF4-FFF2-40B4-BE49-F238E27FC236}">
+                <a16:creationId xmlns:a16="http://schemas.microsoft.com/office/drawing/2014/main" id="{22BC58FA-0507-040C-0141-BF786CB776B6}"/>
+              </a:ext>
+            </a:extLst>
+          </p:cNvPr>
+          <p:cNvPicPr>
+            <a:picLocks noChangeAspect="1"/>
+          </p:cNvPicPr>
+          <p:nvPr/>
+        </p:nvPicPr>
+        <p:blipFill>
+          <a:blip r:embed="rId2"/>
+          <a:stretch>
+            <a:fillRect/>
+          </a:stretch>
+        </p:blipFill>
+        <p:spPr>
+          <a:xfrm>
+            <a:off x="951673" y="2241250"/>
+            <a:ext cx="5012585" cy="3823300"/>
           </a:xfrm>
           <a:prstGeom prst="rect">
             <a:avLst/>
           </a:prstGeom>
-          <a:noFill/>
         </p:spPr>
-        <p:txBody>
-          <a:bodyPr wrap="square" rtlCol="0">
-            <a:spAutoFit/>
-          </a:bodyPr>
-          <a:lstStyle/>
-          <a:p>
-            <a:r>
-              <a:rPr lang="de-DE" dirty="0"/>
-              <a:t>Bild und </a:t>
-            </a:r>
-            <a:r>
-              <a:rPr lang="de-DE" dirty="0" err="1"/>
-              <a:t>histogramm</a:t>
-            </a:r>
-            <a:endParaRPr lang="de-DE" dirty="0"/>
-          </a:p>
-        </p:txBody>
-      </p:sp>
+      </p:pic>
+      <p:pic>
+        <p:nvPicPr>
+          <p:cNvPr id="14" name="Graphic 13" descr="Rat outline">
+            <a:extLst>
+              <a:ext uri="{FF2B5EF4-FFF2-40B4-BE49-F238E27FC236}">
+                <a16:creationId xmlns:a16="http://schemas.microsoft.com/office/drawing/2014/main" id="{690592CF-7E8A-832D-47CD-20DDDBC293AE}"/>
+              </a:ext>
+            </a:extLst>
+          </p:cNvPr>
+          <p:cNvPicPr>
+            <a:picLocks noChangeAspect="1"/>
+          </p:cNvPicPr>
+          <p:nvPr/>
+        </p:nvPicPr>
+        <p:blipFill>
+          <a:blip r:embed="rId3">
+            <a:extLst>
+              <a:ext uri="{28A0092B-C50C-407E-A947-70E740481C1C}">
+                <a14:useLocalDpi xmlns:a14="http://schemas.microsoft.com/office/drawing/2010/main" val="0"/>
+              </a:ext>
+              <a:ext uri="{96DAC541-7B7A-43D3-8B79-37D633B846F1}">
+                <asvg:svgBlip xmlns:asvg="http://schemas.microsoft.com/office/drawing/2016/SVG/main" r:embed="rId4"/>
+              </a:ext>
+            </a:extLst>
+          </a:blip>
+          <a:stretch>
+            <a:fillRect/>
+          </a:stretch>
+        </p:blipFill>
+        <p:spPr>
+          <a:xfrm>
+            <a:off x="10188199" y="1011981"/>
+            <a:ext cx="676920" cy="676920"/>
+          </a:xfrm>
+          <a:prstGeom prst="rect">
+            <a:avLst/>
+          </a:prstGeom>
+        </p:spPr>
+      </p:pic>
     </p:spTree>
     <p:extLst>
       <p:ext uri="{BB962C8B-B14F-4D97-AF65-F5344CB8AC3E}">
@@ -38125,7 +40429,7 @@
               </a:rPr>
             </a:br>
             <a:r>
-              <a:rPr lang="en-GB" sz="4300" dirty="0">
+              <a:rPr lang="en-GB" sz="4800" dirty="0">
                 <a:solidFill>
                   <a:schemeClr val="bg1"/>
                 </a:solidFill>
@@ -38135,7 +40439,7 @@
               <a:t>N2DL-HeLa</a:t>
             </a:r>
             <a:br>
-              <a:rPr lang="en-GB" sz="4300" dirty="0">
+              <a:rPr lang="en-GB" sz="6600" dirty="0">
                 <a:solidFill>
                   <a:schemeClr val="bg1"/>
                 </a:solidFill>
@@ -38144,36 +40448,20 @@
               </a:rPr>
             </a:br>
             <a:r>
-              <a:rPr lang="en-GB" sz="2200" dirty="0">
+              <a:rPr lang="en-GB" sz="2400" dirty="0">
                 <a:solidFill>
                   <a:schemeClr val="bg1"/>
                 </a:solidFill>
                 <a:latin typeface="Calibri" panose="020F0502020204030204" pitchFamily="34" charset="0"/>
                 <a:cs typeface="Times New Roman" panose="02020603050405020304" pitchFamily="18" charset="0"/>
               </a:rPr>
-              <a:t>HeLa</a:t>
+              <a:t>Cell type: Cervix carcinoma cells | organism: human (Homo sapiens)</a:t>
             </a:r>
-            <a:r>
-              <a:rPr lang="en-GB" sz="1800" dirty="0">
-                <a:effectLst/>
-                <a:latin typeface="Calibri" panose="020F0502020204030204" pitchFamily="34" charset="0"/>
-                <a:ea typeface="Calibri" panose="020F0502020204030204" pitchFamily="34" charset="0"/>
-                <a:cs typeface="Times New Roman" panose="02020603050405020304" pitchFamily="18" charset="0"/>
-              </a:rPr>
-              <a:t> </a:t>
-            </a:r>
-            <a:r>
-              <a:rPr lang="en-GB" sz="2200" dirty="0">
+            <a:br>
+              <a:rPr lang="de-DE" sz="3200" dirty="0">
                 <a:solidFill>
                   <a:schemeClr val="bg1"/>
                 </a:solidFill>
-                <a:latin typeface="Calibri" panose="020F0502020204030204" pitchFamily="34" charset="0"/>
-                <a:cs typeface="Times New Roman" panose="02020603050405020304" pitchFamily="18" charset="0"/>
-              </a:rPr>
-              <a:t>cells stably expressing H2b-GFP</a:t>
-            </a:r>
-            <a:br>
-              <a:rPr lang="de-DE" sz="1800" dirty="0">
                 <a:effectLst/>
                 <a:latin typeface="Calibri" panose="020F0502020204030204" pitchFamily="34" charset="0"/>
                 <a:ea typeface="Calibri" panose="020F0502020204030204" pitchFamily="34" charset="0"/>
@@ -38196,148 +40484,6 @@
                 <a:schemeClr val="bg1"/>
               </a:solidFill>
             </a:endParaRPr>
-          </a:p>
-        </p:txBody>
-      </p:sp>
-      <p:sp>
-        <p:nvSpPr>
-          <p:cNvPr id="3" name="Content Placeholder 2">
-            <a:extLst>
-              <a:ext uri="{FF2B5EF4-FFF2-40B4-BE49-F238E27FC236}">
-                <a16:creationId xmlns:a16="http://schemas.microsoft.com/office/drawing/2014/main" id="{F39FAB60-692F-C0C6-A222-BC3C4D57B72B}"/>
-              </a:ext>
-            </a:extLst>
-          </p:cNvPr>
-          <p:cNvSpPr>
-            <a:spLocks noGrp="1"/>
-          </p:cNvSpPr>
-          <p:nvPr>
-            <p:ph idx="1"/>
-          </p:nvPr>
-        </p:nvSpPr>
-        <p:spPr>
-          <a:xfrm>
-            <a:off x="1096963" y="2675694"/>
-            <a:ext cx="10058400" cy="3193294"/>
-          </a:xfrm>
-        </p:spPr>
-        <p:txBody>
-          <a:bodyPr>
-            <a:normAutofit/>
-          </a:bodyPr>
-          <a:lstStyle/>
-          <a:p>
-            <a:pPr marL="342900" indent="-342900">
-              <a:lnSpc>
-                <a:spcPct val="107000"/>
-              </a:lnSpc>
-              <a:buFont typeface="Symbol" panose="05050102010706020507" pitchFamily="18" charset="2"/>
-              <a:buChar char=""/>
-            </a:pPr>
-            <a:r>
-              <a:rPr lang="en-GB" sz="1800" dirty="0">
-                <a:effectLst/>
-                <a:latin typeface="Calibri" panose="020F0502020204030204" pitchFamily="34" charset="0"/>
-                <a:ea typeface="Calibri" panose="020F0502020204030204" pitchFamily="34" charset="0"/>
-                <a:cs typeface="Times New Roman" panose="02020603050405020304" pitchFamily="18" charset="0"/>
-              </a:rPr>
-              <a:t>4 images total</a:t>
-            </a:r>
-          </a:p>
-          <a:p>
-            <a:pPr marL="342900" lvl="0" indent="-342900">
-              <a:lnSpc>
-                <a:spcPct val="107000"/>
-              </a:lnSpc>
-              <a:buFont typeface="Symbol" panose="05050102010706020507" pitchFamily="18" charset="2"/>
-              <a:buChar char=""/>
-            </a:pPr>
-            <a:r>
-              <a:rPr lang="en-GB" sz="1800" dirty="0">
-                <a:effectLst/>
-                <a:latin typeface="Calibri" panose="020F0502020204030204" pitchFamily="34" charset="0"/>
-                <a:ea typeface="Calibri" panose="020F0502020204030204" pitchFamily="34" charset="0"/>
-                <a:cs typeface="Times New Roman" panose="02020603050405020304" pitchFamily="18" charset="0"/>
-              </a:rPr>
-              <a:t>Size: 1100x 700 pixels</a:t>
-            </a:r>
-            <a:endParaRPr lang="de-DE" sz="1800" dirty="0">
-              <a:effectLst/>
-              <a:latin typeface="Calibri" panose="020F0502020204030204" pitchFamily="34" charset="0"/>
-              <a:ea typeface="Calibri" panose="020F0502020204030204" pitchFamily="34" charset="0"/>
-              <a:cs typeface="Times New Roman" panose="02020603050405020304" pitchFamily="18" charset="0"/>
-            </a:endParaRPr>
-          </a:p>
-          <a:p>
-            <a:pPr marL="342900" lvl="0" indent="-342900">
-              <a:lnSpc>
-                <a:spcPct val="107000"/>
-              </a:lnSpc>
-              <a:spcAft>
-                <a:spcPts val="800"/>
-              </a:spcAft>
-              <a:buFont typeface="Symbol" panose="05050102010706020507" pitchFamily="18" charset="2"/>
-              <a:buChar char=""/>
-            </a:pPr>
-            <a:r>
-              <a:rPr lang="en-GB" sz="1800" dirty="0">
-                <a:effectLst/>
-                <a:latin typeface="Calibri" panose="020F0502020204030204" pitchFamily="34" charset="0"/>
-                <a:ea typeface="Calibri" panose="020F0502020204030204" pitchFamily="34" charset="0"/>
-                <a:cs typeface="Times New Roman" panose="02020603050405020304" pitchFamily="18" charset="0"/>
-              </a:rPr>
-              <a:t>30-50 nuclei per image</a:t>
-            </a:r>
-          </a:p>
-          <a:p>
-            <a:pPr marL="342900" lvl="0" indent="-342900">
-              <a:lnSpc>
-                <a:spcPct val="107000"/>
-              </a:lnSpc>
-              <a:spcAft>
-                <a:spcPts val="800"/>
-              </a:spcAft>
-              <a:buFont typeface="Symbol" panose="05050102010706020507" pitchFamily="18" charset="2"/>
-              <a:buChar char=""/>
-            </a:pPr>
-            <a:r>
-              <a:rPr lang="en-GB" sz="1800" dirty="0">
-                <a:latin typeface="Calibri" panose="020F0502020204030204" pitchFamily="34" charset="0"/>
-                <a:ea typeface="Calibri" panose="020F0502020204030204" pitchFamily="34" charset="0"/>
-                <a:cs typeface="Times New Roman" panose="02020603050405020304" pitchFamily="18" charset="0"/>
-              </a:rPr>
-              <a:t>Challenge:</a:t>
-            </a:r>
-          </a:p>
-          <a:p>
-            <a:pPr marL="342900" lvl="0" indent="-342900">
-              <a:lnSpc>
-                <a:spcPct val="107000"/>
-              </a:lnSpc>
-              <a:spcAft>
-                <a:spcPts val="800"/>
-              </a:spcAft>
-              <a:buFont typeface="Symbol" panose="05050102010706020507" pitchFamily="18" charset="2"/>
-              <a:buChar char=""/>
-            </a:pPr>
-            <a:r>
-              <a:rPr lang="en-GB" sz="1800" dirty="0">
-                <a:effectLst/>
-                <a:latin typeface="Calibri" panose="020F0502020204030204" pitchFamily="34" charset="0"/>
-                <a:ea typeface="Calibri" panose="020F0502020204030204" pitchFamily="34" charset="0"/>
-                <a:cs typeface="Times New Roman" panose="02020603050405020304" pitchFamily="18" charset="0"/>
-              </a:rPr>
-              <a:t>….</a:t>
-            </a:r>
-            <a:endParaRPr lang="de-DE" sz="1800" dirty="0">
-              <a:effectLst/>
-              <a:latin typeface="Calibri" panose="020F0502020204030204" pitchFamily="34" charset="0"/>
-              <a:ea typeface="Calibri" panose="020F0502020204030204" pitchFamily="34" charset="0"/>
-              <a:cs typeface="Times New Roman" panose="02020603050405020304" pitchFamily="18" charset="0"/>
-            </a:endParaRPr>
-          </a:p>
-          <a:p>
-            <a:endParaRPr lang="de-DE" dirty="0"/>
           </a:p>
         </p:txBody>
       </p:sp>
@@ -38396,46 +40542,188 @@
           </a:fontRef>
         </p:style>
       </p:sp>
-      <p:sp>
-        <p:nvSpPr>
-          <p:cNvPr id="7" name="TextBox 6">
+      <p:pic>
+        <p:nvPicPr>
+          <p:cNvPr id="9" name="Graphic 8" descr="Man outline">
             <a:extLst>
               <a:ext uri="{FF2B5EF4-FFF2-40B4-BE49-F238E27FC236}">
-                <a16:creationId xmlns:a16="http://schemas.microsoft.com/office/drawing/2014/main" id="{4EBD52CD-A445-3FF8-954A-06A642A7DCDF}"/>
+                <a16:creationId xmlns:a16="http://schemas.microsoft.com/office/drawing/2014/main" id="{7FDF8442-7BB9-DF86-6175-87734CB1EC77}"/>
               </a:ext>
             </a:extLst>
           </p:cNvPr>
-          <p:cNvSpPr txBox="1"/>
+          <p:cNvPicPr>
+            <a:picLocks noChangeAspect="1"/>
+          </p:cNvPicPr>
           <p:nvPr/>
-        </p:nvSpPr>
+        </p:nvPicPr>
+        <p:blipFill>
+          <a:blip r:embed="rId2">
+            <a:extLst>
+              <a:ext uri="{28A0092B-C50C-407E-A947-70E740481C1C}">
+                <a14:useLocalDpi xmlns:a14="http://schemas.microsoft.com/office/drawing/2010/main" val="0"/>
+              </a:ext>
+              <a:ext uri="{96DAC541-7B7A-43D3-8B79-37D633B846F1}">
+                <asvg:svgBlip xmlns:asvg="http://schemas.microsoft.com/office/drawing/2016/SVG/main" r:embed="rId3"/>
+              </a:ext>
+            </a:extLst>
+          </a:blip>
+          <a:stretch>
+            <a:fillRect/>
+          </a:stretch>
+        </p:blipFill>
         <p:spPr>
           <a:xfrm>
-            <a:off x="6908800" y="3537527"/>
-            <a:ext cx="4470400" cy="369332"/>
+            <a:off x="9795753" y="906389"/>
+            <a:ext cx="609861" cy="609861"/>
           </a:xfrm>
           <a:prstGeom prst="rect">
             <a:avLst/>
           </a:prstGeom>
-          <a:noFill/>
+        </p:spPr>
+      </p:pic>
+      <p:sp>
+        <p:nvSpPr>
+          <p:cNvPr id="11" name="Content Placeholder 2">
+            <a:extLst>
+              <a:ext uri="{FF2B5EF4-FFF2-40B4-BE49-F238E27FC236}">
+                <a16:creationId xmlns:a16="http://schemas.microsoft.com/office/drawing/2014/main" id="{2FA87A49-7E88-5624-E63B-C187794BF533}"/>
+              </a:ext>
+            </a:extLst>
+          </p:cNvPr>
+          <p:cNvSpPr>
+            <a:spLocks noGrp="1"/>
+          </p:cNvSpPr>
+          <p:nvPr>
+            <p:ph idx="1"/>
+          </p:nvPr>
+        </p:nvSpPr>
+        <p:spPr>
+          <a:xfrm>
+            <a:off x="7277161" y="2877904"/>
+            <a:ext cx="3550595" cy="3193294"/>
+          </a:xfrm>
         </p:spPr>
         <p:txBody>
-          <a:bodyPr wrap="square" rtlCol="0">
-            <a:spAutoFit/>
+          <a:bodyPr>
+            <a:normAutofit/>
           </a:bodyPr>
           <a:lstStyle/>
           <a:p>
+            <a:pPr>
+              <a:lnSpc>
+                <a:spcPct val="107000"/>
+              </a:lnSpc>
+              <a:buFont typeface="Wingdings" panose="05000000000000000000" pitchFamily="2" charset="2"/>
+              <a:buChar char="§"/>
+            </a:pPr>
             <a:r>
-              <a:rPr lang="de-DE" dirty="0"/>
-              <a:t>Bild und </a:t>
+              <a:rPr lang="en-GB" sz="2400" dirty="0">
+                <a:effectLst/>
+                <a:latin typeface="Calibri" panose="020F0502020204030204" pitchFamily="34" charset="0"/>
+                <a:ea typeface="Calibri" panose="020F0502020204030204" pitchFamily="34" charset="0"/>
+                <a:cs typeface="Times New Roman" panose="02020603050405020304" pitchFamily="18" charset="0"/>
+              </a:rPr>
+              <a:t>Stained with GFP</a:t>
             </a:r>
+          </a:p>
+          <a:p>
+            <a:pPr>
+              <a:lnSpc>
+                <a:spcPct val="107000"/>
+              </a:lnSpc>
+              <a:buFont typeface="Wingdings" panose="05000000000000000000" pitchFamily="2" charset="2"/>
+              <a:buChar char="§"/>
+            </a:pPr>
             <a:r>
-              <a:rPr lang="de-DE" dirty="0" err="1"/>
-              <a:t>histogramm</a:t>
+              <a:rPr lang="en-GB" sz="2400" dirty="0">
+                <a:effectLst/>
+                <a:latin typeface="Calibri" panose="020F0502020204030204" pitchFamily="34" charset="0"/>
+                <a:ea typeface="Calibri" panose="020F0502020204030204" pitchFamily="34" charset="0"/>
+                <a:cs typeface="Times New Roman" panose="02020603050405020304" pitchFamily="18" charset="0"/>
+              </a:rPr>
+              <a:t>4 images total</a:t>
             </a:r>
+          </a:p>
+          <a:p>
+            <a:pPr lvl="0">
+              <a:lnSpc>
+                <a:spcPct val="107000"/>
+              </a:lnSpc>
+              <a:buFont typeface="Wingdings" panose="05000000000000000000" pitchFamily="2" charset="2"/>
+              <a:buChar char="§"/>
+            </a:pPr>
+            <a:r>
+              <a:rPr lang="en-GB" sz="2400" dirty="0">
+                <a:effectLst/>
+                <a:latin typeface="Calibri" panose="020F0502020204030204" pitchFamily="34" charset="0"/>
+                <a:ea typeface="Calibri" panose="020F0502020204030204" pitchFamily="34" charset="0"/>
+                <a:cs typeface="Times New Roman" panose="02020603050405020304" pitchFamily="18" charset="0"/>
+              </a:rPr>
+              <a:t>Size: 1100x 700 pixels</a:t>
+            </a:r>
+            <a:endParaRPr lang="de-DE" sz="2400" dirty="0">
+              <a:effectLst/>
+              <a:latin typeface="Calibri" panose="020F0502020204030204" pitchFamily="34" charset="0"/>
+              <a:ea typeface="Calibri" panose="020F0502020204030204" pitchFamily="34" charset="0"/>
+              <a:cs typeface="Times New Roman" panose="02020603050405020304" pitchFamily="18" charset="0"/>
+            </a:endParaRPr>
+          </a:p>
+          <a:p>
+            <a:pPr lvl="0">
+              <a:lnSpc>
+                <a:spcPct val="107000"/>
+              </a:lnSpc>
+              <a:spcAft>
+                <a:spcPts val="800"/>
+              </a:spcAft>
+              <a:buFont typeface="Wingdings" panose="05000000000000000000" pitchFamily="2" charset="2"/>
+              <a:buChar char="§"/>
+            </a:pPr>
+            <a:r>
+              <a:rPr lang="en-GB" sz="2400" dirty="0">
+                <a:effectLst/>
+                <a:latin typeface="Calibri" panose="020F0502020204030204" pitchFamily="34" charset="0"/>
+                <a:ea typeface="Calibri" panose="020F0502020204030204" pitchFamily="34" charset="0"/>
+                <a:cs typeface="Times New Roman" panose="02020603050405020304" pitchFamily="18" charset="0"/>
+              </a:rPr>
+              <a:t>30-50 nuclei per image</a:t>
+            </a:r>
+          </a:p>
+          <a:p>
             <a:endParaRPr lang="de-DE" dirty="0"/>
           </a:p>
         </p:txBody>
       </p:sp>
+      <p:pic>
+        <p:nvPicPr>
+          <p:cNvPr id="13" name="Picture 12">
+            <a:extLst>
+              <a:ext uri="{FF2B5EF4-FFF2-40B4-BE49-F238E27FC236}">
+                <a16:creationId xmlns:a16="http://schemas.microsoft.com/office/drawing/2014/main" id="{106203EB-3FCE-9316-FE79-75B93492AEE3}"/>
+              </a:ext>
+            </a:extLst>
+          </p:cNvPr>
+          <p:cNvPicPr>
+            <a:picLocks noChangeAspect="1"/>
+          </p:cNvPicPr>
+          <p:nvPr/>
+        </p:nvPicPr>
+        <p:blipFill>
+          <a:blip r:embed="rId4"/>
+          <a:stretch>
+            <a:fillRect/>
+          </a:stretch>
+        </p:blipFill>
+        <p:spPr>
+          <a:xfrm>
+            <a:off x="731952" y="2238580"/>
+            <a:ext cx="5814764" cy="3716043"/>
+          </a:xfrm>
+          <a:prstGeom prst="rect">
+            <a:avLst/>
+          </a:prstGeom>
+        </p:spPr>
+      </p:pic>
     </p:spTree>
     <p:extLst>
       <p:ext uri="{BB962C8B-B14F-4D97-AF65-F5344CB8AC3E}">
@@ -38466,40 +40754,72 @@
           <a:chExt cx="0" cy="0"/>
         </a:xfrm>
       </p:grpSpPr>
-      <p:graphicFrame>
-        <p:nvGraphicFramePr>
-          <p:cNvPr id="2" name="Diagramm 1">
+      <p:pic>
+        <p:nvPicPr>
+          <p:cNvPr id="2" name="Picture 1">
             <a:extLst>
               <a:ext uri="{FF2B5EF4-FFF2-40B4-BE49-F238E27FC236}">
-                <a16:creationId xmlns:a16="http://schemas.microsoft.com/office/drawing/2014/main" id="{43FC3BDF-1CB5-10DA-7E88-89F5AD356F84}"/>
+                <a16:creationId xmlns:a16="http://schemas.microsoft.com/office/drawing/2014/main" id="{CBE26274-4C58-9CDE-4578-96DE5FF0FF87}"/>
               </a:ext>
             </a:extLst>
           </p:cNvPr>
-          <p:cNvGraphicFramePr/>
-          <p:nvPr>
-            <p:extLst>
-              <p:ext uri="{D42A27DB-BD31-4B8C-83A1-F6EECF244321}">
-                <p14:modId xmlns:p14="http://schemas.microsoft.com/office/powerpoint/2010/main" val="2898457357"/>
-              </p:ext>
-            </p:extLst>
-          </p:nvPr>
-        </p:nvGraphicFramePr>
-        <p:xfrm>
-          <a:off x="1686560" y="548640"/>
-          <a:ext cx="10292080" cy="5760720"/>
-        </p:xfrm>
-        <a:graphic>
-          <a:graphicData uri="http://schemas.openxmlformats.org/drawingml/2006/diagram">
-            <dgm:relIds xmlns:dgm="http://schemas.openxmlformats.org/drawingml/2006/diagram" xmlns:r="http://schemas.openxmlformats.org/officeDocument/2006/relationships" r:dm="rId2" r:lo="rId3" r:qs="rId4" r:cs="rId5"/>
-          </a:graphicData>
-        </a:graphic>
-      </p:graphicFrame>
+          <p:cNvPicPr>
+            <a:picLocks noChangeAspect="1"/>
+          </p:cNvPicPr>
+          <p:nvPr/>
+        </p:nvPicPr>
+        <p:blipFill>
+          <a:blip r:embed="rId2"/>
+          <a:stretch>
+            <a:fillRect/>
+          </a:stretch>
+        </p:blipFill>
+        <p:spPr>
+          <a:xfrm>
+            <a:off x="820920" y="1206977"/>
+            <a:ext cx="4541047" cy="4534784"/>
+          </a:xfrm>
+          <a:prstGeom prst="rect">
+            <a:avLst/>
+          </a:prstGeom>
+        </p:spPr>
+      </p:pic>
+      <p:pic>
+        <p:nvPicPr>
+          <p:cNvPr id="3" name="Picture 2">
+            <a:extLst>
+              <a:ext uri="{FF2B5EF4-FFF2-40B4-BE49-F238E27FC236}">
+                <a16:creationId xmlns:a16="http://schemas.microsoft.com/office/drawing/2014/main" id="{A3F2B6D0-98E5-848D-B992-CBD67BFBF2E8}"/>
+              </a:ext>
+            </a:extLst>
+          </p:cNvPr>
+          <p:cNvPicPr>
+            <a:picLocks noChangeAspect="1"/>
+          </p:cNvPicPr>
+          <p:nvPr/>
+        </p:nvPicPr>
+        <p:blipFill>
+          <a:blip r:embed="rId3"/>
+          <a:stretch>
+            <a:fillRect/>
+          </a:stretch>
+        </p:blipFill>
+        <p:spPr>
+          <a:xfrm>
+            <a:off x="6695135" y="1206977"/>
+            <a:ext cx="4562863" cy="4534784"/>
+          </a:xfrm>
+          <a:prstGeom prst="rect">
+            <a:avLst/>
+          </a:prstGeom>
+        </p:spPr>
+      </p:pic>
       <p:sp>
         <p:nvSpPr>
-          <p:cNvPr id="3" name="Textfeld 2">
+          <p:cNvPr id="4" name="TextBox 3">
             <a:extLst>
               <a:ext uri="{FF2B5EF4-FFF2-40B4-BE49-F238E27FC236}">
-                <a16:creationId xmlns:a16="http://schemas.microsoft.com/office/drawing/2014/main" id="{4CE3A299-0FA3-278F-BBB4-7557401883F3}"/>
+                <a16:creationId xmlns:a16="http://schemas.microsoft.com/office/drawing/2014/main" id="{1CABA90E-C26B-405D-1B8C-177B081FF9BB}"/>
               </a:ext>
             </a:extLst>
           </p:cNvPr>
@@ -38508,8 +40828,8 @@
         </p:nvSpPr>
         <p:spPr>
           <a:xfrm>
-            <a:off x="3139440" y="2951946"/>
-            <a:ext cx="2448560" cy="954107"/>
+            <a:off x="2375355" y="362186"/>
+            <a:ext cx="1856756" cy="754053"/>
           </a:xfrm>
           <a:prstGeom prst="rect">
             <a:avLst/>
@@ -38522,37 +40842,28 @@
           </a:bodyPr>
           <a:lstStyle/>
           <a:p>
-            <a:pPr algn="ctr"/>
             <a:r>
-              <a:rPr lang="de-DE" sz="2800" dirty="0">
+              <a:rPr lang="de-DE" sz="4300" dirty="0">
                 <a:solidFill>
-                  <a:schemeClr val="bg1"/>
+                  <a:schemeClr val="tx1">
+                    <a:lumMod val="75000"/>
+                    <a:lumOff val="25000"/>
+                  </a:schemeClr>
                 </a:solidFill>
+                <a:latin typeface="Calibri" panose="020F0502020204030204" pitchFamily="34" charset="0"/>
+                <a:cs typeface="Times New Roman" panose="02020603050405020304" pitchFamily="18" charset="0"/>
               </a:rPr>
-              <a:t>Image </a:t>
+              <a:t>Image</a:t>
             </a:r>
-            <a:r>
-              <a:rPr lang="de-DE" sz="2800" dirty="0" err="1">
-                <a:solidFill>
-                  <a:schemeClr val="bg1"/>
-                </a:solidFill>
-              </a:rPr>
-              <a:t>Thresholding</a:t>
-            </a:r>
-            <a:endParaRPr lang="de-DE" sz="2800" dirty="0">
-              <a:solidFill>
-                <a:schemeClr val="bg1"/>
-              </a:solidFill>
-            </a:endParaRPr>
           </a:p>
         </p:txBody>
       </p:sp>
       <p:sp>
         <p:nvSpPr>
-          <p:cNvPr id="4" name="Textfeld 3">
+          <p:cNvPr id="5" name="TextBox 4">
             <a:extLst>
               <a:ext uri="{FF2B5EF4-FFF2-40B4-BE49-F238E27FC236}">
-                <a16:creationId xmlns:a16="http://schemas.microsoft.com/office/drawing/2014/main" id="{F030062C-3AE9-9D3B-35A7-4F9E2C84C0C9}"/>
+                <a16:creationId xmlns:a16="http://schemas.microsoft.com/office/drawing/2014/main" id="{BF90FE4E-49EA-16A4-D9B6-3AE577ACD123}"/>
               </a:ext>
             </a:extLst>
           </p:cNvPr>
@@ -38561,8 +40872,8 @@
         </p:nvSpPr>
         <p:spPr>
           <a:xfrm>
-            <a:off x="7487920" y="1219200"/>
-            <a:ext cx="2600960" cy="369332"/>
+            <a:off x="7415141" y="362186"/>
+            <a:ext cx="3917582" cy="754053"/>
           </a:xfrm>
           <a:prstGeom prst="rect">
             <a:avLst/>
@@ -38575,118 +40886,49 @@
           </a:bodyPr>
           <a:lstStyle/>
           <a:p>
-            <a:pPr marL="285750" indent="-285750">
-              <a:buFont typeface="Arial" panose="020B0604020202020204" pitchFamily="34" charset="0"/>
-              <a:buChar char="•"/>
-            </a:pPr>
             <a:r>
-              <a:rPr lang="de-DE" dirty="0"/>
-              <a:t>Otsu </a:t>
+              <a:rPr lang="de-DE" sz="4300" dirty="0">
+                <a:solidFill>
+                  <a:schemeClr val="tx1">
+                    <a:lumMod val="75000"/>
+                    <a:lumOff val="25000"/>
+                  </a:schemeClr>
+                </a:solidFill>
+                <a:latin typeface="Calibri" panose="020F0502020204030204" pitchFamily="34" charset="0"/>
+                <a:cs typeface="Times New Roman" panose="02020603050405020304" pitchFamily="18" charset="0"/>
+              </a:rPr>
+              <a:t>Ground</a:t>
             </a:r>
             <a:r>
-              <a:rPr lang="de-DE" dirty="0" err="1"/>
-              <a:t>Thresholding</a:t>
+              <a:rPr lang="de-DE" sz="4300" dirty="0"/>
+              <a:t> </a:t>
             </a:r>
-            <a:endParaRPr lang="de-DE" dirty="0"/>
+            <a:r>
+              <a:rPr lang="de-DE" sz="4300" dirty="0">
+                <a:solidFill>
+                  <a:schemeClr val="tx1">
+                    <a:lumMod val="75000"/>
+                    <a:lumOff val="25000"/>
+                  </a:schemeClr>
+                </a:solidFill>
+                <a:latin typeface="Calibri" panose="020F0502020204030204" pitchFamily="34" charset="0"/>
+                <a:cs typeface="Times New Roman" panose="02020603050405020304" pitchFamily="18" charset="0"/>
+              </a:rPr>
+              <a:t>Truth</a:t>
+            </a:r>
           </a:p>
         </p:txBody>
       </p:sp>
     </p:spTree>
     <p:extLst>
       <p:ext uri="{BB962C8B-B14F-4D97-AF65-F5344CB8AC3E}">
-        <p14:creationId xmlns:p14="http://schemas.microsoft.com/office/powerpoint/2010/main" val="3191391970"/>
+        <p14:creationId xmlns:p14="http://schemas.microsoft.com/office/powerpoint/2010/main" val="3449755402"/>
       </p:ext>
     </p:extLst>
   </p:cSld>
   <p:clrMapOvr>
     <a:masterClrMapping/>
   </p:clrMapOvr>
-  <p:timing>
-    <p:tnLst>
-      <p:par>
-        <p:cTn id="1" dur="indefinite" restart="never" nodeType="tmRoot">
-          <p:childTnLst>
-            <p:seq concurrent="1" nextAc="seek">
-              <p:cTn id="2" dur="indefinite" nodeType="mainSeq">
-                <p:childTnLst>
-                  <p:par>
-                    <p:cTn id="3" fill="hold">
-                      <p:stCondLst>
-                        <p:cond delay="indefinite"/>
-                      </p:stCondLst>
-                      <p:childTnLst>
-                        <p:par>
-                          <p:cTn id="4" fill="hold">
-                            <p:stCondLst>
-                              <p:cond delay="0"/>
-                            </p:stCondLst>
-                            <p:childTnLst>
-                              <p:par>
-                                <p:cTn id="5" presetID="10" presetClass="entr" presetSubtype="0" fill="hold" grpId="0" nodeType="clickEffect">
-                                  <p:stCondLst>
-                                    <p:cond delay="0"/>
-                                  </p:stCondLst>
-                                  <p:childTnLst>
-                                    <p:set>
-                                      <p:cBhvr>
-                                        <p:cTn id="6" dur="1" fill="hold">
-                                          <p:stCondLst>
-                                            <p:cond delay="0"/>
-                                          </p:stCondLst>
-                                        </p:cTn>
-                                        <p:tgtEl>
-                                          <p:spTgt spid="4"/>
-                                        </p:tgtEl>
-                                        <p:attrNameLst>
-                                          <p:attrName>style.visibility</p:attrName>
-                                        </p:attrNameLst>
-                                      </p:cBhvr>
-                                      <p:to>
-                                        <p:strVal val="visible"/>
-                                      </p:to>
-                                    </p:set>
-                                    <p:animEffect transition="in" filter="fade">
-                                      <p:cBhvr>
-                                        <p:cTn id="7" dur="500"/>
-                                        <p:tgtEl>
-                                          <p:spTgt spid="4"/>
-                                        </p:tgtEl>
-                                      </p:cBhvr>
-                                    </p:animEffect>
-                                  </p:childTnLst>
-                                </p:cTn>
-                              </p:par>
-                            </p:childTnLst>
-                          </p:cTn>
-                        </p:par>
-                      </p:childTnLst>
-                    </p:cTn>
-                  </p:par>
-                </p:childTnLst>
-              </p:cTn>
-              <p:prevCondLst>
-                <p:cond evt="onPrev" delay="0">
-                  <p:tgtEl>
-                    <p:sldTgt/>
-                  </p:tgtEl>
-                </p:cond>
-              </p:prevCondLst>
-              <p:nextCondLst>
-                <p:cond evt="onNext" delay="0">
-                  <p:tgtEl>
-                    <p:sldTgt/>
-                  </p:tgtEl>
-                </p:cond>
-              </p:nextCondLst>
-            </p:seq>
-          </p:childTnLst>
-        </p:cTn>
-      </p:par>
-    </p:tnLst>
-    <p:bldLst>
-      <p:bldP spid="4" grpId="0"/>
-    </p:bldLst>
-  </p:timing>
 </p:sld>
 </file>
 
@@ -38709,10 +40951,10 @@
       </p:grpSpPr>
       <p:sp>
         <p:nvSpPr>
-          <p:cNvPr id="2" name="Titel 1">
+          <p:cNvPr id="2" name="Title 1">
             <a:extLst>
               <a:ext uri="{FF2B5EF4-FFF2-40B4-BE49-F238E27FC236}">
-                <a16:creationId xmlns:a16="http://schemas.microsoft.com/office/drawing/2014/main" id="{2461CCF0-7947-9B10-9067-D267B8C54E83}"/>
+                <a16:creationId xmlns:a16="http://schemas.microsoft.com/office/drawing/2014/main" id="{EDEA08D6-5173-4468-4BFD-63682029CC10}"/>
               </a:ext>
             </a:extLst>
           </p:cNvPr>
@@ -38730,68 +40972,201 @@
           <a:p>
             <a:r>
               <a:rPr lang="de-DE" dirty="0"/>
-              <a:t>Otsu </a:t>
+              <a:t>Challenges: N2DH-GOWT1</a:t>
             </a:r>
-            <a:r>
-              <a:rPr lang="de-DE" dirty="0" err="1"/>
-              <a:t>Thresholding</a:t>
-            </a:r>
-            <a:endParaRPr lang="de-DE" dirty="0"/>
+          </a:p>
+        </p:txBody>
+      </p:sp>
+      <p:pic>
+        <p:nvPicPr>
+          <p:cNvPr id="4" name="Content Placeholder 3">
+            <a:extLst>
+              <a:ext uri="{FF2B5EF4-FFF2-40B4-BE49-F238E27FC236}">
+                <a16:creationId xmlns:a16="http://schemas.microsoft.com/office/drawing/2014/main" id="{E37F98BC-E1C9-C4D6-54E9-CF7B07A10E0A}"/>
+              </a:ext>
+            </a:extLst>
+          </p:cNvPr>
+          <p:cNvPicPr>
+            <a:picLocks noGrp="1" noChangeAspect="1"/>
+          </p:cNvPicPr>
+          <p:nvPr>
+            <p:ph idx="1"/>
+          </p:nvPr>
+        </p:nvPicPr>
+        <p:blipFill>
+          <a:blip r:embed="rId2"/>
+          <a:stretch>
+            <a:fillRect/>
+          </a:stretch>
+        </p:blipFill>
+        <p:spPr>
+          <a:xfrm>
+            <a:off x="991737" y="2238582"/>
+            <a:ext cx="3833021" cy="3827735"/>
+          </a:xfrm>
+          <a:prstGeom prst="rect">
+            <a:avLst/>
+          </a:prstGeom>
+        </p:spPr>
+      </p:pic>
+      <p:pic>
+        <p:nvPicPr>
+          <p:cNvPr id="16" name="Content Placeholder 3" descr="Background pattern&#10;&#10;Description automatically generated">
+            <a:extLst>
+              <a:ext uri="{FF2B5EF4-FFF2-40B4-BE49-F238E27FC236}">
+                <a16:creationId xmlns:a16="http://schemas.microsoft.com/office/drawing/2014/main" id="{9E038BC4-7F86-1D1A-5D02-450913679688}"/>
+              </a:ext>
+            </a:extLst>
+          </p:cNvPr>
+          <p:cNvPicPr>
+            <a:picLocks noChangeAspect="1"/>
+          </p:cNvPicPr>
+          <p:nvPr/>
+        </p:nvPicPr>
+        <p:blipFill rotWithShape="1">
+          <a:blip r:embed="rId2"/>
+          <a:srcRect l="6443" t="3229" r="70493" b="81133"/>
+          <a:stretch/>
+        </p:blipFill>
+        <p:spPr bwMode="auto">
+          <a:xfrm>
+            <a:off x="7281181" y="2195936"/>
+            <a:ext cx="2874072" cy="1945697"/>
+          </a:xfrm>
+          <a:prstGeom prst="rect">
+            <a:avLst/>
+          </a:prstGeom>
+          <a:ln>
+            <a:noFill/>
+          </a:ln>
+          <a:extLst>
+            <a:ext uri="{53640926-AAD7-44D8-BBD7-CCE9431645EC}">
+              <a14:shadowObscured xmlns:a14="http://schemas.microsoft.com/office/drawing/2010/main"/>
+            </a:ext>
+          </a:extLst>
+        </p:spPr>
+      </p:pic>
+      <p:sp>
+        <p:nvSpPr>
+          <p:cNvPr id="17" name="Arrow: Right 16">
+            <a:extLst>
+              <a:ext uri="{FF2B5EF4-FFF2-40B4-BE49-F238E27FC236}">
+                <a16:creationId xmlns:a16="http://schemas.microsoft.com/office/drawing/2014/main" id="{2506B57B-0502-D677-FA8B-5C8A4E0955BD}"/>
+              </a:ext>
+            </a:extLst>
+          </p:cNvPr>
+          <p:cNvSpPr/>
+          <p:nvPr/>
+        </p:nvSpPr>
+        <p:spPr>
+          <a:xfrm>
+            <a:off x="5437761" y="2908569"/>
+            <a:ext cx="1047345" cy="520430"/>
+          </a:xfrm>
+          <a:prstGeom prst="rightArrow">
+            <a:avLst/>
+          </a:prstGeom>
+        </p:spPr>
+        <p:style>
+          <a:lnRef idx="2">
+            <a:schemeClr val="accent1">
+              <a:shade val="50000"/>
+            </a:schemeClr>
+          </a:lnRef>
+          <a:fillRef idx="1">
+            <a:schemeClr val="accent1"/>
+          </a:fillRef>
+          <a:effectRef idx="0">
+            <a:schemeClr val="accent1"/>
+          </a:effectRef>
+          <a:fontRef idx="minor">
+            <a:schemeClr val="lt1"/>
+          </a:fontRef>
+        </p:style>
+        <p:txBody>
+          <a:bodyPr rtlCol="0" anchor="ctr"/>
+          <a:lstStyle/>
+          <a:p>
+            <a:pPr algn="ctr"/>
+            <a:endParaRPr lang="de-DE"/>
           </a:p>
         </p:txBody>
       </p:sp>
       <p:sp>
         <p:nvSpPr>
-          <p:cNvPr id="3" name="Inhaltsplatzhalter 2">
+          <p:cNvPr id="18" name="TextBox 17">
             <a:extLst>
               <a:ext uri="{FF2B5EF4-FFF2-40B4-BE49-F238E27FC236}">
-                <a16:creationId xmlns:a16="http://schemas.microsoft.com/office/drawing/2014/main" id="{67F17C06-8CC2-65E5-B94A-633AA9A0AD12}"/>
+                <a16:creationId xmlns:a16="http://schemas.microsoft.com/office/drawing/2014/main" id="{5D06BE8E-03D2-24E4-89F1-B8CB93D545B7}"/>
               </a:ext>
             </a:extLst>
           </p:cNvPr>
-          <p:cNvSpPr>
-            <a:spLocks noGrp="1"/>
-          </p:cNvSpPr>
-          <p:nvPr>
-            <p:ph idx="1"/>
-          </p:nvPr>
+          <p:cNvSpPr txBox="1"/>
+          <p:nvPr/>
         </p:nvSpPr>
-        <p:spPr/>
+        <p:spPr>
+          <a:xfrm>
+            <a:off x="7072008" y="4600209"/>
+            <a:ext cx="5426089" cy="1015663"/>
+          </a:xfrm>
+          <a:prstGeom prst="rect">
+            <a:avLst/>
+          </a:prstGeom>
+          <a:noFill/>
+        </p:spPr>
         <p:txBody>
-          <a:bodyPr/>
+          <a:bodyPr wrap="square" rtlCol="0">
+            <a:spAutoFit/>
+          </a:bodyPr>
           <a:lstStyle/>
           <a:p>
+            <a:pPr marL="285750" indent="-285750">
+              <a:buFont typeface="Wingdings" panose="05000000000000000000" pitchFamily="2" charset="2"/>
+              <a:buChar char="§"/>
+            </a:pPr>
             <a:r>
-              <a:rPr lang="de-DE" dirty="0" err="1"/>
-              <a:t>Histogram</a:t>
+              <a:rPr lang="de-DE" sz="2400" dirty="0" err="1">
+                <a:solidFill>
+                  <a:schemeClr val="tx1">
+                    <a:lumMod val="75000"/>
+                    <a:lumOff val="25000"/>
+                  </a:schemeClr>
+                </a:solidFill>
+                <a:latin typeface="Calibri" panose="020F0502020204030204" pitchFamily="34" charset="0"/>
+                <a:cs typeface="Times New Roman" panose="02020603050405020304" pitchFamily="18" charset="0"/>
+              </a:rPr>
+              <a:t>Noice</a:t>
             </a:r>
+            <a:endParaRPr lang="de-DE" sz="2400" dirty="0">
+              <a:solidFill>
+                <a:schemeClr val="tx1">
+                  <a:lumMod val="75000"/>
+                  <a:lumOff val="25000"/>
+                </a:schemeClr>
+              </a:solidFill>
+              <a:latin typeface="Calibri" panose="020F0502020204030204" pitchFamily="34" charset="0"/>
+              <a:cs typeface="Times New Roman" panose="02020603050405020304" pitchFamily="18" charset="0"/>
+            </a:endParaRPr>
+          </a:p>
+          <a:p>
             <a:r>
               <a:rPr lang="de-DE" dirty="0"/>
-              <a:t> einer bimodal </a:t>
+              <a:t> </a:t>
             </a:r>
-            <a:r>
-              <a:rPr lang="de-DE" dirty="0" err="1"/>
-              <a:t>distribution</a:t>
-            </a:r>
-            <a:r>
-              <a:rPr lang="de-DE" dirty="0"/>
-              <a:t>+ </a:t>
-            </a:r>
-            <a:r>
-              <a:rPr lang="de-DE" dirty="0" err="1"/>
-              <a:t>threshold</a:t>
-            </a:r>
-            <a:r>
-              <a:rPr lang="de-DE" dirty="0"/>
-              <a:t>!!!!</a:t>
-            </a:r>
+          </a:p>
+          <a:p>
+            <a:pPr marL="285750" indent="-285750">
+              <a:buFont typeface="Wingdings" panose="05000000000000000000" pitchFamily="2" charset="2"/>
+              <a:buChar char="§"/>
+            </a:pPr>
+            <a:endParaRPr lang="de-DE" dirty="0"/>
           </a:p>
         </p:txBody>
       </p:sp>
     </p:spTree>
     <p:extLst>
       <p:ext uri="{BB962C8B-B14F-4D97-AF65-F5344CB8AC3E}">
-        <p14:creationId xmlns:p14="http://schemas.microsoft.com/office/powerpoint/2010/main" val="1595822548"/>
+        <p14:creationId xmlns:p14="http://schemas.microsoft.com/office/powerpoint/2010/main" val="1914082162"/>
       </p:ext>
     </p:extLst>
   </p:cSld>
@@ -38820,10 +41195,10 @@
       </p:grpSpPr>
       <p:sp>
         <p:nvSpPr>
-          <p:cNvPr id="2" name="Titel 1">
+          <p:cNvPr id="2" name="Title 1">
             <a:extLst>
               <a:ext uri="{FF2B5EF4-FFF2-40B4-BE49-F238E27FC236}">
-                <a16:creationId xmlns:a16="http://schemas.microsoft.com/office/drawing/2014/main" id="{A0C4BE9C-948B-E17F-02CD-105539AFA823}"/>
+                <a16:creationId xmlns:a16="http://schemas.microsoft.com/office/drawing/2014/main" id="{9273D4C3-8C1F-F6AF-48E2-CC4F6E6BA5A9}"/>
               </a:ext>
             </a:extLst>
           </p:cNvPr>
@@ -38841,93 +41216,48 @@
           <a:p>
             <a:r>
               <a:rPr lang="de-DE" dirty="0"/>
-              <a:t>Otsu </a:t>
+              <a:t>Challenges: NIH3T3 </a:t>
             </a:r>
-            <a:r>
-              <a:rPr lang="de-DE" dirty="0" err="1"/>
-              <a:t>Thresholding</a:t>
-            </a:r>
-            <a:endParaRPr lang="de-DE" dirty="0"/>
           </a:p>
         </p:txBody>
       </p:sp>
       <p:pic>
         <p:nvPicPr>
-          <p:cNvPr id="13" name="Grafik 12">
+          <p:cNvPr id="4" name="Content Placeholder 3">
             <a:extLst>
               <a:ext uri="{FF2B5EF4-FFF2-40B4-BE49-F238E27FC236}">
-                <a16:creationId xmlns:a16="http://schemas.microsoft.com/office/drawing/2014/main" id="{721F875D-6FE0-A6B1-E8DB-98354322B0A3}"/>
+                <a16:creationId xmlns:a16="http://schemas.microsoft.com/office/drawing/2014/main" id="{0A822EF7-F0F2-28B0-5C1F-A1384998E525}"/>
               </a:ext>
             </a:extLst>
           </p:cNvPr>
           <p:cNvPicPr>
-            <a:picLocks noChangeAspect="1"/>
+            <a:picLocks noGrp="1" noChangeAspect="1"/>
           </p:cNvPicPr>
-          <p:nvPr/>
+          <p:nvPr>
+            <p:ph idx="1"/>
+          </p:nvPr>
         </p:nvPicPr>
-        <p:blipFill>
-          <a:blip r:embed="rId2">
-            <a:extLst>
-              <a:ext uri="{28A0092B-C50C-407E-A947-70E740481C1C}">
-                <a14:useLocalDpi xmlns:a14="http://schemas.microsoft.com/office/drawing/2010/main" val="0"/>
-              </a:ext>
-            </a:extLst>
-          </a:blip>
-          <a:stretch>
-            <a:fillRect/>
-          </a:stretch>
+        <p:blipFill rotWithShape="1">
+          <a:blip r:embed="rId2"/>
+          <a:srcRect l="4560" t="-1" r="6565" b="-1608"/>
+          <a:stretch/>
         </p:blipFill>
         <p:spPr>
           <a:xfrm>
-            <a:off x="1097280" y="2296805"/>
-            <a:ext cx="3708000" cy="3708000"/>
+            <a:off x="1265522" y="2127656"/>
+            <a:ext cx="4312703" cy="3760788"/>
           </a:xfrm>
           <a:prstGeom prst="rect">
             <a:avLst/>
           </a:prstGeom>
         </p:spPr>
       </p:pic>
-      <p:sp>
-        <p:nvSpPr>
-          <p:cNvPr id="14" name="Textfeld 13">
+      <p:pic>
+        <p:nvPicPr>
+          <p:cNvPr id="5" name="Content Placeholder 3" descr="A picture containing text&#10;&#10;Description automatically generated">
             <a:extLst>
               <a:ext uri="{FF2B5EF4-FFF2-40B4-BE49-F238E27FC236}">
-                <a16:creationId xmlns:a16="http://schemas.microsoft.com/office/drawing/2014/main" id="{01D36A56-EF4D-C7EB-DC1F-F99149AFF1C9}"/>
-              </a:ext>
-            </a:extLst>
-          </p:cNvPr>
-          <p:cNvSpPr txBox="1"/>
-          <p:nvPr/>
-        </p:nvSpPr>
-        <p:spPr>
-          <a:xfrm>
-            <a:off x="4907280" y="2661920"/>
-            <a:ext cx="3697231" cy="369332"/>
-          </a:xfrm>
-          <a:prstGeom prst="rect">
-            <a:avLst/>
-          </a:prstGeom>
-          <a:noFill/>
-        </p:spPr>
-        <p:txBody>
-          <a:bodyPr wrap="none" rtlCol="0">
-            <a:spAutoFit/>
-          </a:bodyPr>
-          <a:lstStyle/>
-          <a:p>
-            <a:r>
-              <a:rPr lang="de-DE" dirty="0"/>
-              <a:t>Histogramm von diesem Bild: t39</a:t>
-            </a:r>
-          </a:p>
-        </p:txBody>
-      </p:sp>
-      <p:pic>
-        <p:nvPicPr>
-          <p:cNvPr id="16" name="Grafik 15">
-            <a:extLst>
-              <a:ext uri="{FF2B5EF4-FFF2-40B4-BE49-F238E27FC236}">
-                <a16:creationId xmlns:a16="http://schemas.microsoft.com/office/drawing/2014/main" id="{861BBD9F-EDED-0AA7-BF06-D8402AD24DF0}"/>
+                <a16:creationId xmlns:a16="http://schemas.microsoft.com/office/drawing/2014/main" id="{0A822EF7-F0F2-28B0-5C1F-A1384998E525}"/>
               </a:ext>
             </a:extLst>
           </p:cNvPr>
@@ -38937,30 +41267,114 @@
           <p:nvPr/>
         </p:nvPicPr>
         <p:blipFill rotWithShape="1">
-          <a:blip r:embed="rId3">
-            <a:extLst>
-              <a:ext uri="{28A0092B-C50C-407E-A947-70E740481C1C}">
-                <a14:useLocalDpi xmlns:a14="http://schemas.microsoft.com/office/drawing/2010/main" val="0"/>
-              </a:ext>
-            </a:extLst>
-          </a:blip>
-          <a:srcRect l="43494" t="8430" r="38463" b="25333"/>
+          <a:blip r:embed="rId2"/>
+          <a:srcRect l="34105" t="22262" r="38904" b="53924"/>
           <a:stretch/>
         </p:blipFill>
-        <p:spPr>
+        <p:spPr bwMode="auto">
           <a:xfrm>
-            <a:off x="9442040" y="2175777"/>
-            <a:ext cx="1842752" cy="3829028"/>
+            <a:off x="6968558" y="2127656"/>
+            <a:ext cx="2525637" cy="1698864"/>
           </a:xfrm>
           <a:prstGeom prst="rect">
             <a:avLst/>
           </a:prstGeom>
+          <a:ln>
+            <a:noFill/>
+          </a:ln>
+          <a:extLst>
+            <a:ext uri="{53640926-AAD7-44D8-BBD7-CCE9431645EC}">
+              <a14:shadowObscured xmlns:a14="http://schemas.microsoft.com/office/drawing/2010/main"/>
+            </a:ext>
+          </a:extLst>
         </p:spPr>
       </p:pic>
+      <p:sp>
+        <p:nvSpPr>
+          <p:cNvPr id="6" name="Arrow: Right 5">
+            <a:extLst>
+              <a:ext uri="{FF2B5EF4-FFF2-40B4-BE49-F238E27FC236}">
+                <a16:creationId xmlns:a16="http://schemas.microsoft.com/office/drawing/2014/main" id="{05562CF0-CCA6-1DDD-995B-C3B2CBCA1DAC}"/>
+              </a:ext>
+            </a:extLst>
+          </p:cNvPr>
+          <p:cNvSpPr/>
+          <p:nvPr/>
+        </p:nvSpPr>
+        <p:spPr>
+          <a:xfrm>
+            <a:off x="5875073" y="2763079"/>
+            <a:ext cx="796637" cy="428017"/>
+          </a:xfrm>
+          <a:prstGeom prst="rightArrow">
+            <a:avLst/>
+          </a:prstGeom>
+        </p:spPr>
+        <p:style>
+          <a:lnRef idx="2">
+            <a:schemeClr val="accent1">
+              <a:shade val="50000"/>
+            </a:schemeClr>
+          </a:lnRef>
+          <a:fillRef idx="1">
+            <a:schemeClr val="accent1"/>
+          </a:fillRef>
+          <a:effectRef idx="0">
+            <a:schemeClr val="accent1"/>
+          </a:effectRef>
+          <a:fontRef idx="minor">
+            <a:schemeClr val="lt1"/>
+          </a:fontRef>
+        </p:style>
+        <p:txBody>
+          <a:bodyPr rtlCol="0" anchor="ctr"/>
+          <a:lstStyle/>
+          <a:p>
+            <a:pPr algn="ctr"/>
+            <a:endParaRPr lang="de-DE" dirty="0"/>
+          </a:p>
+        </p:txBody>
+      </p:sp>
+      <p:sp>
+        <p:nvSpPr>
+          <p:cNvPr id="3" name="TextBox 2">
+            <a:extLst>
+              <a:ext uri="{FF2B5EF4-FFF2-40B4-BE49-F238E27FC236}">
+                <a16:creationId xmlns:a16="http://schemas.microsoft.com/office/drawing/2014/main" id="{B4F1F14A-9169-903C-F6A3-DBAF4FD5C659}"/>
+              </a:ext>
+            </a:extLst>
+          </p:cNvPr>
+          <p:cNvSpPr txBox="1"/>
+          <p:nvPr/>
+        </p:nvSpPr>
+        <p:spPr>
+          <a:xfrm>
+            <a:off x="6968558" y="4708187"/>
+            <a:ext cx="2525637" cy="369332"/>
+          </a:xfrm>
+          <a:prstGeom prst="rect">
+            <a:avLst/>
+          </a:prstGeom>
+          <a:noFill/>
+        </p:spPr>
+        <p:txBody>
+          <a:bodyPr wrap="square" rtlCol="0">
+            <a:spAutoFit/>
+          </a:bodyPr>
+          <a:lstStyle/>
+          <a:p>
+            <a:r>
+              <a:rPr lang="de-DE" dirty="0" err="1"/>
+              <a:t>Reflection</a:t>
+            </a:r>
+            <a:endParaRPr lang="de-DE" dirty="0"/>
+          </a:p>
+        </p:txBody>
+      </p:sp>
     </p:spTree>
     <p:extLst>
       <p:ext uri="{BB962C8B-B14F-4D97-AF65-F5344CB8AC3E}">
-        <p14:creationId xmlns:p14="http://schemas.microsoft.com/office/powerpoint/2010/main" val="1102593025"/>
+        <p14:creationId xmlns:p14="http://schemas.microsoft.com/office/powerpoint/2010/main" val="1185598260"/>
       </p:ext>
     </p:extLst>
   </p:cSld>
@@ -38989,10 +41403,10 @@
       </p:grpSpPr>
       <p:sp>
         <p:nvSpPr>
-          <p:cNvPr id="2" name="Titel 1">
+          <p:cNvPr id="2" name="Title 1">
             <a:extLst>
               <a:ext uri="{FF2B5EF4-FFF2-40B4-BE49-F238E27FC236}">
-                <a16:creationId xmlns:a16="http://schemas.microsoft.com/office/drawing/2014/main" id="{62C43831-D3C7-14D0-C9B6-D35ED18BA926}"/>
+                <a16:creationId xmlns:a16="http://schemas.microsoft.com/office/drawing/2014/main" id="{DE9B76E0-92A1-76AA-4919-E2AE32246A06}"/>
               </a:ext>
             </a:extLst>
           </p:cNvPr>
@@ -39010,1567 +41424,53 @@
           <a:p>
             <a:r>
               <a:rPr lang="de-DE" dirty="0"/>
-              <a:t>Otsu </a:t>
+              <a:t>Challenges: N2DL-HeLa </a:t>
             </a:r>
-            <a:r>
-              <a:rPr lang="de-DE" dirty="0" err="1"/>
-              <a:t>Thresholding</a:t>
-            </a:r>
-            <a:endParaRPr lang="de-DE" dirty="0"/>
           </a:p>
         </p:txBody>
       </p:sp>
-      <p:sp>
-        <p:nvSpPr>
-          <p:cNvPr id="11" name="Inhaltsplatzhalter 10">
+      <p:pic>
+        <p:nvPicPr>
+          <p:cNvPr id="4" name="Content Placeholder 3">
             <a:extLst>
               <a:ext uri="{FF2B5EF4-FFF2-40B4-BE49-F238E27FC236}">
-                <a16:creationId xmlns:a16="http://schemas.microsoft.com/office/drawing/2014/main" id="{69916BDC-60FC-2DB7-C95A-B833BA301CF9}"/>
+                <a16:creationId xmlns:a16="http://schemas.microsoft.com/office/drawing/2014/main" id="{CAD7CDE5-7B73-A40E-7806-2FF808E552CD}"/>
               </a:ext>
             </a:extLst>
           </p:cNvPr>
-          <p:cNvSpPr>
-            <a:spLocks noGrp="1"/>
-          </p:cNvSpPr>
+          <p:cNvPicPr>
+            <a:picLocks noGrp="1" noChangeAspect="1"/>
+          </p:cNvPicPr>
           <p:nvPr>
             <p:ph idx="1"/>
           </p:nvPr>
-        </p:nvSpPr>
+        </p:nvPicPr>
+        <p:blipFill>
+          <a:blip r:embed="rId2"/>
+          <a:stretch>
+            <a:fillRect/>
+          </a:stretch>
+        </p:blipFill>
         <p:spPr>
-          <a:ln>
-            <a:noFill/>
-          </a:ln>
+          <a:xfrm>
+            <a:off x="703334" y="2283298"/>
+            <a:ext cx="5392666" cy="3446294"/>
+          </a:xfrm>
+          <a:prstGeom prst="rect">
+            <a:avLst/>
+          </a:prstGeom>
         </p:spPr>
-        <p:txBody>
-          <a:bodyPr/>
-          <a:lstStyle/>
-          <a:p>
-            <a:pPr lvl="1">
-              <a:buFont typeface="Arial" panose="020B0604020202020204" pitchFamily="34" charset="0"/>
-              <a:buChar char="•"/>
-            </a:pPr>
-            <a:r>
-              <a:rPr lang="de-DE" dirty="0" err="1"/>
-              <a:t>Determintation</a:t>
-            </a:r>
-            <a:r>
-              <a:rPr lang="de-DE" dirty="0"/>
-              <a:t> </a:t>
-            </a:r>
-            <a:r>
-              <a:rPr lang="de-DE" dirty="0" err="1"/>
-              <a:t>of</a:t>
-            </a:r>
-            <a:r>
-              <a:rPr lang="de-DE" dirty="0"/>
-              <a:t> </a:t>
-            </a:r>
-            <a:r>
-              <a:rPr lang="de-DE" dirty="0" err="1"/>
-              <a:t>the</a:t>
-            </a:r>
-            <a:r>
-              <a:rPr lang="de-DE" dirty="0"/>
-              <a:t> optimal </a:t>
-            </a:r>
-            <a:r>
-              <a:rPr lang="de-DE" dirty="0" err="1"/>
-              <a:t>threshold</a:t>
-            </a:r>
-            <a:r>
-              <a:rPr lang="de-DE" dirty="0"/>
-              <a:t> </a:t>
-            </a:r>
-            <a:r>
-              <a:rPr lang="de-DE" dirty="0" err="1"/>
-              <a:t>value</a:t>
-            </a:r>
-            <a:r>
-              <a:rPr lang="de-DE" dirty="0"/>
-              <a:t> </a:t>
-            </a:r>
-            <a:r>
-              <a:rPr lang="de-DE" dirty="0" err="1"/>
-              <a:t>by</a:t>
-            </a:r>
-            <a:r>
-              <a:rPr lang="de-DE" dirty="0"/>
-              <a:t> </a:t>
-            </a:r>
-            <a:r>
-              <a:rPr lang="de-DE" dirty="0" err="1"/>
-              <a:t>maximizing</a:t>
-            </a:r>
-            <a:r>
-              <a:rPr lang="de-DE" dirty="0"/>
-              <a:t> </a:t>
-            </a:r>
-            <a:r>
-              <a:rPr lang="de-DE" dirty="0" err="1"/>
-              <a:t>the</a:t>
-            </a:r>
-            <a:r>
-              <a:rPr lang="de-DE" dirty="0"/>
-              <a:t> </a:t>
-            </a:r>
-            <a:r>
-              <a:rPr lang="de-DE" dirty="0" err="1"/>
-              <a:t>between-class</a:t>
-            </a:r>
-            <a:r>
-              <a:rPr lang="de-DE" dirty="0"/>
-              <a:t> </a:t>
-            </a:r>
-            <a:r>
-              <a:rPr lang="de-DE" dirty="0" err="1"/>
-              <a:t>variance</a:t>
-            </a:r>
-            <a:r>
-              <a:rPr lang="de-DE" dirty="0"/>
-              <a:t> </a:t>
-            </a:r>
-            <a:r>
-              <a:rPr lang="de-DE" dirty="0" err="1"/>
-              <a:t>or</a:t>
-            </a:r>
-            <a:r>
-              <a:rPr lang="de-DE" dirty="0"/>
-              <a:t> </a:t>
-            </a:r>
-            <a:r>
-              <a:rPr lang="de-DE" dirty="0" err="1"/>
-              <a:t>equivalently</a:t>
-            </a:r>
-            <a:r>
-              <a:rPr lang="de-DE" dirty="0"/>
-              <a:t> </a:t>
-            </a:r>
-            <a:r>
-              <a:rPr lang="de-DE" dirty="0" err="1"/>
-              <a:t>minimizing</a:t>
-            </a:r>
-            <a:r>
-              <a:rPr lang="de-DE" dirty="0"/>
-              <a:t> </a:t>
-            </a:r>
-            <a:r>
-              <a:rPr lang="de-DE" dirty="0" err="1"/>
-              <a:t>the</a:t>
-            </a:r>
-            <a:r>
-              <a:rPr lang="de-DE" dirty="0"/>
-              <a:t> </a:t>
-            </a:r>
-            <a:r>
-              <a:rPr lang="de-DE" dirty="0" err="1"/>
-              <a:t>the</a:t>
-            </a:r>
-            <a:r>
-              <a:rPr lang="de-DE" dirty="0"/>
-              <a:t> </a:t>
-            </a:r>
-            <a:r>
-              <a:rPr lang="de-DE" dirty="0" err="1"/>
-              <a:t>within-class</a:t>
-            </a:r>
-            <a:r>
-              <a:rPr lang="de-DE" dirty="0"/>
-              <a:t> </a:t>
-            </a:r>
-            <a:r>
-              <a:rPr lang="de-DE" dirty="0" err="1"/>
-              <a:t>variance</a:t>
-            </a:r>
-            <a:endParaRPr lang="de-DE" dirty="0"/>
-          </a:p>
-          <a:p>
-            <a:pPr lvl="1">
-              <a:buFont typeface="Arial" panose="020B0604020202020204" pitchFamily="34" charset="0"/>
-              <a:buChar char="•"/>
-            </a:pPr>
-            <a:endParaRPr lang="de-DE" dirty="0"/>
-          </a:p>
-          <a:p>
-            <a:pPr lvl="1">
-              <a:buFont typeface="Arial" panose="020B0604020202020204" pitchFamily="34" charset="0"/>
-              <a:buChar char="•"/>
-            </a:pPr>
-            <a:endParaRPr lang="de-DE" dirty="0"/>
-          </a:p>
-          <a:p>
-            <a:pPr marL="201168" lvl="1" indent="0">
-              <a:buNone/>
-            </a:pPr>
-            <a:endParaRPr lang="de-DE" dirty="0"/>
-          </a:p>
-          <a:p>
-            <a:pPr marL="201168" lvl="1" indent="0">
-              <a:buNone/>
-            </a:pPr>
-            <a:endParaRPr lang="de-DE" dirty="0"/>
-          </a:p>
-        </p:txBody>
-      </p:sp>
-      <p:graphicFrame>
-        <p:nvGraphicFramePr>
-          <p:cNvPr id="17" name="Diagramm 16">
-            <a:extLst>
-              <a:ext uri="{FF2B5EF4-FFF2-40B4-BE49-F238E27FC236}">
-                <a16:creationId xmlns:a16="http://schemas.microsoft.com/office/drawing/2014/main" id="{E42D1EAB-9C07-8C72-5D75-D2474423488E}"/>
-              </a:ext>
-            </a:extLst>
-          </p:cNvPr>
-          <p:cNvGraphicFramePr/>
-          <p:nvPr>
-            <p:extLst>
-              <p:ext uri="{D42A27DB-BD31-4B8C-83A1-F6EECF244321}">
-                <p14:modId xmlns:p14="http://schemas.microsoft.com/office/powerpoint/2010/main" val="2515004475"/>
-              </p:ext>
-            </p:extLst>
-          </p:nvPr>
-        </p:nvGraphicFramePr>
-        <p:xfrm>
-          <a:off x="1097280" y="2407919"/>
-          <a:ext cx="10129520" cy="4551681"/>
-        </p:xfrm>
-        <a:graphic>
-          <a:graphicData uri="http://schemas.openxmlformats.org/drawingml/2006/diagram">
-            <dgm:relIds xmlns:dgm="http://schemas.openxmlformats.org/drawingml/2006/diagram" xmlns:r="http://schemas.openxmlformats.org/officeDocument/2006/relationships" r:dm="rId2" r:lo="rId3" r:qs="rId4" r:cs="rId5"/>
-          </a:graphicData>
-        </a:graphic>
-      </p:graphicFrame>
-      <mc:AlternateContent xmlns:mc="http://schemas.openxmlformats.org/markup-compatibility/2006">
-        <mc:Choice xmlns:a14="http://schemas.microsoft.com/office/drawing/2010/main" Requires="a14">
-          <p:sp>
-            <p:nvSpPr>
-              <p:cNvPr id="18" name="Textfeld 17">
-                <a:extLst>
-                  <a:ext uri="{FF2B5EF4-FFF2-40B4-BE49-F238E27FC236}">
-                    <a16:creationId xmlns:a16="http://schemas.microsoft.com/office/drawing/2014/main" id="{9D90E16A-3483-DB60-7071-18B84DB71B5A}"/>
-                  </a:ext>
-                </a:extLst>
-              </p:cNvPr>
-              <p:cNvSpPr txBox="1"/>
-              <p:nvPr/>
-            </p:nvSpPr>
-            <p:spPr>
-              <a:xfrm>
-                <a:off x="1097280" y="3215640"/>
-                <a:ext cx="4297680" cy="2211503"/>
-              </a:xfrm>
-              <a:prstGeom prst="rect">
-                <a:avLst/>
-              </a:prstGeom>
-              <a:noFill/>
-            </p:spPr>
-            <p:txBody>
-              <a:bodyPr wrap="square" rtlCol="0">
-                <a:spAutoFit/>
-              </a:bodyPr>
-              <a:lstStyle/>
-              <a:p>
-                <a:pPr algn="ctr"/>
-                <a:r>
-                  <a:rPr lang="de-DE" sz="2400" u="sng" dirty="0">
-                    <a:solidFill>
-                      <a:schemeClr val="bg1"/>
-                    </a:solidFill>
-                  </a:rPr>
-                  <a:t>Between-class </a:t>
-                </a:r>
-                <a:r>
-                  <a:rPr lang="de-DE" sz="2400" u="sng" dirty="0" err="1">
-                    <a:solidFill>
-                      <a:schemeClr val="bg1"/>
-                    </a:solidFill>
-                  </a:rPr>
-                  <a:t>variance</a:t>
-                </a:r>
-                <a:endParaRPr lang="de-DE" sz="2400" u="sng" dirty="0">
-                  <a:solidFill>
-                    <a:schemeClr val="bg1"/>
-                  </a:solidFill>
-                </a:endParaRPr>
-              </a:p>
-              <a:p>
-                <a:endParaRPr lang="de-DE" u="sng" dirty="0">
-                  <a:solidFill>
-                    <a:schemeClr val="bg1"/>
-                  </a:solidFill>
-                </a:endParaRPr>
-              </a:p>
-              <a:p>
-                <a:pPr algn="ctr"/>
-                <a14:m>
-                  <m:oMath xmlns:m="http://schemas.openxmlformats.org/officeDocument/2006/math">
-                    <m:sSubSup>
-                      <m:sSubSupPr>
-                        <m:ctrlPr>
-                          <a:rPr lang="de-DE" sz="2000" i="1" smtClean="0">
-                            <a:solidFill>
-                              <a:schemeClr val="bg1"/>
-                            </a:solidFill>
-                            <a:latin typeface="Cambria Math" panose="02040503050406030204" pitchFamily="18" charset="0"/>
-                          </a:rPr>
-                        </m:ctrlPr>
-                      </m:sSubSupPr>
-                      <m:e>
-                        <m:r>
-                          <a:rPr lang="de-DE" sz="2000" i="1" smtClean="0">
-                            <a:solidFill>
-                              <a:schemeClr val="bg1"/>
-                            </a:solidFill>
-                            <a:latin typeface="Cambria Math" panose="02040503050406030204" pitchFamily="18" charset="0"/>
-                            <a:ea typeface="Cambria Math" panose="02040503050406030204" pitchFamily="18" charset="0"/>
-                          </a:rPr>
-                          <m:t>𝜎</m:t>
-                        </m:r>
-                      </m:e>
-                      <m:sub>
-                        <m:r>
-                          <a:rPr lang="de-DE" sz="2000" b="0" i="1" smtClean="0">
-                            <a:solidFill>
-                              <a:schemeClr val="bg1"/>
-                            </a:solidFill>
-                            <a:latin typeface="Cambria Math" panose="02040503050406030204" pitchFamily="18" charset="0"/>
-                          </a:rPr>
-                          <m:t>𝑏</m:t>
-                        </m:r>
-                      </m:sub>
-                      <m:sup>
-                        <m:r>
-                          <a:rPr lang="de-DE" sz="2000" b="0" i="1" smtClean="0">
-                            <a:solidFill>
-                              <a:schemeClr val="bg1"/>
-                            </a:solidFill>
-                            <a:latin typeface="Cambria Math" panose="02040503050406030204" pitchFamily="18" charset="0"/>
-                          </a:rPr>
-                          <m:t>2</m:t>
-                        </m:r>
-                      </m:sup>
-                    </m:sSubSup>
-                    <m:r>
-                      <a:rPr lang="de-DE" sz="2000" i="1" smtClean="0">
-                        <a:solidFill>
-                          <a:schemeClr val="bg1"/>
-                        </a:solidFill>
-                        <a:latin typeface="Cambria Math" panose="02040503050406030204" pitchFamily="18" charset="0"/>
-                      </a:rPr>
-                      <m:t>=</m:t>
-                    </m:r>
-                    <m:sSub>
-                      <m:sSubPr>
-                        <m:ctrlPr>
-                          <a:rPr lang="de-DE" sz="2000" i="1" smtClean="0">
-                            <a:solidFill>
-                              <a:schemeClr val="bg1"/>
-                            </a:solidFill>
-                            <a:latin typeface="Cambria Math" panose="02040503050406030204" pitchFamily="18" charset="0"/>
-                          </a:rPr>
-                        </m:ctrlPr>
-                      </m:sSubPr>
-                      <m:e>
-                        <m:r>
-                          <a:rPr lang="de-DE" sz="2000" i="1" smtClean="0">
-                            <a:solidFill>
-                              <a:schemeClr val="bg1"/>
-                            </a:solidFill>
-                            <a:latin typeface="Cambria Math" panose="02040503050406030204" pitchFamily="18" charset="0"/>
-                            <a:ea typeface="Cambria Math" panose="02040503050406030204" pitchFamily="18" charset="0"/>
-                          </a:rPr>
-                          <m:t>𝜔</m:t>
-                        </m:r>
-                      </m:e>
-                      <m:sub>
-                        <m:r>
-                          <a:rPr lang="de-DE" sz="2000" b="0" i="1" smtClean="0">
-                            <a:solidFill>
-                              <a:schemeClr val="bg1"/>
-                            </a:solidFill>
-                            <a:latin typeface="Cambria Math" panose="02040503050406030204" pitchFamily="18" charset="0"/>
-                          </a:rPr>
-                          <m:t>0</m:t>
-                        </m:r>
-                      </m:sub>
-                    </m:sSub>
-                    <m:sSub>
-                      <m:sSubPr>
-                        <m:ctrlPr>
-                          <a:rPr lang="de-DE" sz="2000" i="1" smtClean="0">
-                            <a:solidFill>
-                              <a:schemeClr val="bg1"/>
-                            </a:solidFill>
-                            <a:latin typeface="Cambria Math" panose="02040503050406030204" pitchFamily="18" charset="0"/>
-                          </a:rPr>
-                        </m:ctrlPr>
-                      </m:sSubPr>
-                      <m:e>
-                        <m:r>
-                          <a:rPr lang="de-DE" sz="2000" i="1" smtClean="0">
-                            <a:solidFill>
-                              <a:schemeClr val="bg1"/>
-                            </a:solidFill>
-                            <a:latin typeface="Cambria Math" panose="02040503050406030204" pitchFamily="18" charset="0"/>
-                            <a:ea typeface="Cambria Math" panose="02040503050406030204" pitchFamily="18" charset="0"/>
-                          </a:rPr>
-                          <m:t>𝜔</m:t>
-                        </m:r>
-                      </m:e>
-                      <m:sub>
-                        <m:r>
-                          <a:rPr lang="de-DE" sz="2000" b="0" i="1" smtClean="0">
-                            <a:solidFill>
-                              <a:schemeClr val="bg1"/>
-                            </a:solidFill>
-                            <a:latin typeface="Cambria Math" panose="02040503050406030204" pitchFamily="18" charset="0"/>
-                          </a:rPr>
-                          <m:t>1</m:t>
-                        </m:r>
-                      </m:sub>
-                    </m:sSub>
-                    <m:d>
-                      <m:dPr>
-                        <m:ctrlPr>
-                          <a:rPr lang="de-DE" sz="2000" i="1" smtClean="0">
-                            <a:solidFill>
-                              <a:schemeClr val="bg1"/>
-                            </a:solidFill>
-                            <a:latin typeface="Cambria Math" panose="02040503050406030204" pitchFamily="18" charset="0"/>
-                          </a:rPr>
-                        </m:ctrlPr>
-                      </m:dPr>
-                      <m:e>
-                        <m:sSub>
-                          <m:sSubPr>
-                            <m:ctrlPr>
-                              <a:rPr lang="de-DE" sz="2000" i="1" smtClean="0">
-                                <a:solidFill>
-                                  <a:schemeClr val="bg1"/>
-                                </a:solidFill>
-                                <a:latin typeface="Cambria Math" panose="02040503050406030204" pitchFamily="18" charset="0"/>
-                              </a:rPr>
-                            </m:ctrlPr>
-                          </m:sSubPr>
-                          <m:e>
-                            <m:r>
-                              <a:rPr lang="de-DE" sz="2000" i="1" smtClean="0">
-                                <a:solidFill>
-                                  <a:schemeClr val="bg1"/>
-                                </a:solidFill>
-                                <a:latin typeface="Cambria Math" panose="02040503050406030204" pitchFamily="18" charset="0"/>
-                                <a:ea typeface="Cambria Math" panose="02040503050406030204" pitchFamily="18" charset="0"/>
-                              </a:rPr>
-                              <m:t>𝜇</m:t>
-                            </m:r>
-                          </m:e>
-                          <m:sub>
-                            <m:r>
-                              <a:rPr lang="de-DE" sz="2000" b="0" i="1" smtClean="0">
-                                <a:solidFill>
-                                  <a:schemeClr val="bg1"/>
-                                </a:solidFill>
-                                <a:latin typeface="Cambria Math" panose="02040503050406030204" pitchFamily="18" charset="0"/>
-                              </a:rPr>
-                              <m:t>1</m:t>
-                            </m:r>
-                          </m:sub>
-                        </m:sSub>
-                        <m:r>
-                          <a:rPr lang="de-DE" sz="2000" b="0" i="1" smtClean="0">
-                            <a:solidFill>
-                              <a:schemeClr val="bg1"/>
-                            </a:solidFill>
-                            <a:latin typeface="Cambria Math" panose="02040503050406030204" pitchFamily="18" charset="0"/>
-                          </a:rPr>
-                          <m:t>−</m:t>
-                        </m:r>
-                        <m:sSub>
-                          <m:sSubPr>
-                            <m:ctrlPr>
-                              <a:rPr lang="de-DE" sz="2000" i="1" smtClean="0">
-                                <a:solidFill>
-                                  <a:schemeClr val="bg1"/>
-                                </a:solidFill>
-                                <a:latin typeface="Cambria Math" panose="02040503050406030204" pitchFamily="18" charset="0"/>
-                              </a:rPr>
-                            </m:ctrlPr>
-                          </m:sSubPr>
-                          <m:e>
-                            <m:r>
-                              <a:rPr lang="de-DE" sz="2000" i="1" smtClean="0">
-                                <a:solidFill>
-                                  <a:schemeClr val="bg1"/>
-                                </a:solidFill>
-                                <a:latin typeface="Cambria Math" panose="02040503050406030204" pitchFamily="18" charset="0"/>
-                                <a:ea typeface="Cambria Math" panose="02040503050406030204" pitchFamily="18" charset="0"/>
-                              </a:rPr>
-                              <m:t>𝜇</m:t>
-                            </m:r>
-                          </m:e>
-                          <m:sub>
-                            <m:r>
-                              <a:rPr lang="de-DE" sz="2000" b="0" i="1" smtClean="0">
-                                <a:solidFill>
-                                  <a:schemeClr val="bg1"/>
-                                </a:solidFill>
-                                <a:latin typeface="Cambria Math" panose="02040503050406030204" pitchFamily="18" charset="0"/>
-                              </a:rPr>
-                              <m:t>0</m:t>
-                            </m:r>
-                          </m:sub>
-                        </m:sSub>
-                      </m:e>
-                    </m:d>
-                  </m:oMath>
-                </a14:m>
-                <a:r>
-                  <a:rPr lang="de-DE" sz="2000" i="1" baseline="30000" dirty="0">
-                    <a:solidFill>
-                      <a:schemeClr val="bg1"/>
-                    </a:solidFill>
-                  </a:rPr>
-                  <a:t>2 </a:t>
-                </a:r>
-                <a:r>
-                  <a:rPr lang="de-DE" sz="2000" i="1" dirty="0">
-                    <a:solidFill>
-                      <a:schemeClr val="bg1"/>
-                    </a:solidFill>
-                  </a:rPr>
-                  <a:t> </a:t>
-                </a:r>
-              </a:p>
-              <a:p>
-                <a:endParaRPr lang="de-DE" sz="2000" i="1" baseline="30000" dirty="0">
-                  <a:solidFill>
-                    <a:schemeClr val="bg1"/>
-                  </a:solidFill>
-                </a:endParaRPr>
-              </a:p>
-              <a:p>
-                <a:endParaRPr lang="de-DE" sz="2000" i="1" baseline="30000" dirty="0">
-                  <a:solidFill>
-                    <a:schemeClr val="bg1"/>
-                  </a:solidFill>
-                </a:endParaRPr>
-              </a:p>
-              <a:p>
-                <a:pPr/>
-                <a14:m>
-                  <m:oMath xmlns:m="http://schemas.openxmlformats.org/officeDocument/2006/math">
-                    <m:sSub>
-                      <m:sSubPr>
-                        <m:ctrlPr>
-                          <a:rPr lang="de-DE" i="1" smtClean="0">
-                            <a:solidFill>
-                              <a:schemeClr val="bg1"/>
-                            </a:solidFill>
-                            <a:latin typeface="Cambria Math" panose="02040503050406030204" pitchFamily="18" charset="0"/>
-                          </a:rPr>
-                        </m:ctrlPr>
-                      </m:sSubPr>
-                      <m:e>
-                        <m:r>
-                          <a:rPr lang="de-DE" i="1" smtClean="0">
-                            <a:solidFill>
-                              <a:schemeClr val="bg1"/>
-                            </a:solidFill>
-                            <a:latin typeface="Cambria Math" panose="02040503050406030204" pitchFamily="18" charset="0"/>
-                            <a:ea typeface="Cambria Math" panose="02040503050406030204" pitchFamily="18" charset="0"/>
-                          </a:rPr>
-                          <m:t>𝜔</m:t>
-                        </m:r>
-                      </m:e>
-                      <m:sub>
-                        <m:r>
-                          <a:rPr lang="de-DE" b="0" i="1" smtClean="0">
-                            <a:solidFill>
-                              <a:schemeClr val="bg1"/>
-                            </a:solidFill>
-                            <a:latin typeface="Cambria Math" panose="02040503050406030204" pitchFamily="18" charset="0"/>
-                          </a:rPr>
-                          <m:t>0</m:t>
-                        </m:r>
-                        <m:r>
-                          <a:rPr lang="de-DE" b="0" i="1" smtClean="0">
-                            <a:solidFill>
-                              <a:schemeClr val="bg1"/>
-                            </a:solidFill>
-                            <a:latin typeface="Cambria Math" panose="02040503050406030204" pitchFamily="18" charset="0"/>
-                          </a:rPr>
-                          <m:t>,1</m:t>
-                        </m:r>
-                      </m:sub>
-                    </m:sSub>
-                  </m:oMath>
-                </a14:m>
-                <a:r>
-                  <a:rPr lang="de-DE" dirty="0">
-                    <a:solidFill>
-                      <a:schemeClr val="bg1"/>
-                    </a:solidFill>
-                  </a:rPr>
-                  <a:t> = </a:t>
-                </a:r>
-                <a:r>
-                  <a:rPr lang="de-DE" sz="1600" dirty="0" err="1">
-                    <a:solidFill>
-                      <a:schemeClr val="bg1"/>
-                    </a:solidFill>
-                  </a:rPr>
-                  <a:t>Probabilities</a:t>
-                </a:r>
-                <a:r>
-                  <a:rPr lang="de-DE" sz="1600" dirty="0">
-                    <a:solidFill>
-                      <a:schemeClr val="bg1"/>
-                    </a:solidFill>
-                  </a:rPr>
-                  <a:t> </a:t>
-                </a:r>
-                <a:r>
-                  <a:rPr lang="de-DE" sz="1600" dirty="0" err="1">
-                    <a:solidFill>
-                      <a:schemeClr val="bg1"/>
-                    </a:solidFill>
-                  </a:rPr>
-                  <a:t>of</a:t>
-                </a:r>
-                <a:r>
-                  <a:rPr lang="de-DE" sz="1600" dirty="0">
-                    <a:solidFill>
-                      <a:schemeClr val="bg1"/>
-                    </a:solidFill>
-                  </a:rPr>
-                  <a:t> </a:t>
-                </a:r>
-                <a:r>
-                  <a:rPr lang="de-DE" sz="1600" dirty="0" err="1">
-                    <a:solidFill>
-                      <a:schemeClr val="bg1"/>
-                    </a:solidFill>
-                  </a:rPr>
-                  <a:t>calss</a:t>
-                </a:r>
-                <a:r>
-                  <a:rPr lang="de-DE" sz="1600" dirty="0">
-                    <a:solidFill>
-                      <a:schemeClr val="bg1"/>
-                    </a:solidFill>
-                  </a:rPr>
-                  <a:t> </a:t>
-                </a:r>
-                <a:r>
-                  <a:rPr lang="de-DE" sz="1600" dirty="0" err="1">
-                    <a:solidFill>
-                      <a:schemeClr val="bg1"/>
-                    </a:solidFill>
-                  </a:rPr>
-                  <a:t>occurrence</a:t>
-                </a:r>
-                <a:endParaRPr lang="de-DE" sz="1600" dirty="0">
-                  <a:solidFill>
-                    <a:schemeClr val="bg1"/>
-                  </a:solidFill>
-                </a:endParaRPr>
-              </a:p>
-              <a:p>
-                <a:pPr/>
-                <a:endParaRPr lang="de-DE" sz="1600" baseline="30000" dirty="0">
-                  <a:solidFill>
-                    <a:schemeClr val="bg1"/>
-                  </a:solidFill>
-                </a:endParaRPr>
-              </a:p>
-              <a:p>
-                <a:pPr/>
-                <a14:m>
-                  <m:oMath xmlns:m="http://schemas.openxmlformats.org/officeDocument/2006/math">
-                    <m:sSub>
-                      <m:sSubPr>
-                        <m:ctrlPr>
-                          <a:rPr lang="de-DE" i="1" smtClean="0">
-                            <a:solidFill>
-                              <a:schemeClr val="bg1"/>
-                            </a:solidFill>
-                            <a:latin typeface="Cambria Math" panose="02040503050406030204" pitchFamily="18" charset="0"/>
-                          </a:rPr>
-                        </m:ctrlPr>
-                      </m:sSubPr>
-                      <m:e>
-                        <m:r>
-                          <a:rPr lang="de-DE" i="1" smtClean="0">
-                            <a:solidFill>
-                              <a:schemeClr val="bg1"/>
-                            </a:solidFill>
-                            <a:latin typeface="Cambria Math" panose="02040503050406030204" pitchFamily="18" charset="0"/>
-                            <a:ea typeface="Cambria Math" panose="02040503050406030204" pitchFamily="18" charset="0"/>
-                          </a:rPr>
-                          <m:t>𝜇</m:t>
-                        </m:r>
-                      </m:e>
-                      <m:sub>
-                        <m:r>
-                          <a:rPr lang="de-DE" b="0" i="1" smtClean="0">
-                            <a:solidFill>
-                              <a:schemeClr val="bg1"/>
-                            </a:solidFill>
-                            <a:latin typeface="Cambria Math" panose="02040503050406030204" pitchFamily="18" charset="0"/>
-                            <a:ea typeface="Cambria Math" panose="02040503050406030204" pitchFamily="18" charset="0"/>
-                          </a:rPr>
-                          <m:t>0,</m:t>
-                        </m:r>
-                        <m:r>
-                          <a:rPr lang="de-DE" b="0" i="1" smtClean="0">
-                            <a:solidFill>
-                              <a:schemeClr val="bg1"/>
-                            </a:solidFill>
-                            <a:latin typeface="Cambria Math" panose="02040503050406030204" pitchFamily="18" charset="0"/>
-                          </a:rPr>
-                          <m:t>1</m:t>
-                        </m:r>
-                      </m:sub>
-                    </m:sSub>
-                  </m:oMath>
-                </a14:m>
-                <a:r>
-                  <a:rPr lang="de-DE" sz="1600" dirty="0">
-                    <a:solidFill>
-                      <a:schemeClr val="bg1"/>
-                    </a:solidFill>
-                  </a:rPr>
-                  <a:t> = Class </a:t>
-                </a:r>
-                <a:r>
-                  <a:rPr lang="de-DE" sz="1600" dirty="0" err="1">
-                    <a:solidFill>
-                      <a:schemeClr val="bg1"/>
-                    </a:solidFill>
-                  </a:rPr>
-                  <a:t>mean</a:t>
-                </a:r>
-                <a:r>
-                  <a:rPr lang="de-DE" sz="1600" dirty="0">
-                    <a:solidFill>
-                      <a:schemeClr val="bg1"/>
-                    </a:solidFill>
-                  </a:rPr>
-                  <a:t> </a:t>
-                </a:r>
-                <a:r>
-                  <a:rPr lang="de-DE" sz="1600" dirty="0" err="1">
-                    <a:solidFill>
-                      <a:schemeClr val="bg1"/>
-                    </a:solidFill>
-                  </a:rPr>
-                  <a:t>levels</a:t>
-                </a:r>
-                <a:r>
-                  <a:rPr lang="de-DE" sz="1600" baseline="30000" dirty="0">
-                    <a:solidFill>
-                      <a:schemeClr val="bg1"/>
-                    </a:solidFill>
-                  </a:rPr>
-                  <a:t> </a:t>
-                </a:r>
-              </a:p>
-            </p:txBody>
-          </p:sp>
-        </mc:Choice>
-        <mc:Fallback>
-          <p:sp>
-            <p:nvSpPr>
-              <p:cNvPr id="18" name="Textfeld 17">
-                <a:extLst>
-                  <a:ext uri="{FF2B5EF4-FFF2-40B4-BE49-F238E27FC236}">
-                    <a16:creationId xmlns:a16="http://schemas.microsoft.com/office/drawing/2014/main" id="{9D90E16A-3483-DB60-7071-18B84DB71B5A}"/>
-                  </a:ext>
-                </a:extLst>
-              </p:cNvPr>
-              <p:cNvSpPr txBox="1">
-                <a:spLocks noRot="1" noChangeAspect="1" noMove="1" noResize="1" noEditPoints="1" noAdjustHandles="1" noChangeArrowheads="1" noChangeShapeType="1" noTextEdit="1"/>
-              </p:cNvSpPr>
-              <p:nvPr/>
-            </p:nvSpPr>
-            <p:spPr>
-              <a:xfrm>
-                <a:off x="1097280" y="3215640"/>
-                <a:ext cx="4297680" cy="2211503"/>
-              </a:xfrm>
-              <a:prstGeom prst="rect">
-                <a:avLst/>
-              </a:prstGeom>
-              <a:blipFill>
-                <a:blip r:embed="rId7"/>
-                <a:stretch>
-                  <a:fillRect t="-1934" b="-1657"/>
-                </a:stretch>
-              </a:blipFill>
-            </p:spPr>
-            <p:txBody>
-              <a:bodyPr/>
-              <a:lstStyle/>
-              <a:p>
-                <a:r>
-                  <a:rPr lang="de-DE">
-                    <a:noFill/>
-                  </a:rPr>
-                  <a:t> </a:t>
-                </a:r>
-              </a:p>
-            </p:txBody>
-          </p:sp>
-        </mc:Fallback>
-      </mc:AlternateContent>
-      <mc:AlternateContent xmlns:mc="http://schemas.openxmlformats.org/markup-compatibility/2006">
-        <mc:Choice xmlns:a14="http://schemas.microsoft.com/office/drawing/2010/main" Requires="a14">
-          <p:sp>
-            <p:nvSpPr>
-              <p:cNvPr id="19" name="Textfeld 18">
-                <a:extLst>
-                  <a:ext uri="{FF2B5EF4-FFF2-40B4-BE49-F238E27FC236}">
-                    <a16:creationId xmlns:a16="http://schemas.microsoft.com/office/drawing/2014/main" id="{A9A9B6FC-43EE-F488-1956-A67D3D9449CB}"/>
-                  </a:ext>
-                </a:extLst>
-              </p:cNvPr>
-              <p:cNvSpPr txBox="1"/>
-              <p:nvPr/>
-            </p:nvSpPr>
-            <p:spPr>
-              <a:xfrm flipH="1">
-                <a:off x="6675120" y="3215640"/>
-                <a:ext cx="4419600" cy="2260619"/>
-              </a:xfrm>
-              <a:prstGeom prst="rect">
-                <a:avLst/>
-              </a:prstGeom>
-              <a:noFill/>
-            </p:spPr>
-            <p:txBody>
-              <a:bodyPr wrap="square" rtlCol="0">
-                <a:spAutoFit/>
-              </a:bodyPr>
-              <a:lstStyle/>
-              <a:p>
-                <a:pPr algn="ctr"/>
-                <a:r>
-                  <a:rPr lang="de-DE" sz="2400" u="sng" dirty="0">
-                    <a:solidFill>
-                      <a:schemeClr val="bg1"/>
-                    </a:solidFill>
-                  </a:rPr>
-                  <a:t>Within-class </a:t>
-                </a:r>
-                <a:r>
-                  <a:rPr lang="de-DE" sz="2400" u="sng" dirty="0" err="1">
-                    <a:solidFill>
-                      <a:schemeClr val="bg1"/>
-                    </a:solidFill>
-                  </a:rPr>
-                  <a:t>variance</a:t>
-                </a:r>
-                <a:endParaRPr lang="de-DE" sz="2400" u="sng" dirty="0">
-                  <a:solidFill>
-                    <a:schemeClr val="bg1"/>
-                  </a:solidFill>
-                </a:endParaRPr>
-              </a:p>
-              <a:p>
-                <a:endParaRPr lang="de-DE" u="sng" dirty="0">
-                  <a:solidFill>
-                    <a:schemeClr val="bg1"/>
-                  </a:solidFill>
-                </a:endParaRPr>
-              </a:p>
-              <a:p>
-                <a:pPr algn="ctr"/>
-                <a14:m>
-                  <m:oMathPara xmlns:m="http://schemas.openxmlformats.org/officeDocument/2006/math">
-                    <m:oMathParaPr>
-                      <m:jc m:val="centerGroup"/>
-                    </m:oMathParaPr>
-                    <m:oMath xmlns:m="http://schemas.openxmlformats.org/officeDocument/2006/math">
-                      <m:sSubSup>
-                        <m:sSubSupPr>
-                          <m:ctrlPr>
-                            <a:rPr lang="de-DE" sz="2000" i="1" smtClean="0">
-                              <a:solidFill>
-                                <a:schemeClr val="bg1"/>
-                              </a:solidFill>
-                              <a:latin typeface="Cambria Math" panose="02040503050406030204" pitchFamily="18" charset="0"/>
-                            </a:rPr>
-                          </m:ctrlPr>
-                        </m:sSubSupPr>
-                        <m:e>
-                          <m:r>
-                            <a:rPr lang="de-DE" sz="2000" i="1" smtClean="0">
-                              <a:solidFill>
-                                <a:schemeClr val="bg1"/>
-                              </a:solidFill>
-                              <a:latin typeface="Cambria Math" panose="02040503050406030204" pitchFamily="18" charset="0"/>
-                              <a:ea typeface="Cambria Math" panose="02040503050406030204" pitchFamily="18" charset="0"/>
-                            </a:rPr>
-                            <m:t>𝜎</m:t>
-                          </m:r>
-                        </m:e>
-                        <m:sub>
-                          <m:r>
-                            <a:rPr lang="de-DE" sz="2000" b="0" i="1" smtClean="0">
-                              <a:solidFill>
-                                <a:schemeClr val="bg1"/>
-                              </a:solidFill>
-                              <a:latin typeface="Cambria Math" panose="02040503050406030204" pitchFamily="18" charset="0"/>
-                              <a:ea typeface="Cambria Math" panose="02040503050406030204" pitchFamily="18" charset="0"/>
-                            </a:rPr>
-                            <m:t>𝑤</m:t>
-                          </m:r>
-                        </m:sub>
-                        <m:sup>
-                          <m:r>
-                            <a:rPr lang="de-DE" sz="2000" b="0" i="1" smtClean="0">
-                              <a:solidFill>
-                                <a:schemeClr val="bg1"/>
-                              </a:solidFill>
-                              <a:latin typeface="Cambria Math" panose="02040503050406030204" pitchFamily="18" charset="0"/>
-                            </a:rPr>
-                            <m:t>2</m:t>
-                          </m:r>
-                        </m:sup>
-                      </m:sSubSup>
-                      <m:r>
-                        <a:rPr lang="de-DE" sz="2000" i="1" smtClean="0">
-                          <a:solidFill>
-                            <a:schemeClr val="bg1"/>
-                          </a:solidFill>
-                          <a:latin typeface="Cambria Math" panose="02040503050406030204" pitchFamily="18" charset="0"/>
-                        </a:rPr>
-                        <m:t>=</m:t>
-                      </m:r>
-                      <m:sSub>
-                        <m:sSubPr>
-                          <m:ctrlPr>
-                            <a:rPr lang="de-DE" sz="2000" i="1" smtClean="0">
-                              <a:solidFill>
-                                <a:schemeClr val="bg1"/>
-                              </a:solidFill>
-                              <a:latin typeface="Cambria Math" panose="02040503050406030204" pitchFamily="18" charset="0"/>
-                            </a:rPr>
-                          </m:ctrlPr>
-                        </m:sSubPr>
-                        <m:e>
-                          <m:r>
-                            <a:rPr lang="de-DE" sz="2000" i="1" smtClean="0">
-                              <a:solidFill>
-                                <a:schemeClr val="bg1"/>
-                              </a:solidFill>
-                              <a:latin typeface="Cambria Math" panose="02040503050406030204" pitchFamily="18" charset="0"/>
-                              <a:ea typeface="Cambria Math" panose="02040503050406030204" pitchFamily="18" charset="0"/>
-                            </a:rPr>
-                            <m:t>𝜔</m:t>
-                          </m:r>
-                        </m:e>
-                        <m:sub>
-                          <m:r>
-                            <a:rPr lang="de-DE" sz="2000" b="0" i="1" smtClean="0">
-                              <a:solidFill>
-                                <a:schemeClr val="bg1"/>
-                              </a:solidFill>
-                              <a:latin typeface="Cambria Math" panose="02040503050406030204" pitchFamily="18" charset="0"/>
-                            </a:rPr>
-                            <m:t>0</m:t>
-                          </m:r>
-                        </m:sub>
-                      </m:sSub>
-                      <m:sSubSup>
-                        <m:sSubSupPr>
-                          <m:ctrlPr>
-                            <a:rPr lang="de-DE" sz="2000" b="0" i="1" smtClean="0">
-                              <a:solidFill>
-                                <a:schemeClr val="bg1"/>
-                              </a:solidFill>
-                              <a:latin typeface="Cambria Math" panose="02040503050406030204" pitchFamily="18" charset="0"/>
-                              <a:ea typeface="Cambria Math" panose="02040503050406030204" pitchFamily="18" charset="0"/>
-                            </a:rPr>
-                          </m:ctrlPr>
-                        </m:sSubSupPr>
-                        <m:e>
-                          <m:r>
-                            <a:rPr lang="de-DE" sz="2000" b="0" i="1" smtClean="0">
-                              <a:solidFill>
-                                <a:schemeClr val="bg1"/>
-                              </a:solidFill>
-                              <a:latin typeface="Cambria Math" panose="02040503050406030204" pitchFamily="18" charset="0"/>
-                              <a:ea typeface="Cambria Math" panose="02040503050406030204" pitchFamily="18" charset="0"/>
-                            </a:rPr>
-                            <m:t>𝜎</m:t>
-                          </m:r>
-                        </m:e>
-                        <m:sub>
-                          <m:r>
-                            <a:rPr lang="de-DE" sz="2000" b="0" i="1" smtClean="0">
-                              <a:solidFill>
-                                <a:schemeClr val="bg1"/>
-                              </a:solidFill>
-                              <a:latin typeface="Cambria Math" panose="02040503050406030204" pitchFamily="18" charset="0"/>
-                              <a:ea typeface="Cambria Math" panose="02040503050406030204" pitchFamily="18" charset="0"/>
-                            </a:rPr>
-                            <m:t>0</m:t>
-                          </m:r>
-                        </m:sub>
-                        <m:sup>
-                          <m:r>
-                            <a:rPr lang="de-DE" sz="2000" b="0" i="1" smtClean="0">
-                              <a:solidFill>
-                                <a:schemeClr val="bg1"/>
-                              </a:solidFill>
-                              <a:latin typeface="Cambria Math" panose="02040503050406030204" pitchFamily="18" charset="0"/>
-                              <a:ea typeface="Cambria Math" panose="02040503050406030204" pitchFamily="18" charset="0"/>
-                            </a:rPr>
-                            <m:t>2</m:t>
-                          </m:r>
-                        </m:sup>
-                      </m:sSubSup>
-                      <m:r>
-                        <a:rPr lang="de-DE" sz="2000" i="1">
-                          <a:solidFill>
-                            <a:schemeClr val="bg1"/>
-                          </a:solidFill>
-                          <a:latin typeface="Cambria Math" panose="02040503050406030204" pitchFamily="18" charset="0"/>
-                          <a:ea typeface="Cambria Math" panose="02040503050406030204" pitchFamily="18" charset="0"/>
-                        </a:rPr>
-                        <m:t>+</m:t>
-                      </m:r>
-                      <m:sSub>
-                        <m:sSubPr>
-                          <m:ctrlPr>
-                            <a:rPr lang="de-DE" sz="2000" i="1">
-                              <a:solidFill>
-                                <a:schemeClr val="bg1"/>
-                              </a:solidFill>
-                              <a:latin typeface="Cambria Math" panose="02040503050406030204" pitchFamily="18" charset="0"/>
-                            </a:rPr>
-                          </m:ctrlPr>
-                        </m:sSubPr>
-                        <m:e>
-                          <m:r>
-                            <a:rPr lang="de-DE" sz="2000" i="1">
-                              <a:solidFill>
-                                <a:schemeClr val="bg1"/>
-                              </a:solidFill>
-                              <a:latin typeface="Cambria Math" panose="02040503050406030204" pitchFamily="18" charset="0"/>
-                              <a:ea typeface="Cambria Math" panose="02040503050406030204" pitchFamily="18" charset="0"/>
-                            </a:rPr>
-                            <m:t>𝜔</m:t>
-                          </m:r>
-                        </m:e>
-                        <m:sub>
-                          <m:r>
-                            <a:rPr lang="de-DE" sz="2000" b="0" i="1" smtClean="0">
-                              <a:solidFill>
-                                <a:schemeClr val="bg1"/>
-                              </a:solidFill>
-                              <a:latin typeface="Cambria Math" panose="02040503050406030204" pitchFamily="18" charset="0"/>
-                              <a:ea typeface="Cambria Math" panose="02040503050406030204" pitchFamily="18" charset="0"/>
-                            </a:rPr>
-                            <m:t>1</m:t>
-                          </m:r>
-                        </m:sub>
-                      </m:sSub>
-                      <m:sSubSup>
-                        <m:sSubSupPr>
-                          <m:ctrlPr>
-                            <a:rPr lang="de-DE" sz="2000" i="1">
-                              <a:solidFill>
-                                <a:schemeClr val="bg1"/>
-                              </a:solidFill>
-                              <a:latin typeface="Cambria Math" panose="02040503050406030204" pitchFamily="18" charset="0"/>
-                              <a:ea typeface="Cambria Math" panose="02040503050406030204" pitchFamily="18" charset="0"/>
-                            </a:rPr>
-                          </m:ctrlPr>
-                        </m:sSubSupPr>
-                        <m:e>
-                          <m:r>
-                            <a:rPr lang="de-DE" sz="2000" i="1">
-                              <a:solidFill>
-                                <a:schemeClr val="bg1"/>
-                              </a:solidFill>
-                              <a:latin typeface="Cambria Math" panose="02040503050406030204" pitchFamily="18" charset="0"/>
-                              <a:ea typeface="Cambria Math" panose="02040503050406030204" pitchFamily="18" charset="0"/>
-                            </a:rPr>
-                            <m:t>𝜎</m:t>
-                          </m:r>
-                        </m:e>
-                        <m:sub>
-                          <m:r>
-                            <a:rPr lang="de-DE" sz="2000" b="0" i="1" smtClean="0">
-                              <a:solidFill>
-                                <a:schemeClr val="bg1"/>
-                              </a:solidFill>
-                              <a:latin typeface="Cambria Math" panose="02040503050406030204" pitchFamily="18" charset="0"/>
-                              <a:ea typeface="Cambria Math" panose="02040503050406030204" pitchFamily="18" charset="0"/>
-                            </a:rPr>
-                            <m:t>1</m:t>
-                          </m:r>
-                        </m:sub>
-                        <m:sup>
-                          <m:r>
-                            <a:rPr lang="de-DE" sz="2000" i="1">
-                              <a:solidFill>
-                                <a:schemeClr val="bg1"/>
-                              </a:solidFill>
-                              <a:latin typeface="Cambria Math" panose="02040503050406030204" pitchFamily="18" charset="0"/>
-                              <a:ea typeface="Cambria Math" panose="02040503050406030204" pitchFamily="18" charset="0"/>
-                            </a:rPr>
-                            <m:t>2</m:t>
-                          </m:r>
-                        </m:sup>
-                      </m:sSubSup>
-                    </m:oMath>
-                  </m:oMathPara>
-                </a14:m>
-                <a:endParaRPr lang="de-DE" i="1" dirty="0">
-                  <a:solidFill>
-                    <a:schemeClr val="bg1"/>
-                  </a:solidFill>
-                  <a:latin typeface="Cambria Math" panose="02040503050406030204" pitchFamily="18" charset="0"/>
-                </a:endParaRPr>
-              </a:p>
-              <a:p>
-                <a:pPr algn="ctr"/>
-                <a:endParaRPr lang="de-DE" sz="1200" i="1" dirty="0">
-                  <a:solidFill>
-                    <a:schemeClr val="bg1"/>
-                  </a:solidFill>
-                  <a:latin typeface="Cambria Math" panose="02040503050406030204" pitchFamily="18" charset="0"/>
-                </a:endParaRPr>
-              </a:p>
-              <a:p>
-                <a:pPr algn="ctr"/>
-                <a:endParaRPr lang="de-DE" sz="1200" i="1" dirty="0">
-                  <a:solidFill>
-                    <a:schemeClr val="bg1"/>
-                  </a:solidFill>
-                  <a:latin typeface="Cambria Math" panose="02040503050406030204" pitchFamily="18" charset="0"/>
-                </a:endParaRPr>
-              </a:p>
-              <a:p>
-                <a14:m>
-                  <m:oMath xmlns:m="http://schemas.openxmlformats.org/officeDocument/2006/math">
-                    <m:sSub>
-                      <m:sSubPr>
-                        <m:ctrlPr>
-                          <a:rPr lang="de-DE" i="1" smtClean="0">
-                            <a:solidFill>
-                              <a:schemeClr val="bg1"/>
-                            </a:solidFill>
-                            <a:latin typeface="Cambria Math" panose="02040503050406030204" pitchFamily="18" charset="0"/>
-                          </a:rPr>
-                        </m:ctrlPr>
-                      </m:sSubPr>
-                      <m:e>
-                        <m:r>
-                          <a:rPr lang="de-DE" i="1" smtClean="0">
-                            <a:solidFill>
-                              <a:schemeClr val="bg1"/>
-                            </a:solidFill>
-                            <a:latin typeface="Cambria Math" panose="02040503050406030204" pitchFamily="18" charset="0"/>
-                            <a:ea typeface="Cambria Math" panose="02040503050406030204" pitchFamily="18" charset="0"/>
-                          </a:rPr>
-                          <m:t>𝜔</m:t>
-                        </m:r>
-                      </m:e>
-                      <m:sub>
-                        <m:r>
-                          <a:rPr lang="de-DE" b="0" i="1" smtClean="0">
-                            <a:solidFill>
-                              <a:schemeClr val="bg1"/>
-                            </a:solidFill>
-                            <a:latin typeface="Cambria Math" panose="02040503050406030204" pitchFamily="18" charset="0"/>
-                          </a:rPr>
-                          <m:t>0,1</m:t>
-                        </m:r>
-                      </m:sub>
-                    </m:sSub>
-                  </m:oMath>
-                </a14:m>
-                <a:r>
-                  <a:rPr lang="de-DE" sz="1600" dirty="0">
-                    <a:solidFill>
-                      <a:schemeClr val="bg1"/>
-                    </a:solidFill>
-                  </a:rPr>
-                  <a:t> = </a:t>
-                </a:r>
-                <a:r>
-                  <a:rPr lang="de-DE" sz="1600" dirty="0" err="1">
-                    <a:solidFill>
-                      <a:schemeClr val="bg1"/>
-                    </a:solidFill>
-                  </a:rPr>
-                  <a:t>Probabilities</a:t>
-                </a:r>
-                <a:r>
-                  <a:rPr lang="de-DE" sz="1600" dirty="0">
-                    <a:solidFill>
-                      <a:schemeClr val="bg1"/>
-                    </a:solidFill>
-                  </a:rPr>
-                  <a:t> </a:t>
-                </a:r>
-                <a:r>
-                  <a:rPr lang="de-DE" sz="1600" dirty="0" err="1">
-                    <a:solidFill>
-                      <a:schemeClr val="bg1"/>
-                    </a:solidFill>
-                  </a:rPr>
-                  <a:t>of</a:t>
-                </a:r>
-                <a:r>
-                  <a:rPr lang="de-DE" sz="1600" dirty="0">
-                    <a:solidFill>
-                      <a:schemeClr val="bg1"/>
-                    </a:solidFill>
-                  </a:rPr>
-                  <a:t> </a:t>
-                </a:r>
-                <a:r>
-                  <a:rPr lang="de-DE" sz="1600" dirty="0" err="1">
-                    <a:solidFill>
-                      <a:schemeClr val="bg1"/>
-                    </a:solidFill>
-                  </a:rPr>
-                  <a:t>calss</a:t>
-                </a:r>
-                <a:r>
-                  <a:rPr lang="de-DE" sz="1600" dirty="0">
-                    <a:solidFill>
-                      <a:schemeClr val="bg1"/>
-                    </a:solidFill>
-                  </a:rPr>
-                  <a:t> </a:t>
-                </a:r>
-                <a:r>
-                  <a:rPr lang="de-DE" sz="1600" dirty="0" err="1">
-                    <a:solidFill>
-                      <a:schemeClr val="bg1"/>
-                    </a:solidFill>
-                  </a:rPr>
-                  <a:t>occurrence</a:t>
-                </a:r>
-                <a:endParaRPr lang="de-DE" sz="1600" dirty="0">
-                  <a:solidFill>
-                    <a:schemeClr val="bg1"/>
-                  </a:solidFill>
-                </a:endParaRPr>
-              </a:p>
-              <a:p>
-                <a:endParaRPr lang="de-DE" sz="1600" dirty="0"/>
-              </a:p>
-              <a:p>
-                <a:pPr/>
-                <a14:m>
-                  <m:oMath xmlns:m="http://schemas.openxmlformats.org/officeDocument/2006/math">
-                    <m:sSubSup>
-                      <m:sSubSupPr>
-                        <m:ctrlPr>
-                          <a:rPr lang="de-DE" b="0" i="1" smtClean="0">
-                            <a:solidFill>
-                              <a:schemeClr val="bg1"/>
-                            </a:solidFill>
-                            <a:latin typeface="Cambria Math" panose="02040503050406030204" pitchFamily="18" charset="0"/>
-                            <a:ea typeface="Cambria Math" panose="02040503050406030204" pitchFamily="18" charset="0"/>
-                          </a:rPr>
-                        </m:ctrlPr>
-                      </m:sSubSupPr>
-                      <m:e>
-                        <m:r>
-                          <a:rPr lang="de-DE" b="0" i="1" smtClean="0">
-                            <a:solidFill>
-                              <a:schemeClr val="bg1"/>
-                            </a:solidFill>
-                            <a:latin typeface="Cambria Math" panose="02040503050406030204" pitchFamily="18" charset="0"/>
-                            <a:ea typeface="Cambria Math" panose="02040503050406030204" pitchFamily="18" charset="0"/>
-                          </a:rPr>
-                          <m:t>𝜎</m:t>
-                        </m:r>
-                      </m:e>
-                      <m:sub>
-                        <m:r>
-                          <a:rPr lang="de-DE" b="0" i="1" smtClean="0">
-                            <a:solidFill>
-                              <a:schemeClr val="bg1"/>
-                            </a:solidFill>
-                            <a:latin typeface="Cambria Math" panose="02040503050406030204" pitchFamily="18" charset="0"/>
-                            <a:ea typeface="Cambria Math" panose="02040503050406030204" pitchFamily="18" charset="0"/>
-                          </a:rPr>
-                          <m:t>0,1</m:t>
-                        </m:r>
-                      </m:sub>
-                      <m:sup>
-                        <m:r>
-                          <a:rPr lang="de-DE" b="0" i="1" smtClean="0">
-                            <a:solidFill>
-                              <a:schemeClr val="bg1"/>
-                            </a:solidFill>
-                            <a:latin typeface="Cambria Math" panose="02040503050406030204" pitchFamily="18" charset="0"/>
-                            <a:ea typeface="Cambria Math" panose="02040503050406030204" pitchFamily="18" charset="0"/>
-                          </a:rPr>
-                          <m:t>2</m:t>
-                        </m:r>
-                      </m:sup>
-                    </m:sSubSup>
-                    <m:r>
-                      <a:rPr lang="de-DE" b="0" i="0" smtClean="0">
-                        <a:solidFill>
-                          <a:schemeClr val="bg1"/>
-                        </a:solidFill>
-                        <a:latin typeface="Cambria Math" panose="02040503050406030204" pitchFamily="18" charset="0"/>
-                        <a:ea typeface="Cambria Math" panose="02040503050406030204" pitchFamily="18" charset="0"/>
-                      </a:rPr>
-                      <m:t> </m:t>
-                    </m:r>
-                  </m:oMath>
-                </a14:m>
-                <a:r>
-                  <a:rPr lang="de-DE" dirty="0">
-                    <a:solidFill>
-                      <a:schemeClr val="bg1"/>
-                    </a:solidFill>
-                  </a:rPr>
-                  <a:t>= Class </a:t>
-                </a:r>
-                <a:r>
-                  <a:rPr lang="de-DE" dirty="0" err="1">
-                    <a:solidFill>
-                      <a:schemeClr val="bg1"/>
-                    </a:solidFill>
-                  </a:rPr>
-                  <a:t>variances</a:t>
-                </a:r>
-                <a:endParaRPr lang="de-DE" dirty="0">
-                  <a:solidFill>
-                    <a:schemeClr val="bg1"/>
-                  </a:solidFill>
-                </a:endParaRPr>
-              </a:p>
-            </p:txBody>
-          </p:sp>
-        </mc:Choice>
-        <mc:Fallback>
-          <p:sp>
-            <p:nvSpPr>
-              <p:cNvPr id="19" name="Textfeld 18">
-                <a:extLst>
-                  <a:ext uri="{FF2B5EF4-FFF2-40B4-BE49-F238E27FC236}">
-                    <a16:creationId xmlns:a16="http://schemas.microsoft.com/office/drawing/2014/main" id="{A9A9B6FC-43EE-F488-1956-A67D3D9449CB}"/>
-                  </a:ext>
-                </a:extLst>
-              </p:cNvPr>
-              <p:cNvSpPr txBox="1">
-                <a:spLocks noRot="1" noChangeAspect="1" noMove="1" noResize="1" noEditPoints="1" noAdjustHandles="1" noChangeArrowheads="1" noChangeShapeType="1" noTextEdit="1"/>
-              </p:cNvSpPr>
-              <p:nvPr/>
-            </p:nvSpPr>
-            <p:spPr>
-              <a:xfrm flipH="1">
-                <a:off x="6675120" y="3215640"/>
-                <a:ext cx="4419600" cy="2260619"/>
-              </a:xfrm>
-              <a:prstGeom prst="rect">
-                <a:avLst/>
-              </a:prstGeom>
-              <a:blipFill>
-                <a:blip r:embed="rId8"/>
-                <a:stretch>
-                  <a:fillRect t="-1892" b="-2703"/>
-                </a:stretch>
-              </a:blipFill>
-            </p:spPr>
-            <p:txBody>
-              <a:bodyPr/>
-              <a:lstStyle/>
-              <a:p>
-                <a:r>
-                  <a:rPr lang="de-DE">
-                    <a:noFill/>
-                  </a:rPr>
-                  <a:t> </a:t>
-                </a:r>
-              </a:p>
-            </p:txBody>
-          </p:sp>
-        </mc:Fallback>
-      </mc:AlternateContent>
+      </p:pic>
     </p:spTree>
     <p:extLst>
       <p:ext uri="{BB962C8B-B14F-4D97-AF65-F5344CB8AC3E}">
-        <p14:creationId xmlns:p14="http://schemas.microsoft.com/office/powerpoint/2010/main" val="3512102390"/>
+        <p14:creationId xmlns:p14="http://schemas.microsoft.com/office/powerpoint/2010/main" val="106412792"/>
       </p:ext>
     </p:extLst>
   </p:cSld>
   <p:clrMapOvr>
     <a:masterClrMapping/>
   </p:clrMapOvr>
-  <p:timing>
-    <p:tnLst>
-      <p:par>
-        <p:cTn id="1" dur="indefinite" restart="never" nodeType="tmRoot">
-          <p:childTnLst>
-            <p:seq concurrent="1" nextAc="seek">
-              <p:cTn id="2" dur="indefinite" nodeType="mainSeq">
-                <p:childTnLst>
-                  <p:par>
-                    <p:cTn id="3" fill="hold">
-                      <p:stCondLst>
-                        <p:cond delay="indefinite"/>
-                      </p:stCondLst>
-                      <p:childTnLst>
-                        <p:par>
-                          <p:cTn id="4" fill="hold">
-                            <p:stCondLst>
-                              <p:cond delay="0"/>
-                            </p:stCondLst>
-                            <p:childTnLst>
-                              <p:par>
-                                <p:cTn id="5" presetID="10" presetClass="entr" presetSubtype="0" fill="hold" grpId="0" nodeType="clickEffect">
-                                  <p:stCondLst>
-                                    <p:cond delay="0"/>
-                                  </p:stCondLst>
-                                  <p:childTnLst>
-                                    <p:set>
-                                      <p:cBhvr>
-                                        <p:cTn id="6" dur="1" fill="hold">
-                                          <p:stCondLst>
-                                            <p:cond delay="0"/>
-                                          </p:stCondLst>
-                                        </p:cTn>
-                                        <p:tgtEl>
-                                          <p:spTgt spid="18"/>
-                                        </p:tgtEl>
-                                        <p:attrNameLst>
-                                          <p:attrName>style.visibility</p:attrName>
-                                        </p:attrNameLst>
-                                      </p:cBhvr>
-                                      <p:to>
-                                        <p:strVal val="visible"/>
-                                      </p:to>
-                                    </p:set>
-                                    <p:animEffect transition="in" filter="fade">
-                                      <p:cBhvr>
-                                        <p:cTn id="7" dur="500"/>
-                                        <p:tgtEl>
-                                          <p:spTgt spid="18"/>
-                                        </p:tgtEl>
-                                      </p:cBhvr>
-                                    </p:animEffect>
-                                  </p:childTnLst>
-                                </p:cTn>
-                              </p:par>
-                              <p:par>
-                                <p:cTn id="8" presetID="10" presetClass="entr" presetSubtype="0" fill="hold" grpId="0" nodeType="withEffect">
-                                  <p:stCondLst>
-                                    <p:cond delay="0"/>
-                                  </p:stCondLst>
-                                  <p:childTnLst>
-                                    <p:set>
-                                      <p:cBhvr>
-                                        <p:cTn id="9" dur="1" fill="hold">
-                                          <p:stCondLst>
-                                            <p:cond delay="0"/>
-                                          </p:stCondLst>
-                                        </p:cTn>
-                                        <p:tgtEl>
-                                          <p:spTgt spid="19"/>
-                                        </p:tgtEl>
-                                        <p:attrNameLst>
-                                          <p:attrName>style.visibility</p:attrName>
-                                        </p:attrNameLst>
-                                      </p:cBhvr>
-                                      <p:to>
-                                        <p:strVal val="visible"/>
-                                      </p:to>
-                                    </p:set>
-                                    <p:animEffect transition="in" filter="fade">
-                                      <p:cBhvr>
-                                        <p:cTn id="10" dur="500"/>
-                                        <p:tgtEl>
-                                          <p:spTgt spid="19"/>
-                                        </p:tgtEl>
-                                      </p:cBhvr>
-                                    </p:animEffect>
-                                  </p:childTnLst>
-                                </p:cTn>
-                              </p:par>
-                              <p:par>
-                                <p:cTn id="11" presetID="10" presetClass="entr" presetSubtype="0" fill="hold" grpId="0" nodeType="withEffect">
-                                  <p:stCondLst>
-                                    <p:cond delay="0"/>
-                                  </p:stCondLst>
-                                  <p:childTnLst>
-                                    <p:set>
-                                      <p:cBhvr>
-                                        <p:cTn id="12" dur="1" fill="hold">
-                                          <p:stCondLst>
-                                            <p:cond delay="0"/>
-                                          </p:stCondLst>
-                                        </p:cTn>
-                                        <p:tgtEl>
-                                          <p:spTgt spid="17"/>
-                                        </p:tgtEl>
-                                        <p:attrNameLst>
-                                          <p:attrName>style.visibility</p:attrName>
-                                        </p:attrNameLst>
-                                      </p:cBhvr>
-                                      <p:to>
-                                        <p:strVal val="visible"/>
-                                      </p:to>
-                                    </p:set>
-                                    <p:animEffect transition="in" filter="fade">
-                                      <p:cBhvr>
-                                        <p:cTn id="13" dur="500"/>
-                                        <p:tgtEl>
-                                          <p:spTgt spid="17"/>
-                                        </p:tgtEl>
-                                      </p:cBhvr>
-                                    </p:animEffect>
-                                  </p:childTnLst>
-                                </p:cTn>
-                              </p:par>
-                            </p:childTnLst>
-                          </p:cTn>
-                        </p:par>
-                      </p:childTnLst>
-                    </p:cTn>
-                  </p:par>
-                </p:childTnLst>
-              </p:cTn>
-              <p:prevCondLst>
-                <p:cond evt="onPrev" delay="0">
-                  <p:tgtEl>
-                    <p:sldTgt/>
-                  </p:tgtEl>
-                </p:cond>
-              </p:prevCondLst>
-              <p:nextCondLst>
-                <p:cond evt="onNext" delay="0">
-                  <p:tgtEl>
-                    <p:sldTgt/>
-                  </p:tgtEl>
-                </p:cond>
-              </p:nextCondLst>
-            </p:seq>
-          </p:childTnLst>
-        </p:cTn>
-      </p:par>
-    </p:tnLst>
-    <p:bldLst>
-      <p:bldGraphic spid="17" grpId="0">
-        <p:bldAsOne/>
-      </p:bldGraphic>
-      <p:bldP spid="18" grpId="0"/>
-      <p:bldP spid="19" grpId="0"/>
-    </p:bldLst>
-  </p:timing>
 </p:sld>
 </file>
 
@@ -40855,4 +41755,299 @@
     </a:ext>
   </a:extLst>
 </a:theme>
+</file>
+
+<file path=ppt/theme/theme2.xml><?xml version="1.0" encoding="utf-8"?>
+<a:theme xmlns:a="http://schemas.openxmlformats.org/drawingml/2006/main" name="Office Theme">
+  <a:themeElements>
+    <a:clrScheme name="Office">
+      <a:dk1>
+        <a:sysClr val="windowText" lastClr="000000"/>
+      </a:dk1>
+      <a:lt1>
+        <a:sysClr val="window" lastClr="FFFFFF"/>
+      </a:lt1>
+      <a:dk2>
+        <a:srgbClr val="44546A"/>
+      </a:dk2>
+      <a:lt2>
+        <a:srgbClr val="E7E6E6"/>
+      </a:lt2>
+      <a:accent1>
+        <a:srgbClr val="4472C4"/>
+      </a:accent1>
+      <a:accent2>
+        <a:srgbClr val="ED7D31"/>
+      </a:accent2>
+      <a:accent3>
+        <a:srgbClr val="A5A5A5"/>
+      </a:accent3>
+      <a:accent4>
+        <a:srgbClr val="FFC000"/>
+      </a:accent4>
+      <a:accent5>
+        <a:srgbClr val="5B9BD5"/>
+      </a:accent5>
+      <a:accent6>
+        <a:srgbClr val="70AD47"/>
+      </a:accent6>
+      <a:hlink>
+        <a:srgbClr val="0563C1"/>
+      </a:hlink>
+      <a:folHlink>
+        <a:srgbClr val="954F72"/>
+      </a:folHlink>
+    </a:clrScheme>
+    <a:fontScheme name="Office">
+      <a:majorFont>
+        <a:latin typeface="Calibri Light" panose="020F0302020204030204"/>
+        <a:ea typeface=""/>
+        <a:cs typeface=""/>
+        <a:font script="Jpan" typeface="游ゴシック Light"/>
+        <a:font script="Hang" typeface="맑은 고딕"/>
+        <a:font script="Hans" typeface="等线 Light"/>
+        <a:font script="Hant" typeface="新細明體"/>
+        <a:font script="Arab" typeface="Times New Roman"/>
+        <a:font script="Hebr" typeface="Times New Roman"/>
+        <a:font script="Thai" typeface="Angsana New"/>
+        <a:font script="Ethi" typeface="Nyala"/>
+        <a:font script="Beng" typeface="Vrinda"/>
+        <a:font script="Gujr" typeface="Shruti"/>
+        <a:font script="Khmr" typeface="MoolBoran"/>
+        <a:font script="Knda" typeface="Tunga"/>
+        <a:font script="Guru" typeface="Raavi"/>
+        <a:font script="Cans" typeface="Euphemia"/>
+        <a:font script="Cher" typeface="Plantagenet Cherokee"/>
+        <a:font script="Yiii" typeface="Microsoft Yi Baiti"/>
+        <a:font script="Tibt" typeface="Microsoft Himalaya"/>
+        <a:font script="Thaa" typeface="MV Boli"/>
+        <a:font script="Deva" typeface="Mangal"/>
+        <a:font script="Telu" typeface="Gautami"/>
+        <a:font script="Taml" typeface="Latha"/>
+        <a:font script="Syrc" typeface="Estrangelo Edessa"/>
+        <a:font script="Orya" typeface="Kalinga"/>
+        <a:font script="Mlym" typeface="Kartika"/>
+        <a:font script="Laoo" typeface="DokChampa"/>
+        <a:font script="Sinh" typeface="Iskoola Pota"/>
+        <a:font script="Mong" typeface="Mongolian Baiti"/>
+        <a:font script="Viet" typeface="Times New Roman"/>
+        <a:font script="Uigh" typeface="Microsoft Uighur"/>
+        <a:font script="Geor" typeface="Sylfaen"/>
+        <a:font script="Armn" typeface="Arial"/>
+        <a:font script="Bugi" typeface="Leelawadee UI"/>
+        <a:font script="Bopo" typeface="Microsoft JhengHei"/>
+        <a:font script="Java" typeface="Javanese Text"/>
+        <a:font script="Lisu" typeface="Segoe UI"/>
+        <a:font script="Mymr" typeface="Myanmar Text"/>
+        <a:font script="Nkoo" typeface="Ebrima"/>
+        <a:font script="Olck" typeface="Nirmala UI"/>
+        <a:font script="Osma" typeface="Ebrima"/>
+        <a:font script="Phag" typeface="Phagspa"/>
+        <a:font script="Syrn" typeface="Estrangelo Edessa"/>
+        <a:font script="Syrj" typeface="Estrangelo Edessa"/>
+        <a:font script="Syre" typeface="Estrangelo Edessa"/>
+        <a:font script="Sora" typeface="Nirmala UI"/>
+        <a:font script="Tale" typeface="Microsoft Tai Le"/>
+        <a:font script="Talu" typeface="Microsoft New Tai Lue"/>
+        <a:font script="Tfng" typeface="Ebrima"/>
+      </a:majorFont>
+      <a:minorFont>
+        <a:latin typeface="Calibri" panose="020F0502020204030204"/>
+        <a:ea typeface=""/>
+        <a:cs typeface=""/>
+        <a:font script="Jpan" typeface="游ゴシック"/>
+        <a:font script="Hang" typeface="맑은 고딕"/>
+        <a:font script="Hans" typeface="等线"/>
+        <a:font script="Hant" typeface="新細明體"/>
+        <a:font script="Arab" typeface="Arial"/>
+        <a:font script="Hebr" typeface="Arial"/>
+        <a:font script="Thai" typeface="Cordia New"/>
+        <a:font script="Ethi" typeface="Nyala"/>
+        <a:font script="Beng" typeface="Vrinda"/>
+        <a:font script="Gujr" typeface="Shruti"/>
+        <a:font script="Khmr" typeface="DaunPenh"/>
+        <a:font script="Knda" typeface="Tunga"/>
+        <a:font script="Guru" typeface="Raavi"/>
+        <a:font script="Cans" typeface="Euphemia"/>
+        <a:font script="Cher" typeface="Plantagenet Cherokee"/>
+        <a:font script="Yiii" typeface="Microsoft Yi Baiti"/>
+        <a:font script="Tibt" typeface="Microsoft Himalaya"/>
+        <a:font script="Thaa" typeface="MV Boli"/>
+        <a:font script="Deva" typeface="Mangal"/>
+        <a:font script="Telu" typeface="Gautami"/>
+        <a:font script="Taml" typeface="Latha"/>
+        <a:font script="Syrc" typeface="Estrangelo Edessa"/>
+        <a:font script="Orya" typeface="Kalinga"/>
+        <a:font script="Mlym" typeface="Kartika"/>
+        <a:font script="Laoo" typeface="DokChampa"/>
+        <a:font script="Sinh" typeface="Iskoola Pota"/>
+        <a:font script="Mong" typeface="Mongolian Baiti"/>
+        <a:font script="Viet" typeface="Arial"/>
+        <a:font script="Uigh" typeface="Microsoft Uighur"/>
+        <a:font script="Geor" typeface="Sylfaen"/>
+        <a:font script="Armn" typeface="Arial"/>
+        <a:font script="Bugi" typeface="Leelawadee UI"/>
+        <a:font script="Bopo" typeface="Microsoft JhengHei"/>
+        <a:font script="Java" typeface="Javanese Text"/>
+        <a:font script="Lisu" typeface="Segoe UI"/>
+        <a:font script="Mymr" typeface="Myanmar Text"/>
+        <a:font script="Nkoo" typeface="Ebrima"/>
+        <a:font script="Olck" typeface="Nirmala UI"/>
+        <a:font script="Osma" typeface="Ebrima"/>
+        <a:font script="Phag" typeface="Phagspa"/>
+        <a:font script="Syrn" typeface="Estrangelo Edessa"/>
+        <a:font script="Syrj" typeface="Estrangelo Edessa"/>
+        <a:font script="Syre" typeface="Estrangelo Edessa"/>
+        <a:font script="Sora" typeface="Nirmala UI"/>
+        <a:font script="Tale" typeface="Microsoft Tai Le"/>
+        <a:font script="Talu" typeface="Microsoft New Tai Lue"/>
+        <a:font script="Tfng" typeface="Ebrima"/>
+      </a:minorFont>
+    </a:fontScheme>
+    <a:fmtScheme name="Office">
+      <a:fillStyleLst>
+        <a:solidFill>
+          <a:schemeClr val="phClr"/>
+        </a:solidFill>
+        <a:gradFill rotWithShape="1">
+          <a:gsLst>
+            <a:gs pos="0">
+              <a:schemeClr val="phClr">
+                <a:lumMod val="110000"/>
+                <a:satMod val="105000"/>
+                <a:tint val="67000"/>
+              </a:schemeClr>
+            </a:gs>
+            <a:gs pos="50000">
+              <a:schemeClr val="phClr">
+                <a:lumMod val="105000"/>
+                <a:satMod val="103000"/>
+                <a:tint val="73000"/>
+              </a:schemeClr>
+            </a:gs>
+            <a:gs pos="100000">
+              <a:schemeClr val="phClr">
+                <a:lumMod val="105000"/>
+                <a:satMod val="109000"/>
+                <a:tint val="81000"/>
+              </a:schemeClr>
+            </a:gs>
+          </a:gsLst>
+          <a:lin ang="5400000" scaled="0"/>
+        </a:gradFill>
+        <a:gradFill rotWithShape="1">
+          <a:gsLst>
+            <a:gs pos="0">
+              <a:schemeClr val="phClr">
+                <a:satMod val="103000"/>
+                <a:lumMod val="102000"/>
+                <a:tint val="94000"/>
+              </a:schemeClr>
+            </a:gs>
+            <a:gs pos="50000">
+              <a:schemeClr val="phClr">
+                <a:satMod val="110000"/>
+                <a:lumMod val="100000"/>
+                <a:shade val="100000"/>
+              </a:schemeClr>
+            </a:gs>
+            <a:gs pos="100000">
+              <a:schemeClr val="phClr">
+                <a:lumMod val="99000"/>
+                <a:satMod val="120000"/>
+                <a:shade val="78000"/>
+              </a:schemeClr>
+            </a:gs>
+          </a:gsLst>
+          <a:lin ang="5400000" scaled="0"/>
+        </a:gradFill>
+      </a:fillStyleLst>
+      <a:lnStyleLst>
+        <a:ln w="6350" cap="flat" cmpd="sng" algn="ctr">
+          <a:solidFill>
+            <a:schemeClr val="phClr"/>
+          </a:solidFill>
+          <a:prstDash val="solid"/>
+          <a:miter lim="800000"/>
+        </a:ln>
+        <a:ln w="12700" cap="flat" cmpd="sng" algn="ctr">
+          <a:solidFill>
+            <a:schemeClr val="phClr"/>
+          </a:solidFill>
+          <a:prstDash val="solid"/>
+          <a:miter lim="800000"/>
+        </a:ln>
+        <a:ln w="19050" cap="flat" cmpd="sng" algn="ctr">
+          <a:solidFill>
+            <a:schemeClr val="phClr"/>
+          </a:solidFill>
+          <a:prstDash val="solid"/>
+          <a:miter lim="800000"/>
+        </a:ln>
+      </a:lnStyleLst>
+      <a:effectStyleLst>
+        <a:effectStyle>
+          <a:effectLst/>
+        </a:effectStyle>
+        <a:effectStyle>
+          <a:effectLst/>
+        </a:effectStyle>
+        <a:effectStyle>
+          <a:effectLst>
+            <a:outerShdw blurRad="57150" dist="19050" dir="5400000" algn="ctr" rotWithShape="0">
+              <a:srgbClr val="000000">
+                <a:alpha val="63000"/>
+              </a:srgbClr>
+            </a:outerShdw>
+          </a:effectLst>
+        </a:effectStyle>
+      </a:effectStyleLst>
+      <a:bgFillStyleLst>
+        <a:solidFill>
+          <a:schemeClr val="phClr"/>
+        </a:solidFill>
+        <a:solidFill>
+          <a:schemeClr val="phClr">
+            <a:tint val="95000"/>
+            <a:satMod val="170000"/>
+          </a:schemeClr>
+        </a:solidFill>
+        <a:gradFill rotWithShape="1">
+          <a:gsLst>
+            <a:gs pos="0">
+              <a:schemeClr val="phClr">
+                <a:tint val="93000"/>
+                <a:satMod val="150000"/>
+                <a:shade val="98000"/>
+                <a:lumMod val="102000"/>
+              </a:schemeClr>
+            </a:gs>
+            <a:gs pos="50000">
+              <a:schemeClr val="phClr">
+                <a:tint val="98000"/>
+                <a:satMod val="130000"/>
+                <a:shade val="90000"/>
+                <a:lumMod val="103000"/>
+              </a:schemeClr>
+            </a:gs>
+            <a:gs pos="100000">
+              <a:schemeClr val="phClr">
+                <a:shade val="63000"/>
+                <a:satMod val="120000"/>
+              </a:schemeClr>
+            </a:gs>
+          </a:gsLst>
+          <a:lin ang="5400000" scaled="0"/>
+        </a:gradFill>
+      </a:bgFillStyleLst>
+    </a:fmtScheme>
+  </a:themeElements>
+  <a:objectDefaults/>
+  <a:extraClrSchemeLst/>
+  <a:extLst>
+    <a:ext uri="{05A4C25C-085E-4340-85A3-A5531E510DB2}">
+      <thm15:themeFamily xmlns:thm15="http://schemas.microsoft.com/office/thememl/2012/main" name="Office Theme" id="{62F939B6-93AF-4DB8-9C6B-D6C7DFDC589F}" vid="{4A3C46E8-61CC-4603-A589-7422A47A8E4A}"/>
+    </a:ext>
+  </a:extLst>
+</a:theme>
 </file>
--- a/presentation/layout(2).pptx
+++ b/presentation/layout(2).pptx
@@ -23,10 +23,10 @@
     <p:sldId id="273" r:id="rId14"/>
     <p:sldId id="275" r:id="rId15"/>
     <p:sldId id="277" r:id="rId16"/>
-    <p:sldId id="264" r:id="rId17"/>
-    <p:sldId id="261" r:id="rId18"/>
-    <p:sldId id="263" r:id="rId19"/>
-    <p:sldId id="262" r:id="rId20"/>
+    <p:sldId id="261" r:id="rId17"/>
+    <p:sldId id="262" r:id="rId18"/>
+    <p:sldId id="285" r:id="rId19"/>
+    <p:sldId id="264" r:id="rId20"/>
     <p:sldId id="266" r:id="rId21"/>
     <p:sldId id="267" r:id="rId22"/>
     <p:sldId id="268" r:id="rId23"/>
@@ -26757,7 +26757,7 @@
           <a:p>
             <a:fld id="{47819AD3-658A-4022-B873-92D104DA997E}" type="datetimeFigureOut">
               <a:rPr lang="de-DE" smtClean="0"/>
-              <a:t>11.05.2022</a:t>
+              <a:t>12.05.2022</a:t>
             </a:fld>
             <a:endParaRPr lang="de-DE"/>
           </a:p>
@@ -27025,6 +27025,90 @@
 </p:notesMaster>
 </file>
 
+<file path=ppt/notesSlides/notesSlide1.xml><?xml version="1.0" encoding="utf-8"?>
+<p:notes xmlns:a="http://schemas.openxmlformats.org/drawingml/2006/main" xmlns:r="http://schemas.openxmlformats.org/officeDocument/2006/relationships" xmlns:p="http://schemas.openxmlformats.org/presentationml/2006/main">
+  <p:cSld>
+    <p:spTree>
+      <p:nvGrpSpPr>
+        <p:cNvPr id="1" name=""/>
+        <p:cNvGrpSpPr/>
+        <p:nvPr/>
+      </p:nvGrpSpPr>
+      <p:grpSpPr>
+        <a:xfrm>
+          <a:off x="0" y="0"/>
+          <a:ext cx="0" cy="0"/>
+          <a:chOff x="0" y="0"/>
+          <a:chExt cx="0" cy="0"/>
+        </a:xfrm>
+      </p:grpSpPr>
+      <p:sp>
+        <p:nvSpPr>
+          <p:cNvPr id="2" name="Slide Image Placeholder 1"/>
+          <p:cNvSpPr>
+            <a:spLocks noGrp="1" noRot="1" noChangeAspect="1"/>
+          </p:cNvSpPr>
+          <p:nvPr>
+            <p:ph type="sldImg"/>
+          </p:nvPr>
+        </p:nvSpPr>
+        <p:spPr/>
+      </p:sp>
+      <p:sp>
+        <p:nvSpPr>
+          <p:cNvPr id="3" name="Notes Placeholder 2"/>
+          <p:cNvSpPr>
+            <a:spLocks noGrp="1"/>
+          </p:cNvSpPr>
+          <p:nvPr>
+            <p:ph type="body" idx="1"/>
+          </p:nvPr>
+        </p:nvSpPr>
+        <p:spPr/>
+        <p:txBody>
+          <a:bodyPr/>
+          <a:lstStyle/>
+          <a:p>
+            <a:endParaRPr lang="en-US" dirty="0"/>
+          </a:p>
+        </p:txBody>
+      </p:sp>
+      <p:sp>
+        <p:nvSpPr>
+          <p:cNvPr id="4" name="Slide Number Placeholder 3"/>
+          <p:cNvSpPr>
+            <a:spLocks noGrp="1"/>
+          </p:cNvSpPr>
+          <p:nvPr>
+            <p:ph type="sldNum" sz="quarter" idx="5"/>
+          </p:nvPr>
+        </p:nvSpPr>
+        <p:spPr/>
+        <p:txBody>
+          <a:bodyPr/>
+          <a:lstStyle/>
+          <a:p>
+            <a:fld id="{B355E504-1BBF-47A8-A405-3F5D72870642}" type="slidenum">
+              <a:rPr lang="de-DE" smtClean="0"/>
+              <a:t>17</a:t>
+            </a:fld>
+            <a:endParaRPr lang="de-DE"/>
+          </a:p>
+        </p:txBody>
+      </p:sp>
+    </p:spTree>
+    <p:extLst>
+      <p:ext uri="{BB962C8B-B14F-4D97-AF65-F5344CB8AC3E}">
+        <p14:creationId xmlns:p14="http://schemas.microsoft.com/office/powerpoint/2010/main" val="1955109963"/>
+      </p:ext>
+    </p:extLst>
+  </p:cSld>
+  <p:clrMapOvr>
+    <a:masterClrMapping/>
+  </p:clrMapOvr>
+</p:notes>
+</file>
+
 <file path=ppt/slideLayouts/slideLayout1.xml><?xml version="1.0" encoding="utf-8"?>
 <p:sldLayout xmlns:a="http://schemas.openxmlformats.org/drawingml/2006/main" xmlns:r="http://schemas.openxmlformats.org/officeDocument/2006/relationships" xmlns:p="http://schemas.openxmlformats.org/presentationml/2006/main" showMasterSp="0" type="title" preserve="1">
   <p:cSld name="Title Slide">
@@ -27269,7 +27353,7 @@
           <a:p>
             <a:fld id="{9184DA70-C731-4C70-880D-CCD4705E623C}" type="datetime1">
               <a:rPr lang="en-US" smtClean="0"/>
-              <a:t>5/11/2022</a:t>
+              <a:t>5/12/2022</a:t>
             </a:fld>
             <a:endParaRPr lang="en-US" dirty="0"/>
           </a:p>
@@ -27457,7 +27541,7 @@
           <a:p>
             <a:fld id="{B612A279-0833-481D-8C56-F67FD0AC6C50}" type="datetime1">
               <a:rPr lang="en-US" smtClean="0"/>
-              <a:t>5/11/2022</a:t>
+              <a:t>5/12/2022</a:t>
             </a:fld>
             <a:endParaRPr lang="en-US" dirty="0"/>
           </a:p>
@@ -27699,7 +27783,7 @@
           <a:p>
             <a:fld id="{6587DA83-5663-4C9C-B9AA-0B40A3DAFF81}" type="datetime1">
               <a:rPr lang="en-US" smtClean="0"/>
-              <a:t>5/11/2022</a:t>
+              <a:t>5/12/2022</a:t>
             </a:fld>
             <a:endParaRPr lang="en-US" dirty="0"/>
           </a:p>
@@ -27887,7 +27971,7 @@
           <a:p>
             <a:fld id="{4BE1D723-8F53-4F53-90B0-1982A396982E}" type="datetime1">
               <a:rPr lang="en-US" smtClean="0"/>
-              <a:t>5/11/2022</a:t>
+              <a:t>5/12/2022</a:t>
             </a:fld>
             <a:endParaRPr lang="en-US" dirty="0"/>
           </a:p>
@@ -28260,7 +28344,7 @@
           <a:p>
             <a:fld id="{97669AF7-7BEB-44E4-9852-375E34362B5B}" type="datetime1">
               <a:rPr lang="en-US" smtClean="0"/>
-              <a:t>5/11/2022</a:t>
+              <a:t>5/12/2022</a:t>
             </a:fld>
             <a:endParaRPr lang="en-US" dirty="0"/>
           </a:p>
@@ -28515,7 +28599,7 @@
           <a:p>
             <a:fld id="{BAAAC38D-0552-4C82-B593-E6124DFADBE2}" type="datetime1">
               <a:rPr lang="en-US" smtClean="0"/>
-              <a:t>5/11/2022</a:t>
+              <a:t>5/12/2022</a:t>
             </a:fld>
             <a:endParaRPr lang="en-US" dirty="0"/>
           </a:p>
@@ -28912,7 +28996,7 @@
           <a:p>
             <a:fld id="{D9DF0F1C-5577-4ACB-BB62-DF8F3C494C7E}" type="datetime1">
               <a:rPr lang="en-US" smtClean="0"/>
-              <a:t>5/11/2022</a:t>
+              <a:t>5/12/2022</a:t>
             </a:fld>
             <a:endParaRPr lang="en-US" dirty="0"/>
           </a:p>
@@ -29048,7 +29132,7 @@
           <a:p>
             <a:fld id="{1775B394-D9F9-4F0C-B15D-605F45CB9E9F}" type="datetime1">
               <a:rPr lang="en-US" smtClean="0"/>
-              <a:t>5/11/2022</a:t>
+              <a:t>5/12/2022</a:t>
             </a:fld>
             <a:endParaRPr lang="en-US" dirty="0"/>
           </a:p>
@@ -29205,7 +29289,7 @@
           <a:p>
             <a:fld id="{39667345-2558-425A-8533-9BFDBCE15005}" type="datetime1">
               <a:rPr lang="en-US" smtClean="0"/>
-              <a:t>5/11/2022</a:t>
+              <a:t>5/12/2022</a:t>
             </a:fld>
             <a:endParaRPr lang="en-US" dirty="0"/>
           </a:p>
@@ -29534,7 +29618,7 @@
           <a:p>
             <a:fld id="{92BEA474-078D-4E9B-9B14-09A87B19DC46}" type="datetime1">
               <a:rPr lang="en-US" smtClean="0"/>
-              <a:t>5/11/2022</a:t>
+              <a:t>5/12/2022</a:t>
             </a:fld>
             <a:endParaRPr lang="en-US" dirty="0"/>
           </a:p>
@@ -29884,7 +29968,7 @@
           <a:p>
             <a:fld id="{4907D986-8816-4272-A432-0437A28A9828}" type="datetime1">
               <a:rPr lang="en-US" smtClean="0"/>
-              <a:t>5/11/2022</a:t>
+              <a:t>5/12/2022</a:t>
             </a:fld>
             <a:endParaRPr lang="en-US" dirty="0"/>
           </a:p>
@@ -30145,7 +30229,7 @@
           <a:p>
             <a:fld id="{62D6E202-B606-4609-B914-27C9371A1F6D}" type="datetime1">
               <a:rPr lang="en-US" smtClean="0"/>
-              <a:t>5/11/2022</a:t>
+              <a:t>5/12/2022</a:t>
             </a:fld>
             <a:endParaRPr lang="en-US" dirty="0"/>
           </a:p>
@@ -33961,6 +34045,1300 @@
 <file path=ppt/slides/slide16.xml><?xml version="1.0" encoding="utf-8"?>
 <p:sld xmlns:a="http://schemas.openxmlformats.org/drawingml/2006/main" xmlns:r="http://schemas.openxmlformats.org/officeDocument/2006/relationships" xmlns:p="http://schemas.openxmlformats.org/presentationml/2006/main">
   <p:cSld>
+    <p:bg>
+      <p:bgPr>
+        <a:solidFill>
+          <a:schemeClr val="bg1"/>
+        </a:solidFill>
+        <a:effectLst/>
+      </p:bgPr>
+    </p:bg>
+    <p:spTree>
+      <p:nvGrpSpPr>
+        <p:cNvPr id="1" name=""/>
+        <p:cNvGrpSpPr/>
+        <p:nvPr/>
+      </p:nvGrpSpPr>
+      <p:grpSpPr>
+        <a:xfrm>
+          <a:off x="0" y="0"/>
+          <a:ext cx="0" cy="0"/>
+          <a:chOff x="0" y="0"/>
+          <a:chExt cx="0" cy="0"/>
+        </a:xfrm>
+      </p:grpSpPr>
+      <p:sp useBgFill="1">
+        <p:nvSpPr>
+          <p:cNvPr id="8" name="Rectangle 7">
+            <a:extLst>
+              <a:ext uri="{FF2B5EF4-FFF2-40B4-BE49-F238E27FC236}">
+                <a16:creationId xmlns:a16="http://schemas.microsoft.com/office/drawing/2014/main" id="{CECF0FC6-D57B-48B6-9036-F4FFD91A4B34}"/>
+              </a:ext>
+              <a:ext uri="{C183D7F6-B498-43B3-948B-1728B52AA6E4}">
+                <adec:decorative xmlns:adec="http://schemas.microsoft.com/office/drawing/2017/decorative" val="1"/>
+              </a:ext>
+            </a:extLst>
+          </p:cNvPr>
+          <p:cNvSpPr>
+            <a:spLocks noGrp="1" noRot="1" noChangeAspect="1" noMove="1" noResize="1" noEditPoints="1" noAdjustHandles="1" noChangeArrowheads="1" noChangeShapeType="1" noTextEdit="1"/>
+          </p:cNvSpPr>
+          <p:nvPr>
+            <p:extLst>
+              <p:ext uri="{386F3935-93C4-4BCD-93E2-E3B085C9AB24}">
+                <p16:designElem xmlns:p16="http://schemas.microsoft.com/office/powerpoint/2015/main" val="1"/>
+              </p:ext>
+            </p:extLst>
+          </p:nvPr>
+        </p:nvSpPr>
+        <p:spPr>
+          <a:xfrm>
+            <a:off x="0" y="0"/>
+            <a:ext cx="12186315" cy="6858000"/>
+          </a:xfrm>
+          <a:prstGeom prst="rect">
+            <a:avLst/>
+          </a:prstGeom>
+          <a:ln>
+            <a:noFill/>
+          </a:ln>
+        </p:spPr>
+        <p:style>
+          <a:lnRef idx="2">
+            <a:schemeClr val="accent6">
+              <a:shade val="50000"/>
+            </a:schemeClr>
+          </a:lnRef>
+          <a:fillRef idx="1001">
+            <a:schemeClr val="lt1"/>
+          </a:fillRef>
+          <a:effectRef idx="0">
+            <a:schemeClr val="accent6"/>
+          </a:effectRef>
+          <a:fontRef idx="minor">
+            <a:schemeClr val="lt1"/>
+          </a:fontRef>
+        </p:style>
+        <p:txBody>
+          <a:bodyPr rtlCol="0" anchor="ctr"/>
+          <a:lstStyle/>
+          <a:p>
+            <a:pPr algn="ctr"/>
+            <a:endParaRPr lang="en-US"/>
+          </a:p>
+        </p:txBody>
+      </p:sp>
+      <p:sp>
+        <p:nvSpPr>
+          <p:cNvPr id="2" name="Title 1">
+            <a:extLst>
+              <a:ext uri="{FF2B5EF4-FFF2-40B4-BE49-F238E27FC236}">
+                <a16:creationId xmlns:a16="http://schemas.microsoft.com/office/drawing/2014/main" id="{0974F90C-CE64-FB4B-2D66-570D0C2D794B}"/>
+              </a:ext>
+            </a:extLst>
+          </p:cNvPr>
+          <p:cNvSpPr>
+            <a:spLocks noGrp="1"/>
+          </p:cNvSpPr>
+          <p:nvPr>
+            <p:ph type="title"/>
+          </p:nvPr>
+        </p:nvSpPr>
+        <p:spPr>
+          <a:xfrm>
+            <a:off x="945612" y="441603"/>
+            <a:ext cx="6750987" cy="1450757"/>
+          </a:xfrm>
+        </p:spPr>
+        <p:txBody>
+          <a:bodyPr>
+            <a:normAutofit/>
+          </a:bodyPr>
+          <a:lstStyle/>
+          <a:p>
+            <a:r>
+              <a:rPr lang="lv-LV" dirty="0">
+                <a:solidFill>
+                  <a:schemeClr val="accent1"/>
+                </a:solidFill>
+              </a:rPr>
+              <a:t>Optimisation: </a:t>
+            </a:r>
+            <a:br>
+              <a:rPr lang="lv-LV" dirty="0">
+                <a:solidFill>
+                  <a:schemeClr val="accent1"/>
+                </a:solidFill>
+              </a:rPr>
+            </a:br>
+            <a:r>
+              <a:rPr lang="lv-LV" dirty="0">
+                <a:solidFill>
+                  <a:schemeClr val="accent1"/>
+                </a:solidFill>
+              </a:rPr>
+              <a:t>Dice Score Coefficient</a:t>
+            </a:r>
+            <a:endParaRPr lang="de-DE" dirty="0">
+              <a:solidFill>
+                <a:schemeClr val="accent1"/>
+              </a:solidFill>
+            </a:endParaRPr>
+          </a:p>
+        </p:txBody>
+      </p:sp>
+      <p:sp>
+        <p:nvSpPr>
+          <p:cNvPr id="10" name="Rectangle 9">
+            <a:extLst>
+              <a:ext uri="{FF2B5EF4-FFF2-40B4-BE49-F238E27FC236}">
+                <a16:creationId xmlns:a16="http://schemas.microsoft.com/office/drawing/2014/main" id="{717A211C-5863-4303-AC3D-AEBFDF6D6A4C}"/>
+              </a:ext>
+              <a:ext uri="{C183D7F6-B498-43B3-948B-1728B52AA6E4}">
+                <adec:decorative xmlns:adec="http://schemas.microsoft.com/office/drawing/2017/decorative" val="1"/>
+              </a:ext>
+            </a:extLst>
+          </p:cNvPr>
+          <p:cNvSpPr>
+            <a:spLocks noGrp="1" noRot="1" noChangeAspect="1" noMove="1" noResize="1" noEditPoints="1" noAdjustHandles="1" noChangeArrowheads="1" noChangeShapeType="1" noTextEdit="1"/>
+          </p:cNvSpPr>
+          <p:nvPr>
+            <p:extLst>
+              <p:ext uri="{386F3935-93C4-4BCD-93E2-E3B085C9AB24}">
+                <p16:designElem xmlns:p16="http://schemas.microsoft.com/office/powerpoint/2015/main" val="1"/>
+              </p:ext>
+            </p:extLst>
+          </p:nvPr>
+        </p:nvSpPr>
+        <p:spPr>
+          <a:xfrm>
+            <a:off x="8144150" y="-1"/>
+            <a:ext cx="4050791" cy="6857999"/>
+          </a:xfrm>
+          <a:prstGeom prst="rect">
+            <a:avLst/>
+          </a:prstGeom>
+          <a:solidFill>
+            <a:schemeClr val="accent1"/>
+          </a:solidFill>
+          <a:ln>
+            <a:noFill/>
+          </a:ln>
+        </p:spPr>
+        <p:style>
+          <a:lnRef idx="2">
+            <a:schemeClr val="accent1">
+              <a:shade val="50000"/>
+            </a:schemeClr>
+          </a:lnRef>
+          <a:fillRef idx="1">
+            <a:schemeClr val="accent1"/>
+          </a:fillRef>
+          <a:effectRef idx="0">
+            <a:schemeClr val="accent1"/>
+          </a:effectRef>
+          <a:fontRef idx="minor">
+            <a:schemeClr val="lt1"/>
+          </a:fontRef>
+        </p:style>
+      </p:sp>
+      <p:sp>
+        <p:nvSpPr>
+          <p:cNvPr id="12" name="Rectangle 11">
+            <a:extLst>
+              <a:ext uri="{FF2B5EF4-FFF2-40B4-BE49-F238E27FC236}">
+                <a16:creationId xmlns:a16="http://schemas.microsoft.com/office/drawing/2014/main" id="{70FA2369-10B3-4A99-93ED-036A92FD9C47}"/>
+              </a:ext>
+              <a:ext uri="{C183D7F6-B498-43B3-948B-1728B52AA6E4}">
+                <adec:decorative xmlns:adec="http://schemas.microsoft.com/office/drawing/2017/decorative" val="1"/>
+              </a:ext>
+            </a:extLst>
+          </p:cNvPr>
+          <p:cNvSpPr>
+            <a:spLocks noGrp="1" noRot="1" noChangeAspect="1" noMove="1" noResize="1" noEditPoints="1" noAdjustHandles="1" noChangeArrowheads="1" noChangeShapeType="1" noTextEdit="1"/>
+          </p:cNvSpPr>
+          <p:nvPr>
+            <p:extLst>
+              <p:ext uri="{386F3935-93C4-4BCD-93E2-E3B085C9AB24}">
+                <p16:designElem xmlns:p16="http://schemas.microsoft.com/office/powerpoint/2015/main" val="1"/>
+              </p:ext>
+            </p:extLst>
+          </p:nvPr>
+        </p:nvSpPr>
+        <p:spPr>
+          <a:xfrm>
+            <a:off x="0" y="6400800"/>
+            <a:ext cx="12192000" cy="457200"/>
+          </a:xfrm>
+          <a:prstGeom prst="rect">
+            <a:avLst/>
+          </a:prstGeom>
+          <a:solidFill>
+            <a:srgbClr val="262626"/>
+          </a:solidFill>
+          <a:ln>
+            <a:noFill/>
+          </a:ln>
+        </p:spPr>
+        <p:style>
+          <a:lnRef idx="2">
+            <a:schemeClr val="accent1">
+              <a:shade val="50000"/>
+            </a:schemeClr>
+          </a:lnRef>
+          <a:fillRef idx="1">
+            <a:schemeClr val="accent1"/>
+          </a:fillRef>
+          <a:effectRef idx="0">
+            <a:schemeClr val="accent1"/>
+          </a:effectRef>
+          <a:fontRef idx="minor">
+            <a:schemeClr val="lt1"/>
+          </a:fontRef>
+        </p:style>
+      </p:sp>
+      <p:sp>
+        <p:nvSpPr>
+          <p:cNvPr id="5" name="Rectangle 4">
+            <a:extLst>
+              <a:ext uri="{FF2B5EF4-FFF2-40B4-BE49-F238E27FC236}">
+                <a16:creationId xmlns:a16="http://schemas.microsoft.com/office/drawing/2014/main" id="{FB1B1E9B-BF76-46CA-46EA-825F8E9E4019}"/>
+              </a:ext>
+            </a:extLst>
+          </p:cNvPr>
+          <p:cNvSpPr/>
+          <p:nvPr/>
+        </p:nvSpPr>
+        <p:spPr>
+          <a:xfrm>
+            <a:off x="8335140" y="833120"/>
+            <a:ext cx="3608850" cy="4701661"/>
+          </a:xfrm>
+          <a:prstGeom prst="rect">
+            <a:avLst/>
+          </a:prstGeom>
+        </p:spPr>
+        <p:style>
+          <a:lnRef idx="2">
+            <a:schemeClr val="dk1"/>
+          </a:lnRef>
+          <a:fillRef idx="1">
+            <a:schemeClr val="lt1"/>
+          </a:fillRef>
+          <a:effectRef idx="0">
+            <a:schemeClr val="dk1"/>
+          </a:effectRef>
+          <a:fontRef idx="minor">
+            <a:schemeClr val="dk1"/>
+          </a:fontRef>
+        </p:style>
+        <p:txBody>
+          <a:bodyPr rtlCol="0" anchor="ctr"/>
+          <a:lstStyle/>
+          <a:p>
+            <a:pPr algn="ctr"/>
+            <a:r>
+              <a:rPr lang="lv-LV" dirty="0"/>
+              <a:t>Kurzerklaerung was TP, FP usw ist also</a:t>
+            </a:r>
+          </a:p>
+          <a:p>
+            <a:pPr algn="ctr"/>
+            <a:r>
+              <a:rPr lang="lv-LV" dirty="0"/>
+              <a:t>gt = ground truth; pt = post tresholding</a:t>
+            </a:r>
+          </a:p>
+          <a:p>
+            <a:r>
+              <a:rPr lang="lv-LV" dirty="0"/>
+              <a:t>TP : Both pixels white</a:t>
+            </a:r>
+          </a:p>
+          <a:p>
+            <a:r>
+              <a:rPr lang="lv-LV" dirty="0"/>
+              <a:t>FP : gt pixel black, pt pixel white</a:t>
+            </a:r>
+          </a:p>
+          <a:p>
+            <a:r>
+              <a:rPr lang="lv-LV" dirty="0"/>
+              <a:t>TN : both pixels black</a:t>
+            </a:r>
+          </a:p>
+          <a:p>
+            <a:r>
+              <a:rPr lang="lv-LV" dirty="0"/>
+              <a:t>FN : gt pixel white, pt pixel black</a:t>
+            </a:r>
+            <a:endParaRPr lang="en-US" dirty="0"/>
+          </a:p>
+        </p:txBody>
+      </p:sp>
+      <p:sp>
+        <p:nvSpPr>
+          <p:cNvPr id="6" name="TextBox 5">
+            <a:extLst>
+              <a:ext uri="{FF2B5EF4-FFF2-40B4-BE49-F238E27FC236}">
+                <a16:creationId xmlns:a16="http://schemas.microsoft.com/office/drawing/2014/main" id="{27E798AF-A854-2C41-E0E3-342D3454FBA9}"/>
+              </a:ext>
+            </a:extLst>
+          </p:cNvPr>
+          <p:cNvSpPr txBox="1"/>
+          <p:nvPr/>
+        </p:nvSpPr>
+        <p:spPr>
+          <a:xfrm>
+            <a:off x="927389" y="5002084"/>
+            <a:ext cx="3575569" cy="646331"/>
+          </a:xfrm>
+          <a:prstGeom prst="rect">
+            <a:avLst/>
+          </a:prstGeom>
+          <a:noFill/>
+        </p:spPr>
+        <p:txBody>
+          <a:bodyPr wrap="square" rtlCol="0">
+            <a:spAutoFit/>
+          </a:bodyPr>
+          <a:lstStyle/>
+          <a:p>
+            <a:r>
+              <a:rPr lang="lv-LV" dirty="0"/>
+              <a:t>Tresholding using online tool </a:t>
+            </a:r>
+          </a:p>
+          <a:p>
+            <a:r>
+              <a:rPr lang="lv-LV" dirty="0"/>
+              <a:t>(</a:t>
+            </a:r>
+            <a:r>
+              <a:rPr lang="en-US" dirty="0"/>
+              <a:t> </a:t>
+            </a:r>
+            <a:r>
+              <a:rPr lang="lv-LV" dirty="0"/>
+              <a:t>imageonline.co)</a:t>
+            </a:r>
+            <a:endParaRPr lang="en-US" dirty="0"/>
+          </a:p>
+        </p:txBody>
+      </p:sp>
+      <p:pic>
+        <p:nvPicPr>
+          <p:cNvPr id="19" name="Picture 18" descr="Background pattern&#10;&#10;Description automatically generated">
+            <a:extLst>
+              <a:ext uri="{FF2B5EF4-FFF2-40B4-BE49-F238E27FC236}">
+                <a16:creationId xmlns:a16="http://schemas.microsoft.com/office/drawing/2014/main" id="{52B2E21B-275B-BD5E-6FBF-4B8CD180C58D}"/>
+              </a:ext>
+            </a:extLst>
+          </p:cNvPr>
+          <p:cNvPicPr>
+            <a:picLocks noChangeAspect="1"/>
+          </p:cNvPicPr>
+          <p:nvPr/>
+        </p:nvPicPr>
+        <p:blipFill>
+          <a:blip r:embed="rId2">
+            <a:extLst>
+              <a:ext uri="{28A0092B-C50C-407E-A947-70E740481C1C}">
+                <a14:useLocalDpi xmlns:a14="http://schemas.microsoft.com/office/drawing/2010/main" val="0"/>
+              </a:ext>
+            </a:extLst>
+          </a:blip>
+          <a:stretch>
+            <a:fillRect/>
+          </a:stretch>
+        </p:blipFill>
+        <p:spPr>
+          <a:xfrm>
+            <a:off x="4502958" y="2472872"/>
+            <a:ext cx="3180397" cy="2423160"/>
+          </a:xfrm>
+          <a:prstGeom prst="rect">
+            <a:avLst/>
+          </a:prstGeom>
+        </p:spPr>
+      </p:pic>
+      <p:pic>
+        <p:nvPicPr>
+          <p:cNvPr id="21" name="Picture 20" descr="Background pattern&#10;&#10;Description automatically generated">
+            <a:extLst>
+              <a:ext uri="{FF2B5EF4-FFF2-40B4-BE49-F238E27FC236}">
+                <a16:creationId xmlns:a16="http://schemas.microsoft.com/office/drawing/2014/main" id="{D4AEB0C3-95B7-F7E2-D7A2-07DAED27BE3E}"/>
+              </a:ext>
+            </a:extLst>
+          </p:cNvPr>
+          <p:cNvPicPr>
+            <a:picLocks noChangeAspect="1"/>
+          </p:cNvPicPr>
+          <p:nvPr/>
+        </p:nvPicPr>
+        <p:blipFill>
+          <a:blip r:embed="rId3">
+            <a:extLst>
+              <a:ext uri="{28A0092B-C50C-407E-A947-70E740481C1C}">
+                <a14:useLocalDpi xmlns:a14="http://schemas.microsoft.com/office/drawing/2010/main" val="0"/>
+              </a:ext>
+            </a:extLst>
+          </a:blip>
+          <a:stretch>
+            <a:fillRect/>
+          </a:stretch>
+        </p:blipFill>
+        <p:spPr>
+          <a:xfrm>
+            <a:off x="1023897" y="2472872"/>
+            <a:ext cx="3180397" cy="2423160"/>
+          </a:xfrm>
+          <a:prstGeom prst="rect">
+            <a:avLst/>
+          </a:prstGeom>
+        </p:spPr>
+      </p:pic>
+      <p:sp>
+        <p:nvSpPr>
+          <p:cNvPr id="22" name="TextBox 21">
+            <a:extLst>
+              <a:ext uri="{FF2B5EF4-FFF2-40B4-BE49-F238E27FC236}">
+                <a16:creationId xmlns:a16="http://schemas.microsoft.com/office/drawing/2014/main" id="{CA56A7A5-0F00-B257-3640-6123C222FCE3}"/>
+              </a:ext>
+            </a:extLst>
+          </p:cNvPr>
+          <p:cNvSpPr txBox="1"/>
+          <p:nvPr/>
+        </p:nvSpPr>
+        <p:spPr>
+          <a:xfrm>
+            <a:off x="4494332" y="5056561"/>
+            <a:ext cx="3180397" cy="369332"/>
+          </a:xfrm>
+          <a:prstGeom prst="rect">
+            <a:avLst/>
+          </a:prstGeom>
+          <a:noFill/>
+        </p:spPr>
+        <p:txBody>
+          <a:bodyPr wrap="square" rtlCol="0">
+            <a:spAutoFit/>
+          </a:bodyPr>
+          <a:lstStyle/>
+          <a:p>
+            <a:r>
+              <a:rPr lang="lv-LV" dirty="0"/>
+              <a:t>Ground truth picture</a:t>
+            </a:r>
+            <a:endParaRPr lang="en-US" dirty="0"/>
+          </a:p>
+        </p:txBody>
+      </p:sp>
+    </p:spTree>
+    <p:extLst>
+      <p:ext uri="{BB962C8B-B14F-4D97-AF65-F5344CB8AC3E}">
+        <p14:creationId xmlns:p14="http://schemas.microsoft.com/office/powerpoint/2010/main" val="2455599885"/>
+      </p:ext>
+    </p:extLst>
+  </p:cSld>
+  <p:clrMapOvr>
+    <a:masterClrMapping/>
+  </p:clrMapOvr>
+</p:sld>
+</file>
+
+<file path=ppt/slides/slide17.xml><?xml version="1.0" encoding="utf-8"?>
+<p:sld xmlns:a="http://schemas.openxmlformats.org/drawingml/2006/main" xmlns:r="http://schemas.openxmlformats.org/officeDocument/2006/relationships" xmlns:p="http://schemas.openxmlformats.org/presentationml/2006/main">
+  <p:cSld>
+    <p:bg>
+      <p:bgPr>
+        <a:solidFill>
+          <a:schemeClr val="bg1"/>
+        </a:solidFill>
+        <a:effectLst/>
+      </p:bgPr>
+    </p:bg>
+    <p:spTree>
+      <p:nvGrpSpPr>
+        <p:cNvPr id="1" name=""/>
+        <p:cNvGrpSpPr/>
+        <p:nvPr/>
+      </p:nvGrpSpPr>
+      <p:grpSpPr>
+        <a:xfrm>
+          <a:off x="0" y="0"/>
+          <a:ext cx="0" cy="0"/>
+          <a:chOff x="0" y="0"/>
+          <a:chExt cx="0" cy="0"/>
+        </a:xfrm>
+      </p:grpSpPr>
+      <p:sp useBgFill="1">
+        <p:nvSpPr>
+          <p:cNvPr id="8" name="Rectangle 7">
+            <a:extLst>
+              <a:ext uri="{FF2B5EF4-FFF2-40B4-BE49-F238E27FC236}">
+                <a16:creationId xmlns:a16="http://schemas.microsoft.com/office/drawing/2014/main" id="{CECF0FC6-D57B-48B6-9036-F4FFD91A4B34}"/>
+              </a:ext>
+              <a:ext uri="{C183D7F6-B498-43B3-948B-1728B52AA6E4}">
+                <adec:decorative xmlns:adec="http://schemas.microsoft.com/office/drawing/2017/decorative" val="1"/>
+              </a:ext>
+            </a:extLst>
+          </p:cNvPr>
+          <p:cNvSpPr>
+            <a:spLocks noGrp="1" noRot="1" noChangeAspect="1" noMove="1" noResize="1" noEditPoints="1" noAdjustHandles="1" noChangeArrowheads="1" noChangeShapeType="1" noTextEdit="1"/>
+          </p:cNvSpPr>
+          <p:nvPr>
+            <p:extLst>
+              <p:ext uri="{386F3935-93C4-4BCD-93E2-E3B085C9AB24}">
+                <p16:designElem xmlns:p16="http://schemas.microsoft.com/office/powerpoint/2015/main" val="1"/>
+              </p:ext>
+            </p:extLst>
+          </p:nvPr>
+        </p:nvSpPr>
+        <p:spPr>
+          <a:xfrm>
+            <a:off x="0" y="0"/>
+            <a:ext cx="12186315" cy="6858000"/>
+          </a:xfrm>
+          <a:prstGeom prst="rect">
+            <a:avLst/>
+          </a:prstGeom>
+          <a:ln>
+            <a:noFill/>
+          </a:ln>
+        </p:spPr>
+        <p:style>
+          <a:lnRef idx="2">
+            <a:schemeClr val="accent6">
+              <a:shade val="50000"/>
+            </a:schemeClr>
+          </a:lnRef>
+          <a:fillRef idx="1001">
+            <a:schemeClr val="lt1"/>
+          </a:fillRef>
+          <a:effectRef idx="0">
+            <a:schemeClr val="accent6"/>
+          </a:effectRef>
+          <a:fontRef idx="minor">
+            <a:schemeClr val="lt1"/>
+          </a:fontRef>
+        </p:style>
+        <p:txBody>
+          <a:bodyPr rtlCol="0" anchor="ctr"/>
+          <a:lstStyle/>
+          <a:p>
+            <a:pPr algn="ctr"/>
+            <a:endParaRPr lang="en-US"/>
+          </a:p>
+        </p:txBody>
+      </p:sp>
+      <p:sp>
+        <p:nvSpPr>
+          <p:cNvPr id="2" name="Title 1">
+            <a:extLst>
+              <a:ext uri="{FF2B5EF4-FFF2-40B4-BE49-F238E27FC236}">
+                <a16:creationId xmlns:a16="http://schemas.microsoft.com/office/drawing/2014/main" id="{A28EC666-BF14-C402-439C-0FEAC2D79C24}"/>
+              </a:ext>
+            </a:extLst>
+          </p:cNvPr>
+          <p:cNvSpPr>
+            <a:spLocks noGrp="1"/>
+          </p:cNvSpPr>
+          <p:nvPr>
+            <p:ph type="title"/>
+          </p:nvPr>
+        </p:nvSpPr>
+        <p:spPr>
+          <a:xfrm>
+            <a:off x="990932" y="286603"/>
+            <a:ext cx="6750987" cy="1450757"/>
+          </a:xfrm>
+        </p:spPr>
+        <p:txBody>
+          <a:bodyPr>
+            <a:normAutofit/>
+          </a:bodyPr>
+          <a:lstStyle/>
+          <a:p>
+            <a:r>
+              <a:rPr lang="lv-LV" dirty="0">
+                <a:solidFill>
+                  <a:schemeClr val="accent1"/>
+                </a:solidFill>
+              </a:rPr>
+              <a:t>wie sieht es statistisch auss (eulers rings)</a:t>
+            </a:r>
+            <a:endParaRPr lang="en-US" dirty="0">
+              <a:solidFill>
+                <a:schemeClr val="accent1"/>
+              </a:solidFill>
+            </a:endParaRPr>
+          </a:p>
+        </p:txBody>
+      </p:sp>
+      <p:sp>
+        <p:nvSpPr>
+          <p:cNvPr id="10" name="Rectangle 9">
+            <a:extLst>
+              <a:ext uri="{FF2B5EF4-FFF2-40B4-BE49-F238E27FC236}">
+                <a16:creationId xmlns:a16="http://schemas.microsoft.com/office/drawing/2014/main" id="{717A211C-5863-4303-AC3D-AEBFDF6D6A4C}"/>
+              </a:ext>
+              <a:ext uri="{C183D7F6-B498-43B3-948B-1728B52AA6E4}">
+                <adec:decorative xmlns:adec="http://schemas.microsoft.com/office/drawing/2017/decorative" val="1"/>
+              </a:ext>
+            </a:extLst>
+          </p:cNvPr>
+          <p:cNvSpPr>
+            <a:spLocks noGrp="1" noRot="1" noChangeAspect="1" noMove="1" noResize="1" noEditPoints="1" noAdjustHandles="1" noChangeArrowheads="1" noChangeShapeType="1" noTextEdit="1"/>
+          </p:cNvSpPr>
+          <p:nvPr>
+            <p:extLst>
+              <p:ext uri="{386F3935-93C4-4BCD-93E2-E3B085C9AB24}">
+                <p16:designElem xmlns:p16="http://schemas.microsoft.com/office/powerpoint/2015/main" val="1"/>
+              </p:ext>
+            </p:extLst>
+          </p:nvPr>
+        </p:nvSpPr>
+        <p:spPr>
+          <a:xfrm>
+            <a:off x="8144150" y="-1"/>
+            <a:ext cx="4050791" cy="6857999"/>
+          </a:xfrm>
+          <a:prstGeom prst="rect">
+            <a:avLst/>
+          </a:prstGeom>
+          <a:solidFill>
+            <a:schemeClr val="accent1"/>
+          </a:solidFill>
+          <a:ln>
+            <a:noFill/>
+          </a:ln>
+        </p:spPr>
+        <p:style>
+          <a:lnRef idx="2">
+            <a:schemeClr val="accent1">
+              <a:shade val="50000"/>
+            </a:schemeClr>
+          </a:lnRef>
+          <a:fillRef idx="1">
+            <a:schemeClr val="accent1"/>
+          </a:fillRef>
+          <a:effectRef idx="0">
+            <a:schemeClr val="accent1"/>
+          </a:effectRef>
+          <a:fontRef idx="minor">
+            <a:schemeClr val="lt1"/>
+          </a:fontRef>
+        </p:style>
+      </p:sp>
+      <p:sp>
+        <p:nvSpPr>
+          <p:cNvPr id="12" name="Rectangle 11">
+            <a:extLst>
+              <a:ext uri="{FF2B5EF4-FFF2-40B4-BE49-F238E27FC236}">
+                <a16:creationId xmlns:a16="http://schemas.microsoft.com/office/drawing/2014/main" id="{70FA2369-10B3-4A99-93ED-036A92FD9C47}"/>
+              </a:ext>
+              <a:ext uri="{C183D7F6-B498-43B3-948B-1728B52AA6E4}">
+                <adec:decorative xmlns:adec="http://schemas.microsoft.com/office/drawing/2017/decorative" val="1"/>
+              </a:ext>
+            </a:extLst>
+          </p:cNvPr>
+          <p:cNvSpPr>
+            <a:spLocks noGrp="1" noRot="1" noChangeAspect="1" noMove="1" noResize="1" noEditPoints="1" noAdjustHandles="1" noChangeArrowheads="1" noChangeShapeType="1" noTextEdit="1"/>
+          </p:cNvSpPr>
+          <p:nvPr>
+            <p:extLst>
+              <p:ext uri="{386F3935-93C4-4BCD-93E2-E3B085C9AB24}">
+                <p16:designElem xmlns:p16="http://schemas.microsoft.com/office/powerpoint/2015/main" val="1"/>
+              </p:ext>
+            </p:extLst>
+          </p:nvPr>
+        </p:nvSpPr>
+        <p:spPr>
+          <a:xfrm>
+            <a:off x="0" y="6400800"/>
+            <a:ext cx="12192000" cy="457200"/>
+          </a:xfrm>
+          <a:prstGeom prst="rect">
+            <a:avLst/>
+          </a:prstGeom>
+          <a:solidFill>
+            <a:srgbClr val="262626"/>
+          </a:solidFill>
+          <a:ln>
+            <a:noFill/>
+          </a:ln>
+        </p:spPr>
+        <p:style>
+          <a:lnRef idx="2">
+            <a:schemeClr val="accent1">
+              <a:shade val="50000"/>
+            </a:schemeClr>
+          </a:lnRef>
+          <a:fillRef idx="1">
+            <a:schemeClr val="accent1"/>
+          </a:fillRef>
+          <a:effectRef idx="0">
+            <a:schemeClr val="accent1"/>
+          </a:effectRef>
+          <a:fontRef idx="minor">
+            <a:schemeClr val="lt1"/>
+          </a:fontRef>
+        </p:style>
+      </p:sp>
+      <p:sp>
+        <p:nvSpPr>
+          <p:cNvPr id="4" name="Rectangle 3">
+            <a:extLst>
+              <a:ext uri="{FF2B5EF4-FFF2-40B4-BE49-F238E27FC236}">
+                <a16:creationId xmlns:a16="http://schemas.microsoft.com/office/drawing/2014/main" id="{27B9B9F7-7162-4D19-3DCE-C7169E8915D9}"/>
+              </a:ext>
+            </a:extLst>
+          </p:cNvPr>
+          <p:cNvSpPr/>
+          <p:nvPr/>
+        </p:nvSpPr>
+        <p:spPr>
+          <a:xfrm>
+            <a:off x="1197521" y="2201547"/>
+            <a:ext cx="2783114" cy="1691640"/>
+          </a:xfrm>
+          <a:prstGeom prst="rect">
+            <a:avLst/>
+          </a:prstGeom>
+        </p:spPr>
+        <p:style>
+          <a:lnRef idx="2">
+            <a:schemeClr val="accent1">
+              <a:shade val="50000"/>
+            </a:schemeClr>
+          </a:lnRef>
+          <a:fillRef idx="1">
+            <a:schemeClr val="accent1"/>
+          </a:fillRef>
+          <a:effectRef idx="0">
+            <a:schemeClr val="accent1"/>
+          </a:effectRef>
+          <a:fontRef idx="minor">
+            <a:schemeClr val="lt1"/>
+          </a:fontRef>
+        </p:style>
+        <p:txBody>
+          <a:bodyPr rtlCol="0" anchor="ctr"/>
+          <a:lstStyle/>
+          <a:p>
+            <a:pPr algn="ctr"/>
+            <a:r>
+              <a:rPr lang="lv-LV" dirty="0"/>
+              <a:t>Hier perfect scenario aka ueberlappende eulers rings </a:t>
+            </a:r>
+            <a:endParaRPr lang="en-US" dirty="0"/>
+          </a:p>
+        </p:txBody>
+      </p:sp>
+      <p:sp>
+        <p:nvSpPr>
+          <p:cNvPr id="9" name="Content Placeholder 8">
+            <a:extLst>
+              <a:ext uri="{FF2B5EF4-FFF2-40B4-BE49-F238E27FC236}">
+                <a16:creationId xmlns:a16="http://schemas.microsoft.com/office/drawing/2014/main" id="{E5610B3C-10B2-47BF-CAB1-39069105FF1F}"/>
+              </a:ext>
+            </a:extLst>
+          </p:cNvPr>
+          <p:cNvSpPr>
+            <a:spLocks noGrp="1"/>
+          </p:cNvSpPr>
+          <p:nvPr>
+            <p:ph idx="1"/>
+          </p:nvPr>
+        </p:nvSpPr>
+        <p:spPr>
+          <a:xfrm>
+            <a:off x="1197521" y="4087336"/>
+            <a:ext cx="2783115" cy="1691640"/>
+          </a:xfrm>
+          <a:prstGeom prst="rect">
+            <a:avLst/>
+          </a:prstGeom>
+        </p:spPr>
+        <p:style>
+          <a:lnRef idx="2">
+            <a:schemeClr val="accent1">
+              <a:shade val="50000"/>
+            </a:schemeClr>
+          </a:lnRef>
+          <a:fillRef idx="1">
+            <a:schemeClr val="accent1"/>
+          </a:fillRef>
+          <a:effectRef idx="0">
+            <a:schemeClr val="accent1"/>
+          </a:effectRef>
+          <a:fontRef idx="minor">
+            <a:schemeClr val="lt1"/>
+          </a:fontRef>
+        </p:style>
+        <p:txBody>
+          <a:bodyPr rtlCol="0" anchor="ctr"/>
+          <a:lstStyle/>
+          <a:p>
+            <a:pPr algn="ctr"/>
+            <a:r>
+              <a:rPr lang="lv-LV" dirty="0"/>
+              <a:t>Realistic scenario</a:t>
+            </a:r>
+            <a:endParaRPr lang="en-US" dirty="0"/>
+          </a:p>
+        </p:txBody>
+      </p:sp>
+      <p:sp>
+        <p:nvSpPr>
+          <p:cNvPr id="5" name="Rectangle 4">
+            <a:extLst>
+              <a:ext uri="{FF2B5EF4-FFF2-40B4-BE49-F238E27FC236}">
+                <a16:creationId xmlns:a16="http://schemas.microsoft.com/office/drawing/2014/main" id="{7E061946-6342-8805-195C-0F95A3EC7157}"/>
+              </a:ext>
+            </a:extLst>
+          </p:cNvPr>
+          <p:cNvSpPr/>
+          <p:nvPr/>
+        </p:nvSpPr>
+        <p:spPr>
+          <a:xfrm>
+            <a:off x="4382866" y="2201547"/>
+            <a:ext cx="3359053" cy="1691640"/>
+          </a:xfrm>
+          <a:prstGeom prst="rect">
+            <a:avLst/>
+          </a:prstGeom>
+        </p:spPr>
+        <p:style>
+          <a:lnRef idx="2">
+            <a:schemeClr val="dk1"/>
+          </a:lnRef>
+          <a:fillRef idx="1">
+            <a:schemeClr val="lt1"/>
+          </a:fillRef>
+          <a:effectRef idx="0">
+            <a:schemeClr val="dk1"/>
+          </a:effectRef>
+          <a:fontRef idx="minor">
+            <a:schemeClr val="dk1"/>
+          </a:fontRef>
+        </p:style>
+        <p:txBody>
+          <a:bodyPr rtlCol="0" anchor="ctr"/>
+          <a:lstStyle/>
+          <a:p>
+            <a:r>
+              <a:rPr lang="lv-LV" dirty="0"/>
+              <a:t>FN=0</a:t>
+            </a:r>
+          </a:p>
+          <a:p>
+            <a:r>
+              <a:rPr lang="lv-LV" dirty="0"/>
+              <a:t>FP=0</a:t>
+            </a:r>
+          </a:p>
+          <a:p>
+            <a:r>
+              <a:rPr lang="lv-LV" dirty="0"/>
+              <a:t>DSC= 2TP/2TP = 1</a:t>
+            </a:r>
+          </a:p>
+          <a:p>
+            <a:r>
+              <a:rPr lang="lv-LV" dirty="0"/>
+              <a:t>+ kurzerklaerung wie es zu dsc=0 kommen wurde</a:t>
+            </a:r>
+          </a:p>
+        </p:txBody>
+      </p:sp>
+      <p:sp>
+        <p:nvSpPr>
+          <p:cNvPr id="11" name="Rectangle 10">
+            <a:extLst>
+              <a:ext uri="{FF2B5EF4-FFF2-40B4-BE49-F238E27FC236}">
+                <a16:creationId xmlns:a16="http://schemas.microsoft.com/office/drawing/2014/main" id="{A495DF8A-C915-ECB1-CC4D-91FD8D9C93D0}"/>
+              </a:ext>
+            </a:extLst>
+          </p:cNvPr>
+          <p:cNvSpPr/>
+          <p:nvPr/>
+        </p:nvSpPr>
+        <p:spPr>
+          <a:xfrm>
+            <a:off x="4398248" y="4087336"/>
+            <a:ext cx="3389817" cy="1691640"/>
+          </a:xfrm>
+          <a:prstGeom prst="rect">
+            <a:avLst/>
+          </a:prstGeom>
+        </p:spPr>
+        <p:style>
+          <a:lnRef idx="2">
+            <a:schemeClr val="dk1"/>
+          </a:lnRef>
+          <a:fillRef idx="1">
+            <a:schemeClr val="lt1"/>
+          </a:fillRef>
+          <a:effectRef idx="0">
+            <a:schemeClr val="dk1"/>
+          </a:effectRef>
+          <a:fontRef idx="minor">
+            <a:schemeClr val="dk1"/>
+          </a:fontRef>
+        </p:style>
+        <p:txBody>
+          <a:bodyPr rtlCol="0" anchor="ctr"/>
+          <a:lstStyle/>
+          <a:p>
+            <a:r>
+              <a:rPr lang="lv-LV" dirty="0"/>
+              <a:t>FN&gt;0</a:t>
+            </a:r>
+          </a:p>
+          <a:p>
+            <a:r>
+              <a:rPr lang="lv-LV" dirty="0"/>
+              <a:t>FP&gt;0</a:t>
+            </a:r>
+          </a:p>
+          <a:p>
+            <a:r>
+              <a:rPr lang="lv-LV" dirty="0"/>
+              <a:t>DSC=2TP/(2TP+FN+FP)</a:t>
+            </a:r>
+            <a:endParaRPr lang="en-US" dirty="0"/>
+          </a:p>
+        </p:txBody>
+      </p:sp>
+      <mc:AlternateContent xmlns:mc="http://schemas.openxmlformats.org/markup-compatibility/2006" xmlns:a14="http://schemas.microsoft.com/office/drawing/2010/main">
+        <mc:Choice Requires="a14">
+          <p:sp>
+            <p:nvSpPr>
+              <p:cNvPr id="6" name="Rectangle 5">
+                <a:extLst>
+                  <a:ext uri="{FF2B5EF4-FFF2-40B4-BE49-F238E27FC236}">
+                    <a16:creationId xmlns:a16="http://schemas.microsoft.com/office/drawing/2014/main" id="{3541E0D9-81F4-C159-D81A-284D19FD8988}"/>
+                  </a:ext>
+                </a:extLst>
+              </p:cNvPr>
+              <p:cNvSpPr/>
+              <p:nvPr/>
+            </p:nvSpPr>
+            <p:spPr>
+              <a:xfrm>
+                <a:off x="8433657" y="406400"/>
+                <a:ext cx="3502540" cy="5628640"/>
+              </a:xfrm>
+              <a:prstGeom prst="rect">
+                <a:avLst/>
+              </a:prstGeom>
+            </p:spPr>
+            <p:style>
+              <a:lnRef idx="2">
+                <a:schemeClr val="accent6"/>
+              </a:lnRef>
+              <a:fillRef idx="1">
+                <a:schemeClr val="lt1"/>
+              </a:fillRef>
+              <a:effectRef idx="0">
+                <a:schemeClr val="accent6"/>
+              </a:effectRef>
+              <a:fontRef idx="minor">
+                <a:schemeClr val="dk1"/>
+              </a:fontRef>
+            </p:style>
+            <p:txBody>
+              <a:bodyPr rtlCol="0" anchor="ctr"/>
+              <a:lstStyle/>
+              <a:p>
+                <a:pPr algn="ctr"/>
+                <a14:m>
+                  <m:oMathPara xmlns:m="http://schemas.openxmlformats.org/officeDocument/2006/math">
+                    <m:oMathParaPr>
+                      <m:jc m:val="centerGroup"/>
+                    </m:oMathParaPr>
+                    <m:oMath xmlns:m="http://schemas.openxmlformats.org/officeDocument/2006/math">
+                      <m:r>
+                        <a:rPr lang="lv-LV" sz="1800" i="1" smtClean="0">
+                          <a:effectLst/>
+                          <a:latin typeface="Cambria Math" panose="02040503050406030204" pitchFamily="18" charset="0"/>
+                          <a:ea typeface="Calibri" panose="020F0502020204030204" pitchFamily="34" charset="0"/>
+                          <a:cs typeface="Times New Roman" panose="02020603050405020304" pitchFamily="18" charset="0"/>
+                        </a:rPr>
+                        <m:t>𝐷𝑆𝐶</m:t>
+                      </m:r>
+                      <m:r>
+                        <a:rPr lang="lv-LV" sz="1800" i="1" smtClean="0">
+                          <a:effectLst/>
+                          <a:latin typeface="Cambria Math" panose="02040503050406030204" pitchFamily="18" charset="0"/>
+                          <a:ea typeface="Calibri" panose="020F0502020204030204" pitchFamily="34" charset="0"/>
+                          <a:cs typeface="Times New Roman" panose="02020603050405020304" pitchFamily="18" charset="0"/>
+                        </a:rPr>
+                        <m:t>=</m:t>
+                      </m:r>
+                      <m:f>
+                        <m:fPr>
+                          <m:ctrlPr>
+                            <a:rPr lang="en-US" i="1">
+                              <a:effectLst/>
+                              <a:latin typeface="Cambria Math" panose="02040503050406030204" pitchFamily="18" charset="0"/>
+                            </a:rPr>
+                          </m:ctrlPr>
+                        </m:fPr>
+                        <m:num>
+                          <m:r>
+                            <a:rPr lang="lv-LV" sz="1800" i="1">
+                              <a:effectLst/>
+                              <a:latin typeface="Cambria Math" panose="02040503050406030204" pitchFamily="18" charset="0"/>
+                              <a:ea typeface="Calibri" panose="020F0502020204030204" pitchFamily="34" charset="0"/>
+                              <a:cs typeface="Times New Roman" panose="02020603050405020304" pitchFamily="18" charset="0"/>
+                            </a:rPr>
+                            <m:t>2</m:t>
+                          </m:r>
+                          <m:r>
+                            <a:rPr lang="lv-LV" sz="1800" i="1">
+                              <a:effectLst/>
+                              <a:latin typeface="Cambria Math" panose="02040503050406030204" pitchFamily="18" charset="0"/>
+                              <a:ea typeface="Calibri" panose="020F0502020204030204" pitchFamily="34" charset="0"/>
+                              <a:cs typeface="Times New Roman" panose="02020603050405020304" pitchFamily="18" charset="0"/>
+                            </a:rPr>
+                            <m:t>𝑇𝑃</m:t>
+                          </m:r>
+                        </m:num>
+                        <m:den>
+                          <m:r>
+                            <a:rPr lang="lv-LV" sz="1800" i="1">
+                              <a:effectLst/>
+                              <a:latin typeface="Cambria Math" panose="02040503050406030204" pitchFamily="18" charset="0"/>
+                              <a:ea typeface="Calibri" panose="020F0502020204030204" pitchFamily="34" charset="0"/>
+                              <a:cs typeface="Times New Roman" panose="02020603050405020304" pitchFamily="18" charset="0"/>
+                            </a:rPr>
+                            <m:t>2</m:t>
+                          </m:r>
+                          <m:r>
+                            <a:rPr lang="lv-LV" sz="1800" i="1">
+                              <a:effectLst/>
+                              <a:latin typeface="Cambria Math" panose="02040503050406030204" pitchFamily="18" charset="0"/>
+                              <a:ea typeface="Calibri" panose="020F0502020204030204" pitchFamily="34" charset="0"/>
+                              <a:cs typeface="Times New Roman" panose="02020603050405020304" pitchFamily="18" charset="0"/>
+                            </a:rPr>
+                            <m:t>𝑇𝑃</m:t>
+                          </m:r>
+                          <m:r>
+                            <a:rPr lang="lv-LV" sz="1800" i="1">
+                              <a:effectLst/>
+                              <a:latin typeface="Cambria Math" panose="02040503050406030204" pitchFamily="18" charset="0"/>
+                              <a:ea typeface="Calibri" panose="020F0502020204030204" pitchFamily="34" charset="0"/>
+                              <a:cs typeface="Times New Roman" panose="02020603050405020304" pitchFamily="18" charset="0"/>
+                            </a:rPr>
+                            <m:t>+</m:t>
+                          </m:r>
+                          <m:r>
+                            <a:rPr lang="lv-LV" sz="1800" i="1">
+                              <a:effectLst/>
+                              <a:latin typeface="Cambria Math" panose="02040503050406030204" pitchFamily="18" charset="0"/>
+                              <a:ea typeface="Calibri" panose="020F0502020204030204" pitchFamily="34" charset="0"/>
+                              <a:cs typeface="Times New Roman" panose="02020603050405020304" pitchFamily="18" charset="0"/>
+                            </a:rPr>
+                            <m:t>𝐹𝑃</m:t>
+                          </m:r>
+                          <m:r>
+                            <a:rPr lang="lv-LV" sz="1800" i="1">
+                              <a:effectLst/>
+                              <a:latin typeface="Cambria Math" panose="02040503050406030204" pitchFamily="18" charset="0"/>
+                              <a:ea typeface="Calibri" panose="020F0502020204030204" pitchFamily="34" charset="0"/>
+                              <a:cs typeface="Times New Roman" panose="02020603050405020304" pitchFamily="18" charset="0"/>
+                            </a:rPr>
+                            <m:t>+</m:t>
+                          </m:r>
+                          <m:r>
+                            <a:rPr lang="lv-LV" sz="1800" i="1">
+                              <a:effectLst/>
+                              <a:latin typeface="Cambria Math" panose="02040503050406030204" pitchFamily="18" charset="0"/>
+                              <a:ea typeface="Calibri" panose="020F0502020204030204" pitchFamily="34" charset="0"/>
+                              <a:cs typeface="Times New Roman" panose="02020603050405020304" pitchFamily="18" charset="0"/>
+                            </a:rPr>
+                            <m:t>𝐹𝑁</m:t>
+                          </m:r>
+                        </m:den>
+                      </m:f>
+                    </m:oMath>
+                  </m:oMathPara>
+                </a14:m>
+                <a:endParaRPr lang="lv-LV" dirty="0"/>
+              </a:p>
+              <a:p>
+                <a:pPr algn="ctr"/>
+                <a:endParaRPr lang="lv-LV" dirty="0"/>
+              </a:p>
+              <a:p>
+                <a:pPr lvl="1"/>
+                <a:r>
+                  <a:rPr lang="lv-LV" dirty="0"/>
+                  <a:t>TP = True positives</a:t>
+                </a:r>
+              </a:p>
+              <a:p>
+                <a:pPr lvl="1"/>
+                <a:r>
+                  <a:rPr lang="lv-LV" dirty="0"/>
+                  <a:t>FP = False positives</a:t>
+                </a:r>
+              </a:p>
+              <a:p>
+                <a:pPr lvl="1"/>
+                <a:r>
+                  <a:rPr lang="lv-LV" dirty="0"/>
+                  <a:t>FN = False negatives</a:t>
+                </a:r>
+                <a:endParaRPr lang="en-US" dirty="0"/>
+              </a:p>
+            </p:txBody>
+          </p:sp>
+        </mc:Choice>
+        <mc:Fallback xmlns="">
+          <p:sp>
+            <p:nvSpPr>
+              <p:cNvPr id="6" name="Rectangle 5">
+                <a:extLst>
+                  <a:ext uri="{FF2B5EF4-FFF2-40B4-BE49-F238E27FC236}">
+                    <a16:creationId xmlns:a16="http://schemas.microsoft.com/office/drawing/2014/main" id="{3541E0D9-81F4-C159-D81A-284D19FD8988}"/>
+                  </a:ext>
+                </a:extLst>
+              </p:cNvPr>
+              <p:cNvSpPr>
+                <a:spLocks noRot="1" noChangeAspect="1" noMove="1" noResize="1" noEditPoints="1" noAdjustHandles="1" noChangeArrowheads="1" noChangeShapeType="1" noTextEdit="1"/>
+              </p:cNvSpPr>
+              <p:nvPr/>
+            </p:nvSpPr>
+            <p:spPr>
+              <a:xfrm>
+                <a:off x="8433657" y="406400"/>
+                <a:ext cx="3502540" cy="5628640"/>
+              </a:xfrm>
+              <a:prstGeom prst="rect">
+                <a:avLst/>
+              </a:prstGeom>
+              <a:blipFill>
+                <a:blip r:embed="rId3"/>
+                <a:stretch>
+                  <a:fillRect/>
+                </a:stretch>
+              </a:blipFill>
+            </p:spPr>
+            <p:txBody>
+              <a:bodyPr/>
+              <a:lstStyle/>
+              <a:p>
+                <a:r>
+                  <a:rPr lang="en-US">
+                    <a:noFill/>
+                  </a:rPr>
+                  <a:t> </a:t>
+                </a:r>
+              </a:p>
+            </p:txBody>
+          </p:sp>
+        </mc:Fallback>
+      </mc:AlternateContent>
+    </p:spTree>
+    <p:extLst>
+      <p:ext uri="{BB962C8B-B14F-4D97-AF65-F5344CB8AC3E}">
+        <p14:creationId xmlns:p14="http://schemas.microsoft.com/office/powerpoint/2010/main" val="1773335313"/>
+      </p:ext>
+    </p:extLst>
+  </p:cSld>
+  <p:clrMapOvr>
+    <a:masterClrMapping/>
+  </p:clrMapOvr>
+</p:sld>
+</file>
+
+<file path=ppt/slides/slide18.xml><?xml version="1.0" encoding="utf-8"?>
+<p:sld xmlns:a="http://schemas.openxmlformats.org/drawingml/2006/main" xmlns:r="http://schemas.openxmlformats.org/officeDocument/2006/relationships" xmlns:p="http://schemas.openxmlformats.org/presentationml/2006/main">
+  <p:cSld>
+    <p:spTree>
+      <p:nvGrpSpPr>
+        <p:cNvPr id="1" name=""/>
+        <p:cNvGrpSpPr/>
+        <p:nvPr/>
+      </p:nvGrpSpPr>
+      <p:grpSpPr>
+        <a:xfrm>
+          <a:off x="0" y="0"/>
+          <a:ext cx="0" cy="0"/>
+          <a:chOff x="0" y="0"/>
+          <a:chExt cx="0" cy="0"/>
+        </a:xfrm>
+      </p:grpSpPr>
+      <p:sp>
+        <p:nvSpPr>
+          <p:cNvPr id="2" name="Title 1">
+            <a:extLst>
+              <a:ext uri="{FF2B5EF4-FFF2-40B4-BE49-F238E27FC236}">
+                <a16:creationId xmlns:a16="http://schemas.microsoft.com/office/drawing/2014/main" id="{F39EE45A-E7F2-2B50-00F7-35D80EA7EEFA}"/>
+              </a:ext>
+            </a:extLst>
+          </p:cNvPr>
+          <p:cNvSpPr>
+            <a:spLocks noGrp="1"/>
+          </p:cNvSpPr>
+          <p:nvPr>
+            <p:ph type="title"/>
+          </p:nvPr>
+        </p:nvSpPr>
+        <p:spPr/>
+        <p:txBody>
+          <a:bodyPr/>
+          <a:lstStyle/>
+          <a:p>
+            <a:endParaRPr lang="en-US" dirty="0"/>
+          </a:p>
+        </p:txBody>
+      </p:sp>
+      <p:sp>
+        <p:nvSpPr>
+          <p:cNvPr id="3" name="Content Placeholder 2">
+            <a:extLst>
+              <a:ext uri="{FF2B5EF4-FFF2-40B4-BE49-F238E27FC236}">
+                <a16:creationId xmlns:a16="http://schemas.microsoft.com/office/drawing/2014/main" id="{71D8A4C2-7174-BC7B-4376-3067DEC2A34A}"/>
+              </a:ext>
+            </a:extLst>
+          </p:cNvPr>
+          <p:cNvSpPr>
+            <a:spLocks noGrp="1"/>
+          </p:cNvSpPr>
+          <p:nvPr>
+            <p:ph idx="1"/>
+          </p:nvPr>
+        </p:nvSpPr>
+        <p:spPr/>
+        <p:txBody>
+          <a:bodyPr/>
+          <a:lstStyle/>
+          <a:p>
+            <a:endParaRPr lang="en-US"/>
+          </a:p>
+        </p:txBody>
+      </p:sp>
+    </p:spTree>
+    <p:extLst>
+      <p:ext uri="{BB962C8B-B14F-4D97-AF65-F5344CB8AC3E}">
+        <p14:creationId xmlns:p14="http://schemas.microsoft.com/office/powerpoint/2010/main" val="696644115"/>
+      </p:ext>
+    </p:extLst>
+  </p:cSld>
+  <p:clrMapOvr>
+    <a:masterClrMapping/>
+  </p:clrMapOvr>
+</p:sld>
+</file>
+
+<file path=ppt/slides/slide19.xml><?xml version="1.0" encoding="utf-8"?>
+<p:sld xmlns:a="http://schemas.openxmlformats.org/drawingml/2006/main" xmlns:r="http://schemas.openxmlformats.org/officeDocument/2006/relationships" xmlns:p="http://schemas.openxmlformats.org/presentationml/2006/main">
+  <p:cSld>
     <p:spTree>
       <p:nvGrpSpPr>
         <p:cNvPr id="1" name=""/>
@@ -34726,1384 +36104,6 @@
       <p:bldP spid="21" grpId="2" animBg="1"/>
     </p:bldLst>
   </p:timing>
-</p:sld>
-</file>
-
-<file path=ppt/slides/slide17.xml><?xml version="1.0" encoding="utf-8"?>
-<p:sld xmlns:a="http://schemas.openxmlformats.org/drawingml/2006/main" xmlns:r="http://schemas.openxmlformats.org/officeDocument/2006/relationships" xmlns:p="http://schemas.openxmlformats.org/presentationml/2006/main">
-  <p:cSld>
-    <p:bg>
-      <p:bgPr>
-        <a:solidFill>
-          <a:schemeClr val="bg1"/>
-        </a:solidFill>
-        <a:effectLst/>
-      </p:bgPr>
-    </p:bg>
-    <p:spTree>
-      <p:nvGrpSpPr>
-        <p:cNvPr id="1" name=""/>
-        <p:cNvGrpSpPr/>
-        <p:nvPr/>
-      </p:nvGrpSpPr>
-      <p:grpSpPr>
-        <a:xfrm>
-          <a:off x="0" y="0"/>
-          <a:ext cx="0" cy="0"/>
-          <a:chOff x="0" y="0"/>
-          <a:chExt cx="0" cy="0"/>
-        </a:xfrm>
-      </p:grpSpPr>
-      <p:sp useBgFill="1">
-        <p:nvSpPr>
-          <p:cNvPr id="8" name="Rectangle 7">
-            <a:extLst>
-              <a:ext uri="{FF2B5EF4-FFF2-40B4-BE49-F238E27FC236}">
-                <a16:creationId xmlns:a16="http://schemas.microsoft.com/office/drawing/2014/main" id="{CECF0FC6-D57B-48B6-9036-F4FFD91A4B34}"/>
-              </a:ext>
-              <a:ext uri="{C183D7F6-B498-43B3-948B-1728B52AA6E4}">
-                <adec:decorative xmlns:adec="http://schemas.microsoft.com/office/drawing/2017/decorative" val="1"/>
-              </a:ext>
-            </a:extLst>
-          </p:cNvPr>
-          <p:cNvSpPr>
-            <a:spLocks noGrp="1" noRot="1" noChangeAspect="1" noMove="1" noResize="1" noEditPoints="1" noAdjustHandles="1" noChangeArrowheads="1" noChangeShapeType="1" noTextEdit="1"/>
-          </p:cNvSpPr>
-          <p:nvPr>
-            <p:extLst>
-              <p:ext uri="{386F3935-93C4-4BCD-93E2-E3B085C9AB24}">
-                <p16:designElem xmlns:p16="http://schemas.microsoft.com/office/powerpoint/2015/main" val="1"/>
-              </p:ext>
-            </p:extLst>
-          </p:nvPr>
-        </p:nvSpPr>
-        <p:spPr>
-          <a:xfrm>
-            <a:off x="0" y="0"/>
-            <a:ext cx="12186315" cy="6858000"/>
-          </a:xfrm>
-          <a:prstGeom prst="rect">
-            <a:avLst/>
-          </a:prstGeom>
-          <a:ln>
-            <a:noFill/>
-          </a:ln>
-        </p:spPr>
-        <p:style>
-          <a:lnRef idx="2">
-            <a:schemeClr val="accent6">
-              <a:shade val="50000"/>
-            </a:schemeClr>
-          </a:lnRef>
-          <a:fillRef idx="1001">
-            <a:schemeClr val="lt1"/>
-          </a:fillRef>
-          <a:effectRef idx="0">
-            <a:schemeClr val="accent6"/>
-          </a:effectRef>
-          <a:fontRef idx="minor">
-            <a:schemeClr val="lt1"/>
-          </a:fontRef>
-        </p:style>
-        <p:txBody>
-          <a:bodyPr rtlCol="0" anchor="ctr"/>
-          <a:lstStyle/>
-          <a:p>
-            <a:pPr algn="ctr"/>
-            <a:endParaRPr lang="en-US"/>
-          </a:p>
-        </p:txBody>
-      </p:sp>
-      <p:sp>
-        <p:nvSpPr>
-          <p:cNvPr id="2" name="Title 1">
-            <a:extLst>
-              <a:ext uri="{FF2B5EF4-FFF2-40B4-BE49-F238E27FC236}">
-                <a16:creationId xmlns:a16="http://schemas.microsoft.com/office/drawing/2014/main" id="{0974F90C-CE64-FB4B-2D66-570D0C2D794B}"/>
-              </a:ext>
-            </a:extLst>
-          </p:cNvPr>
-          <p:cNvSpPr>
-            <a:spLocks noGrp="1"/>
-          </p:cNvSpPr>
-          <p:nvPr>
-            <p:ph type="title"/>
-          </p:nvPr>
-        </p:nvSpPr>
-        <p:spPr>
-          <a:xfrm>
-            <a:off x="990932" y="286603"/>
-            <a:ext cx="6750987" cy="1450757"/>
-          </a:xfrm>
-        </p:spPr>
-        <p:txBody>
-          <a:bodyPr>
-            <a:normAutofit/>
-          </a:bodyPr>
-          <a:lstStyle/>
-          <a:p>
-            <a:r>
-              <a:rPr lang="lv-LV" dirty="0">
-                <a:solidFill>
-                  <a:schemeClr val="accent1"/>
-                </a:solidFill>
-              </a:rPr>
-              <a:t>Dice Score Coefficient</a:t>
-            </a:r>
-            <a:endParaRPr lang="de-DE" dirty="0">
-              <a:solidFill>
-                <a:schemeClr val="accent1"/>
-              </a:solidFill>
-            </a:endParaRPr>
-          </a:p>
-        </p:txBody>
-      </p:sp>
-      <p:sp>
-        <p:nvSpPr>
-          <p:cNvPr id="10" name="Rectangle 9">
-            <a:extLst>
-              <a:ext uri="{FF2B5EF4-FFF2-40B4-BE49-F238E27FC236}">
-                <a16:creationId xmlns:a16="http://schemas.microsoft.com/office/drawing/2014/main" id="{717A211C-5863-4303-AC3D-AEBFDF6D6A4C}"/>
-              </a:ext>
-              <a:ext uri="{C183D7F6-B498-43B3-948B-1728B52AA6E4}">
-                <adec:decorative xmlns:adec="http://schemas.microsoft.com/office/drawing/2017/decorative" val="1"/>
-              </a:ext>
-            </a:extLst>
-          </p:cNvPr>
-          <p:cNvSpPr>
-            <a:spLocks noGrp="1" noRot="1" noChangeAspect="1" noMove="1" noResize="1" noEditPoints="1" noAdjustHandles="1" noChangeArrowheads="1" noChangeShapeType="1" noTextEdit="1"/>
-          </p:cNvSpPr>
-          <p:nvPr>
-            <p:extLst>
-              <p:ext uri="{386F3935-93C4-4BCD-93E2-E3B085C9AB24}">
-                <p16:designElem xmlns:p16="http://schemas.microsoft.com/office/powerpoint/2015/main" val="1"/>
-              </p:ext>
-            </p:extLst>
-          </p:nvPr>
-        </p:nvSpPr>
-        <p:spPr>
-          <a:xfrm>
-            <a:off x="8144150" y="-1"/>
-            <a:ext cx="4050791" cy="6857999"/>
-          </a:xfrm>
-          <a:prstGeom prst="rect">
-            <a:avLst/>
-          </a:prstGeom>
-          <a:solidFill>
-            <a:schemeClr val="accent1"/>
-          </a:solidFill>
-          <a:ln>
-            <a:noFill/>
-          </a:ln>
-        </p:spPr>
-        <p:style>
-          <a:lnRef idx="2">
-            <a:schemeClr val="accent1">
-              <a:shade val="50000"/>
-            </a:schemeClr>
-          </a:lnRef>
-          <a:fillRef idx="1">
-            <a:schemeClr val="accent1"/>
-          </a:fillRef>
-          <a:effectRef idx="0">
-            <a:schemeClr val="accent1"/>
-          </a:effectRef>
-          <a:fontRef idx="minor">
-            <a:schemeClr val="lt1"/>
-          </a:fontRef>
-        </p:style>
-      </p:sp>
-      <p:sp>
-        <p:nvSpPr>
-          <p:cNvPr id="12" name="Rectangle 11">
-            <a:extLst>
-              <a:ext uri="{FF2B5EF4-FFF2-40B4-BE49-F238E27FC236}">
-                <a16:creationId xmlns:a16="http://schemas.microsoft.com/office/drawing/2014/main" id="{70FA2369-10B3-4A99-93ED-036A92FD9C47}"/>
-              </a:ext>
-              <a:ext uri="{C183D7F6-B498-43B3-948B-1728B52AA6E4}">
-                <adec:decorative xmlns:adec="http://schemas.microsoft.com/office/drawing/2017/decorative" val="1"/>
-              </a:ext>
-            </a:extLst>
-          </p:cNvPr>
-          <p:cNvSpPr>
-            <a:spLocks noGrp="1" noRot="1" noChangeAspect="1" noMove="1" noResize="1" noEditPoints="1" noAdjustHandles="1" noChangeArrowheads="1" noChangeShapeType="1" noTextEdit="1"/>
-          </p:cNvSpPr>
-          <p:nvPr>
-            <p:extLst>
-              <p:ext uri="{386F3935-93C4-4BCD-93E2-E3B085C9AB24}">
-                <p16:designElem xmlns:p16="http://schemas.microsoft.com/office/powerpoint/2015/main" val="1"/>
-              </p:ext>
-            </p:extLst>
-          </p:nvPr>
-        </p:nvSpPr>
-        <p:spPr>
-          <a:xfrm>
-            <a:off x="0" y="6400800"/>
-            <a:ext cx="12192000" cy="457200"/>
-          </a:xfrm>
-          <a:prstGeom prst="rect">
-            <a:avLst/>
-          </a:prstGeom>
-          <a:solidFill>
-            <a:srgbClr val="262626"/>
-          </a:solidFill>
-          <a:ln>
-            <a:noFill/>
-          </a:ln>
-        </p:spPr>
-        <p:style>
-          <a:lnRef idx="2">
-            <a:schemeClr val="accent1">
-              <a:shade val="50000"/>
-            </a:schemeClr>
-          </a:lnRef>
-          <a:fillRef idx="1">
-            <a:schemeClr val="accent1"/>
-          </a:fillRef>
-          <a:effectRef idx="0">
-            <a:schemeClr val="accent1"/>
-          </a:effectRef>
-          <a:fontRef idx="minor">
-            <a:schemeClr val="lt1"/>
-          </a:fontRef>
-        </p:style>
-      </p:sp>
-      <p:sp>
-        <p:nvSpPr>
-          <p:cNvPr id="5" name="Rectangle 4">
-            <a:extLst>
-              <a:ext uri="{FF2B5EF4-FFF2-40B4-BE49-F238E27FC236}">
-                <a16:creationId xmlns:a16="http://schemas.microsoft.com/office/drawing/2014/main" id="{FB1B1E9B-BF76-46CA-46EA-825F8E9E4019}"/>
-              </a:ext>
-            </a:extLst>
-          </p:cNvPr>
-          <p:cNvSpPr/>
-          <p:nvPr/>
-        </p:nvSpPr>
-        <p:spPr>
-          <a:xfrm>
-            <a:off x="8335140" y="833120"/>
-            <a:ext cx="3608850" cy="4701661"/>
-          </a:xfrm>
-          <a:prstGeom prst="rect">
-            <a:avLst/>
-          </a:prstGeom>
-        </p:spPr>
-        <p:style>
-          <a:lnRef idx="2">
-            <a:schemeClr val="dk1"/>
-          </a:lnRef>
-          <a:fillRef idx="1">
-            <a:schemeClr val="lt1"/>
-          </a:fillRef>
-          <a:effectRef idx="0">
-            <a:schemeClr val="dk1"/>
-          </a:effectRef>
-          <a:fontRef idx="minor">
-            <a:schemeClr val="dk1"/>
-          </a:fontRef>
-        </p:style>
-        <p:txBody>
-          <a:bodyPr rtlCol="0" anchor="ctr"/>
-          <a:lstStyle/>
-          <a:p>
-            <a:pPr algn="ctr"/>
-            <a:r>
-              <a:rPr lang="lv-LV" dirty="0"/>
-              <a:t>Kurzerklaerung was TP, FP usw ist also</a:t>
-            </a:r>
-          </a:p>
-          <a:p>
-            <a:pPr algn="ctr"/>
-            <a:r>
-              <a:rPr lang="lv-LV" dirty="0"/>
-              <a:t>gt = ground truth; pt = post tresholding</a:t>
-            </a:r>
-          </a:p>
-          <a:p>
-            <a:r>
-              <a:rPr lang="lv-LV" dirty="0"/>
-              <a:t>TP : Both pixels white</a:t>
-            </a:r>
-          </a:p>
-          <a:p>
-            <a:r>
-              <a:rPr lang="lv-LV" dirty="0"/>
-              <a:t>FP : gt pixel black, pt pixel white</a:t>
-            </a:r>
-          </a:p>
-          <a:p>
-            <a:r>
-              <a:rPr lang="lv-LV" dirty="0"/>
-              <a:t>TN : both pixels black</a:t>
-            </a:r>
-          </a:p>
-          <a:p>
-            <a:r>
-              <a:rPr lang="lv-LV" dirty="0"/>
-              <a:t>FN : gt pixel white, pt pixel black</a:t>
-            </a:r>
-            <a:endParaRPr lang="en-US" dirty="0"/>
-          </a:p>
-        </p:txBody>
-      </p:sp>
-      <p:sp>
-        <p:nvSpPr>
-          <p:cNvPr id="6" name="TextBox 5">
-            <a:extLst>
-              <a:ext uri="{FF2B5EF4-FFF2-40B4-BE49-F238E27FC236}">
-                <a16:creationId xmlns:a16="http://schemas.microsoft.com/office/drawing/2014/main" id="{27E798AF-A854-2C41-E0E3-342D3454FBA9}"/>
-              </a:ext>
-            </a:extLst>
-          </p:cNvPr>
-          <p:cNvSpPr txBox="1"/>
-          <p:nvPr/>
-        </p:nvSpPr>
-        <p:spPr>
-          <a:xfrm>
-            <a:off x="927389" y="5002084"/>
-            <a:ext cx="3575569" cy="646331"/>
-          </a:xfrm>
-          <a:prstGeom prst="rect">
-            <a:avLst/>
-          </a:prstGeom>
-          <a:noFill/>
-        </p:spPr>
-        <p:txBody>
-          <a:bodyPr wrap="square" rtlCol="0">
-            <a:spAutoFit/>
-          </a:bodyPr>
-          <a:lstStyle/>
-          <a:p>
-            <a:r>
-              <a:rPr lang="lv-LV" dirty="0"/>
-              <a:t>Tresholding using online tool </a:t>
-            </a:r>
-          </a:p>
-          <a:p>
-            <a:r>
-              <a:rPr lang="lv-LV" dirty="0"/>
-              <a:t>(</a:t>
-            </a:r>
-            <a:r>
-              <a:rPr lang="en-US" dirty="0"/>
-              <a:t> </a:t>
-            </a:r>
-            <a:r>
-              <a:rPr lang="lv-LV" dirty="0"/>
-              <a:t>imageonline.co)</a:t>
-            </a:r>
-            <a:endParaRPr lang="en-US" dirty="0"/>
-          </a:p>
-        </p:txBody>
-      </p:sp>
-      <p:pic>
-        <p:nvPicPr>
-          <p:cNvPr id="19" name="Picture 18" descr="Background pattern&#10;&#10;Description automatically generated">
-            <a:extLst>
-              <a:ext uri="{FF2B5EF4-FFF2-40B4-BE49-F238E27FC236}">
-                <a16:creationId xmlns:a16="http://schemas.microsoft.com/office/drawing/2014/main" id="{52B2E21B-275B-BD5E-6FBF-4B8CD180C58D}"/>
-              </a:ext>
-            </a:extLst>
-          </p:cNvPr>
-          <p:cNvPicPr>
-            <a:picLocks noChangeAspect="1"/>
-          </p:cNvPicPr>
-          <p:nvPr/>
-        </p:nvPicPr>
-        <p:blipFill>
-          <a:blip r:embed="rId2">
-            <a:extLst>
-              <a:ext uri="{28A0092B-C50C-407E-A947-70E740481C1C}">
-                <a14:useLocalDpi xmlns:a14="http://schemas.microsoft.com/office/drawing/2010/main" val="0"/>
-              </a:ext>
-            </a:extLst>
-          </a:blip>
-          <a:stretch>
-            <a:fillRect/>
-          </a:stretch>
-        </p:blipFill>
-        <p:spPr>
-          <a:xfrm>
-            <a:off x="4502958" y="2472872"/>
-            <a:ext cx="3180397" cy="2423160"/>
-          </a:xfrm>
-          <a:prstGeom prst="rect">
-            <a:avLst/>
-          </a:prstGeom>
-        </p:spPr>
-      </p:pic>
-      <p:pic>
-        <p:nvPicPr>
-          <p:cNvPr id="21" name="Picture 20" descr="Background pattern&#10;&#10;Description automatically generated">
-            <a:extLst>
-              <a:ext uri="{FF2B5EF4-FFF2-40B4-BE49-F238E27FC236}">
-                <a16:creationId xmlns:a16="http://schemas.microsoft.com/office/drawing/2014/main" id="{D4AEB0C3-95B7-F7E2-D7A2-07DAED27BE3E}"/>
-              </a:ext>
-            </a:extLst>
-          </p:cNvPr>
-          <p:cNvPicPr>
-            <a:picLocks noChangeAspect="1"/>
-          </p:cNvPicPr>
-          <p:nvPr/>
-        </p:nvPicPr>
-        <p:blipFill>
-          <a:blip r:embed="rId3">
-            <a:extLst>
-              <a:ext uri="{28A0092B-C50C-407E-A947-70E740481C1C}">
-                <a14:useLocalDpi xmlns:a14="http://schemas.microsoft.com/office/drawing/2010/main" val="0"/>
-              </a:ext>
-            </a:extLst>
-          </a:blip>
-          <a:stretch>
-            <a:fillRect/>
-          </a:stretch>
-        </p:blipFill>
-        <p:spPr>
-          <a:xfrm>
-            <a:off x="1023897" y="2472872"/>
-            <a:ext cx="3180397" cy="2423160"/>
-          </a:xfrm>
-          <a:prstGeom prst="rect">
-            <a:avLst/>
-          </a:prstGeom>
-        </p:spPr>
-      </p:pic>
-      <p:sp>
-        <p:nvSpPr>
-          <p:cNvPr id="22" name="TextBox 21">
-            <a:extLst>
-              <a:ext uri="{FF2B5EF4-FFF2-40B4-BE49-F238E27FC236}">
-                <a16:creationId xmlns:a16="http://schemas.microsoft.com/office/drawing/2014/main" id="{CA56A7A5-0F00-B257-3640-6123C222FCE3}"/>
-              </a:ext>
-            </a:extLst>
-          </p:cNvPr>
-          <p:cNvSpPr txBox="1"/>
-          <p:nvPr/>
-        </p:nvSpPr>
-        <p:spPr>
-          <a:xfrm>
-            <a:off x="4494332" y="5056561"/>
-            <a:ext cx="3180397" cy="369332"/>
-          </a:xfrm>
-          <a:prstGeom prst="rect">
-            <a:avLst/>
-          </a:prstGeom>
-          <a:noFill/>
-        </p:spPr>
-        <p:txBody>
-          <a:bodyPr wrap="square" rtlCol="0">
-            <a:spAutoFit/>
-          </a:bodyPr>
-          <a:lstStyle/>
-          <a:p>
-            <a:r>
-              <a:rPr lang="lv-LV" dirty="0"/>
-              <a:t>Ground truth picture</a:t>
-            </a:r>
-            <a:endParaRPr lang="en-US" dirty="0"/>
-          </a:p>
-        </p:txBody>
-      </p:sp>
-    </p:spTree>
-    <p:extLst>
-      <p:ext uri="{BB962C8B-B14F-4D97-AF65-F5344CB8AC3E}">
-        <p14:creationId xmlns:p14="http://schemas.microsoft.com/office/powerpoint/2010/main" val="2455599885"/>
-      </p:ext>
-    </p:extLst>
-  </p:cSld>
-  <p:clrMapOvr>
-    <a:masterClrMapping/>
-  </p:clrMapOvr>
-</p:sld>
-</file>
-
-<file path=ppt/slides/slide18.xml><?xml version="1.0" encoding="utf-8"?>
-<p:sld xmlns:a="http://schemas.openxmlformats.org/drawingml/2006/main" xmlns:r="http://schemas.openxmlformats.org/officeDocument/2006/relationships" xmlns:p="http://schemas.openxmlformats.org/presentationml/2006/main">
-  <p:cSld>
-    <p:spTree>
-      <p:nvGrpSpPr>
-        <p:cNvPr id="1" name=""/>
-        <p:cNvGrpSpPr/>
-        <p:nvPr/>
-      </p:nvGrpSpPr>
-      <p:grpSpPr>
-        <a:xfrm>
-          <a:off x="0" y="0"/>
-          <a:ext cx="0" cy="0"/>
-          <a:chOff x="0" y="0"/>
-          <a:chExt cx="0" cy="0"/>
-        </a:xfrm>
-      </p:grpSpPr>
-      <p:sp>
-        <p:nvSpPr>
-          <p:cNvPr id="2" name="Title 1">
-            <a:extLst>
-              <a:ext uri="{FF2B5EF4-FFF2-40B4-BE49-F238E27FC236}">
-                <a16:creationId xmlns:a16="http://schemas.microsoft.com/office/drawing/2014/main" id="{1B25104E-AFD1-C198-F41C-FDB6A9E62CAD}"/>
-              </a:ext>
-            </a:extLst>
-          </p:cNvPr>
-          <p:cNvSpPr>
-            <a:spLocks noGrp="1"/>
-          </p:cNvSpPr>
-          <p:nvPr>
-            <p:ph type="title"/>
-          </p:nvPr>
-        </p:nvSpPr>
-        <p:spPr/>
-        <p:txBody>
-          <a:bodyPr>
-            <a:normAutofit fontScale="90000"/>
-          </a:bodyPr>
-          <a:lstStyle/>
-          <a:p>
-            <a:r>
-              <a:rPr lang="lv-LV" dirty="0"/>
-              <a:t>Eulers rings normal version and dice score #muss noch ueberlegen wie genau ich es mache also in what order</a:t>
-            </a:r>
-            <a:endParaRPr lang="en-US" dirty="0"/>
-          </a:p>
-        </p:txBody>
-      </p:sp>
-      <p:sp>
-        <p:nvSpPr>
-          <p:cNvPr id="3" name="Content Placeholder 2">
-            <a:extLst>
-              <a:ext uri="{FF2B5EF4-FFF2-40B4-BE49-F238E27FC236}">
-                <a16:creationId xmlns:a16="http://schemas.microsoft.com/office/drawing/2014/main" id="{43593FB1-BA55-C54C-FF00-C4BB352C16F0}"/>
-              </a:ext>
-            </a:extLst>
-          </p:cNvPr>
-          <p:cNvSpPr>
-            <a:spLocks noGrp="1"/>
-          </p:cNvSpPr>
-          <p:nvPr>
-            <p:ph idx="1"/>
-          </p:nvPr>
-        </p:nvSpPr>
-        <p:spPr/>
-        <p:txBody>
-          <a:bodyPr/>
-          <a:lstStyle/>
-          <a:p>
-            <a:pPr marL="0" indent="0">
-              <a:buNone/>
-            </a:pPr>
-            <a:endParaRPr lang="en-US" dirty="0"/>
-          </a:p>
-        </p:txBody>
-      </p:sp>
-      <p:sp>
-        <p:nvSpPr>
-          <p:cNvPr id="4" name="Oval 3">
-            <a:extLst>
-              <a:ext uri="{FF2B5EF4-FFF2-40B4-BE49-F238E27FC236}">
-                <a16:creationId xmlns:a16="http://schemas.microsoft.com/office/drawing/2014/main" id="{C820744B-0CC5-18A1-DD73-908B806441FD}"/>
-              </a:ext>
-            </a:extLst>
-          </p:cNvPr>
-          <p:cNvSpPr/>
-          <p:nvPr/>
-        </p:nvSpPr>
-        <p:spPr>
-          <a:xfrm>
-            <a:off x="2905760" y="2159845"/>
-            <a:ext cx="3657600" cy="3657600"/>
-          </a:xfrm>
-          <a:prstGeom prst="ellipse">
-            <a:avLst/>
-          </a:prstGeom>
-          <a:noFill/>
-        </p:spPr>
-        <p:style>
-          <a:lnRef idx="2">
-            <a:schemeClr val="dk1"/>
-          </a:lnRef>
-          <a:fillRef idx="1">
-            <a:schemeClr val="lt1"/>
-          </a:fillRef>
-          <a:effectRef idx="0">
-            <a:schemeClr val="dk1"/>
-          </a:effectRef>
-          <a:fontRef idx="minor">
-            <a:schemeClr val="dk1"/>
-          </a:fontRef>
-        </p:style>
-        <p:txBody>
-          <a:bodyPr rtlCol="0" anchor="ctr"/>
-          <a:lstStyle/>
-          <a:p>
-            <a:pPr algn="ctr"/>
-            <a:endParaRPr lang="en-US"/>
-          </a:p>
-        </p:txBody>
-      </p:sp>
-      <p:sp>
-        <p:nvSpPr>
-          <p:cNvPr id="6" name="Oval 5">
-            <a:extLst>
-              <a:ext uri="{FF2B5EF4-FFF2-40B4-BE49-F238E27FC236}">
-                <a16:creationId xmlns:a16="http://schemas.microsoft.com/office/drawing/2014/main" id="{7458756F-BEF0-7FA2-3EBB-0169F1411108}"/>
-              </a:ext>
-            </a:extLst>
-          </p:cNvPr>
-          <p:cNvSpPr/>
-          <p:nvPr/>
-        </p:nvSpPr>
-        <p:spPr>
-          <a:xfrm>
-            <a:off x="4947920" y="2108200"/>
-            <a:ext cx="3738880" cy="3709245"/>
-          </a:xfrm>
-          <a:prstGeom prst="ellipse">
-            <a:avLst/>
-          </a:prstGeom>
-          <a:noFill/>
-        </p:spPr>
-        <p:style>
-          <a:lnRef idx="2">
-            <a:schemeClr val="dk1"/>
-          </a:lnRef>
-          <a:fillRef idx="1">
-            <a:schemeClr val="lt1"/>
-          </a:fillRef>
-          <a:effectRef idx="0">
-            <a:schemeClr val="dk1"/>
-          </a:effectRef>
-          <a:fontRef idx="minor">
-            <a:schemeClr val="dk1"/>
-          </a:fontRef>
-        </p:style>
-        <p:txBody>
-          <a:bodyPr rtlCol="0" anchor="ctr"/>
-          <a:lstStyle/>
-          <a:p>
-            <a:pPr algn="ctr"/>
-            <a:endParaRPr lang="en-US"/>
-          </a:p>
-        </p:txBody>
-      </p:sp>
-    </p:spTree>
-    <p:extLst>
-      <p:ext uri="{BB962C8B-B14F-4D97-AF65-F5344CB8AC3E}">
-        <p14:creationId xmlns:p14="http://schemas.microsoft.com/office/powerpoint/2010/main" val="3705265101"/>
-      </p:ext>
-    </p:extLst>
-  </p:cSld>
-  <p:clrMapOvr>
-    <a:masterClrMapping/>
-  </p:clrMapOvr>
-</p:sld>
-</file>
-
-<file path=ppt/slides/slide19.xml><?xml version="1.0" encoding="utf-8"?>
-<p:sld xmlns:a="http://schemas.openxmlformats.org/drawingml/2006/main" xmlns:r="http://schemas.openxmlformats.org/officeDocument/2006/relationships" xmlns:p="http://schemas.openxmlformats.org/presentationml/2006/main">
-  <p:cSld>
-    <p:bg>
-      <p:bgPr>
-        <a:solidFill>
-          <a:schemeClr val="bg1"/>
-        </a:solidFill>
-        <a:effectLst/>
-      </p:bgPr>
-    </p:bg>
-    <p:spTree>
-      <p:nvGrpSpPr>
-        <p:cNvPr id="1" name=""/>
-        <p:cNvGrpSpPr/>
-        <p:nvPr/>
-      </p:nvGrpSpPr>
-      <p:grpSpPr>
-        <a:xfrm>
-          <a:off x="0" y="0"/>
-          <a:ext cx="0" cy="0"/>
-          <a:chOff x="0" y="0"/>
-          <a:chExt cx="0" cy="0"/>
-        </a:xfrm>
-      </p:grpSpPr>
-      <p:sp useBgFill="1">
-        <p:nvSpPr>
-          <p:cNvPr id="8" name="Rectangle 7">
-            <a:extLst>
-              <a:ext uri="{FF2B5EF4-FFF2-40B4-BE49-F238E27FC236}">
-                <a16:creationId xmlns:a16="http://schemas.microsoft.com/office/drawing/2014/main" id="{CECF0FC6-D57B-48B6-9036-F4FFD91A4B34}"/>
-              </a:ext>
-              <a:ext uri="{C183D7F6-B498-43B3-948B-1728B52AA6E4}">
-                <adec:decorative xmlns:adec="http://schemas.microsoft.com/office/drawing/2017/decorative" val="1"/>
-              </a:ext>
-            </a:extLst>
-          </p:cNvPr>
-          <p:cNvSpPr>
-            <a:spLocks noGrp="1" noRot="1" noChangeAspect="1" noMove="1" noResize="1" noEditPoints="1" noAdjustHandles="1" noChangeArrowheads="1" noChangeShapeType="1" noTextEdit="1"/>
-          </p:cNvSpPr>
-          <p:nvPr>
-            <p:extLst>
-              <p:ext uri="{386F3935-93C4-4BCD-93E2-E3B085C9AB24}">
-                <p16:designElem xmlns:p16="http://schemas.microsoft.com/office/powerpoint/2015/main" val="1"/>
-              </p:ext>
-            </p:extLst>
-          </p:nvPr>
-        </p:nvSpPr>
-        <p:spPr>
-          <a:xfrm>
-            <a:off x="0" y="0"/>
-            <a:ext cx="12186315" cy="6858000"/>
-          </a:xfrm>
-          <a:prstGeom prst="rect">
-            <a:avLst/>
-          </a:prstGeom>
-          <a:ln>
-            <a:noFill/>
-          </a:ln>
-        </p:spPr>
-        <p:style>
-          <a:lnRef idx="2">
-            <a:schemeClr val="accent6">
-              <a:shade val="50000"/>
-            </a:schemeClr>
-          </a:lnRef>
-          <a:fillRef idx="1001">
-            <a:schemeClr val="lt1"/>
-          </a:fillRef>
-          <a:effectRef idx="0">
-            <a:schemeClr val="accent6"/>
-          </a:effectRef>
-          <a:fontRef idx="minor">
-            <a:schemeClr val="lt1"/>
-          </a:fontRef>
-        </p:style>
-        <p:txBody>
-          <a:bodyPr rtlCol="0" anchor="ctr"/>
-          <a:lstStyle/>
-          <a:p>
-            <a:pPr algn="ctr"/>
-            <a:endParaRPr lang="en-US"/>
-          </a:p>
-        </p:txBody>
-      </p:sp>
-      <p:sp>
-        <p:nvSpPr>
-          <p:cNvPr id="2" name="Title 1">
-            <a:extLst>
-              <a:ext uri="{FF2B5EF4-FFF2-40B4-BE49-F238E27FC236}">
-                <a16:creationId xmlns:a16="http://schemas.microsoft.com/office/drawing/2014/main" id="{A28EC666-BF14-C402-439C-0FEAC2D79C24}"/>
-              </a:ext>
-            </a:extLst>
-          </p:cNvPr>
-          <p:cNvSpPr>
-            <a:spLocks noGrp="1"/>
-          </p:cNvSpPr>
-          <p:nvPr>
-            <p:ph type="title"/>
-          </p:nvPr>
-        </p:nvSpPr>
-        <p:spPr>
-          <a:xfrm>
-            <a:off x="990932" y="286603"/>
-            <a:ext cx="6750987" cy="1450757"/>
-          </a:xfrm>
-        </p:spPr>
-        <p:txBody>
-          <a:bodyPr>
-            <a:normAutofit/>
-          </a:bodyPr>
-          <a:lstStyle/>
-          <a:p>
-            <a:r>
-              <a:rPr lang="lv-LV" dirty="0">
-                <a:solidFill>
-                  <a:schemeClr val="accent1"/>
-                </a:solidFill>
-              </a:rPr>
-              <a:t>wie sieht es statistisch auss (eulers rings)</a:t>
-            </a:r>
-            <a:endParaRPr lang="en-US" dirty="0">
-              <a:solidFill>
-                <a:schemeClr val="accent1"/>
-              </a:solidFill>
-            </a:endParaRPr>
-          </a:p>
-        </p:txBody>
-      </p:sp>
-      <p:sp>
-        <p:nvSpPr>
-          <p:cNvPr id="10" name="Rectangle 9">
-            <a:extLst>
-              <a:ext uri="{FF2B5EF4-FFF2-40B4-BE49-F238E27FC236}">
-                <a16:creationId xmlns:a16="http://schemas.microsoft.com/office/drawing/2014/main" id="{717A211C-5863-4303-AC3D-AEBFDF6D6A4C}"/>
-              </a:ext>
-              <a:ext uri="{C183D7F6-B498-43B3-948B-1728B52AA6E4}">
-                <adec:decorative xmlns:adec="http://schemas.microsoft.com/office/drawing/2017/decorative" val="1"/>
-              </a:ext>
-            </a:extLst>
-          </p:cNvPr>
-          <p:cNvSpPr>
-            <a:spLocks noGrp="1" noRot="1" noChangeAspect="1" noMove="1" noResize="1" noEditPoints="1" noAdjustHandles="1" noChangeArrowheads="1" noChangeShapeType="1" noTextEdit="1"/>
-          </p:cNvSpPr>
-          <p:nvPr>
-            <p:extLst>
-              <p:ext uri="{386F3935-93C4-4BCD-93E2-E3B085C9AB24}">
-                <p16:designElem xmlns:p16="http://schemas.microsoft.com/office/powerpoint/2015/main" val="1"/>
-              </p:ext>
-            </p:extLst>
-          </p:nvPr>
-        </p:nvSpPr>
-        <p:spPr>
-          <a:xfrm>
-            <a:off x="8144150" y="-1"/>
-            <a:ext cx="4050791" cy="6857999"/>
-          </a:xfrm>
-          <a:prstGeom prst="rect">
-            <a:avLst/>
-          </a:prstGeom>
-          <a:solidFill>
-            <a:schemeClr val="accent1"/>
-          </a:solidFill>
-          <a:ln>
-            <a:noFill/>
-          </a:ln>
-        </p:spPr>
-        <p:style>
-          <a:lnRef idx="2">
-            <a:schemeClr val="accent1">
-              <a:shade val="50000"/>
-            </a:schemeClr>
-          </a:lnRef>
-          <a:fillRef idx="1">
-            <a:schemeClr val="accent1"/>
-          </a:fillRef>
-          <a:effectRef idx="0">
-            <a:schemeClr val="accent1"/>
-          </a:effectRef>
-          <a:fontRef idx="minor">
-            <a:schemeClr val="lt1"/>
-          </a:fontRef>
-        </p:style>
-      </p:sp>
-      <p:sp>
-        <p:nvSpPr>
-          <p:cNvPr id="12" name="Rectangle 11">
-            <a:extLst>
-              <a:ext uri="{FF2B5EF4-FFF2-40B4-BE49-F238E27FC236}">
-                <a16:creationId xmlns:a16="http://schemas.microsoft.com/office/drawing/2014/main" id="{70FA2369-10B3-4A99-93ED-036A92FD9C47}"/>
-              </a:ext>
-              <a:ext uri="{C183D7F6-B498-43B3-948B-1728B52AA6E4}">
-                <adec:decorative xmlns:adec="http://schemas.microsoft.com/office/drawing/2017/decorative" val="1"/>
-              </a:ext>
-            </a:extLst>
-          </p:cNvPr>
-          <p:cNvSpPr>
-            <a:spLocks noGrp="1" noRot="1" noChangeAspect="1" noMove="1" noResize="1" noEditPoints="1" noAdjustHandles="1" noChangeArrowheads="1" noChangeShapeType="1" noTextEdit="1"/>
-          </p:cNvSpPr>
-          <p:nvPr>
-            <p:extLst>
-              <p:ext uri="{386F3935-93C4-4BCD-93E2-E3B085C9AB24}">
-                <p16:designElem xmlns:p16="http://schemas.microsoft.com/office/powerpoint/2015/main" val="1"/>
-              </p:ext>
-            </p:extLst>
-          </p:nvPr>
-        </p:nvSpPr>
-        <p:spPr>
-          <a:xfrm>
-            <a:off x="0" y="6400800"/>
-            <a:ext cx="12192000" cy="457200"/>
-          </a:xfrm>
-          <a:prstGeom prst="rect">
-            <a:avLst/>
-          </a:prstGeom>
-          <a:solidFill>
-            <a:srgbClr val="262626"/>
-          </a:solidFill>
-          <a:ln>
-            <a:noFill/>
-          </a:ln>
-        </p:spPr>
-        <p:style>
-          <a:lnRef idx="2">
-            <a:schemeClr val="accent1">
-              <a:shade val="50000"/>
-            </a:schemeClr>
-          </a:lnRef>
-          <a:fillRef idx="1">
-            <a:schemeClr val="accent1"/>
-          </a:fillRef>
-          <a:effectRef idx="0">
-            <a:schemeClr val="accent1"/>
-          </a:effectRef>
-          <a:fontRef idx="minor">
-            <a:schemeClr val="lt1"/>
-          </a:fontRef>
-        </p:style>
-      </p:sp>
-      <p:sp>
-        <p:nvSpPr>
-          <p:cNvPr id="4" name="Rectangle 3">
-            <a:extLst>
-              <a:ext uri="{FF2B5EF4-FFF2-40B4-BE49-F238E27FC236}">
-                <a16:creationId xmlns:a16="http://schemas.microsoft.com/office/drawing/2014/main" id="{27B9B9F7-7162-4D19-3DCE-C7169E8915D9}"/>
-              </a:ext>
-            </a:extLst>
-          </p:cNvPr>
-          <p:cNvSpPr/>
-          <p:nvPr/>
-        </p:nvSpPr>
-        <p:spPr>
-          <a:xfrm>
-            <a:off x="1197521" y="2201547"/>
-            <a:ext cx="2783114" cy="1691640"/>
-          </a:xfrm>
-          <a:prstGeom prst="rect">
-            <a:avLst/>
-          </a:prstGeom>
-        </p:spPr>
-        <p:style>
-          <a:lnRef idx="2">
-            <a:schemeClr val="accent1">
-              <a:shade val="50000"/>
-            </a:schemeClr>
-          </a:lnRef>
-          <a:fillRef idx="1">
-            <a:schemeClr val="accent1"/>
-          </a:fillRef>
-          <a:effectRef idx="0">
-            <a:schemeClr val="accent1"/>
-          </a:effectRef>
-          <a:fontRef idx="minor">
-            <a:schemeClr val="lt1"/>
-          </a:fontRef>
-        </p:style>
-        <p:txBody>
-          <a:bodyPr rtlCol="0" anchor="ctr"/>
-          <a:lstStyle/>
-          <a:p>
-            <a:pPr algn="ctr"/>
-            <a:r>
-              <a:rPr lang="lv-LV" dirty="0"/>
-              <a:t>Hier perfect scenario aka ueberlappende eulers rings </a:t>
-            </a:r>
-            <a:endParaRPr lang="en-US" dirty="0"/>
-          </a:p>
-        </p:txBody>
-      </p:sp>
-      <p:sp>
-        <p:nvSpPr>
-          <p:cNvPr id="9" name="Content Placeholder 8">
-            <a:extLst>
-              <a:ext uri="{FF2B5EF4-FFF2-40B4-BE49-F238E27FC236}">
-                <a16:creationId xmlns:a16="http://schemas.microsoft.com/office/drawing/2014/main" id="{E5610B3C-10B2-47BF-CAB1-39069105FF1F}"/>
-              </a:ext>
-            </a:extLst>
-          </p:cNvPr>
-          <p:cNvSpPr>
-            <a:spLocks noGrp="1"/>
-          </p:cNvSpPr>
-          <p:nvPr>
-            <p:ph idx="1"/>
-          </p:nvPr>
-        </p:nvSpPr>
-        <p:spPr>
-          <a:xfrm>
-            <a:off x="1197521" y="4087336"/>
-            <a:ext cx="2783115" cy="1691640"/>
-          </a:xfrm>
-          <a:prstGeom prst="rect">
-            <a:avLst/>
-          </a:prstGeom>
-        </p:spPr>
-        <p:style>
-          <a:lnRef idx="2">
-            <a:schemeClr val="accent1">
-              <a:shade val="50000"/>
-            </a:schemeClr>
-          </a:lnRef>
-          <a:fillRef idx="1">
-            <a:schemeClr val="accent1"/>
-          </a:fillRef>
-          <a:effectRef idx="0">
-            <a:schemeClr val="accent1"/>
-          </a:effectRef>
-          <a:fontRef idx="minor">
-            <a:schemeClr val="lt1"/>
-          </a:fontRef>
-        </p:style>
-        <p:txBody>
-          <a:bodyPr rtlCol="0" anchor="ctr"/>
-          <a:lstStyle/>
-          <a:p>
-            <a:pPr algn="ctr"/>
-            <a:r>
-              <a:rPr lang="lv-LV" dirty="0"/>
-              <a:t>Realistic scenario</a:t>
-            </a:r>
-            <a:endParaRPr lang="en-US" dirty="0"/>
-          </a:p>
-        </p:txBody>
-      </p:sp>
-      <p:sp>
-        <p:nvSpPr>
-          <p:cNvPr id="5" name="Rectangle 4">
-            <a:extLst>
-              <a:ext uri="{FF2B5EF4-FFF2-40B4-BE49-F238E27FC236}">
-                <a16:creationId xmlns:a16="http://schemas.microsoft.com/office/drawing/2014/main" id="{7E061946-6342-8805-195C-0F95A3EC7157}"/>
-              </a:ext>
-            </a:extLst>
-          </p:cNvPr>
-          <p:cNvSpPr/>
-          <p:nvPr/>
-        </p:nvSpPr>
-        <p:spPr>
-          <a:xfrm>
-            <a:off x="4382866" y="2201547"/>
-            <a:ext cx="3359053" cy="1691640"/>
-          </a:xfrm>
-          <a:prstGeom prst="rect">
-            <a:avLst/>
-          </a:prstGeom>
-        </p:spPr>
-        <p:style>
-          <a:lnRef idx="2">
-            <a:schemeClr val="dk1"/>
-          </a:lnRef>
-          <a:fillRef idx="1">
-            <a:schemeClr val="lt1"/>
-          </a:fillRef>
-          <a:effectRef idx="0">
-            <a:schemeClr val="dk1"/>
-          </a:effectRef>
-          <a:fontRef idx="minor">
-            <a:schemeClr val="dk1"/>
-          </a:fontRef>
-        </p:style>
-        <p:txBody>
-          <a:bodyPr rtlCol="0" anchor="ctr"/>
-          <a:lstStyle/>
-          <a:p>
-            <a:r>
-              <a:rPr lang="lv-LV" dirty="0"/>
-              <a:t>FN=0</a:t>
-            </a:r>
-          </a:p>
-          <a:p>
-            <a:r>
-              <a:rPr lang="lv-LV" dirty="0"/>
-              <a:t>FP=0</a:t>
-            </a:r>
-          </a:p>
-          <a:p>
-            <a:r>
-              <a:rPr lang="lv-LV" dirty="0"/>
-              <a:t>DSC= 2TP/2TP = 1</a:t>
-            </a:r>
-          </a:p>
-          <a:p>
-            <a:r>
-              <a:rPr lang="lv-LV" dirty="0"/>
-              <a:t>+ kurzerklaerung wie es zu dsc=0 kommen wurde</a:t>
-            </a:r>
-          </a:p>
-        </p:txBody>
-      </p:sp>
-      <p:sp>
-        <p:nvSpPr>
-          <p:cNvPr id="11" name="Rectangle 10">
-            <a:extLst>
-              <a:ext uri="{FF2B5EF4-FFF2-40B4-BE49-F238E27FC236}">
-                <a16:creationId xmlns:a16="http://schemas.microsoft.com/office/drawing/2014/main" id="{A495DF8A-C915-ECB1-CC4D-91FD8D9C93D0}"/>
-              </a:ext>
-            </a:extLst>
-          </p:cNvPr>
-          <p:cNvSpPr/>
-          <p:nvPr/>
-        </p:nvSpPr>
-        <p:spPr>
-          <a:xfrm>
-            <a:off x="4398248" y="4087336"/>
-            <a:ext cx="3389817" cy="1691640"/>
-          </a:xfrm>
-          <a:prstGeom prst="rect">
-            <a:avLst/>
-          </a:prstGeom>
-        </p:spPr>
-        <p:style>
-          <a:lnRef idx="2">
-            <a:schemeClr val="dk1"/>
-          </a:lnRef>
-          <a:fillRef idx="1">
-            <a:schemeClr val="lt1"/>
-          </a:fillRef>
-          <a:effectRef idx="0">
-            <a:schemeClr val="dk1"/>
-          </a:effectRef>
-          <a:fontRef idx="minor">
-            <a:schemeClr val="dk1"/>
-          </a:fontRef>
-        </p:style>
-        <p:txBody>
-          <a:bodyPr rtlCol="0" anchor="ctr"/>
-          <a:lstStyle/>
-          <a:p>
-            <a:r>
-              <a:rPr lang="lv-LV" dirty="0"/>
-              <a:t>FN&gt;0</a:t>
-            </a:r>
-          </a:p>
-          <a:p>
-            <a:r>
-              <a:rPr lang="lv-LV" dirty="0"/>
-              <a:t>FP&gt;0</a:t>
-            </a:r>
-          </a:p>
-          <a:p>
-            <a:r>
-              <a:rPr lang="lv-LV" dirty="0"/>
-              <a:t>DSC=2TP/(2TP+FN+FP)</a:t>
-            </a:r>
-            <a:endParaRPr lang="en-US" dirty="0"/>
-          </a:p>
-        </p:txBody>
-      </p:sp>
-      <mc:AlternateContent xmlns:mc="http://schemas.openxmlformats.org/markup-compatibility/2006" xmlns:a14="http://schemas.microsoft.com/office/drawing/2010/main">
-        <mc:Choice Requires="a14">
-          <p:sp>
-            <p:nvSpPr>
-              <p:cNvPr id="6" name="Rectangle 5">
-                <a:extLst>
-                  <a:ext uri="{FF2B5EF4-FFF2-40B4-BE49-F238E27FC236}">
-                    <a16:creationId xmlns:a16="http://schemas.microsoft.com/office/drawing/2014/main" id="{3541E0D9-81F4-C159-D81A-284D19FD8988}"/>
-                  </a:ext>
-                </a:extLst>
-              </p:cNvPr>
-              <p:cNvSpPr/>
-              <p:nvPr/>
-            </p:nvSpPr>
-            <p:spPr>
-              <a:xfrm>
-                <a:off x="8433657" y="406400"/>
-                <a:ext cx="3502540" cy="5628640"/>
-              </a:xfrm>
-              <a:prstGeom prst="rect">
-                <a:avLst/>
-              </a:prstGeom>
-            </p:spPr>
-            <p:style>
-              <a:lnRef idx="2">
-                <a:schemeClr val="accent6"/>
-              </a:lnRef>
-              <a:fillRef idx="1">
-                <a:schemeClr val="lt1"/>
-              </a:fillRef>
-              <a:effectRef idx="0">
-                <a:schemeClr val="accent6"/>
-              </a:effectRef>
-              <a:fontRef idx="minor">
-                <a:schemeClr val="dk1"/>
-              </a:fontRef>
-            </p:style>
-            <p:txBody>
-              <a:bodyPr rtlCol="0" anchor="ctr"/>
-              <a:lstStyle/>
-              <a:p>
-                <a:pPr algn="ctr"/>
-                <a14:m>
-                  <m:oMathPara xmlns:m="http://schemas.openxmlformats.org/officeDocument/2006/math">
-                    <m:oMathParaPr>
-                      <m:jc m:val="centerGroup"/>
-                    </m:oMathParaPr>
-                    <m:oMath xmlns:m="http://schemas.openxmlformats.org/officeDocument/2006/math">
-                      <m:r>
-                        <a:rPr lang="lv-LV" sz="1800" i="1" smtClean="0">
-                          <a:effectLst/>
-                          <a:latin typeface="Cambria Math" panose="02040503050406030204" pitchFamily="18" charset="0"/>
-                          <a:ea typeface="Calibri" panose="020F0502020204030204" pitchFamily="34" charset="0"/>
-                          <a:cs typeface="Times New Roman" panose="02020603050405020304" pitchFamily="18" charset="0"/>
-                        </a:rPr>
-                        <m:t>𝐷𝑆𝐶</m:t>
-                      </m:r>
-                      <m:r>
-                        <a:rPr lang="lv-LV" sz="1800" i="1" smtClean="0">
-                          <a:effectLst/>
-                          <a:latin typeface="Cambria Math" panose="02040503050406030204" pitchFamily="18" charset="0"/>
-                          <a:ea typeface="Calibri" panose="020F0502020204030204" pitchFamily="34" charset="0"/>
-                          <a:cs typeface="Times New Roman" panose="02020603050405020304" pitchFamily="18" charset="0"/>
-                        </a:rPr>
-                        <m:t>=</m:t>
-                      </m:r>
-                      <m:f>
-                        <m:fPr>
-                          <m:ctrlPr>
-                            <a:rPr lang="en-US" i="1">
-                              <a:effectLst/>
-                              <a:latin typeface="Cambria Math" panose="02040503050406030204" pitchFamily="18" charset="0"/>
-                            </a:rPr>
-                          </m:ctrlPr>
-                        </m:fPr>
-                        <m:num>
-                          <m:r>
-                            <a:rPr lang="lv-LV" sz="1800" i="1">
-                              <a:effectLst/>
-                              <a:latin typeface="Cambria Math" panose="02040503050406030204" pitchFamily="18" charset="0"/>
-                              <a:ea typeface="Calibri" panose="020F0502020204030204" pitchFamily="34" charset="0"/>
-                              <a:cs typeface="Times New Roman" panose="02020603050405020304" pitchFamily="18" charset="0"/>
-                            </a:rPr>
-                            <m:t>2</m:t>
-                          </m:r>
-                          <m:r>
-                            <a:rPr lang="lv-LV" sz="1800" i="1">
-                              <a:effectLst/>
-                              <a:latin typeface="Cambria Math" panose="02040503050406030204" pitchFamily="18" charset="0"/>
-                              <a:ea typeface="Calibri" panose="020F0502020204030204" pitchFamily="34" charset="0"/>
-                              <a:cs typeface="Times New Roman" panose="02020603050405020304" pitchFamily="18" charset="0"/>
-                            </a:rPr>
-                            <m:t>𝑇𝑃</m:t>
-                          </m:r>
-                        </m:num>
-                        <m:den>
-                          <m:r>
-                            <a:rPr lang="lv-LV" sz="1800" i="1">
-                              <a:effectLst/>
-                              <a:latin typeface="Cambria Math" panose="02040503050406030204" pitchFamily="18" charset="0"/>
-                              <a:ea typeface="Calibri" panose="020F0502020204030204" pitchFamily="34" charset="0"/>
-                              <a:cs typeface="Times New Roman" panose="02020603050405020304" pitchFamily="18" charset="0"/>
-                            </a:rPr>
-                            <m:t>2</m:t>
-                          </m:r>
-                          <m:r>
-                            <a:rPr lang="lv-LV" sz="1800" i="1">
-                              <a:effectLst/>
-                              <a:latin typeface="Cambria Math" panose="02040503050406030204" pitchFamily="18" charset="0"/>
-                              <a:ea typeface="Calibri" panose="020F0502020204030204" pitchFamily="34" charset="0"/>
-                              <a:cs typeface="Times New Roman" panose="02020603050405020304" pitchFamily="18" charset="0"/>
-                            </a:rPr>
-                            <m:t>𝑇𝑃</m:t>
-                          </m:r>
-                          <m:r>
-                            <a:rPr lang="lv-LV" sz="1800" i="1">
-                              <a:effectLst/>
-                              <a:latin typeface="Cambria Math" panose="02040503050406030204" pitchFamily="18" charset="0"/>
-                              <a:ea typeface="Calibri" panose="020F0502020204030204" pitchFamily="34" charset="0"/>
-                              <a:cs typeface="Times New Roman" panose="02020603050405020304" pitchFamily="18" charset="0"/>
-                            </a:rPr>
-                            <m:t>+</m:t>
-                          </m:r>
-                          <m:r>
-                            <a:rPr lang="lv-LV" sz="1800" i="1">
-                              <a:effectLst/>
-                              <a:latin typeface="Cambria Math" panose="02040503050406030204" pitchFamily="18" charset="0"/>
-                              <a:ea typeface="Calibri" panose="020F0502020204030204" pitchFamily="34" charset="0"/>
-                              <a:cs typeface="Times New Roman" panose="02020603050405020304" pitchFamily="18" charset="0"/>
-                            </a:rPr>
-                            <m:t>𝐹𝑃</m:t>
-                          </m:r>
-                          <m:r>
-                            <a:rPr lang="lv-LV" sz="1800" i="1">
-                              <a:effectLst/>
-                              <a:latin typeface="Cambria Math" panose="02040503050406030204" pitchFamily="18" charset="0"/>
-                              <a:ea typeface="Calibri" panose="020F0502020204030204" pitchFamily="34" charset="0"/>
-                              <a:cs typeface="Times New Roman" panose="02020603050405020304" pitchFamily="18" charset="0"/>
-                            </a:rPr>
-                            <m:t>+</m:t>
-                          </m:r>
-                          <m:r>
-                            <a:rPr lang="lv-LV" sz="1800" i="1">
-                              <a:effectLst/>
-                              <a:latin typeface="Cambria Math" panose="02040503050406030204" pitchFamily="18" charset="0"/>
-                              <a:ea typeface="Calibri" panose="020F0502020204030204" pitchFamily="34" charset="0"/>
-                              <a:cs typeface="Times New Roman" panose="02020603050405020304" pitchFamily="18" charset="0"/>
-                            </a:rPr>
-                            <m:t>𝐹𝑁</m:t>
-                          </m:r>
-                        </m:den>
-                      </m:f>
-                    </m:oMath>
-                  </m:oMathPara>
-                </a14:m>
-                <a:endParaRPr lang="lv-LV" dirty="0"/>
-              </a:p>
-              <a:p>
-                <a:pPr algn="ctr"/>
-                <a:endParaRPr lang="lv-LV" dirty="0"/>
-              </a:p>
-              <a:p>
-                <a:pPr lvl="1"/>
-                <a:r>
-                  <a:rPr lang="lv-LV" dirty="0"/>
-                  <a:t>TP = True positives</a:t>
-                </a:r>
-              </a:p>
-              <a:p>
-                <a:pPr lvl="1"/>
-                <a:r>
-                  <a:rPr lang="lv-LV" dirty="0"/>
-                  <a:t>FP = False positives</a:t>
-                </a:r>
-              </a:p>
-              <a:p>
-                <a:pPr lvl="1"/>
-                <a:r>
-                  <a:rPr lang="lv-LV" dirty="0"/>
-                  <a:t>FN = False negatives</a:t>
-                </a:r>
-                <a:endParaRPr lang="en-US" dirty="0"/>
-              </a:p>
-            </p:txBody>
-          </p:sp>
-        </mc:Choice>
-        <mc:Fallback xmlns="">
-          <p:sp>
-            <p:nvSpPr>
-              <p:cNvPr id="6" name="Rectangle 5">
-                <a:extLst>
-                  <a:ext uri="{FF2B5EF4-FFF2-40B4-BE49-F238E27FC236}">
-                    <a16:creationId xmlns:a16="http://schemas.microsoft.com/office/drawing/2014/main" id="{3541E0D9-81F4-C159-D81A-284D19FD8988}"/>
-                  </a:ext>
-                </a:extLst>
-              </p:cNvPr>
-              <p:cNvSpPr>
-                <a:spLocks noRot="1" noChangeAspect="1" noMove="1" noResize="1" noEditPoints="1" noAdjustHandles="1" noChangeArrowheads="1" noChangeShapeType="1" noTextEdit="1"/>
-              </p:cNvSpPr>
-              <p:nvPr/>
-            </p:nvSpPr>
-            <p:spPr>
-              <a:xfrm>
-                <a:off x="8433657" y="406400"/>
-                <a:ext cx="3502540" cy="5628640"/>
-              </a:xfrm>
-              <a:prstGeom prst="rect">
-                <a:avLst/>
-              </a:prstGeom>
-              <a:blipFill>
-                <a:blip r:embed="rId2"/>
-                <a:stretch>
-                  <a:fillRect/>
-                </a:stretch>
-              </a:blipFill>
-            </p:spPr>
-            <p:txBody>
-              <a:bodyPr/>
-              <a:lstStyle/>
-              <a:p>
-                <a:r>
-                  <a:rPr lang="en-US">
-                    <a:noFill/>
-                  </a:rPr>
-                  <a:t> </a:t>
-                </a:r>
-              </a:p>
-            </p:txBody>
-          </p:sp>
-        </mc:Fallback>
-      </mc:AlternateContent>
-    </p:spTree>
-    <p:extLst>
-      <p:ext uri="{BB962C8B-B14F-4D97-AF65-F5344CB8AC3E}">
-        <p14:creationId xmlns:p14="http://schemas.microsoft.com/office/powerpoint/2010/main" val="1773335313"/>
-      </p:ext>
-    </p:extLst>
-  </p:cSld>
-  <p:clrMapOvr>
-    <a:masterClrMapping/>
-  </p:clrMapOvr>
 </p:sld>
 </file>
 

--- a/presentation/layout(2).pptx
+++ b/presentation/layout(2).pptx
@@ -1630,7 +1630,7 @@
 </dgm:colorsDef>
 </file>
 
-<file path=ppt/diagrams/colors4.xml><?xml version="1.0" encoding="utf-8"?>
+<file path=ppt/diagrams/colors3.xml><?xml version="1.0" encoding="utf-8"?>
 <dgm:colorsDef xmlns:dgm="http://schemas.openxmlformats.org/drawingml/2006/diagram" xmlns:a="http://schemas.openxmlformats.org/drawingml/2006/main" uniqueId="urn:microsoft.com/office/officeart/2005/8/colors/accent1_2">
   <dgm:title val=""/>
   <dgm:desc val=""/>
@@ -2377,7 +2377,7 @@
 </dgm:colorsDef>
 </file>
 
-<file path=ppt/diagrams/colors5.xml><?xml version="1.0" encoding="utf-8"?>
+<file path=ppt/diagrams/colors4.xml><?xml version="1.0" encoding="utf-8"?>
 <dgm:colorsDef xmlns:dgm="http://schemas.openxmlformats.org/drawingml/2006/diagram" xmlns:a="http://schemas.openxmlformats.org/drawingml/2006/main" uniqueId="urn:microsoft.com/office/officeart/2005/8/colors/accent1_2">
   <dgm:title val=""/>
   <dgm:desc val=""/>
@@ -6089,7 +6089,21 @@
     </dgm:pt>
     <dgm:pt modelId="{AD607B20-2D8B-4B96-A710-58CB30226C29}" type="pres">
       <dgm:prSet presAssocID="{01E1CF59-A815-462F-AD05-E99537A3484B}" presName="pictRect" presStyleLbl="node1" presStyleIdx="0" presStyleCnt="2" custScaleX="57342" custScaleY="54732" custLinFactX="34031" custLinFactNeighborX="100000" custLinFactNeighborY="31053"/>
-      <dgm:spPr/>
+      <dgm:spPr>
+        <a:blipFill>
+          <a:blip xmlns:r="http://schemas.openxmlformats.org/officeDocument/2006/relationships" r:embed="rId1">
+            <a:extLst>
+              <a:ext uri="{28A0092B-C50C-407E-A947-70E740481C1C}">
+                <a14:useLocalDpi xmlns:a14="http://schemas.microsoft.com/office/drawing/2010/main" val="0"/>
+              </a:ext>
+            </a:extLst>
+          </a:blip>
+          <a:srcRect/>
+          <a:stretch>
+            <a:fillRect t="-8000" b="-8000"/>
+          </a:stretch>
+        </a:blipFill>
+      </dgm:spPr>
     </dgm:pt>
     <dgm:pt modelId="{5F2803F7-26C6-4D4C-A08C-D273AB25DE46}" type="pres">
       <dgm:prSet presAssocID="{01E1CF59-A815-462F-AD05-E99537A3484B}" presName="textRect" presStyleLbl="revTx" presStyleIdx="0" presStyleCnt="2">
@@ -6111,7 +6125,7 @@
       <dgm:prSet presAssocID="{4BD854AE-BAD3-4CCC-BAC5-D1EFA5106B5E}" presName="pictRect" presStyleLbl="node1" presStyleIdx="1" presStyleCnt="2" custScaleX="56707" custScaleY="56560" custLinFactX="-51096" custLinFactNeighborX="-100000" custLinFactNeighborY="30596"/>
       <dgm:spPr>
         <a:blipFill>
-          <a:blip xmlns:r="http://schemas.openxmlformats.org/officeDocument/2006/relationships" r:embed="rId1">
+          <a:blip xmlns:r="http://schemas.openxmlformats.org/officeDocument/2006/relationships" r:embed="rId2">
             <a:extLst>
               <a:ext uri="{28A0092B-C50C-407E-A947-70E740481C1C}">
                 <a14:useLocalDpi xmlns:a14="http://schemas.microsoft.com/office/drawing/2010/main" val="0"/>
@@ -6120,7 +6134,7 @@
           </a:blip>
           <a:srcRect/>
           <a:stretch>
-            <a:fillRect t="-23000" b="-23000"/>
+            <a:fillRect t="-5000" b="-5000"/>
           </a:stretch>
         </a:blipFill>
       </dgm:spPr>
@@ -10798,14 +10812,19 @@
         <a:prstGeom prst="roundRect">
           <a:avLst/>
         </a:prstGeom>
-        <a:solidFill>
-          <a:schemeClr val="accent1">
-            <a:hueOff val="0"/>
-            <a:satOff val="0"/>
-            <a:lumOff val="0"/>
-            <a:alphaOff val="0"/>
-          </a:schemeClr>
-        </a:solidFill>
+        <a:blipFill>
+          <a:blip xmlns:r="http://schemas.openxmlformats.org/officeDocument/2006/relationships" r:embed="rId1">
+            <a:extLst>
+              <a:ext uri="{28A0092B-C50C-407E-A947-70E740481C1C}">
+                <a14:useLocalDpi xmlns:a14="http://schemas.microsoft.com/office/drawing/2010/main" val="0"/>
+              </a:ext>
+            </a:extLst>
+          </a:blip>
+          <a:srcRect/>
+          <a:stretch>
+            <a:fillRect t="-8000" b="-8000"/>
+          </a:stretch>
+        </a:blipFill>
         <a:ln w="15875" cap="flat" cmpd="sng" algn="ctr">
           <a:solidFill>
             <a:schemeClr val="lt1">
@@ -10908,7 +10927,7 @@
           <a:avLst/>
         </a:prstGeom>
         <a:blipFill>
-          <a:blip xmlns:r="http://schemas.openxmlformats.org/officeDocument/2006/relationships" r:embed="rId1">
+          <a:blip xmlns:r="http://schemas.openxmlformats.org/officeDocument/2006/relationships" r:embed="rId2">
             <a:extLst>
               <a:ext uri="{28A0092B-C50C-407E-A947-70E740481C1C}">
                 <a14:useLocalDpi xmlns:a14="http://schemas.microsoft.com/office/drawing/2010/main" val="0"/>
@@ -10917,7 +10936,7 @@
           </a:blip>
           <a:srcRect/>
           <a:stretch>
-            <a:fillRect t="-23000" b="-23000"/>
+            <a:fillRect t="-5000" b="-5000"/>
           </a:stretch>
         </a:blipFill>
         <a:ln w="15875" cap="flat" cmpd="sng" algn="ctr">
@@ -14560,7 +14579,7 @@
 </dgm:layoutDef>
 </file>
 
-<file path=ppt/diagrams/layout4.xml><?xml version="1.0" encoding="utf-8"?>
+<file path=ppt/diagrams/layout3.xml><?xml version="1.0" encoding="utf-8"?>
 <dgm:layoutDef xmlns:dgm="http://schemas.openxmlformats.org/drawingml/2006/diagram" xmlns:a="http://schemas.openxmlformats.org/drawingml/2006/main" uniqueId="urn:microsoft.com/office/officeart/2005/8/layout/pList1">
   <dgm:title val=""/>
   <dgm:desc val=""/>
@@ -14721,7 +14740,7 @@
 </dgm:layoutDef>
 </file>
 
-<file path=ppt/diagrams/layout5.xml><?xml version="1.0" encoding="utf-8"?>
+<file path=ppt/diagrams/layout4.xml><?xml version="1.0" encoding="utf-8"?>
 <dgm:layoutDef xmlns:dgm="http://schemas.openxmlformats.org/drawingml/2006/diagram" xmlns:a="http://schemas.openxmlformats.org/drawingml/2006/main" uniqueId="urn:microsoft.com/office/officeart/2005/8/layout/hProcess11">
   <dgm:title val=""/>
   <dgm:desc val=""/>
@@ -18448,7 +18467,7 @@
 </dgm:styleDef>
 </file>
 
-<file path=ppt/diagrams/quickStyle4.xml><?xml version="1.0" encoding="utf-8"?>
+<file path=ppt/diagrams/quickStyle3.xml><?xml version="1.0" encoding="utf-8"?>
 <dgm:styleDef xmlns:dgm="http://schemas.openxmlformats.org/drawingml/2006/diagram" xmlns:a="http://schemas.openxmlformats.org/drawingml/2006/main" uniqueId="urn:microsoft.com/office/officeart/2005/8/quickstyle/simple1">
   <dgm:title val=""/>
   <dgm:desc val=""/>
@@ -19482,7 +19501,7 @@
 </dgm:styleDef>
 </file>
 
-<file path=ppt/diagrams/quickStyle5.xml><?xml version="1.0" encoding="utf-8"?>
+<file path=ppt/diagrams/quickStyle4.xml><?xml version="1.0" encoding="utf-8"?>
 <dgm:styleDef xmlns:dgm="http://schemas.openxmlformats.org/drawingml/2006/diagram" xmlns:a="http://schemas.openxmlformats.org/drawingml/2006/main" uniqueId="urn:microsoft.com/office/officeart/2005/8/quickstyle/simple1">
   <dgm:title val=""/>
   <dgm:desc val=""/>
@@ -23859,7 +23878,7 @@
           <a:p>
             <a:fld id="{B355E504-1BBF-47A8-A405-3F5D72870642}" type="slidenum">
               <a:rPr lang="de-DE" smtClean="0"/>
-              <a:t>‹#›</a:t>
+              <a:t>‹Nr.›</a:t>
             </a:fld>
             <a:endParaRPr lang="de-DE"/>
           </a:p>
@@ -24266,7 +24285,7 @@
           <a:p>
             <a:fld id="{3A98EE3D-8CD1-4C3F-BD1C-C98C9596463C}" type="slidenum">
               <a:rPr lang="en-US" smtClean="0"/>
-              <a:t>‹#›</a:t>
+              <a:t>‹Nr.›</a:t>
             </a:fld>
             <a:endParaRPr lang="en-US" dirty="0"/>
           </a:p>
@@ -24454,7 +24473,7 @@
           <a:p>
             <a:fld id="{3A98EE3D-8CD1-4C3F-BD1C-C98C9596463C}" type="slidenum">
               <a:rPr lang="en-US" smtClean="0"/>
-              <a:t>‹#›</a:t>
+              <a:t>‹Nr.›</a:t>
             </a:fld>
             <a:endParaRPr lang="en-US" dirty="0"/>
           </a:p>
@@ -24696,7 +24715,7 @@
           <a:p>
             <a:fld id="{3A98EE3D-8CD1-4C3F-BD1C-C98C9596463C}" type="slidenum">
               <a:rPr lang="en-US" smtClean="0"/>
-              <a:t>‹#›</a:t>
+              <a:t>‹Nr.›</a:t>
             </a:fld>
             <a:endParaRPr lang="en-US" dirty="0"/>
           </a:p>
@@ -24884,7 +24903,7 @@
           <a:p>
             <a:fld id="{3A98EE3D-8CD1-4C3F-BD1C-C98C9596463C}" type="slidenum">
               <a:rPr lang="en-US" smtClean="0"/>
-              <a:t>‹#›</a:t>
+              <a:t>‹Nr.›</a:t>
             </a:fld>
             <a:endParaRPr lang="en-US" dirty="0"/>
           </a:p>
@@ -25257,7 +25276,7 @@
           <a:p>
             <a:fld id="{3A98EE3D-8CD1-4C3F-BD1C-C98C9596463C}" type="slidenum">
               <a:rPr lang="en-US" smtClean="0"/>
-              <a:t>‹#›</a:t>
+              <a:t>‹Nr.›</a:t>
             </a:fld>
             <a:endParaRPr lang="en-US" dirty="0"/>
           </a:p>
@@ -25512,7 +25531,7 @@
           <a:p>
             <a:fld id="{3A98EE3D-8CD1-4C3F-BD1C-C98C9596463C}" type="slidenum">
               <a:rPr lang="en-US" smtClean="0"/>
-              <a:t>‹#›</a:t>
+              <a:t>‹Nr.›</a:t>
             </a:fld>
             <a:endParaRPr lang="en-US" dirty="0"/>
           </a:p>
@@ -25909,7 +25928,7 @@
           <a:p>
             <a:fld id="{3A98EE3D-8CD1-4C3F-BD1C-C98C9596463C}" type="slidenum">
               <a:rPr lang="en-US" smtClean="0"/>
-              <a:t>‹#›</a:t>
+              <a:t>‹Nr.›</a:t>
             </a:fld>
             <a:endParaRPr lang="en-US" dirty="0"/>
           </a:p>
@@ -26045,7 +26064,7 @@
           <a:p>
             <a:fld id="{3A98EE3D-8CD1-4C3F-BD1C-C98C9596463C}" type="slidenum">
               <a:rPr lang="en-US" smtClean="0"/>
-              <a:t>‹#›</a:t>
+              <a:t>‹Nr.›</a:t>
             </a:fld>
             <a:endParaRPr lang="en-US" dirty="0"/>
           </a:p>
@@ -26202,7 +26221,7 @@
           <a:p>
             <a:fld id="{3A98EE3D-8CD1-4C3F-BD1C-C98C9596463C}" type="slidenum">
               <a:rPr lang="en-US" smtClean="0"/>
-              <a:t>‹#›</a:t>
+              <a:t>‹Nr.›</a:t>
             </a:fld>
             <a:endParaRPr lang="en-US" dirty="0"/>
           </a:p>
@@ -26541,7 +26560,7 @@
             <a:fld id="{3A98EE3D-8CD1-4C3F-BD1C-C98C9596463C}" type="slidenum">
               <a:rPr lang="en-US" smtClean="0"/>
               <a:pPr/>
-              <a:t>‹#›</a:t>
+              <a:t>‹Nr.›</a:t>
             </a:fld>
             <a:endParaRPr lang="en-US" dirty="0"/>
           </a:p>
@@ -26875,7 +26894,7 @@
           <a:p>
             <a:fld id="{3A98EE3D-8CD1-4C3F-BD1C-C98C9596463C}" type="slidenum">
               <a:rPr lang="en-US" smtClean="0"/>
-              <a:t>‹#›</a:t>
+              <a:t>‹Nr.›</a:t>
             </a:fld>
             <a:endParaRPr lang="en-US" dirty="0"/>
           </a:p>
@@ -27162,7 +27181,7 @@
           <a:p>
             <a:fld id="{3A98EE3D-8CD1-4C3F-BD1C-C98C9596463C}" type="slidenum">
               <a:rPr lang="en-US" smtClean="0"/>
-              <a:t>‹#›</a:t>
+              <a:t>‹Nr.›</a:t>
             </a:fld>
             <a:endParaRPr lang="en-US" dirty="0"/>
           </a:p>
@@ -28110,7 +28129,7 @@
           <p:nvPr>
             <p:extLst>
               <p:ext uri="{D42A27DB-BD31-4B8C-83A1-F6EECF244321}">
-                <p14:modId xmlns:p14="http://schemas.microsoft.com/office/powerpoint/2010/main" val="2093886755"/>
+                <p14:modId xmlns:p14="http://schemas.microsoft.com/office/powerpoint/2010/main" val="1913132726"/>
               </p:ext>
             </p:extLst>
           </p:nvPr>
@@ -28225,8 +28244,8 @@
           </a:p>
         </p:txBody>
       </p:sp>
-      <mc:AlternateContent xmlns:mc="http://schemas.openxmlformats.org/markup-compatibility/2006">
-        <mc:Choice xmlns:a14="http://schemas.microsoft.com/office/drawing/2010/main" Requires="a14">
+      <mc:AlternateContent xmlns:mc="http://schemas.openxmlformats.org/markup-compatibility/2006" xmlns:a14="http://schemas.microsoft.com/office/drawing/2010/main">
+        <mc:Choice Requires="a14">
           <p:graphicFrame>
             <p:nvGraphicFramePr>
               <p:cNvPr id="5" name="Diagramm 4">
@@ -28256,7 +28275,7 @@
             </a:graphic>
           </p:graphicFrame>
         </mc:Choice>
-        <mc:Fallback>
+        <mc:Fallback xmlns="">
           <p:graphicFrame>
             <p:nvGraphicFramePr>
               <p:cNvPr id="5" name="Diagramm 4">
@@ -28281,7 +28300,7 @@
             </p:xfrm>
             <a:graphic>
               <a:graphicData uri="http://schemas.openxmlformats.org/drawingml/2006/diagram">
-                <dgm:relIds xmlns:dgm="http://schemas.openxmlformats.org/drawingml/2006/diagram" xmlns:r="http://schemas.openxmlformats.org/officeDocument/2006/relationships" r:dm="rId7" r:lo="rId3" r:qs="rId4" r:cs="rId5"/>
+                <dgm:relIds xmlns:dgm="http://schemas.openxmlformats.org/drawingml/2006/diagram" xmlns:r="http://schemas.openxmlformats.org/officeDocument/2006/relationships" r:dm="rId7" r:lo="rId8" r:qs="rId9" r:cs="rId10"/>
               </a:graphicData>
             </a:graphic>
           </p:graphicFrame>
@@ -28304,13 +28323,13 @@
           </p:nvPr>
         </p:nvPicPr>
         <p:blipFill>
-          <a:blip r:embed="rId8">
+          <a:blip r:embed="rId11">
             <a:extLst>
               <a:ext uri="{28A0092B-C50C-407E-A947-70E740481C1C}">
                 <a14:useLocalDpi xmlns:a14="http://schemas.microsoft.com/office/drawing/2010/main" val="0"/>
               </a:ext>
               <a:ext uri="{96DAC541-7B7A-43D3-8B79-37D633B846F1}">
-                <asvg:svgBlip xmlns:asvg="http://schemas.microsoft.com/office/drawing/2016/SVG/main" r:embed="rId9"/>
+                <asvg:svgBlip xmlns:asvg="http://schemas.microsoft.com/office/drawing/2016/SVG/main" r:embed="rId12"/>
               </a:ext>
             </a:extLst>
           </a:blip>
@@ -28451,13 +28470,13 @@
           <p:nvPr/>
         </p:nvPicPr>
         <p:blipFill>
-          <a:blip r:embed="rId10">
+          <a:blip r:embed="rId13">
             <a:extLst>
               <a:ext uri="{28A0092B-C50C-407E-A947-70E740481C1C}">
                 <a14:useLocalDpi xmlns:a14="http://schemas.microsoft.com/office/drawing/2010/main" val="0"/>
               </a:ext>
               <a:ext uri="{96DAC541-7B7A-43D3-8B79-37D633B846F1}">
-                <asvg:svgBlip xmlns:asvg="http://schemas.microsoft.com/office/drawing/2016/SVG/main" r:embed="rId11"/>
+                <asvg:svgBlip xmlns:asvg="http://schemas.microsoft.com/office/drawing/2016/SVG/main" r:embed="rId14"/>
               </a:ext>
             </a:extLst>
           </a:blip>
@@ -28490,13 +28509,13 @@
           <p:nvPr/>
         </p:nvPicPr>
         <p:blipFill>
-          <a:blip r:embed="rId12">
+          <a:blip r:embed="rId15">
             <a:extLst>
               <a:ext uri="{28A0092B-C50C-407E-A947-70E740481C1C}">
                 <a14:useLocalDpi xmlns:a14="http://schemas.microsoft.com/office/drawing/2010/main" val="0"/>
               </a:ext>
               <a:ext uri="{96DAC541-7B7A-43D3-8B79-37D633B846F1}">
-                <asvg:svgBlip xmlns:asvg="http://schemas.microsoft.com/office/drawing/2016/SVG/main" r:embed="rId13"/>
+                <asvg:svgBlip xmlns:asvg="http://schemas.microsoft.com/office/drawing/2016/SVG/main" r:embed="rId16"/>
               </a:ext>
             </a:extLst>
           </a:blip>
@@ -28529,13 +28548,13 @@
           <p:nvPr/>
         </p:nvPicPr>
         <p:blipFill>
-          <a:blip r:embed="rId14">
+          <a:blip r:embed="rId17">
             <a:extLst>
               <a:ext uri="{28A0092B-C50C-407E-A947-70E740481C1C}">
                 <a14:useLocalDpi xmlns:a14="http://schemas.microsoft.com/office/drawing/2010/main" val="0"/>
               </a:ext>
               <a:ext uri="{96DAC541-7B7A-43D3-8B79-37D633B846F1}">
-                <asvg:svgBlip xmlns:asvg="http://schemas.microsoft.com/office/drawing/2016/SVG/main" r:embed="rId15"/>
+                <asvg:svgBlip xmlns:asvg="http://schemas.microsoft.com/office/drawing/2016/SVG/main" r:embed="rId18"/>
               </a:ext>
             </a:extLst>
           </a:blip>
@@ -28568,13 +28587,13 @@
           <p:nvPr/>
         </p:nvPicPr>
         <p:blipFill>
-          <a:blip r:embed="rId16">
+          <a:blip r:embed="rId19">
             <a:extLst>
               <a:ext uri="{28A0092B-C50C-407E-A947-70E740481C1C}">
                 <a14:useLocalDpi xmlns:a14="http://schemas.microsoft.com/office/drawing/2010/main" val="0"/>
               </a:ext>
               <a:ext uri="{96DAC541-7B7A-43D3-8B79-37D633B846F1}">
-                <asvg:svgBlip xmlns:asvg="http://schemas.microsoft.com/office/drawing/2016/SVG/main" r:embed="rId17"/>
+                <asvg:svgBlip xmlns:asvg="http://schemas.microsoft.com/office/drawing/2016/SVG/main" r:embed="rId20"/>
               </a:ext>
             </a:extLst>
           </a:blip>
@@ -28607,13 +28626,13 @@
           <p:nvPr/>
         </p:nvPicPr>
         <p:blipFill>
-          <a:blip r:embed="rId18">
+          <a:blip r:embed="rId21">
             <a:extLst>
               <a:ext uri="{28A0092B-C50C-407E-A947-70E740481C1C}">
                 <a14:useLocalDpi xmlns:a14="http://schemas.microsoft.com/office/drawing/2010/main" val="0"/>
               </a:ext>
               <a:ext uri="{96DAC541-7B7A-43D3-8B79-37D633B846F1}">
-                <asvg:svgBlip xmlns:asvg="http://schemas.microsoft.com/office/drawing/2016/SVG/main" r:embed="rId19"/>
+                <asvg:svgBlip xmlns:asvg="http://schemas.microsoft.com/office/drawing/2016/SVG/main" r:embed="rId22"/>
               </a:ext>
             </a:extLst>
           </a:blip>
@@ -28646,13 +28665,13 @@
           <p:nvPr/>
         </p:nvPicPr>
         <p:blipFill>
-          <a:blip r:embed="rId20">
+          <a:blip r:embed="rId23">
             <a:extLst>
               <a:ext uri="{28A0092B-C50C-407E-A947-70E740481C1C}">
                 <a14:useLocalDpi xmlns:a14="http://schemas.microsoft.com/office/drawing/2010/main" val="0"/>
               </a:ext>
               <a:ext uri="{96DAC541-7B7A-43D3-8B79-37D633B846F1}">
-                <asvg:svgBlip xmlns:asvg="http://schemas.microsoft.com/office/drawing/2016/SVG/main" r:embed="rId21"/>
+                <asvg:svgBlip xmlns:asvg="http://schemas.microsoft.com/office/drawing/2016/SVG/main" r:embed="rId24"/>
               </a:ext>
             </a:extLst>
           </a:blip>
@@ -36700,77 +36719,6 @@
       </p:sp>
       <p:pic>
         <p:nvPicPr>
-          <p:cNvPr id="13" name="Grafik 12">
-            <a:extLst>
-              <a:ext uri="{FF2B5EF4-FFF2-40B4-BE49-F238E27FC236}">
-                <a16:creationId xmlns:a16="http://schemas.microsoft.com/office/drawing/2014/main" id="{721F875D-6FE0-A6B1-E8DB-98354322B0A3}"/>
-              </a:ext>
-            </a:extLst>
-          </p:cNvPr>
-          <p:cNvPicPr>
-            <a:picLocks noChangeAspect="1"/>
-          </p:cNvPicPr>
-          <p:nvPr/>
-        </p:nvPicPr>
-        <p:blipFill>
-          <a:blip r:embed="rId2">
-            <a:extLst>
-              <a:ext uri="{28A0092B-C50C-407E-A947-70E740481C1C}">
-                <a14:useLocalDpi xmlns:a14="http://schemas.microsoft.com/office/drawing/2010/main" val="0"/>
-              </a:ext>
-            </a:extLst>
-          </a:blip>
-          <a:stretch>
-            <a:fillRect/>
-          </a:stretch>
-        </p:blipFill>
-        <p:spPr>
-          <a:xfrm>
-            <a:off x="1097280" y="2296805"/>
-            <a:ext cx="3708000" cy="3708000"/>
-          </a:xfrm>
-          <a:prstGeom prst="rect">
-            <a:avLst/>
-          </a:prstGeom>
-        </p:spPr>
-      </p:pic>
-      <p:sp>
-        <p:nvSpPr>
-          <p:cNvPr id="14" name="Textfeld 13">
-            <a:extLst>
-              <a:ext uri="{FF2B5EF4-FFF2-40B4-BE49-F238E27FC236}">
-                <a16:creationId xmlns:a16="http://schemas.microsoft.com/office/drawing/2014/main" id="{01D36A56-EF4D-C7EB-DC1F-F99149AFF1C9}"/>
-              </a:ext>
-            </a:extLst>
-          </p:cNvPr>
-          <p:cNvSpPr txBox="1"/>
-          <p:nvPr/>
-        </p:nvSpPr>
-        <p:spPr>
-          <a:xfrm>
-            <a:off x="4907280" y="2661920"/>
-            <a:ext cx="3697231" cy="369332"/>
-          </a:xfrm>
-          <a:prstGeom prst="rect">
-            <a:avLst/>
-          </a:prstGeom>
-          <a:noFill/>
-        </p:spPr>
-        <p:txBody>
-          <a:bodyPr wrap="none" rtlCol="0">
-            <a:spAutoFit/>
-          </a:bodyPr>
-          <a:lstStyle/>
-          <a:p>
-            <a:r>
-              <a:rPr lang="de-DE" dirty="0"/>
-              <a:t>Histogramm von diesem Bild: t39</a:t>
-            </a:r>
-          </a:p>
-        </p:txBody>
-      </p:sp>
-      <p:pic>
-        <p:nvPicPr>
           <p:cNvPr id="16" name="Grafik 15">
             <a:extLst>
               <a:ext uri="{FF2B5EF4-FFF2-40B4-BE49-F238E27FC236}">
@@ -36784,7 +36732,7 @@
           <p:nvPr/>
         </p:nvPicPr>
         <p:blipFill rotWithShape="1">
-          <a:blip r:embed="rId3">
+          <a:blip r:embed="rId2">
             <a:extLst>
               <a:ext uri="{28A0092B-C50C-407E-A947-70E740481C1C}">
                 <a14:useLocalDpi xmlns:a14="http://schemas.microsoft.com/office/drawing/2010/main" val="0"/>
@@ -36798,6 +36746,42 @@
           <a:xfrm>
             <a:off x="9442040" y="2175777"/>
             <a:ext cx="1842752" cy="3829028"/>
+          </a:xfrm>
+          <a:prstGeom prst="rect">
+            <a:avLst/>
+          </a:prstGeom>
+        </p:spPr>
+      </p:pic>
+      <p:pic>
+        <p:nvPicPr>
+          <p:cNvPr id="4" name="Grafik 3">
+            <a:extLst>
+              <a:ext uri="{FF2B5EF4-FFF2-40B4-BE49-F238E27FC236}">
+                <a16:creationId xmlns:a16="http://schemas.microsoft.com/office/drawing/2014/main" id="{92629E57-52E1-87E1-F810-B44F219A3659}"/>
+              </a:ext>
+            </a:extLst>
+          </p:cNvPr>
+          <p:cNvPicPr>
+            <a:picLocks noChangeAspect="1"/>
+          </p:cNvPicPr>
+          <p:nvPr/>
+        </p:nvPicPr>
+        <p:blipFill>
+          <a:blip r:embed="rId3">
+            <a:extLst>
+              <a:ext uri="{28A0092B-C50C-407E-A947-70E740481C1C}">
+                <a14:useLocalDpi xmlns:a14="http://schemas.microsoft.com/office/drawing/2010/main" val="0"/>
+              </a:ext>
+            </a:extLst>
+          </a:blip>
+          <a:stretch>
+            <a:fillRect/>
+          </a:stretch>
+        </p:blipFill>
+        <p:spPr>
+          <a:xfrm>
+            <a:off x="907208" y="2531377"/>
+            <a:ext cx="4078493" cy="3107423"/>
           </a:xfrm>
           <a:prstGeom prst="rect">
             <a:avLst/>
@@ -37086,8 +37070,8 @@
           </a:graphicData>
         </a:graphic>
       </p:graphicFrame>
-      <mc:AlternateContent xmlns:mc="http://schemas.openxmlformats.org/markup-compatibility/2006">
-        <mc:Choice xmlns:a14="http://schemas.microsoft.com/office/drawing/2010/main" Requires="a14">
+      <mc:AlternateContent xmlns:mc="http://schemas.openxmlformats.org/markup-compatibility/2006" xmlns:a14="http://schemas.microsoft.com/office/drawing/2010/main">
+        <mc:Choice Requires="a14">
           <p:sp>
             <p:nvSpPr>
               <p:cNvPr id="18" name="Textfeld 17">
@@ -37612,7 +37596,7 @@
             </p:txBody>
           </p:sp>
         </mc:Choice>
-        <mc:Fallback>
+        <mc:Fallback xmlns="">
           <p:sp>
             <p:nvSpPr>
               <p:cNvPr id="18" name="Textfeld 17">

--- a/presentation/layout(2).pptx
+++ b/presentation/layout(2).pptx
@@ -5,7 +5,7 @@
     <p:sldMasterId id="2147483673" r:id="rId1"/>
   </p:sldMasterIdLst>
   <p:notesMasterIdLst>
-    <p:notesMasterId r:id="rId24"/>
+    <p:notesMasterId r:id="rId25"/>
   </p:notesMasterIdLst>
   <p:sldIdLst>
     <p:sldId id="284" r:id="rId2"/>
@@ -19,17 +19,18 @@
     <p:sldId id="273" r:id="rId10"/>
     <p:sldId id="275" r:id="rId11"/>
     <p:sldId id="277" r:id="rId12"/>
-    <p:sldId id="261" r:id="rId13"/>
-    <p:sldId id="263" r:id="rId14"/>
+    <p:sldId id="285" r:id="rId13"/>
+    <p:sldId id="261" r:id="rId14"/>
     <p:sldId id="262" r:id="rId15"/>
-    <p:sldId id="281" r:id="rId16"/>
-    <p:sldId id="282" r:id="rId17"/>
-    <p:sldId id="283" r:id="rId18"/>
-    <p:sldId id="264" r:id="rId19"/>
-    <p:sldId id="266" r:id="rId20"/>
-    <p:sldId id="267" r:id="rId21"/>
-    <p:sldId id="268" r:id="rId22"/>
-    <p:sldId id="269" r:id="rId23"/>
+    <p:sldId id="286" r:id="rId16"/>
+    <p:sldId id="281" r:id="rId17"/>
+    <p:sldId id="282" r:id="rId18"/>
+    <p:sldId id="283" r:id="rId19"/>
+    <p:sldId id="264" r:id="rId20"/>
+    <p:sldId id="266" r:id="rId21"/>
+    <p:sldId id="267" r:id="rId22"/>
+    <p:sldId id="268" r:id="rId23"/>
+    <p:sldId id="269" r:id="rId24"/>
   </p:sldIdLst>
   <p:sldSz cx="12192000" cy="6858000"/>
   <p:notesSz cx="6858000" cy="9144000"/>
@@ -3124,7 +3125,7 @@
 </dgm:colorsDef>
 </file>
 
-<file path=ppt/diagrams/colors6.xml><?xml version="1.0" encoding="utf-8"?>
+<file path=ppt/diagrams/colors5.xml><?xml version="1.0" encoding="utf-8"?>
 <dgm:colorsDef xmlns:dgm="http://schemas.openxmlformats.org/drawingml/2006/diagram" xmlns:a="http://schemas.openxmlformats.org/drawingml/2006/main" uniqueId="urn:microsoft.com/office/officeart/2005/8/colors/accent1_2">
   <dgm:title val=""/>
   <dgm:desc val=""/>
@@ -3871,7 +3872,7 @@
 </dgm:colorsDef>
 </file>
 
-<file path=ppt/diagrams/colors7.xml><?xml version="1.0" encoding="utf-8"?>
+<file path=ppt/diagrams/colors6.xml><?xml version="1.0" encoding="utf-8"?>
 <dgm:colorsDef xmlns:dgm="http://schemas.openxmlformats.org/drawingml/2006/diagram" xmlns:a="http://schemas.openxmlformats.org/drawingml/2006/main" uniqueId="urn:microsoft.com/office/officeart/2005/8/colors/accent1_2">
   <dgm:title val=""/>
   <dgm:desc val=""/>
@@ -4618,7 +4619,7 @@
 </dgm:colorsDef>
 </file>
 
-<file path=ppt/diagrams/colors8.xml><?xml version="1.0" encoding="utf-8"?>
+<file path=ppt/diagrams/colors7.xml><?xml version="1.0" encoding="utf-8"?>
 <dgm:colorsDef xmlns:dgm="http://schemas.openxmlformats.org/drawingml/2006/diagram" xmlns:a="http://schemas.openxmlformats.org/drawingml/2006/main" uniqueId="urn:microsoft.com/office/officeart/2005/8/colors/accent1_2">
   <dgm:title val=""/>
   <dgm:desc val=""/>
@@ -15012,6 +15013,262 @@
 </dgm:layoutDef>
 </file>
 
+<file path=ppt/diagrams/layout5.xml><?xml version="1.0" encoding="utf-8"?>
+<dgm:layoutDef xmlns:dgm="http://schemas.openxmlformats.org/drawingml/2006/diagram" xmlns:a="http://schemas.openxmlformats.org/drawingml/2006/main" uniqueId="urn:microsoft.com/office/officeart/2005/8/layout/chevron2">
+  <dgm:title val=""/>
+  <dgm:desc val=""/>
+  <dgm:catLst>
+    <dgm:cat type="process" pri="12000"/>
+    <dgm:cat type="list" pri="16000"/>
+    <dgm:cat type="convert" pri="11000"/>
+  </dgm:catLst>
+  <dgm:sampData>
+    <dgm:dataModel>
+      <dgm:ptLst>
+        <dgm:pt modelId="0" type="doc"/>
+        <dgm:pt modelId="1">
+          <dgm:prSet phldr="1"/>
+        </dgm:pt>
+        <dgm:pt modelId="11">
+          <dgm:prSet phldr="1"/>
+        </dgm:pt>
+        <dgm:pt modelId="12">
+          <dgm:prSet phldr="1"/>
+        </dgm:pt>
+        <dgm:pt modelId="2">
+          <dgm:prSet phldr="1"/>
+        </dgm:pt>
+        <dgm:pt modelId="21">
+          <dgm:prSet phldr="1"/>
+        </dgm:pt>
+        <dgm:pt modelId="22">
+          <dgm:prSet phldr="1"/>
+        </dgm:pt>
+        <dgm:pt modelId="3">
+          <dgm:prSet phldr="1"/>
+        </dgm:pt>
+        <dgm:pt modelId="31">
+          <dgm:prSet phldr="1"/>
+        </dgm:pt>
+        <dgm:pt modelId="32">
+          <dgm:prSet phldr="1"/>
+        </dgm:pt>
+      </dgm:ptLst>
+      <dgm:cxnLst>
+        <dgm:cxn modelId="4" srcId="0" destId="1" srcOrd="0" destOrd="0"/>
+        <dgm:cxn modelId="5" srcId="0" destId="2" srcOrd="1" destOrd="0"/>
+        <dgm:cxn modelId="6" srcId="0" destId="3" srcOrd="2" destOrd="0"/>
+        <dgm:cxn modelId="13" srcId="1" destId="11" srcOrd="0" destOrd="0"/>
+        <dgm:cxn modelId="14" srcId="1" destId="12" srcOrd="1" destOrd="0"/>
+        <dgm:cxn modelId="23" srcId="2" destId="21" srcOrd="0" destOrd="0"/>
+        <dgm:cxn modelId="24" srcId="2" destId="22" srcOrd="1" destOrd="0"/>
+        <dgm:cxn modelId="33" srcId="3" destId="31" srcOrd="0" destOrd="0"/>
+        <dgm:cxn modelId="34" srcId="3" destId="32" srcOrd="1" destOrd="0"/>
+      </dgm:cxnLst>
+      <dgm:bg/>
+      <dgm:whole/>
+    </dgm:dataModel>
+  </dgm:sampData>
+  <dgm:styleData>
+    <dgm:dataModel>
+      <dgm:ptLst>
+        <dgm:pt modelId="0" type="doc"/>
+        <dgm:pt modelId="1"/>
+      </dgm:ptLst>
+      <dgm:cxnLst>
+        <dgm:cxn modelId="4" srcId="0" destId="1" srcOrd="0" destOrd="0"/>
+      </dgm:cxnLst>
+      <dgm:bg/>
+      <dgm:whole/>
+    </dgm:dataModel>
+  </dgm:styleData>
+  <dgm:clrData>
+    <dgm:dataModel>
+      <dgm:ptLst>
+        <dgm:pt modelId="0" type="doc"/>
+        <dgm:pt modelId="1"/>
+        <dgm:pt modelId="11"/>
+        <dgm:pt modelId="2"/>
+        <dgm:pt modelId="21"/>
+        <dgm:pt modelId="3"/>
+        <dgm:pt modelId="31"/>
+        <dgm:pt modelId="4"/>
+        <dgm:pt modelId="41"/>
+      </dgm:ptLst>
+      <dgm:cxnLst>
+        <dgm:cxn modelId="5" srcId="0" destId="1" srcOrd="0" destOrd="0"/>
+        <dgm:cxn modelId="6" srcId="0" destId="2" srcOrd="1" destOrd="0"/>
+        <dgm:cxn modelId="7" srcId="0" destId="3" srcOrd="2" destOrd="0"/>
+        <dgm:cxn modelId="8" srcId="0" destId="4" srcOrd="3" destOrd="0"/>
+        <dgm:cxn modelId="13" srcId="1" destId="11" srcOrd="0" destOrd="0"/>
+        <dgm:cxn modelId="23" srcId="2" destId="21" srcOrd="0" destOrd="0"/>
+        <dgm:cxn modelId="33" srcId="3" destId="31" srcOrd="0" destOrd="0"/>
+        <dgm:cxn modelId="43" srcId="4" destId="41" srcOrd="0" destOrd="0"/>
+      </dgm:cxnLst>
+      <dgm:bg/>
+      <dgm:whole/>
+    </dgm:dataModel>
+  </dgm:clrData>
+  <dgm:layoutNode name="linearFlow">
+    <dgm:varLst>
+      <dgm:dir/>
+      <dgm:animLvl val="lvl"/>
+      <dgm:resizeHandles val="exact"/>
+    </dgm:varLst>
+    <dgm:alg type="lin">
+      <dgm:param type="linDir" val="fromT"/>
+      <dgm:param type="nodeHorzAlign" val="l"/>
+    </dgm:alg>
+    <dgm:shape xmlns:r="http://schemas.openxmlformats.org/officeDocument/2006/relationships" r:blip="">
+      <dgm:adjLst/>
+    </dgm:shape>
+    <dgm:presOf/>
+    <dgm:constrLst>
+      <dgm:constr type="h" for="ch" forName="composite" refType="h"/>
+      <dgm:constr type="w" for="ch" forName="composite" refType="w"/>
+      <dgm:constr type="h" for="des" forName="parentText" op="equ"/>
+      <dgm:constr type="h" for="ch" forName="sp" val="-14.88"/>
+      <dgm:constr type="h" for="ch" forName="sp" refType="w" refFor="des" refForName="parentText" op="gte" fact="-0.3"/>
+      <dgm:constr type="primFontSz" for="des" forName="parentText" op="equ" val="65"/>
+      <dgm:constr type="primFontSz" for="des" forName="descendantText" op="equ" val="65"/>
+    </dgm:constrLst>
+    <dgm:ruleLst/>
+    <dgm:forEach name="Name0" axis="ch" ptType="node">
+      <dgm:layoutNode name="composite">
+        <dgm:alg type="composite"/>
+        <dgm:shape xmlns:r="http://schemas.openxmlformats.org/officeDocument/2006/relationships" r:blip="">
+          <dgm:adjLst/>
+        </dgm:shape>
+        <dgm:presOf/>
+        <dgm:choose name="Name1">
+          <dgm:if name="Name2" func="var" arg="dir" op="equ" val="norm">
+            <dgm:constrLst>
+              <dgm:constr type="t" for="ch" forName="parentText"/>
+              <dgm:constr type="l" for="ch" forName="parentText"/>
+              <dgm:constr type="w" for="ch" forName="parentText" refType="w" fact="0.4"/>
+              <dgm:constr type="h" for="ch" forName="parentText" refType="h"/>
+              <dgm:constr type="w" for="ch" forName="parentText" refType="w" op="lte" fact="0.5"/>
+              <dgm:constr type="w" for="ch" forName="parentText" refType="h" refFor="ch" refForName="parentText" op="lte" fact="0.7"/>
+              <dgm:constr type="h" for="ch" forName="parentText" refType="w" refFor="ch" refForName="parentText" op="lte" fact="3"/>
+              <dgm:constr type="l" for="ch" forName="descendantText" refType="w" refFor="ch" refForName="parentText"/>
+              <dgm:constr type="w" for="ch" forName="descendantText" refType="w"/>
+              <dgm:constr type="wOff" for="ch" forName="descendantText" refType="w" refFor="ch" refForName="parentText" fact="-1"/>
+              <dgm:constr type="t" for="ch" forName="descendantText"/>
+              <dgm:constr type="b" for="ch" forName="descendantText" refType="h" refFor="ch" refForName="parentText"/>
+              <dgm:constr type="bOff" for="ch" forName="descendantText" refType="w" refFor="ch" refForName="parentText" fact="-0.5"/>
+            </dgm:constrLst>
+          </dgm:if>
+          <dgm:else name="Name3">
+            <dgm:constrLst>
+              <dgm:constr type="t" for="ch" forName="parentText"/>
+              <dgm:constr type="r" for="ch" forName="parentText" refType="w"/>
+              <dgm:constr type="w" for="ch" forName="parentText" refType="w" fact="0.4"/>
+              <dgm:constr type="h" for="ch" forName="parentText" refType="h"/>
+              <dgm:constr type="w" for="ch" forName="parentText" refType="w" op="lte" fact="0.5"/>
+              <dgm:constr type="w" for="ch" forName="parentText" refType="h" refFor="ch" refForName="parentText" op="lte" fact="0.7"/>
+              <dgm:constr type="h" for="ch" forName="parentText" refType="w" refFor="ch" refForName="parentText" op="lte" fact="3"/>
+              <dgm:constr type="l" for="ch" forName="descendantText"/>
+              <dgm:constr type="w" for="ch" forName="descendantText" refType="w"/>
+              <dgm:constr type="wOff" for="ch" forName="descendantText" refType="w" refFor="ch" refForName="parentText" fact="-1"/>
+              <dgm:constr type="t" for="ch" forName="descendantText"/>
+              <dgm:constr type="b" for="ch" forName="descendantText" refType="h" refFor="ch" refForName="parentText"/>
+              <dgm:constr type="bOff" for="ch" forName="descendantText" refType="w" refFor="ch" refForName="parentText" fact="-0.5"/>
+            </dgm:constrLst>
+          </dgm:else>
+        </dgm:choose>
+        <dgm:ruleLst/>
+        <dgm:layoutNode name="parentText" styleLbl="alignNode1">
+          <dgm:varLst>
+            <dgm:chMax val="1"/>
+            <dgm:bulletEnabled val="1"/>
+          </dgm:varLst>
+          <dgm:alg type="tx"/>
+          <dgm:shape xmlns:r="http://schemas.openxmlformats.org/officeDocument/2006/relationships" rot="90" type="chevron" r:blip="">
+            <dgm:adjLst/>
+          </dgm:shape>
+          <dgm:presOf axis="self" ptType="node"/>
+          <dgm:constrLst>
+            <dgm:constr type="lMarg" refType="primFontSz" fact="0.05"/>
+            <dgm:constr type="rMarg" refType="primFontSz" fact="0.05"/>
+            <dgm:constr type="tMarg" refType="primFontSz" fact="0.05"/>
+            <dgm:constr type="bMarg" refType="primFontSz" fact="0.05"/>
+          </dgm:constrLst>
+          <dgm:ruleLst>
+            <dgm:rule type="h" val="100" fact="NaN" max="NaN"/>
+            <dgm:rule type="primFontSz" val="24" fact="NaN" max="NaN"/>
+            <dgm:rule type="h" val="110" fact="NaN" max="NaN"/>
+            <dgm:rule type="primFontSz" val="18" fact="NaN" max="NaN"/>
+            <dgm:rule type="h" val="INF" fact="NaN" max="NaN"/>
+            <dgm:rule type="primFontSz" val="5" fact="NaN" max="NaN"/>
+          </dgm:ruleLst>
+        </dgm:layoutNode>
+        <dgm:layoutNode name="descendantText" styleLbl="alignAcc1">
+          <dgm:varLst>
+            <dgm:bulletEnabled val="1"/>
+          </dgm:varLst>
+          <dgm:choose name="Name4">
+            <dgm:if name="Name5" func="var" arg="dir" op="equ" val="norm">
+              <dgm:alg type="tx">
+                <dgm:param type="stBulletLvl" val="1"/>
+                <dgm:param type="txAnchorVertCh" val="mid"/>
+              </dgm:alg>
+              <dgm:shape xmlns:r="http://schemas.openxmlformats.org/officeDocument/2006/relationships" rot="90" type="round2SameRect" r:blip="">
+                <dgm:adjLst/>
+              </dgm:shape>
+            </dgm:if>
+            <dgm:else name="Name6">
+              <dgm:alg type="tx">
+                <dgm:param type="stBulletLvl" val="1"/>
+                <dgm:param type="txAnchorVertCh" val="mid"/>
+              </dgm:alg>
+              <dgm:shape xmlns:r="http://schemas.openxmlformats.org/officeDocument/2006/relationships" rot="-90" type="round2SameRect" r:blip="">
+                <dgm:adjLst/>
+              </dgm:shape>
+            </dgm:else>
+          </dgm:choose>
+          <dgm:presOf axis="des" ptType="node"/>
+          <dgm:choose name="Name7">
+            <dgm:if name="Name8" func="var" arg="dir" op="equ" val="norm">
+              <dgm:constrLst>
+                <dgm:constr type="secFontSz" refType="primFontSz"/>
+                <dgm:constr type="tMarg" refType="primFontSz" fact="0.05"/>
+                <dgm:constr type="bMarg" refType="primFontSz" fact="0.05"/>
+                <dgm:constr type="rMarg" refType="primFontSz" fact="0.05"/>
+              </dgm:constrLst>
+            </dgm:if>
+            <dgm:else name="Name9">
+              <dgm:constrLst>
+                <dgm:constr type="secFontSz" refType="primFontSz"/>
+                <dgm:constr type="tMarg" refType="primFontSz" fact="0.05"/>
+                <dgm:constr type="bMarg" refType="primFontSz" fact="0.05"/>
+                <dgm:constr type="lMarg" refType="primFontSz" fact="0.05"/>
+              </dgm:constrLst>
+            </dgm:else>
+          </dgm:choose>
+          <dgm:ruleLst>
+            <dgm:rule type="primFontSz" val="5" fact="NaN" max="NaN"/>
+          </dgm:ruleLst>
+        </dgm:layoutNode>
+      </dgm:layoutNode>
+      <dgm:forEach name="Name10" axis="followSib" ptType="sibTrans" cnt="1">
+        <dgm:layoutNode name="sp">
+          <dgm:alg type="sp"/>
+          <dgm:shape xmlns:r="http://schemas.openxmlformats.org/officeDocument/2006/relationships" r:blip="">
+            <dgm:adjLst/>
+          </dgm:shape>
+          <dgm:presOf axis="self"/>
+          <dgm:constrLst>
+            <dgm:constr type="w" val="1"/>
+            <dgm:constr type="h" val="37.5"/>
+          </dgm:constrLst>
+          <dgm:ruleLst/>
+        </dgm:layoutNode>
+      </dgm:forEach>
+    </dgm:forEach>
+  </dgm:layoutNode>
+</dgm:layoutDef>
+</file>
+
 <file path=ppt/diagrams/layout6.xml><?xml version="1.0" encoding="utf-8"?>
 <dgm:layoutDef xmlns:dgm="http://schemas.openxmlformats.org/drawingml/2006/diagram" xmlns:a="http://schemas.openxmlformats.org/drawingml/2006/main" uniqueId="urn:microsoft.com/office/officeart/2005/8/layout/chevron2">
   <dgm:title val=""/>
@@ -15269,262 +15526,6 @@
 </file>
 
 <file path=ppt/diagrams/layout7.xml><?xml version="1.0" encoding="utf-8"?>
-<dgm:layoutDef xmlns:dgm="http://schemas.openxmlformats.org/drawingml/2006/diagram" xmlns:a="http://schemas.openxmlformats.org/drawingml/2006/main" uniqueId="urn:microsoft.com/office/officeart/2005/8/layout/chevron2">
-  <dgm:title val=""/>
-  <dgm:desc val=""/>
-  <dgm:catLst>
-    <dgm:cat type="process" pri="12000"/>
-    <dgm:cat type="list" pri="16000"/>
-    <dgm:cat type="convert" pri="11000"/>
-  </dgm:catLst>
-  <dgm:sampData>
-    <dgm:dataModel>
-      <dgm:ptLst>
-        <dgm:pt modelId="0" type="doc"/>
-        <dgm:pt modelId="1">
-          <dgm:prSet phldr="1"/>
-        </dgm:pt>
-        <dgm:pt modelId="11">
-          <dgm:prSet phldr="1"/>
-        </dgm:pt>
-        <dgm:pt modelId="12">
-          <dgm:prSet phldr="1"/>
-        </dgm:pt>
-        <dgm:pt modelId="2">
-          <dgm:prSet phldr="1"/>
-        </dgm:pt>
-        <dgm:pt modelId="21">
-          <dgm:prSet phldr="1"/>
-        </dgm:pt>
-        <dgm:pt modelId="22">
-          <dgm:prSet phldr="1"/>
-        </dgm:pt>
-        <dgm:pt modelId="3">
-          <dgm:prSet phldr="1"/>
-        </dgm:pt>
-        <dgm:pt modelId="31">
-          <dgm:prSet phldr="1"/>
-        </dgm:pt>
-        <dgm:pt modelId="32">
-          <dgm:prSet phldr="1"/>
-        </dgm:pt>
-      </dgm:ptLst>
-      <dgm:cxnLst>
-        <dgm:cxn modelId="4" srcId="0" destId="1" srcOrd="0" destOrd="0"/>
-        <dgm:cxn modelId="5" srcId="0" destId="2" srcOrd="1" destOrd="0"/>
-        <dgm:cxn modelId="6" srcId="0" destId="3" srcOrd="2" destOrd="0"/>
-        <dgm:cxn modelId="13" srcId="1" destId="11" srcOrd="0" destOrd="0"/>
-        <dgm:cxn modelId="14" srcId="1" destId="12" srcOrd="1" destOrd="0"/>
-        <dgm:cxn modelId="23" srcId="2" destId="21" srcOrd="0" destOrd="0"/>
-        <dgm:cxn modelId="24" srcId="2" destId="22" srcOrd="1" destOrd="0"/>
-        <dgm:cxn modelId="33" srcId="3" destId="31" srcOrd="0" destOrd="0"/>
-        <dgm:cxn modelId="34" srcId="3" destId="32" srcOrd="1" destOrd="0"/>
-      </dgm:cxnLst>
-      <dgm:bg/>
-      <dgm:whole/>
-    </dgm:dataModel>
-  </dgm:sampData>
-  <dgm:styleData>
-    <dgm:dataModel>
-      <dgm:ptLst>
-        <dgm:pt modelId="0" type="doc"/>
-        <dgm:pt modelId="1"/>
-      </dgm:ptLst>
-      <dgm:cxnLst>
-        <dgm:cxn modelId="4" srcId="0" destId="1" srcOrd="0" destOrd="0"/>
-      </dgm:cxnLst>
-      <dgm:bg/>
-      <dgm:whole/>
-    </dgm:dataModel>
-  </dgm:styleData>
-  <dgm:clrData>
-    <dgm:dataModel>
-      <dgm:ptLst>
-        <dgm:pt modelId="0" type="doc"/>
-        <dgm:pt modelId="1"/>
-        <dgm:pt modelId="11"/>
-        <dgm:pt modelId="2"/>
-        <dgm:pt modelId="21"/>
-        <dgm:pt modelId="3"/>
-        <dgm:pt modelId="31"/>
-        <dgm:pt modelId="4"/>
-        <dgm:pt modelId="41"/>
-      </dgm:ptLst>
-      <dgm:cxnLst>
-        <dgm:cxn modelId="5" srcId="0" destId="1" srcOrd="0" destOrd="0"/>
-        <dgm:cxn modelId="6" srcId="0" destId="2" srcOrd="1" destOrd="0"/>
-        <dgm:cxn modelId="7" srcId="0" destId="3" srcOrd="2" destOrd="0"/>
-        <dgm:cxn modelId="8" srcId="0" destId="4" srcOrd="3" destOrd="0"/>
-        <dgm:cxn modelId="13" srcId="1" destId="11" srcOrd="0" destOrd="0"/>
-        <dgm:cxn modelId="23" srcId="2" destId="21" srcOrd="0" destOrd="0"/>
-        <dgm:cxn modelId="33" srcId="3" destId="31" srcOrd="0" destOrd="0"/>
-        <dgm:cxn modelId="43" srcId="4" destId="41" srcOrd="0" destOrd="0"/>
-      </dgm:cxnLst>
-      <dgm:bg/>
-      <dgm:whole/>
-    </dgm:dataModel>
-  </dgm:clrData>
-  <dgm:layoutNode name="linearFlow">
-    <dgm:varLst>
-      <dgm:dir/>
-      <dgm:animLvl val="lvl"/>
-      <dgm:resizeHandles val="exact"/>
-    </dgm:varLst>
-    <dgm:alg type="lin">
-      <dgm:param type="linDir" val="fromT"/>
-      <dgm:param type="nodeHorzAlign" val="l"/>
-    </dgm:alg>
-    <dgm:shape xmlns:r="http://schemas.openxmlformats.org/officeDocument/2006/relationships" r:blip="">
-      <dgm:adjLst/>
-    </dgm:shape>
-    <dgm:presOf/>
-    <dgm:constrLst>
-      <dgm:constr type="h" for="ch" forName="composite" refType="h"/>
-      <dgm:constr type="w" for="ch" forName="composite" refType="w"/>
-      <dgm:constr type="h" for="des" forName="parentText" op="equ"/>
-      <dgm:constr type="h" for="ch" forName="sp" val="-14.88"/>
-      <dgm:constr type="h" for="ch" forName="sp" refType="w" refFor="des" refForName="parentText" op="gte" fact="-0.3"/>
-      <dgm:constr type="primFontSz" for="des" forName="parentText" op="equ" val="65"/>
-      <dgm:constr type="primFontSz" for="des" forName="descendantText" op="equ" val="65"/>
-    </dgm:constrLst>
-    <dgm:ruleLst/>
-    <dgm:forEach name="Name0" axis="ch" ptType="node">
-      <dgm:layoutNode name="composite">
-        <dgm:alg type="composite"/>
-        <dgm:shape xmlns:r="http://schemas.openxmlformats.org/officeDocument/2006/relationships" r:blip="">
-          <dgm:adjLst/>
-        </dgm:shape>
-        <dgm:presOf/>
-        <dgm:choose name="Name1">
-          <dgm:if name="Name2" func="var" arg="dir" op="equ" val="norm">
-            <dgm:constrLst>
-              <dgm:constr type="t" for="ch" forName="parentText"/>
-              <dgm:constr type="l" for="ch" forName="parentText"/>
-              <dgm:constr type="w" for="ch" forName="parentText" refType="w" fact="0.4"/>
-              <dgm:constr type="h" for="ch" forName="parentText" refType="h"/>
-              <dgm:constr type="w" for="ch" forName="parentText" refType="w" op="lte" fact="0.5"/>
-              <dgm:constr type="w" for="ch" forName="parentText" refType="h" refFor="ch" refForName="parentText" op="lte" fact="0.7"/>
-              <dgm:constr type="h" for="ch" forName="parentText" refType="w" refFor="ch" refForName="parentText" op="lte" fact="3"/>
-              <dgm:constr type="l" for="ch" forName="descendantText" refType="w" refFor="ch" refForName="parentText"/>
-              <dgm:constr type="w" for="ch" forName="descendantText" refType="w"/>
-              <dgm:constr type="wOff" for="ch" forName="descendantText" refType="w" refFor="ch" refForName="parentText" fact="-1"/>
-              <dgm:constr type="t" for="ch" forName="descendantText"/>
-              <dgm:constr type="b" for="ch" forName="descendantText" refType="h" refFor="ch" refForName="parentText"/>
-              <dgm:constr type="bOff" for="ch" forName="descendantText" refType="w" refFor="ch" refForName="parentText" fact="-0.5"/>
-            </dgm:constrLst>
-          </dgm:if>
-          <dgm:else name="Name3">
-            <dgm:constrLst>
-              <dgm:constr type="t" for="ch" forName="parentText"/>
-              <dgm:constr type="r" for="ch" forName="parentText" refType="w"/>
-              <dgm:constr type="w" for="ch" forName="parentText" refType="w" fact="0.4"/>
-              <dgm:constr type="h" for="ch" forName="parentText" refType="h"/>
-              <dgm:constr type="w" for="ch" forName="parentText" refType="w" op="lte" fact="0.5"/>
-              <dgm:constr type="w" for="ch" forName="parentText" refType="h" refFor="ch" refForName="parentText" op="lte" fact="0.7"/>
-              <dgm:constr type="h" for="ch" forName="parentText" refType="w" refFor="ch" refForName="parentText" op="lte" fact="3"/>
-              <dgm:constr type="l" for="ch" forName="descendantText"/>
-              <dgm:constr type="w" for="ch" forName="descendantText" refType="w"/>
-              <dgm:constr type="wOff" for="ch" forName="descendantText" refType="w" refFor="ch" refForName="parentText" fact="-1"/>
-              <dgm:constr type="t" for="ch" forName="descendantText"/>
-              <dgm:constr type="b" for="ch" forName="descendantText" refType="h" refFor="ch" refForName="parentText"/>
-              <dgm:constr type="bOff" for="ch" forName="descendantText" refType="w" refFor="ch" refForName="parentText" fact="-0.5"/>
-            </dgm:constrLst>
-          </dgm:else>
-        </dgm:choose>
-        <dgm:ruleLst/>
-        <dgm:layoutNode name="parentText" styleLbl="alignNode1">
-          <dgm:varLst>
-            <dgm:chMax val="1"/>
-            <dgm:bulletEnabled val="1"/>
-          </dgm:varLst>
-          <dgm:alg type="tx"/>
-          <dgm:shape xmlns:r="http://schemas.openxmlformats.org/officeDocument/2006/relationships" rot="90" type="chevron" r:blip="">
-            <dgm:adjLst/>
-          </dgm:shape>
-          <dgm:presOf axis="self" ptType="node"/>
-          <dgm:constrLst>
-            <dgm:constr type="lMarg" refType="primFontSz" fact="0.05"/>
-            <dgm:constr type="rMarg" refType="primFontSz" fact="0.05"/>
-            <dgm:constr type="tMarg" refType="primFontSz" fact="0.05"/>
-            <dgm:constr type="bMarg" refType="primFontSz" fact="0.05"/>
-          </dgm:constrLst>
-          <dgm:ruleLst>
-            <dgm:rule type="h" val="100" fact="NaN" max="NaN"/>
-            <dgm:rule type="primFontSz" val="24" fact="NaN" max="NaN"/>
-            <dgm:rule type="h" val="110" fact="NaN" max="NaN"/>
-            <dgm:rule type="primFontSz" val="18" fact="NaN" max="NaN"/>
-            <dgm:rule type="h" val="INF" fact="NaN" max="NaN"/>
-            <dgm:rule type="primFontSz" val="5" fact="NaN" max="NaN"/>
-          </dgm:ruleLst>
-        </dgm:layoutNode>
-        <dgm:layoutNode name="descendantText" styleLbl="alignAcc1">
-          <dgm:varLst>
-            <dgm:bulletEnabled val="1"/>
-          </dgm:varLst>
-          <dgm:choose name="Name4">
-            <dgm:if name="Name5" func="var" arg="dir" op="equ" val="norm">
-              <dgm:alg type="tx">
-                <dgm:param type="stBulletLvl" val="1"/>
-                <dgm:param type="txAnchorVertCh" val="mid"/>
-              </dgm:alg>
-              <dgm:shape xmlns:r="http://schemas.openxmlformats.org/officeDocument/2006/relationships" rot="90" type="round2SameRect" r:blip="">
-                <dgm:adjLst/>
-              </dgm:shape>
-            </dgm:if>
-            <dgm:else name="Name6">
-              <dgm:alg type="tx">
-                <dgm:param type="stBulletLvl" val="1"/>
-                <dgm:param type="txAnchorVertCh" val="mid"/>
-              </dgm:alg>
-              <dgm:shape xmlns:r="http://schemas.openxmlformats.org/officeDocument/2006/relationships" rot="-90" type="round2SameRect" r:blip="">
-                <dgm:adjLst/>
-              </dgm:shape>
-            </dgm:else>
-          </dgm:choose>
-          <dgm:presOf axis="des" ptType="node"/>
-          <dgm:choose name="Name7">
-            <dgm:if name="Name8" func="var" arg="dir" op="equ" val="norm">
-              <dgm:constrLst>
-                <dgm:constr type="secFontSz" refType="primFontSz"/>
-                <dgm:constr type="tMarg" refType="primFontSz" fact="0.05"/>
-                <dgm:constr type="bMarg" refType="primFontSz" fact="0.05"/>
-                <dgm:constr type="rMarg" refType="primFontSz" fact="0.05"/>
-              </dgm:constrLst>
-            </dgm:if>
-            <dgm:else name="Name9">
-              <dgm:constrLst>
-                <dgm:constr type="secFontSz" refType="primFontSz"/>
-                <dgm:constr type="tMarg" refType="primFontSz" fact="0.05"/>
-                <dgm:constr type="bMarg" refType="primFontSz" fact="0.05"/>
-                <dgm:constr type="lMarg" refType="primFontSz" fact="0.05"/>
-              </dgm:constrLst>
-            </dgm:else>
-          </dgm:choose>
-          <dgm:ruleLst>
-            <dgm:rule type="primFontSz" val="5" fact="NaN" max="NaN"/>
-          </dgm:ruleLst>
-        </dgm:layoutNode>
-      </dgm:layoutNode>
-      <dgm:forEach name="Name10" axis="followSib" ptType="sibTrans" cnt="1">
-        <dgm:layoutNode name="sp">
-          <dgm:alg type="sp"/>
-          <dgm:shape xmlns:r="http://schemas.openxmlformats.org/officeDocument/2006/relationships" r:blip="">
-            <dgm:adjLst/>
-          </dgm:shape>
-          <dgm:presOf axis="self"/>
-          <dgm:constrLst>
-            <dgm:constr type="w" val="1"/>
-            <dgm:constr type="h" val="37.5"/>
-          </dgm:constrLst>
-          <dgm:ruleLst/>
-        </dgm:layoutNode>
-      </dgm:forEach>
-    </dgm:forEach>
-  </dgm:layoutNode>
-</dgm:layoutDef>
-</file>
-
-<file path=ppt/diagrams/layout8.xml><?xml version="1.0" encoding="utf-8"?>
 <dgm:layoutDef xmlns:dgm="http://schemas.openxmlformats.org/drawingml/2006/diagram" xmlns:a="http://schemas.openxmlformats.org/drawingml/2006/main" uniqueId="urn:microsoft.com/office/officeart/2005/8/layout/venn1">
   <dgm:title val=""/>
   <dgm:desc val=""/>
@@ -20535,6 +20536,1040 @@
 </dgm:styleDef>
 </file>
 
+<file path=ppt/diagrams/quickStyle5.xml><?xml version="1.0" encoding="utf-8"?>
+<dgm:styleDef xmlns:dgm="http://schemas.openxmlformats.org/drawingml/2006/diagram" xmlns:a="http://schemas.openxmlformats.org/drawingml/2006/main" uniqueId="urn:microsoft.com/office/officeart/2005/8/quickstyle/simple1">
+  <dgm:title val=""/>
+  <dgm:desc val=""/>
+  <dgm:catLst>
+    <dgm:cat type="simple" pri="10100"/>
+  </dgm:catLst>
+  <dgm:scene3d>
+    <a:camera prst="orthographicFront"/>
+    <a:lightRig rig="threePt" dir="t"/>
+  </dgm:scene3d>
+  <dgm:styleLbl name="node0">
+    <dgm:scene3d>
+      <a:camera prst="orthographicFront"/>
+      <a:lightRig rig="threePt" dir="t"/>
+    </dgm:scene3d>
+    <dgm:sp3d/>
+    <dgm:txPr/>
+    <dgm:style>
+      <a:lnRef idx="2">
+        <a:scrgbClr r="0" g="0" b="0"/>
+      </a:lnRef>
+      <a:fillRef idx="1">
+        <a:scrgbClr r="0" g="0" b="0"/>
+      </a:fillRef>
+      <a:effectRef idx="0">
+        <a:scrgbClr r="0" g="0" b="0"/>
+      </a:effectRef>
+      <a:fontRef idx="minor">
+        <a:schemeClr val="lt1"/>
+      </a:fontRef>
+    </dgm:style>
+  </dgm:styleLbl>
+  <dgm:styleLbl name="lnNode1">
+    <dgm:scene3d>
+      <a:camera prst="orthographicFront"/>
+      <a:lightRig rig="threePt" dir="t"/>
+    </dgm:scene3d>
+    <dgm:sp3d/>
+    <dgm:txPr/>
+    <dgm:style>
+      <a:lnRef idx="2">
+        <a:scrgbClr r="0" g="0" b="0"/>
+      </a:lnRef>
+      <a:fillRef idx="1">
+        <a:scrgbClr r="0" g="0" b="0"/>
+      </a:fillRef>
+      <a:effectRef idx="0">
+        <a:scrgbClr r="0" g="0" b="0"/>
+      </a:effectRef>
+      <a:fontRef idx="minor">
+        <a:schemeClr val="lt1"/>
+      </a:fontRef>
+    </dgm:style>
+  </dgm:styleLbl>
+  <dgm:styleLbl name="vennNode1">
+    <dgm:scene3d>
+      <a:camera prst="orthographicFront"/>
+      <a:lightRig rig="threePt" dir="t"/>
+    </dgm:scene3d>
+    <dgm:sp3d/>
+    <dgm:txPr/>
+    <dgm:style>
+      <a:lnRef idx="2">
+        <a:scrgbClr r="0" g="0" b="0"/>
+      </a:lnRef>
+      <a:fillRef idx="1">
+        <a:scrgbClr r="0" g="0" b="0"/>
+      </a:fillRef>
+      <a:effectRef idx="0">
+        <a:scrgbClr r="0" g="0" b="0"/>
+      </a:effectRef>
+      <a:fontRef idx="minor">
+        <a:schemeClr val="tx1"/>
+      </a:fontRef>
+    </dgm:style>
+  </dgm:styleLbl>
+  <dgm:styleLbl name="alignNode1">
+    <dgm:scene3d>
+      <a:camera prst="orthographicFront"/>
+      <a:lightRig rig="threePt" dir="t"/>
+    </dgm:scene3d>
+    <dgm:sp3d/>
+    <dgm:txPr/>
+    <dgm:style>
+      <a:lnRef idx="2">
+        <a:scrgbClr r="0" g="0" b="0"/>
+      </a:lnRef>
+      <a:fillRef idx="1">
+        <a:scrgbClr r="0" g="0" b="0"/>
+      </a:fillRef>
+      <a:effectRef idx="0">
+        <a:scrgbClr r="0" g="0" b="0"/>
+      </a:effectRef>
+      <a:fontRef idx="minor">
+        <a:schemeClr val="lt1"/>
+      </a:fontRef>
+    </dgm:style>
+  </dgm:styleLbl>
+  <dgm:styleLbl name="node1">
+    <dgm:scene3d>
+      <a:camera prst="orthographicFront"/>
+      <a:lightRig rig="threePt" dir="t"/>
+    </dgm:scene3d>
+    <dgm:sp3d/>
+    <dgm:txPr/>
+    <dgm:style>
+      <a:lnRef idx="2">
+        <a:scrgbClr r="0" g="0" b="0"/>
+      </a:lnRef>
+      <a:fillRef idx="1">
+        <a:scrgbClr r="0" g="0" b="0"/>
+      </a:fillRef>
+      <a:effectRef idx="0">
+        <a:scrgbClr r="0" g="0" b="0"/>
+      </a:effectRef>
+      <a:fontRef idx="minor">
+        <a:schemeClr val="lt1"/>
+      </a:fontRef>
+    </dgm:style>
+  </dgm:styleLbl>
+  <dgm:styleLbl name="node2">
+    <dgm:scene3d>
+      <a:camera prst="orthographicFront"/>
+      <a:lightRig rig="threePt" dir="t"/>
+    </dgm:scene3d>
+    <dgm:sp3d/>
+    <dgm:txPr/>
+    <dgm:style>
+      <a:lnRef idx="2">
+        <a:scrgbClr r="0" g="0" b="0"/>
+      </a:lnRef>
+      <a:fillRef idx="1">
+        <a:scrgbClr r="0" g="0" b="0"/>
+      </a:fillRef>
+      <a:effectRef idx="0">
+        <a:scrgbClr r="0" g="0" b="0"/>
+      </a:effectRef>
+      <a:fontRef idx="minor">
+        <a:schemeClr val="lt1"/>
+      </a:fontRef>
+    </dgm:style>
+  </dgm:styleLbl>
+  <dgm:styleLbl name="node3">
+    <dgm:scene3d>
+      <a:camera prst="orthographicFront"/>
+      <a:lightRig rig="threePt" dir="t"/>
+    </dgm:scene3d>
+    <dgm:sp3d/>
+    <dgm:txPr/>
+    <dgm:style>
+      <a:lnRef idx="2">
+        <a:scrgbClr r="0" g="0" b="0"/>
+      </a:lnRef>
+      <a:fillRef idx="1">
+        <a:scrgbClr r="0" g="0" b="0"/>
+      </a:fillRef>
+      <a:effectRef idx="0">
+        <a:scrgbClr r="0" g="0" b="0"/>
+      </a:effectRef>
+      <a:fontRef idx="minor">
+        <a:schemeClr val="lt1"/>
+      </a:fontRef>
+    </dgm:style>
+  </dgm:styleLbl>
+  <dgm:styleLbl name="node4">
+    <dgm:scene3d>
+      <a:camera prst="orthographicFront"/>
+      <a:lightRig rig="threePt" dir="t"/>
+    </dgm:scene3d>
+    <dgm:sp3d/>
+    <dgm:txPr/>
+    <dgm:style>
+      <a:lnRef idx="2">
+        <a:scrgbClr r="0" g="0" b="0"/>
+      </a:lnRef>
+      <a:fillRef idx="1">
+        <a:scrgbClr r="0" g="0" b="0"/>
+      </a:fillRef>
+      <a:effectRef idx="0">
+        <a:scrgbClr r="0" g="0" b="0"/>
+      </a:effectRef>
+      <a:fontRef idx="minor">
+        <a:schemeClr val="lt1"/>
+      </a:fontRef>
+    </dgm:style>
+  </dgm:styleLbl>
+  <dgm:styleLbl name="fgImgPlace1">
+    <dgm:scene3d>
+      <a:camera prst="orthographicFront"/>
+      <a:lightRig rig="threePt" dir="t"/>
+    </dgm:scene3d>
+    <dgm:sp3d/>
+    <dgm:txPr/>
+    <dgm:style>
+      <a:lnRef idx="2">
+        <a:scrgbClr r="0" g="0" b="0"/>
+      </a:lnRef>
+      <a:fillRef idx="1">
+        <a:scrgbClr r="0" g="0" b="0"/>
+      </a:fillRef>
+      <a:effectRef idx="0">
+        <a:scrgbClr r="0" g="0" b="0"/>
+      </a:effectRef>
+      <a:fontRef idx="minor"/>
+    </dgm:style>
+  </dgm:styleLbl>
+  <dgm:styleLbl name="alignImgPlace1">
+    <dgm:scene3d>
+      <a:camera prst="orthographicFront"/>
+      <a:lightRig rig="threePt" dir="t"/>
+    </dgm:scene3d>
+    <dgm:sp3d/>
+    <dgm:txPr/>
+    <dgm:style>
+      <a:lnRef idx="2">
+        <a:scrgbClr r="0" g="0" b="0"/>
+      </a:lnRef>
+      <a:fillRef idx="1">
+        <a:scrgbClr r="0" g="0" b="0"/>
+      </a:fillRef>
+      <a:effectRef idx="0">
+        <a:scrgbClr r="0" g="0" b="0"/>
+      </a:effectRef>
+      <a:fontRef idx="minor"/>
+    </dgm:style>
+  </dgm:styleLbl>
+  <dgm:styleLbl name="bgImgPlace1">
+    <dgm:scene3d>
+      <a:camera prst="orthographicFront"/>
+      <a:lightRig rig="threePt" dir="t"/>
+    </dgm:scene3d>
+    <dgm:sp3d/>
+    <dgm:txPr/>
+    <dgm:style>
+      <a:lnRef idx="2">
+        <a:scrgbClr r="0" g="0" b="0"/>
+      </a:lnRef>
+      <a:fillRef idx="1">
+        <a:scrgbClr r="0" g="0" b="0"/>
+      </a:fillRef>
+      <a:effectRef idx="0">
+        <a:scrgbClr r="0" g="0" b="0"/>
+      </a:effectRef>
+      <a:fontRef idx="minor"/>
+    </dgm:style>
+  </dgm:styleLbl>
+  <dgm:styleLbl name="sibTrans2D1">
+    <dgm:scene3d>
+      <a:camera prst="orthographicFront"/>
+      <a:lightRig rig="threePt" dir="t"/>
+    </dgm:scene3d>
+    <dgm:sp3d/>
+    <dgm:txPr/>
+    <dgm:style>
+      <a:lnRef idx="0">
+        <a:scrgbClr r="0" g="0" b="0"/>
+      </a:lnRef>
+      <a:fillRef idx="1">
+        <a:scrgbClr r="0" g="0" b="0"/>
+      </a:fillRef>
+      <a:effectRef idx="0">
+        <a:scrgbClr r="0" g="0" b="0"/>
+      </a:effectRef>
+      <a:fontRef idx="minor">
+        <a:schemeClr val="lt1"/>
+      </a:fontRef>
+    </dgm:style>
+  </dgm:styleLbl>
+  <dgm:styleLbl name="fgSibTrans2D1">
+    <dgm:scene3d>
+      <a:camera prst="orthographicFront"/>
+      <a:lightRig rig="threePt" dir="t"/>
+    </dgm:scene3d>
+    <dgm:sp3d/>
+    <dgm:txPr/>
+    <dgm:style>
+      <a:lnRef idx="0">
+        <a:scrgbClr r="0" g="0" b="0"/>
+      </a:lnRef>
+      <a:fillRef idx="1">
+        <a:scrgbClr r="0" g="0" b="0"/>
+      </a:fillRef>
+      <a:effectRef idx="0">
+        <a:scrgbClr r="0" g="0" b="0"/>
+      </a:effectRef>
+      <a:fontRef idx="minor">
+        <a:schemeClr val="lt1"/>
+      </a:fontRef>
+    </dgm:style>
+  </dgm:styleLbl>
+  <dgm:styleLbl name="bgSibTrans2D1">
+    <dgm:scene3d>
+      <a:camera prst="orthographicFront"/>
+      <a:lightRig rig="threePt" dir="t"/>
+    </dgm:scene3d>
+    <dgm:sp3d/>
+    <dgm:txPr/>
+    <dgm:style>
+      <a:lnRef idx="0">
+        <a:scrgbClr r="0" g="0" b="0"/>
+      </a:lnRef>
+      <a:fillRef idx="1">
+        <a:scrgbClr r="0" g="0" b="0"/>
+      </a:fillRef>
+      <a:effectRef idx="0">
+        <a:scrgbClr r="0" g="0" b="0"/>
+      </a:effectRef>
+      <a:fontRef idx="minor">
+        <a:schemeClr val="lt1"/>
+      </a:fontRef>
+    </dgm:style>
+  </dgm:styleLbl>
+  <dgm:styleLbl name="sibTrans1D1">
+    <dgm:scene3d>
+      <a:camera prst="orthographicFront"/>
+      <a:lightRig rig="threePt" dir="t"/>
+    </dgm:scene3d>
+    <dgm:sp3d/>
+    <dgm:txPr/>
+    <dgm:style>
+      <a:lnRef idx="1">
+        <a:scrgbClr r="0" g="0" b="0"/>
+      </a:lnRef>
+      <a:fillRef idx="0">
+        <a:scrgbClr r="0" g="0" b="0"/>
+      </a:fillRef>
+      <a:effectRef idx="0">
+        <a:scrgbClr r="0" g="0" b="0"/>
+      </a:effectRef>
+      <a:fontRef idx="minor"/>
+    </dgm:style>
+  </dgm:styleLbl>
+  <dgm:styleLbl name="callout">
+    <dgm:scene3d>
+      <a:camera prst="orthographicFront"/>
+      <a:lightRig rig="threePt" dir="t"/>
+    </dgm:scene3d>
+    <dgm:sp3d/>
+    <dgm:txPr/>
+    <dgm:style>
+      <a:lnRef idx="2">
+        <a:scrgbClr r="0" g="0" b="0"/>
+      </a:lnRef>
+      <a:fillRef idx="1">
+        <a:scrgbClr r="0" g="0" b="0"/>
+      </a:fillRef>
+      <a:effectRef idx="0">
+        <a:scrgbClr r="0" g="0" b="0"/>
+      </a:effectRef>
+      <a:fontRef idx="minor"/>
+    </dgm:style>
+  </dgm:styleLbl>
+  <dgm:styleLbl name="asst0">
+    <dgm:scene3d>
+      <a:camera prst="orthographicFront"/>
+      <a:lightRig rig="threePt" dir="t"/>
+    </dgm:scene3d>
+    <dgm:sp3d/>
+    <dgm:txPr/>
+    <dgm:style>
+      <a:lnRef idx="2">
+        <a:scrgbClr r="0" g="0" b="0"/>
+      </a:lnRef>
+      <a:fillRef idx="1">
+        <a:scrgbClr r="0" g="0" b="0"/>
+      </a:fillRef>
+      <a:effectRef idx="0">
+        <a:scrgbClr r="0" g="0" b="0"/>
+      </a:effectRef>
+      <a:fontRef idx="minor">
+        <a:schemeClr val="lt1"/>
+      </a:fontRef>
+    </dgm:style>
+  </dgm:styleLbl>
+  <dgm:styleLbl name="asst1">
+    <dgm:scene3d>
+      <a:camera prst="orthographicFront"/>
+      <a:lightRig rig="threePt" dir="t"/>
+    </dgm:scene3d>
+    <dgm:sp3d/>
+    <dgm:txPr/>
+    <dgm:style>
+      <a:lnRef idx="2">
+        <a:scrgbClr r="0" g="0" b="0"/>
+      </a:lnRef>
+      <a:fillRef idx="1">
+        <a:scrgbClr r="0" g="0" b="0"/>
+      </a:fillRef>
+      <a:effectRef idx="0">
+        <a:scrgbClr r="0" g="0" b="0"/>
+      </a:effectRef>
+      <a:fontRef idx="minor">
+        <a:schemeClr val="lt1"/>
+      </a:fontRef>
+    </dgm:style>
+  </dgm:styleLbl>
+  <dgm:styleLbl name="asst2">
+    <dgm:scene3d>
+      <a:camera prst="orthographicFront"/>
+      <a:lightRig rig="threePt" dir="t"/>
+    </dgm:scene3d>
+    <dgm:sp3d/>
+    <dgm:txPr/>
+    <dgm:style>
+      <a:lnRef idx="2">
+        <a:scrgbClr r="0" g="0" b="0"/>
+      </a:lnRef>
+      <a:fillRef idx="1">
+        <a:scrgbClr r="0" g="0" b="0"/>
+      </a:fillRef>
+      <a:effectRef idx="0">
+        <a:scrgbClr r="0" g="0" b="0"/>
+      </a:effectRef>
+      <a:fontRef idx="minor">
+        <a:schemeClr val="lt1"/>
+      </a:fontRef>
+    </dgm:style>
+  </dgm:styleLbl>
+  <dgm:styleLbl name="asst3">
+    <dgm:scene3d>
+      <a:camera prst="orthographicFront"/>
+      <a:lightRig rig="threePt" dir="t"/>
+    </dgm:scene3d>
+    <dgm:sp3d/>
+    <dgm:txPr/>
+    <dgm:style>
+      <a:lnRef idx="2">
+        <a:scrgbClr r="0" g="0" b="0"/>
+      </a:lnRef>
+      <a:fillRef idx="1">
+        <a:scrgbClr r="0" g="0" b="0"/>
+      </a:fillRef>
+      <a:effectRef idx="0">
+        <a:scrgbClr r="0" g="0" b="0"/>
+      </a:effectRef>
+      <a:fontRef idx="minor">
+        <a:schemeClr val="lt1"/>
+      </a:fontRef>
+    </dgm:style>
+  </dgm:styleLbl>
+  <dgm:styleLbl name="asst4">
+    <dgm:scene3d>
+      <a:camera prst="orthographicFront"/>
+      <a:lightRig rig="threePt" dir="t"/>
+    </dgm:scene3d>
+    <dgm:sp3d/>
+    <dgm:txPr/>
+    <dgm:style>
+      <a:lnRef idx="2">
+        <a:scrgbClr r="0" g="0" b="0"/>
+      </a:lnRef>
+      <a:fillRef idx="1">
+        <a:scrgbClr r="0" g="0" b="0"/>
+      </a:fillRef>
+      <a:effectRef idx="0">
+        <a:scrgbClr r="0" g="0" b="0"/>
+      </a:effectRef>
+      <a:fontRef idx="minor">
+        <a:schemeClr val="lt1"/>
+      </a:fontRef>
+    </dgm:style>
+  </dgm:styleLbl>
+  <dgm:styleLbl name="parChTrans2D1">
+    <dgm:scene3d>
+      <a:camera prst="orthographicFront"/>
+      <a:lightRig rig="threePt" dir="t"/>
+    </dgm:scene3d>
+    <dgm:sp3d/>
+    <dgm:txPr/>
+    <dgm:style>
+      <a:lnRef idx="2">
+        <a:scrgbClr r="0" g="0" b="0"/>
+      </a:lnRef>
+      <a:fillRef idx="1">
+        <a:scrgbClr r="0" g="0" b="0"/>
+      </a:fillRef>
+      <a:effectRef idx="0">
+        <a:scrgbClr r="0" g="0" b="0"/>
+      </a:effectRef>
+      <a:fontRef idx="minor">
+        <a:schemeClr val="lt1"/>
+      </a:fontRef>
+    </dgm:style>
+  </dgm:styleLbl>
+  <dgm:styleLbl name="parChTrans2D2">
+    <dgm:scene3d>
+      <a:camera prst="orthographicFront"/>
+      <a:lightRig rig="threePt" dir="t"/>
+    </dgm:scene3d>
+    <dgm:sp3d/>
+    <dgm:txPr/>
+    <dgm:style>
+      <a:lnRef idx="2">
+        <a:scrgbClr r="0" g="0" b="0"/>
+      </a:lnRef>
+      <a:fillRef idx="1">
+        <a:scrgbClr r="0" g="0" b="0"/>
+      </a:fillRef>
+      <a:effectRef idx="0">
+        <a:scrgbClr r="0" g="0" b="0"/>
+      </a:effectRef>
+      <a:fontRef idx="minor">
+        <a:schemeClr val="lt1"/>
+      </a:fontRef>
+    </dgm:style>
+  </dgm:styleLbl>
+  <dgm:styleLbl name="parChTrans2D3">
+    <dgm:scene3d>
+      <a:camera prst="orthographicFront"/>
+      <a:lightRig rig="threePt" dir="t"/>
+    </dgm:scene3d>
+    <dgm:sp3d/>
+    <dgm:txPr/>
+    <dgm:style>
+      <a:lnRef idx="2">
+        <a:scrgbClr r="0" g="0" b="0"/>
+      </a:lnRef>
+      <a:fillRef idx="1">
+        <a:scrgbClr r="0" g="0" b="0"/>
+      </a:fillRef>
+      <a:effectRef idx="0">
+        <a:scrgbClr r="0" g="0" b="0"/>
+      </a:effectRef>
+      <a:fontRef idx="minor">
+        <a:schemeClr val="lt1"/>
+      </a:fontRef>
+    </dgm:style>
+  </dgm:styleLbl>
+  <dgm:styleLbl name="parChTrans2D4">
+    <dgm:scene3d>
+      <a:camera prst="orthographicFront"/>
+      <a:lightRig rig="threePt" dir="t"/>
+    </dgm:scene3d>
+    <dgm:sp3d/>
+    <dgm:txPr/>
+    <dgm:style>
+      <a:lnRef idx="2">
+        <a:scrgbClr r="0" g="0" b="0"/>
+      </a:lnRef>
+      <a:fillRef idx="1">
+        <a:scrgbClr r="0" g="0" b="0"/>
+      </a:fillRef>
+      <a:effectRef idx="0">
+        <a:scrgbClr r="0" g="0" b="0"/>
+      </a:effectRef>
+      <a:fontRef idx="minor">
+        <a:schemeClr val="lt1"/>
+      </a:fontRef>
+    </dgm:style>
+  </dgm:styleLbl>
+  <dgm:styleLbl name="parChTrans1D1">
+    <dgm:scene3d>
+      <a:camera prst="orthographicFront"/>
+      <a:lightRig rig="threePt" dir="t"/>
+    </dgm:scene3d>
+    <dgm:sp3d/>
+    <dgm:txPr/>
+    <dgm:style>
+      <a:lnRef idx="2">
+        <a:scrgbClr r="0" g="0" b="0"/>
+      </a:lnRef>
+      <a:fillRef idx="0">
+        <a:scrgbClr r="0" g="0" b="0"/>
+      </a:fillRef>
+      <a:effectRef idx="0">
+        <a:scrgbClr r="0" g="0" b="0"/>
+      </a:effectRef>
+      <a:fontRef idx="minor"/>
+    </dgm:style>
+  </dgm:styleLbl>
+  <dgm:styleLbl name="parChTrans1D2">
+    <dgm:scene3d>
+      <a:camera prst="orthographicFront"/>
+      <a:lightRig rig="threePt" dir="t"/>
+    </dgm:scene3d>
+    <dgm:sp3d/>
+    <dgm:txPr/>
+    <dgm:style>
+      <a:lnRef idx="2">
+        <a:scrgbClr r="0" g="0" b="0"/>
+      </a:lnRef>
+      <a:fillRef idx="0">
+        <a:scrgbClr r="0" g="0" b="0"/>
+      </a:fillRef>
+      <a:effectRef idx="0">
+        <a:scrgbClr r="0" g="0" b="0"/>
+      </a:effectRef>
+      <a:fontRef idx="minor"/>
+    </dgm:style>
+  </dgm:styleLbl>
+  <dgm:styleLbl name="parChTrans1D3">
+    <dgm:scene3d>
+      <a:camera prst="orthographicFront"/>
+      <a:lightRig rig="threePt" dir="t"/>
+    </dgm:scene3d>
+    <dgm:sp3d/>
+    <dgm:txPr/>
+    <dgm:style>
+      <a:lnRef idx="2">
+        <a:scrgbClr r="0" g="0" b="0"/>
+      </a:lnRef>
+      <a:fillRef idx="0">
+        <a:scrgbClr r="0" g="0" b="0"/>
+      </a:fillRef>
+      <a:effectRef idx="0">
+        <a:scrgbClr r="0" g="0" b="0"/>
+      </a:effectRef>
+      <a:fontRef idx="minor"/>
+    </dgm:style>
+  </dgm:styleLbl>
+  <dgm:styleLbl name="parChTrans1D4">
+    <dgm:scene3d>
+      <a:camera prst="orthographicFront"/>
+      <a:lightRig rig="threePt" dir="t"/>
+    </dgm:scene3d>
+    <dgm:sp3d/>
+    <dgm:txPr/>
+    <dgm:style>
+      <a:lnRef idx="2">
+        <a:scrgbClr r="0" g="0" b="0"/>
+      </a:lnRef>
+      <a:fillRef idx="0">
+        <a:scrgbClr r="0" g="0" b="0"/>
+      </a:fillRef>
+      <a:effectRef idx="0">
+        <a:scrgbClr r="0" g="0" b="0"/>
+      </a:effectRef>
+      <a:fontRef idx="minor"/>
+    </dgm:style>
+  </dgm:styleLbl>
+  <dgm:styleLbl name="fgAcc1">
+    <dgm:scene3d>
+      <a:camera prst="orthographicFront"/>
+      <a:lightRig rig="threePt" dir="t"/>
+    </dgm:scene3d>
+    <dgm:sp3d/>
+    <dgm:txPr/>
+    <dgm:style>
+      <a:lnRef idx="2">
+        <a:scrgbClr r="0" g="0" b="0"/>
+      </a:lnRef>
+      <a:fillRef idx="1">
+        <a:scrgbClr r="0" g="0" b="0"/>
+      </a:fillRef>
+      <a:effectRef idx="0">
+        <a:scrgbClr r="0" g="0" b="0"/>
+      </a:effectRef>
+      <a:fontRef idx="minor"/>
+    </dgm:style>
+  </dgm:styleLbl>
+  <dgm:styleLbl name="conFgAcc1">
+    <dgm:scene3d>
+      <a:camera prst="orthographicFront"/>
+      <a:lightRig rig="threePt" dir="t"/>
+    </dgm:scene3d>
+    <dgm:sp3d/>
+    <dgm:txPr/>
+    <dgm:style>
+      <a:lnRef idx="2">
+        <a:scrgbClr r="0" g="0" b="0"/>
+      </a:lnRef>
+      <a:fillRef idx="1">
+        <a:scrgbClr r="0" g="0" b="0"/>
+      </a:fillRef>
+      <a:effectRef idx="0">
+        <a:scrgbClr r="0" g="0" b="0"/>
+      </a:effectRef>
+      <a:fontRef idx="minor"/>
+    </dgm:style>
+  </dgm:styleLbl>
+  <dgm:styleLbl name="alignAcc1">
+    <dgm:scene3d>
+      <a:camera prst="orthographicFront"/>
+      <a:lightRig rig="threePt" dir="t"/>
+    </dgm:scene3d>
+    <dgm:sp3d/>
+    <dgm:txPr/>
+    <dgm:style>
+      <a:lnRef idx="2">
+        <a:scrgbClr r="0" g="0" b="0"/>
+      </a:lnRef>
+      <a:fillRef idx="1">
+        <a:scrgbClr r="0" g="0" b="0"/>
+      </a:fillRef>
+      <a:effectRef idx="0">
+        <a:scrgbClr r="0" g="0" b="0"/>
+      </a:effectRef>
+      <a:fontRef idx="minor"/>
+    </dgm:style>
+  </dgm:styleLbl>
+  <dgm:styleLbl name="trAlignAcc1">
+    <dgm:scene3d>
+      <a:camera prst="orthographicFront"/>
+      <a:lightRig rig="threePt" dir="t"/>
+    </dgm:scene3d>
+    <dgm:sp3d/>
+    <dgm:txPr/>
+    <dgm:style>
+      <a:lnRef idx="1">
+        <a:scrgbClr r="0" g="0" b="0"/>
+      </a:lnRef>
+      <a:fillRef idx="1">
+        <a:scrgbClr r="0" g="0" b="0"/>
+      </a:fillRef>
+      <a:effectRef idx="0">
+        <a:scrgbClr r="0" g="0" b="0"/>
+      </a:effectRef>
+      <a:fontRef idx="minor"/>
+    </dgm:style>
+  </dgm:styleLbl>
+  <dgm:styleLbl name="bgAcc1">
+    <dgm:scene3d>
+      <a:camera prst="orthographicFront"/>
+      <a:lightRig rig="threePt" dir="t"/>
+    </dgm:scene3d>
+    <dgm:sp3d/>
+    <dgm:txPr/>
+    <dgm:style>
+      <a:lnRef idx="2">
+        <a:scrgbClr r="0" g="0" b="0"/>
+      </a:lnRef>
+      <a:fillRef idx="1">
+        <a:scrgbClr r="0" g="0" b="0"/>
+      </a:fillRef>
+      <a:effectRef idx="0">
+        <a:scrgbClr r="0" g="0" b="0"/>
+      </a:effectRef>
+      <a:fontRef idx="minor"/>
+    </dgm:style>
+  </dgm:styleLbl>
+  <dgm:styleLbl name="solidFgAcc1">
+    <dgm:scene3d>
+      <a:camera prst="orthographicFront"/>
+      <a:lightRig rig="threePt" dir="t"/>
+    </dgm:scene3d>
+    <dgm:sp3d/>
+    <dgm:txPr/>
+    <dgm:style>
+      <a:lnRef idx="2">
+        <a:scrgbClr r="0" g="0" b="0"/>
+      </a:lnRef>
+      <a:fillRef idx="1">
+        <a:scrgbClr r="0" g="0" b="0"/>
+      </a:fillRef>
+      <a:effectRef idx="0">
+        <a:scrgbClr r="0" g="0" b="0"/>
+      </a:effectRef>
+      <a:fontRef idx="minor"/>
+    </dgm:style>
+  </dgm:styleLbl>
+  <dgm:styleLbl name="solidAlignAcc1">
+    <dgm:scene3d>
+      <a:camera prst="orthographicFront"/>
+      <a:lightRig rig="threePt" dir="t"/>
+    </dgm:scene3d>
+    <dgm:sp3d/>
+    <dgm:txPr/>
+    <dgm:style>
+      <a:lnRef idx="2">
+        <a:scrgbClr r="0" g="0" b="0"/>
+      </a:lnRef>
+      <a:fillRef idx="1">
+        <a:scrgbClr r="0" g="0" b="0"/>
+      </a:fillRef>
+      <a:effectRef idx="0">
+        <a:scrgbClr r="0" g="0" b="0"/>
+      </a:effectRef>
+      <a:fontRef idx="minor"/>
+    </dgm:style>
+  </dgm:styleLbl>
+  <dgm:styleLbl name="solidBgAcc1">
+    <dgm:scene3d>
+      <a:camera prst="orthographicFront"/>
+      <a:lightRig rig="threePt" dir="t"/>
+    </dgm:scene3d>
+    <dgm:sp3d/>
+    <dgm:txPr/>
+    <dgm:style>
+      <a:lnRef idx="2">
+        <a:scrgbClr r="0" g="0" b="0"/>
+      </a:lnRef>
+      <a:fillRef idx="1">
+        <a:scrgbClr r="0" g="0" b="0"/>
+      </a:fillRef>
+      <a:effectRef idx="0">
+        <a:scrgbClr r="0" g="0" b="0"/>
+      </a:effectRef>
+      <a:fontRef idx="minor"/>
+    </dgm:style>
+  </dgm:styleLbl>
+  <dgm:styleLbl name="fgAccFollowNode1">
+    <dgm:scene3d>
+      <a:camera prst="orthographicFront"/>
+      <a:lightRig rig="threePt" dir="t"/>
+    </dgm:scene3d>
+    <dgm:sp3d/>
+    <dgm:txPr/>
+    <dgm:style>
+      <a:lnRef idx="2">
+        <a:scrgbClr r="0" g="0" b="0"/>
+      </a:lnRef>
+      <a:fillRef idx="1">
+        <a:scrgbClr r="0" g="0" b="0"/>
+      </a:fillRef>
+      <a:effectRef idx="0">
+        <a:scrgbClr r="0" g="0" b="0"/>
+      </a:effectRef>
+      <a:fontRef idx="minor"/>
+    </dgm:style>
+  </dgm:styleLbl>
+  <dgm:styleLbl name="alignAccFollowNode1">
+    <dgm:scene3d>
+      <a:camera prst="orthographicFront"/>
+      <a:lightRig rig="threePt" dir="t"/>
+    </dgm:scene3d>
+    <dgm:sp3d/>
+    <dgm:txPr/>
+    <dgm:style>
+      <a:lnRef idx="2">
+        <a:scrgbClr r="0" g="0" b="0"/>
+      </a:lnRef>
+      <a:fillRef idx="1">
+        <a:scrgbClr r="0" g="0" b="0"/>
+      </a:fillRef>
+      <a:effectRef idx="0">
+        <a:scrgbClr r="0" g="0" b="0"/>
+      </a:effectRef>
+      <a:fontRef idx="minor"/>
+    </dgm:style>
+  </dgm:styleLbl>
+  <dgm:styleLbl name="bgAccFollowNode1">
+    <dgm:scene3d>
+      <a:camera prst="orthographicFront"/>
+      <a:lightRig rig="threePt" dir="t"/>
+    </dgm:scene3d>
+    <dgm:sp3d/>
+    <dgm:txPr/>
+    <dgm:style>
+      <a:lnRef idx="2">
+        <a:scrgbClr r="0" g="0" b="0"/>
+      </a:lnRef>
+      <a:fillRef idx="1">
+        <a:scrgbClr r="0" g="0" b="0"/>
+      </a:fillRef>
+      <a:effectRef idx="0">
+        <a:scrgbClr r="0" g="0" b="0"/>
+      </a:effectRef>
+      <a:fontRef idx="minor"/>
+    </dgm:style>
+  </dgm:styleLbl>
+  <dgm:styleLbl name="fgAcc0">
+    <dgm:scene3d>
+      <a:camera prst="orthographicFront"/>
+      <a:lightRig rig="threePt" dir="t"/>
+    </dgm:scene3d>
+    <dgm:sp3d/>
+    <dgm:txPr/>
+    <dgm:style>
+      <a:lnRef idx="2">
+        <a:scrgbClr r="0" g="0" b="0"/>
+      </a:lnRef>
+      <a:fillRef idx="1">
+        <a:scrgbClr r="0" g="0" b="0"/>
+      </a:fillRef>
+      <a:effectRef idx="0">
+        <a:scrgbClr r="0" g="0" b="0"/>
+      </a:effectRef>
+      <a:fontRef idx="minor"/>
+    </dgm:style>
+  </dgm:styleLbl>
+  <dgm:styleLbl name="fgAcc2">
+    <dgm:scene3d>
+      <a:camera prst="orthographicFront"/>
+      <a:lightRig rig="threePt" dir="t"/>
+    </dgm:scene3d>
+    <dgm:sp3d/>
+    <dgm:txPr/>
+    <dgm:style>
+      <a:lnRef idx="2">
+        <a:scrgbClr r="0" g="0" b="0"/>
+      </a:lnRef>
+      <a:fillRef idx="1">
+        <a:scrgbClr r="0" g="0" b="0"/>
+      </a:fillRef>
+      <a:effectRef idx="0">
+        <a:scrgbClr r="0" g="0" b="0"/>
+      </a:effectRef>
+      <a:fontRef idx="minor"/>
+    </dgm:style>
+  </dgm:styleLbl>
+  <dgm:styleLbl name="fgAcc3">
+    <dgm:scene3d>
+      <a:camera prst="orthographicFront"/>
+      <a:lightRig rig="threePt" dir="t"/>
+    </dgm:scene3d>
+    <dgm:sp3d/>
+    <dgm:txPr/>
+    <dgm:style>
+      <a:lnRef idx="2">
+        <a:scrgbClr r="0" g="0" b="0"/>
+      </a:lnRef>
+      <a:fillRef idx="1">
+        <a:scrgbClr r="0" g="0" b="0"/>
+      </a:fillRef>
+      <a:effectRef idx="0">
+        <a:scrgbClr r="0" g="0" b="0"/>
+      </a:effectRef>
+      <a:fontRef idx="minor"/>
+    </dgm:style>
+  </dgm:styleLbl>
+  <dgm:styleLbl name="fgAcc4">
+    <dgm:scene3d>
+      <a:camera prst="orthographicFront"/>
+      <a:lightRig rig="threePt" dir="t"/>
+    </dgm:scene3d>
+    <dgm:sp3d/>
+    <dgm:txPr/>
+    <dgm:style>
+      <a:lnRef idx="2">
+        <a:scrgbClr r="0" g="0" b="0"/>
+      </a:lnRef>
+      <a:fillRef idx="1">
+        <a:scrgbClr r="0" g="0" b="0"/>
+      </a:fillRef>
+      <a:effectRef idx="0">
+        <a:scrgbClr r="0" g="0" b="0"/>
+      </a:effectRef>
+      <a:fontRef idx="minor"/>
+    </dgm:style>
+  </dgm:styleLbl>
+  <dgm:styleLbl name="bgShp">
+    <dgm:scene3d>
+      <a:camera prst="orthographicFront"/>
+      <a:lightRig rig="threePt" dir="t"/>
+    </dgm:scene3d>
+    <dgm:sp3d/>
+    <dgm:txPr/>
+    <dgm:style>
+      <a:lnRef idx="0">
+        <a:scrgbClr r="0" g="0" b="0"/>
+      </a:lnRef>
+      <a:fillRef idx="1">
+        <a:scrgbClr r="0" g="0" b="0"/>
+      </a:fillRef>
+      <a:effectRef idx="0">
+        <a:scrgbClr r="0" g="0" b="0"/>
+      </a:effectRef>
+      <a:fontRef idx="minor"/>
+    </dgm:style>
+  </dgm:styleLbl>
+  <dgm:styleLbl name="dkBgShp">
+    <dgm:scene3d>
+      <a:camera prst="orthographicFront"/>
+      <a:lightRig rig="threePt" dir="t"/>
+    </dgm:scene3d>
+    <dgm:sp3d/>
+    <dgm:txPr/>
+    <dgm:style>
+      <a:lnRef idx="0">
+        <a:scrgbClr r="0" g="0" b="0"/>
+      </a:lnRef>
+      <a:fillRef idx="1">
+        <a:scrgbClr r="0" g="0" b="0"/>
+      </a:fillRef>
+      <a:effectRef idx="0">
+        <a:scrgbClr r="0" g="0" b="0"/>
+      </a:effectRef>
+      <a:fontRef idx="minor"/>
+    </dgm:style>
+  </dgm:styleLbl>
+  <dgm:styleLbl name="trBgShp">
+    <dgm:scene3d>
+      <a:camera prst="orthographicFront"/>
+      <a:lightRig rig="threePt" dir="t"/>
+    </dgm:scene3d>
+    <dgm:sp3d/>
+    <dgm:txPr/>
+    <dgm:style>
+      <a:lnRef idx="0">
+        <a:scrgbClr r="0" g="0" b="0"/>
+      </a:lnRef>
+      <a:fillRef idx="1">
+        <a:scrgbClr r="0" g="0" b="0"/>
+      </a:fillRef>
+      <a:effectRef idx="0">
+        <a:scrgbClr r="0" g="0" b="0"/>
+      </a:effectRef>
+      <a:fontRef idx="minor"/>
+    </dgm:style>
+  </dgm:styleLbl>
+  <dgm:styleLbl name="fgShp">
+    <dgm:scene3d>
+      <a:camera prst="orthographicFront"/>
+      <a:lightRig rig="threePt" dir="t"/>
+    </dgm:scene3d>
+    <dgm:sp3d/>
+    <dgm:txPr/>
+    <dgm:style>
+      <a:lnRef idx="2">
+        <a:scrgbClr r="0" g="0" b="0"/>
+      </a:lnRef>
+      <a:fillRef idx="1">
+        <a:scrgbClr r="0" g="0" b="0"/>
+      </a:fillRef>
+      <a:effectRef idx="0">
+        <a:scrgbClr r="0" g="0" b="0"/>
+      </a:effectRef>
+      <a:fontRef idx="minor"/>
+    </dgm:style>
+  </dgm:styleLbl>
+  <dgm:styleLbl name="revTx">
+    <dgm:scene3d>
+      <a:camera prst="orthographicFront"/>
+      <a:lightRig rig="threePt" dir="t"/>
+    </dgm:scene3d>
+    <dgm:sp3d/>
+    <dgm:txPr/>
+    <dgm:style>
+      <a:lnRef idx="0">
+        <a:scrgbClr r="0" g="0" b="0"/>
+      </a:lnRef>
+      <a:fillRef idx="0">
+        <a:scrgbClr r="0" g="0" b="0"/>
+      </a:fillRef>
+      <a:effectRef idx="0">
+        <a:scrgbClr r="0" g="0" b="0"/>
+      </a:effectRef>
+      <a:fontRef idx="minor"/>
+    </dgm:style>
+  </dgm:styleLbl>
+</dgm:styleDef>
+</file>
+
 <file path=ppt/diagrams/quickStyle6.xml><?xml version="1.0" encoding="utf-8"?>
 <dgm:styleDef xmlns:dgm="http://schemas.openxmlformats.org/drawingml/2006/diagram" xmlns:a="http://schemas.openxmlformats.org/drawingml/2006/main" uniqueId="urn:microsoft.com/office/officeart/2005/8/quickstyle/simple1">
   <dgm:title val=""/>
@@ -21570,1040 +22605,6 @@
 </file>
 
 <file path=ppt/diagrams/quickStyle7.xml><?xml version="1.0" encoding="utf-8"?>
-<dgm:styleDef xmlns:dgm="http://schemas.openxmlformats.org/drawingml/2006/diagram" xmlns:a="http://schemas.openxmlformats.org/drawingml/2006/main" uniqueId="urn:microsoft.com/office/officeart/2005/8/quickstyle/simple1">
-  <dgm:title val=""/>
-  <dgm:desc val=""/>
-  <dgm:catLst>
-    <dgm:cat type="simple" pri="10100"/>
-  </dgm:catLst>
-  <dgm:scene3d>
-    <a:camera prst="orthographicFront"/>
-    <a:lightRig rig="threePt" dir="t"/>
-  </dgm:scene3d>
-  <dgm:styleLbl name="node0">
-    <dgm:scene3d>
-      <a:camera prst="orthographicFront"/>
-      <a:lightRig rig="threePt" dir="t"/>
-    </dgm:scene3d>
-    <dgm:sp3d/>
-    <dgm:txPr/>
-    <dgm:style>
-      <a:lnRef idx="2">
-        <a:scrgbClr r="0" g="0" b="0"/>
-      </a:lnRef>
-      <a:fillRef idx="1">
-        <a:scrgbClr r="0" g="0" b="0"/>
-      </a:fillRef>
-      <a:effectRef idx="0">
-        <a:scrgbClr r="0" g="0" b="0"/>
-      </a:effectRef>
-      <a:fontRef idx="minor">
-        <a:schemeClr val="lt1"/>
-      </a:fontRef>
-    </dgm:style>
-  </dgm:styleLbl>
-  <dgm:styleLbl name="lnNode1">
-    <dgm:scene3d>
-      <a:camera prst="orthographicFront"/>
-      <a:lightRig rig="threePt" dir="t"/>
-    </dgm:scene3d>
-    <dgm:sp3d/>
-    <dgm:txPr/>
-    <dgm:style>
-      <a:lnRef idx="2">
-        <a:scrgbClr r="0" g="0" b="0"/>
-      </a:lnRef>
-      <a:fillRef idx="1">
-        <a:scrgbClr r="0" g="0" b="0"/>
-      </a:fillRef>
-      <a:effectRef idx="0">
-        <a:scrgbClr r="0" g="0" b="0"/>
-      </a:effectRef>
-      <a:fontRef idx="minor">
-        <a:schemeClr val="lt1"/>
-      </a:fontRef>
-    </dgm:style>
-  </dgm:styleLbl>
-  <dgm:styleLbl name="vennNode1">
-    <dgm:scene3d>
-      <a:camera prst="orthographicFront"/>
-      <a:lightRig rig="threePt" dir="t"/>
-    </dgm:scene3d>
-    <dgm:sp3d/>
-    <dgm:txPr/>
-    <dgm:style>
-      <a:lnRef idx="2">
-        <a:scrgbClr r="0" g="0" b="0"/>
-      </a:lnRef>
-      <a:fillRef idx="1">
-        <a:scrgbClr r="0" g="0" b="0"/>
-      </a:fillRef>
-      <a:effectRef idx="0">
-        <a:scrgbClr r="0" g="0" b="0"/>
-      </a:effectRef>
-      <a:fontRef idx="minor">
-        <a:schemeClr val="tx1"/>
-      </a:fontRef>
-    </dgm:style>
-  </dgm:styleLbl>
-  <dgm:styleLbl name="alignNode1">
-    <dgm:scene3d>
-      <a:camera prst="orthographicFront"/>
-      <a:lightRig rig="threePt" dir="t"/>
-    </dgm:scene3d>
-    <dgm:sp3d/>
-    <dgm:txPr/>
-    <dgm:style>
-      <a:lnRef idx="2">
-        <a:scrgbClr r="0" g="0" b="0"/>
-      </a:lnRef>
-      <a:fillRef idx="1">
-        <a:scrgbClr r="0" g="0" b="0"/>
-      </a:fillRef>
-      <a:effectRef idx="0">
-        <a:scrgbClr r="0" g="0" b="0"/>
-      </a:effectRef>
-      <a:fontRef idx="minor">
-        <a:schemeClr val="lt1"/>
-      </a:fontRef>
-    </dgm:style>
-  </dgm:styleLbl>
-  <dgm:styleLbl name="node1">
-    <dgm:scene3d>
-      <a:camera prst="orthographicFront"/>
-      <a:lightRig rig="threePt" dir="t"/>
-    </dgm:scene3d>
-    <dgm:sp3d/>
-    <dgm:txPr/>
-    <dgm:style>
-      <a:lnRef idx="2">
-        <a:scrgbClr r="0" g="0" b="0"/>
-      </a:lnRef>
-      <a:fillRef idx="1">
-        <a:scrgbClr r="0" g="0" b="0"/>
-      </a:fillRef>
-      <a:effectRef idx="0">
-        <a:scrgbClr r="0" g="0" b="0"/>
-      </a:effectRef>
-      <a:fontRef idx="minor">
-        <a:schemeClr val="lt1"/>
-      </a:fontRef>
-    </dgm:style>
-  </dgm:styleLbl>
-  <dgm:styleLbl name="node2">
-    <dgm:scene3d>
-      <a:camera prst="orthographicFront"/>
-      <a:lightRig rig="threePt" dir="t"/>
-    </dgm:scene3d>
-    <dgm:sp3d/>
-    <dgm:txPr/>
-    <dgm:style>
-      <a:lnRef idx="2">
-        <a:scrgbClr r="0" g="0" b="0"/>
-      </a:lnRef>
-      <a:fillRef idx="1">
-        <a:scrgbClr r="0" g="0" b="0"/>
-      </a:fillRef>
-      <a:effectRef idx="0">
-        <a:scrgbClr r="0" g="0" b="0"/>
-      </a:effectRef>
-      <a:fontRef idx="minor">
-        <a:schemeClr val="lt1"/>
-      </a:fontRef>
-    </dgm:style>
-  </dgm:styleLbl>
-  <dgm:styleLbl name="node3">
-    <dgm:scene3d>
-      <a:camera prst="orthographicFront"/>
-      <a:lightRig rig="threePt" dir="t"/>
-    </dgm:scene3d>
-    <dgm:sp3d/>
-    <dgm:txPr/>
-    <dgm:style>
-      <a:lnRef idx="2">
-        <a:scrgbClr r="0" g="0" b="0"/>
-      </a:lnRef>
-      <a:fillRef idx="1">
-        <a:scrgbClr r="0" g="0" b="0"/>
-      </a:fillRef>
-      <a:effectRef idx="0">
-        <a:scrgbClr r="0" g="0" b="0"/>
-      </a:effectRef>
-      <a:fontRef idx="minor">
-        <a:schemeClr val="lt1"/>
-      </a:fontRef>
-    </dgm:style>
-  </dgm:styleLbl>
-  <dgm:styleLbl name="node4">
-    <dgm:scene3d>
-      <a:camera prst="orthographicFront"/>
-      <a:lightRig rig="threePt" dir="t"/>
-    </dgm:scene3d>
-    <dgm:sp3d/>
-    <dgm:txPr/>
-    <dgm:style>
-      <a:lnRef idx="2">
-        <a:scrgbClr r="0" g="0" b="0"/>
-      </a:lnRef>
-      <a:fillRef idx="1">
-        <a:scrgbClr r="0" g="0" b="0"/>
-      </a:fillRef>
-      <a:effectRef idx="0">
-        <a:scrgbClr r="0" g="0" b="0"/>
-      </a:effectRef>
-      <a:fontRef idx="minor">
-        <a:schemeClr val="lt1"/>
-      </a:fontRef>
-    </dgm:style>
-  </dgm:styleLbl>
-  <dgm:styleLbl name="fgImgPlace1">
-    <dgm:scene3d>
-      <a:camera prst="orthographicFront"/>
-      <a:lightRig rig="threePt" dir="t"/>
-    </dgm:scene3d>
-    <dgm:sp3d/>
-    <dgm:txPr/>
-    <dgm:style>
-      <a:lnRef idx="2">
-        <a:scrgbClr r="0" g="0" b="0"/>
-      </a:lnRef>
-      <a:fillRef idx="1">
-        <a:scrgbClr r="0" g="0" b="0"/>
-      </a:fillRef>
-      <a:effectRef idx="0">
-        <a:scrgbClr r="0" g="0" b="0"/>
-      </a:effectRef>
-      <a:fontRef idx="minor"/>
-    </dgm:style>
-  </dgm:styleLbl>
-  <dgm:styleLbl name="alignImgPlace1">
-    <dgm:scene3d>
-      <a:camera prst="orthographicFront"/>
-      <a:lightRig rig="threePt" dir="t"/>
-    </dgm:scene3d>
-    <dgm:sp3d/>
-    <dgm:txPr/>
-    <dgm:style>
-      <a:lnRef idx="2">
-        <a:scrgbClr r="0" g="0" b="0"/>
-      </a:lnRef>
-      <a:fillRef idx="1">
-        <a:scrgbClr r="0" g="0" b="0"/>
-      </a:fillRef>
-      <a:effectRef idx="0">
-        <a:scrgbClr r="0" g="0" b="0"/>
-      </a:effectRef>
-      <a:fontRef idx="minor"/>
-    </dgm:style>
-  </dgm:styleLbl>
-  <dgm:styleLbl name="bgImgPlace1">
-    <dgm:scene3d>
-      <a:camera prst="orthographicFront"/>
-      <a:lightRig rig="threePt" dir="t"/>
-    </dgm:scene3d>
-    <dgm:sp3d/>
-    <dgm:txPr/>
-    <dgm:style>
-      <a:lnRef idx="2">
-        <a:scrgbClr r="0" g="0" b="0"/>
-      </a:lnRef>
-      <a:fillRef idx="1">
-        <a:scrgbClr r="0" g="0" b="0"/>
-      </a:fillRef>
-      <a:effectRef idx="0">
-        <a:scrgbClr r="0" g="0" b="0"/>
-      </a:effectRef>
-      <a:fontRef idx="minor"/>
-    </dgm:style>
-  </dgm:styleLbl>
-  <dgm:styleLbl name="sibTrans2D1">
-    <dgm:scene3d>
-      <a:camera prst="orthographicFront"/>
-      <a:lightRig rig="threePt" dir="t"/>
-    </dgm:scene3d>
-    <dgm:sp3d/>
-    <dgm:txPr/>
-    <dgm:style>
-      <a:lnRef idx="0">
-        <a:scrgbClr r="0" g="0" b="0"/>
-      </a:lnRef>
-      <a:fillRef idx="1">
-        <a:scrgbClr r="0" g="0" b="0"/>
-      </a:fillRef>
-      <a:effectRef idx="0">
-        <a:scrgbClr r="0" g="0" b="0"/>
-      </a:effectRef>
-      <a:fontRef idx="minor">
-        <a:schemeClr val="lt1"/>
-      </a:fontRef>
-    </dgm:style>
-  </dgm:styleLbl>
-  <dgm:styleLbl name="fgSibTrans2D1">
-    <dgm:scene3d>
-      <a:camera prst="orthographicFront"/>
-      <a:lightRig rig="threePt" dir="t"/>
-    </dgm:scene3d>
-    <dgm:sp3d/>
-    <dgm:txPr/>
-    <dgm:style>
-      <a:lnRef idx="0">
-        <a:scrgbClr r="0" g="0" b="0"/>
-      </a:lnRef>
-      <a:fillRef idx="1">
-        <a:scrgbClr r="0" g="0" b="0"/>
-      </a:fillRef>
-      <a:effectRef idx="0">
-        <a:scrgbClr r="0" g="0" b="0"/>
-      </a:effectRef>
-      <a:fontRef idx="minor">
-        <a:schemeClr val="lt1"/>
-      </a:fontRef>
-    </dgm:style>
-  </dgm:styleLbl>
-  <dgm:styleLbl name="bgSibTrans2D1">
-    <dgm:scene3d>
-      <a:camera prst="orthographicFront"/>
-      <a:lightRig rig="threePt" dir="t"/>
-    </dgm:scene3d>
-    <dgm:sp3d/>
-    <dgm:txPr/>
-    <dgm:style>
-      <a:lnRef idx="0">
-        <a:scrgbClr r="0" g="0" b="0"/>
-      </a:lnRef>
-      <a:fillRef idx="1">
-        <a:scrgbClr r="0" g="0" b="0"/>
-      </a:fillRef>
-      <a:effectRef idx="0">
-        <a:scrgbClr r="0" g="0" b="0"/>
-      </a:effectRef>
-      <a:fontRef idx="minor">
-        <a:schemeClr val="lt1"/>
-      </a:fontRef>
-    </dgm:style>
-  </dgm:styleLbl>
-  <dgm:styleLbl name="sibTrans1D1">
-    <dgm:scene3d>
-      <a:camera prst="orthographicFront"/>
-      <a:lightRig rig="threePt" dir="t"/>
-    </dgm:scene3d>
-    <dgm:sp3d/>
-    <dgm:txPr/>
-    <dgm:style>
-      <a:lnRef idx="1">
-        <a:scrgbClr r="0" g="0" b="0"/>
-      </a:lnRef>
-      <a:fillRef idx="0">
-        <a:scrgbClr r="0" g="0" b="0"/>
-      </a:fillRef>
-      <a:effectRef idx="0">
-        <a:scrgbClr r="0" g="0" b="0"/>
-      </a:effectRef>
-      <a:fontRef idx="minor"/>
-    </dgm:style>
-  </dgm:styleLbl>
-  <dgm:styleLbl name="callout">
-    <dgm:scene3d>
-      <a:camera prst="orthographicFront"/>
-      <a:lightRig rig="threePt" dir="t"/>
-    </dgm:scene3d>
-    <dgm:sp3d/>
-    <dgm:txPr/>
-    <dgm:style>
-      <a:lnRef idx="2">
-        <a:scrgbClr r="0" g="0" b="0"/>
-      </a:lnRef>
-      <a:fillRef idx="1">
-        <a:scrgbClr r="0" g="0" b="0"/>
-      </a:fillRef>
-      <a:effectRef idx="0">
-        <a:scrgbClr r="0" g="0" b="0"/>
-      </a:effectRef>
-      <a:fontRef idx="minor"/>
-    </dgm:style>
-  </dgm:styleLbl>
-  <dgm:styleLbl name="asst0">
-    <dgm:scene3d>
-      <a:camera prst="orthographicFront"/>
-      <a:lightRig rig="threePt" dir="t"/>
-    </dgm:scene3d>
-    <dgm:sp3d/>
-    <dgm:txPr/>
-    <dgm:style>
-      <a:lnRef idx="2">
-        <a:scrgbClr r="0" g="0" b="0"/>
-      </a:lnRef>
-      <a:fillRef idx="1">
-        <a:scrgbClr r="0" g="0" b="0"/>
-      </a:fillRef>
-      <a:effectRef idx="0">
-        <a:scrgbClr r="0" g="0" b="0"/>
-      </a:effectRef>
-      <a:fontRef idx="minor">
-        <a:schemeClr val="lt1"/>
-      </a:fontRef>
-    </dgm:style>
-  </dgm:styleLbl>
-  <dgm:styleLbl name="asst1">
-    <dgm:scene3d>
-      <a:camera prst="orthographicFront"/>
-      <a:lightRig rig="threePt" dir="t"/>
-    </dgm:scene3d>
-    <dgm:sp3d/>
-    <dgm:txPr/>
-    <dgm:style>
-      <a:lnRef idx="2">
-        <a:scrgbClr r="0" g="0" b="0"/>
-      </a:lnRef>
-      <a:fillRef idx="1">
-        <a:scrgbClr r="0" g="0" b="0"/>
-      </a:fillRef>
-      <a:effectRef idx="0">
-        <a:scrgbClr r="0" g="0" b="0"/>
-      </a:effectRef>
-      <a:fontRef idx="minor">
-        <a:schemeClr val="lt1"/>
-      </a:fontRef>
-    </dgm:style>
-  </dgm:styleLbl>
-  <dgm:styleLbl name="asst2">
-    <dgm:scene3d>
-      <a:camera prst="orthographicFront"/>
-      <a:lightRig rig="threePt" dir="t"/>
-    </dgm:scene3d>
-    <dgm:sp3d/>
-    <dgm:txPr/>
-    <dgm:style>
-      <a:lnRef idx="2">
-        <a:scrgbClr r="0" g="0" b="0"/>
-      </a:lnRef>
-      <a:fillRef idx="1">
-        <a:scrgbClr r="0" g="0" b="0"/>
-      </a:fillRef>
-      <a:effectRef idx="0">
-        <a:scrgbClr r="0" g="0" b="0"/>
-      </a:effectRef>
-      <a:fontRef idx="minor">
-        <a:schemeClr val="lt1"/>
-      </a:fontRef>
-    </dgm:style>
-  </dgm:styleLbl>
-  <dgm:styleLbl name="asst3">
-    <dgm:scene3d>
-      <a:camera prst="orthographicFront"/>
-      <a:lightRig rig="threePt" dir="t"/>
-    </dgm:scene3d>
-    <dgm:sp3d/>
-    <dgm:txPr/>
-    <dgm:style>
-      <a:lnRef idx="2">
-        <a:scrgbClr r="0" g="0" b="0"/>
-      </a:lnRef>
-      <a:fillRef idx="1">
-        <a:scrgbClr r="0" g="0" b="0"/>
-      </a:fillRef>
-      <a:effectRef idx="0">
-        <a:scrgbClr r="0" g="0" b="0"/>
-      </a:effectRef>
-      <a:fontRef idx="minor">
-        <a:schemeClr val="lt1"/>
-      </a:fontRef>
-    </dgm:style>
-  </dgm:styleLbl>
-  <dgm:styleLbl name="asst4">
-    <dgm:scene3d>
-      <a:camera prst="orthographicFront"/>
-      <a:lightRig rig="threePt" dir="t"/>
-    </dgm:scene3d>
-    <dgm:sp3d/>
-    <dgm:txPr/>
-    <dgm:style>
-      <a:lnRef idx="2">
-        <a:scrgbClr r="0" g="0" b="0"/>
-      </a:lnRef>
-      <a:fillRef idx="1">
-        <a:scrgbClr r="0" g="0" b="0"/>
-      </a:fillRef>
-      <a:effectRef idx="0">
-        <a:scrgbClr r="0" g="0" b="0"/>
-      </a:effectRef>
-      <a:fontRef idx="minor">
-        <a:schemeClr val="lt1"/>
-      </a:fontRef>
-    </dgm:style>
-  </dgm:styleLbl>
-  <dgm:styleLbl name="parChTrans2D1">
-    <dgm:scene3d>
-      <a:camera prst="orthographicFront"/>
-      <a:lightRig rig="threePt" dir="t"/>
-    </dgm:scene3d>
-    <dgm:sp3d/>
-    <dgm:txPr/>
-    <dgm:style>
-      <a:lnRef idx="2">
-        <a:scrgbClr r="0" g="0" b="0"/>
-      </a:lnRef>
-      <a:fillRef idx="1">
-        <a:scrgbClr r="0" g="0" b="0"/>
-      </a:fillRef>
-      <a:effectRef idx="0">
-        <a:scrgbClr r="0" g="0" b="0"/>
-      </a:effectRef>
-      <a:fontRef idx="minor">
-        <a:schemeClr val="lt1"/>
-      </a:fontRef>
-    </dgm:style>
-  </dgm:styleLbl>
-  <dgm:styleLbl name="parChTrans2D2">
-    <dgm:scene3d>
-      <a:camera prst="orthographicFront"/>
-      <a:lightRig rig="threePt" dir="t"/>
-    </dgm:scene3d>
-    <dgm:sp3d/>
-    <dgm:txPr/>
-    <dgm:style>
-      <a:lnRef idx="2">
-        <a:scrgbClr r="0" g="0" b="0"/>
-      </a:lnRef>
-      <a:fillRef idx="1">
-        <a:scrgbClr r="0" g="0" b="0"/>
-      </a:fillRef>
-      <a:effectRef idx="0">
-        <a:scrgbClr r="0" g="0" b="0"/>
-      </a:effectRef>
-      <a:fontRef idx="minor">
-        <a:schemeClr val="lt1"/>
-      </a:fontRef>
-    </dgm:style>
-  </dgm:styleLbl>
-  <dgm:styleLbl name="parChTrans2D3">
-    <dgm:scene3d>
-      <a:camera prst="orthographicFront"/>
-      <a:lightRig rig="threePt" dir="t"/>
-    </dgm:scene3d>
-    <dgm:sp3d/>
-    <dgm:txPr/>
-    <dgm:style>
-      <a:lnRef idx="2">
-        <a:scrgbClr r="0" g="0" b="0"/>
-      </a:lnRef>
-      <a:fillRef idx="1">
-        <a:scrgbClr r="0" g="0" b="0"/>
-      </a:fillRef>
-      <a:effectRef idx="0">
-        <a:scrgbClr r="0" g="0" b="0"/>
-      </a:effectRef>
-      <a:fontRef idx="minor">
-        <a:schemeClr val="lt1"/>
-      </a:fontRef>
-    </dgm:style>
-  </dgm:styleLbl>
-  <dgm:styleLbl name="parChTrans2D4">
-    <dgm:scene3d>
-      <a:camera prst="orthographicFront"/>
-      <a:lightRig rig="threePt" dir="t"/>
-    </dgm:scene3d>
-    <dgm:sp3d/>
-    <dgm:txPr/>
-    <dgm:style>
-      <a:lnRef idx="2">
-        <a:scrgbClr r="0" g="0" b="0"/>
-      </a:lnRef>
-      <a:fillRef idx="1">
-        <a:scrgbClr r="0" g="0" b="0"/>
-      </a:fillRef>
-      <a:effectRef idx="0">
-        <a:scrgbClr r="0" g="0" b="0"/>
-      </a:effectRef>
-      <a:fontRef idx="minor">
-        <a:schemeClr val="lt1"/>
-      </a:fontRef>
-    </dgm:style>
-  </dgm:styleLbl>
-  <dgm:styleLbl name="parChTrans1D1">
-    <dgm:scene3d>
-      <a:camera prst="orthographicFront"/>
-      <a:lightRig rig="threePt" dir="t"/>
-    </dgm:scene3d>
-    <dgm:sp3d/>
-    <dgm:txPr/>
-    <dgm:style>
-      <a:lnRef idx="2">
-        <a:scrgbClr r="0" g="0" b="0"/>
-      </a:lnRef>
-      <a:fillRef idx="0">
-        <a:scrgbClr r="0" g="0" b="0"/>
-      </a:fillRef>
-      <a:effectRef idx="0">
-        <a:scrgbClr r="0" g="0" b="0"/>
-      </a:effectRef>
-      <a:fontRef idx="minor"/>
-    </dgm:style>
-  </dgm:styleLbl>
-  <dgm:styleLbl name="parChTrans1D2">
-    <dgm:scene3d>
-      <a:camera prst="orthographicFront"/>
-      <a:lightRig rig="threePt" dir="t"/>
-    </dgm:scene3d>
-    <dgm:sp3d/>
-    <dgm:txPr/>
-    <dgm:style>
-      <a:lnRef idx="2">
-        <a:scrgbClr r="0" g="0" b="0"/>
-      </a:lnRef>
-      <a:fillRef idx="0">
-        <a:scrgbClr r="0" g="0" b="0"/>
-      </a:fillRef>
-      <a:effectRef idx="0">
-        <a:scrgbClr r="0" g="0" b="0"/>
-      </a:effectRef>
-      <a:fontRef idx="minor"/>
-    </dgm:style>
-  </dgm:styleLbl>
-  <dgm:styleLbl name="parChTrans1D3">
-    <dgm:scene3d>
-      <a:camera prst="orthographicFront"/>
-      <a:lightRig rig="threePt" dir="t"/>
-    </dgm:scene3d>
-    <dgm:sp3d/>
-    <dgm:txPr/>
-    <dgm:style>
-      <a:lnRef idx="2">
-        <a:scrgbClr r="0" g="0" b="0"/>
-      </a:lnRef>
-      <a:fillRef idx="0">
-        <a:scrgbClr r="0" g="0" b="0"/>
-      </a:fillRef>
-      <a:effectRef idx="0">
-        <a:scrgbClr r="0" g="0" b="0"/>
-      </a:effectRef>
-      <a:fontRef idx="minor"/>
-    </dgm:style>
-  </dgm:styleLbl>
-  <dgm:styleLbl name="parChTrans1D4">
-    <dgm:scene3d>
-      <a:camera prst="orthographicFront"/>
-      <a:lightRig rig="threePt" dir="t"/>
-    </dgm:scene3d>
-    <dgm:sp3d/>
-    <dgm:txPr/>
-    <dgm:style>
-      <a:lnRef idx="2">
-        <a:scrgbClr r="0" g="0" b="0"/>
-      </a:lnRef>
-      <a:fillRef idx="0">
-        <a:scrgbClr r="0" g="0" b="0"/>
-      </a:fillRef>
-      <a:effectRef idx="0">
-        <a:scrgbClr r="0" g="0" b="0"/>
-      </a:effectRef>
-      <a:fontRef idx="minor"/>
-    </dgm:style>
-  </dgm:styleLbl>
-  <dgm:styleLbl name="fgAcc1">
-    <dgm:scene3d>
-      <a:camera prst="orthographicFront"/>
-      <a:lightRig rig="threePt" dir="t"/>
-    </dgm:scene3d>
-    <dgm:sp3d/>
-    <dgm:txPr/>
-    <dgm:style>
-      <a:lnRef idx="2">
-        <a:scrgbClr r="0" g="0" b="0"/>
-      </a:lnRef>
-      <a:fillRef idx="1">
-        <a:scrgbClr r="0" g="0" b="0"/>
-      </a:fillRef>
-      <a:effectRef idx="0">
-        <a:scrgbClr r="0" g="0" b="0"/>
-      </a:effectRef>
-      <a:fontRef idx="minor"/>
-    </dgm:style>
-  </dgm:styleLbl>
-  <dgm:styleLbl name="conFgAcc1">
-    <dgm:scene3d>
-      <a:camera prst="orthographicFront"/>
-      <a:lightRig rig="threePt" dir="t"/>
-    </dgm:scene3d>
-    <dgm:sp3d/>
-    <dgm:txPr/>
-    <dgm:style>
-      <a:lnRef idx="2">
-        <a:scrgbClr r="0" g="0" b="0"/>
-      </a:lnRef>
-      <a:fillRef idx="1">
-        <a:scrgbClr r="0" g="0" b="0"/>
-      </a:fillRef>
-      <a:effectRef idx="0">
-        <a:scrgbClr r="0" g="0" b="0"/>
-      </a:effectRef>
-      <a:fontRef idx="minor"/>
-    </dgm:style>
-  </dgm:styleLbl>
-  <dgm:styleLbl name="alignAcc1">
-    <dgm:scene3d>
-      <a:camera prst="orthographicFront"/>
-      <a:lightRig rig="threePt" dir="t"/>
-    </dgm:scene3d>
-    <dgm:sp3d/>
-    <dgm:txPr/>
-    <dgm:style>
-      <a:lnRef idx="2">
-        <a:scrgbClr r="0" g="0" b="0"/>
-      </a:lnRef>
-      <a:fillRef idx="1">
-        <a:scrgbClr r="0" g="0" b="0"/>
-      </a:fillRef>
-      <a:effectRef idx="0">
-        <a:scrgbClr r="0" g="0" b="0"/>
-      </a:effectRef>
-      <a:fontRef idx="minor"/>
-    </dgm:style>
-  </dgm:styleLbl>
-  <dgm:styleLbl name="trAlignAcc1">
-    <dgm:scene3d>
-      <a:camera prst="orthographicFront"/>
-      <a:lightRig rig="threePt" dir="t"/>
-    </dgm:scene3d>
-    <dgm:sp3d/>
-    <dgm:txPr/>
-    <dgm:style>
-      <a:lnRef idx="1">
-        <a:scrgbClr r="0" g="0" b="0"/>
-      </a:lnRef>
-      <a:fillRef idx="1">
-        <a:scrgbClr r="0" g="0" b="0"/>
-      </a:fillRef>
-      <a:effectRef idx="0">
-        <a:scrgbClr r="0" g="0" b="0"/>
-      </a:effectRef>
-      <a:fontRef idx="minor"/>
-    </dgm:style>
-  </dgm:styleLbl>
-  <dgm:styleLbl name="bgAcc1">
-    <dgm:scene3d>
-      <a:camera prst="orthographicFront"/>
-      <a:lightRig rig="threePt" dir="t"/>
-    </dgm:scene3d>
-    <dgm:sp3d/>
-    <dgm:txPr/>
-    <dgm:style>
-      <a:lnRef idx="2">
-        <a:scrgbClr r="0" g="0" b="0"/>
-      </a:lnRef>
-      <a:fillRef idx="1">
-        <a:scrgbClr r="0" g="0" b="0"/>
-      </a:fillRef>
-      <a:effectRef idx="0">
-        <a:scrgbClr r="0" g="0" b="0"/>
-      </a:effectRef>
-      <a:fontRef idx="minor"/>
-    </dgm:style>
-  </dgm:styleLbl>
-  <dgm:styleLbl name="solidFgAcc1">
-    <dgm:scene3d>
-      <a:camera prst="orthographicFront"/>
-      <a:lightRig rig="threePt" dir="t"/>
-    </dgm:scene3d>
-    <dgm:sp3d/>
-    <dgm:txPr/>
-    <dgm:style>
-      <a:lnRef idx="2">
-        <a:scrgbClr r="0" g="0" b="0"/>
-      </a:lnRef>
-      <a:fillRef idx="1">
-        <a:scrgbClr r="0" g="0" b="0"/>
-      </a:fillRef>
-      <a:effectRef idx="0">
-        <a:scrgbClr r="0" g="0" b="0"/>
-      </a:effectRef>
-      <a:fontRef idx="minor"/>
-    </dgm:style>
-  </dgm:styleLbl>
-  <dgm:styleLbl name="solidAlignAcc1">
-    <dgm:scene3d>
-      <a:camera prst="orthographicFront"/>
-      <a:lightRig rig="threePt" dir="t"/>
-    </dgm:scene3d>
-    <dgm:sp3d/>
-    <dgm:txPr/>
-    <dgm:style>
-      <a:lnRef idx="2">
-        <a:scrgbClr r="0" g="0" b="0"/>
-      </a:lnRef>
-      <a:fillRef idx="1">
-        <a:scrgbClr r="0" g="0" b="0"/>
-      </a:fillRef>
-      <a:effectRef idx="0">
-        <a:scrgbClr r="0" g="0" b="0"/>
-      </a:effectRef>
-      <a:fontRef idx="minor"/>
-    </dgm:style>
-  </dgm:styleLbl>
-  <dgm:styleLbl name="solidBgAcc1">
-    <dgm:scene3d>
-      <a:camera prst="orthographicFront"/>
-      <a:lightRig rig="threePt" dir="t"/>
-    </dgm:scene3d>
-    <dgm:sp3d/>
-    <dgm:txPr/>
-    <dgm:style>
-      <a:lnRef idx="2">
-        <a:scrgbClr r="0" g="0" b="0"/>
-      </a:lnRef>
-      <a:fillRef idx="1">
-        <a:scrgbClr r="0" g="0" b="0"/>
-      </a:fillRef>
-      <a:effectRef idx="0">
-        <a:scrgbClr r="0" g="0" b="0"/>
-      </a:effectRef>
-      <a:fontRef idx="minor"/>
-    </dgm:style>
-  </dgm:styleLbl>
-  <dgm:styleLbl name="fgAccFollowNode1">
-    <dgm:scene3d>
-      <a:camera prst="orthographicFront"/>
-      <a:lightRig rig="threePt" dir="t"/>
-    </dgm:scene3d>
-    <dgm:sp3d/>
-    <dgm:txPr/>
-    <dgm:style>
-      <a:lnRef idx="2">
-        <a:scrgbClr r="0" g="0" b="0"/>
-      </a:lnRef>
-      <a:fillRef idx="1">
-        <a:scrgbClr r="0" g="0" b="0"/>
-      </a:fillRef>
-      <a:effectRef idx="0">
-        <a:scrgbClr r="0" g="0" b="0"/>
-      </a:effectRef>
-      <a:fontRef idx="minor"/>
-    </dgm:style>
-  </dgm:styleLbl>
-  <dgm:styleLbl name="alignAccFollowNode1">
-    <dgm:scene3d>
-      <a:camera prst="orthographicFront"/>
-      <a:lightRig rig="threePt" dir="t"/>
-    </dgm:scene3d>
-    <dgm:sp3d/>
-    <dgm:txPr/>
-    <dgm:style>
-      <a:lnRef idx="2">
-        <a:scrgbClr r="0" g="0" b="0"/>
-      </a:lnRef>
-      <a:fillRef idx="1">
-        <a:scrgbClr r="0" g="0" b="0"/>
-      </a:fillRef>
-      <a:effectRef idx="0">
-        <a:scrgbClr r="0" g="0" b="0"/>
-      </a:effectRef>
-      <a:fontRef idx="minor"/>
-    </dgm:style>
-  </dgm:styleLbl>
-  <dgm:styleLbl name="bgAccFollowNode1">
-    <dgm:scene3d>
-      <a:camera prst="orthographicFront"/>
-      <a:lightRig rig="threePt" dir="t"/>
-    </dgm:scene3d>
-    <dgm:sp3d/>
-    <dgm:txPr/>
-    <dgm:style>
-      <a:lnRef idx="2">
-        <a:scrgbClr r="0" g="0" b="0"/>
-      </a:lnRef>
-      <a:fillRef idx="1">
-        <a:scrgbClr r="0" g="0" b="0"/>
-      </a:fillRef>
-      <a:effectRef idx="0">
-        <a:scrgbClr r="0" g="0" b="0"/>
-      </a:effectRef>
-      <a:fontRef idx="minor"/>
-    </dgm:style>
-  </dgm:styleLbl>
-  <dgm:styleLbl name="fgAcc0">
-    <dgm:scene3d>
-      <a:camera prst="orthographicFront"/>
-      <a:lightRig rig="threePt" dir="t"/>
-    </dgm:scene3d>
-    <dgm:sp3d/>
-    <dgm:txPr/>
-    <dgm:style>
-      <a:lnRef idx="2">
-        <a:scrgbClr r="0" g="0" b="0"/>
-      </a:lnRef>
-      <a:fillRef idx="1">
-        <a:scrgbClr r="0" g="0" b="0"/>
-      </a:fillRef>
-      <a:effectRef idx="0">
-        <a:scrgbClr r="0" g="0" b="0"/>
-      </a:effectRef>
-      <a:fontRef idx="minor"/>
-    </dgm:style>
-  </dgm:styleLbl>
-  <dgm:styleLbl name="fgAcc2">
-    <dgm:scene3d>
-      <a:camera prst="orthographicFront"/>
-      <a:lightRig rig="threePt" dir="t"/>
-    </dgm:scene3d>
-    <dgm:sp3d/>
-    <dgm:txPr/>
-    <dgm:style>
-      <a:lnRef idx="2">
-        <a:scrgbClr r="0" g="0" b="0"/>
-      </a:lnRef>
-      <a:fillRef idx="1">
-        <a:scrgbClr r="0" g="0" b="0"/>
-      </a:fillRef>
-      <a:effectRef idx="0">
-        <a:scrgbClr r="0" g="0" b="0"/>
-      </a:effectRef>
-      <a:fontRef idx="minor"/>
-    </dgm:style>
-  </dgm:styleLbl>
-  <dgm:styleLbl name="fgAcc3">
-    <dgm:scene3d>
-      <a:camera prst="orthographicFront"/>
-      <a:lightRig rig="threePt" dir="t"/>
-    </dgm:scene3d>
-    <dgm:sp3d/>
-    <dgm:txPr/>
-    <dgm:style>
-      <a:lnRef idx="2">
-        <a:scrgbClr r="0" g="0" b="0"/>
-      </a:lnRef>
-      <a:fillRef idx="1">
-        <a:scrgbClr r="0" g="0" b="0"/>
-      </a:fillRef>
-      <a:effectRef idx="0">
-        <a:scrgbClr r="0" g="0" b="0"/>
-      </a:effectRef>
-      <a:fontRef idx="minor"/>
-    </dgm:style>
-  </dgm:styleLbl>
-  <dgm:styleLbl name="fgAcc4">
-    <dgm:scene3d>
-      <a:camera prst="orthographicFront"/>
-      <a:lightRig rig="threePt" dir="t"/>
-    </dgm:scene3d>
-    <dgm:sp3d/>
-    <dgm:txPr/>
-    <dgm:style>
-      <a:lnRef idx="2">
-        <a:scrgbClr r="0" g="0" b="0"/>
-      </a:lnRef>
-      <a:fillRef idx="1">
-        <a:scrgbClr r="0" g="0" b="0"/>
-      </a:fillRef>
-      <a:effectRef idx="0">
-        <a:scrgbClr r="0" g="0" b="0"/>
-      </a:effectRef>
-      <a:fontRef idx="minor"/>
-    </dgm:style>
-  </dgm:styleLbl>
-  <dgm:styleLbl name="bgShp">
-    <dgm:scene3d>
-      <a:camera prst="orthographicFront"/>
-      <a:lightRig rig="threePt" dir="t"/>
-    </dgm:scene3d>
-    <dgm:sp3d/>
-    <dgm:txPr/>
-    <dgm:style>
-      <a:lnRef idx="0">
-        <a:scrgbClr r="0" g="0" b="0"/>
-      </a:lnRef>
-      <a:fillRef idx="1">
-        <a:scrgbClr r="0" g="0" b="0"/>
-      </a:fillRef>
-      <a:effectRef idx="0">
-        <a:scrgbClr r="0" g="0" b="0"/>
-      </a:effectRef>
-      <a:fontRef idx="minor"/>
-    </dgm:style>
-  </dgm:styleLbl>
-  <dgm:styleLbl name="dkBgShp">
-    <dgm:scene3d>
-      <a:camera prst="orthographicFront"/>
-      <a:lightRig rig="threePt" dir="t"/>
-    </dgm:scene3d>
-    <dgm:sp3d/>
-    <dgm:txPr/>
-    <dgm:style>
-      <a:lnRef idx="0">
-        <a:scrgbClr r="0" g="0" b="0"/>
-      </a:lnRef>
-      <a:fillRef idx="1">
-        <a:scrgbClr r="0" g="0" b="0"/>
-      </a:fillRef>
-      <a:effectRef idx="0">
-        <a:scrgbClr r="0" g="0" b="0"/>
-      </a:effectRef>
-      <a:fontRef idx="minor"/>
-    </dgm:style>
-  </dgm:styleLbl>
-  <dgm:styleLbl name="trBgShp">
-    <dgm:scene3d>
-      <a:camera prst="orthographicFront"/>
-      <a:lightRig rig="threePt" dir="t"/>
-    </dgm:scene3d>
-    <dgm:sp3d/>
-    <dgm:txPr/>
-    <dgm:style>
-      <a:lnRef idx="0">
-        <a:scrgbClr r="0" g="0" b="0"/>
-      </a:lnRef>
-      <a:fillRef idx="1">
-        <a:scrgbClr r="0" g="0" b="0"/>
-      </a:fillRef>
-      <a:effectRef idx="0">
-        <a:scrgbClr r="0" g="0" b="0"/>
-      </a:effectRef>
-      <a:fontRef idx="minor"/>
-    </dgm:style>
-  </dgm:styleLbl>
-  <dgm:styleLbl name="fgShp">
-    <dgm:scene3d>
-      <a:camera prst="orthographicFront"/>
-      <a:lightRig rig="threePt" dir="t"/>
-    </dgm:scene3d>
-    <dgm:sp3d/>
-    <dgm:txPr/>
-    <dgm:style>
-      <a:lnRef idx="2">
-        <a:scrgbClr r="0" g="0" b="0"/>
-      </a:lnRef>
-      <a:fillRef idx="1">
-        <a:scrgbClr r="0" g="0" b="0"/>
-      </a:fillRef>
-      <a:effectRef idx="0">
-        <a:scrgbClr r="0" g="0" b="0"/>
-      </a:effectRef>
-      <a:fontRef idx="minor"/>
-    </dgm:style>
-  </dgm:styleLbl>
-  <dgm:styleLbl name="revTx">
-    <dgm:scene3d>
-      <a:camera prst="orthographicFront"/>
-      <a:lightRig rig="threePt" dir="t"/>
-    </dgm:scene3d>
-    <dgm:sp3d/>
-    <dgm:txPr/>
-    <dgm:style>
-      <a:lnRef idx="0">
-        <a:scrgbClr r="0" g="0" b="0"/>
-      </a:lnRef>
-      <a:fillRef idx="0">
-        <a:scrgbClr r="0" g="0" b="0"/>
-      </a:fillRef>
-      <a:effectRef idx="0">
-        <a:scrgbClr r="0" g="0" b="0"/>
-      </a:effectRef>
-      <a:fontRef idx="minor"/>
-    </dgm:style>
-  </dgm:styleLbl>
-</dgm:styleDef>
-</file>
-
-<file path=ppt/diagrams/quickStyle8.xml><?xml version="1.0" encoding="utf-8"?>
 <dgm:styleDef xmlns:dgm="http://schemas.openxmlformats.org/drawingml/2006/diagram" xmlns:a="http://schemas.openxmlformats.org/drawingml/2006/main" uniqueId="urn:microsoft.com/office/officeart/2005/8/quickstyle/simple1">
   <dgm:title val=""/>
   <dgm:desc val=""/>
@@ -23878,7 +23879,7 @@
           <a:p>
             <a:fld id="{B355E504-1BBF-47A8-A405-3F5D72870642}" type="slidenum">
               <a:rPr lang="de-DE" smtClean="0"/>
-              <a:t>‹Nr.›</a:t>
+              <a:t>‹#›</a:t>
             </a:fld>
             <a:endParaRPr lang="de-DE"/>
           </a:p>
@@ -24285,7 +24286,7 @@
           <a:p>
             <a:fld id="{3A98EE3D-8CD1-4C3F-BD1C-C98C9596463C}" type="slidenum">
               <a:rPr lang="en-US" smtClean="0"/>
-              <a:t>‹Nr.›</a:t>
+              <a:t>‹#›</a:t>
             </a:fld>
             <a:endParaRPr lang="en-US" dirty="0"/>
           </a:p>
@@ -24473,7 +24474,7 @@
           <a:p>
             <a:fld id="{3A98EE3D-8CD1-4C3F-BD1C-C98C9596463C}" type="slidenum">
               <a:rPr lang="en-US" smtClean="0"/>
-              <a:t>‹Nr.›</a:t>
+              <a:t>‹#›</a:t>
             </a:fld>
             <a:endParaRPr lang="en-US" dirty="0"/>
           </a:p>
@@ -24715,7 +24716,7 @@
           <a:p>
             <a:fld id="{3A98EE3D-8CD1-4C3F-BD1C-C98C9596463C}" type="slidenum">
               <a:rPr lang="en-US" smtClean="0"/>
-              <a:t>‹Nr.›</a:t>
+              <a:t>‹#›</a:t>
             </a:fld>
             <a:endParaRPr lang="en-US" dirty="0"/>
           </a:p>
@@ -24903,7 +24904,7 @@
           <a:p>
             <a:fld id="{3A98EE3D-8CD1-4C3F-BD1C-C98C9596463C}" type="slidenum">
               <a:rPr lang="en-US" smtClean="0"/>
-              <a:t>‹Nr.›</a:t>
+              <a:t>‹#›</a:t>
             </a:fld>
             <a:endParaRPr lang="en-US" dirty="0"/>
           </a:p>
@@ -25276,7 +25277,7 @@
           <a:p>
             <a:fld id="{3A98EE3D-8CD1-4C3F-BD1C-C98C9596463C}" type="slidenum">
               <a:rPr lang="en-US" smtClean="0"/>
-              <a:t>‹Nr.›</a:t>
+              <a:t>‹#›</a:t>
             </a:fld>
             <a:endParaRPr lang="en-US" dirty="0"/>
           </a:p>
@@ -25531,7 +25532,7 @@
           <a:p>
             <a:fld id="{3A98EE3D-8CD1-4C3F-BD1C-C98C9596463C}" type="slidenum">
               <a:rPr lang="en-US" smtClean="0"/>
-              <a:t>‹Nr.›</a:t>
+              <a:t>‹#›</a:t>
             </a:fld>
             <a:endParaRPr lang="en-US" dirty="0"/>
           </a:p>
@@ -25928,7 +25929,7 @@
           <a:p>
             <a:fld id="{3A98EE3D-8CD1-4C3F-BD1C-C98C9596463C}" type="slidenum">
               <a:rPr lang="en-US" smtClean="0"/>
-              <a:t>‹Nr.›</a:t>
+              <a:t>‹#›</a:t>
             </a:fld>
             <a:endParaRPr lang="en-US" dirty="0"/>
           </a:p>
@@ -26064,7 +26065,7 @@
           <a:p>
             <a:fld id="{3A98EE3D-8CD1-4C3F-BD1C-C98C9596463C}" type="slidenum">
               <a:rPr lang="en-US" smtClean="0"/>
-              <a:t>‹Nr.›</a:t>
+              <a:t>‹#›</a:t>
             </a:fld>
             <a:endParaRPr lang="en-US" dirty="0"/>
           </a:p>
@@ -26221,7 +26222,7 @@
           <a:p>
             <a:fld id="{3A98EE3D-8CD1-4C3F-BD1C-C98C9596463C}" type="slidenum">
               <a:rPr lang="en-US" smtClean="0"/>
-              <a:t>‹Nr.›</a:t>
+              <a:t>‹#›</a:t>
             </a:fld>
             <a:endParaRPr lang="en-US" dirty="0"/>
           </a:p>
@@ -26560,7 +26561,7 @@
             <a:fld id="{3A98EE3D-8CD1-4C3F-BD1C-C98C9596463C}" type="slidenum">
               <a:rPr lang="en-US" smtClean="0"/>
               <a:pPr/>
-              <a:t>‹Nr.›</a:t>
+              <a:t>‹#›</a:t>
             </a:fld>
             <a:endParaRPr lang="en-US" dirty="0"/>
           </a:p>
@@ -26894,7 +26895,7 @@
           <a:p>
             <a:fld id="{3A98EE3D-8CD1-4C3F-BD1C-C98C9596463C}" type="slidenum">
               <a:rPr lang="en-US" smtClean="0"/>
-              <a:t>‹Nr.›</a:t>
+              <a:t>‹#›</a:t>
             </a:fld>
             <a:endParaRPr lang="en-US" dirty="0"/>
           </a:p>
@@ -27181,7 +27182,7 @@
           <a:p>
             <a:fld id="{3A98EE3D-8CD1-4C3F-BD1C-C98C9596463C}" type="slidenum">
               <a:rPr lang="en-US" smtClean="0"/>
-              <a:t>‹Nr.›</a:t>
+              <a:t>‹#›</a:t>
             </a:fld>
             <a:endParaRPr lang="en-US" dirty="0"/>
           </a:p>
@@ -28705,6 +28706,275 @@
 <file path=ppt/slides/slide12.xml><?xml version="1.0" encoding="utf-8"?>
 <p:sld xmlns:a="http://schemas.openxmlformats.org/drawingml/2006/main" xmlns:r="http://schemas.openxmlformats.org/officeDocument/2006/relationships" xmlns:p="http://schemas.openxmlformats.org/presentationml/2006/main">
   <p:cSld>
+    <p:spTree>
+      <p:nvGrpSpPr>
+        <p:cNvPr id="1" name=""/>
+        <p:cNvGrpSpPr/>
+        <p:nvPr/>
+      </p:nvGrpSpPr>
+      <p:grpSpPr>
+        <a:xfrm>
+          <a:off x="0" y="0"/>
+          <a:ext cx="0" cy="0"/>
+          <a:chOff x="0" y="0"/>
+          <a:chExt cx="0" cy="0"/>
+        </a:xfrm>
+      </p:grpSpPr>
+      <p:sp>
+        <p:nvSpPr>
+          <p:cNvPr id="2" name="Title 1">
+            <a:extLst>
+              <a:ext uri="{FF2B5EF4-FFF2-40B4-BE49-F238E27FC236}">
+                <a16:creationId xmlns:a16="http://schemas.microsoft.com/office/drawing/2014/main" id="{D72BABBD-6473-9A64-F0C7-E9BC03BF838A}"/>
+              </a:ext>
+            </a:extLst>
+          </p:cNvPr>
+          <p:cNvSpPr>
+            <a:spLocks noGrp="1"/>
+          </p:cNvSpPr>
+          <p:nvPr>
+            <p:ph type="title"/>
+          </p:nvPr>
+        </p:nvSpPr>
+        <p:spPr/>
+        <p:txBody>
+          <a:bodyPr/>
+          <a:lstStyle/>
+          <a:p>
+            <a:r>
+              <a:rPr lang="lv-LV" dirty="0"/>
+              <a:t>Optimisation algorithm – Dice score</a:t>
+            </a:r>
+            <a:endParaRPr lang="en-US" dirty="0"/>
+          </a:p>
+        </p:txBody>
+      </p:sp>
+      <p:sp>
+        <p:nvSpPr>
+          <p:cNvPr id="4" name="Rectangle 3">
+            <a:extLst>
+              <a:ext uri="{FF2B5EF4-FFF2-40B4-BE49-F238E27FC236}">
+                <a16:creationId xmlns:a16="http://schemas.microsoft.com/office/drawing/2014/main" id="{86802BF4-D1FB-9266-3E77-747C311F9C65}"/>
+              </a:ext>
+            </a:extLst>
+          </p:cNvPr>
+          <p:cNvSpPr/>
+          <p:nvPr/>
+        </p:nvSpPr>
+        <p:spPr>
+          <a:xfrm>
+            <a:off x="2248989" y="2301360"/>
+            <a:ext cx="3461657" cy="3374572"/>
+          </a:xfrm>
+          <a:prstGeom prst="rect">
+            <a:avLst/>
+          </a:prstGeom>
+        </p:spPr>
+        <p:style>
+          <a:lnRef idx="2">
+            <a:schemeClr val="dk1">
+              <a:shade val="50000"/>
+            </a:schemeClr>
+          </a:lnRef>
+          <a:fillRef idx="1">
+            <a:schemeClr val="dk1"/>
+          </a:fillRef>
+          <a:effectRef idx="0">
+            <a:schemeClr val="dk1"/>
+          </a:effectRef>
+          <a:fontRef idx="minor">
+            <a:schemeClr val="lt1"/>
+          </a:fontRef>
+        </p:style>
+        <p:txBody>
+          <a:bodyPr rtlCol="0" anchor="ctr"/>
+          <a:lstStyle/>
+          <a:p>
+            <a:pPr algn="ctr"/>
+            <a:endParaRPr lang="en-US"/>
+          </a:p>
+        </p:txBody>
+      </p:sp>
+      <p:sp>
+        <p:nvSpPr>
+          <p:cNvPr id="5" name="Rectangle 4">
+            <a:extLst>
+              <a:ext uri="{FF2B5EF4-FFF2-40B4-BE49-F238E27FC236}">
+                <a16:creationId xmlns:a16="http://schemas.microsoft.com/office/drawing/2014/main" id="{46C00D21-AB56-D022-78F4-59E70D93B563}"/>
+              </a:ext>
+            </a:extLst>
+          </p:cNvPr>
+          <p:cNvSpPr/>
+          <p:nvPr/>
+        </p:nvSpPr>
+        <p:spPr>
+          <a:xfrm>
+            <a:off x="6481355" y="2301360"/>
+            <a:ext cx="3461657" cy="3374572"/>
+          </a:xfrm>
+          <a:prstGeom prst="rect">
+            <a:avLst/>
+          </a:prstGeom>
+        </p:spPr>
+        <p:style>
+          <a:lnRef idx="2">
+            <a:schemeClr val="dk1">
+              <a:shade val="50000"/>
+            </a:schemeClr>
+          </a:lnRef>
+          <a:fillRef idx="1">
+            <a:schemeClr val="dk1"/>
+          </a:fillRef>
+          <a:effectRef idx="0">
+            <a:schemeClr val="dk1"/>
+          </a:effectRef>
+          <a:fontRef idx="minor">
+            <a:schemeClr val="lt1"/>
+          </a:fontRef>
+        </p:style>
+        <p:txBody>
+          <a:bodyPr rtlCol="0" anchor="ctr"/>
+          <a:lstStyle/>
+          <a:p>
+            <a:pPr algn="ctr"/>
+            <a:endParaRPr lang="en-US"/>
+          </a:p>
+        </p:txBody>
+      </p:sp>
+      <p:pic>
+        <p:nvPicPr>
+          <p:cNvPr id="7" name="Graphic 6">
+            <a:extLst>
+              <a:ext uri="{FF2B5EF4-FFF2-40B4-BE49-F238E27FC236}">
+                <a16:creationId xmlns:a16="http://schemas.microsoft.com/office/drawing/2014/main" id="{4A2A4932-A737-7DC9-FE1A-79BD53801905}"/>
+              </a:ext>
+            </a:extLst>
+          </p:cNvPr>
+          <p:cNvPicPr>
+            <a:picLocks noChangeAspect="1"/>
+          </p:cNvPicPr>
+          <p:nvPr/>
+        </p:nvPicPr>
+        <p:blipFill>
+          <a:blip r:embed="rId2">
+            <a:extLst>
+              <a:ext uri="{96DAC541-7B7A-43D3-8B79-37D633B846F1}">
+                <asvg:svgBlip xmlns:asvg="http://schemas.microsoft.com/office/drawing/2016/SVG/main" r:embed="rId3"/>
+              </a:ext>
+            </a:extLst>
+          </a:blip>
+          <a:stretch>
+            <a:fillRect/>
+          </a:stretch>
+        </p:blipFill>
+        <p:spPr>
+          <a:xfrm>
+            <a:off x="2647950" y="2731596"/>
+            <a:ext cx="1936046" cy="2156051"/>
+          </a:xfrm>
+          <a:prstGeom prst="rect">
+            <a:avLst/>
+          </a:prstGeom>
+        </p:spPr>
+      </p:pic>
+      <p:sp>
+        <p:nvSpPr>
+          <p:cNvPr id="9" name="Arrow: Right 8">
+            <a:extLst>
+              <a:ext uri="{FF2B5EF4-FFF2-40B4-BE49-F238E27FC236}">
+                <a16:creationId xmlns:a16="http://schemas.microsoft.com/office/drawing/2014/main" id="{241E544B-307C-28B7-3EF3-7CD5D70EC6FA}"/>
+              </a:ext>
+            </a:extLst>
+          </p:cNvPr>
+          <p:cNvSpPr/>
+          <p:nvPr/>
+        </p:nvSpPr>
+        <p:spPr>
+          <a:xfrm>
+            <a:off x="5823857" y="3864429"/>
+            <a:ext cx="555172" cy="272142"/>
+          </a:xfrm>
+          <a:prstGeom prst="rightArrow">
+            <a:avLst/>
+          </a:prstGeom>
+        </p:spPr>
+        <p:style>
+          <a:lnRef idx="2">
+            <a:schemeClr val="dk1">
+              <a:shade val="50000"/>
+            </a:schemeClr>
+          </a:lnRef>
+          <a:fillRef idx="1">
+            <a:schemeClr val="dk1"/>
+          </a:fillRef>
+          <a:effectRef idx="0">
+            <a:schemeClr val="dk1"/>
+          </a:effectRef>
+          <a:fontRef idx="minor">
+            <a:schemeClr val="lt1"/>
+          </a:fontRef>
+        </p:style>
+        <p:txBody>
+          <a:bodyPr rtlCol="0" anchor="ctr"/>
+          <a:lstStyle/>
+          <a:p>
+            <a:pPr algn="ctr"/>
+            <a:endParaRPr lang="en-US"/>
+          </a:p>
+        </p:txBody>
+      </p:sp>
+      <p:sp>
+        <p:nvSpPr>
+          <p:cNvPr id="10" name="TextBox 9">
+            <a:extLst>
+              <a:ext uri="{FF2B5EF4-FFF2-40B4-BE49-F238E27FC236}">
+                <a16:creationId xmlns:a16="http://schemas.microsoft.com/office/drawing/2014/main" id="{80749D02-C8E5-EF08-10CF-6645267AB908}"/>
+              </a:ext>
+            </a:extLst>
+          </p:cNvPr>
+          <p:cNvSpPr txBox="1"/>
+          <p:nvPr/>
+        </p:nvSpPr>
+        <p:spPr>
+          <a:xfrm>
+            <a:off x="4484914" y="5675932"/>
+            <a:ext cx="3788230" cy="523220"/>
+          </a:xfrm>
+          <a:prstGeom prst="rect">
+            <a:avLst/>
+          </a:prstGeom>
+          <a:noFill/>
+        </p:spPr>
+        <p:txBody>
+          <a:bodyPr wrap="square" rtlCol="0">
+            <a:spAutoFit/>
+          </a:bodyPr>
+          <a:lstStyle/>
+          <a:p>
+            <a:r>
+              <a:rPr lang="lv-LV" sz="2800" b="1" dirty="0"/>
+              <a:t>~ 80% Accuracy</a:t>
+            </a:r>
+            <a:endParaRPr lang="en-US" sz="2800" b="1" dirty="0"/>
+          </a:p>
+        </p:txBody>
+      </p:sp>
+    </p:spTree>
+    <p:extLst>
+      <p:ext uri="{BB962C8B-B14F-4D97-AF65-F5344CB8AC3E}">
+        <p14:creationId xmlns:p14="http://schemas.microsoft.com/office/powerpoint/2010/main" val="1950041317"/>
+      </p:ext>
+    </p:extLst>
+  </p:cSld>
+  <p:clrMapOvr>
+    <a:masterClrMapping/>
+  </p:clrMapOvr>
+</p:sld>
+</file>
+
+<file path=ppt/slides/slide13.xml><?xml version="1.0" encoding="utf-8"?>
+<p:sld xmlns:a="http://schemas.openxmlformats.org/drawingml/2006/main" xmlns:r="http://schemas.openxmlformats.org/officeDocument/2006/relationships" xmlns:p="http://schemas.openxmlformats.org/presentationml/2006/main" show="0">
+  <p:cSld>
     <p:bg>
       <p:bgPr>
         <a:solidFill>
@@ -29191,185 +29461,6 @@
 </p:sld>
 </file>
 
-<file path=ppt/slides/slide13.xml><?xml version="1.0" encoding="utf-8"?>
-<p:sld xmlns:a="http://schemas.openxmlformats.org/drawingml/2006/main" xmlns:r="http://schemas.openxmlformats.org/officeDocument/2006/relationships" xmlns:p="http://schemas.openxmlformats.org/presentationml/2006/main">
-  <p:cSld>
-    <p:spTree>
-      <p:nvGrpSpPr>
-        <p:cNvPr id="1" name=""/>
-        <p:cNvGrpSpPr/>
-        <p:nvPr/>
-      </p:nvGrpSpPr>
-      <p:grpSpPr>
-        <a:xfrm>
-          <a:off x="0" y="0"/>
-          <a:ext cx="0" cy="0"/>
-          <a:chOff x="0" y="0"/>
-          <a:chExt cx="0" cy="0"/>
-        </a:xfrm>
-      </p:grpSpPr>
-      <p:sp>
-        <p:nvSpPr>
-          <p:cNvPr id="2" name="Title 1">
-            <a:extLst>
-              <a:ext uri="{FF2B5EF4-FFF2-40B4-BE49-F238E27FC236}">
-                <a16:creationId xmlns:a16="http://schemas.microsoft.com/office/drawing/2014/main" id="{1B25104E-AFD1-C198-F41C-FDB6A9E62CAD}"/>
-              </a:ext>
-            </a:extLst>
-          </p:cNvPr>
-          <p:cNvSpPr>
-            <a:spLocks noGrp="1"/>
-          </p:cNvSpPr>
-          <p:nvPr>
-            <p:ph type="title"/>
-          </p:nvPr>
-        </p:nvSpPr>
-        <p:spPr/>
-        <p:txBody>
-          <a:bodyPr>
-            <a:normAutofit fontScale="90000"/>
-          </a:bodyPr>
-          <a:lstStyle/>
-          <a:p>
-            <a:r>
-              <a:rPr lang="lv-LV" dirty="0"/>
-              <a:t>Eulers rings normal version and dice score #muss noch ueberlegen wie genau ich es mache also in what order</a:t>
-            </a:r>
-            <a:endParaRPr lang="en-US" dirty="0"/>
-          </a:p>
-        </p:txBody>
-      </p:sp>
-      <p:sp>
-        <p:nvSpPr>
-          <p:cNvPr id="3" name="Content Placeholder 2">
-            <a:extLst>
-              <a:ext uri="{FF2B5EF4-FFF2-40B4-BE49-F238E27FC236}">
-                <a16:creationId xmlns:a16="http://schemas.microsoft.com/office/drawing/2014/main" id="{43593FB1-BA55-C54C-FF00-C4BB352C16F0}"/>
-              </a:ext>
-            </a:extLst>
-          </p:cNvPr>
-          <p:cNvSpPr>
-            <a:spLocks noGrp="1"/>
-          </p:cNvSpPr>
-          <p:nvPr>
-            <p:ph idx="1"/>
-          </p:nvPr>
-        </p:nvSpPr>
-        <p:spPr/>
-        <p:txBody>
-          <a:bodyPr/>
-          <a:lstStyle/>
-          <a:p>
-            <a:pPr marL="0" indent="0">
-              <a:buNone/>
-            </a:pPr>
-            <a:endParaRPr lang="en-US" dirty="0"/>
-          </a:p>
-        </p:txBody>
-      </p:sp>
-      <p:sp>
-        <p:nvSpPr>
-          <p:cNvPr id="4" name="Oval 3">
-            <a:extLst>
-              <a:ext uri="{FF2B5EF4-FFF2-40B4-BE49-F238E27FC236}">
-                <a16:creationId xmlns:a16="http://schemas.microsoft.com/office/drawing/2014/main" id="{C820744B-0CC5-18A1-DD73-908B806441FD}"/>
-              </a:ext>
-            </a:extLst>
-          </p:cNvPr>
-          <p:cNvSpPr/>
-          <p:nvPr/>
-        </p:nvSpPr>
-        <p:spPr>
-          <a:xfrm>
-            <a:off x="2905760" y="2159845"/>
-            <a:ext cx="3657600" cy="3657600"/>
-          </a:xfrm>
-          <a:prstGeom prst="ellipse">
-            <a:avLst/>
-          </a:prstGeom>
-          <a:noFill/>
-        </p:spPr>
-        <p:style>
-          <a:lnRef idx="2">
-            <a:schemeClr val="dk1"/>
-          </a:lnRef>
-          <a:fillRef idx="1">
-            <a:schemeClr val="lt1"/>
-          </a:fillRef>
-          <a:effectRef idx="0">
-            <a:schemeClr val="dk1"/>
-          </a:effectRef>
-          <a:fontRef idx="minor">
-            <a:schemeClr val="dk1"/>
-          </a:fontRef>
-        </p:style>
-        <p:txBody>
-          <a:bodyPr rtlCol="0" anchor="ctr"/>
-          <a:lstStyle/>
-          <a:p>
-            <a:pPr algn="ctr"/>
-            <a:endParaRPr lang="en-US"/>
-          </a:p>
-        </p:txBody>
-      </p:sp>
-      <p:sp>
-        <p:nvSpPr>
-          <p:cNvPr id="6" name="Oval 5">
-            <a:extLst>
-              <a:ext uri="{FF2B5EF4-FFF2-40B4-BE49-F238E27FC236}">
-                <a16:creationId xmlns:a16="http://schemas.microsoft.com/office/drawing/2014/main" id="{7458756F-BEF0-7FA2-3EBB-0169F1411108}"/>
-              </a:ext>
-            </a:extLst>
-          </p:cNvPr>
-          <p:cNvSpPr/>
-          <p:nvPr/>
-        </p:nvSpPr>
-        <p:spPr>
-          <a:xfrm>
-            <a:off x="4947920" y="2108200"/>
-            <a:ext cx="3738880" cy="3709245"/>
-          </a:xfrm>
-          <a:prstGeom prst="ellipse">
-            <a:avLst/>
-          </a:prstGeom>
-          <a:noFill/>
-        </p:spPr>
-        <p:style>
-          <a:lnRef idx="2">
-            <a:schemeClr val="dk1"/>
-          </a:lnRef>
-          <a:fillRef idx="1">
-            <a:schemeClr val="lt1"/>
-          </a:fillRef>
-          <a:effectRef idx="0">
-            <a:schemeClr val="dk1"/>
-          </a:effectRef>
-          <a:fontRef idx="minor">
-            <a:schemeClr val="dk1"/>
-          </a:fontRef>
-        </p:style>
-        <p:txBody>
-          <a:bodyPr rtlCol="0" anchor="ctr"/>
-          <a:lstStyle/>
-          <a:p>
-            <a:pPr algn="ctr"/>
-            <a:endParaRPr lang="en-US"/>
-          </a:p>
-        </p:txBody>
-      </p:sp>
-    </p:spTree>
-    <p:extLst>
-      <p:ext uri="{BB962C8B-B14F-4D97-AF65-F5344CB8AC3E}">
-        <p14:creationId xmlns:p14="http://schemas.microsoft.com/office/powerpoint/2010/main" val="3705265101"/>
-      </p:ext>
-    </p:extLst>
-  </p:cSld>
-  <p:clrMapOvr>
-    <a:masterClrMapping/>
-  </p:clrMapOvr>
-</p:sld>
-</file>
-
 <file path=ppt/slides/slide14.xml><?xml version="1.0" encoding="utf-8"?>
 <p:sld xmlns:a="http://schemas.openxmlformats.org/drawingml/2006/main" xmlns:r="http://schemas.openxmlformats.org/officeDocument/2006/relationships" xmlns:p="http://schemas.openxmlformats.org/presentationml/2006/main">
   <p:cSld>
@@ -29486,14 +29577,14 @@
             <a:r>
               <a:rPr lang="lv-LV" dirty="0">
                 <a:solidFill>
-                  <a:schemeClr val="accent1"/>
+                  <a:schemeClr val="tx1"/>
                 </a:solidFill>
               </a:rPr>
-              <a:t>wie sieht es statistisch auss (eulers rings)</a:t>
+              <a:t>Dice Score</a:t>
             </a:r>
             <a:endParaRPr lang="en-US" dirty="0">
               <a:solidFill>
-                <a:schemeClr val="accent1"/>
+                <a:schemeClr val="tx1"/>
               </a:solidFill>
             </a:endParaRPr>
           </a:p>
@@ -29632,15 +29723,15 @@
         </p:spPr>
         <p:style>
           <a:lnRef idx="2">
-            <a:schemeClr val="accent1">
+            <a:schemeClr val="dk1">
               <a:shade val="50000"/>
             </a:schemeClr>
           </a:lnRef>
           <a:fillRef idx="1">
-            <a:schemeClr val="accent1"/>
+            <a:schemeClr val="dk1"/>
           </a:fillRef>
           <a:effectRef idx="0">
-            <a:schemeClr val="accent1"/>
+            <a:schemeClr val="dk1"/>
           </a:effectRef>
           <a:fontRef idx="minor">
             <a:schemeClr val="lt1"/>
@@ -29651,10 +29742,6 @@
           <a:lstStyle/>
           <a:p>
             <a:pPr algn="ctr"/>
-            <a:r>
-              <a:rPr lang="lv-LV" dirty="0"/>
-              <a:t>Hier perfect scenario aka ueberlappende eulers rings </a:t>
-            </a:r>
             <a:endParaRPr lang="en-US" dirty="0"/>
           </a:p>
         </p:txBody>
@@ -29686,15 +29773,15 @@
         </p:spPr>
         <p:style>
           <a:lnRef idx="2">
-            <a:schemeClr val="accent1">
+            <a:schemeClr val="dk1">
               <a:shade val="50000"/>
             </a:schemeClr>
           </a:lnRef>
           <a:fillRef idx="1">
-            <a:schemeClr val="accent1"/>
+            <a:schemeClr val="dk1"/>
           </a:fillRef>
           <a:effectRef idx="0">
-            <a:schemeClr val="accent1"/>
+            <a:schemeClr val="dk1"/>
           </a:effectRef>
           <a:fontRef idx="minor">
             <a:schemeClr val="lt1"/>
@@ -29705,139 +29792,478 @@
           <a:lstStyle/>
           <a:p>
             <a:pPr algn="ctr"/>
-            <a:r>
-              <a:rPr lang="lv-LV" dirty="0"/>
-              <a:t>Realistic scenario</a:t>
-            </a:r>
             <a:endParaRPr lang="en-US" dirty="0"/>
           </a:p>
         </p:txBody>
       </p:sp>
-      <p:sp>
-        <p:nvSpPr>
-          <p:cNvPr id="5" name="Rectangle 4">
-            <a:extLst>
-              <a:ext uri="{FF2B5EF4-FFF2-40B4-BE49-F238E27FC236}">
-                <a16:creationId xmlns:a16="http://schemas.microsoft.com/office/drawing/2014/main" id="{7E061946-6342-8805-195C-0F95A3EC7157}"/>
-              </a:ext>
-            </a:extLst>
-          </p:cNvPr>
-          <p:cNvSpPr/>
-          <p:nvPr/>
-        </p:nvSpPr>
-        <p:spPr>
-          <a:xfrm>
-            <a:off x="4382866" y="2201547"/>
-            <a:ext cx="3359053" cy="1691640"/>
-          </a:xfrm>
-          <a:prstGeom prst="rect">
-            <a:avLst/>
-          </a:prstGeom>
-        </p:spPr>
-        <p:style>
-          <a:lnRef idx="2">
-            <a:schemeClr val="dk1"/>
-          </a:lnRef>
-          <a:fillRef idx="1">
-            <a:schemeClr val="lt1"/>
-          </a:fillRef>
-          <a:effectRef idx="0">
-            <a:schemeClr val="dk1"/>
-          </a:effectRef>
-          <a:fontRef idx="minor">
-            <a:schemeClr val="dk1"/>
-          </a:fontRef>
-        </p:style>
-        <p:txBody>
-          <a:bodyPr rtlCol="0" anchor="ctr"/>
-          <a:lstStyle/>
-          <a:p>
-            <a:r>
-              <a:rPr lang="lv-LV" dirty="0"/>
-              <a:t>FN=0</a:t>
-            </a:r>
-          </a:p>
-          <a:p>
-            <a:r>
-              <a:rPr lang="lv-LV" dirty="0"/>
-              <a:t>FP=0</a:t>
-            </a:r>
-          </a:p>
-          <a:p>
-            <a:r>
-              <a:rPr lang="lv-LV" dirty="0"/>
-              <a:t>DSC= 2TP/2TP = 1</a:t>
-            </a:r>
-          </a:p>
-          <a:p>
-            <a:r>
-              <a:rPr lang="lv-LV" dirty="0"/>
-              <a:t>+ kurzerklaerung wie es zu dsc=0 kommen wurde</a:t>
-            </a:r>
-          </a:p>
-        </p:txBody>
-      </p:sp>
-      <p:sp>
-        <p:nvSpPr>
-          <p:cNvPr id="11" name="Rectangle 10">
-            <a:extLst>
-              <a:ext uri="{FF2B5EF4-FFF2-40B4-BE49-F238E27FC236}">
-                <a16:creationId xmlns:a16="http://schemas.microsoft.com/office/drawing/2014/main" id="{A495DF8A-C915-ECB1-CC4D-91FD8D9C93D0}"/>
-              </a:ext>
-            </a:extLst>
-          </p:cNvPr>
-          <p:cNvSpPr/>
-          <p:nvPr/>
-        </p:nvSpPr>
-        <p:spPr>
-          <a:xfrm>
-            <a:off x="4398248" y="4087336"/>
-            <a:ext cx="3389817" cy="1691640"/>
-          </a:xfrm>
-          <a:prstGeom prst="rect">
-            <a:avLst/>
-          </a:prstGeom>
-        </p:spPr>
-        <p:style>
-          <a:lnRef idx="2">
-            <a:schemeClr val="dk1"/>
-          </a:lnRef>
-          <a:fillRef idx="1">
-            <a:schemeClr val="lt1"/>
-          </a:fillRef>
-          <a:effectRef idx="0">
-            <a:schemeClr val="dk1"/>
-          </a:effectRef>
-          <a:fontRef idx="minor">
-            <a:schemeClr val="dk1"/>
-          </a:fontRef>
-        </p:style>
-        <p:txBody>
-          <a:bodyPr rtlCol="0" anchor="ctr"/>
-          <a:lstStyle/>
-          <a:p>
-            <a:r>
-              <a:rPr lang="lv-LV" dirty="0"/>
-              <a:t>FN&gt;0</a:t>
-            </a:r>
-          </a:p>
-          <a:p>
-            <a:r>
-              <a:rPr lang="lv-LV" dirty="0"/>
-              <a:t>FP&gt;0</a:t>
-            </a:r>
-          </a:p>
-          <a:p>
-            <a:r>
-              <a:rPr lang="lv-LV" dirty="0"/>
-              <a:t>DSC=2TP/(2TP+FN+FP)</a:t>
-            </a:r>
-            <a:endParaRPr lang="en-US" dirty="0"/>
-          </a:p>
-        </p:txBody>
-      </p:sp>
-      <mc:AlternateContent xmlns:mc="http://schemas.openxmlformats.org/markup-compatibility/2006" xmlns:a14="http://schemas.microsoft.com/office/drawing/2010/main">
-        <mc:Choice Requires="a14">
+      <mc:AlternateContent xmlns:mc="http://schemas.openxmlformats.org/markup-compatibility/2006">
+        <mc:Choice xmlns:a14="http://schemas.microsoft.com/office/drawing/2010/main" Requires="a14">
+          <p:sp>
+            <p:nvSpPr>
+              <p:cNvPr id="5" name="Rectangle 4">
+                <a:extLst>
+                  <a:ext uri="{FF2B5EF4-FFF2-40B4-BE49-F238E27FC236}">
+                    <a16:creationId xmlns:a16="http://schemas.microsoft.com/office/drawing/2014/main" id="{7E061946-6342-8805-195C-0F95A3EC7157}"/>
+                  </a:ext>
+                </a:extLst>
+              </p:cNvPr>
+              <p:cNvSpPr/>
+              <p:nvPr/>
+            </p:nvSpPr>
+            <p:spPr>
+              <a:xfrm>
+                <a:off x="4382866" y="2201547"/>
+                <a:ext cx="3359053" cy="1691640"/>
+              </a:xfrm>
+              <a:prstGeom prst="rect">
+                <a:avLst/>
+              </a:prstGeom>
+            </p:spPr>
+            <p:style>
+              <a:lnRef idx="2">
+                <a:schemeClr val="dk1"/>
+              </a:lnRef>
+              <a:fillRef idx="1">
+                <a:schemeClr val="lt1"/>
+              </a:fillRef>
+              <a:effectRef idx="0">
+                <a:schemeClr val="dk1"/>
+              </a:effectRef>
+              <a:fontRef idx="minor">
+                <a:schemeClr val="dk1"/>
+              </a:fontRef>
+            </p:style>
+            <p:txBody>
+              <a:bodyPr rtlCol="0" anchor="ctr"/>
+              <a:lstStyle/>
+              <a:p>
+                <a:pPr/>
+                <a14:m>
+                  <m:oMathPara xmlns:m="http://schemas.openxmlformats.org/officeDocument/2006/math">
+                    <m:oMathParaPr>
+                      <m:jc m:val="left"/>
+                    </m:oMathParaPr>
+                    <m:oMath xmlns:m="http://schemas.openxmlformats.org/officeDocument/2006/math">
+                      <m:r>
+                        <a:rPr lang="lv-LV" b="0" i="1" smtClean="0">
+                          <a:latin typeface="Cambria Math" panose="02040503050406030204" pitchFamily="18" charset="0"/>
+                        </a:rPr>
+                        <m:t>𝐹𝑃</m:t>
+                      </m:r>
+                      <m:r>
+                        <a:rPr lang="lv-LV" b="0" i="1" smtClean="0">
+                          <a:latin typeface="Cambria Math" panose="02040503050406030204" pitchFamily="18" charset="0"/>
+                        </a:rPr>
+                        <m:t>=0</m:t>
+                      </m:r>
+                    </m:oMath>
+                  </m:oMathPara>
+                </a14:m>
+                <a:endParaRPr lang="lv-LV" b="0" dirty="0"/>
+              </a:p>
+              <a:p>
+                <a:pPr/>
+                <a14:m>
+                  <m:oMathPara xmlns:m="http://schemas.openxmlformats.org/officeDocument/2006/math">
+                    <m:oMathParaPr>
+                      <m:jc m:val="left"/>
+                    </m:oMathParaPr>
+                    <m:oMath xmlns:m="http://schemas.openxmlformats.org/officeDocument/2006/math">
+                      <m:r>
+                        <a:rPr lang="lv-LV" b="0" i="1" smtClean="0">
+                          <a:latin typeface="Cambria Math" panose="02040503050406030204" pitchFamily="18" charset="0"/>
+                        </a:rPr>
+                        <m:t>𝐹𝑁</m:t>
+                      </m:r>
+                      <m:r>
+                        <a:rPr lang="lv-LV" b="0" i="1" smtClean="0">
+                          <a:latin typeface="Cambria Math" panose="02040503050406030204" pitchFamily="18" charset="0"/>
+                        </a:rPr>
+                        <m:t>=0</m:t>
+                      </m:r>
+                    </m:oMath>
+                  </m:oMathPara>
+                </a14:m>
+                <a:endParaRPr lang="lv-LV" b="0" dirty="0"/>
+              </a:p>
+              <a:p>
+                <a:pPr/>
+                <a:endParaRPr lang="lv-LV" b="0" dirty="0"/>
+              </a:p>
+              <a:p>
+                <a:pPr/>
+                <a14:m>
+                  <m:oMathPara xmlns:m="http://schemas.openxmlformats.org/officeDocument/2006/math">
+                    <m:oMathParaPr>
+                      <m:jc m:val="left"/>
+                    </m:oMathParaPr>
+                    <m:oMath xmlns:m="http://schemas.openxmlformats.org/officeDocument/2006/math">
+                      <m:r>
+                        <a:rPr lang="lv-LV" b="0" i="1" smtClean="0">
+                          <a:latin typeface="Cambria Math" panose="02040503050406030204" pitchFamily="18" charset="0"/>
+                        </a:rPr>
+                        <m:t>𝐷𝑆𝐶</m:t>
+                      </m:r>
+                      <m:r>
+                        <a:rPr lang="lv-LV" b="0" i="1" smtClean="0">
+                          <a:latin typeface="Cambria Math" panose="02040503050406030204" pitchFamily="18" charset="0"/>
+                        </a:rPr>
+                        <m:t>=</m:t>
+                      </m:r>
+                      <m:f>
+                        <m:fPr>
+                          <m:ctrlPr>
+                            <a:rPr lang="lv-LV" b="0" i="1" smtClean="0">
+                              <a:latin typeface="Cambria Math" panose="02040503050406030204" pitchFamily="18" charset="0"/>
+                            </a:rPr>
+                          </m:ctrlPr>
+                        </m:fPr>
+                        <m:num>
+                          <m:r>
+                            <a:rPr lang="lv-LV" b="0" i="1" smtClean="0">
+                              <a:latin typeface="Cambria Math" panose="02040503050406030204" pitchFamily="18" charset="0"/>
+                            </a:rPr>
+                            <m:t>2</m:t>
+                          </m:r>
+                          <m:r>
+                            <a:rPr lang="lv-LV" b="0" i="1" smtClean="0">
+                              <a:latin typeface="Cambria Math" panose="02040503050406030204" pitchFamily="18" charset="0"/>
+                            </a:rPr>
+                            <m:t>𝑇𝑃</m:t>
+                          </m:r>
+                        </m:num>
+                        <m:den>
+                          <m:r>
+                            <a:rPr lang="lv-LV" b="0" i="1" smtClean="0">
+                              <a:latin typeface="Cambria Math" panose="02040503050406030204" pitchFamily="18" charset="0"/>
+                            </a:rPr>
+                            <m:t>2</m:t>
+                          </m:r>
+                          <m:r>
+                            <a:rPr lang="lv-LV" b="0" i="1" smtClean="0">
+                              <a:latin typeface="Cambria Math" panose="02040503050406030204" pitchFamily="18" charset="0"/>
+                            </a:rPr>
+                            <m:t>𝑇𝑃</m:t>
+                          </m:r>
+                        </m:den>
+                      </m:f>
+                      <m:r>
+                        <a:rPr lang="lv-LV" b="0" i="1" smtClean="0">
+                          <a:latin typeface="Cambria Math" panose="02040503050406030204" pitchFamily="18" charset="0"/>
+                        </a:rPr>
+                        <m:t>=1</m:t>
+                      </m:r>
+                    </m:oMath>
+                  </m:oMathPara>
+                </a14:m>
+                <a:endParaRPr lang="lv-LV" dirty="0"/>
+              </a:p>
+            </p:txBody>
+          </p:sp>
+        </mc:Choice>
+        <mc:Fallback>
+          <p:sp>
+            <p:nvSpPr>
+              <p:cNvPr id="5" name="Rectangle 4">
+                <a:extLst>
+                  <a:ext uri="{FF2B5EF4-FFF2-40B4-BE49-F238E27FC236}">
+                    <a16:creationId xmlns:a16="http://schemas.microsoft.com/office/drawing/2014/main" id="{7E061946-6342-8805-195C-0F95A3EC7157}"/>
+                  </a:ext>
+                </a:extLst>
+              </p:cNvPr>
+              <p:cNvSpPr>
+                <a:spLocks noRot="1" noChangeAspect="1" noMove="1" noResize="1" noEditPoints="1" noAdjustHandles="1" noChangeArrowheads="1" noChangeShapeType="1" noTextEdit="1"/>
+              </p:cNvSpPr>
+              <p:nvPr/>
+            </p:nvSpPr>
+            <p:spPr>
+              <a:xfrm>
+                <a:off x="4382866" y="2201547"/>
+                <a:ext cx="3359053" cy="1691640"/>
+              </a:xfrm>
+              <a:prstGeom prst="rect">
+                <a:avLst/>
+              </a:prstGeom>
+              <a:blipFill>
+                <a:blip r:embed="rId2"/>
+                <a:stretch>
+                  <a:fillRect/>
+                </a:stretch>
+              </a:blipFill>
+            </p:spPr>
+            <p:txBody>
+              <a:bodyPr/>
+              <a:lstStyle/>
+              <a:p>
+                <a:r>
+                  <a:rPr lang="en-US">
+                    <a:noFill/>
+                  </a:rPr>
+                  <a:t> </a:t>
+                </a:r>
+              </a:p>
+            </p:txBody>
+          </p:sp>
+        </mc:Fallback>
+      </mc:AlternateContent>
+      <mc:AlternateContent xmlns:mc="http://schemas.openxmlformats.org/markup-compatibility/2006">
+        <mc:Choice xmlns:a14="http://schemas.microsoft.com/office/drawing/2010/main" Requires="a14">
+          <p:sp>
+            <p:nvSpPr>
+              <p:cNvPr id="11" name="Rectangle 10">
+                <a:extLst>
+                  <a:ext uri="{FF2B5EF4-FFF2-40B4-BE49-F238E27FC236}">
+                    <a16:creationId xmlns:a16="http://schemas.microsoft.com/office/drawing/2014/main" id="{A495DF8A-C915-ECB1-CC4D-91FD8D9C93D0}"/>
+                  </a:ext>
+                </a:extLst>
+              </p:cNvPr>
+              <p:cNvSpPr/>
+              <p:nvPr/>
+            </p:nvSpPr>
+            <p:spPr>
+              <a:xfrm>
+                <a:off x="4398249" y="4087336"/>
+                <a:ext cx="3343670" cy="1691640"/>
+              </a:xfrm>
+              <a:prstGeom prst="rect">
+                <a:avLst/>
+              </a:prstGeom>
+            </p:spPr>
+            <p:style>
+              <a:lnRef idx="2">
+                <a:schemeClr val="dk1"/>
+              </a:lnRef>
+              <a:fillRef idx="1">
+                <a:schemeClr val="lt1"/>
+              </a:fillRef>
+              <a:effectRef idx="0">
+                <a:schemeClr val="dk1"/>
+              </a:effectRef>
+              <a:fontRef idx="minor">
+                <a:schemeClr val="dk1"/>
+              </a:fontRef>
+            </p:style>
+            <p:txBody>
+              <a:bodyPr rtlCol="0" anchor="ctr"/>
+              <a:lstStyle/>
+              <a:p>
+                <a:pPr/>
+                <a14:m>
+                  <m:oMathPara xmlns:m="http://schemas.openxmlformats.org/officeDocument/2006/math">
+                    <m:oMathParaPr>
+                      <m:jc m:val="left"/>
+                    </m:oMathParaPr>
+                    <m:oMath xmlns:m="http://schemas.openxmlformats.org/officeDocument/2006/math">
+                      <m:r>
+                        <a:rPr lang="lv-LV" b="0" i="1" smtClean="0">
+                          <a:latin typeface="Cambria Math" panose="02040503050406030204" pitchFamily="18" charset="0"/>
+                        </a:rPr>
+                        <m:t>𝐹𝑃</m:t>
+                      </m:r>
+                      <m:r>
+                        <a:rPr lang="lv-LV" b="0" i="1" smtClean="0">
+                          <a:latin typeface="Cambria Math" panose="02040503050406030204" pitchFamily="18" charset="0"/>
+                        </a:rPr>
+                        <m:t>&gt;0</m:t>
+                      </m:r>
+                    </m:oMath>
+                  </m:oMathPara>
+                </a14:m>
+                <a:endParaRPr lang="lv-LV" b="0" dirty="0"/>
+              </a:p>
+              <a:p>
+                <a:pPr/>
+                <a14:m>
+                  <m:oMathPara xmlns:m="http://schemas.openxmlformats.org/officeDocument/2006/math">
+                    <m:oMathParaPr>
+                      <m:jc m:val="left"/>
+                    </m:oMathParaPr>
+                    <m:oMath xmlns:m="http://schemas.openxmlformats.org/officeDocument/2006/math">
+                      <m:r>
+                        <a:rPr lang="lv-LV" b="0" i="1" smtClean="0">
+                          <a:latin typeface="Cambria Math" panose="02040503050406030204" pitchFamily="18" charset="0"/>
+                        </a:rPr>
+                        <m:t>𝐹𝑁</m:t>
+                      </m:r>
+                      <m:r>
+                        <a:rPr lang="lv-LV" b="0" i="1" smtClean="0">
+                          <a:latin typeface="Cambria Math" panose="02040503050406030204" pitchFamily="18" charset="0"/>
+                        </a:rPr>
+                        <m:t>&gt;0</m:t>
+                      </m:r>
+                    </m:oMath>
+                  </m:oMathPara>
+                </a14:m>
+                <a:endParaRPr lang="lv-LV" b="0" dirty="0"/>
+              </a:p>
+              <a:p>
+                <a:pPr/>
+                <a14:m>
+                  <m:oMathPara xmlns:m="http://schemas.openxmlformats.org/officeDocument/2006/math">
+                    <m:oMathParaPr>
+                      <m:jc m:val="left"/>
+                    </m:oMathParaPr>
+                    <m:oMath xmlns:m="http://schemas.openxmlformats.org/officeDocument/2006/math">
+                      <m:r>
+                        <a:rPr lang="lv-LV" b="0" i="1" smtClean="0">
+                          <a:latin typeface="Cambria Math" panose="02040503050406030204" pitchFamily="18" charset="0"/>
+                        </a:rPr>
+                        <m:t>𝐷𝑆𝐶</m:t>
+                      </m:r>
+                      <m:r>
+                        <a:rPr lang="lv-LV" b="0" i="1" smtClean="0">
+                          <a:latin typeface="Cambria Math" panose="02040503050406030204" pitchFamily="18" charset="0"/>
+                        </a:rPr>
+                        <m:t>=</m:t>
+                      </m:r>
+                      <m:f>
+                        <m:fPr>
+                          <m:ctrlPr>
+                            <a:rPr lang="lv-LV" b="0" i="1" smtClean="0">
+                              <a:latin typeface="Cambria Math" panose="02040503050406030204" pitchFamily="18" charset="0"/>
+                            </a:rPr>
+                          </m:ctrlPr>
+                        </m:fPr>
+                        <m:num>
+                          <m:r>
+                            <a:rPr lang="lv-LV" b="0" i="1" smtClean="0">
+                              <a:latin typeface="Cambria Math" panose="02040503050406030204" pitchFamily="18" charset="0"/>
+                            </a:rPr>
+                            <m:t>2</m:t>
+                          </m:r>
+                          <m:r>
+                            <a:rPr lang="lv-LV" b="0" i="1" smtClean="0">
+                              <a:latin typeface="Cambria Math" panose="02040503050406030204" pitchFamily="18" charset="0"/>
+                            </a:rPr>
+                            <m:t>𝑇𝑃</m:t>
+                          </m:r>
+                        </m:num>
+                        <m:den>
+                          <m:r>
+                            <a:rPr lang="lv-LV" b="0" i="1" smtClean="0">
+                              <a:latin typeface="Cambria Math" panose="02040503050406030204" pitchFamily="18" charset="0"/>
+                            </a:rPr>
+                            <m:t>2</m:t>
+                          </m:r>
+                          <m:r>
+                            <a:rPr lang="lv-LV" b="0" i="1" smtClean="0">
+                              <a:latin typeface="Cambria Math" panose="02040503050406030204" pitchFamily="18" charset="0"/>
+                            </a:rPr>
+                            <m:t>𝑇𝑃</m:t>
+                          </m:r>
+                          <m:r>
+                            <a:rPr lang="lv-LV" b="0" i="1" smtClean="0">
+                              <a:latin typeface="Cambria Math" panose="02040503050406030204" pitchFamily="18" charset="0"/>
+                            </a:rPr>
+                            <m:t>+</m:t>
+                          </m:r>
+                          <m:r>
+                            <a:rPr lang="lv-LV" b="0" i="1" smtClean="0">
+                              <a:latin typeface="Cambria Math" panose="02040503050406030204" pitchFamily="18" charset="0"/>
+                            </a:rPr>
+                            <m:t>𝐹𝑃</m:t>
+                          </m:r>
+                          <m:r>
+                            <a:rPr lang="lv-LV" b="0" i="1" smtClean="0">
+                              <a:latin typeface="Cambria Math" panose="02040503050406030204" pitchFamily="18" charset="0"/>
+                            </a:rPr>
+                            <m:t>+</m:t>
+                          </m:r>
+                          <m:r>
+                            <a:rPr lang="lv-LV" b="0" i="1" smtClean="0">
+                              <a:latin typeface="Cambria Math" panose="02040503050406030204" pitchFamily="18" charset="0"/>
+                            </a:rPr>
+                            <m:t>𝐹𝑁</m:t>
+                          </m:r>
+                        </m:den>
+                      </m:f>
+                    </m:oMath>
+                  </m:oMathPara>
+                </a14:m>
+                <a:endParaRPr lang="lv-LV" b="0" dirty="0"/>
+              </a:p>
+              <a:p>
+                <a:pPr/>
+                <a:endParaRPr lang="lv-LV" b="0" i="1" dirty="0">
+                  <a:latin typeface="Cambria Math" panose="02040503050406030204" pitchFamily="18" charset="0"/>
+                </a:endParaRPr>
+              </a:p>
+              <a:p>
+                <a:pPr/>
+                <a14:m>
+                  <m:oMathPara xmlns:m="http://schemas.openxmlformats.org/officeDocument/2006/math">
+                    <m:oMathParaPr>
+                      <m:jc m:val="left"/>
+                    </m:oMathParaPr>
+                    <m:oMath xmlns:m="http://schemas.openxmlformats.org/officeDocument/2006/math">
+                      <m:r>
+                        <a:rPr lang="lv-LV" b="0" i="1" smtClean="0">
+                          <a:latin typeface="Cambria Math" panose="02040503050406030204" pitchFamily="18" charset="0"/>
+                        </a:rPr>
+                        <m:t>𝐷𝑆𝐶</m:t>
+                      </m:r>
+                      <m:r>
+                        <a:rPr lang="lv-LV" b="0" i="1" smtClean="0">
+                          <a:latin typeface="Cambria Math" panose="02040503050406030204" pitchFamily="18" charset="0"/>
+                          <a:ea typeface="Cambria Math" panose="02040503050406030204" pitchFamily="18" charset="0"/>
+                        </a:rPr>
+                        <m:t>∈(0;1)</m:t>
+                      </m:r>
+                    </m:oMath>
+                  </m:oMathPara>
+                </a14:m>
+                <a:endParaRPr lang="en-US" dirty="0"/>
+              </a:p>
+            </p:txBody>
+          </p:sp>
+        </mc:Choice>
+        <mc:Fallback>
+          <p:sp>
+            <p:nvSpPr>
+              <p:cNvPr id="11" name="Rectangle 10">
+                <a:extLst>
+                  <a:ext uri="{FF2B5EF4-FFF2-40B4-BE49-F238E27FC236}">
+                    <a16:creationId xmlns:a16="http://schemas.microsoft.com/office/drawing/2014/main" id="{A495DF8A-C915-ECB1-CC4D-91FD8D9C93D0}"/>
+                  </a:ext>
+                </a:extLst>
+              </p:cNvPr>
+              <p:cNvSpPr>
+                <a:spLocks noRot="1" noChangeAspect="1" noMove="1" noResize="1" noEditPoints="1" noAdjustHandles="1" noChangeArrowheads="1" noChangeShapeType="1" noTextEdit="1"/>
+              </p:cNvSpPr>
+              <p:nvPr/>
+            </p:nvSpPr>
+            <p:spPr>
+              <a:xfrm>
+                <a:off x="4398249" y="4087336"/>
+                <a:ext cx="3343670" cy="1691640"/>
+              </a:xfrm>
+              <a:prstGeom prst="rect">
+                <a:avLst/>
+              </a:prstGeom>
+              <a:blipFill>
+                <a:blip r:embed="rId3"/>
+                <a:stretch>
+                  <a:fillRect b="-3203"/>
+                </a:stretch>
+              </a:blipFill>
+            </p:spPr>
+            <p:txBody>
+              <a:bodyPr/>
+              <a:lstStyle/>
+              <a:p>
+                <a:r>
+                  <a:rPr lang="en-US">
+                    <a:noFill/>
+                  </a:rPr>
+                  <a:t> </a:t>
+                </a:r>
+              </a:p>
+            </p:txBody>
+          </p:sp>
+        </mc:Fallback>
+      </mc:AlternateContent>
+      <mc:AlternateContent xmlns:mc="http://schemas.openxmlformats.org/markup-compatibility/2006">
+        <mc:Choice xmlns:a14="http://schemas.microsoft.com/office/drawing/2010/main" Requires="a14">
           <p:sp>
             <p:nvSpPr>
               <p:cNvPr id="6" name="Rectangle 5">
@@ -29852,8 +30278,8 @@
             </p:nvSpPr>
             <p:spPr>
               <a:xfrm>
-                <a:off x="8433657" y="406400"/>
-                <a:ext cx="3502540" cy="5628640"/>
+                <a:off x="8516261" y="2578702"/>
+                <a:ext cx="3502540" cy="2310364"/>
               </a:xfrm>
               <a:prstGeom prst="rect">
                 <a:avLst/>
@@ -30022,7 +30448,7 @@
             </p:txBody>
           </p:sp>
         </mc:Choice>
-        <mc:Fallback xmlns="">
+        <mc:Fallback>
           <p:sp>
             <p:nvSpPr>
               <p:cNvPr id="6" name="Rectangle 5">
@@ -30039,14 +30465,14 @@
             </p:nvSpPr>
             <p:spPr>
               <a:xfrm>
-                <a:off x="8433657" y="406400"/>
-                <a:ext cx="3502540" cy="5628640"/>
+                <a:off x="8516261" y="2578702"/>
+                <a:ext cx="3502540" cy="2310364"/>
               </a:xfrm>
               <a:prstGeom prst="rect">
                 <a:avLst/>
               </a:prstGeom>
               <a:blipFill>
-                <a:blip r:embed="rId2"/>
+                <a:blip r:embed="rId4"/>
                 <a:stretch>
                   <a:fillRect/>
                 </a:stretch>
@@ -30067,6 +30493,355 @@
           </p:sp>
         </mc:Fallback>
       </mc:AlternateContent>
+      <p:pic>
+        <p:nvPicPr>
+          <p:cNvPr id="14" name="Graphic 13">
+            <a:extLst>
+              <a:ext uri="{FF2B5EF4-FFF2-40B4-BE49-F238E27FC236}">
+                <a16:creationId xmlns:a16="http://schemas.microsoft.com/office/drawing/2014/main" id="{96DA9304-099F-2E44-4E5B-D5948F58664B}"/>
+              </a:ext>
+            </a:extLst>
+          </p:cNvPr>
+          <p:cNvPicPr>
+            <a:picLocks noChangeAspect="1"/>
+          </p:cNvPicPr>
+          <p:nvPr/>
+        </p:nvPicPr>
+        <p:blipFill>
+          <a:blip r:embed="rId5">
+            <a:extLst>
+              <a:ext uri="{96DAC541-7B7A-43D3-8B79-37D633B846F1}">
+                <asvg:svgBlip xmlns:asvg="http://schemas.microsoft.com/office/drawing/2016/SVG/main" r:embed="rId6"/>
+              </a:ext>
+            </a:extLst>
+          </a:blip>
+          <a:stretch>
+            <a:fillRect/>
+          </a:stretch>
+        </p:blipFill>
+        <p:spPr>
+          <a:xfrm>
+            <a:off x="1753344" y="4203970"/>
+            <a:ext cx="1671468" cy="1458372"/>
+          </a:xfrm>
+          <a:prstGeom prst="rect">
+            <a:avLst/>
+          </a:prstGeom>
+        </p:spPr>
+      </p:pic>
+      <p:pic>
+        <p:nvPicPr>
+          <p:cNvPr id="16" name="Graphic 15">
+            <a:extLst>
+              <a:ext uri="{FF2B5EF4-FFF2-40B4-BE49-F238E27FC236}">
+                <a16:creationId xmlns:a16="http://schemas.microsoft.com/office/drawing/2014/main" id="{1DF0C484-40B7-DEE8-3373-C3B9114C9227}"/>
+              </a:ext>
+            </a:extLst>
+          </p:cNvPr>
+          <p:cNvPicPr>
+            <a:picLocks noChangeAspect="1"/>
+          </p:cNvPicPr>
+          <p:nvPr/>
+        </p:nvPicPr>
+        <p:blipFill>
+          <a:blip r:embed="rId7">
+            <a:extLst>
+              <a:ext uri="{96DAC541-7B7A-43D3-8B79-37D633B846F1}">
+                <asvg:svgBlip xmlns:asvg="http://schemas.microsoft.com/office/drawing/2016/SVG/main" r:embed="rId8"/>
+              </a:ext>
+            </a:extLst>
+          </a:blip>
+          <a:stretch>
+            <a:fillRect/>
+          </a:stretch>
+        </p:blipFill>
+        <p:spPr>
+          <a:xfrm>
+            <a:off x="1924469" y="2527809"/>
+            <a:ext cx="1399494" cy="1311568"/>
+          </a:xfrm>
+          <a:prstGeom prst="rect">
+            <a:avLst/>
+          </a:prstGeom>
+        </p:spPr>
+      </p:pic>
+      <p:sp>
+        <p:nvSpPr>
+          <p:cNvPr id="17" name="TextBox 16">
+            <a:extLst>
+              <a:ext uri="{FF2B5EF4-FFF2-40B4-BE49-F238E27FC236}">
+                <a16:creationId xmlns:a16="http://schemas.microsoft.com/office/drawing/2014/main" id="{84F6DC39-2B63-175E-2B40-3118B59EEA5C}"/>
+              </a:ext>
+            </a:extLst>
+          </p:cNvPr>
+          <p:cNvSpPr txBox="1"/>
+          <p:nvPr/>
+        </p:nvSpPr>
+        <p:spPr>
+          <a:xfrm>
+            <a:off x="2427935" y="2998927"/>
+            <a:ext cx="631371" cy="369332"/>
+          </a:xfrm>
+          <a:prstGeom prst="rect">
+            <a:avLst/>
+          </a:prstGeom>
+          <a:noFill/>
+        </p:spPr>
+        <p:txBody>
+          <a:bodyPr wrap="square" rtlCol="0">
+            <a:spAutoFit/>
+          </a:bodyPr>
+          <a:lstStyle/>
+          <a:p>
+            <a:r>
+              <a:rPr lang="lv-LV" b="1" dirty="0"/>
+              <a:t>TP</a:t>
+            </a:r>
+            <a:endParaRPr lang="en-US" b="1" dirty="0"/>
+          </a:p>
+        </p:txBody>
+      </p:sp>
+      <p:sp>
+        <p:nvSpPr>
+          <p:cNvPr id="18" name="TextBox 17">
+            <a:extLst>
+              <a:ext uri="{FF2B5EF4-FFF2-40B4-BE49-F238E27FC236}">
+                <a16:creationId xmlns:a16="http://schemas.microsoft.com/office/drawing/2014/main" id="{3F763AF7-6157-2DC9-128C-40FE4B9211BB}"/>
+              </a:ext>
+            </a:extLst>
+          </p:cNvPr>
+          <p:cNvSpPr txBox="1"/>
+          <p:nvPr/>
+        </p:nvSpPr>
+        <p:spPr>
+          <a:xfrm>
+            <a:off x="2411058" y="4748490"/>
+            <a:ext cx="631371" cy="369332"/>
+          </a:xfrm>
+          <a:prstGeom prst="rect">
+            <a:avLst/>
+          </a:prstGeom>
+          <a:noFill/>
+        </p:spPr>
+        <p:txBody>
+          <a:bodyPr wrap="square" rtlCol="0">
+            <a:spAutoFit/>
+          </a:bodyPr>
+          <a:lstStyle/>
+          <a:p>
+            <a:r>
+              <a:rPr lang="lv-LV" b="1" dirty="0"/>
+              <a:t>TP</a:t>
+            </a:r>
+            <a:endParaRPr lang="en-US" b="1" dirty="0"/>
+          </a:p>
+        </p:txBody>
+      </p:sp>
+      <p:sp>
+        <p:nvSpPr>
+          <p:cNvPr id="19" name="TextBox 18">
+            <a:extLst>
+              <a:ext uri="{FF2B5EF4-FFF2-40B4-BE49-F238E27FC236}">
+                <a16:creationId xmlns:a16="http://schemas.microsoft.com/office/drawing/2014/main" id="{A17647EC-0519-1562-1BD2-E2958AB60B1E}"/>
+              </a:ext>
+            </a:extLst>
+          </p:cNvPr>
+          <p:cNvSpPr txBox="1"/>
+          <p:nvPr/>
+        </p:nvSpPr>
+        <p:spPr>
+          <a:xfrm>
+            <a:off x="1992845" y="4291564"/>
+            <a:ext cx="631371" cy="369332"/>
+          </a:xfrm>
+          <a:prstGeom prst="rect">
+            <a:avLst/>
+          </a:prstGeom>
+          <a:noFill/>
+        </p:spPr>
+        <p:txBody>
+          <a:bodyPr wrap="square" rtlCol="0">
+            <a:spAutoFit/>
+          </a:bodyPr>
+          <a:lstStyle/>
+          <a:p>
+            <a:r>
+              <a:rPr lang="lv-LV" b="1" dirty="0"/>
+              <a:t>FN</a:t>
+            </a:r>
+            <a:endParaRPr lang="en-US" b="1" dirty="0"/>
+          </a:p>
+        </p:txBody>
+      </p:sp>
+      <p:sp>
+        <p:nvSpPr>
+          <p:cNvPr id="20" name="TextBox 19">
+            <a:extLst>
+              <a:ext uri="{FF2B5EF4-FFF2-40B4-BE49-F238E27FC236}">
+                <a16:creationId xmlns:a16="http://schemas.microsoft.com/office/drawing/2014/main" id="{7654B493-729C-09CD-A8BE-EE16F2C2F382}"/>
+              </a:ext>
+            </a:extLst>
+          </p:cNvPr>
+          <p:cNvSpPr txBox="1"/>
+          <p:nvPr/>
+        </p:nvSpPr>
+        <p:spPr>
+          <a:xfrm>
+            <a:off x="2968045" y="4933156"/>
+            <a:ext cx="631371" cy="369332"/>
+          </a:xfrm>
+          <a:prstGeom prst="rect">
+            <a:avLst/>
+          </a:prstGeom>
+          <a:noFill/>
+        </p:spPr>
+        <p:txBody>
+          <a:bodyPr wrap="square" rtlCol="0">
+            <a:spAutoFit/>
+          </a:bodyPr>
+          <a:lstStyle/>
+          <a:p>
+            <a:r>
+              <a:rPr lang="lv-LV" b="1" dirty="0"/>
+              <a:t>FP</a:t>
+            </a:r>
+            <a:endParaRPr lang="en-US" b="1" dirty="0"/>
+          </a:p>
+        </p:txBody>
+      </p:sp>
+      <p:sp>
+        <p:nvSpPr>
+          <p:cNvPr id="21" name="TextBox 20">
+            <a:extLst>
+              <a:ext uri="{FF2B5EF4-FFF2-40B4-BE49-F238E27FC236}">
+                <a16:creationId xmlns:a16="http://schemas.microsoft.com/office/drawing/2014/main" id="{37CFA0AE-142E-CC78-52DB-0FD06D0AD058}"/>
+              </a:ext>
+            </a:extLst>
+          </p:cNvPr>
+          <p:cNvSpPr txBox="1"/>
+          <p:nvPr/>
+        </p:nvSpPr>
+        <p:spPr>
+          <a:xfrm>
+            <a:off x="1211887" y="2209370"/>
+            <a:ext cx="3126469" cy="369332"/>
+          </a:xfrm>
+          <a:prstGeom prst="rect">
+            <a:avLst/>
+          </a:prstGeom>
+          <a:noFill/>
+        </p:spPr>
+        <p:txBody>
+          <a:bodyPr wrap="square" rtlCol="0">
+            <a:spAutoFit/>
+          </a:bodyPr>
+          <a:lstStyle/>
+          <a:p>
+            <a:r>
+              <a:rPr lang="lv-LV" dirty="0">
+                <a:solidFill>
+                  <a:schemeClr val="bg1"/>
+                </a:solidFill>
+              </a:rPr>
+              <a:t>Post Otsu = Ground truth</a:t>
+            </a:r>
+            <a:endParaRPr lang="en-US" dirty="0">
+              <a:solidFill>
+                <a:schemeClr val="bg1"/>
+              </a:solidFill>
+            </a:endParaRPr>
+          </a:p>
+        </p:txBody>
+      </p:sp>
+      <p:sp>
+        <p:nvSpPr>
+          <p:cNvPr id="23" name="TextBox 22">
+            <a:extLst>
+              <a:ext uri="{FF2B5EF4-FFF2-40B4-BE49-F238E27FC236}">
+                <a16:creationId xmlns:a16="http://schemas.microsoft.com/office/drawing/2014/main" id="{599DB098-72B8-64AD-2BC8-41AD49F2BF1D}"/>
+              </a:ext>
+            </a:extLst>
+          </p:cNvPr>
+          <p:cNvSpPr txBox="1"/>
+          <p:nvPr/>
+        </p:nvSpPr>
+        <p:spPr>
+          <a:xfrm>
+            <a:off x="1197520" y="4129030"/>
+            <a:ext cx="1178009" cy="523220"/>
+          </a:xfrm>
+          <a:prstGeom prst="rect">
+            <a:avLst/>
+          </a:prstGeom>
+          <a:noFill/>
+        </p:spPr>
+        <p:txBody>
+          <a:bodyPr wrap="square" rtlCol="0">
+            <a:spAutoFit/>
+          </a:bodyPr>
+          <a:lstStyle/>
+          <a:p>
+            <a:r>
+              <a:rPr lang="lv-LV" sz="1400" dirty="0">
+                <a:solidFill>
+                  <a:schemeClr val="bg1"/>
+                </a:solidFill>
+              </a:rPr>
+              <a:t>Ground truth</a:t>
+            </a:r>
+            <a:endParaRPr lang="en-US" sz="1400" dirty="0">
+              <a:solidFill>
+                <a:schemeClr val="bg1"/>
+              </a:solidFill>
+            </a:endParaRPr>
+          </a:p>
+        </p:txBody>
+      </p:sp>
+      <p:sp>
+        <p:nvSpPr>
+          <p:cNvPr id="24" name="TextBox 23">
+            <a:extLst>
+              <a:ext uri="{FF2B5EF4-FFF2-40B4-BE49-F238E27FC236}">
+                <a16:creationId xmlns:a16="http://schemas.microsoft.com/office/drawing/2014/main" id="{D8A728F4-084B-AA97-5312-6E48BFBC6720}"/>
+              </a:ext>
+            </a:extLst>
+          </p:cNvPr>
+          <p:cNvSpPr txBox="1"/>
+          <p:nvPr/>
+        </p:nvSpPr>
+        <p:spPr>
+          <a:xfrm>
+            <a:off x="3247288" y="5161170"/>
+            <a:ext cx="704255" cy="523220"/>
+          </a:xfrm>
+          <a:prstGeom prst="rect">
+            <a:avLst/>
+          </a:prstGeom>
+          <a:noFill/>
+        </p:spPr>
+        <p:txBody>
+          <a:bodyPr wrap="square" rtlCol="0">
+            <a:spAutoFit/>
+          </a:bodyPr>
+          <a:lstStyle/>
+          <a:p>
+            <a:pPr algn="r"/>
+            <a:r>
+              <a:rPr lang="lv-LV" sz="1400" dirty="0">
+                <a:solidFill>
+                  <a:schemeClr val="bg1"/>
+                </a:solidFill>
+              </a:rPr>
+              <a:t>Post Otsu</a:t>
+            </a:r>
+            <a:endParaRPr lang="en-US" sz="1400" dirty="0">
+              <a:solidFill>
+                <a:schemeClr val="bg1"/>
+              </a:solidFill>
+            </a:endParaRPr>
+          </a:p>
+        </p:txBody>
+      </p:sp>
     </p:spTree>
     <p:extLst>
       <p:ext uri="{BB962C8B-B14F-4D97-AF65-F5344CB8AC3E}">
@@ -30081,6 +30856,90 @@
 </file>
 
 <file path=ppt/slides/slide15.xml><?xml version="1.0" encoding="utf-8"?>
+<p:sld xmlns:a="http://schemas.openxmlformats.org/drawingml/2006/main" xmlns:r="http://schemas.openxmlformats.org/officeDocument/2006/relationships" xmlns:p="http://schemas.openxmlformats.org/presentationml/2006/main">
+  <p:cSld>
+    <p:spTree>
+      <p:nvGrpSpPr>
+        <p:cNvPr id="1" name=""/>
+        <p:cNvGrpSpPr/>
+        <p:nvPr/>
+      </p:nvGrpSpPr>
+      <p:grpSpPr>
+        <a:xfrm>
+          <a:off x="0" y="0"/>
+          <a:ext cx="0" cy="0"/>
+          <a:chOff x="0" y="0"/>
+          <a:chExt cx="0" cy="0"/>
+        </a:xfrm>
+      </p:grpSpPr>
+      <p:sp>
+        <p:nvSpPr>
+          <p:cNvPr id="2" name="Title 1">
+            <a:extLst>
+              <a:ext uri="{FF2B5EF4-FFF2-40B4-BE49-F238E27FC236}">
+                <a16:creationId xmlns:a16="http://schemas.microsoft.com/office/drawing/2014/main" id="{07A847F6-1160-E525-15FC-012DB2875DF9}"/>
+              </a:ext>
+            </a:extLst>
+          </p:cNvPr>
+          <p:cNvSpPr>
+            <a:spLocks noGrp="1"/>
+          </p:cNvSpPr>
+          <p:nvPr>
+            <p:ph type="title"/>
+          </p:nvPr>
+        </p:nvSpPr>
+        <p:spPr/>
+        <p:txBody>
+          <a:bodyPr/>
+          <a:lstStyle/>
+          <a:p>
+            <a:r>
+              <a:rPr lang="lv-LV" dirty="0"/>
+              <a:t>Problems with dice score</a:t>
+            </a:r>
+            <a:endParaRPr lang="en-US" dirty="0"/>
+          </a:p>
+        </p:txBody>
+      </p:sp>
+      <p:sp>
+        <p:nvSpPr>
+          <p:cNvPr id="3" name="Content Placeholder 2">
+            <a:extLst>
+              <a:ext uri="{FF2B5EF4-FFF2-40B4-BE49-F238E27FC236}">
+                <a16:creationId xmlns:a16="http://schemas.microsoft.com/office/drawing/2014/main" id="{938954FA-2EC5-42FE-6ABC-175B78B44BFC}"/>
+              </a:ext>
+            </a:extLst>
+          </p:cNvPr>
+          <p:cNvSpPr>
+            <a:spLocks noGrp="1"/>
+          </p:cNvSpPr>
+          <p:nvPr>
+            <p:ph idx="1"/>
+          </p:nvPr>
+        </p:nvSpPr>
+        <p:spPr/>
+        <p:txBody>
+          <a:bodyPr/>
+          <a:lstStyle/>
+          <a:p>
+            <a:endParaRPr lang="en-US" dirty="0"/>
+          </a:p>
+        </p:txBody>
+      </p:sp>
+    </p:spTree>
+    <p:extLst>
+      <p:ext uri="{BB962C8B-B14F-4D97-AF65-F5344CB8AC3E}">
+        <p14:creationId xmlns:p14="http://schemas.microsoft.com/office/powerpoint/2010/main" val="3033830376"/>
+      </p:ext>
+    </p:extLst>
+  </p:cSld>
+  <p:clrMapOvr>
+    <a:masterClrMapping/>
+  </p:clrMapOvr>
+</p:sld>
+</file>
+
+<file path=ppt/slides/slide16.xml><?xml version="1.0" encoding="utf-8"?>
 <p:sld xmlns:a="http://schemas.openxmlformats.org/drawingml/2006/main" xmlns:r="http://schemas.openxmlformats.org/officeDocument/2006/relationships" xmlns:p="http://schemas.openxmlformats.org/presentationml/2006/main">
   <p:cSld>
     <p:spTree>
@@ -30405,7 +31264,7 @@
 </p:sld>
 </file>
 
-<file path=ppt/slides/slide16.xml><?xml version="1.0" encoding="utf-8"?>
+<file path=ppt/slides/slide17.xml><?xml version="1.0" encoding="utf-8"?>
 <p:sld xmlns:a="http://schemas.openxmlformats.org/drawingml/2006/main" xmlns:r="http://schemas.openxmlformats.org/officeDocument/2006/relationships" xmlns:p="http://schemas.openxmlformats.org/presentationml/2006/main">
   <p:cSld>
     <p:spTree>
@@ -30657,7 +31516,7 @@
 </p:sld>
 </file>
 
-<file path=ppt/slides/slide17.xml><?xml version="1.0" encoding="utf-8"?>
+<file path=ppt/slides/slide18.xml><?xml version="1.0" encoding="utf-8"?>
 <p:sld xmlns:a="http://schemas.openxmlformats.org/drawingml/2006/main" xmlns:r="http://schemas.openxmlformats.org/officeDocument/2006/relationships" xmlns:p="http://schemas.openxmlformats.org/presentationml/2006/main">
   <p:cSld>
     <p:spTree>
@@ -30790,7 +31649,7 @@
 </p:sld>
 </file>
 
-<file path=ppt/slides/slide18.xml><?xml version="1.0" encoding="utf-8"?>
+<file path=ppt/slides/slide19.xml><?xml version="1.0" encoding="utf-8"?>
 <p:sld xmlns:a="http://schemas.openxmlformats.org/drawingml/2006/main" xmlns:r="http://schemas.openxmlformats.org/officeDocument/2006/relationships" xmlns:p="http://schemas.openxmlformats.org/presentationml/2006/main">
   <p:cSld>
     <p:spTree>
@@ -31561,7 +32420,550 @@
 </p:sld>
 </file>
 
-<file path=ppt/slides/slide19.xml><?xml version="1.0" encoding="utf-8"?>
+<file path=ppt/slides/slide2.xml><?xml version="1.0" encoding="utf-8"?>
+<p:sld xmlns:a="http://schemas.openxmlformats.org/drawingml/2006/main" xmlns:r="http://schemas.openxmlformats.org/officeDocument/2006/relationships" xmlns:p="http://schemas.openxmlformats.org/presentationml/2006/main">
+  <p:cSld>
+    <p:bg>
+      <p:bgPr>
+        <a:solidFill>
+          <a:schemeClr val="bg1"/>
+        </a:solidFill>
+        <a:effectLst/>
+      </p:bgPr>
+    </p:bg>
+    <p:spTree>
+      <p:nvGrpSpPr>
+        <p:cNvPr id="1" name=""/>
+        <p:cNvGrpSpPr/>
+        <p:nvPr/>
+      </p:nvGrpSpPr>
+      <p:grpSpPr>
+        <a:xfrm>
+          <a:off x="0" y="0"/>
+          <a:ext cx="0" cy="0"/>
+          <a:chOff x="0" y="0"/>
+          <a:chExt cx="0" cy="0"/>
+        </a:xfrm>
+      </p:grpSpPr>
+      <p:sp useBgFill="1">
+        <p:nvSpPr>
+          <p:cNvPr id="45" name="Rectangle 8">
+            <a:extLst>
+              <a:ext uri="{FF2B5EF4-FFF2-40B4-BE49-F238E27FC236}">
+                <a16:creationId xmlns:a16="http://schemas.microsoft.com/office/drawing/2014/main" id="{C9B7F88A-EE9B-4C9D-9477-42E234662242}"/>
+              </a:ext>
+              <a:ext uri="{C183D7F6-B498-43B3-948B-1728B52AA6E4}">
+                <adec:decorative xmlns:adec="http://schemas.microsoft.com/office/drawing/2017/decorative" val="1"/>
+              </a:ext>
+            </a:extLst>
+          </p:cNvPr>
+          <p:cNvSpPr>
+            <a:spLocks noGrp="1" noRot="1" noChangeAspect="1" noMove="1" noResize="1" noEditPoints="1" noAdjustHandles="1" noChangeArrowheads="1" noChangeShapeType="1" noTextEdit="1"/>
+          </p:cNvSpPr>
+          <p:nvPr>
+            <p:extLst>
+              <p:ext uri="{386F3935-93C4-4BCD-93E2-E3B085C9AB24}">
+                <p16:designElem xmlns:p16="http://schemas.microsoft.com/office/powerpoint/2015/main" val="1"/>
+              </p:ext>
+            </p:extLst>
+          </p:nvPr>
+        </p:nvSpPr>
+        <p:spPr>
+          <a:xfrm>
+            <a:off x="0" y="0"/>
+            <a:ext cx="12192000" cy="6858000"/>
+          </a:xfrm>
+          <a:prstGeom prst="rect">
+            <a:avLst/>
+          </a:prstGeom>
+          <a:ln w="15875" cap="flat" cmpd="sng" algn="ctr">
+            <a:noFill/>
+            <a:prstDash val="solid"/>
+          </a:ln>
+          <a:effectLst/>
+          <a:extLst>
+            <a:ext uri="{91240B29-F687-4F45-9708-019B960494DF}">
+              <a14:hiddenLine xmlns:a14="http://schemas.microsoft.com/office/drawing/2010/main" w="15875" cap="flat" cmpd="sng" algn="ctr">
+                <a:solidFill>
+                  <a:schemeClr val="accent1">
+                    <a:shade val="50000"/>
+                  </a:schemeClr>
+                </a:solidFill>
+                <a:prstDash val="solid"/>
+              </a14:hiddenLine>
+            </a:ext>
+          </a:extLst>
+        </p:spPr>
+        <p:style>
+          <a:lnRef idx="2">
+            <a:schemeClr val="accent1">
+              <a:shade val="50000"/>
+            </a:schemeClr>
+          </a:lnRef>
+          <a:fillRef idx="1">
+            <a:schemeClr val="accent1"/>
+          </a:fillRef>
+          <a:effectRef idx="0">
+            <a:schemeClr val="accent1"/>
+          </a:effectRef>
+          <a:fontRef idx="minor">
+            <a:schemeClr val="lt1"/>
+          </a:fontRef>
+        </p:style>
+        <p:txBody>
+          <a:bodyPr rtlCol="0" anchor="ctr"/>
+          <a:lstStyle/>
+          <a:p>
+            <a:pPr algn="ctr"/>
+            <a:endParaRPr lang="en-US"/>
+          </a:p>
+        </p:txBody>
+      </p:sp>
+      <p:pic>
+        <p:nvPicPr>
+          <p:cNvPr id="46" name="Picture 3">
+            <a:extLst>
+              <a:ext uri="{FF2B5EF4-FFF2-40B4-BE49-F238E27FC236}">
+                <a16:creationId xmlns:a16="http://schemas.microsoft.com/office/drawing/2014/main" id="{131FEE80-6E7A-B67A-44F9-C78C7120858D}"/>
+              </a:ext>
+            </a:extLst>
+          </p:cNvPr>
+          <p:cNvPicPr>
+            <a:picLocks noChangeAspect="1"/>
+          </p:cNvPicPr>
+          <p:nvPr/>
+        </p:nvPicPr>
+        <p:blipFill rotWithShape="1">
+          <a:blip r:embed="rId2"/>
+          <a:srcRect t="2211" b="3647"/>
+          <a:stretch/>
+        </p:blipFill>
+        <p:spPr>
+          <a:xfrm>
+            <a:off x="1" y="10"/>
+            <a:ext cx="12191999" cy="6857990"/>
+          </a:xfrm>
+          <a:prstGeom prst="rect">
+            <a:avLst/>
+          </a:prstGeom>
+        </p:spPr>
+      </p:pic>
+      <p:sp>
+        <p:nvSpPr>
+          <p:cNvPr id="11" name="Rectangle 10">
+            <a:extLst>
+              <a:ext uri="{FF2B5EF4-FFF2-40B4-BE49-F238E27FC236}">
+                <a16:creationId xmlns:a16="http://schemas.microsoft.com/office/drawing/2014/main" id="{7319A1DD-F557-4EC6-8A8C-F7617B4CD678}"/>
+              </a:ext>
+              <a:ext uri="{C183D7F6-B498-43B3-948B-1728B52AA6E4}">
+                <adec:decorative xmlns:adec="http://schemas.microsoft.com/office/drawing/2017/decorative" val="1"/>
+              </a:ext>
+            </a:extLst>
+          </p:cNvPr>
+          <p:cNvSpPr>
+            <a:spLocks noGrp="1" noRot="1" noChangeAspect="1" noMove="1" noResize="1" noEditPoints="1" noAdjustHandles="1" noChangeArrowheads="1" noChangeShapeType="1" noTextEdit="1"/>
+          </p:cNvSpPr>
+          <p:nvPr>
+            <p:extLst>
+              <p:ext uri="{386F3935-93C4-4BCD-93E2-E3B085C9AB24}">
+                <p16:designElem xmlns:p16="http://schemas.microsoft.com/office/powerpoint/2015/main" val="1"/>
+              </p:ext>
+            </p:extLst>
+          </p:nvPr>
+        </p:nvSpPr>
+        <p:spPr>
+          <a:xfrm>
+            <a:off x="4654296" y="3118982"/>
+            <a:ext cx="7537704" cy="2462668"/>
+          </a:xfrm>
+          <a:prstGeom prst="rect">
+            <a:avLst/>
+          </a:prstGeom>
+          <a:solidFill>
+            <a:schemeClr val="bg1">
+              <a:alpha val="85000"/>
+            </a:schemeClr>
+          </a:solidFill>
+          <a:ln>
+            <a:noFill/>
+          </a:ln>
+        </p:spPr>
+        <p:style>
+          <a:lnRef idx="2">
+            <a:schemeClr val="accent1">
+              <a:shade val="50000"/>
+            </a:schemeClr>
+          </a:lnRef>
+          <a:fillRef idx="1">
+            <a:schemeClr val="accent1"/>
+          </a:fillRef>
+          <a:effectRef idx="0">
+            <a:schemeClr val="accent1"/>
+          </a:effectRef>
+          <a:fontRef idx="minor">
+            <a:schemeClr val="lt1"/>
+          </a:fontRef>
+        </p:style>
+        <p:txBody>
+          <a:bodyPr rtlCol="0" anchor="ctr"/>
+          <a:lstStyle/>
+          <a:p>
+            <a:pPr algn="ctr"/>
+            <a:endParaRPr lang="en-US"/>
+          </a:p>
+        </p:txBody>
+      </p:sp>
+      <p:sp>
+        <p:nvSpPr>
+          <p:cNvPr id="2" name="Titel 1">
+            <a:extLst>
+              <a:ext uri="{FF2B5EF4-FFF2-40B4-BE49-F238E27FC236}">
+                <a16:creationId xmlns:a16="http://schemas.microsoft.com/office/drawing/2014/main" id="{601A9B04-43D2-45CB-A040-FF4F492F8C15}"/>
+              </a:ext>
+            </a:extLst>
+          </p:cNvPr>
+          <p:cNvSpPr>
+            <a:spLocks noGrp="1"/>
+          </p:cNvSpPr>
+          <p:nvPr>
+            <p:ph type="ctrTitle"/>
+          </p:nvPr>
+        </p:nvSpPr>
+        <p:spPr>
+          <a:xfrm>
+            <a:off x="4985517" y="3331444"/>
+            <a:ext cx="6470692" cy="1229306"/>
+          </a:xfrm>
+        </p:spPr>
+        <p:txBody>
+          <a:bodyPr>
+            <a:normAutofit/>
+          </a:bodyPr>
+          <a:lstStyle/>
+          <a:p>
+            <a:r>
+              <a:rPr lang="de-DE" sz="5400" dirty="0">
+                <a:solidFill>
+                  <a:schemeClr val="tx1"/>
+                </a:solidFill>
+              </a:rPr>
+              <a:t>Project </a:t>
+            </a:r>
+            <a:r>
+              <a:rPr lang="de-DE" sz="5400" dirty="0" err="1">
+                <a:solidFill>
+                  <a:schemeClr val="tx1"/>
+                </a:solidFill>
+              </a:rPr>
+              <a:t>proposal</a:t>
+            </a:r>
+            <a:endParaRPr lang="de-DE" sz="5400" dirty="0">
+              <a:solidFill>
+                <a:schemeClr val="tx1"/>
+              </a:solidFill>
+            </a:endParaRPr>
+          </a:p>
+        </p:txBody>
+      </p:sp>
+      <p:sp>
+        <p:nvSpPr>
+          <p:cNvPr id="3" name="Untertitel 2">
+            <a:extLst>
+              <a:ext uri="{FF2B5EF4-FFF2-40B4-BE49-F238E27FC236}">
+                <a16:creationId xmlns:a16="http://schemas.microsoft.com/office/drawing/2014/main" id="{92D0529F-9D57-4F3B-811A-42E22AEFE770}"/>
+              </a:ext>
+            </a:extLst>
+          </p:cNvPr>
+          <p:cNvSpPr>
+            <a:spLocks noGrp="1"/>
+          </p:cNvSpPr>
+          <p:nvPr>
+            <p:ph type="subTitle" idx="1"/>
+          </p:nvPr>
+        </p:nvSpPr>
+        <p:spPr>
+          <a:xfrm>
+            <a:off x="4985516" y="4735799"/>
+            <a:ext cx="6470693" cy="605256"/>
+          </a:xfrm>
+        </p:spPr>
+        <p:txBody>
+          <a:bodyPr>
+            <a:normAutofit/>
+          </a:bodyPr>
+          <a:lstStyle/>
+          <a:p>
+            <a:r>
+              <a:rPr lang="de-DE"/>
+              <a:t>Biomedical Image Analysis</a:t>
+            </a:r>
+          </a:p>
+        </p:txBody>
+      </p:sp>
+      <p:cxnSp>
+        <p:nvCxnSpPr>
+          <p:cNvPr id="13" name="Straight Connector 12">
+            <a:extLst>
+              <a:ext uri="{FF2B5EF4-FFF2-40B4-BE49-F238E27FC236}">
+                <a16:creationId xmlns:a16="http://schemas.microsoft.com/office/drawing/2014/main" id="{D28A9C89-B313-458F-9C85-515930A51A93}"/>
+              </a:ext>
+              <a:ext uri="{C183D7F6-B498-43B3-948B-1728B52AA6E4}">
+                <adec:decorative xmlns:adec="http://schemas.microsoft.com/office/drawing/2017/decorative" val="1"/>
+              </a:ext>
+            </a:extLst>
+          </p:cNvPr>
+          <p:cNvCxnSpPr>
+            <a:cxnSpLocks noGrp="1" noRot="1" noChangeAspect="1" noMove="1" noResize="1" noEditPoints="1" noAdjustHandles="1" noChangeArrowheads="1" noChangeShapeType="1"/>
+          </p:cNvCxnSpPr>
+          <p:nvPr>
+            <p:extLst>
+              <p:ext uri="{386F3935-93C4-4BCD-93E2-E3B085C9AB24}">
+                <p16:designElem xmlns:p16="http://schemas.microsoft.com/office/powerpoint/2015/main" val="1"/>
+              </p:ext>
+            </p:extLst>
+          </p:nvPr>
+        </p:nvCxnSpPr>
+        <p:spPr>
+          <a:xfrm>
+            <a:off x="5110211" y="4641183"/>
+            <a:ext cx="6309360" cy="0"/>
+          </a:xfrm>
+          <a:prstGeom prst="line">
+            <a:avLst/>
+          </a:prstGeom>
+          <a:ln w="19050">
+            <a:solidFill>
+              <a:schemeClr val="accent1">
+                <a:alpha val="90000"/>
+              </a:schemeClr>
+            </a:solidFill>
+          </a:ln>
+        </p:spPr>
+        <p:style>
+          <a:lnRef idx="1">
+            <a:schemeClr val="accent1"/>
+          </a:lnRef>
+          <a:fillRef idx="0">
+            <a:schemeClr val="accent1"/>
+          </a:fillRef>
+          <a:effectRef idx="0">
+            <a:schemeClr val="accent1"/>
+          </a:effectRef>
+          <a:fontRef idx="minor">
+            <a:schemeClr val="tx1"/>
+          </a:fontRef>
+        </p:style>
+      </p:cxnSp>
+      <p:sp>
+        <p:nvSpPr>
+          <p:cNvPr id="15" name="!!footer rectangle">
+            <a:extLst>
+              <a:ext uri="{FF2B5EF4-FFF2-40B4-BE49-F238E27FC236}">
+                <a16:creationId xmlns:a16="http://schemas.microsoft.com/office/drawing/2014/main" id="{D50218C5-E017-43D2-8345-FD9FBF0C991E}"/>
+              </a:ext>
+              <a:ext uri="{C183D7F6-B498-43B3-948B-1728B52AA6E4}">
+                <adec:decorative xmlns:adec="http://schemas.microsoft.com/office/drawing/2017/decorative" val="1"/>
+              </a:ext>
+            </a:extLst>
+          </p:cNvPr>
+          <p:cNvSpPr>
+            <a:spLocks noGrp="1" noRot="1" noChangeAspect="1" noMove="1" noResize="1" noEditPoints="1" noAdjustHandles="1" noChangeArrowheads="1" noChangeShapeType="1" noTextEdit="1"/>
+          </p:cNvSpPr>
+          <p:nvPr>
+            <p:extLst>
+              <p:ext uri="{386F3935-93C4-4BCD-93E2-E3B085C9AB24}">
+                <p16:designElem xmlns:p16="http://schemas.microsoft.com/office/powerpoint/2015/main" val="1"/>
+              </p:ext>
+            </p:extLst>
+          </p:nvPr>
+        </p:nvSpPr>
+        <p:spPr>
+          <a:xfrm>
+            <a:off x="1" y="6400800"/>
+            <a:ext cx="12192000" cy="457200"/>
+          </a:xfrm>
+          <a:prstGeom prst="rect">
+            <a:avLst/>
+          </a:prstGeom>
+          <a:solidFill>
+            <a:srgbClr val="262626">
+              <a:alpha val="95000"/>
+            </a:srgbClr>
+          </a:solidFill>
+          <a:ln>
+            <a:noFill/>
+          </a:ln>
+        </p:spPr>
+        <p:style>
+          <a:lnRef idx="2">
+            <a:schemeClr val="accent1">
+              <a:shade val="50000"/>
+            </a:schemeClr>
+          </a:lnRef>
+          <a:fillRef idx="1">
+            <a:schemeClr val="accent1"/>
+          </a:fillRef>
+          <a:effectRef idx="0">
+            <a:schemeClr val="accent1"/>
+          </a:effectRef>
+          <a:fontRef idx="minor">
+            <a:schemeClr val="lt1"/>
+          </a:fontRef>
+        </p:style>
+      </p:sp>
+    </p:spTree>
+    <p:extLst>
+      <p:ext uri="{BB962C8B-B14F-4D97-AF65-F5344CB8AC3E}">
+        <p14:creationId xmlns:p14="http://schemas.microsoft.com/office/powerpoint/2010/main" val="3327087144"/>
+      </p:ext>
+    </p:extLst>
+  </p:cSld>
+  <p:clrMapOvr>
+    <a:overrideClrMapping bg1="dk1" tx1="lt1" bg2="dk2" tx2="lt2" accent1="accent1" accent2="accent2" accent3="accent3" accent4="accent4" accent5="accent5" accent6="accent6" hlink="hlink" folHlink="folHlink"/>
+  </p:clrMapOvr>
+  <p:timing>
+    <p:tnLst>
+      <p:par>
+        <p:cTn id="1" dur="indefinite" restart="never" nodeType="tmRoot">
+          <p:childTnLst>
+            <p:seq concurrent="1" nextAc="seek">
+              <p:cTn id="2" dur="indefinite" nodeType="mainSeq">
+                <p:childTnLst>
+                  <p:par>
+                    <p:cTn id="3" fill="hold">
+                      <p:stCondLst>
+                        <p:cond delay="indefinite"/>
+                        <p:cond evt="onBegin" delay="0">
+                          <p:tn val="2"/>
+                        </p:cond>
+                      </p:stCondLst>
+                      <p:childTnLst>
+                        <p:par>
+                          <p:cTn id="4" fill="hold">
+                            <p:stCondLst>
+                              <p:cond delay="0"/>
+                            </p:stCondLst>
+                            <p:childTnLst>
+                              <p:par>
+                                <p:cTn id="5" presetID="10" presetClass="entr" presetSubtype="0" fill="hold" grpId="0" nodeType="withEffect">
+                                  <p:stCondLst>
+                                    <p:cond delay="0"/>
+                                  </p:stCondLst>
+                                  <p:iterate type="lt">
+                                    <p:tmPct val="10000"/>
+                                  </p:iterate>
+                                  <p:childTnLst>
+                                    <p:set>
+                                      <p:cBhvr>
+                                        <p:cTn id="6" dur="1" fill="hold">
+                                          <p:stCondLst>
+                                            <p:cond delay="0"/>
+                                          </p:stCondLst>
+                                        </p:cTn>
+                                        <p:tgtEl>
+                                          <p:spTgt spid="3">
+                                            <p:txEl>
+                                              <p:pRg st="0" end="0"/>
+                                            </p:txEl>
+                                          </p:spTgt>
+                                        </p:tgtEl>
+                                        <p:attrNameLst>
+                                          <p:attrName>style.visibility</p:attrName>
+                                        </p:attrNameLst>
+                                      </p:cBhvr>
+                                      <p:to>
+                                        <p:strVal val="visible"/>
+                                      </p:to>
+                                    </p:set>
+                                    <p:animEffect transition="in" filter="fade">
+                                      <p:cBhvr>
+                                        <p:cTn id="7" dur="500"/>
+                                        <p:tgtEl>
+                                          <p:spTgt spid="3">
+                                            <p:txEl>
+                                              <p:pRg st="0" end="0"/>
+                                            </p:txEl>
+                                          </p:spTgt>
+                                        </p:tgtEl>
+                                      </p:cBhvr>
+                                    </p:animEffect>
+                                  </p:childTnLst>
+                                </p:cTn>
+                              </p:par>
+                              <p:par>
+                                <p:cTn id="8" presetID="10" presetClass="entr" presetSubtype="0" fill="hold" grpId="0" nodeType="withEffect">
+                                  <p:stCondLst>
+                                    <p:cond delay="0"/>
+                                  </p:stCondLst>
+                                  <p:iterate type="lt">
+                                    <p:tmPct val="10000"/>
+                                  </p:iterate>
+                                  <p:childTnLst>
+                                    <p:set>
+                                      <p:cBhvr>
+                                        <p:cTn id="9" dur="1" fill="hold">
+                                          <p:stCondLst>
+                                            <p:cond delay="0"/>
+                                          </p:stCondLst>
+                                        </p:cTn>
+                                        <p:tgtEl>
+                                          <p:spTgt spid="2"/>
+                                        </p:tgtEl>
+                                        <p:attrNameLst>
+                                          <p:attrName>style.visibility</p:attrName>
+                                        </p:attrNameLst>
+                                      </p:cBhvr>
+                                      <p:to>
+                                        <p:strVal val="visible"/>
+                                      </p:to>
+                                    </p:set>
+                                    <p:animEffect transition="in" filter="fade">
+                                      <p:cBhvr>
+                                        <p:cTn id="10" dur="500"/>
+                                        <p:tgtEl>
+                                          <p:spTgt spid="2"/>
+                                        </p:tgtEl>
+                                      </p:cBhvr>
+                                    </p:animEffect>
+                                  </p:childTnLst>
+                                </p:cTn>
+                              </p:par>
+                            </p:childTnLst>
+                          </p:cTn>
+                        </p:par>
+                      </p:childTnLst>
+                    </p:cTn>
+                  </p:par>
+                </p:childTnLst>
+              </p:cTn>
+              <p:prevCondLst>
+                <p:cond evt="onPrev" delay="0">
+                  <p:tgtEl>
+                    <p:sldTgt/>
+                  </p:tgtEl>
+                </p:cond>
+              </p:prevCondLst>
+              <p:nextCondLst>
+                <p:cond evt="onNext" delay="0">
+                  <p:tgtEl>
+                    <p:sldTgt/>
+                  </p:tgtEl>
+                </p:cond>
+              </p:nextCondLst>
+            </p:seq>
+          </p:childTnLst>
+        </p:cTn>
+      </p:par>
+    </p:tnLst>
+    <p:bldLst>
+      <p:bldP spid="2" grpId="0"/>
+      <p:bldP spid="3" grpId="0" build="p"/>
+    </p:bldLst>
+  </p:timing>
+</p:sld>
+</file>
+
+<file path=ppt/slides/slide20.xml><?xml version="1.0" encoding="utf-8"?>
 <p:sld xmlns:a="http://schemas.openxmlformats.org/drawingml/2006/main" xmlns:r="http://schemas.openxmlformats.org/officeDocument/2006/relationships" xmlns:p="http://schemas.openxmlformats.org/presentationml/2006/main">
   <p:cSld>
     <p:spTree>
@@ -33688,550 +35090,7 @@
 </p:sld>
 </file>
 
-<file path=ppt/slides/slide2.xml><?xml version="1.0" encoding="utf-8"?>
-<p:sld xmlns:a="http://schemas.openxmlformats.org/drawingml/2006/main" xmlns:r="http://schemas.openxmlformats.org/officeDocument/2006/relationships" xmlns:p="http://schemas.openxmlformats.org/presentationml/2006/main">
-  <p:cSld>
-    <p:bg>
-      <p:bgPr>
-        <a:solidFill>
-          <a:schemeClr val="bg1"/>
-        </a:solidFill>
-        <a:effectLst/>
-      </p:bgPr>
-    </p:bg>
-    <p:spTree>
-      <p:nvGrpSpPr>
-        <p:cNvPr id="1" name=""/>
-        <p:cNvGrpSpPr/>
-        <p:nvPr/>
-      </p:nvGrpSpPr>
-      <p:grpSpPr>
-        <a:xfrm>
-          <a:off x="0" y="0"/>
-          <a:ext cx="0" cy="0"/>
-          <a:chOff x="0" y="0"/>
-          <a:chExt cx="0" cy="0"/>
-        </a:xfrm>
-      </p:grpSpPr>
-      <p:sp useBgFill="1">
-        <p:nvSpPr>
-          <p:cNvPr id="45" name="Rectangle 8">
-            <a:extLst>
-              <a:ext uri="{FF2B5EF4-FFF2-40B4-BE49-F238E27FC236}">
-                <a16:creationId xmlns:a16="http://schemas.microsoft.com/office/drawing/2014/main" id="{C9B7F88A-EE9B-4C9D-9477-42E234662242}"/>
-              </a:ext>
-              <a:ext uri="{C183D7F6-B498-43B3-948B-1728B52AA6E4}">
-                <adec:decorative xmlns:adec="http://schemas.microsoft.com/office/drawing/2017/decorative" val="1"/>
-              </a:ext>
-            </a:extLst>
-          </p:cNvPr>
-          <p:cNvSpPr>
-            <a:spLocks noGrp="1" noRot="1" noChangeAspect="1" noMove="1" noResize="1" noEditPoints="1" noAdjustHandles="1" noChangeArrowheads="1" noChangeShapeType="1" noTextEdit="1"/>
-          </p:cNvSpPr>
-          <p:nvPr>
-            <p:extLst>
-              <p:ext uri="{386F3935-93C4-4BCD-93E2-E3B085C9AB24}">
-                <p16:designElem xmlns:p16="http://schemas.microsoft.com/office/powerpoint/2015/main" val="1"/>
-              </p:ext>
-            </p:extLst>
-          </p:nvPr>
-        </p:nvSpPr>
-        <p:spPr>
-          <a:xfrm>
-            <a:off x="0" y="0"/>
-            <a:ext cx="12192000" cy="6858000"/>
-          </a:xfrm>
-          <a:prstGeom prst="rect">
-            <a:avLst/>
-          </a:prstGeom>
-          <a:ln w="15875" cap="flat" cmpd="sng" algn="ctr">
-            <a:noFill/>
-            <a:prstDash val="solid"/>
-          </a:ln>
-          <a:effectLst/>
-          <a:extLst>
-            <a:ext uri="{91240B29-F687-4F45-9708-019B960494DF}">
-              <a14:hiddenLine xmlns:a14="http://schemas.microsoft.com/office/drawing/2010/main" w="15875" cap="flat" cmpd="sng" algn="ctr">
-                <a:solidFill>
-                  <a:schemeClr val="accent1">
-                    <a:shade val="50000"/>
-                  </a:schemeClr>
-                </a:solidFill>
-                <a:prstDash val="solid"/>
-              </a14:hiddenLine>
-            </a:ext>
-          </a:extLst>
-        </p:spPr>
-        <p:style>
-          <a:lnRef idx="2">
-            <a:schemeClr val="accent1">
-              <a:shade val="50000"/>
-            </a:schemeClr>
-          </a:lnRef>
-          <a:fillRef idx="1">
-            <a:schemeClr val="accent1"/>
-          </a:fillRef>
-          <a:effectRef idx="0">
-            <a:schemeClr val="accent1"/>
-          </a:effectRef>
-          <a:fontRef idx="minor">
-            <a:schemeClr val="lt1"/>
-          </a:fontRef>
-        </p:style>
-        <p:txBody>
-          <a:bodyPr rtlCol="0" anchor="ctr"/>
-          <a:lstStyle/>
-          <a:p>
-            <a:pPr algn="ctr"/>
-            <a:endParaRPr lang="en-US"/>
-          </a:p>
-        </p:txBody>
-      </p:sp>
-      <p:pic>
-        <p:nvPicPr>
-          <p:cNvPr id="46" name="Picture 3">
-            <a:extLst>
-              <a:ext uri="{FF2B5EF4-FFF2-40B4-BE49-F238E27FC236}">
-                <a16:creationId xmlns:a16="http://schemas.microsoft.com/office/drawing/2014/main" id="{131FEE80-6E7A-B67A-44F9-C78C7120858D}"/>
-              </a:ext>
-            </a:extLst>
-          </p:cNvPr>
-          <p:cNvPicPr>
-            <a:picLocks noChangeAspect="1"/>
-          </p:cNvPicPr>
-          <p:nvPr/>
-        </p:nvPicPr>
-        <p:blipFill rotWithShape="1">
-          <a:blip r:embed="rId2"/>
-          <a:srcRect t="2211" b="3647"/>
-          <a:stretch/>
-        </p:blipFill>
-        <p:spPr>
-          <a:xfrm>
-            <a:off x="1" y="10"/>
-            <a:ext cx="12191999" cy="6857990"/>
-          </a:xfrm>
-          <a:prstGeom prst="rect">
-            <a:avLst/>
-          </a:prstGeom>
-        </p:spPr>
-      </p:pic>
-      <p:sp>
-        <p:nvSpPr>
-          <p:cNvPr id="11" name="Rectangle 10">
-            <a:extLst>
-              <a:ext uri="{FF2B5EF4-FFF2-40B4-BE49-F238E27FC236}">
-                <a16:creationId xmlns:a16="http://schemas.microsoft.com/office/drawing/2014/main" id="{7319A1DD-F557-4EC6-8A8C-F7617B4CD678}"/>
-              </a:ext>
-              <a:ext uri="{C183D7F6-B498-43B3-948B-1728B52AA6E4}">
-                <adec:decorative xmlns:adec="http://schemas.microsoft.com/office/drawing/2017/decorative" val="1"/>
-              </a:ext>
-            </a:extLst>
-          </p:cNvPr>
-          <p:cNvSpPr>
-            <a:spLocks noGrp="1" noRot="1" noChangeAspect="1" noMove="1" noResize="1" noEditPoints="1" noAdjustHandles="1" noChangeArrowheads="1" noChangeShapeType="1" noTextEdit="1"/>
-          </p:cNvSpPr>
-          <p:nvPr>
-            <p:extLst>
-              <p:ext uri="{386F3935-93C4-4BCD-93E2-E3B085C9AB24}">
-                <p16:designElem xmlns:p16="http://schemas.microsoft.com/office/powerpoint/2015/main" val="1"/>
-              </p:ext>
-            </p:extLst>
-          </p:nvPr>
-        </p:nvSpPr>
-        <p:spPr>
-          <a:xfrm>
-            <a:off x="4654296" y="3118982"/>
-            <a:ext cx="7537704" cy="2462668"/>
-          </a:xfrm>
-          <a:prstGeom prst="rect">
-            <a:avLst/>
-          </a:prstGeom>
-          <a:solidFill>
-            <a:schemeClr val="bg1">
-              <a:alpha val="85000"/>
-            </a:schemeClr>
-          </a:solidFill>
-          <a:ln>
-            <a:noFill/>
-          </a:ln>
-        </p:spPr>
-        <p:style>
-          <a:lnRef idx="2">
-            <a:schemeClr val="accent1">
-              <a:shade val="50000"/>
-            </a:schemeClr>
-          </a:lnRef>
-          <a:fillRef idx="1">
-            <a:schemeClr val="accent1"/>
-          </a:fillRef>
-          <a:effectRef idx="0">
-            <a:schemeClr val="accent1"/>
-          </a:effectRef>
-          <a:fontRef idx="minor">
-            <a:schemeClr val="lt1"/>
-          </a:fontRef>
-        </p:style>
-        <p:txBody>
-          <a:bodyPr rtlCol="0" anchor="ctr"/>
-          <a:lstStyle/>
-          <a:p>
-            <a:pPr algn="ctr"/>
-            <a:endParaRPr lang="en-US"/>
-          </a:p>
-        </p:txBody>
-      </p:sp>
-      <p:sp>
-        <p:nvSpPr>
-          <p:cNvPr id="2" name="Titel 1">
-            <a:extLst>
-              <a:ext uri="{FF2B5EF4-FFF2-40B4-BE49-F238E27FC236}">
-                <a16:creationId xmlns:a16="http://schemas.microsoft.com/office/drawing/2014/main" id="{601A9B04-43D2-45CB-A040-FF4F492F8C15}"/>
-              </a:ext>
-            </a:extLst>
-          </p:cNvPr>
-          <p:cNvSpPr>
-            <a:spLocks noGrp="1"/>
-          </p:cNvSpPr>
-          <p:nvPr>
-            <p:ph type="ctrTitle"/>
-          </p:nvPr>
-        </p:nvSpPr>
-        <p:spPr>
-          <a:xfrm>
-            <a:off x="4985517" y="3331444"/>
-            <a:ext cx="6470692" cy="1229306"/>
-          </a:xfrm>
-        </p:spPr>
-        <p:txBody>
-          <a:bodyPr>
-            <a:normAutofit/>
-          </a:bodyPr>
-          <a:lstStyle/>
-          <a:p>
-            <a:r>
-              <a:rPr lang="de-DE" sz="5400" dirty="0">
-                <a:solidFill>
-                  <a:schemeClr val="tx1"/>
-                </a:solidFill>
-              </a:rPr>
-              <a:t>Project </a:t>
-            </a:r>
-            <a:r>
-              <a:rPr lang="de-DE" sz="5400" dirty="0" err="1">
-                <a:solidFill>
-                  <a:schemeClr val="tx1"/>
-                </a:solidFill>
-              </a:rPr>
-              <a:t>proposal</a:t>
-            </a:r>
-            <a:endParaRPr lang="de-DE" sz="5400" dirty="0">
-              <a:solidFill>
-                <a:schemeClr val="tx1"/>
-              </a:solidFill>
-            </a:endParaRPr>
-          </a:p>
-        </p:txBody>
-      </p:sp>
-      <p:sp>
-        <p:nvSpPr>
-          <p:cNvPr id="3" name="Untertitel 2">
-            <a:extLst>
-              <a:ext uri="{FF2B5EF4-FFF2-40B4-BE49-F238E27FC236}">
-                <a16:creationId xmlns:a16="http://schemas.microsoft.com/office/drawing/2014/main" id="{92D0529F-9D57-4F3B-811A-42E22AEFE770}"/>
-              </a:ext>
-            </a:extLst>
-          </p:cNvPr>
-          <p:cNvSpPr>
-            <a:spLocks noGrp="1"/>
-          </p:cNvSpPr>
-          <p:nvPr>
-            <p:ph type="subTitle" idx="1"/>
-          </p:nvPr>
-        </p:nvSpPr>
-        <p:spPr>
-          <a:xfrm>
-            <a:off x="4985516" y="4735799"/>
-            <a:ext cx="6470693" cy="605256"/>
-          </a:xfrm>
-        </p:spPr>
-        <p:txBody>
-          <a:bodyPr>
-            <a:normAutofit/>
-          </a:bodyPr>
-          <a:lstStyle/>
-          <a:p>
-            <a:r>
-              <a:rPr lang="de-DE"/>
-              <a:t>Biomedical Image Analysis</a:t>
-            </a:r>
-          </a:p>
-        </p:txBody>
-      </p:sp>
-      <p:cxnSp>
-        <p:nvCxnSpPr>
-          <p:cNvPr id="13" name="Straight Connector 12">
-            <a:extLst>
-              <a:ext uri="{FF2B5EF4-FFF2-40B4-BE49-F238E27FC236}">
-                <a16:creationId xmlns:a16="http://schemas.microsoft.com/office/drawing/2014/main" id="{D28A9C89-B313-458F-9C85-515930A51A93}"/>
-              </a:ext>
-              <a:ext uri="{C183D7F6-B498-43B3-948B-1728B52AA6E4}">
-                <adec:decorative xmlns:adec="http://schemas.microsoft.com/office/drawing/2017/decorative" val="1"/>
-              </a:ext>
-            </a:extLst>
-          </p:cNvPr>
-          <p:cNvCxnSpPr>
-            <a:cxnSpLocks noGrp="1" noRot="1" noChangeAspect="1" noMove="1" noResize="1" noEditPoints="1" noAdjustHandles="1" noChangeArrowheads="1" noChangeShapeType="1"/>
-          </p:cNvCxnSpPr>
-          <p:nvPr>
-            <p:extLst>
-              <p:ext uri="{386F3935-93C4-4BCD-93E2-E3B085C9AB24}">
-                <p16:designElem xmlns:p16="http://schemas.microsoft.com/office/powerpoint/2015/main" val="1"/>
-              </p:ext>
-            </p:extLst>
-          </p:nvPr>
-        </p:nvCxnSpPr>
-        <p:spPr>
-          <a:xfrm>
-            <a:off x="5110211" y="4641183"/>
-            <a:ext cx="6309360" cy="0"/>
-          </a:xfrm>
-          <a:prstGeom prst="line">
-            <a:avLst/>
-          </a:prstGeom>
-          <a:ln w="19050">
-            <a:solidFill>
-              <a:schemeClr val="accent1">
-                <a:alpha val="90000"/>
-              </a:schemeClr>
-            </a:solidFill>
-          </a:ln>
-        </p:spPr>
-        <p:style>
-          <a:lnRef idx="1">
-            <a:schemeClr val="accent1"/>
-          </a:lnRef>
-          <a:fillRef idx="0">
-            <a:schemeClr val="accent1"/>
-          </a:fillRef>
-          <a:effectRef idx="0">
-            <a:schemeClr val="accent1"/>
-          </a:effectRef>
-          <a:fontRef idx="minor">
-            <a:schemeClr val="tx1"/>
-          </a:fontRef>
-        </p:style>
-      </p:cxnSp>
-      <p:sp>
-        <p:nvSpPr>
-          <p:cNvPr id="15" name="!!footer rectangle">
-            <a:extLst>
-              <a:ext uri="{FF2B5EF4-FFF2-40B4-BE49-F238E27FC236}">
-                <a16:creationId xmlns:a16="http://schemas.microsoft.com/office/drawing/2014/main" id="{D50218C5-E017-43D2-8345-FD9FBF0C991E}"/>
-              </a:ext>
-              <a:ext uri="{C183D7F6-B498-43B3-948B-1728B52AA6E4}">
-                <adec:decorative xmlns:adec="http://schemas.microsoft.com/office/drawing/2017/decorative" val="1"/>
-              </a:ext>
-            </a:extLst>
-          </p:cNvPr>
-          <p:cNvSpPr>
-            <a:spLocks noGrp="1" noRot="1" noChangeAspect="1" noMove="1" noResize="1" noEditPoints="1" noAdjustHandles="1" noChangeArrowheads="1" noChangeShapeType="1" noTextEdit="1"/>
-          </p:cNvSpPr>
-          <p:nvPr>
-            <p:extLst>
-              <p:ext uri="{386F3935-93C4-4BCD-93E2-E3B085C9AB24}">
-                <p16:designElem xmlns:p16="http://schemas.microsoft.com/office/powerpoint/2015/main" val="1"/>
-              </p:ext>
-            </p:extLst>
-          </p:nvPr>
-        </p:nvSpPr>
-        <p:spPr>
-          <a:xfrm>
-            <a:off x="1" y="6400800"/>
-            <a:ext cx="12192000" cy="457200"/>
-          </a:xfrm>
-          <a:prstGeom prst="rect">
-            <a:avLst/>
-          </a:prstGeom>
-          <a:solidFill>
-            <a:srgbClr val="262626">
-              <a:alpha val="95000"/>
-            </a:srgbClr>
-          </a:solidFill>
-          <a:ln>
-            <a:noFill/>
-          </a:ln>
-        </p:spPr>
-        <p:style>
-          <a:lnRef idx="2">
-            <a:schemeClr val="accent1">
-              <a:shade val="50000"/>
-            </a:schemeClr>
-          </a:lnRef>
-          <a:fillRef idx="1">
-            <a:schemeClr val="accent1"/>
-          </a:fillRef>
-          <a:effectRef idx="0">
-            <a:schemeClr val="accent1"/>
-          </a:effectRef>
-          <a:fontRef idx="minor">
-            <a:schemeClr val="lt1"/>
-          </a:fontRef>
-        </p:style>
-      </p:sp>
-    </p:spTree>
-    <p:extLst>
-      <p:ext uri="{BB962C8B-B14F-4D97-AF65-F5344CB8AC3E}">
-        <p14:creationId xmlns:p14="http://schemas.microsoft.com/office/powerpoint/2010/main" val="3327087144"/>
-      </p:ext>
-    </p:extLst>
-  </p:cSld>
-  <p:clrMapOvr>
-    <a:overrideClrMapping bg1="dk1" tx1="lt1" bg2="dk2" tx2="lt2" accent1="accent1" accent2="accent2" accent3="accent3" accent4="accent4" accent5="accent5" accent6="accent6" hlink="hlink" folHlink="folHlink"/>
-  </p:clrMapOvr>
-  <p:timing>
-    <p:tnLst>
-      <p:par>
-        <p:cTn id="1" dur="indefinite" restart="never" nodeType="tmRoot">
-          <p:childTnLst>
-            <p:seq concurrent="1" nextAc="seek">
-              <p:cTn id="2" dur="indefinite" nodeType="mainSeq">
-                <p:childTnLst>
-                  <p:par>
-                    <p:cTn id="3" fill="hold">
-                      <p:stCondLst>
-                        <p:cond delay="indefinite"/>
-                        <p:cond evt="onBegin" delay="0">
-                          <p:tn val="2"/>
-                        </p:cond>
-                      </p:stCondLst>
-                      <p:childTnLst>
-                        <p:par>
-                          <p:cTn id="4" fill="hold">
-                            <p:stCondLst>
-                              <p:cond delay="0"/>
-                            </p:stCondLst>
-                            <p:childTnLst>
-                              <p:par>
-                                <p:cTn id="5" presetID="10" presetClass="entr" presetSubtype="0" fill="hold" grpId="0" nodeType="withEffect">
-                                  <p:stCondLst>
-                                    <p:cond delay="0"/>
-                                  </p:stCondLst>
-                                  <p:iterate type="lt">
-                                    <p:tmPct val="10000"/>
-                                  </p:iterate>
-                                  <p:childTnLst>
-                                    <p:set>
-                                      <p:cBhvr>
-                                        <p:cTn id="6" dur="1" fill="hold">
-                                          <p:stCondLst>
-                                            <p:cond delay="0"/>
-                                          </p:stCondLst>
-                                        </p:cTn>
-                                        <p:tgtEl>
-                                          <p:spTgt spid="3">
-                                            <p:txEl>
-                                              <p:pRg st="0" end="0"/>
-                                            </p:txEl>
-                                          </p:spTgt>
-                                        </p:tgtEl>
-                                        <p:attrNameLst>
-                                          <p:attrName>style.visibility</p:attrName>
-                                        </p:attrNameLst>
-                                      </p:cBhvr>
-                                      <p:to>
-                                        <p:strVal val="visible"/>
-                                      </p:to>
-                                    </p:set>
-                                    <p:animEffect transition="in" filter="fade">
-                                      <p:cBhvr>
-                                        <p:cTn id="7" dur="500"/>
-                                        <p:tgtEl>
-                                          <p:spTgt spid="3">
-                                            <p:txEl>
-                                              <p:pRg st="0" end="0"/>
-                                            </p:txEl>
-                                          </p:spTgt>
-                                        </p:tgtEl>
-                                      </p:cBhvr>
-                                    </p:animEffect>
-                                  </p:childTnLst>
-                                </p:cTn>
-                              </p:par>
-                              <p:par>
-                                <p:cTn id="8" presetID="10" presetClass="entr" presetSubtype="0" fill="hold" grpId="0" nodeType="withEffect">
-                                  <p:stCondLst>
-                                    <p:cond delay="0"/>
-                                  </p:stCondLst>
-                                  <p:iterate type="lt">
-                                    <p:tmPct val="10000"/>
-                                  </p:iterate>
-                                  <p:childTnLst>
-                                    <p:set>
-                                      <p:cBhvr>
-                                        <p:cTn id="9" dur="1" fill="hold">
-                                          <p:stCondLst>
-                                            <p:cond delay="0"/>
-                                          </p:stCondLst>
-                                        </p:cTn>
-                                        <p:tgtEl>
-                                          <p:spTgt spid="2"/>
-                                        </p:tgtEl>
-                                        <p:attrNameLst>
-                                          <p:attrName>style.visibility</p:attrName>
-                                        </p:attrNameLst>
-                                      </p:cBhvr>
-                                      <p:to>
-                                        <p:strVal val="visible"/>
-                                      </p:to>
-                                    </p:set>
-                                    <p:animEffect transition="in" filter="fade">
-                                      <p:cBhvr>
-                                        <p:cTn id="10" dur="500"/>
-                                        <p:tgtEl>
-                                          <p:spTgt spid="2"/>
-                                        </p:tgtEl>
-                                      </p:cBhvr>
-                                    </p:animEffect>
-                                  </p:childTnLst>
-                                </p:cTn>
-                              </p:par>
-                            </p:childTnLst>
-                          </p:cTn>
-                        </p:par>
-                      </p:childTnLst>
-                    </p:cTn>
-                  </p:par>
-                </p:childTnLst>
-              </p:cTn>
-              <p:prevCondLst>
-                <p:cond evt="onPrev" delay="0">
-                  <p:tgtEl>
-                    <p:sldTgt/>
-                  </p:tgtEl>
-                </p:cond>
-              </p:prevCondLst>
-              <p:nextCondLst>
-                <p:cond evt="onNext" delay="0">
-                  <p:tgtEl>
-                    <p:sldTgt/>
-                  </p:tgtEl>
-                </p:cond>
-              </p:nextCondLst>
-            </p:seq>
-          </p:childTnLst>
-        </p:cTn>
-      </p:par>
-    </p:tnLst>
-    <p:bldLst>
-      <p:bldP spid="2" grpId="0"/>
-      <p:bldP spid="3" grpId="0" build="p"/>
-    </p:bldLst>
-  </p:timing>
-</p:sld>
-</file>
-
-<file path=ppt/slides/slide20.xml><?xml version="1.0" encoding="utf-8"?>
+<file path=ppt/slides/slide21.xml><?xml version="1.0" encoding="utf-8"?>
 <p:sld xmlns:a="http://schemas.openxmlformats.org/drawingml/2006/main" xmlns:r="http://schemas.openxmlformats.org/officeDocument/2006/relationships" xmlns:p="http://schemas.openxmlformats.org/presentationml/2006/main">
   <p:cSld>
     <p:spTree>
@@ -34325,7 +35184,7 @@
 </p:sld>
 </file>
 
-<file path=ppt/slides/slide21.xml><?xml version="1.0" encoding="utf-8"?>
+<file path=ppt/slides/slide22.xml><?xml version="1.0" encoding="utf-8"?>
 <p:sld xmlns:a="http://schemas.openxmlformats.org/drawingml/2006/main" xmlns:r="http://schemas.openxmlformats.org/officeDocument/2006/relationships" xmlns:p="http://schemas.openxmlformats.org/presentationml/2006/main">
   <p:cSld>
     <p:spTree>
@@ -34422,7 +35281,7 @@
 </p:sld>
 </file>
 
-<file path=ppt/slides/slide22.xml><?xml version="1.0" encoding="utf-8"?>
+<file path=ppt/slides/slide23.xml><?xml version="1.0" encoding="utf-8"?>
 <p:sld xmlns:a="http://schemas.openxmlformats.org/drawingml/2006/main" xmlns:r="http://schemas.openxmlformats.org/officeDocument/2006/relationships" xmlns:p="http://schemas.openxmlformats.org/presentationml/2006/main">
   <p:cSld>
     <p:spTree>

--- a/presentation/layout(2).pptx
+++ b/presentation/layout(2).pptx
@@ -3124,7 +3124,7 @@
 </dgm:colorsDef>
 </file>
 
-<file path=ppt/diagrams/colors6.xml><?xml version="1.0" encoding="utf-8"?>
+<file path=ppt/diagrams/colors5.xml><?xml version="1.0" encoding="utf-8"?>
 <dgm:colorsDef xmlns:dgm="http://schemas.openxmlformats.org/drawingml/2006/diagram" xmlns:a="http://schemas.openxmlformats.org/drawingml/2006/main" uniqueId="urn:microsoft.com/office/officeart/2005/8/colors/accent1_2">
   <dgm:title val=""/>
   <dgm:desc val=""/>
@@ -3871,7 +3871,7 @@
 </dgm:colorsDef>
 </file>
 
-<file path=ppt/diagrams/colors7.xml><?xml version="1.0" encoding="utf-8"?>
+<file path=ppt/diagrams/colors6.xml><?xml version="1.0" encoding="utf-8"?>
 <dgm:colorsDef xmlns:dgm="http://schemas.openxmlformats.org/drawingml/2006/diagram" xmlns:a="http://schemas.openxmlformats.org/drawingml/2006/main" uniqueId="urn:microsoft.com/office/officeart/2005/8/colors/accent1_2">
   <dgm:title val=""/>
   <dgm:desc val=""/>
@@ -4618,7 +4618,7 @@
 </dgm:colorsDef>
 </file>
 
-<file path=ppt/diagrams/colors8.xml><?xml version="1.0" encoding="utf-8"?>
+<file path=ppt/diagrams/colors7.xml><?xml version="1.0" encoding="utf-8"?>
 <dgm:colorsDef xmlns:dgm="http://schemas.openxmlformats.org/drawingml/2006/diagram" xmlns:a="http://schemas.openxmlformats.org/drawingml/2006/main" uniqueId="urn:microsoft.com/office/officeart/2005/8/colors/accent1_2">
   <dgm:title val=""/>
   <dgm:desc val=""/>
@@ -15012,6 +15012,262 @@
 </dgm:layoutDef>
 </file>
 
+<file path=ppt/diagrams/layout5.xml><?xml version="1.0" encoding="utf-8"?>
+<dgm:layoutDef xmlns:dgm="http://schemas.openxmlformats.org/drawingml/2006/diagram" xmlns:a="http://schemas.openxmlformats.org/drawingml/2006/main" uniqueId="urn:microsoft.com/office/officeart/2005/8/layout/chevron2">
+  <dgm:title val=""/>
+  <dgm:desc val=""/>
+  <dgm:catLst>
+    <dgm:cat type="process" pri="12000"/>
+    <dgm:cat type="list" pri="16000"/>
+    <dgm:cat type="convert" pri="11000"/>
+  </dgm:catLst>
+  <dgm:sampData>
+    <dgm:dataModel>
+      <dgm:ptLst>
+        <dgm:pt modelId="0" type="doc"/>
+        <dgm:pt modelId="1">
+          <dgm:prSet phldr="1"/>
+        </dgm:pt>
+        <dgm:pt modelId="11">
+          <dgm:prSet phldr="1"/>
+        </dgm:pt>
+        <dgm:pt modelId="12">
+          <dgm:prSet phldr="1"/>
+        </dgm:pt>
+        <dgm:pt modelId="2">
+          <dgm:prSet phldr="1"/>
+        </dgm:pt>
+        <dgm:pt modelId="21">
+          <dgm:prSet phldr="1"/>
+        </dgm:pt>
+        <dgm:pt modelId="22">
+          <dgm:prSet phldr="1"/>
+        </dgm:pt>
+        <dgm:pt modelId="3">
+          <dgm:prSet phldr="1"/>
+        </dgm:pt>
+        <dgm:pt modelId="31">
+          <dgm:prSet phldr="1"/>
+        </dgm:pt>
+        <dgm:pt modelId="32">
+          <dgm:prSet phldr="1"/>
+        </dgm:pt>
+      </dgm:ptLst>
+      <dgm:cxnLst>
+        <dgm:cxn modelId="4" srcId="0" destId="1" srcOrd="0" destOrd="0"/>
+        <dgm:cxn modelId="5" srcId="0" destId="2" srcOrd="1" destOrd="0"/>
+        <dgm:cxn modelId="6" srcId="0" destId="3" srcOrd="2" destOrd="0"/>
+        <dgm:cxn modelId="13" srcId="1" destId="11" srcOrd="0" destOrd="0"/>
+        <dgm:cxn modelId="14" srcId="1" destId="12" srcOrd="1" destOrd="0"/>
+        <dgm:cxn modelId="23" srcId="2" destId="21" srcOrd="0" destOrd="0"/>
+        <dgm:cxn modelId="24" srcId="2" destId="22" srcOrd="1" destOrd="0"/>
+        <dgm:cxn modelId="33" srcId="3" destId="31" srcOrd="0" destOrd="0"/>
+        <dgm:cxn modelId="34" srcId="3" destId="32" srcOrd="1" destOrd="0"/>
+      </dgm:cxnLst>
+      <dgm:bg/>
+      <dgm:whole/>
+    </dgm:dataModel>
+  </dgm:sampData>
+  <dgm:styleData>
+    <dgm:dataModel>
+      <dgm:ptLst>
+        <dgm:pt modelId="0" type="doc"/>
+        <dgm:pt modelId="1"/>
+      </dgm:ptLst>
+      <dgm:cxnLst>
+        <dgm:cxn modelId="4" srcId="0" destId="1" srcOrd="0" destOrd="0"/>
+      </dgm:cxnLst>
+      <dgm:bg/>
+      <dgm:whole/>
+    </dgm:dataModel>
+  </dgm:styleData>
+  <dgm:clrData>
+    <dgm:dataModel>
+      <dgm:ptLst>
+        <dgm:pt modelId="0" type="doc"/>
+        <dgm:pt modelId="1"/>
+        <dgm:pt modelId="11"/>
+        <dgm:pt modelId="2"/>
+        <dgm:pt modelId="21"/>
+        <dgm:pt modelId="3"/>
+        <dgm:pt modelId="31"/>
+        <dgm:pt modelId="4"/>
+        <dgm:pt modelId="41"/>
+      </dgm:ptLst>
+      <dgm:cxnLst>
+        <dgm:cxn modelId="5" srcId="0" destId="1" srcOrd="0" destOrd="0"/>
+        <dgm:cxn modelId="6" srcId="0" destId="2" srcOrd="1" destOrd="0"/>
+        <dgm:cxn modelId="7" srcId="0" destId="3" srcOrd="2" destOrd="0"/>
+        <dgm:cxn modelId="8" srcId="0" destId="4" srcOrd="3" destOrd="0"/>
+        <dgm:cxn modelId="13" srcId="1" destId="11" srcOrd="0" destOrd="0"/>
+        <dgm:cxn modelId="23" srcId="2" destId="21" srcOrd="0" destOrd="0"/>
+        <dgm:cxn modelId="33" srcId="3" destId="31" srcOrd="0" destOrd="0"/>
+        <dgm:cxn modelId="43" srcId="4" destId="41" srcOrd="0" destOrd="0"/>
+      </dgm:cxnLst>
+      <dgm:bg/>
+      <dgm:whole/>
+    </dgm:dataModel>
+  </dgm:clrData>
+  <dgm:layoutNode name="linearFlow">
+    <dgm:varLst>
+      <dgm:dir/>
+      <dgm:animLvl val="lvl"/>
+      <dgm:resizeHandles val="exact"/>
+    </dgm:varLst>
+    <dgm:alg type="lin">
+      <dgm:param type="linDir" val="fromT"/>
+      <dgm:param type="nodeHorzAlign" val="l"/>
+    </dgm:alg>
+    <dgm:shape xmlns:r="http://schemas.openxmlformats.org/officeDocument/2006/relationships" r:blip="">
+      <dgm:adjLst/>
+    </dgm:shape>
+    <dgm:presOf/>
+    <dgm:constrLst>
+      <dgm:constr type="h" for="ch" forName="composite" refType="h"/>
+      <dgm:constr type="w" for="ch" forName="composite" refType="w"/>
+      <dgm:constr type="h" for="des" forName="parentText" op="equ"/>
+      <dgm:constr type="h" for="ch" forName="sp" val="-14.88"/>
+      <dgm:constr type="h" for="ch" forName="sp" refType="w" refFor="des" refForName="parentText" op="gte" fact="-0.3"/>
+      <dgm:constr type="primFontSz" for="des" forName="parentText" op="equ" val="65"/>
+      <dgm:constr type="primFontSz" for="des" forName="descendantText" op="equ" val="65"/>
+    </dgm:constrLst>
+    <dgm:ruleLst/>
+    <dgm:forEach name="Name0" axis="ch" ptType="node">
+      <dgm:layoutNode name="composite">
+        <dgm:alg type="composite"/>
+        <dgm:shape xmlns:r="http://schemas.openxmlformats.org/officeDocument/2006/relationships" r:blip="">
+          <dgm:adjLst/>
+        </dgm:shape>
+        <dgm:presOf/>
+        <dgm:choose name="Name1">
+          <dgm:if name="Name2" func="var" arg="dir" op="equ" val="norm">
+            <dgm:constrLst>
+              <dgm:constr type="t" for="ch" forName="parentText"/>
+              <dgm:constr type="l" for="ch" forName="parentText"/>
+              <dgm:constr type="w" for="ch" forName="parentText" refType="w" fact="0.4"/>
+              <dgm:constr type="h" for="ch" forName="parentText" refType="h"/>
+              <dgm:constr type="w" for="ch" forName="parentText" refType="w" op="lte" fact="0.5"/>
+              <dgm:constr type="w" for="ch" forName="parentText" refType="h" refFor="ch" refForName="parentText" op="lte" fact="0.7"/>
+              <dgm:constr type="h" for="ch" forName="parentText" refType="w" refFor="ch" refForName="parentText" op="lte" fact="3"/>
+              <dgm:constr type="l" for="ch" forName="descendantText" refType="w" refFor="ch" refForName="parentText"/>
+              <dgm:constr type="w" for="ch" forName="descendantText" refType="w"/>
+              <dgm:constr type="wOff" for="ch" forName="descendantText" refType="w" refFor="ch" refForName="parentText" fact="-1"/>
+              <dgm:constr type="t" for="ch" forName="descendantText"/>
+              <dgm:constr type="b" for="ch" forName="descendantText" refType="h" refFor="ch" refForName="parentText"/>
+              <dgm:constr type="bOff" for="ch" forName="descendantText" refType="w" refFor="ch" refForName="parentText" fact="-0.5"/>
+            </dgm:constrLst>
+          </dgm:if>
+          <dgm:else name="Name3">
+            <dgm:constrLst>
+              <dgm:constr type="t" for="ch" forName="parentText"/>
+              <dgm:constr type="r" for="ch" forName="parentText" refType="w"/>
+              <dgm:constr type="w" for="ch" forName="parentText" refType="w" fact="0.4"/>
+              <dgm:constr type="h" for="ch" forName="parentText" refType="h"/>
+              <dgm:constr type="w" for="ch" forName="parentText" refType="w" op="lte" fact="0.5"/>
+              <dgm:constr type="w" for="ch" forName="parentText" refType="h" refFor="ch" refForName="parentText" op="lte" fact="0.7"/>
+              <dgm:constr type="h" for="ch" forName="parentText" refType="w" refFor="ch" refForName="parentText" op="lte" fact="3"/>
+              <dgm:constr type="l" for="ch" forName="descendantText"/>
+              <dgm:constr type="w" for="ch" forName="descendantText" refType="w"/>
+              <dgm:constr type="wOff" for="ch" forName="descendantText" refType="w" refFor="ch" refForName="parentText" fact="-1"/>
+              <dgm:constr type="t" for="ch" forName="descendantText"/>
+              <dgm:constr type="b" for="ch" forName="descendantText" refType="h" refFor="ch" refForName="parentText"/>
+              <dgm:constr type="bOff" for="ch" forName="descendantText" refType="w" refFor="ch" refForName="parentText" fact="-0.5"/>
+            </dgm:constrLst>
+          </dgm:else>
+        </dgm:choose>
+        <dgm:ruleLst/>
+        <dgm:layoutNode name="parentText" styleLbl="alignNode1">
+          <dgm:varLst>
+            <dgm:chMax val="1"/>
+            <dgm:bulletEnabled val="1"/>
+          </dgm:varLst>
+          <dgm:alg type="tx"/>
+          <dgm:shape xmlns:r="http://schemas.openxmlformats.org/officeDocument/2006/relationships" rot="90" type="chevron" r:blip="">
+            <dgm:adjLst/>
+          </dgm:shape>
+          <dgm:presOf axis="self" ptType="node"/>
+          <dgm:constrLst>
+            <dgm:constr type="lMarg" refType="primFontSz" fact="0.05"/>
+            <dgm:constr type="rMarg" refType="primFontSz" fact="0.05"/>
+            <dgm:constr type="tMarg" refType="primFontSz" fact="0.05"/>
+            <dgm:constr type="bMarg" refType="primFontSz" fact="0.05"/>
+          </dgm:constrLst>
+          <dgm:ruleLst>
+            <dgm:rule type="h" val="100" fact="NaN" max="NaN"/>
+            <dgm:rule type="primFontSz" val="24" fact="NaN" max="NaN"/>
+            <dgm:rule type="h" val="110" fact="NaN" max="NaN"/>
+            <dgm:rule type="primFontSz" val="18" fact="NaN" max="NaN"/>
+            <dgm:rule type="h" val="INF" fact="NaN" max="NaN"/>
+            <dgm:rule type="primFontSz" val="5" fact="NaN" max="NaN"/>
+          </dgm:ruleLst>
+        </dgm:layoutNode>
+        <dgm:layoutNode name="descendantText" styleLbl="alignAcc1">
+          <dgm:varLst>
+            <dgm:bulletEnabled val="1"/>
+          </dgm:varLst>
+          <dgm:choose name="Name4">
+            <dgm:if name="Name5" func="var" arg="dir" op="equ" val="norm">
+              <dgm:alg type="tx">
+                <dgm:param type="stBulletLvl" val="1"/>
+                <dgm:param type="txAnchorVertCh" val="mid"/>
+              </dgm:alg>
+              <dgm:shape xmlns:r="http://schemas.openxmlformats.org/officeDocument/2006/relationships" rot="90" type="round2SameRect" r:blip="">
+                <dgm:adjLst/>
+              </dgm:shape>
+            </dgm:if>
+            <dgm:else name="Name6">
+              <dgm:alg type="tx">
+                <dgm:param type="stBulletLvl" val="1"/>
+                <dgm:param type="txAnchorVertCh" val="mid"/>
+              </dgm:alg>
+              <dgm:shape xmlns:r="http://schemas.openxmlformats.org/officeDocument/2006/relationships" rot="-90" type="round2SameRect" r:blip="">
+                <dgm:adjLst/>
+              </dgm:shape>
+            </dgm:else>
+          </dgm:choose>
+          <dgm:presOf axis="des" ptType="node"/>
+          <dgm:choose name="Name7">
+            <dgm:if name="Name8" func="var" arg="dir" op="equ" val="norm">
+              <dgm:constrLst>
+                <dgm:constr type="secFontSz" refType="primFontSz"/>
+                <dgm:constr type="tMarg" refType="primFontSz" fact="0.05"/>
+                <dgm:constr type="bMarg" refType="primFontSz" fact="0.05"/>
+                <dgm:constr type="rMarg" refType="primFontSz" fact="0.05"/>
+              </dgm:constrLst>
+            </dgm:if>
+            <dgm:else name="Name9">
+              <dgm:constrLst>
+                <dgm:constr type="secFontSz" refType="primFontSz"/>
+                <dgm:constr type="tMarg" refType="primFontSz" fact="0.05"/>
+                <dgm:constr type="bMarg" refType="primFontSz" fact="0.05"/>
+                <dgm:constr type="lMarg" refType="primFontSz" fact="0.05"/>
+              </dgm:constrLst>
+            </dgm:else>
+          </dgm:choose>
+          <dgm:ruleLst>
+            <dgm:rule type="primFontSz" val="5" fact="NaN" max="NaN"/>
+          </dgm:ruleLst>
+        </dgm:layoutNode>
+      </dgm:layoutNode>
+      <dgm:forEach name="Name10" axis="followSib" ptType="sibTrans" cnt="1">
+        <dgm:layoutNode name="sp">
+          <dgm:alg type="sp"/>
+          <dgm:shape xmlns:r="http://schemas.openxmlformats.org/officeDocument/2006/relationships" r:blip="">
+            <dgm:adjLst/>
+          </dgm:shape>
+          <dgm:presOf axis="self"/>
+          <dgm:constrLst>
+            <dgm:constr type="w" val="1"/>
+            <dgm:constr type="h" val="37.5"/>
+          </dgm:constrLst>
+          <dgm:ruleLst/>
+        </dgm:layoutNode>
+      </dgm:forEach>
+    </dgm:forEach>
+  </dgm:layoutNode>
+</dgm:layoutDef>
+</file>
+
 <file path=ppt/diagrams/layout6.xml><?xml version="1.0" encoding="utf-8"?>
 <dgm:layoutDef xmlns:dgm="http://schemas.openxmlformats.org/drawingml/2006/diagram" xmlns:a="http://schemas.openxmlformats.org/drawingml/2006/main" uniqueId="urn:microsoft.com/office/officeart/2005/8/layout/chevron2">
   <dgm:title val=""/>
@@ -15269,262 +15525,6 @@
 </file>
 
 <file path=ppt/diagrams/layout7.xml><?xml version="1.0" encoding="utf-8"?>
-<dgm:layoutDef xmlns:dgm="http://schemas.openxmlformats.org/drawingml/2006/diagram" xmlns:a="http://schemas.openxmlformats.org/drawingml/2006/main" uniqueId="urn:microsoft.com/office/officeart/2005/8/layout/chevron2">
-  <dgm:title val=""/>
-  <dgm:desc val=""/>
-  <dgm:catLst>
-    <dgm:cat type="process" pri="12000"/>
-    <dgm:cat type="list" pri="16000"/>
-    <dgm:cat type="convert" pri="11000"/>
-  </dgm:catLst>
-  <dgm:sampData>
-    <dgm:dataModel>
-      <dgm:ptLst>
-        <dgm:pt modelId="0" type="doc"/>
-        <dgm:pt modelId="1">
-          <dgm:prSet phldr="1"/>
-        </dgm:pt>
-        <dgm:pt modelId="11">
-          <dgm:prSet phldr="1"/>
-        </dgm:pt>
-        <dgm:pt modelId="12">
-          <dgm:prSet phldr="1"/>
-        </dgm:pt>
-        <dgm:pt modelId="2">
-          <dgm:prSet phldr="1"/>
-        </dgm:pt>
-        <dgm:pt modelId="21">
-          <dgm:prSet phldr="1"/>
-        </dgm:pt>
-        <dgm:pt modelId="22">
-          <dgm:prSet phldr="1"/>
-        </dgm:pt>
-        <dgm:pt modelId="3">
-          <dgm:prSet phldr="1"/>
-        </dgm:pt>
-        <dgm:pt modelId="31">
-          <dgm:prSet phldr="1"/>
-        </dgm:pt>
-        <dgm:pt modelId="32">
-          <dgm:prSet phldr="1"/>
-        </dgm:pt>
-      </dgm:ptLst>
-      <dgm:cxnLst>
-        <dgm:cxn modelId="4" srcId="0" destId="1" srcOrd="0" destOrd="0"/>
-        <dgm:cxn modelId="5" srcId="0" destId="2" srcOrd="1" destOrd="0"/>
-        <dgm:cxn modelId="6" srcId="0" destId="3" srcOrd="2" destOrd="0"/>
-        <dgm:cxn modelId="13" srcId="1" destId="11" srcOrd="0" destOrd="0"/>
-        <dgm:cxn modelId="14" srcId="1" destId="12" srcOrd="1" destOrd="0"/>
-        <dgm:cxn modelId="23" srcId="2" destId="21" srcOrd="0" destOrd="0"/>
-        <dgm:cxn modelId="24" srcId="2" destId="22" srcOrd="1" destOrd="0"/>
-        <dgm:cxn modelId="33" srcId="3" destId="31" srcOrd="0" destOrd="0"/>
-        <dgm:cxn modelId="34" srcId="3" destId="32" srcOrd="1" destOrd="0"/>
-      </dgm:cxnLst>
-      <dgm:bg/>
-      <dgm:whole/>
-    </dgm:dataModel>
-  </dgm:sampData>
-  <dgm:styleData>
-    <dgm:dataModel>
-      <dgm:ptLst>
-        <dgm:pt modelId="0" type="doc"/>
-        <dgm:pt modelId="1"/>
-      </dgm:ptLst>
-      <dgm:cxnLst>
-        <dgm:cxn modelId="4" srcId="0" destId="1" srcOrd="0" destOrd="0"/>
-      </dgm:cxnLst>
-      <dgm:bg/>
-      <dgm:whole/>
-    </dgm:dataModel>
-  </dgm:styleData>
-  <dgm:clrData>
-    <dgm:dataModel>
-      <dgm:ptLst>
-        <dgm:pt modelId="0" type="doc"/>
-        <dgm:pt modelId="1"/>
-        <dgm:pt modelId="11"/>
-        <dgm:pt modelId="2"/>
-        <dgm:pt modelId="21"/>
-        <dgm:pt modelId="3"/>
-        <dgm:pt modelId="31"/>
-        <dgm:pt modelId="4"/>
-        <dgm:pt modelId="41"/>
-      </dgm:ptLst>
-      <dgm:cxnLst>
-        <dgm:cxn modelId="5" srcId="0" destId="1" srcOrd="0" destOrd="0"/>
-        <dgm:cxn modelId="6" srcId="0" destId="2" srcOrd="1" destOrd="0"/>
-        <dgm:cxn modelId="7" srcId="0" destId="3" srcOrd="2" destOrd="0"/>
-        <dgm:cxn modelId="8" srcId="0" destId="4" srcOrd="3" destOrd="0"/>
-        <dgm:cxn modelId="13" srcId="1" destId="11" srcOrd="0" destOrd="0"/>
-        <dgm:cxn modelId="23" srcId="2" destId="21" srcOrd="0" destOrd="0"/>
-        <dgm:cxn modelId="33" srcId="3" destId="31" srcOrd="0" destOrd="0"/>
-        <dgm:cxn modelId="43" srcId="4" destId="41" srcOrd="0" destOrd="0"/>
-      </dgm:cxnLst>
-      <dgm:bg/>
-      <dgm:whole/>
-    </dgm:dataModel>
-  </dgm:clrData>
-  <dgm:layoutNode name="linearFlow">
-    <dgm:varLst>
-      <dgm:dir/>
-      <dgm:animLvl val="lvl"/>
-      <dgm:resizeHandles val="exact"/>
-    </dgm:varLst>
-    <dgm:alg type="lin">
-      <dgm:param type="linDir" val="fromT"/>
-      <dgm:param type="nodeHorzAlign" val="l"/>
-    </dgm:alg>
-    <dgm:shape xmlns:r="http://schemas.openxmlformats.org/officeDocument/2006/relationships" r:blip="">
-      <dgm:adjLst/>
-    </dgm:shape>
-    <dgm:presOf/>
-    <dgm:constrLst>
-      <dgm:constr type="h" for="ch" forName="composite" refType="h"/>
-      <dgm:constr type="w" for="ch" forName="composite" refType="w"/>
-      <dgm:constr type="h" for="des" forName="parentText" op="equ"/>
-      <dgm:constr type="h" for="ch" forName="sp" val="-14.88"/>
-      <dgm:constr type="h" for="ch" forName="sp" refType="w" refFor="des" refForName="parentText" op="gte" fact="-0.3"/>
-      <dgm:constr type="primFontSz" for="des" forName="parentText" op="equ" val="65"/>
-      <dgm:constr type="primFontSz" for="des" forName="descendantText" op="equ" val="65"/>
-    </dgm:constrLst>
-    <dgm:ruleLst/>
-    <dgm:forEach name="Name0" axis="ch" ptType="node">
-      <dgm:layoutNode name="composite">
-        <dgm:alg type="composite"/>
-        <dgm:shape xmlns:r="http://schemas.openxmlformats.org/officeDocument/2006/relationships" r:blip="">
-          <dgm:adjLst/>
-        </dgm:shape>
-        <dgm:presOf/>
-        <dgm:choose name="Name1">
-          <dgm:if name="Name2" func="var" arg="dir" op="equ" val="norm">
-            <dgm:constrLst>
-              <dgm:constr type="t" for="ch" forName="parentText"/>
-              <dgm:constr type="l" for="ch" forName="parentText"/>
-              <dgm:constr type="w" for="ch" forName="parentText" refType="w" fact="0.4"/>
-              <dgm:constr type="h" for="ch" forName="parentText" refType="h"/>
-              <dgm:constr type="w" for="ch" forName="parentText" refType="w" op="lte" fact="0.5"/>
-              <dgm:constr type="w" for="ch" forName="parentText" refType="h" refFor="ch" refForName="parentText" op="lte" fact="0.7"/>
-              <dgm:constr type="h" for="ch" forName="parentText" refType="w" refFor="ch" refForName="parentText" op="lte" fact="3"/>
-              <dgm:constr type="l" for="ch" forName="descendantText" refType="w" refFor="ch" refForName="parentText"/>
-              <dgm:constr type="w" for="ch" forName="descendantText" refType="w"/>
-              <dgm:constr type="wOff" for="ch" forName="descendantText" refType="w" refFor="ch" refForName="parentText" fact="-1"/>
-              <dgm:constr type="t" for="ch" forName="descendantText"/>
-              <dgm:constr type="b" for="ch" forName="descendantText" refType="h" refFor="ch" refForName="parentText"/>
-              <dgm:constr type="bOff" for="ch" forName="descendantText" refType="w" refFor="ch" refForName="parentText" fact="-0.5"/>
-            </dgm:constrLst>
-          </dgm:if>
-          <dgm:else name="Name3">
-            <dgm:constrLst>
-              <dgm:constr type="t" for="ch" forName="parentText"/>
-              <dgm:constr type="r" for="ch" forName="parentText" refType="w"/>
-              <dgm:constr type="w" for="ch" forName="parentText" refType="w" fact="0.4"/>
-              <dgm:constr type="h" for="ch" forName="parentText" refType="h"/>
-              <dgm:constr type="w" for="ch" forName="parentText" refType="w" op="lte" fact="0.5"/>
-              <dgm:constr type="w" for="ch" forName="parentText" refType="h" refFor="ch" refForName="parentText" op="lte" fact="0.7"/>
-              <dgm:constr type="h" for="ch" forName="parentText" refType="w" refFor="ch" refForName="parentText" op="lte" fact="3"/>
-              <dgm:constr type="l" for="ch" forName="descendantText"/>
-              <dgm:constr type="w" for="ch" forName="descendantText" refType="w"/>
-              <dgm:constr type="wOff" for="ch" forName="descendantText" refType="w" refFor="ch" refForName="parentText" fact="-1"/>
-              <dgm:constr type="t" for="ch" forName="descendantText"/>
-              <dgm:constr type="b" for="ch" forName="descendantText" refType="h" refFor="ch" refForName="parentText"/>
-              <dgm:constr type="bOff" for="ch" forName="descendantText" refType="w" refFor="ch" refForName="parentText" fact="-0.5"/>
-            </dgm:constrLst>
-          </dgm:else>
-        </dgm:choose>
-        <dgm:ruleLst/>
-        <dgm:layoutNode name="parentText" styleLbl="alignNode1">
-          <dgm:varLst>
-            <dgm:chMax val="1"/>
-            <dgm:bulletEnabled val="1"/>
-          </dgm:varLst>
-          <dgm:alg type="tx"/>
-          <dgm:shape xmlns:r="http://schemas.openxmlformats.org/officeDocument/2006/relationships" rot="90" type="chevron" r:blip="">
-            <dgm:adjLst/>
-          </dgm:shape>
-          <dgm:presOf axis="self" ptType="node"/>
-          <dgm:constrLst>
-            <dgm:constr type="lMarg" refType="primFontSz" fact="0.05"/>
-            <dgm:constr type="rMarg" refType="primFontSz" fact="0.05"/>
-            <dgm:constr type="tMarg" refType="primFontSz" fact="0.05"/>
-            <dgm:constr type="bMarg" refType="primFontSz" fact="0.05"/>
-          </dgm:constrLst>
-          <dgm:ruleLst>
-            <dgm:rule type="h" val="100" fact="NaN" max="NaN"/>
-            <dgm:rule type="primFontSz" val="24" fact="NaN" max="NaN"/>
-            <dgm:rule type="h" val="110" fact="NaN" max="NaN"/>
-            <dgm:rule type="primFontSz" val="18" fact="NaN" max="NaN"/>
-            <dgm:rule type="h" val="INF" fact="NaN" max="NaN"/>
-            <dgm:rule type="primFontSz" val="5" fact="NaN" max="NaN"/>
-          </dgm:ruleLst>
-        </dgm:layoutNode>
-        <dgm:layoutNode name="descendantText" styleLbl="alignAcc1">
-          <dgm:varLst>
-            <dgm:bulletEnabled val="1"/>
-          </dgm:varLst>
-          <dgm:choose name="Name4">
-            <dgm:if name="Name5" func="var" arg="dir" op="equ" val="norm">
-              <dgm:alg type="tx">
-                <dgm:param type="stBulletLvl" val="1"/>
-                <dgm:param type="txAnchorVertCh" val="mid"/>
-              </dgm:alg>
-              <dgm:shape xmlns:r="http://schemas.openxmlformats.org/officeDocument/2006/relationships" rot="90" type="round2SameRect" r:blip="">
-                <dgm:adjLst/>
-              </dgm:shape>
-            </dgm:if>
-            <dgm:else name="Name6">
-              <dgm:alg type="tx">
-                <dgm:param type="stBulletLvl" val="1"/>
-                <dgm:param type="txAnchorVertCh" val="mid"/>
-              </dgm:alg>
-              <dgm:shape xmlns:r="http://schemas.openxmlformats.org/officeDocument/2006/relationships" rot="-90" type="round2SameRect" r:blip="">
-                <dgm:adjLst/>
-              </dgm:shape>
-            </dgm:else>
-          </dgm:choose>
-          <dgm:presOf axis="des" ptType="node"/>
-          <dgm:choose name="Name7">
-            <dgm:if name="Name8" func="var" arg="dir" op="equ" val="norm">
-              <dgm:constrLst>
-                <dgm:constr type="secFontSz" refType="primFontSz"/>
-                <dgm:constr type="tMarg" refType="primFontSz" fact="0.05"/>
-                <dgm:constr type="bMarg" refType="primFontSz" fact="0.05"/>
-                <dgm:constr type="rMarg" refType="primFontSz" fact="0.05"/>
-              </dgm:constrLst>
-            </dgm:if>
-            <dgm:else name="Name9">
-              <dgm:constrLst>
-                <dgm:constr type="secFontSz" refType="primFontSz"/>
-                <dgm:constr type="tMarg" refType="primFontSz" fact="0.05"/>
-                <dgm:constr type="bMarg" refType="primFontSz" fact="0.05"/>
-                <dgm:constr type="lMarg" refType="primFontSz" fact="0.05"/>
-              </dgm:constrLst>
-            </dgm:else>
-          </dgm:choose>
-          <dgm:ruleLst>
-            <dgm:rule type="primFontSz" val="5" fact="NaN" max="NaN"/>
-          </dgm:ruleLst>
-        </dgm:layoutNode>
-      </dgm:layoutNode>
-      <dgm:forEach name="Name10" axis="followSib" ptType="sibTrans" cnt="1">
-        <dgm:layoutNode name="sp">
-          <dgm:alg type="sp"/>
-          <dgm:shape xmlns:r="http://schemas.openxmlformats.org/officeDocument/2006/relationships" r:blip="">
-            <dgm:adjLst/>
-          </dgm:shape>
-          <dgm:presOf axis="self"/>
-          <dgm:constrLst>
-            <dgm:constr type="w" val="1"/>
-            <dgm:constr type="h" val="37.5"/>
-          </dgm:constrLst>
-          <dgm:ruleLst/>
-        </dgm:layoutNode>
-      </dgm:forEach>
-    </dgm:forEach>
-  </dgm:layoutNode>
-</dgm:layoutDef>
-</file>
-
-<file path=ppt/diagrams/layout8.xml><?xml version="1.0" encoding="utf-8"?>
 <dgm:layoutDef xmlns:dgm="http://schemas.openxmlformats.org/drawingml/2006/diagram" xmlns:a="http://schemas.openxmlformats.org/drawingml/2006/main" uniqueId="urn:microsoft.com/office/officeart/2005/8/layout/venn1">
   <dgm:title val=""/>
   <dgm:desc val=""/>
@@ -20535,6 +20535,1040 @@
 </dgm:styleDef>
 </file>
 
+<file path=ppt/diagrams/quickStyle5.xml><?xml version="1.0" encoding="utf-8"?>
+<dgm:styleDef xmlns:dgm="http://schemas.openxmlformats.org/drawingml/2006/diagram" xmlns:a="http://schemas.openxmlformats.org/drawingml/2006/main" uniqueId="urn:microsoft.com/office/officeart/2005/8/quickstyle/simple1">
+  <dgm:title val=""/>
+  <dgm:desc val=""/>
+  <dgm:catLst>
+    <dgm:cat type="simple" pri="10100"/>
+  </dgm:catLst>
+  <dgm:scene3d>
+    <a:camera prst="orthographicFront"/>
+    <a:lightRig rig="threePt" dir="t"/>
+  </dgm:scene3d>
+  <dgm:styleLbl name="node0">
+    <dgm:scene3d>
+      <a:camera prst="orthographicFront"/>
+      <a:lightRig rig="threePt" dir="t"/>
+    </dgm:scene3d>
+    <dgm:sp3d/>
+    <dgm:txPr/>
+    <dgm:style>
+      <a:lnRef idx="2">
+        <a:scrgbClr r="0" g="0" b="0"/>
+      </a:lnRef>
+      <a:fillRef idx="1">
+        <a:scrgbClr r="0" g="0" b="0"/>
+      </a:fillRef>
+      <a:effectRef idx="0">
+        <a:scrgbClr r="0" g="0" b="0"/>
+      </a:effectRef>
+      <a:fontRef idx="minor">
+        <a:schemeClr val="lt1"/>
+      </a:fontRef>
+    </dgm:style>
+  </dgm:styleLbl>
+  <dgm:styleLbl name="lnNode1">
+    <dgm:scene3d>
+      <a:camera prst="orthographicFront"/>
+      <a:lightRig rig="threePt" dir="t"/>
+    </dgm:scene3d>
+    <dgm:sp3d/>
+    <dgm:txPr/>
+    <dgm:style>
+      <a:lnRef idx="2">
+        <a:scrgbClr r="0" g="0" b="0"/>
+      </a:lnRef>
+      <a:fillRef idx="1">
+        <a:scrgbClr r="0" g="0" b="0"/>
+      </a:fillRef>
+      <a:effectRef idx="0">
+        <a:scrgbClr r="0" g="0" b="0"/>
+      </a:effectRef>
+      <a:fontRef idx="minor">
+        <a:schemeClr val="lt1"/>
+      </a:fontRef>
+    </dgm:style>
+  </dgm:styleLbl>
+  <dgm:styleLbl name="vennNode1">
+    <dgm:scene3d>
+      <a:camera prst="orthographicFront"/>
+      <a:lightRig rig="threePt" dir="t"/>
+    </dgm:scene3d>
+    <dgm:sp3d/>
+    <dgm:txPr/>
+    <dgm:style>
+      <a:lnRef idx="2">
+        <a:scrgbClr r="0" g="0" b="0"/>
+      </a:lnRef>
+      <a:fillRef idx="1">
+        <a:scrgbClr r="0" g="0" b="0"/>
+      </a:fillRef>
+      <a:effectRef idx="0">
+        <a:scrgbClr r="0" g="0" b="0"/>
+      </a:effectRef>
+      <a:fontRef idx="minor">
+        <a:schemeClr val="tx1"/>
+      </a:fontRef>
+    </dgm:style>
+  </dgm:styleLbl>
+  <dgm:styleLbl name="alignNode1">
+    <dgm:scene3d>
+      <a:camera prst="orthographicFront"/>
+      <a:lightRig rig="threePt" dir="t"/>
+    </dgm:scene3d>
+    <dgm:sp3d/>
+    <dgm:txPr/>
+    <dgm:style>
+      <a:lnRef idx="2">
+        <a:scrgbClr r="0" g="0" b="0"/>
+      </a:lnRef>
+      <a:fillRef idx="1">
+        <a:scrgbClr r="0" g="0" b="0"/>
+      </a:fillRef>
+      <a:effectRef idx="0">
+        <a:scrgbClr r="0" g="0" b="0"/>
+      </a:effectRef>
+      <a:fontRef idx="minor">
+        <a:schemeClr val="lt1"/>
+      </a:fontRef>
+    </dgm:style>
+  </dgm:styleLbl>
+  <dgm:styleLbl name="node1">
+    <dgm:scene3d>
+      <a:camera prst="orthographicFront"/>
+      <a:lightRig rig="threePt" dir="t"/>
+    </dgm:scene3d>
+    <dgm:sp3d/>
+    <dgm:txPr/>
+    <dgm:style>
+      <a:lnRef idx="2">
+        <a:scrgbClr r="0" g="0" b="0"/>
+      </a:lnRef>
+      <a:fillRef idx="1">
+        <a:scrgbClr r="0" g="0" b="0"/>
+      </a:fillRef>
+      <a:effectRef idx="0">
+        <a:scrgbClr r="0" g="0" b="0"/>
+      </a:effectRef>
+      <a:fontRef idx="minor">
+        <a:schemeClr val="lt1"/>
+      </a:fontRef>
+    </dgm:style>
+  </dgm:styleLbl>
+  <dgm:styleLbl name="node2">
+    <dgm:scene3d>
+      <a:camera prst="orthographicFront"/>
+      <a:lightRig rig="threePt" dir="t"/>
+    </dgm:scene3d>
+    <dgm:sp3d/>
+    <dgm:txPr/>
+    <dgm:style>
+      <a:lnRef idx="2">
+        <a:scrgbClr r="0" g="0" b="0"/>
+      </a:lnRef>
+      <a:fillRef idx="1">
+        <a:scrgbClr r="0" g="0" b="0"/>
+      </a:fillRef>
+      <a:effectRef idx="0">
+        <a:scrgbClr r="0" g="0" b="0"/>
+      </a:effectRef>
+      <a:fontRef idx="minor">
+        <a:schemeClr val="lt1"/>
+      </a:fontRef>
+    </dgm:style>
+  </dgm:styleLbl>
+  <dgm:styleLbl name="node3">
+    <dgm:scene3d>
+      <a:camera prst="orthographicFront"/>
+      <a:lightRig rig="threePt" dir="t"/>
+    </dgm:scene3d>
+    <dgm:sp3d/>
+    <dgm:txPr/>
+    <dgm:style>
+      <a:lnRef idx="2">
+        <a:scrgbClr r="0" g="0" b="0"/>
+      </a:lnRef>
+      <a:fillRef idx="1">
+        <a:scrgbClr r="0" g="0" b="0"/>
+      </a:fillRef>
+      <a:effectRef idx="0">
+        <a:scrgbClr r="0" g="0" b="0"/>
+      </a:effectRef>
+      <a:fontRef idx="minor">
+        <a:schemeClr val="lt1"/>
+      </a:fontRef>
+    </dgm:style>
+  </dgm:styleLbl>
+  <dgm:styleLbl name="node4">
+    <dgm:scene3d>
+      <a:camera prst="orthographicFront"/>
+      <a:lightRig rig="threePt" dir="t"/>
+    </dgm:scene3d>
+    <dgm:sp3d/>
+    <dgm:txPr/>
+    <dgm:style>
+      <a:lnRef idx="2">
+        <a:scrgbClr r="0" g="0" b="0"/>
+      </a:lnRef>
+      <a:fillRef idx="1">
+        <a:scrgbClr r="0" g="0" b="0"/>
+      </a:fillRef>
+      <a:effectRef idx="0">
+        <a:scrgbClr r="0" g="0" b="0"/>
+      </a:effectRef>
+      <a:fontRef idx="minor">
+        <a:schemeClr val="lt1"/>
+      </a:fontRef>
+    </dgm:style>
+  </dgm:styleLbl>
+  <dgm:styleLbl name="fgImgPlace1">
+    <dgm:scene3d>
+      <a:camera prst="orthographicFront"/>
+      <a:lightRig rig="threePt" dir="t"/>
+    </dgm:scene3d>
+    <dgm:sp3d/>
+    <dgm:txPr/>
+    <dgm:style>
+      <a:lnRef idx="2">
+        <a:scrgbClr r="0" g="0" b="0"/>
+      </a:lnRef>
+      <a:fillRef idx="1">
+        <a:scrgbClr r="0" g="0" b="0"/>
+      </a:fillRef>
+      <a:effectRef idx="0">
+        <a:scrgbClr r="0" g="0" b="0"/>
+      </a:effectRef>
+      <a:fontRef idx="minor"/>
+    </dgm:style>
+  </dgm:styleLbl>
+  <dgm:styleLbl name="alignImgPlace1">
+    <dgm:scene3d>
+      <a:camera prst="orthographicFront"/>
+      <a:lightRig rig="threePt" dir="t"/>
+    </dgm:scene3d>
+    <dgm:sp3d/>
+    <dgm:txPr/>
+    <dgm:style>
+      <a:lnRef idx="2">
+        <a:scrgbClr r="0" g="0" b="0"/>
+      </a:lnRef>
+      <a:fillRef idx="1">
+        <a:scrgbClr r="0" g="0" b="0"/>
+      </a:fillRef>
+      <a:effectRef idx="0">
+        <a:scrgbClr r="0" g="0" b="0"/>
+      </a:effectRef>
+      <a:fontRef idx="minor"/>
+    </dgm:style>
+  </dgm:styleLbl>
+  <dgm:styleLbl name="bgImgPlace1">
+    <dgm:scene3d>
+      <a:camera prst="orthographicFront"/>
+      <a:lightRig rig="threePt" dir="t"/>
+    </dgm:scene3d>
+    <dgm:sp3d/>
+    <dgm:txPr/>
+    <dgm:style>
+      <a:lnRef idx="2">
+        <a:scrgbClr r="0" g="0" b="0"/>
+      </a:lnRef>
+      <a:fillRef idx="1">
+        <a:scrgbClr r="0" g="0" b="0"/>
+      </a:fillRef>
+      <a:effectRef idx="0">
+        <a:scrgbClr r="0" g="0" b="0"/>
+      </a:effectRef>
+      <a:fontRef idx="minor"/>
+    </dgm:style>
+  </dgm:styleLbl>
+  <dgm:styleLbl name="sibTrans2D1">
+    <dgm:scene3d>
+      <a:camera prst="orthographicFront"/>
+      <a:lightRig rig="threePt" dir="t"/>
+    </dgm:scene3d>
+    <dgm:sp3d/>
+    <dgm:txPr/>
+    <dgm:style>
+      <a:lnRef idx="0">
+        <a:scrgbClr r="0" g="0" b="0"/>
+      </a:lnRef>
+      <a:fillRef idx="1">
+        <a:scrgbClr r="0" g="0" b="0"/>
+      </a:fillRef>
+      <a:effectRef idx="0">
+        <a:scrgbClr r="0" g="0" b="0"/>
+      </a:effectRef>
+      <a:fontRef idx="minor">
+        <a:schemeClr val="lt1"/>
+      </a:fontRef>
+    </dgm:style>
+  </dgm:styleLbl>
+  <dgm:styleLbl name="fgSibTrans2D1">
+    <dgm:scene3d>
+      <a:camera prst="orthographicFront"/>
+      <a:lightRig rig="threePt" dir="t"/>
+    </dgm:scene3d>
+    <dgm:sp3d/>
+    <dgm:txPr/>
+    <dgm:style>
+      <a:lnRef idx="0">
+        <a:scrgbClr r="0" g="0" b="0"/>
+      </a:lnRef>
+      <a:fillRef idx="1">
+        <a:scrgbClr r="0" g="0" b="0"/>
+      </a:fillRef>
+      <a:effectRef idx="0">
+        <a:scrgbClr r="0" g="0" b="0"/>
+      </a:effectRef>
+      <a:fontRef idx="minor">
+        <a:schemeClr val="lt1"/>
+      </a:fontRef>
+    </dgm:style>
+  </dgm:styleLbl>
+  <dgm:styleLbl name="bgSibTrans2D1">
+    <dgm:scene3d>
+      <a:camera prst="orthographicFront"/>
+      <a:lightRig rig="threePt" dir="t"/>
+    </dgm:scene3d>
+    <dgm:sp3d/>
+    <dgm:txPr/>
+    <dgm:style>
+      <a:lnRef idx="0">
+        <a:scrgbClr r="0" g="0" b="0"/>
+      </a:lnRef>
+      <a:fillRef idx="1">
+        <a:scrgbClr r="0" g="0" b="0"/>
+      </a:fillRef>
+      <a:effectRef idx="0">
+        <a:scrgbClr r="0" g="0" b="0"/>
+      </a:effectRef>
+      <a:fontRef idx="minor">
+        <a:schemeClr val="lt1"/>
+      </a:fontRef>
+    </dgm:style>
+  </dgm:styleLbl>
+  <dgm:styleLbl name="sibTrans1D1">
+    <dgm:scene3d>
+      <a:camera prst="orthographicFront"/>
+      <a:lightRig rig="threePt" dir="t"/>
+    </dgm:scene3d>
+    <dgm:sp3d/>
+    <dgm:txPr/>
+    <dgm:style>
+      <a:lnRef idx="1">
+        <a:scrgbClr r="0" g="0" b="0"/>
+      </a:lnRef>
+      <a:fillRef idx="0">
+        <a:scrgbClr r="0" g="0" b="0"/>
+      </a:fillRef>
+      <a:effectRef idx="0">
+        <a:scrgbClr r="0" g="0" b="0"/>
+      </a:effectRef>
+      <a:fontRef idx="minor"/>
+    </dgm:style>
+  </dgm:styleLbl>
+  <dgm:styleLbl name="callout">
+    <dgm:scene3d>
+      <a:camera prst="orthographicFront"/>
+      <a:lightRig rig="threePt" dir="t"/>
+    </dgm:scene3d>
+    <dgm:sp3d/>
+    <dgm:txPr/>
+    <dgm:style>
+      <a:lnRef idx="2">
+        <a:scrgbClr r="0" g="0" b="0"/>
+      </a:lnRef>
+      <a:fillRef idx="1">
+        <a:scrgbClr r="0" g="0" b="0"/>
+      </a:fillRef>
+      <a:effectRef idx="0">
+        <a:scrgbClr r="0" g="0" b="0"/>
+      </a:effectRef>
+      <a:fontRef idx="minor"/>
+    </dgm:style>
+  </dgm:styleLbl>
+  <dgm:styleLbl name="asst0">
+    <dgm:scene3d>
+      <a:camera prst="orthographicFront"/>
+      <a:lightRig rig="threePt" dir="t"/>
+    </dgm:scene3d>
+    <dgm:sp3d/>
+    <dgm:txPr/>
+    <dgm:style>
+      <a:lnRef idx="2">
+        <a:scrgbClr r="0" g="0" b="0"/>
+      </a:lnRef>
+      <a:fillRef idx="1">
+        <a:scrgbClr r="0" g="0" b="0"/>
+      </a:fillRef>
+      <a:effectRef idx="0">
+        <a:scrgbClr r="0" g="0" b="0"/>
+      </a:effectRef>
+      <a:fontRef idx="minor">
+        <a:schemeClr val="lt1"/>
+      </a:fontRef>
+    </dgm:style>
+  </dgm:styleLbl>
+  <dgm:styleLbl name="asst1">
+    <dgm:scene3d>
+      <a:camera prst="orthographicFront"/>
+      <a:lightRig rig="threePt" dir="t"/>
+    </dgm:scene3d>
+    <dgm:sp3d/>
+    <dgm:txPr/>
+    <dgm:style>
+      <a:lnRef idx="2">
+        <a:scrgbClr r="0" g="0" b="0"/>
+      </a:lnRef>
+      <a:fillRef idx="1">
+        <a:scrgbClr r="0" g="0" b="0"/>
+      </a:fillRef>
+      <a:effectRef idx="0">
+        <a:scrgbClr r="0" g="0" b="0"/>
+      </a:effectRef>
+      <a:fontRef idx="minor">
+        <a:schemeClr val="lt1"/>
+      </a:fontRef>
+    </dgm:style>
+  </dgm:styleLbl>
+  <dgm:styleLbl name="asst2">
+    <dgm:scene3d>
+      <a:camera prst="orthographicFront"/>
+      <a:lightRig rig="threePt" dir="t"/>
+    </dgm:scene3d>
+    <dgm:sp3d/>
+    <dgm:txPr/>
+    <dgm:style>
+      <a:lnRef idx="2">
+        <a:scrgbClr r="0" g="0" b="0"/>
+      </a:lnRef>
+      <a:fillRef idx="1">
+        <a:scrgbClr r="0" g="0" b="0"/>
+      </a:fillRef>
+      <a:effectRef idx="0">
+        <a:scrgbClr r="0" g="0" b="0"/>
+      </a:effectRef>
+      <a:fontRef idx="minor">
+        <a:schemeClr val="lt1"/>
+      </a:fontRef>
+    </dgm:style>
+  </dgm:styleLbl>
+  <dgm:styleLbl name="asst3">
+    <dgm:scene3d>
+      <a:camera prst="orthographicFront"/>
+      <a:lightRig rig="threePt" dir="t"/>
+    </dgm:scene3d>
+    <dgm:sp3d/>
+    <dgm:txPr/>
+    <dgm:style>
+      <a:lnRef idx="2">
+        <a:scrgbClr r="0" g="0" b="0"/>
+      </a:lnRef>
+      <a:fillRef idx="1">
+        <a:scrgbClr r="0" g="0" b="0"/>
+      </a:fillRef>
+      <a:effectRef idx="0">
+        <a:scrgbClr r="0" g="0" b="0"/>
+      </a:effectRef>
+      <a:fontRef idx="minor">
+        <a:schemeClr val="lt1"/>
+      </a:fontRef>
+    </dgm:style>
+  </dgm:styleLbl>
+  <dgm:styleLbl name="asst4">
+    <dgm:scene3d>
+      <a:camera prst="orthographicFront"/>
+      <a:lightRig rig="threePt" dir="t"/>
+    </dgm:scene3d>
+    <dgm:sp3d/>
+    <dgm:txPr/>
+    <dgm:style>
+      <a:lnRef idx="2">
+        <a:scrgbClr r="0" g="0" b="0"/>
+      </a:lnRef>
+      <a:fillRef idx="1">
+        <a:scrgbClr r="0" g="0" b="0"/>
+      </a:fillRef>
+      <a:effectRef idx="0">
+        <a:scrgbClr r="0" g="0" b="0"/>
+      </a:effectRef>
+      <a:fontRef idx="minor">
+        <a:schemeClr val="lt1"/>
+      </a:fontRef>
+    </dgm:style>
+  </dgm:styleLbl>
+  <dgm:styleLbl name="parChTrans2D1">
+    <dgm:scene3d>
+      <a:camera prst="orthographicFront"/>
+      <a:lightRig rig="threePt" dir="t"/>
+    </dgm:scene3d>
+    <dgm:sp3d/>
+    <dgm:txPr/>
+    <dgm:style>
+      <a:lnRef idx="2">
+        <a:scrgbClr r="0" g="0" b="0"/>
+      </a:lnRef>
+      <a:fillRef idx="1">
+        <a:scrgbClr r="0" g="0" b="0"/>
+      </a:fillRef>
+      <a:effectRef idx="0">
+        <a:scrgbClr r="0" g="0" b="0"/>
+      </a:effectRef>
+      <a:fontRef idx="minor">
+        <a:schemeClr val="lt1"/>
+      </a:fontRef>
+    </dgm:style>
+  </dgm:styleLbl>
+  <dgm:styleLbl name="parChTrans2D2">
+    <dgm:scene3d>
+      <a:camera prst="orthographicFront"/>
+      <a:lightRig rig="threePt" dir="t"/>
+    </dgm:scene3d>
+    <dgm:sp3d/>
+    <dgm:txPr/>
+    <dgm:style>
+      <a:lnRef idx="2">
+        <a:scrgbClr r="0" g="0" b="0"/>
+      </a:lnRef>
+      <a:fillRef idx="1">
+        <a:scrgbClr r="0" g="0" b="0"/>
+      </a:fillRef>
+      <a:effectRef idx="0">
+        <a:scrgbClr r="0" g="0" b="0"/>
+      </a:effectRef>
+      <a:fontRef idx="minor">
+        <a:schemeClr val="lt1"/>
+      </a:fontRef>
+    </dgm:style>
+  </dgm:styleLbl>
+  <dgm:styleLbl name="parChTrans2D3">
+    <dgm:scene3d>
+      <a:camera prst="orthographicFront"/>
+      <a:lightRig rig="threePt" dir="t"/>
+    </dgm:scene3d>
+    <dgm:sp3d/>
+    <dgm:txPr/>
+    <dgm:style>
+      <a:lnRef idx="2">
+        <a:scrgbClr r="0" g="0" b="0"/>
+      </a:lnRef>
+      <a:fillRef idx="1">
+        <a:scrgbClr r="0" g="0" b="0"/>
+      </a:fillRef>
+      <a:effectRef idx="0">
+        <a:scrgbClr r="0" g="0" b="0"/>
+      </a:effectRef>
+      <a:fontRef idx="minor">
+        <a:schemeClr val="lt1"/>
+      </a:fontRef>
+    </dgm:style>
+  </dgm:styleLbl>
+  <dgm:styleLbl name="parChTrans2D4">
+    <dgm:scene3d>
+      <a:camera prst="orthographicFront"/>
+      <a:lightRig rig="threePt" dir="t"/>
+    </dgm:scene3d>
+    <dgm:sp3d/>
+    <dgm:txPr/>
+    <dgm:style>
+      <a:lnRef idx="2">
+        <a:scrgbClr r="0" g="0" b="0"/>
+      </a:lnRef>
+      <a:fillRef idx="1">
+        <a:scrgbClr r="0" g="0" b="0"/>
+      </a:fillRef>
+      <a:effectRef idx="0">
+        <a:scrgbClr r="0" g="0" b="0"/>
+      </a:effectRef>
+      <a:fontRef idx="minor">
+        <a:schemeClr val="lt1"/>
+      </a:fontRef>
+    </dgm:style>
+  </dgm:styleLbl>
+  <dgm:styleLbl name="parChTrans1D1">
+    <dgm:scene3d>
+      <a:camera prst="orthographicFront"/>
+      <a:lightRig rig="threePt" dir="t"/>
+    </dgm:scene3d>
+    <dgm:sp3d/>
+    <dgm:txPr/>
+    <dgm:style>
+      <a:lnRef idx="2">
+        <a:scrgbClr r="0" g="0" b="0"/>
+      </a:lnRef>
+      <a:fillRef idx="0">
+        <a:scrgbClr r="0" g="0" b="0"/>
+      </a:fillRef>
+      <a:effectRef idx="0">
+        <a:scrgbClr r="0" g="0" b="0"/>
+      </a:effectRef>
+      <a:fontRef idx="minor"/>
+    </dgm:style>
+  </dgm:styleLbl>
+  <dgm:styleLbl name="parChTrans1D2">
+    <dgm:scene3d>
+      <a:camera prst="orthographicFront"/>
+      <a:lightRig rig="threePt" dir="t"/>
+    </dgm:scene3d>
+    <dgm:sp3d/>
+    <dgm:txPr/>
+    <dgm:style>
+      <a:lnRef idx="2">
+        <a:scrgbClr r="0" g="0" b="0"/>
+      </a:lnRef>
+      <a:fillRef idx="0">
+        <a:scrgbClr r="0" g="0" b="0"/>
+      </a:fillRef>
+      <a:effectRef idx="0">
+        <a:scrgbClr r="0" g="0" b="0"/>
+      </a:effectRef>
+      <a:fontRef idx="minor"/>
+    </dgm:style>
+  </dgm:styleLbl>
+  <dgm:styleLbl name="parChTrans1D3">
+    <dgm:scene3d>
+      <a:camera prst="orthographicFront"/>
+      <a:lightRig rig="threePt" dir="t"/>
+    </dgm:scene3d>
+    <dgm:sp3d/>
+    <dgm:txPr/>
+    <dgm:style>
+      <a:lnRef idx="2">
+        <a:scrgbClr r="0" g="0" b="0"/>
+      </a:lnRef>
+      <a:fillRef idx="0">
+        <a:scrgbClr r="0" g="0" b="0"/>
+      </a:fillRef>
+      <a:effectRef idx="0">
+        <a:scrgbClr r="0" g="0" b="0"/>
+      </a:effectRef>
+      <a:fontRef idx="minor"/>
+    </dgm:style>
+  </dgm:styleLbl>
+  <dgm:styleLbl name="parChTrans1D4">
+    <dgm:scene3d>
+      <a:camera prst="orthographicFront"/>
+      <a:lightRig rig="threePt" dir="t"/>
+    </dgm:scene3d>
+    <dgm:sp3d/>
+    <dgm:txPr/>
+    <dgm:style>
+      <a:lnRef idx="2">
+        <a:scrgbClr r="0" g="0" b="0"/>
+      </a:lnRef>
+      <a:fillRef idx="0">
+        <a:scrgbClr r="0" g="0" b="0"/>
+      </a:fillRef>
+      <a:effectRef idx="0">
+        <a:scrgbClr r="0" g="0" b="0"/>
+      </a:effectRef>
+      <a:fontRef idx="minor"/>
+    </dgm:style>
+  </dgm:styleLbl>
+  <dgm:styleLbl name="fgAcc1">
+    <dgm:scene3d>
+      <a:camera prst="orthographicFront"/>
+      <a:lightRig rig="threePt" dir="t"/>
+    </dgm:scene3d>
+    <dgm:sp3d/>
+    <dgm:txPr/>
+    <dgm:style>
+      <a:lnRef idx="2">
+        <a:scrgbClr r="0" g="0" b="0"/>
+      </a:lnRef>
+      <a:fillRef idx="1">
+        <a:scrgbClr r="0" g="0" b="0"/>
+      </a:fillRef>
+      <a:effectRef idx="0">
+        <a:scrgbClr r="0" g="0" b="0"/>
+      </a:effectRef>
+      <a:fontRef idx="minor"/>
+    </dgm:style>
+  </dgm:styleLbl>
+  <dgm:styleLbl name="conFgAcc1">
+    <dgm:scene3d>
+      <a:camera prst="orthographicFront"/>
+      <a:lightRig rig="threePt" dir="t"/>
+    </dgm:scene3d>
+    <dgm:sp3d/>
+    <dgm:txPr/>
+    <dgm:style>
+      <a:lnRef idx="2">
+        <a:scrgbClr r="0" g="0" b="0"/>
+      </a:lnRef>
+      <a:fillRef idx="1">
+        <a:scrgbClr r="0" g="0" b="0"/>
+      </a:fillRef>
+      <a:effectRef idx="0">
+        <a:scrgbClr r="0" g="0" b="0"/>
+      </a:effectRef>
+      <a:fontRef idx="minor"/>
+    </dgm:style>
+  </dgm:styleLbl>
+  <dgm:styleLbl name="alignAcc1">
+    <dgm:scene3d>
+      <a:camera prst="orthographicFront"/>
+      <a:lightRig rig="threePt" dir="t"/>
+    </dgm:scene3d>
+    <dgm:sp3d/>
+    <dgm:txPr/>
+    <dgm:style>
+      <a:lnRef idx="2">
+        <a:scrgbClr r="0" g="0" b="0"/>
+      </a:lnRef>
+      <a:fillRef idx="1">
+        <a:scrgbClr r="0" g="0" b="0"/>
+      </a:fillRef>
+      <a:effectRef idx="0">
+        <a:scrgbClr r="0" g="0" b="0"/>
+      </a:effectRef>
+      <a:fontRef idx="minor"/>
+    </dgm:style>
+  </dgm:styleLbl>
+  <dgm:styleLbl name="trAlignAcc1">
+    <dgm:scene3d>
+      <a:camera prst="orthographicFront"/>
+      <a:lightRig rig="threePt" dir="t"/>
+    </dgm:scene3d>
+    <dgm:sp3d/>
+    <dgm:txPr/>
+    <dgm:style>
+      <a:lnRef idx="1">
+        <a:scrgbClr r="0" g="0" b="0"/>
+      </a:lnRef>
+      <a:fillRef idx="1">
+        <a:scrgbClr r="0" g="0" b="0"/>
+      </a:fillRef>
+      <a:effectRef idx="0">
+        <a:scrgbClr r="0" g="0" b="0"/>
+      </a:effectRef>
+      <a:fontRef idx="minor"/>
+    </dgm:style>
+  </dgm:styleLbl>
+  <dgm:styleLbl name="bgAcc1">
+    <dgm:scene3d>
+      <a:camera prst="orthographicFront"/>
+      <a:lightRig rig="threePt" dir="t"/>
+    </dgm:scene3d>
+    <dgm:sp3d/>
+    <dgm:txPr/>
+    <dgm:style>
+      <a:lnRef idx="2">
+        <a:scrgbClr r="0" g="0" b="0"/>
+      </a:lnRef>
+      <a:fillRef idx="1">
+        <a:scrgbClr r="0" g="0" b="0"/>
+      </a:fillRef>
+      <a:effectRef idx="0">
+        <a:scrgbClr r="0" g="0" b="0"/>
+      </a:effectRef>
+      <a:fontRef idx="minor"/>
+    </dgm:style>
+  </dgm:styleLbl>
+  <dgm:styleLbl name="solidFgAcc1">
+    <dgm:scene3d>
+      <a:camera prst="orthographicFront"/>
+      <a:lightRig rig="threePt" dir="t"/>
+    </dgm:scene3d>
+    <dgm:sp3d/>
+    <dgm:txPr/>
+    <dgm:style>
+      <a:lnRef idx="2">
+        <a:scrgbClr r="0" g="0" b="0"/>
+      </a:lnRef>
+      <a:fillRef idx="1">
+        <a:scrgbClr r="0" g="0" b="0"/>
+      </a:fillRef>
+      <a:effectRef idx="0">
+        <a:scrgbClr r="0" g="0" b="0"/>
+      </a:effectRef>
+      <a:fontRef idx="minor"/>
+    </dgm:style>
+  </dgm:styleLbl>
+  <dgm:styleLbl name="solidAlignAcc1">
+    <dgm:scene3d>
+      <a:camera prst="orthographicFront"/>
+      <a:lightRig rig="threePt" dir="t"/>
+    </dgm:scene3d>
+    <dgm:sp3d/>
+    <dgm:txPr/>
+    <dgm:style>
+      <a:lnRef idx="2">
+        <a:scrgbClr r="0" g="0" b="0"/>
+      </a:lnRef>
+      <a:fillRef idx="1">
+        <a:scrgbClr r="0" g="0" b="0"/>
+      </a:fillRef>
+      <a:effectRef idx="0">
+        <a:scrgbClr r="0" g="0" b="0"/>
+      </a:effectRef>
+      <a:fontRef idx="minor"/>
+    </dgm:style>
+  </dgm:styleLbl>
+  <dgm:styleLbl name="solidBgAcc1">
+    <dgm:scene3d>
+      <a:camera prst="orthographicFront"/>
+      <a:lightRig rig="threePt" dir="t"/>
+    </dgm:scene3d>
+    <dgm:sp3d/>
+    <dgm:txPr/>
+    <dgm:style>
+      <a:lnRef idx="2">
+        <a:scrgbClr r="0" g="0" b="0"/>
+      </a:lnRef>
+      <a:fillRef idx="1">
+        <a:scrgbClr r="0" g="0" b="0"/>
+      </a:fillRef>
+      <a:effectRef idx="0">
+        <a:scrgbClr r="0" g="0" b="0"/>
+      </a:effectRef>
+      <a:fontRef idx="minor"/>
+    </dgm:style>
+  </dgm:styleLbl>
+  <dgm:styleLbl name="fgAccFollowNode1">
+    <dgm:scene3d>
+      <a:camera prst="orthographicFront"/>
+      <a:lightRig rig="threePt" dir="t"/>
+    </dgm:scene3d>
+    <dgm:sp3d/>
+    <dgm:txPr/>
+    <dgm:style>
+      <a:lnRef idx="2">
+        <a:scrgbClr r="0" g="0" b="0"/>
+      </a:lnRef>
+      <a:fillRef idx="1">
+        <a:scrgbClr r="0" g="0" b="0"/>
+      </a:fillRef>
+      <a:effectRef idx="0">
+        <a:scrgbClr r="0" g="0" b="0"/>
+      </a:effectRef>
+      <a:fontRef idx="minor"/>
+    </dgm:style>
+  </dgm:styleLbl>
+  <dgm:styleLbl name="alignAccFollowNode1">
+    <dgm:scene3d>
+      <a:camera prst="orthographicFront"/>
+      <a:lightRig rig="threePt" dir="t"/>
+    </dgm:scene3d>
+    <dgm:sp3d/>
+    <dgm:txPr/>
+    <dgm:style>
+      <a:lnRef idx="2">
+        <a:scrgbClr r="0" g="0" b="0"/>
+      </a:lnRef>
+      <a:fillRef idx="1">
+        <a:scrgbClr r="0" g="0" b="0"/>
+      </a:fillRef>
+      <a:effectRef idx="0">
+        <a:scrgbClr r="0" g="0" b="0"/>
+      </a:effectRef>
+      <a:fontRef idx="minor"/>
+    </dgm:style>
+  </dgm:styleLbl>
+  <dgm:styleLbl name="bgAccFollowNode1">
+    <dgm:scene3d>
+      <a:camera prst="orthographicFront"/>
+      <a:lightRig rig="threePt" dir="t"/>
+    </dgm:scene3d>
+    <dgm:sp3d/>
+    <dgm:txPr/>
+    <dgm:style>
+      <a:lnRef idx="2">
+        <a:scrgbClr r="0" g="0" b="0"/>
+      </a:lnRef>
+      <a:fillRef idx="1">
+        <a:scrgbClr r="0" g="0" b="0"/>
+      </a:fillRef>
+      <a:effectRef idx="0">
+        <a:scrgbClr r="0" g="0" b="0"/>
+      </a:effectRef>
+      <a:fontRef idx="minor"/>
+    </dgm:style>
+  </dgm:styleLbl>
+  <dgm:styleLbl name="fgAcc0">
+    <dgm:scene3d>
+      <a:camera prst="orthographicFront"/>
+      <a:lightRig rig="threePt" dir="t"/>
+    </dgm:scene3d>
+    <dgm:sp3d/>
+    <dgm:txPr/>
+    <dgm:style>
+      <a:lnRef idx="2">
+        <a:scrgbClr r="0" g="0" b="0"/>
+      </a:lnRef>
+      <a:fillRef idx="1">
+        <a:scrgbClr r="0" g="0" b="0"/>
+      </a:fillRef>
+      <a:effectRef idx="0">
+        <a:scrgbClr r="0" g="0" b="0"/>
+      </a:effectRef>
+      <a:fontRef idx="minor"/>
+    </dgm:style>
+  </dgm:styleLbl>
+  <dgm:styleLbl name="fgAcc2">
+    <dgm:scene3d>
+      <a:camera prst="orthographicFront"/>
+      <a:lightRig rig="threePt" dir="t"/>
+    </dgm:scene3d>
+    <dgm:sp3d/>
+    <dgm:txPr/>
+    <dgm:style>
+      <a:lnRef idx="2">
+        <a:scrgbClr r="0" g="0" b="0"/>
+      </a:lnRef>
+      <a:fillRef idx="1">
+        <a:scrgbClr r="0" g="0" b="0"/>
+      </a:fillRef>
+      <a:effectRef idx="0">
+        <a:scrgbClr r="0" g="0" b="0"/>
+      </a:effectRef>
+      <a:fontRef idx="minor"/>
+    </dgm:style>
+  </dgm:styleLbl>
+  <dgm:styleLbl name="fgAcc3">
+    <dgm:scene3d>
+      <a:camera prst="orthographicFront"/>
+      <a:lightRig rig="threePt" dir="t"/>
+    </dgm:scene3d>
+    <dgm:sp3d/>
+    <dgm:txPr/>
+    <dgm:style>
+      <a:lnRef idx="2">
+        <a:scrgbClr r="0" g="0" b="0"/>
+      </a:lnRef>
+      <a:fillRef idx="1">
+        <a:scrgbClr r="0" g="0" b="0"/>
+      </a:fillRef>
+      <a:effectRef idx="0">
+        <a:scrgbClr r="0" g="0" b="0"/>
+      </a:effectRef>
+      <a:fontRef idx="minor"/>
+    </dgm:style>
+  </dgm:styleLbl>
+  <dgm:styleLbl name="fgAcc4">
+    <dgm:scene3d>
+      <a:camera prst="orthographicFront"/>
+      <a:lightRig rig="threePt" dir="t"/>
+    </dgm:scene3d>
+    <dgm:sp3d/>
+    <dgm:txPr/>
+    <dgm:style>
+      <a:lnRef idx="2">
+        <a:scrgbClr r="0" g="0" b="0"/>
+      </a:lnRef>
+      <a:fillRef idx="1">
+        <a:scrgbClr r="0" g="0" b="0"/>
+      </a:fillRef>
+      <a:effectRef idx="0">
+        <a:scrgbClr r="0" g="0" b="0"/>
+      </a:effectRef>
+      <a:fontRef idx="minor"/>
+    </dgm:style>
+  </dgm:styleLbl>
+  <dgm:styleLbl name="bgShp">
+    <dgm:scene3d>
+      <a:camera prst="orthographicFront"/>
+      <a:lightRig rig="threePt" dir="t"/>
+    </dgm:scene3d>
+    <dgm:sp3d/>
+    <dgm:txPr/>
+    <dgm:style>
+      <a:lnRef idx="0">
+        <a:scrgbClr r="0" g="0" b="0"/>
+      </a:lnRef>
+      <a:fillRef idx="1">
+        <a:scrgbClr r="0" g="0" b="0"/>
+      </a:fillRef>
+      <a:effectRef idx="0">
+        <a:scrgbClr r="0" g="0" b="0"/>
+      </a:effectRef>
+      <a:fontRef idx="minor"/>
+    </dgm:style>
+  </dgm:styleLbl>
+  <dgm:styleLbl name="dkBgShp">
+    <dgm:scene3d>
+      <a:camera prst="orthographicFront"/>
+      <a:lightRig rig="threePt" dir="t"/>
+    </dgm:scene3d>
+    <dgm:sp3d/>
+    <dgm:txPr/>
+    <dgm:style>
+      <a:lnRef idx="0">
+        <a:scrgbClr r="0" g="0" b="0"/>
+      </a:lnRef>
+      <a:fillRef idx="1">
+        <a:scrgbClr r="0" g="0" b="0"/>
+      </a:fillRef>
+      <a:effectRef idx="0">
+        <a:scrgbClr r="0" g="0" b="0"/>
+      </a:effectRef>
+      <a:fontRef idx="minor"/>
+    </dgm:style>
+  </dgm:styleLbl>
+  <dgm:styleLbl name="trBgShp">
+    <dgm:scene3d>
+      <a:camera prst="orthographicFront"/>
+      <a:lightRig rig="threePt" dir="t"/>
+    </dgm:scene3d>
+    <dgm:sp3d/>
+    <dgm:txPr/>
+    <dgm:style>
+      <a:lnRef idx="0">
+        <a:scrgbClr r="0" g="0" b="0"/>
+      </a:lnRef>
+      <a:fillRef idx="1">
+        <a:scrgbClr r="0" g="0" b="0"/>
+      </a:fillRef>
+      <a:effectRef idx="0">
+        <a:scrgbClr r="0" g="0" b="0"/>
+      </a:effectRef>
+      <a:fontRef idx="minor"/>
+    </dgm:style>
+  </dgm:styleLbl>
+  <dgm:styleLbl name="fgShp">
+    <dgm:scene3d>
+      <a:camera prst="orthographicFront"/>
+      <a:lightRig rig="threePt" dir="t"/>
+    </dgm:scene3d>
+    <dgm:sp3d/>
+    <dgm:txPr/>
+    <dgm:style>
+      <a:lnRef idx="2">
+        <a:scrgbClr r="0" g="0" b="0"/>
+      </a:lnRef>
+      <a:fillRef idx="1">
+        <a:scrgbClr r="0" g="0" b="0"/>
+      </a:fillRef>
+      <a:effectRef idx="0">
+        <a:scrgbClr r="0" g="0" b="0"/>
+      </a:effectRef>
+      <a:fontRef idx="minor"/>
+    </dgm:style>
+  </dgm:styleLbl>
+  <dgm:styleLbl name="revTx">
+    <dgm:scene3d>
+      <a:camera prst="orthographicFront"/>
+      <a:lightRig rig="threePt" dir="t"/>
+    </dgm:scene3d>
+    <dgm:sp3d/>
+    <dgm:txPr/>
+    <dgm:style>
+      <a:lnRef idx="0">
+        <a:scrgbClr r="0" g="0" b="0"/>
+      </a:lnRef>
+      <a:fillRef idx="0">
+        <a:scrgbClr r="0" g="0" b="0"/>
+      </a:fillRef>
+      <a:effectRef idx="0">
+        <a:scrgbClr r="0" g="0" b="0"/>
+      </a:effectRef>
+      <a:fontRef idx="minor"/>
+    </dgm:style>
+  </dgm:styleLbl>
+</dgm:styleDef>
+</file>
+
 <file path=ppt/diagrams/quickStyle6.xml><?xml version="1.0" encoding="utf-8"?>
 <dgm:styleDef xmlns:dgm="http://schemas.openxmlformats.org/drawingml/2006/diagram" xmlns:a="http://schemas.openxmlformats.org/drawingml/2006/main" uniqueId="urn:microsoft.com/office/officeart/2005/8/quickstyle/simple1">
   <dgm:title val=""/>
@@ -21570,1040 +22604,6 @@
 </file>
 
 <file path=ppt/diagrams/quickStyle7.xml><?xml version="1.0" encoding="utf-8"?>
-<dgm:styleDef xmlns:dgm="http://schemas.openxmlformats.org/drawingml/2006/diagram" xmlns:a="http://schemas.openxmlformats.org/drawingml/2006/main" uniqueId="urn:microsoft.com/office/officeart/2005/8/quickstyle/simple1">
-  <dgm:title val=""/>
-  <dgm:desc val=""/>
-  <dgm:catLst>
-    <dgm:cat type="simple" pri="10100"/>
-  </dgm:catLst>
-  <dgm:scene3d>
-    <a:camera prst="orthographicFront"/>
-    <a:lightRig rig="threePt" dir="t"/>
-  </dgm:scene3d>
-  <dgm:styleLbl name="node0">
-    <dgm:scene3d>
-      <a:camera prst="orthographicFront"/>
-      <a:lightRig rig="threePt" dir="t"/>
-    </dgm:scene3d>
-    <dgm:sp3d/>
-    <dgm:txPr/>
-    <dgm:style>
-      <a:lnRef idx="2">
-        <a:scrgbClr r="0" g="0" b="0"/>
-      </a:lnRef>
-      <a:fillRef idx="1">
-        <a:scrgbClr r="0" g="0" b="0"/>
-      </a:fillRef>
-      <a:effectRef idx="0">
-        <a:scrgbClr r="0" g="0" b="0"/>
-      </a:effectRef>
-      <a:fontRef idx="minor">
-        <a:schemeClr val="lt1"/>
-      </a:fontRef>
-    </dgm:style>
-  </dgm:styleLbl>
-  <dgm:styleLbl name="lnNode1">
-    <dgm:scene3d>
-      <a:camera prst="orthographicFront"/>
-      <a:lightRig rig="threePt" dir="t"/>
-    </dgm:scene3d>
-    <dgm:sp3d/>
-    <dgm:txPr/>
-    <dgm:style>
-      <a:lnRef idx="2">
-        <a:scrgbClr r="0" g="0" b="0"/>
-      </a:lnRef>
-      <a:fillRef idx="1">
-        <a:scrgbClr r="0" g="0" b="0"/>
-      </a:fillRef>
-      <a:effectRef idx="0">
-        <a:scrgbClr r="0" g="0" b="0"/>
-      </a:effectRef>
-      <a:fontRef idx="minor">
-        <a:schemeClr val="lt1"/>
-      </a:fontRef>
-    </dgm:style>
-  </dgm:styleLbl>
-  <dgm:styleLbl name="vennNode1">
-    <dgm:scene3d>
-      <a:camera prst="orthographicFront"/>
-      <a:lightRig rig="threePt" dir="t"/>
-    </dgm:scene3d>
-    <dgm:sp3d/>
-    <dgm:txPr/>
-    <dgm:style>
-      <a:lnRef idx="2">
-        <a:scrgbClr r="0" g="0" b="0"/>
-      </a:lnRef>
-      <a:fillRef idx="1">
-        <a:scrgbClr r="0" g="0" b="0"/>
-      </a:fillRef>
-      <a:effectRef idx="0">
-        <a:scrgbClr r="0" g="0" b="0"/>
-      </a:effectRef>
-      <a:fontRef idx="minor">
-        <a:schemeClr val="tx1"/>
-      </a:fontRef>
-    </dgm:style>
-  </dgm:styleLbl>
-  <dgm:styleLbl name="alignNode1">
-    <dgm:scene3d>
-      <a:camera prst="orthographicFront"/>
-      <a:lightRig rig="threePt" dir="t"/>
-    </dgm:scene3d>
-    <dgm:sp3d/>
-    <dgm:txPr/>
-    <dgm:style>
-      <a:lnRef idx="2">
-        <a:scrgbClr r="0" g="0" b="0"/>
-      </a:lnRef>
-      <a:fillRef idx="1">
-        <a:scrgbClr r="0" g="0" b="0"/>
-      </a:fillRef>
-      <a:effectRef idx="0">
-        <a:scrgbClr r="0" g="0" b="0"/>
-      </a:effectRef>
-      <a:fontRef idx="minor">
-        <a:schemeClr val="lt1"/>
-      </a:fontRef>
-    </dgm:style>
-  </dgm:styleLbl>
-  <dgm:styleLbl name="node1">
-    <dgm:scene3d>
-      <a:camera prst="orthographicFront"/>
-      <a:lightRig rig="threePt" dir="t"/>
-    </dgm:scene3d>
-    <dgm:sp3d/>
-    <dgm:txPr/>
-    <dgm:style>
-      <a:lnRef idx="2">
-        <a:scrgbClr r="0" g="0" b="0"/>
-      </a:lnRef>
-      <a:fillRef idx="1">
-        <a:scrgbClr r="0" g="0" b="0"/>
-      </a:fillRef>
-      <a:effectRef idx="0">
-        <a:scrgbClr r="0" g="0" b="0"/>
-      </a:effectRef>
-      <a:fontRef idx="minor">
-        <a:schemeClr val="lt1"/>
-      </a:fontRef>
-    </dgm:style>
-  </dgm:styleLbl>
-  <dgm:styleLbl name="node2">
-    <dgm:scene3d>
-      <a:camera prst="orthographicFront"/>
-      <a:lightRig rig="threePt" dir="t"/>
-    </dgm:scene3d>
-    <dgm:sp3d/>
-    <dgm:txPr/>
-    <dgm:style>
-      <a:lnRef idx="2">
-        <a:scrgbClr r="0" g="0" b="0"/>
-      </a:lnRef>
-      <a:fillRef idx="1">
-        <a:scrgbClr r="0" g="0" b="0"/>
-      </a:fillRef>
-      <a:effectRef idx="0">
-        <a:scrgbClr r="0" g="0" b="0"/>
-      </a:effectRef>
-      <a:fontRef idx="minor">
-        <a:schemeClr val="lt1"/>
-      </a:fontRef>
-    </dgm:style>
-  </dgm:styleLbl>
-  <dgm:styleLbl name="node3">
-    <dgm:scene3d>
-      <a:camera prst="orthographicFront"/>
-      <a:lightRig rig="threePt" dir="t"/>
-    </dgm:scene3d>
-    <dgm:sp3d/>
-    <dgm:txPr/>
-    <dgm:style>
-      <a:lnRef idx="2">
-        <a:scrgbClr r="0" g="0" b="0"/>
-      </a:lnRef>
-      <a:fillRef idx="1">
-        <a:scrgbClr r="0" g="0" b="0"/>
-      </a:fillRef>
-      <a:effectRef idx="0">
-        <a:scrgbClr r="0" g="0" b="0"/>
-      </a:effectRef>
-      <a:fontRef idx="minor">
-        <a:schemeClr val="lt1"/>
-      </a:fontRef>
-    </dgm:style>
-  </dgm:styleLbl>
-  <dgm:styleLbl name="node4">
-    <dgm:scene3d>
-      <a:camera prst="orthographicFront"/>
-      <a:lightRig rig="threePt" dir="t"/>
-    </dgm:scene3d>
-    <dgm:sp3d/>
-    <dgm:txPr/>
-    <dgm:style>
-      <a:lnRef idx="2">
-        <a:scrgbClr r="0" g="0" b="0"/>
-      </a:lnRef>
-      <a:fillRef idx="1">
-        <a:scrgbClr r="0" g="0" b="0"/>
-      </a:fillRef>
-      <a:effectRef idx="0">
-        <a:scrgbClr r="0" g="0" b="0"/>
-      </a:effectRef>
-      <a:fontRef idx="minor">
-        <a:schemeClr val="lt1"/>
-      </a:fontRef>
-    </dgm:style>
-  </dgm:styleLbl>
-  <dgm:styleLbl name="fgImgPlace1">
-    <dgm:scene3d>
-      <a:camera prst="orthographicFront"/>
-      <a:lightRig rig="threePt" dir="t"/>
-    </dgm:scene3d>
-    <dgm:sp3d/>
-    <dgm:txPr/>
-    <dgm:style>
-      <a:lnRef idx="2">
-        <a:scrgbClr r="0" g="0" b="0"/>
-      </a:lnRef>
-      <a:fillRef idx="1">
-        <a:scrgbClr r="0" g="0" b="0"/>
-      </a:fillRef>
-      <a:effectRef idx="0">
-        <a:scrgbClr r="0" g="0" b="0"/>
-      </a:effectRef>
-      <a:fontRef idx="minor"/>
-    </dgm:style>
-  </dgm:styleLbl>
-  <dgm:styleLbl name="alignImgPlace1">
-    <dgm:scene3d>
-      <a:camera prst="orthographicFront"/>
-      <a:lightRig rig="threePt" dir="t"/>
-    </dgm:scene3d>
-    <dgm:sp3d/>
-    <dgm:txPr/>
-    <dgm:style>
-      <a:lnRef idx="2">
-        <a:scrgbClr r="0" g="0" b="0"/>
-      </a:lnRef>
-      <a:fillRef idx="1">
-        <a:scrgbClr r="0" g="0" b="0"/>
-      </a:fillRef>
-      <a:effectRef idx="0">
-        <a:scrgbClr r="0" g="0" b="0"/>
-      </a:effectRef>
-      <a:fontRef idx="minor"/>
-    </dgm:style>
-  </dgm:styleLbl>
-  <dgm:styleLbl name="bgImgPlace1">
-    <dgm:scene3d>
-      <a:camera prst="orthographicFront"/>
-      <a:lightRig rig="threePt" dir="t"/>
-    </dgm:scene3d>
-    <dgm:sp3d/>
-    <dgm:txPr/>
-    <dgm:style>
-      <a:lnRef idx="2">
-        <a:scrgbClr r="0" g="0" b="0"/>
-      </a:lnRef>
-      <a:fillRef idx="1">
-        <a:scrgbClr r="0" g="0" b="0"/>
-      </a:fillRef>
-      <a:effectRef idx="0">
-        <a:scrgbClr r="0" g="0" b="0"/>
-      </a:effectRef>
-      <a:fontRef idx="minor"/>
-    </dgm:style>
-  </dgm:styleLbl>
-  <dgm:styleLbl name="sibTrans2D1">
-    <dgm:scene3d>
-      <a:camera prst="orthographicFront"/>
-      <a:lightRig rig="threePt" dir="t"/>
-    </dgm:scene3d>
-    <dgm:sp3d/>
-    <dgm:txPr/>
-    <dgm:style>
-      <a:lnRef idx="0">
-        <a:scrgbClr r="0" g="0" b="0"/>
-      </a:lnRef>
-      <a:fillRef idx="1">
-        <a:scrgbClr r="0" g="0" b="0"/>
-      </a:fillRef>
-      <a:effectRef idx="0">
-        <a:scrgbClr r="0" g="0" b="0"/>
-      </a:effectRef>
-      <a:fontRef idx="minor">
-        <a:schemeClr val="lt1"/>
-      </a:fontRef>
-    </dgm:style>
-  </dgm:styleLbl>
-  <dgm:styleLbl name="fgSibTrans2D1">
-    <dgm:scene3d>
-      <a:camera prst="orthographicFront"/>
-      <a:lightRig rig="threePt" dir="t"/>
-    </dgm:scene3d>
-    <dgm:sp3d/>
-    <dgm:txPr/>
-    <dgm:style>
-      <a:lnRef idx="0">
-        <a:scrgbClr r="0" g="0" b="0"/>
-      </a:lnRef>
-      <a:fillRef idx="1">
-        <a:scrgbClr r="0" g="0" b="0"/>
-      </a:fillRef>
-      <a:effectRef idx="0">
-        <a:scrgbClr r="0" g="0" b="0"/>
-      </a:effectRef>
-      <a:fontRef idx="minor">
-        <a:schemeClr val="lt1"/>
-      </a:fontRef>
-    </dgm:style>
-  </dgm:styleLbl>
-  <dgm:styleLbl name="bgSibTrans2D1">
-    <dgm:scene3d>
-      <a:camera prst="orthographicFront"/>
-      <a:lightRig rig="threePt" dir="t"/>
-    </dgm:scene3d>
-    <dgm:sp3d/>
-    <dgm:txPr/>
-    <dgm:style>
-      <a:lnRef idx="0">
-        <a:scrgbClr r="0" g="0" b="0"/>
-      </a:lnRef>
-      <a:fillRef idx="1">
-        <a:scrgbClr r="0" g="0" b="0"/>
-      </a:fillRef>
-      <a:effectRef idx="0">
-        <a:scrgbClr r="0" g="0" b="0"/>
-      </a:effectRef>
-      <a:fontRef idx="minor">
-        <a:schemeClr val="lt1"/>
-      </a:fontRef>
-    </dgm:style>
-  </dgm:styleLbl>
-  <dgm:styleLbl name="sibTrans1D1">
-    <dgm:scene3d>
-      <a:camera prst="orthographicFront"/>
-      <a:lightRig rig="threePt" dir="t"/>
-    </dgm:scene3d>
-    <dgm:sp3d/>
-    <dgm:txPr/>
-    <dgm:style>
-      <a:lnRef idx="1">
-        <a:scrgbClr r="0" g="0" b="0"/>
-      </a:lnRef>
-      <a:fillRef idx="0">
-        <a:scrgbClr r="0" g="0" b="0"/>
-      </a:fillRef>
-      <a:effectRef idx="0">
-        <a:scrgbClr r="0" g="0" b="0"/>
-      </a:effectRef>
-      <a:fontRef idx="minor"/>
-    </dgm:style>
-  </dgm:styleLbl>
-  <dgm:styleLbl name="callout">
-    <dgm:scene3d>
-      <a:camera prst="orthographicFront"/>
-      <a:lightRig rig="threePt" dir="t"/>
-    </dgm:scene3d>
-    <dgm:sp3d/>
-    <dgm:txPr/>
-    <dgm:style>
-      <a:lnRef idx="2">
-        <a:scrgbClr r="0" g="0" b="0"/>
-      </a:lnRef>
-      <a:fillRef idx="1">
-        <a:scrgbClr r="0" g="0" b="0"/>
-      </a:fillRef>
-      <a:effectRef idx="0">
-        <a:scrgbClr r="0" g="0" b="0"/>
-      </a:effectRef>
-      <a:fontRef idx="minor"/>
-    </dgm:style>
-  </dgm:styleLbl>
-  <dgm:styleLbl name="asst0">
-    <dgm:scene3d>
-      <a:camera prst="orthographicFront"/>
-      <a:lightRig rig="threePt" dir="t"/>
-    </dgm:scene3d>
-    <dgm:sp3d/>
-    <dgm:txPr/>
-    <dgm:style>
-      <a:lnRef idx="2">
-        <a:scrgbClr r="0" g="0" b="0"/>
-      </a:lnRef>
-      <a:fillRef idx="1">
-        <a:scrgbClr r="0" g="0" b="0"/>
-      </a:fillRef>
-      <a:effectRef idx="0">
-        <a:scrgbClr r="0" g="0" b="0"/>
-      </a:effectRef>
-      <a:fontRef idx="minor">
-        <a:schemeClr val="lt1"/>
-      </a:fontRef>
-    </dgm:style>
-  </dgm:styleLbl>
-  <dgm:styleLbl name="asst1">
-    <dgm:scene3d>
-      <a:camera prst="orthographicFront"/>
-      <a:lightRig rig="threePt" dir="t"/>
-    </dgm:scene3d>
-    <dgm:sp3d/>
-    <dgm:txPr/>
-    <dgm:style>
-      <a:lnRef idx="2">
-        <a:scrgbClr r="0" g="0" b="0"/>
-      </a:lnRef>
-      <a:fillRef idx="1">
-        <a:scrgbClr r="0" g="0" b="0"/>
-      </a:fillRef>
-      <a:effectRef idx="0">
-        <a:scrgbClr r="0" g="0" b="0"/>
-      </a:effectRef>
-      <a:fontRef idx="minor">
-        <a:schemeClr val="lt1"/>
-      </a:fontRef>
-    </dgm:style>
-  </dgm:styleLbl>
-  <dgm:styleLbl name="asst2">
-    <dgm:scene3d>
-      <a:camera prst="orthographicFront"/>
-      <a:lightRig rig="threePt" dir="t"/>
-    </dgm:scene3d>
-    <dgm:sp3d/>
-    <dgm:txPr/>
-    <dgm:style>
-      <a:lnRef idx="2">
-        <a:scrgbClr r="0" g="0" b="0"/>
-      </a:lnRef>
-      <a:fillRef idx="1">
-        <a:scrgbClr r="0" g="0" b="0"/>
-      </a:fillRef>
-      <a:effectRef idx="0">
-        <a:scrgbClr r="0" g="0" b="0"/>
-      </a:effectRef>
-      <a:fontRef idx="minor">
-        <a:schemeClr val="lt1"/>
-      </a:fontRef>
-    </dgm:style>
-  </dgm:styleLbl>
-  <dgm:styleLbl name="asst3">
-    <dgm:scene3d>
-      <a:camera prst="orthographicFront"/>
-      <a:lightRig rig="threePt" dir="t"/>
-    </dgm:scene3d>
-    <dgm:sp3d/>
-    <dgm:txPr/>
-    <dgm:style>
-      <a:lnRef idx="2">
-        <a:scrgbClr r="0" g="0" b="0"/>
-      </a:lnRef>
-      <a:fillRef idx="1">
-        <a:scrgbClr r="0" g="0" b="0"/>
-      </a:fillRef>
-      <a:effectRef idx="0">
-        <a:scrgbClr r="0" g="0" b="0"/>
-      </a:effectRef>
-      <a:fontRef idx="minor">
-        <a:schemeClr val="lt1"/>
-      </a:fontRef>
-    </dgm:style>
-  </dgm:styleLbl>
-  <dgm:styleLbl name="asst4">
-    <dgm:scene3d>
-      <a:camera prst="orthographicFront"/>
-      <a:lightRig rig="threePt" dir="t"/>
-    </dgm:scene3d>
-    <dgm:sp3d/>
-    <dgm:txPr/>
-    <dgm:style>
-      <a:lnRef idx="2">
-        <a:scrgbClr r="0" g="0" b="0"/>
-      </a:lnRef>
-      <a:fillRef idx="1">
-        <a:scrgbClr r="0" g="0" b="0"/>
-      </a:fillRef>
-      <a:effectRef idx="0">
-        <a:scrgbClr r="0" g="0" b="0"/>
-      </a:effectRef>
-      <a:fontRef idx="minor">
-        <a:schemeClr val="lt1"/>
-      </a:fontRef>
-    </dgm:style>
-  </dgm:styleLbl>
-  <dgm:styleLbl name="parChTrans2D1">
-    <dgm:scene3d>
-      <a:camera prst="orthographicFront"/>
-      <a:lightRig rig="threePt" dir="t"/>
-    </dgm:scene3d>
-    <dgm:sp3d/>
-    <dgm:txPr/>
-    <dgm:style>
-      <a:lnRef idx="2">
-        <a:scrgbClr r="0" g="0" b="0"/>
-      </a:lnRef>
-      <a:fillRef idx="1">
-        <a:scrgbClr r="0" g="0" b="0"/>
-      </a:fillRef>
-      <a:effectRef idx="0">
-        <a:scrgbClr r="0" g="0" b="0"/>
-      </a:effectRef>
-      <a:fontRef idx="minor">
-        <a:schemeClr val="lt1"/>
-      </a:fontRef>
-    </dgm:style>
-  </dgm:styleLbl>
-  <dgm:styleLbl name="parChTrans2D2">
-    <dgm:scene3d>
-      <a:camera prst="orthographicFront"/>
-      <a:lightRig rig="threePt" dir="t"/>
-    </dgm:scene3d>
-    <dgm:sp3d/>
-    <dgm:txPr/>
-    <dgm:style>
-      <a:lnRef idx="2">
-        <a:scrgbClr r="0" g="0" b="0"/>
-      </a:lnRef>
-      <a:fillRef idx="1">
-        <a:scrgbClr r="0" g="0" b="0"/>
-      </a:fillRef>
-      <a:effectRef idx="0">
-        <a:scrgbClr r="0" g="0" b="0"/>
-      </a:effectRef>
-      <a:fontRef idx="minor">
-        <a:schemeClr val="lt1"/>
-      </a:fontRef>
-    </dgm:style>
-  </dgm:styleLbl>
-  <dgm:styleLbl name="parChTrans2D3">
-    <dgm:scene3d>
-      <a:camera prst="orthographicFront"/>
-      <a:lightRig rig="threePt" dir="t"/>
-    </dgm:scene3d>
-    <dgm:sp3d/>
-    <dgm:txPr/>
-    <dgm:style>
-      <a:lnRef idx="2">
-        <a:scrgbClr r="0" g="0" b="0"/>
-      </a:lnRef>
-      <a:fillRef idx="1">
-        <a:scrgbClr r="0" g="0" b="0"/>
-      </a:fillRef>
-      <a:effectRef idx="0">
-        <a:scrgbClr r="0" g="0" b="0"/>
-      </a:effectRef>
-      <a:fontRef idx="minor">
-        <a:schemeClr val="lt1"/>
-      </a:fontRef>
-    </dgm:style>
-  </dgm:styleLbl>
-  <dgm:styleLbl name="parChTrans2D4">
-    <dgm:scene3d>
-      <a:camera prst="orthographicFront"/>
-      <a:lightRig rig="threePt" dir="t"/>
-    </dgm:scene3d>
-    <dgm:sp3d/>
-    <dgm:txPr/>
-    <dgm:style>
-      <a:lnRef idx="2">
-        <a:scrgbClr r="0" g="0" b="0"/>
-      </a:lnRef>
-      <a:fillRef idx="1">
-        <a:scrgbClr r="0" g="0" b="0"/>
-      </a:fillRef>
-      <a:effectRef idx="0">
-        <a:scrgbClr r="0" g="0" b="0"/>
-      </a:effectRef>
-      <a:fontRef idx="minor">
-        <a:schemeClr val="lt1"/>
-      </a:fontRef>
-    </dgm:style>
-  </dgm:styleLbl>
-  <dgm:styleLbl name="parChTrans1D1">
-    <dgm:scene3d>
-      <a:camera prst="orthographicFront"/>
-      <a:lightRig rig="threePt" dir="t"/>
-    </dgm:scene3d>
-    <dgm:sp3d/>
-    <dgm:txPr/>
-    <dgm:style>
-      <a:lnRef idx="2">
-        <a:scrgbClr r="0" g="0" b="0"/>
-      </a:lnRef>
-      <a:fillRef idx="0">
-        <a:scrgbClr r="0" g="0" b="0"/>
-      </a:fillRef>
-      <a:effectRef idx="0">
-        <a:scrgbClr r="0" g="0" b="0"/>
-      </a:effectRef>
-      <a:fontRef idx="minor"/>
-    </dgm:style>
-  </dgm:styleLbl>
-  <dgm:styleLbl name="parChTrans1D2">
-    <dgm:scene3d>
-      <a:camera prst="orthographicFront"/>
-      <a:lightRig rig="threePt" dir="t"/>
-    </dgm:scene3d>
-    <dgm:sp3d/>
-    <dgm:txPr/>
-    <dgm:style>
-      <a:lnRef idx="2">
-        <a:scrgbClr r="0" g="0" b="0"/>
-      </a:lnRef>
-      <a:fillRef idx="0">
-        <a:scrgbClr r="0" g="0" b="0"/>
-      </a:fillRef>
-      <a:effectRef idx="0">
-        <a:scrgbClr r="0" g="0" b="0"/>
-      </a:effectRef>
-      <a:fontRef idx="minor"/>
-    </dgm:style>
-  </dgm:styleLbl>
-  <dgm:styleLbl name="parChTrans1D3">
-    <dgm:scene3d>
-      <a:camera prst="orthographicFront"/>
-      <a:lightRig rig="threePt" dir="t"/>
-    </dgm:scene3d>
-    <dgm:sp3d/>
-    <dgm:txPr/>
-    <dgm:style>
-      <a:lnRef idx="2">
-        <a:scrgbClr r="0" g="0" b="0"/>
-      </a:lnRef>
-      <a:fillRef idx="0">
-        <a:scrgbClr r="0" g="0" b="0"/>
-      </a:fillRef>
-      <a:effectRef idx="0">
-        <a:scrgbClr r="0" g="0" b="0"/>
-      </a:effectRef>
-      <a:fontRef idx="minor"/>
-    </dgm:style>
-  </dgm:styleLbl>
-  <dgm:styleLbl name="parChTrans1D4">
-    <dgm:scene3d>
-      <a:camera prst="orthographicFront"/>
-      <a:lightRig rig="threePt" dir="t"/>
-    </dgm:scene3d>
-    <dgm:sp3d/>
-    <dgm:txPr/>
-    <dgm:style>
-      <a:lnRef idx="2">
-        <a:scrgbClr r="0" g="0" b="0"/>
-      </a:lnRef>
-      <a:fillRef idx="0">
-        <a:scrgbClr r="0" g="0" b="0"/>
-      </a:fillRef>
-      <a:effectRef idx="0">
-        <a:scrgbClr r="0" g="0" b="0"/>
-      </a:effectRef>
-      <a:fontRef idx="minor"/>
-    </dgm:style>
-  </dgm:styleLbl>
-  <dgm:styleLbl name="fgAcc1">
-    <dgm:scene3d>
-      <a:camera prst="orthographicFront"/>
-      <a:lightRig rig="threePt" dir="t"/>
-    </dgm:scene3d>
-    <dgm:sp3d/>
-    <dgm:txPr/>
-    <dgm:style>
-      <a:lnRef idx="2">
-        <a:scrgbClr r="0" g="0" b="0"/>
-      </a:lnRef>
-      <a:fillRef idx="1">
-        <a:scrgbClr r="0" g="0" b="0"/>
-      </a:fillRef>
-      <a:effectRef idx="0">
-        <a:scrgbClr r="0" g="0" b="0"/>
-      </a:effectRef>
-      <a:fontRef idx="minor"/>
-    </dgm:style>
-  </dgm:styleLbl>
-  <dgm:styleLbl name="conFgAcc1">
-    <dgm:scene3d>
-      <a:camera prst="orthographicFront"/>
-      <a:lightRig rig="threePt" dir="t"/>
-    </dgm:scene3d>
-    <dgm:sp3d/>
-    <dgm:txPr/>
-    <dgm:style>
-      <a:lnRef idx="2">
-        <a:scrgbClr r="0" g="0" b="0"/>
-      </a:lnRef>
-      <a:fillRef idx="1">
-        <a:scrgbClr r="0" g="0" b="0"/>
-      </a:fillRef>
-      <a:effectRef idx="0">
-        <a:scrgbClr r="0" g="0" b="0"/>
-      </a:effectRef>
-      <a:fontRef idx="minor"/>
-    </dgm:style>
-  </dgm:styleLbl>
-  <dgm:styleLbl name="alignAcc1">
-    <dgm:scene3d>
-      <a:camera prst="orthographicFront"/>
-      <a:lightRig rig="threePt" dir="t"/>
-    </dgm:scene3d>
-    <dgm:sp3d/>
-    <dgm:txPr/>
-    <dgm:style>
-      <a:lnRef idx="2">
-        <a:scrgbClr r="0" g="0" b="0"/>
-      </a:lnRef>
-      <a:fillRef idx="1">
-        <a:scrgbClr r="0" g="0" b="0"/>
-      </a:fillRef>
-      <a:effectRef idx="0">
-        <a:scrgbClr r="0" g="0" b="0"/>
-      </a:effectRef>
-      <a:fontRef idx="minor"/>
-    </dgm:style>
-  </dgm:styleLbl>
-  <dgm:styleLbl name="trAlignAcc1">
-    <dgm:scene3d>
-      <a:camera prst="orthographicFront"/>
-      <a:lightRig rig="threePt" dir="t"/>
-    </dgm:scene3d>
-    <dgm:sp3d/>
-    <dgm:txPr/>
-    <dgm:style>
-      <a:lnRef idx="1">
-        <a:scrgbClr r="0" g="0" b="0"/>
-      </a:lnRef>
-      <a:fillRef idx="1">
-        <a:scrgbClr r="0" g="0" b="0"/>
-      </a:fillRef>
-      <a:effectRef idx="0">
-        <a:scrgbClr r="0" g="0" b="0"/>
-      </a:effectRef>
-      <a:fontRef idx="minor"/>
-    </dgm:style>
-  </dgm:styleLbl>
-  <dgm:styleLbl name="bgAcc1">
-    <dgm:scene3d>
-      <a:camera prst="orthographicFront"/>
-      <a:lightRig rig="threePt" dir="t"/>
-    </dgm:scene3d>
-    <dgm:sp3d/>
-    <dgm:txPr/>
-    <dgm:style>
-      <a:lnRef idx="2">
-        <a:scrgbClr r="0" g="0" b="0"/>
-      </a:lnRef>
-      <a:fillRef idx="1">
-        <a:scrgbClr r="0" g="0" b="0"/>
-      </a:fillRef>
-      <a:effectRef idx="0">
-        <a:scrgbClr r="0" g="0" b="0"/>
-      </a:effectRef>
-      <a:fontRef idx="minor"/>
-    </dgm:style>
-  </dgm:styleLbl>
-  <dgm:styleLbl name="solidFgAcc1">
-    <dgm:scene3d>
-      <a:camera prst="orthographicFront"/>
-      <a:lightRig rig="threePt" dir="t"/>
-    </dgm:scene3d>
-    <dgm:sp3d/>
-    <dgm:txPr/>
-    <dgm:style>
-      <a:lnRef idx="2">
-        <a:scrgbClr r="0" g="0" b="0"/>
-      </a:lnRef>
-      <a:fillRef idx="1">
-        <a:scrgbClr r="0" g="0" b="0"/>
-      </a:fillRef>
-      <a:effectRef idx="0">
-        <a:scrgbClr r="0" g="0" b="0"/>
-      </a:effectRef>
-      <a:fontRef idx="minor"/>
-    </dgm:style>
-  </dgm:styleLbl>
-  <dgm:styleLbl name="solidAlignAcc1">
-    <dgm:scene3d>
-      <a:camera prst="orthographicFront"/>
-      <a:lightRig rig="threePt" dir="t"/>
-    </dgm:scene3d>
-    <dgm:sp3d/>
-    <dgm:txPr/>
-    <dgm:style>
-      <a:lnRef idx="2">
-        <a:scrgbClr r="0" g="0" b="0"/>
-      </a:lnRef>
-      <a:fillRef idx="1">
-        <a:scrgbClr r="0" g="0" b="0"/>
-      </a:fillRef>
-      <a:effectRef idx="0">
-        <a:scrgbClr r="0" g="0" b="0"/>
-      </a:effectRef>
-      <a:fontRef idx="minor"/>
-    </dgm:style>
-  </dgm:styleLbl>
-  <dgm:styleLbl name="solidBgAcc1">
-    <dgm:scene3d>
-      <a:camera prst="orthographicFront"/>
-      <a:lightRig rig="threePt" dir="t"/>
-    </dgm:scene3d>
-    <dgm:sp3d/>
-    <dgm:txPr/>
-    <dgm:style>
-      <a:lnRef idx="2">
-        <a:scrgbClr r="0" g="0" b="0"/>
-      </a:lnRef>
-      <a:fillRef idx="1">
-        <a:scrgbClr r="0" g="0" b="0"/>
-      </a:fillRef>
-      <a:effectRef idx="0">
-        <a:scrgbClr r="0" g="0" b="0"/>
-      </a:effectRef>
-      <a:fontRef idx="minor"/>
-    </dgm:style>
-  </dgm:styleLbl>
-  <dgm:styleLbl name="fgAccFollowNode1">
-    <dgm:scene3d>
-      <a:camera prst="orthographicFront"/>
-      <a:lightRig rig="threePt" dir="t"/>
-    </dgm:scene3d>
-    <dgm:sp3d/>
-    <dgm:txPr/>
-    <dgm:style>
-      <a:lnRef idx="2">
-        <a:scrgbClr r="0" g="0" b="0"/>
-      </a:lnRef>
-      <a:fillRef idx="1">
-        <a:scrgbClr r="0" g="0" b="0"/>
-      </a:fillRef>
-      <a:effectRef idx="0">
-        <a:scrgbClr r="0" g="0" b="0"/>
-      </a:effectRef>
-      <a:fontRef idx="minor"/>
-    </dgm:style>
-  </dgm:styleLbl>
-  <dgm:styleLbl name="alignAccFollowNode1">
-    <dgm:scene3d>
-      <a:camera prst="orthographicFront"/>
-      <a:lightRig rig="threePt" dir="t"/>
-    </dgm:scene3d>
-    <dgm:sp3d/>
-    <dgm:txPr/>
-    <dgm:style>
-      <a:lnRef idx="2">
-        <a:scrgbClr r="0" g="0" b="0"/>
-      </a:lnRef>
-      <a:fillRef idx="1">
-        <a:scrgbClr r="0" g="0" b="0"/>
-      </a:fillRef>
-      <a:effectRef idx="0">
-        <a:scrgbClr r="0" g="0" b="0"/>
-      </a:effectRef>
-      <a:fontRef idx="minor"/>
-    </dgm:style>
-  </dgm:styleLbl>
-  <dgm:styleLbl name="bgAccFollowNode1">
-    <dgm:scene3d>
-      <a:camera prst="orthographicFront"/>
-      <a:lightRig rig="threePt" dir="t"/>
-    </dgm:scene3d>
-    <dgm:sp3d/>
-    <dgm:txPr/>
-    <dgm:style>
-      <a:lnRef idx="2">
-        <a:scrgbClr r="0" g="0" b="0"/>
-      </a:lnRef>
-      <a:fillRef idx="1">
-        <a:scrgbClr r="0" g="0" b="0"/>
-      </a:fillRef>
-      <a:effectRef idx="0">
-        <a:scrgbClr r="0" g="0" b="0"/>
-      </a:effectRef>
-      <a:fontRef idx="minor"/>
-    </dgm:style>
-  </dgm:styleLbl>
-  <dgm:styleLbl name="fgAcc0">
-    <dgm:scene3d>
-      <a:camera prst="orthographicFront"/>
-      <a:lightRig rig="threePt" dir="t"/>
-    </dgm:scene3d>
-    <dgm:sp3d/>
-    <dgm:txPr/>
-    <dgm:style>
-      <a:lnRef idx="2">
-        <a:scrgbClr r="0" g="0" b="0"/>
-      </a:lnRef>
-      <a:fillRef idx="1">
-        <a:scrgbClr r="0" g="0" b="0"/>
-      </a:fillRef>
-      <a:effectRef idx="0">
-        <a:scrgbClr r="0" g="0" b="0"/>
-      </a:effectRef>
-      <a:fontRef idx="minor"/>
-    </dgm:style>
-  </dgm:styleLbl>
-  <dgm:styleLbl name="fgAcc2">
-    <dgm:scene3d>
-      <a:camera prst="orthographicFront"/>
-      <a:lightRig rig="threePt" dir="t"/>
-    </dgm:scene3d>
-    <dgm:sp3d/>
-    <dgm:txPr/>
-    <dgm:style>
-      <a:lnRef idx="2">
-        <a:scrgbClr r="0" g="0" b="0"/>
-      </a:lnRef>
-      <a:fillRef idx="1">
-        <a:scrgbClr r="0" g="0" b="0"/>
-      </a:fillRef>
-      <a:effectRef idx="0">
-        <a:scrgbClr r="0" g="0" b="0"/>
-      </a:effectRef>
-      <a:fontRef idx="minor"/>
-    </dgm:style>
-  </dgm:styleLbl>
-  <dgm:styleLbl name="fgAcc3">
-    <dgm:scene3d>
-      <a:camera prst="orthographicFront"/>
-      <a:lightRig rig="threePt" dir="t"/>
-    </dgm:scene3d>
-    <dgm:sp3d/>
-    <dgm:txPr/>
-    <dgm:style>
-      <a:lnRef idx="2">
-        <a:scrgbClr r="0" g="0" b="0"/>
-      </a:lnRef>
-      <a:fillRef idx="1">
-        <a:scrgbClr r="0" g="0" b="0"/>
-      </a:fillRef>
-      <a:effectRef idx="0">
-        <a:scrgbClr r="0" g="0" b="0"/>
-      </a:effectRef>
-      <a:fontRef idx="minor"/>
-    </dgm:style>
-  </dgm:styleLbl>
-  <dgm:styleLbl name="fgAcc4">
-    <dgm:scene3d>
-      <a:camera prst="orthographicFront"/>
-      <a:lightRig rig="threePt" dir="t"/>
-    </dgm:scene3d>
-    <dgm:sp3d/>
-    <dgm:txPr/>
-    <dgm:style>
-      <a:lnRef idx="2">
-        <a:scrgbClr r="0" g="0" b="0"/>
-      </a:lnRef>
-      <a:fillRef idx="1">
-        <a:scrgbClr r="0" g="0" b="0"/>
-      </a:fillRef>
-      <a:effectRef idx="0">
-        <a:scrgbClr r="0" g="0" b="0"/>
-      </a:effectRef>
-      <a:fontRef idx="minor"/>
-    </dgm:style>
-  </dgm:styleLbl>
-  <dgm:styleLbl name="bgShp">
-    <dgm:scene3d>
-      <a:camera prst="orthographicFront"/>
-      <a:lightRig rig="threePt" dir="t"/>
-    </dgm:scene3d>
-    <dgm:sp3d/>
-    <dgm:txPr/>
-    <dgm:style>
-      <a:lnRef idx="0">
-        <a:scrgbClr r="0" g="0" b="0"/>
-      </a:lnRef>
-      <a:fillRef idx="1">
-        <a:scrgbClr r="0" g="0" b="0"/>
-      </a:fillRef>
-      <a:effectRef idx="0">
-        <a:scrgbClr r="0" g="0" b="0"/>
-      </a:effectRef>
-      <a:fontRef idx="minor"/>
-    </dgm:style>
-  </dgm:styleLbl>
-  <dgm:styleLbl name="dkBgShp">
-    <dgm:scene3d>
-      <a:camera prst="orthographicFront"/>
-      <a:lightRig rig="threePt" dir="t"/>
-    </dgm:scene3d>
-    <dgm:sp3d/>
-    <dgm:txPr/>
-    <dgm:style>
-      <a:lnRef idx="0">
-        <a:scrgbClr r="0" g="0" b="0"/>
-      </a:lnRef>
-      <a:fillRef idx="1">
-        <a:scrgbClr r="0" g="0" b="0"/>
-      </a:fillRef>
-      <a:effectRef idx="0">
-        <a:scrgbClr r="0" g="0" b="0"/>
-      </a:effectRef>
-      <a:fontRef idx="minor"/>
-    </dgm:style>
-  </dgm:styleLbl>
-  <dgm:styleLbl name="trBgShp">
-    <dgm:scene3d>
-      <a:camera prst="orthographicFront"/>
-      <a:lightRig rig="threePt" dir="t"/>
-    </dgm:scene3d>
-    <dgm:sp3d/>
-    <dgm:txPr/>
-    <dgm:style>
-      <a:lnRef idx="0">
-        <a:scrgbClr r="0" g="0" b="0"/>
-      </a:lnRef>
-      <a:fillRef idx="1">
-        <a:scrgbClr r="0" g="0" b="0"/>
-      </a:fillRef>
-      <a:effectRef idx="0">
-        <a:scrgbClr r="0" g="0" b="0"/>
-      </a:effectRef>
-      <a:fontRef idx="minor"/>
-    </dgm:style>
-  </dgm:styleLbl>
-  <dgm:styleLbl name="fgShp">
-    <dgm:scene3d>
-      <a:camera prst="orthographicFront"/>
-      <a:lightRig rig="threePt" dir="t"/>
-    </dgm:scene3d>
-    <dgm:sp3d/>
-    <dgm:txPr/>
-    <dgm:style>
-      <a:lnRef idx="2">
-        <a:scrgbClr r="0" g="0" b="0"/>
-      </a:lnRef>
-      <a:fillRef idx="1">
-        <a:scrgbClr r="0" g="0" b="0"/>
-      </a:fillRef>
-      <a:effectRef idx="0">
-        <a:scrgbClr r="0" g="0" b="0"/>
-      </a:effectRef>
-      <a:fontRef idx="minor"/>
-    </dgm:style>
-  </dgm:styleLbl>
-  <dgm:styleLbl name="revTx">
-    <dgm:scene3d>
-      <a:camera prst="orthographicFront"/>
-      <a:lightRig rig="threePt" dir="t"/>
-    </dgm:scene3d>
-    <dgm:sp3d/>
-    <dgm:txPr/>
-    <dgm:style>
-      <a:lnRef idx="0">
-        <a:scrgbClr r="0" g="0" b="0"/>
-      </a:lnRef>
-      <a:fillRef idx="0">
-        <a:scrgbClr r="0" g="0" b="0"/>
-      </a:fillRef>
-      <a:effectRef idx="0">
-        <a:scrgbClr r="0" g="0" b="0"/>
-      </a:effectRef>
-      <a:fontRef idx="minor"/>
-    </dgm:style>
-  </dgm:styleLbl>
-</dgm:styleDef>
-</file>
-
-<file path=ppt/diagrams/quickStyle8.xml><?xml version="1.0" encoding="utf-8"?>
 <dgm:styleDef xmlns:dgm="http://schemas.openxmlformats.org/drawingml/2006/diagram" xmlns:a="http://schemas.openxmlformats.org/drawingml/2006/main" uniqueId="urn:microsoft.com/office/officeart/2005/8/quickstyle/simple1">
   <dgm:title val=""/>
   <dgm:desc val=""/>
@@ -36744,7 +36744,7 @@
         </p:blipFill>
         <p:spPr>
           <a:xfrm>
-            <a:off x="9442040" y="2175777"/>
+            <a:off x="9546233" y="2241694"/>
             <a:ext cx="1842752" cy="3829028"/>
           </a:xfrm>
           <a:prstGeom prst="rect">
@@ -36780,8 +36780,44 @@
         </p:blipFill>
         <p:spPr>
           <a:xfrm>
-            <a:off x="907208" y="2531377"/>
+            <a:off x="803015" y="2531377"/>
             <a:ext cx="4078493" cy="3107423"/>
+          </a:xfrm>
+          <a:prstGeom prst="rect">
+            <a:avLst/>
+          </a:prstGeom>
+        </p:spPr>
+      </p:pic>
+      <p:pic>
+        <p:nvPicPr>
+          <p:cNvPr id="5" name="Grafik 4">
+            <a:extLst>
+              <a:ext uri="{FF2B5EF4-FFF2-40B4-BE49-F238E27FC236}">
+                <a16:creationId xmlns:a16="http://schemas.microsoft.com/office/drawing/2014/main" id="{F47E460B-1864-5DAC-A27D-D98A2715A23D}"/>
+              </a:ext>
+            </a:extLst>
+          </p:cNvPr>
+          <p:cNvPicPr>
+            <a:picLocks noChangeAspect="1"/>
+          </p:cNvPicPr>
+          <p:nvPr/>
+        </p:nvPicPr>
+        <p:blipFill>
+          <a:blip r:embed="rId4">
+            <a:extLst>
+              <a:ext uri="{28A0092B-C50C-407E-A947-70E740481C1C}">
+                <a14:useLocalDpi xmlns:a14="http://schemas.microsoft.com/office/drawing/2010/main" val="0"/>
+              </a:ext>
+            </a:extLst>
+          </a:blip>
+          <a:stretch>
+            <a:fillRect/>
+          </a:stretch>
+        </p:blipFill>
+        <p:spPr>
+          <a:xfrm>
+            <a:off x="4933604" y="2531378"/>
+            <a:ext cx="4560532" cy="3107422"/>
           </a:xfrm>
           <a:prstGeom prst="rect">
             <a:avLst/>
@@ -36798,6 +36834,89 @@
   <p:clrMapOvr>
     <a:masterClrMapping/>
   </p:clrMapOvr>
+  <p:timing>
+    <p:tnLst>
+      <p:par>
+        <p:cTn id="1" dur="indefinite" restart="never" nodeType="tmRoot">
+          <p:childTnLst>
+            <p:seq concurrent="1" nextAc="seek">
+              <p:cTn id="2" dur="indefinite" nodeType="mainSeq">
+                <p:childTnLst>
+                  <p:par>
+                    <p:cTn id="3" fill="hold">
+                      <p:stCondLst>
+                        <p:cond delay="indefinite"/>
+                      </p:stCondLst>
+                      <p:childTnLst>
+                        <p:par>
+                          <p:cTn id="4" fill="hold">
+                            <p:stCondLst>
+                              <p:cond delay="0"/>
+                            </p:stCondLst>
+                            <p:childTnLst>
+                              <p:par>
+                                <p:cTn id="5" presetID="10" presetClass="entr" presetSubtype="0" fill="hold" nodeType="clickEffect">
+                                  <p:stCondLst>
+                                    <p:cond delay="0"/>
+                                  </p:stCondLst>
+                                  <p:childTnLst>
+                                    <p:set>
+                                      <p:cBhvr>
+                                        <p:cTn id="6" dur="1" fill="hold">
+                                          <p:stCondLst>
+                                            <p:cond delay="0"/>
+                                          </p:stCondLst>
+                                        </p:cTn>
+                                        <p:tgtEl>
+                                          <p:spTgt spid="16"/>
+                                        </p:tgtEl>
+                                        <p:attrNameLst>
+                                          <p:attrName>style.visibility</p:attrName>
+                                        </p:attrNameLst>
+                                      </p:cBhvr>
+                                      <p:to>
+                                        <p:strVal val="visible"/>
+                                      </p:to>
+                                    </p:set>
+                                    <p:animEffect transition="in" filter="fade">
+                                      <p:cBhvr>
+                                        <p:cTn id="7" dur="500"/>
+                                        <p:tgtEl>
+                                          <p:spTgt spid="16"/>
+                                        </p:tgtEl>
+                                      </p:cBhvr>
+                                    </p:animEffect>
+                                  </p:childTnLst>
+                                </p:cTn>
+                              </p:par>
+                            </p:childTnLst>
+                          </p:cTn>
+                        </p:par>
+                      </p:childTnLst>
+                    </p:cTn>
+                  </p:par>
+                </p:childTnLst>
+              </p:cTn>
+              <p:prevCondLst>
+                <p:cond evt="onPrev" delay="0">
+                  <p:tgtEl>
+                    <p:sldTgt/>
+                  </p:tgtEl>
+                </p:cond>
+              </p:prevCondLst>
+              <p:nextCondLst>
+                <p:cond evt="onNext" delay="0">
+                  <p:tgtEl>
+                    <p:sldTgt/>
+                  </p:tgtEl>
+                </p:cond>
+              </p:nextCondLst>
+            </p:seq>
+          </p:childTnLst>
+        </p:cTn>
+      </p:par>
+    </p:tnLst>
+  </p:timing>
 </p:sld>
 </file>
 

--- a/presentation/layout(2).pptx
+++ b/presentation/layout(2).pptx
@@ -23879,7 +23879,7 @@
           <a:p>
             <a:fld id="{B355E504-1BBF-47A8-A405-3F5D72870642}" type="slidenum">
               <a:rPr lang="de-DE" smtClean="0"/>
-              <a:t>‹#›</a:t>
+              <a:t>‹Nr.›</a:t>
             </a:fld>
             <a:endParaRPr lang="de-DE"/>
           </a:p>
@@ -24286,7 +24286,7 @@
           <a:p>
             <a:fld id="{3A98EE3D-8CD1-4C3F-BD1C-C98C9596463C}" type="slidenum">
               <a:rPr lang="en-US" smtClean="0"/>
-              <a:t>‹#›</a:t>
+              <a:t>‹Nr.›</a:t>
             </a:fld>
             <a:endParaRPr lang="en-US" dirty="0"/>
           </a:p>
@@ -24474,7 +24474,7 @@
           <a:p>
             <a:fld id="{3A98EE3D-8CD1-4C3F-BD1C-C98C9596463C}" type="slidenum">
               <a:rPr lang="en-US" smtClean="0"/>
-              <a:t>‹#›</a:t>
+              <a:t>‹Nr.›</a:t>
             </a:fld>
             <a:endParaRPr lang="en-US" dirty="0"/>
           </a:p>
@@ -24716,7 +24716,7 @@
           <a:p>
             <a:fld id="{3A98EE3D-8CD1-4C3F-BD1C-C98C9596463C}" type="slidenum">
               <a:rPr lang="en-US" smtClean="0"/>
-              <a:t>‹#›</a:t>
+              <a:t>‹Nr.›</a:t>
             </a:fld>
             <a:endParaRPr lang="en-US" dirty="0"/>
           </a:p>
@@ -24904,7 +24904,7 @@
           <a:p>
             <a:fld id="{3A98EE3D-8CD1-4C3F-BD1C-C98C9596463C}" type="slidenum">
               <a:rPr lang="en-US" smtClean="0"/>
-              <a:t>‹#›</a:t>
+              <a:t>‹Nr.›</a:t>
             </a:fld>
             <a:endParaRPr lang="en-US" dirty="0"/>
           </a:p>
@@ -25277,7 +25277,7 @@
           <a:p>
             <a:fld id="{3A98EE3D-8CD1-4C3F-BD1C-C98C9596463C}" type="slidenum">
               <a:rPr lang="en-US" smtClean="0"/>
-              <a:t>‹#›</a:t>
+              <a:t>‹Nr.›</a:t>
             </a:fld>
             <a:endParaRPr lang="en-US" dirty="0"/>
           </a:p>
@@ -25532,7 +25532,7 @@
           <a:p>
             <a:fld id="{3A98EE3D-8CD1-4C3F-BD1C-C98C9596463C}" type="slidenum">
               <a:rPr lang="en-US" smtClean="0"/>
-              <a:t>‹#›</a:t>
+              <a:t>‹Nr.›</a:t>
             </a:fld>
             <a:endParaRPr lang="en-US" dirty="0"/>
           </a:p>
@@ -25929,7 +25929,7 @@
           <a:p>
             <a:fld id="{3A98EE3D-8CD1-4C3F-BD1C-C98C9596463C}" type="slidenum">
               <a:rPr lang="en-US" smtClean="0"/>
-              <a:t>‹#›</a:t>
+              <a:t>‹Nr.›</a:t>
             </a:fld>
             <a:endParaRPr lang="en-US" dirty="0"/>
           </a:p>
@@ -26065,7 +26065,7 @@
           <a:p>
             <a:fld id="{3A98EE3D-8CD1-4C3F-BD1C-C98C9596463C}" type="slidenum">
               <a:rPr lang="en-US" smtClean="0"/>
-              <a:t>‹#›</a:t>
+              <a:t>‹Nr.›</a:t>
             </a:fld>
             <a:endParaRPr lang="en-US" dirty="0"/>
           </a:p>
@@ -26222,7 +26222,7 @@
           <a:p>
             <a:fld id="{3A98EE3D-8CD1-4C3F-BD1C-C98C9596463C}" type="slidenum">
               <a:rPr lang="en-US" smtClean="0"/>
-              <a:t>‹#›</a:t>
+              <a:t>‹Nr.›</a:t>
             </a:fld>
             <a:endParaRPr lang="en-US" dirty="0"/>
           </a:p>
@@ -26561,7 +26561,7 @@
             <a:fld id="{3A98EE3D-8CD1-4C3F-BD1C-C98C9596463C}" type="slidenum">
               <a:rPr lang="en-US" smtClean="0"/>
               <a:pPr/>
-              <a:t>‹#›</a:t>
+              <a:t>‹Nr.›</a:t>
             </a:fld>
             <a:endParaRPr lang="en-US" dirty="0"/>
           </a:p>
@@ -26895,7 +26895,7 @@
           <a:p>
             <a:fld id="{3A98EE3D-8CD1-4C3F-BD1C-C98C9596463C}" type="slidenum">
               <a:rPr lang="en-US" smtClean="0"/>
-              <a:t>‹#›</a:t>
+              <a:t>‹Nr.›</a:t>
             </a:fld>
             <a:endParaRPr lang="en-US" dirty="0"/>
           </a:p>
@@ -27182,7 +27182,7 @@
           <a:p>
             <a:fld id="{3A98EE3D-8CD1-4C3F-BD1C-C98C9596463C}" type="slidenum">
               <a:rPr lang="en-US" smtClean="0"/>
-              <a:t>‹#›</a:t>
+              <a:t>‹Nr.›</a:t>
             </a:fld>
             <a:endParaRPr lang="en-US" dirty="0"/>
           </a:p>
@@ -28178,6 +28178,78 @@
           </a:p>
         </p:txBody>
       </p:sp>
+      <p:pic>
+        <p:nvPicPr>
+          <p:cNvPr id="5" name="Grafik 4">
+            <a:extLst>
+              <a:ext uri="{FF2B5EF4-FFF2-40B4-BE49-F238E27FC236}">
+                <a16:creationId xmlns:a16="http://schemas.microsoft.com/office/drawing/2014/main" id="{5133C25C-CC97-19B5-92F7-A39556B27ACC}"/>
+              </a:ext>
+            </a:extLst>
+          </p:cNvPr>
+          <p:cNvPicPr>
+            <a:picLocks noChangeAspect="1"/>
+          </p:cNvPicPr>
+          <p:nvPr/>
+        </p:nvPicPr>
+        <p:blipFill>
+          <a:blip r:embed="rId16">
+            <a:extLst>
+              <a:ext uri="{28A0092B-C50C-407E-A947-70E740481C1C}">
+                <a14:useLocalDpi xmlns:a14="http://schemas.microsoft.com/office/drawing/2010/main" val="0"/>
+              </a:ext>
+            </a:extLst>
+          </a:blip>
+          <a:stretch>
+            <a:fillRect/>
+          </a:stretch>
+        </p:blipFill>
+        <p:spPr>
+          <a:xfrm>
+            <a:off x="335280" y="4363619"/>
+            <a:ext cx="2879227" cy="1961827"/>
+          </a:xfrm>
+          <a:prstGeom prst="rect">
+            <a:avLst/>
+          </a:prstGeom>
+        </p:spPr>
+      </p:pic>
+      <p:pic>
+        <p:nvPicPr>
+          <p:cNvPr id="4" name="Grafik 3">
+            <a:extLst>
+              <a:ext uri="{FF2B5EF4-FFF2-40B4-BE49-F238E27FC236}">
+                <a16:creationId xmlns:a16="http://schemas.microsoft.com/office/drawing/2014/main" id="{C8DDD6D4-E504-FA72-F6D4-CF0F92A181A8}"/>
+              </a:ext>
+            </a:extLst>
+          </p:cNvPr>
+          <p:cNvPicPr>
+            <a:picLocks noChangeAspect="1"/>
+          </p:cNvPicPr>
+          <p:nvPr/>
+        </p:nvPicPr>
+        <p:blipFill>
+          <a:blip r:embed="rId17">
+            <a:extLst>
+              <a:ext uri="{28A0092B-C50C-407E-A947-70E740481C1C}">
+                <a14:useLocalDpi xmlns:a14="http://schemas.microsoft.com/office/drawing/2010/main" val="0"/>
+              </a:ext>
+            </a:extLst>
+          </a:blip>
+          <a:stretch>
+            <a:fillRect/>
+          </a:stretch>
+        </p:blipFill>
+        <p:spPr>
+          <a:xfrm>
+            <a:off x="8918247" y="4362798"/>
+            <a:ext cx="2725114" cy="1962647"/>
+          </a:xfrm>
+          <a:prstGeom prst="rect">
+            <a:avLst/>
+          </a:prstGeom>
+        </p:spPr>
+      </p:pic>
     </p:spTree>
     <p:extLst>
       <p:ext uri="{BB962C8B-B14F-4D97-AF65-F5344CB8AC3E}">
@@ -29796,8 +29868,8 @@
           </a:p>
         </p:txBody>
       </p:sp>
-      <mc:AlternateContent xmlns:mc="http://schemas.openxmlformats.org/markup-compatibility/2006">
-        <mc:Choice xmlns:a14="http://schemas.microsoft.com/office/drawing/2010/main" Requires="a14">
+      <mc:AlternateContent xmlns:mc="http://schemas.openxmlformats.org/markup-compatibility/2006" xmlns:a14="http://schemas.microsoft.com/office/drawing/2010/main">
+        <mc:Choice Requires="a14">
           <p:sp>
             <p:nvSpPr>
               <p:cNvPr id="5" name="Rectangle 4">
@@ -29887,7 +29959,6 @@
                 <a:endParaRPr lang="lv-LV" b="0" dirty="0"/>
               </a:p>
               <a:p>
-                <a:pPr/>
                 <a:endParaRPr lang="lv-LV" b="0" dirty="0"/>
               </a:p>
               <a:p>
@@ -29961,7 +30032,7 @@
             </p:txBody>
           </p:sp>
         </mc:Choice>
-        <mc:Fallback>
+        <mc:Fallback xmlns="">
           <p:sp>
             <p:nvSpPr>
               <p:cNvPr id="5" name="Rectangle 4">
@@ -30006,8 +30077,8 @@
           </p:sp>
         </mc:Fallback>
       </mc:AlternateContent>
-      <mc:AlternateContent xmlns:mc="http://schemas.openxmlformats.org/markup-compatibility/2006">
-        <mc:Choice xmlns:a14="http://schemas.microsoft.com/office/drawing/2010/main" Requires="a14">
+      <mc:AlternateContent xmlns:mc="http://schemas.openxmlformats.org/markup-compatibility/2006" xmlns:a14="http://schemas.microsoft.com/office/drawing/2010/main">
+        <mc:Choice Requires="a14">
           <p:sp>
             <p:nvSpPr>
               <p:cNvPr id="11" name="Rectangle 10">
@@ -30183,7 +30254,6 @@
                 <a:endParaRPr lang="lv-LV" b="0" dirty="0"/>
               </a:p>
               <a:p>
-                <a:pPr/>
                 <a:endParaRPr lang="lv-LV" b="0" i="1" dirty="0">
                   <a:latin typeface="Cambria Math" panose="02040503050406030204" pitchFamily="18" charset="0"/>
                 </a:endParaRPr>
@@ -30217,7 +30287,7 @@
             </p:txBody>
           </p:sp>
         </mc:Choice>
-        <mc:Fallback>
+        <mc:Fallback xmlns="">
           <p:sp>
             <p:nvSpPr>
               <p:cNvPr id="11" name="Rectangle 10">
@@ -30262,8 +30332,8 @@
           </p:sp>
         </mc:Fallback>
       </mc:AlternateContent>
-      <mc:AlternateContent xmlns:mc="http://schemas.openxmlformats.org/markup-compatibility/2006">
-        <mc:Choice xmlns:a14="http://schemas.microsoft.com/office/drawing/2010/main" Requires="a14">
+      <mc:AlternateContent xmlns:mc="http://schemas.openxmlformats.org/markup-compatibility/2006" xmlns:a14="http://schemas.microsoft.com/office/drawing/2010/main">
+        <mc:Choice Requires="a14">
           <p:sp>
             <p:nvSpPr>
               <p:cNvPr id="6" name="Rectangle 5">
@@ -30448,7 +30518,7 @@
             </p:txBody>
           </p:sp>
         </mc:Choice>
-        <mc:Fallback>
+        <mc:Fallback xmlns="">
           <p:sp>
             <p:nvSpPr>
               <p:cNvPr id="6" name="Rectangle 5">
@@ -37603,7 +37673,7 @@
         </p:blipFill>
         <p:spPr>
           <a:xfrm>
-            <a:off x="9442040" y="2175777"/>
+            <a:off x="9442040" y="2135014"/>
             <a:ext cx="1842752" cy="3829028"/>
           </a:xfrm>
           <a:prstGeom prst="rect">
@@ -37639,14 +37709,93 @@
         </p:blipFill>
         <p:spPr>
           <a:xfrm>
-            <a:off x="907208" y="2531377"/>
-            <a:ext cx="4078493" cy="3107423"/>
+            <a:off x="907208" y="2539781"/>
+            <a:ext cx="3974118" cy="3027899"/>
           </a:xfrm>
           <a:prstGeom prst="rect">
             <a:avLst/>
           </a:prstGeom>
         </p:spPr>
       </p:pic>
+      <p:pic>
+        <p:nvPicPr>
+          <p:cNvPr id="5" name="Grafik 4">
+            <a:extLst>
+              <a:ext uri="{FF2B5EF4-FFF2-40B4-BE49-F238E27FC236}">
+                <a16:creationId xmlns:a16="http://schemas.microsoft.com/office/drawing/2014/main" id="{F47E460B-1864-5DAC-A27D-D98A2715A23D}"/>
+              </a:ext>
+            </a:extLst>
+          </p:cNvPr>
+          <p:cNvPicPr>
+            <a:picLocks noChangeAspect="1"/>
+          </p:cNvPicPr>
+          <p:nvPr/>
+        </p:nvPicPr>
+        <p:blipFill>
+          <a:blip r:embed="rId4">
+            <a:extLst>
+              <a:ext uri="{28A0092B-C50C-407E-A947-70E740481C1C}">
+                <a14:useLocalDpi xmlns:a14="http://schemas.microsoft.com/office/drawing/2010/main" val="0"/>
+              </a:ext>
+            </a:extLst>
+          </a:blip>
+          <a:stretch>
+            <a:fillRect/>
+          </a:stretch>
+        </p:blipFill>
+        <p:spPr>
+          <a:xfrm>
+            <a:off x="4881326" y="2551697"/>
+            <a:ext cx="4456156" cy="3036303"/>
+          </a:xfrm>
+          <a:prstGeom prst="rect">
+            <a:avLst/>
+          </a:prstGeom>
+        </p:spPr>
+      </p:pic>
+      <p:cxnSp>
+        <p:nvCxnSpPr>
+          <p:cNvPr id="6" name="Gerader Verbinder 5">
+            <a:extLst>
+              <a:ext uri="{FF2B5EF4-FFF2-40B4-BE49-F238E27FC236}">
+                <a16:creationId xmlns:a16="http://schemas.microsoft.com/office/drawing/2014/main" id="{11B67F89-DBDF-221F-118B-D44B58BC23B9}"/>
+              </a:ext>
+            </a:extLst>
+          </p:cNvPr>
+          <p:cNvCxnSpPr>
+            <a:cxnSpLocks/>
+          </p:cNvCxnSpPr>
+          <p:nvPr/>
+        </p:nvCxnSpPr>
+        <p:spPr>
+          <a:xfrm>
+            <a:off x="6268720" y="2794000"/>
+            <a:ext cx="0" cy="2387600"/>
+          </a:xfrm>
+          <a:prstGeom prst="line">
+            <a:avLst/>
+          </a:prstGeom>
+          <a:ln w="19050">
+            <a:solidFill>
+              <a:srgbClr val="FF0000"/>
+            </a:solidFill>
+          </a:ln>
+        </p:spPr>
+        <p:style>
+          <a:lnRef idx="1">
+            <a:schemeClr val="accent1"/>
+          </a:lnRef>
+          <a:fillRef idx="0">
+            <a:schemeClr val="accent1"/>
+          </a:fillRef>
+          <a:effectRef idx="0">
+            <a:schemeClr val="accent1"/>
+          </a:effectRef>
+          <a:fontRef idx="minor">
+            <a:schemeClr val="tx1"/>
+          </a:fontRef>
+        </p:style>
+      </p:cxnSp>
     </p:spTree>
     <p:extLst>
       <p:ext uri="{BB962C8B-B14F-4D97-AF65-F5344CB8AC3E}">
@@ -37657,6 +37806,142 @@
   <p:clrMapOvr>
     <a:masterClrMapping/>
   </p:clrMapOvr>
+  <p:timing>
+    <p:tnLst>
+      <p:par>
+        <p:cTn id="1" dur="indefinite" restart="never" nodeType="tmRoot">
+          <p:childTnLst>
+            <p:seq concurrent="1" nextAc="seek">
+              <p:cTn id="2" dur="indefinite" nodeType="mainSeq">
+                <p:childTnLst>
+                  <p:par>
+                    <p:cTn id="3" fill="hold">
+                      <p:stCondLst>
+                        <p:cond delay="indefinite"/>
+                      </p:stCondLst>
+                      <p:childTnLst>
+                        <p:par>
+                          <p:cTn id="4" fill="hold">
+                            <p:stCondLst>
+                              <p:cond delay="0"/>
+                            </p:stCondLst>
+                            <p:childTnLst>
+                              <p:par>
+                                <p:cTn id="5" presetID="10" presetClass="entr" presetSubtype="0" fill="hold" nodeType="clickEffect">
+                                  <p:stCondLst>
+                                    <p:cond delay="0"/>
+                                  </p:stCondLst>
+                                  <p:childTnLst>
+                                    <p:set>
+                                      <p:cBhvr>
+                                        <p:cTn id="6" dur="1" fill="hold">
+                                          <p:stCondLst>
+                                            <p:cond delay="0"/>
+                                          </p:stCondLst>
+                                        </p:cTn>
+                                        <p:tgtEl>
+                                          <p:spTgt spid="6"/>
+                                        </p:tgtEl>
+                                        <p:attrNameLst>
+                                          <p:attrName>style.visibility</p:attrName>
+                                        </p:attrNameLst>
+                                      </p:cBhvr>
+                                      <p:to>
+                                        <p:strVal val="visible"/>
+                                      </p:to>
+                                    </p:set>
+                                    <p:animEffect transition="in" filter="fade">
+                                      <p:cBhvr>
+                                        <p:cTn id="7" dur="500"/>
+                                        <p:tgtEl>
+                                          <p:spTgt spid="6"/>
+                                        </p:tgtEl>
+                                      </p:cBhvr>
+                                    </p:animEffect>
+                                  </p:childTnLst>
+                                </p:cTn>
+                              </p:par>
+                            </p:childTnLst>
+                          </p:cTn>
+                        </p:par>
+                      </p:childTnLst>
+                    </p:cTn>
+                  </p:par>
+                  <p:par>
+                    <p:cTn id="8" fill="hold">
+                      <p:stCondLst>
+                        <p:cond delay="indefinite"/>
+                      </p:stCondLst>
+                      <p:childTnLst>
+                        <p:par>
+                          <p:cTn id="9" fill="hold">
+                            <p:stCondLst>
+                              <p:cond delay="0"/>
+                            </p:stCondLst>
+                            <p:childTnLst>
+                              <p:par>
+                                <p:cTn id="10" presetID="10" presetClass="entr" presetSubtype="0" fill="hold" nodeType="clickEffect">
+                                  <p:stCondLst>
+                                    <p:cond delay="0"/>
+                                  </p:stCondLst>
+                                  <p:childTnLst>
+                                    <p:set>
+                                      <p:cBhvr>
+                                        <p:cTn id="11" dur="1" fill="hold">
+                                          <p:stCondLst>
+                                            <p:cond delay="0"/>
+                                          </p:stCondLst>
+                                        </p:cTn>
+                                        <p:tgtEl>
+                                          <p:spTgt spid="16"/>
+                                        </p:tgtEl>
+                                        <p:attrNameLst>
+                                          <p:attrName>style.visibility</p:attrName>
+                                        </p:attrNameLst>
+                                      </p:cBhvr>
+                                      <p:to>
+                                        <p:strVal val="visible"/>
+                                      </p:to>
+                                    </p:set>
+                                    <p:animEffect transition="in" filter="fade">
+                                      <p:cBhvr>
+                                        <p:cTn id="12" dur="500"/>
+                                        <p:tgtEl>
+                                          <p:spTgt spid="16"/>
+                                        </p:tgtEl>
+                                      </p:cBhvr>
+                                    </p:animEffect>
+                                  </p:childTnLst>
+                                </p:cTn>
+                              </p:par>
+                            </p:childTnLst>
+                          </p:cTn>
+                        </p:par>
+                      </p:childTnLst>
+                    </p:cTn>
+                  </p:par>
+                </p:childTnLst>
+              </p:cTn>
+              <p:prevCondLst>
+                <p:cond evt="onPrev" delay="0">
+                  <p:tgtEl>
+                    <p:sldTgt/>
+                  </p:tgtEl>
+                </p:cond>
+              </p:prevCondLst>
+              <p:nextCondLst>
+                <p:cond evt="onNext" delay="0">
+                  <p:tgtEl>
+                    <p:sldTgt/>
+                  </p:tgtEl>
+                </p:cond>
+              </p:nextCondLst>
+            </p:seq>
+          </p:childTnLst>
+        </p:cTn>
+      </p:par>
+    </p:tnLst>
+  </p:timing>
 </p:sld>
 </file>
 

--- a/presentation/layout(2).pptx
+++ b/presentation/layout(2).pptx
@@ -37535,54 +37535,78 @@
           </a:p>
         </p:txBody>
       </p:sp>
-      <p:sp>
-        <p:nvSpPr>
-          <p:cNvPr id="3" name="Inhaltsplatzhalter 2">
+      <p:pic>
+        <p:nvPicPr>
+          <p:cNvPr id="9" name="Inhaltsplatzhalter 8">
             <a:extLst>
               <a:ext uri="{FF2B5EF4-FFF2-40B4-BE49-F238E27FC236}">
-                <a16:creationId xmlns:a16="http://schemas.microsoft.com/office/drawing/2014/main" id="{67F17C06-8CC2-65E5-B94A-633AA9A0AD12}"/>
+                <a16:creationId xmlns:a16="http://schemas.microsoft.com/office/drawing/2014/main" id="{B99016DB-14A6-40EE-84CE-6819D20B52C4}"/>
               </a:ext>
             </a:extLst>
           </p:cNvPr>
-          <p:cNvSpPr>
-            <a:spLocks noGrp="1"/>
-          </p:cNvSpPr>
+          <p:cNvPicPr>
+            <a:picLocks noGrp="1" noChangeAspect="1"/>
+          </p:cNvPicPr>
           <p:nvPr>
             <p:ph idx="1"/>
           </p:nvPr>
-        </p:nvSpPr>
-        <p:spPr/>
-        <p:txBody>
-          <a:bodyPr/>
-          <a:lstStyle/>
-          <a:p>
-            <a:r>
-              <a:rPr lang="de-DE" dirty="0" err="1"/>
-              <a:t>Histogram</a:t>
-            </a:r>
-            <a:r>
-              <a:rPr lang="de-DE" dirty="0"/>
-              <a:t> einer bimodal </a:t>
-            </a:r>
-            <a:r>
-              <a:rPr lang="de-DE" dirty="0" err="1"/>
-              <a:t>distribution</a:t>
-            </a:r>
-            <a:r>
-              <a:rPr lang="de-DE" dirty="0"/>
-              <a:t>+ </a:t>
-            </a:r>
-            <a:r>
-              <a:rPr lang="de-DE" dirty="0" err="1"/>
-              <a:t>threshold</a:t>
-            </a:r>
-            <a:r>
-              <a:rPr lang="de-DE" dirty="0"/>
-              <a:t>!!!!</a:t>
-            </a:r>
-          </a:p>
-        </p:txBody>
-      </p:sp>
+        </p:nvPicPr>
+        <p:blipFill>
+          <a:blip r:embed="rId2"/>
+          <a:stretch>
+            <a:fillRect/>
+          </a:stretch>
+        </p:blipFill>
+        <p:spPr>
+          <a:xfrm>
+            <a:off x="2993856" y="2116829"/>
+            <a:ext cx="5478935" cy="3926570"/>
+          </a:xfrm>
+        </p:spPr>
+      </p:pic>
+      <p:cxnSp>
+        <p:nvCxnSpPr>
+          <p:cNvPr id="11" name="Gerader Verbinder 10">
+            <a:extLst>
+              <a:ext uri="{FF2B5EF4-FFF2-40B4-BE49-F238E27FC236}">
+                <a16:creationId xmlns:a16="http://schemas.microsoft.com/office/drawing/2014/main" id="{6D09712D-ADCB-42DC-AEB5-D8DA9CFAF6DD}"/>
+              </a:ext>
+            </a:extLst>
+          </p:cNvPr>
+          <p:cNvCxnSpPr>
+            <a:cxnSpLocks/>
+          </p:cNvCxnSpPr>
+          <p:nvPr/>
+        </p:nvCxnSpPr>
+        <p:spPr>
+          <a:xfrm flipV="1">
+            <a:off x="6058292" y="2394408"/>
+            <a:ext cx="0" cy="3121176"/>
+          </a:xfrm>
+          <a:prstGeom prst="line">
+            <a:avLst/>
+          </a:prstGeom>
+          <a:ln w="28575">
+            <a:solidFill>
+              <a:srgbClr val="FF0000"/>
+            </a:solidFill>
+          </a:ln>
+        </p:spPr>
+        <p:style>
+          <a:lnRef idx="1">
+            <a:schemeClr val="accent1"/>
+          </a:lnRef>
+          <a:fillRef idx="0">
+            <a:schemeClr val="accent1"/>
+          </a:fillRef>
+          <a:effectRef idx="0">
+            <a:schemeClr val="accent1"/>
+          </a:effectRef>
+          <a:fontRef idx="minor">
+            <a:schemeClr val="tx1"/>
+          </a:fontRef>
+        </p:style>
+      </p:cxnSp>
     </p:spTree>
     <p:extLst>
       <p:ext uri="{BB962C8B-B14F-4D97-AF65-F5344CB8AC3E}">
@@ -37593,6 +37617,89 @@
   <p:clrMapOvr>
     <a:masterClrMapping/>
   </p:clrMapOvr>
+  <p:timing>
+    <p:tnLst>
+      <p:par>
+        <p:cTn id="1" dur="indefinite" restart="never" nodeType="tmRoot">
+          <p:childTnLst>
+            <p:seq concurrent="1" nextAc="seek">
+              <p:cTn id="2" dur="indefinite" nodeType="mainSeq">
+                <p:childTnLst>
+                  <p:par>
+                    <p:cTn id="3" fill="hold">
+                      <p:stCondLst>
+                        <p:cond delay="indefinite"/>
+                      </p:stCondLst>
+                      <p:childTnLst>
+                        <p:par>
+                          <p:cTn id="4" fill="hold">
+                            <p:stCondLst>
+                              <p:cond delay="0"/>
+                            </p:stCondLst>
+                            <p:childTnLst>
+                              <p:par>
+                                <p:cTn id="5" presetID="10" presetClass="entr" presetSubtype="0" fill="hold" nodeType="clickEffect">
+                                  <p:stCondLst>
+                                    <p:cond delay="0"/>
+                                  </p:stCondLst>
+                                  <p:childTnLst>
+                                    <p:set>
+                                      <p:cBhvr>
+                                        <p:cTn id="6" dur="1" fill="hold">
+                                          <p:stCondLst>
+                                            <p:cond delay="0"/>
+                                          </p:stCondLst>
+                                        </p:cTn>
+                                        <p:tgtEl>
+                                          <p:spTgt spid="11"/>
+                                        </p:tgtEl>
+                                        <p:attrNameLst>
+                                          <p:attrName>style.visibility</p:attrName>
+                                        </p:attrNameLst>
+                                      </p:cBhvr>
+                                      <p:to>
+                                        <p:strVal val="visible"/>
+                                      </p:to>
+                                    </p:set>
+                                    <p:animEffect transition="in" filter="fade">
+                                      <p:cBhvr>
+                                        <p:cTn id="7" dur="500"/>
+                                        <p:tgtEl>
+                                          <p:spTgt spid="11"/>
+                                        </p:tgtEl>
+                                      </p:cBhvr>
+                                    </p:animEffect>
+                                  </p:childTnLst>
+                                </p:cTn>
+                              </p:par>
+                            </p:childTnLst>
+                          </p:cTn>
+                        </p:par>
+                      </p:childTnLst>
+                    </p:cTn>
+                  </p:par>
+                </p:childTnLst>
+              </p:cTn>
+              <p:prevCondLst>
+                <p:cond evt="onPrev" delay="0">
+                  <p:tgtEl>
+                    <p:sldTgt/>
+                  </p:tgtEl>
+                </p:cond>
+              </p:prevCondLst>
+              <p:nextCondLst>
+                <p:cond evt="onNext" delay="0">
+                  <p:tgtEl>
+                    <p:sldTgt/>
+                  </p:tgtEl>
+                </p:cond>
+              </p:nextCondLst>
+            </p:seq>
+          </p:childTnLst>
+        </p:cTn>
+      </p:par>
+    </p:tnLst>
+  </p:timing>
 </p:sld>
 </file>
 
